--- a/presentazione/presentazione.pptx
+++ b/presentazione/presentazione.pptx
@@ -2,34 +2,35 @@
 <file path=ppt/presentation.xml><?xml version="1.0" encoding="utf-8"?>
 <p:presentation xmlns:a="http://schemas.openxmlformats.org/drawingml/2006/main" xmlns:r="http://schemas.openxmlformats.org/officeDocument/2006/relationships" xmlns:p="http://schemas.openxmlformats.org/presentationml/2006/main" showSpecialPlsOnTitleSld="0" strictFirstAndLastChars="0" saveSubsetFonts="1">
   <p:sldMasterIdLst>
-    <p:sldMasterId id="2147483749" r:id="rId1"/>
+    <p:sldMasterId id="2147483797" r:id="rId1"/>
   </p:sldMasterIdLst>
   <p:notesMasterIdLst>
-    <p:notesMasterId r:id="rId13"/>
+    <p:notesMasterId r:id="rId14"/>
   </p:notesMasterIdLst>
   <p:handoutMasterIdLst>
-    <p:handoutMasterId r:id="rId14"/>
+    <p:handoutMasterId r:id="rId15"/>
   </p:handoutMasterIdLst>
   <p:sldIdLst>
     <p:sldId id="256" r:id="rId2"/>
     <p:sldId id="257" r:id="rId3"/>
     <p:sldId id="258" r:id="rId4"/>
     <p:sldId id="267" r:id="rId5"/>
-    <p:sldId id="266" r:id="rId6"/>
-    <p:sldId id="261" r:id="rId7"/>
-    <p:sldId id="262" r:id="rId8"/>
-    <p:sldId id="263" r:id="rId9"/>
-    <p:sldId id="264" r:id="rId10"/>
-    <p:sldId id="265" r:id="rId11"/>
-    <p:sldId id="268" r:id="rId12"/>
+    <p:sldId id="269" r:id="rId6"/>
+    <p:sldId id="266" r:id="rId7"/>
+    <p:sldId id="261" r:id="rId8"/>
+    <p:sldId id="262" r:id="rId9"/>
+    <p:sldId id="263" r:id="rId10"/>
+    <p:sldId id="264" r:id="rId11"/>
+    <p:sldId id="265" r:id="rId12"/>
+    <p:sldId id="268" r:id="rId13"/>
   </p:sldIdLst>
   <p:sldSz cx="9144000" cy="6858000" type="screen4x3"/>
   <p:notesSz cx="6858000" cy="9144000"/>
   <p:defaultTextStyle>
     <a:defPPr>
-      <a:defRPr lang="it-IT"/>
+      <a:defRPr lang="en-US"/>
     </a:defPPr>
-    <a:lvl1pPr marL="0" algn="l" defTabSz="914400" rtl="0" eaLnBrk="1" latinLnBrk="0" hangingPunct="1">
+    <a:lvl1pPr marL="0" algn="l" defTabSz="457200" rtl="0" eaLnBrk="1" latinLnBrk="0" hangingPunct="1">
       <a:defRPr sz="1800" kern="1200">
         <a:solidFill>
           <a:schemeClr val="tx1"/>
@@ -39,7 +40,7 @@
         <a:cs typeface="+mn-cs"/>
       </a:defRPr>
     </a:lvl1pPr>
-    <a:lvl2pPr marL="457200" algn="l" defTabSz="914400" rtl="0" eaLnBrk="1" latinLnBrk="0" hangingPunct="1">
+    <a:lvl2pPr marL="457200" algn="l" defTabSz="457200" rtl="0" eaLnBrk="1" latinLnBrk="0" hangingPunct="1">
       <a:defRPr sz="1800" kern="1200">
         <a:solidFill>
           <a:schemeClr val="tx1"/>
@@ -49,7 +50,7 @@
         <a:cs typeface="+mn-cs"/>
       </a:defRPr>
     </a:lvl2pPr>
-    <a:lvl3pPr marL="914400" algn="l" defTabSz="914400" rtl="0" eaLnBrk="1" latinLnBrk="0" hangingPunct="1">
+    <a:lvl3pPr marL="914400" algn="l" defTabSz="457200" rtl="0" eaLnBrk="1" latinLnBrk="0" hangingPunct="1">
       <a:defRPr sz="1800" kern="1200">
         <a:solidFill>
           <a:schemeClr val="tx1"/>
@@ -59,7 +60,7 @@
         <a:cs typeface="+mn-cs"/>
       </a:defRPr>
     </a:lvl3pPr>
-    <a:lvl4pPr marL="1371600" algn="l" defTabSz="914400" rtl="0" eaLnBrk="1" latinLnBrk="0" hangingPunct="1">
+    <a:lvl4pPr marL="1371600" algn="l" defTabSz="457200" rtl="0" eaLnBrk="1" latinLnBrk="0" hangingPunct="1">
       <a:defRPr sz="1800" kern="1200">
         <a:solidFill>
           <a:schemeClr val="tx1"/>
@@ -69,7 +70,7 @@
         <a:cs typeface="+mn-cs"/>
       </a:defRPr>
     </a:lvl4pPr>
-    <a:lvl5pPr marL="1828800" algn="l" defTabSz="914400" rtl="0" eaLnBrk="1" latinLnBrk="0" hangingPunct="1">
+    <a:lvl5pPr marL="1828800" algn="l" defTabSz="457200" rtl="0" eaLnBrk="1" latinLnBrk="0" hangingPunct="1">
       <a:defRPr sz="1800" kern="1200">
         <a:solidFill>
           <a:schemeClr val="tx1"/>
@@ -79,7 +80,7 @@
         <a:cs typeface="+mn-cs"/>
       </a:defRPr>
     </a:lvl5pPr>
-    <a:lvl6pPr marL="2286000" algn="l" defTabSz="914400" rtl="0" eaLnBrk="1" latinLnBrk="0" hangingPunct="1">
+    <a:lvl6pPr marL="2286000" algn="l" defTabSz="457200" rtl="0" eaLnBrk="1" latinLnBrk="0" hangingPunct="1">
       <a:defRPr sz="1800" kern="1200">
         <a:solidFill>
           <a:schemeClr val="tx1"/>
@@ -89,7 +90,7 @@
         <a:cs typeface="+mn-cs"/>
       </a:defRPr>
     </a:lvl6pPr>
-    <a:lvl7pPr marL="2743200" algn="l" defTabSz="914400" rtl="0" eaLnBrk="1" latinLnBrk="0" hangingPunct="1">
+    <a:lvl7pPr marL="2743200" algn="l" defTabSz="457200" rtl="0" eaLnBrk="1" latinLnBrk="0" hangingPunct="1">
       <a:defRPr sz="1800" kern="1200">
         <a:solidFill>
           <a:schemeClr val="tx1"/>
@@ -99,7 +100,7 @@
         <a:cs typeface="+mn-cs"/>
       </a:defRPr>
     </a:lvl7pPr>
-    <a:lvl8pPr marL="3200400" algn="l" defTabSz="914400" rtl="0" eaLnBrk="1" latinLnBrk="0" hangingPunct="1">
+    <a:lvl8pPr marL="3200400" algn="l" defTabSz="457200" rtl="0" eaLnBrk="1" latinLnBrk="0" hangingPunct="1">
       <a:defRPr sz="1800" kern="1200">
         <a:solidFill>
           <a:schemeClr val="tx1"/>
@@ -109,7 +110,7 @@
         <a:cs typeface="+mn-cs"/>
       </a:defRPr>
     </a:lvl8pPr>
-    <a:lvl9pPr marL="3657600" algn="l" defTabSz="914400" rtl="0" eaLnBrk="1" latinLnBrk="0" hangingPunct="1">
+    <a:lvl9pPr marL="3657600" algn="l" defTabSz="457200" rtl="0" eaLnBrk="1" latinLnBrk="0" hangingPunct="1">
       <a:defRPr sz="1800" kern="1200">
         <a:solidFill>
           <a:schemeClr val="tx1"/>
@@ -1139,13 +1140,7 @@
       </p:grpSpPr>
       <p:sp>
         <p:nvSpPr>
-          <p:cNvPr id="2" name="Titolo 1">
-            <a:extLst>
-              <a:ext uri="{FF2B5EF4-FFF2-40B4-BE49-F238E27FC236}">
-                <a16:creationId xmlns:a16="http://schemas.microsoft.com/office/drawing/2014/main" id="{EFB370F2-4558-487D-8AF5-4E0CF0E3D679}"/>
-              </a:ext>
-            </a:extLst>
-          </p:cNvPr>
+          <p:cNvPr id="2" name="Title 1"/>
           <p:cNvSpPr>
             <a:spLocks noGrp="1"/>
           </p:cNvSpPr>
@@ -1155,15 +1150,15 @@
         </p:nvSpPr>
         <p:spPr>
           <a:xfrm>
-            <a:off x="1143000" y="1122363"/>
-            <a:ext cx="6858000" cy="2387600"/>
+            <a:off x="685800" y="1122363"/>
+            <a:ext cx="7772400" cy="2387600"/>
           </a:xfrm>
         </p:spPr>
         <p:txBody>
           <a:bodyPr anchor="b"/>
           <a:lstStyle>
             <a:lvl1pPr algn="ctr">
-              <a:defRPr sz="4500"/>
+              <a:defRPr sz="6000"/>
             </a:lvl1pPr>
           </a:lstStyle>
           <a:p>
@@ -1171,18 +1166,13 @@
               <a:rPr lang="it-IT"/>
               <a:t>Fare clic per modificare lo stile del titolo dello schema</a:t>
             </a:r>
-          </a:p>
-        </p:txBody>
-      </p:sp>
-      <p:sp>
-        <p:nvSpPr>
-          <p:cNvPr id="3" name="Sottotitolo 2">
-            <a:extLst>
-              <a:ext uri="{FF2B5EF4-FFF2-40B4-BE49-F238E27FC236}">
-                <a16:creationId xmlns:a16="http://schemas.microsoft.com/office/drawing/2014/main" id="{1F93EEE1-9D36-4F21-AE77-5CCBBF5AD872}"/>
-              </a:ext>
-            </a:extLst>
-          </p:cNvPr>
+            <a:endParaRPr lang="en-US" dirty="0"/>
+          </a:p>
+        </p:txBody>
+      </p:sp>
+      <p:sp>
+        <p:nvSpPr>
+          <p:cNvPr id="3" name="Subtitle 2"/>
           <p:cNvSpPr>
             <a:spLocks noGrp="1"/>
           </p:cNvSpPr>
@@ -1201,39 +1191,39 @@
           <a:lstStyle>
             <a:lvl1pPr marL="0" indent="0" algn="ctr">
               <a:buNone/>
+              <a:defRPr sz="2400"/>
+            </a:lvl1pPr>
+            <a:lvl2pPr marL="457200" indent="0" algn="ctr">
+              <a:buNone/>
+              <a:defRPr sz="2000"/>
+            </a:lvl2pPr>
+            <a:lvl3pPr marL="914400" indent="0" algn="ctr">
+              <a:buNone/>
               <a:defRPr sz="1800"/>
-            </a:lvl1pPr>
-            <a:lvl2pPr marL="342900" indent="0" algn="ctr">
+            </a:lvl3pPr>
+            <a:lvl4pPr marL="1371600" indent="0" algn="ctr">
               <a:buNone/>
-              <a:defRPr sz="1500"/>
-            </a:lvl2pPr>
-            <a:lvl3pPr marL="685800" indent="0" algn="ctr">
+              <a:defRPr sz="1600"/>
+            </a:lvl4pPr>
+            <a:lvl5pPr marL="1828800" indent="0" algn="ctr">
               <a:buNone/>
-              <a:defRPr sz="1350"/>
-            </a:lvl3pPr>
-            <a:lvl4pPr marL="1028700" indent="0" algn="ctr">
+              <a:defRPr sz="1600"/>
+            </a:lvl5pPr>
+            <a:lvl6pPr marL="2286000" indent="0" algn="ctr">
               <a:buNone/>
-              <a:defRPr sz="1200"/>
-            </a:lvl4pPr>
-            <a:lvl5pPr marL="1371600" indent="0" algn="ctr">
+              <a:defRPr sz="1600"/>
+            </a:lvl6pPr>
+            <a:lvl7pPr marL="2743200" indent="0" algn="ctr">
               <a:buNone/>
-              <a:defRPr sz="1200"/>
-            </a:lvl5pPr>
-            <a:lvl6pPr marL="1714500" indent="0" algn="ctr">
+              <a:defRPr sz="1600"/>
+            </a:lvl7pPr>
+            <a:lvl8pPr marL="3200400" indent="0" algn="ctr">
               <a:buNone/>
-              <a:defRPr sz="1200"/>
-            </a:lvl6pPr>
-            <a:lvl7pPr marL="2057400" indent="0" algn="ctr">
+              <a:defRPr sz="1600"/>
+            </a:lvl8pPr>
+            <a:lvl9pPr marL="3657600" indent="0" algn="ctr">
               <a:buNone/>
-              <a:defRPr sz="1200"/>
-            </a:lvl7pPr>
-            <a:lvl8pPr marL="2400300" indent="0" algn="ctr">
-              <a:buNone/>
-              <a:defRPr sz="1200"/>
-            </a:lvl8pPr>
-            <a:lvl9pPr marL="2743200" indent="0" algn="ctr">
-              <a:buNone/>
-              <a:defRPr sz="1200"/>
+              <a:defRPr sz="1600"/>
             </a:lvl9pPr>
           </a:lstStyle>
           <a:p>
@@ -1241,18 +1231,13 @@
               <a:rPr lang="it-IT"/>
               <a:t>Fare clic per modificare lo stile del sottotitolo dello schema</a:t>
             </a:r>
-          </a:p>
-        </p:txBody>
-      </p:sp>
-      <p:sp>
-        <p:nvSpPr>
-          <p:cNvPr id="4" name="Segnaposto data 3">
-            <a:extLst>
-              <a:ext uri="{FF2B5EF4-FFF2-40B4-BE49-F238E27FC236}">
-                <a16:creationId xmlns:a16="http://schemas.microsoft.com/office/drawing/2014/main" id="{BE1600E1-6E6B-4516-B342-3992311C3DED}"/>
-              </a:ext>
-            </a:extLst>
-          </p:cNvPr>
+            <a:endParaRPr lang="en-US" dirty="0"/>
+          </a:p>
+        </p:txBody>
+      </p:sp>
+      <p:sp>
+        <p:nvSpPr>
+          <p:cNvPr id="4" name="Date Placeholder 3"/>
           <p:cNvSpPr>
             <a:spLocks noGrp="1"/>
           </p:cNvSpPr>
@@ -1278,13 +1263,7 @@
       </p:sp>
       <p:sp>
         <p:nvSpPr>
-          <p:cNvPr id="5" name="Segnaposto piè di pagina 4">
-            <a:extLst>
-              <a:ext uri="{FF2B5EF4-FFF2-40B4-BE49-F238E27FC236}">
-                <a16:creationId xmlns:a16="http://schemas.microsoft.com/office/drawing/2014/main" id="{56326AAD-30BC-4868-B3E2-E1397A3A228A}"/>
-              </a:ext>
-            </a:extLst>
-          </p:cNvPr>
+          <p:cNvPr id="5" name="Footer Placeholder 4"/>
           <p:cNvSpPr>
             <a:spLocks noGrp="1"/>
           </p:cNvSpPr>
@@ -1300,23 +1279,13 @@
             <a:pPr>
               <a:defRPr/>
             </a:pPr>
-            <a:r>
-              <a:rPr lang="it-IT"/>
-              <a:t>Studio e sviluppo di un sistema di raccomandazione context-aware per sistemi mobili e pervasivi</a:t>
-            </a:r>
             <a:endParaRPr lang="en-GB"/>
           </a:p>
         </p:txBody>
       </p:sp>
       <p:sp>
         <p:nvSpPr>
-          <p:cNvPr id="6" name="Segnaposto numero diapositiva 5">
-            <a:extLst>
-              <a:ext uri="{FF2B5EF4-FFF2-40B4-BE49-F238E27FC236}">
-                <a16:creationId xmlns:a16="http://schemas.microsoft.com/office/drawing/2014/main" id="{2B06EF13-D854-4FF3-B38F-E44461A1990B}"/>
-              </a:ext>
-            </a:extLst>
-          </p:cNvPr>
+          <p:cNvPr id="6" name="Slide Number Placeholder 5"/>
           <p:cNvSpPr>
             <a:spLocks noGrp="1"/>
           </p:cNvSpPr>
@@ -1341,7 +1310,7 @@
     </p:spTree>
     <p:extLst>
       <p:ext uri="{BB962C8B-B14F-4D97-AF65-F5344CB8AC3E}">
-        <p14:creationId xmlns:p14="http://schemas.microsoft.com/office/powerpoint/2010/main" val="2391946399"/>
+        <p14:creationId xmlns:p14="http://schemas.microsoft.com/office/powerpoint/2010/main" val="3646139000"/>
       </p:ext>
     </p:extLst>
   </p:cSld>
@@ -1370,13 +1339,7 @@
       </p:grpSpPr>
       <p:sp>
         <p:nvSpPr>
-          <p:cNvPr id="2" name="Titolo 1">
-            <a:extLst>
-              <a:ext uri="{FF2B5EF4-FFF2-40B4-BE49-F238E27FC236}">
-                <a16:creationId xmlns:a16="http://schemas.microsoft.com/office/drawing/2014/main" id="{02F49426-76A4-47A0-82E1-AE335745D640}"/>
-              </a:ext>
-            </a:extLst>
-          </p:cNvPr>
+          <p:cNvPr id="2" name="Title 1"/>
           <p:cNvSpPr>
             <a:spLocks noGrp="1"/>
           </p:cNvSpPr>
@@ -1393,18 +1356,13 @@
               <a:rPr lang="it-IT"/>
               <a:t>Fare clic per modificare lo stile del titolo dello schema</a:t>
             </a:r>
-          </a:p>
-        </p:txBody>
-      </p:sp>
-      <p:sp>
-        <p:nvSpPr>
-          <p:cNvPr id="3" name="Segnaposto testo verticale 2">
-            <a:extLst>
-              <a:ext uri="{FF2B5EF4-FFF2-40B4-BE49-F238E27FC236}">
-                <a16:creationId xmlns:a16="http://schemas.microsoft.com/office/drawing/2014/main" id="{2F8052F8-3B67-4224-8B11-C8295B32A4CA}"/>
-              </a:ext>
-            </a:extLst>
-          </p:cNvPr>
+            <a:endParaRPr lang="en-US" dirty="0"/>
+          </a:p>
+        </p:txBody>
+      </p:sp>
+      <p:sp>
+        <p:nvSpPr>
+          <p:cNvPr id="3" name="Vertical Text Placeholder 2"/>
           <p:cNvSpPr>
             <a:spLocks noGrp="1"/>
           </p:cNvSpPr>
@@ -1450,18 +1408,13 @@
               <a:rPr lang="it-IT"/>
               <a:t>Quinto livello</a:t>
             </a:r>
-          </a:p>
-        </p:txBody>
-      </p:sp>
-      <p:sp>
-        <p:nvSpPr>
-          <p:cNvPr id="4" name="Segnaposto data 3">
-            <a:extLst>
-              <a:ext uri="{FF2B5EF4-FFF2-40B4-BE49-F238E27FC236}">
-                <a16:creationId xmlns:a16="http://schemas.microsoft.com/office/drawing/2014/main" id="{E39F7F91-E5CB-4810-A57E-244CA3E75973}"/>
-              </a:ext>
-            </a:extLst>
-          </p:cNvPr>
+            <a:endParaRPr lang="en-US" dirty="0"/>
+          </a:p>
+        </p:txBody>
+      </p:sp>
+      <p:sp>
+        <p:nvSpPr>
+          <p:cNvPr id="4" name="Date Placeholder 3"/>
           <p:cNvSpPr>
             <a:spLocks noGrp="1"/>
           </p:cNvSpPr>
@@ -1487,13 +1440,7 @@
       </p:sp>
       <p:sp>
         <p:nvSpPr>
-          <p:cNvPr id="5" name="Segnaposto piè di pagina 4">
-            <a:extLst>
-              <a:ext uri="{FF2B5EF4-FFF2-40B4-BE49-F238E27FC236}">
-                <a16:creationId xmlns:a16="http://schemas.microsoft.com/office/drawing/2014/main" id="{C44836A4-29F7-4D72-917C-A5DCE3780FEC}"/>
-              </a:ext>
-            </a:extLst>
-          </p:cNvPr>
+          <p:cNvPr id="5" name="Footer Placeholder 4"/>
           <p:cNvSpPr>
             <a:spLocks noGrp="1"/>
           </p:cNvSpPr>
@@ -1509,23 +1456,13 @@
             <a:pPr>
               <a:defRPr/>
             </a:pPr>
-            <a:r>
-              <a:rPr lang="it-IT"/>
-              <a:t>Studio e sviluppo di un sistema di raccomandazione context-aware per sistemi mobili e pervasivi</a:t>
-            </a:r>
             <a:endParaRPr lang="en-GB"/>
           </a:p>
         </p:txBody>
       </p:sp>
       <p:sp>
         <p:nvSpPr>
-          <p:cNvPr id="6" name="Segnaposto numero diapositiva 5">
-            <a:extLst>
-              <a:ext uri="{FF2B5EF4-FFF2-40B4-BE49-F238E27FC236}">
-                <a16:creationId xmlns:a16="http://schemas.microsoft.com/office/drawing/2014/main" id="{3BFB0C41-F7A0-4081-BA8C-D157F803B822}"/>
-              </a:ext>
-            </a:extLst>
-          </p:cNvPr>
+          <p:cNvPr id="6" name="Slide Number Placeholder 5"/>
           <p:cNvSpPr>
             <a:spLocks noGrp="1"/>
           </p:cNvSpPr>
@@ -1550,7 +1487,7 @@
     </p:spTree>
     <p:extLst>
       <p:ext uri="{BB962C8B-B14F-4D97-AF65-F5344CB8AC3E}">
-        <p14:creationId xmlns:p14="http://schemas.microsoft.com/office/powerpoint/2010/main" val="278841971"/>
+        <p14:creationId xmlns:p14="http://schemas.microsoft.com/office/powerpoint/2010/main" val="200694985"/>
       </p:ext>
     </p:extLst>
   </p:cSld>
@@ -1579,13 +1516,7 @@
       </p:grpSpPr>
       <p:sp>
         <p:nvSpPr>
-          <p:cNvPr id="2" name="Titolo verticale 1">
-            <a:extLst>
-              <a:ext uri="{FF2B5EF4-FFF2-40B4-BE49-F238E27FC236}">
-                <a16:creationId xmlns:a16="http://schemas.microsoft.com/office/drawing/2014/main" id="{AEA6646F-EBBD-421A-A9E0-0A604B6A5992}"/>
-              </a:ext>
-            </a:extLst>
-          </p:cNvPr>
+          <p:cNvPr id="2" name="Vertical Title 1"/>
           <p:cNvSpPr>
             <a:spLocks noGrp="1"/>
           </p:cNvSpPr>
@@ -1607,18 +1538,13 @@
               <a:rPr lang="it-IT"/>
               <a:t>Fare clic per modificare lo stile del titolo dello schema</a:t>
             </a:r>
-          </a:p>
-        </p:txBody>
-      </p:sp>
-      <p:sp>
-        <p:nvSpPr>
-          <p:cNvPr id="3" name="Segnaposto testo verticale 2">
-            <a:extLst>
-              <a:ext uri="{FF2B5EF4-FFF2-40B4-BE49-F238E27FC236}">
-                <a16:creationId xmlns:a16="http://schemas.microsoft.com/office/drawing/2014/main" id="{AD371FA7-E939-4FC7-9A5D-1E1AF7BA5327}"/>
-              </a:ext>
-            </a:extLst>
-          </p:cNvPr>
+            <a:endParaRPr lang="en-US" dirty="0"/>
+          </a:p>
+        </p:txBody>
+      </p:sp>
+      <p:sp>
+        <p:nvSpPr>
+          <p:cNvPr id="3" name="Vertical Text Placeholder 2"/>
           <p:cNvSpPr>
             <a:spLocks noGrp="1"/>
           </p:cNvSpPr>
@@ -1669,18 +1595,13 @@
               <a:rPr lang="it-IT"/>
               <a:t>Quinto livello</a:t>
             </a:r>
-          </a:p>
-        </p:txBody>
-      </p:sp>
-      <p:sp>
-        <p:nvSpPr>
-          <p:cNvPr id="4" name="Segnaposto data 3">
-            <a:extLst>
-              <a:ext uri="{FF2B5EF4-FFF2-40B4-BE49-F238E27FC236}">
-                <a16:creationId xmlns:a16="http://schemas.microsoft.com/office/drawing/2014/main" id="{807E6B9F-E8AD-43E6-8FC2-DFFC75432C76}"/>
-              </a:ext>
-            </a:extLst>
-          </p:cNvPr>
+            <a:endParaRPr lang="en-US" dirty="0"/>
+          </a:p>
+        </p:txBody>
+      </p:sp>
+      <p:sp>
+        <p:nvSpPr>
+          <p:cNvPr id="4" name="Date Placeholder 3"/>
           <p:cNvSpPr>
             <a:spLocks noGrp="1"/>
           </p:cNvSpPr>
@@ -1706,13 +1627,7 @@
       </p:sp>
       <p:sp>
         <p:nvSpPr>
-          <p:cNvPr id="5" name="Segnaposto piè di pagina 4">
-            <a:extLst>
-              <a:ext uri="{FF2B5EF4-FFF2-40B4-BE49-F238E27FC236}">
-                <a16:creationId xmlns:a16="http://schemas.microsoft.com/office/drawing/2014/main" id="{9E6E2F90-BC36-4303-B830-F2C16AAB4E07}"/>
-              </a:ext>
-            </a:extLst>
-          </p:cNvPr>
+          <p:cNvPr id="5" name="Footer Placeholder 4"/>
           <p:cNvSpPr>
             <a:spLocks noGrp="1"/>
           </p:cNvSpPr>
@@ -1728,23 +1643,13 @@
             <a:pPr>
               <a:defRPr/>
             </a:pPr>
-            <a:r>
-              <a:rPr lang="it-IT"/>
-              <a:t>Studio e sviluppo di un sistema di raccomandazione context-aware per sistemi mobili e pervasivi</a:t>
-            </a:r>
             <a:endParaRPr lang="en-GB"/>
           </a:p>
         </p:txBody>
       </p:sp>
       <p:sp>
         <p:nvSpPr>
-          <p:cNvPr id="6" name="Segnaposto numero diapositiva 5">
-            <a:extLst>
-              <a:ext uri="{FF2B5EF4-FFF2-40B4-BE49-F238E27FC236}">
-                <a16:creationId xmlns:a16="http://schemas.microsoft.com/office/drawing/2014/main" id="{B806E868-1671-4F34-BE03-E2F62C870733}"/>
-              </a:ext>
-            </a:extLst>
-          </p:cNvPr>
+          <p:cNvPr id="6" name="Slide Number Placeholder 5"/>
           <p:cNvSpPr>
             <a:spLocks noGrp="1"/>
           </p:cNvSpPr>
@@ -1769,7 +1674,7 @@
     </p:spTree>
     <p:extLst>
       <p:ext uri="{BB962C8B-B14F-4D97-AF65-F5344CB8AC3E}">
-        <p14:creationId xmlns:p14="http://schemas.microsoft.com/office/powerpoint/2010/main" val="2312588476"/>
+        <p14:creationId xmlns:p14="http://schemas.microsoft.com/office/powerpoint/2010/main" val="1096803335"/>
       </p:ext>
     </p:extLst>
   </p:cSld>
@@ -1798,13 +1703,7 @@
       </p:grpSpPr>
       <p:sp>
         <p:nvSpPr>
-          <p:cNvPr id="2" name="Titolo 1">
-            <a:extLst>
-              <a:ext uri="{FF2B5EF4-FFF2-40B4-BE49-F238E27FC236}">
-                <a16:creationId xmlns:a16="http://schemas.microsoft.com/office/drawing/2014/main" id="{C0AB2E36-2114-4493-A268-602B82297C47}"/>
-              </a:ext>
-            </a:extLst>
-          </p:cNvPr>
+          <p:cNvPr id="2" name="Title 1"/>
           <p:cNvSpPr>
             <a:spLocks noGrp="1"/>
           </p:cNvSpPr>
@@ -1821,18 +1720,13 @@
               <a:rPr lang="it-IT"/>
               <a:t>Fare clic per modificare lo stile del titolo dello schema</a:t>
             </a:r>
-          </a:p>
-        </p:txBody>
-      </p:sp>
-      <p:sp>
-        <p:nvSpPr>
-          <p:cNvPr id="3" name="Segnaposto contenuto 2">
-            <a:extLst>
-              <a:ext uri="{FF2B5EF4-FFF2-40B4-BE49-F238E27FC236}">
-                <a16:creationId xmlns:a16="http://schemas.microsoft.com/office/drawing/2014/main" id="{7ED7836C-1D5A-4156-B05A-FDE10B3E6008}"/>
-              </a:ext>
-            </a:extLst>
-          </p:cNvPr>
+            <a:endParaRPr lang="en-US" dirty="0"/>
+          </a:p>
+        </p:txBody>
+      </p:sp>
+      <p:sp>
+        <p:nvSpPr>
+          <p:cNvPr id="3" name="Content Placeholder 2"/>
           <p:cNvSpPr>
             <a:spLocks noGrp="1"/>
           </p:cNvSpPr>
@@ -1878,18 +1772,13 @@
               <a:rPr lang="it-IT"/>
               <a:t>Quinto livello</a:t>
             </a:r>
-          </a:p>
-        </p:txBody>
-      </p:sp>
-      <p:sp>
-        <p:nvSpPr>
-          <p:cNvPr id="4" name="Segnaposto data 3">
-            <a:extLst>
-              <a:ext uri="{FF2B5EF4-FFF2-40B4-BE49-F238E27FC236}">
-                <a16:creationId xmlns:a16="http://schemas.microsoft.com/office/drawing/2014/main" id="{C5540911-276D-46E0-B983-8AC42AAE1600}"/>
-              </a:ext>
-            </a:extLst>
-          </p:cNvPr>
+            <a:endParaRPr lang="en-US" dirty="0"/>
+          </a:p>
+        </p:txBody>
+      </p:sp>
+      <p:sp>
+        <p:nvSpPr>
+          <p:cNvPr id="4" name="Date Placeholder 3"/>
           <p:cNvSpPr>
             <a:spLocks noGrp="1"/>
           </p:cNvSpPr>
@@ -1915,13 +1804,7 @@
       </p:sp>
       <p:sp>
         <p:nvSpPr>
-          <p:cNvPr id="5" name="Segnaposto piè di pagina 4">
-            <a:extLst>
-              <a:ext uri="{FF2B5EF4-FFF2-40B4-BE49-F238E27FC236}">
-                <a16:creationId xmlns:a16="http://schemas.microsoft.com/office/drawing/2014/main" id="{F572F2FE-F974-4A4B-B7CD-A226341D2326}"/>
-              </a:ext>
-            </a:extLst>
-          </p:cNvPr>
+          <p:cNvPr id="5" name="Footer Placeholder 4"/>
           <p:cNvSpPr>
             <a:spLocks noGrp="1"/>
           </p:cNvSpPr>
@@ -1937,23 +1820,13 @@
             <a:pPr>
               <a:defRPr/>
             </a:pPr>
-            <a:r>
-              <a:rPr lang="it-IT"/>
-              <a:t>Studio e sviluppo di un sistema di raccomandazione context-aware per sistemi mobili e pervasivi</a:t>
-            </a:r>
             <a:endParaRPr lang="en-GB"/>
           </a:p>
         </p:txBody>
       </p:sp>
       <p:sp>
         <p:nvSpPr>
-          <p:cNvPr id="6" name="Segnaposto numero diapositiva 5">
-            <a:extLst>
-              <a:ext uri="{FF2B5EF4-FFF2-40B4-BE49-F238E27FC236}">
-                <a16:creationId xmlns:a16="http://schemas.microsoft.com/office/drawing/2014/main" id="{4BBF6352-4FE3-4055-B479-8C01D9FF8B7E}"/>
-              </a:ext>
-            </a:extLst>
-          </p:cNvPr>
+          <p:cNvPr id="6" name="Slide Number Placeholder 5"/>
           <p:cNvSpPr>
             <a:spLocks noGrp="1"/>
           </p:cNvSpPr>
@@ -1978,7 +1851,7 @@
     </p:spTree>
     <p:extLst>
       <p:ext uri="{BB962C8B-B14F-4D97-AF65-F5344CB8AC3E}">
-        <p14:creationId xmlns:p14="http://schemas.microsoft.com/office/powerpoint/2010/main" val="2571824432"/>
+        <p14:creationId xmlns:p14="http://schemas.microsoft.com/office/powerpoint/2010/main" val="216539971"/>
       </p:ext>
     </p:extLst>
   </p:cSld>
@@ -2007,13 +1880,7 @@
       </p:grpSpPr>
       <p:sp>
         <p:nvSpPr>
-          <p:cNvPr id="2" name="Titolo 1">
-            <a:extLst>
-              <a:ext uri="{FF2B5EF4-FFF2-40B4-BE49-F238E27FC236}">
-                <a16:creationId xmlns:a16="http://schemas.microsoft.com/office/drawing/2014/main" id="{023C57E6-EF6C-4113-AE8A-B7F149ECE0DD}"/>
-              </a:ext>
-            </a:extLst>
-          </p:cNvPr>
+          <p:cNvPr id="2" name="Title 1"/>
           <p:cNvSpPr>
             <a:spLocks noGrp="1"/>
           </p:cNvSpPr>
@@ -2031,7 +1898,7 @@
           <a:bodyPr anchor="b"/>
           <a:lstStyle>
             <a:lvl1pPr>
-              <a:defRPr sz="4500"/>
+              <a:defRPr sz="6000"/>
             </a:lvl1pPr>
           </a:lstStyle>
           <a:p>
@@ -2039,18 +1906,13 @@
               <a:rPr lang="it-IT"/>
               <a:t>Fare clic per modificare lo stile del titolo dello schema</a:t>
             </a:r>
-          </a:p>
-        </p:txBody>
-      </p:sp>
-      <p:sp>
-        <p:nvSpPr>
-          <p:cNvPr id="3" name="Segnaposto testo 2">
-            <a:extLst>
-              <a:ext uri="{FF2B5EF4-FFF2-40B4-BE49-F238E27FC236}">
-                <a16:creationId xmlns:a16="http://schemas.microsoft.com/office/drawing/2014/main" id="{AF6623AE-1AF6-440A-8B30-3C72EF024AAD}"/>
-              </a:ext>
-            </a:extLst>
-          </p:cNvPr>
+            <a:endParaRPr lang="en-US" dirty="0"/>
+          </a:p>
+        </p:txBody>
+      </p:sp>
+      <p:sp>
+        <p:nvSpPr>
+          <p:cNvPr id="3" name="Text Placeholder 2"/>
           <p:cNvSpPr>
             <a:spLocks noGrp="1"/>
           </p:cNvSpPr>
@@ -2068,6 +1930,24 @@
           <a:bodyPr/>
           <a:lstStyle>
             <a:lvl1pPr marL="0" indent="0">
+              <a:buNone/>
+              <a:defRPr sz="2400">
+                <a:solidFill>
+                  <a:schemeClr val="tx1"/>
+                </a:solidFill>
+              </a:defRPr>
+            </a:lvl1pPr>
+            <a:lvl2pPr marL="457200" indent="0">
+              <a:buNone/>
+              <a:defRPr sz="2000">
+                <a:solidFill>
+                  <a:schemeClr val="tx1">
+                    <a:tint val="75000"/>
+                  </a:schemeClr>
+                </a:solidFill>
+              </a:defRPr>
+            </a:lvl2pPr>
+            <a:lvl3pPr marL="914400" indent="0">
               <a:buNone/>
               <a:defRPr sz="1800">
                 <a:solidFill>
@@ -2076,30 +1956,10 @@
                   </a:schemeClr>
                 </a:solidFill>
               </a:defRPr>
-            </a:lvl1pPr>
-            <a:lvl2pPr marL="342900" indent="0">
+            </a:lvl3pPr>
+            <a:lvl4pPr marL="1371600" indent="0">
               <a:buNone/>
-              <a:defRPr sz="1500">
-                <a:solidFill>
-                  <a:schemeClr val="tx1">
-                    <a:tint val="75000"/>
-                  </a:schemeClr>
-                </a:solidFill>
-              </a:defRPr>
-            </a:lvl2pPr>
-            <a:lvl3pPr marL="685800" indent="0">
-              <a:buNone/>
-              <a:defRPr sz="1350">
-                <a:solidFill>
-                  <a:schemeClr val="tx1">
-                    <a:tint val="75000"/>
-                  </a:schemeClr>
-                </a:solidFill>
-              </a:defRPr>
-            </a:lvl3pPr>
-            <a:lvl4pPr marL="1028700" indent="0">
-              <a:buNone/>
-              <a:defRPr sz="1200">
+              <a:defRPr sz="1600">
                 <a:solidFill>
                   <a:schemeClr val="tx1">
                     <a:tint val="75000"/>
@@ -2107,9 +1967,9 @@
                 </a:solidFill>
               </a:defRPr>
             </a:lvl4pPr>
-            <a:lvl5pPr marL="1371600" indent="0">
+            <a:lvl5pPr marL="1828800" indent="0">
               <a:buNone/>
-              <a:defRPr sz="1200">
+              <a:defRPr sz="1600">
                 <a:solidFill>
                   <a:schemeClr val="tx1">
                     <a:tint val="75000"/>
@@ -2117,9 +1977,9 @@
                 </a:solidFill>
               </a:defRPr>
             </a:lvl5pPr>
-            <a:lvl6pPr marL="1714500" indent="0">
+            <a:lvl6pPr marL="2286000" indent="0">
               <a:buNone/>
-              <a:defRPr sz="1200">
+              <a:defRPr sz="1600">
                 <a:solidFill>
                   <a:schemeClr val="tx1">
                     <a:tint val="75000"/>
@@ -2127,9 +1987,9 @@
                 </a:solidFill>
               </a:defRPr>
             </a:lvl6pPr>
-            <a:lvl7pPr marL="2057400" indent="0">
+            <a:lvl7pPr marL="2743200" indent="0">
               <a:buNone/>
-              <a:defRPr sz="1200">
+              <a:defRPr sz="1600">
                 <a:solidFill>
                   <a:schemeClr val="tx1">
                     <a:tint val="75000"/>
@@ -2137,9 +1997,9 @@
                 </a:solidFill>
               </a:defRPr>
             </a:lvl7pPr>
-            <a:lvl8pPr marL="2400300" indent="0">
+            <a:lvl8pPr marL="3200400" indent="0">
               <a:buNone/>
-              <a:defRPr sz="1200">
+              <a:defRPr sz="1600">
                 <a:solidFill>
                   <a:schemeClr val="tx1">
                     <a:tint val="75000"/>
@@ -2147,9 +2007,9 @@
                 </a:solidFill>
               </a:defRPr>
             </a:lvl8pPr>
-            <a:lvl9pPr marL="2743200" indent="0">
+            <a:lvl9pPr marL="3657600" indent="0">
               <a:buNone/>
-              <a:defRPr sz="1200">
+              <a:defRPr sz="1600">
                 <a:solidFill>
                   <a:schemeClr val="tx1">
                     <a:tint val="75000"/>
@@ -2169,13 +2029,7 @@
       </p:sp>
       <p:sp>
         <p:nvSpPr>
-          <p:cNvPr id="4" name="Segnaposto data 3">
-            <a:extLst>
-              <a:ext uri="{FF2B5EF4-FFF2-40B4-BE49-F238E27FC236}">
-                <a16:creationId xmlns:a16="http://schemas.microsoft.com/office/drawing/2014/main" id="{86CAFD33-9370-4F60-9D86-38F7A649956D}"/>
-              </a:ext>
-            </a:extLst>
-          </p:cNvPr>
+          <p:cNvPr id="4" name="Date Placeholder 3"/>
           <p:cNvSpPr>
             <a:spLocks noGrp="1"/>
           </p:cNvSpPr>
@@ -2201,13 +2055,7 @@
       </p:sp>
       <p:sp>
         <p:nvSpPr>
-          <p:cNvPr id="5" name="Segnaposto piè di pagina 4">
-            <a:extLst>
-              <a:ext uri="{FF2B5EF4-FFF2-40B4-BE49-F238E27FC236}">
-                <a16:creationId xmlns:a16="http://schemas.microsoft.com/office/drawing/2014/main" id="{750ABD85-6278-41BD-BC58-E33BAC16DBB2}"/>
-              </a:ext>
-            </a:extLst>
-          </p:cNvPr>
+          <p:cNvPr id="5" name="Footer Placeholder 4"/>
           <p:cNvSpPr>
             <a:spLocks noGrp="1"/>
           </p:cNvSpPr>
@@ -2223,23 +2071,13 @@
             <a:pPr>
               <a:defRPr/>
             </a:pPr>
-            <a:r>
-              <a:rPr lang="it-IT"/>
-              <a:t>Studio e sviluppo di un sistema di raccomandazione context-aware per sistemi mobili e pervasivi</a:t>
-            </a:r>
             <a:endParaRPr lang="en-GB"/>
           </a:p>
         </p:txBody>
       </p:sp>
       <p:sp>
         <p:nvSpPr>
-          <p:cNvPr id="6" name="Segnaposto numero diapositiva 5">
-            <a:extLst>
-              <a:ext uri="{FF2B5EF4-FFF2-40B4-BE49-F238E27FC236}">
-                <a16:creationId xmlns:a16="http://schemas.microsoft.com/office/drawing/2014/main" id="{8C4981C4-5622-46DF-A2DF-0E732DA60BF6}"/>
-              </a:ext>
-            </a:extLst>
-          </p:cNvPr>
+          <p:cNvPr id="6" name="Slide Number Placeholder 5"/>
           <p:cNvSpPr>
             <a:spLocks noGrp="1"/>
           </p:cNvSpPr>
@@ -2264,7 +2102,7 @@
     </p:spTree>
     <p:extLst>
       <p:ext uri="{BB962C8B-B14F-4D97-AF65-F5344CB8AC3E}">
-        <p14:creationId xmlns:p14="http://schemas.microsoft.com/office/powerpoint/2010/main" val="1983884186"/>
+        <p14:creationId xmlns:p14="http://schemas.microsoft.com/office/powerpoint/2010/main" val="341170551"/>
       </p:ext>
     </p:extLst>
   </p:cSld>
@@ -2293,13 +2131,7 @@
       </p:grpSpPr>
       <p:sp>
         <p:nvSpPr>
-          <p:cNvPr id="2" name="Titolo 1">
-            <a:extLst>
-              <a:ext uri="{FF2B5EF4-FFF2-40B4-BE49-F238E27FC236}">
-                <a16:creationId xmlns:a16="http://schemas.microsoft.com/office/drawing/2014/main" id="{D94EBFF8-DF2A-4569-8783-8B55A9F9742F}"/>
-              </a:ext>
-            </a:extLst>
-          </p:cNvPr>
+          <p:cNvPr id="2" name="Title 1"/>
           <p:cNvSpPr>
             <a:spLocks noGrp="1"/>
           </p:cNvSpPr>
@@ -2316,18 +2148,13 @@
               <a:rPr lang="it-IT"/>
               <a:t>Fare clic per modificare lo stile del titolo dello schema</a:t>
             </a:r>
-          </a:p>
-        </p:txBody>
-      </p:sp>
-      <p:sp>
-        <p:nvSpPr>
-          <p:cNvPr id="3" name="Segnaposto contenuto 2">
-            <a:extLst>
-              <a:ext uri="{FF2B5EF4-FFF2-40B4-BE49-F238E27FC236}">
-                <a16:creationId xmlns:a16="http://schemas.microsoft.com/office/drawing/2014/main" id="{CE0A8C38-8926-44BC-90B5-49604EF8027C}"/>
-              </a:ext>
-            </a:extLst>
-          </p:cNvPr>
+            <a:endParaRPr lang="en-US" dirty="0"/>
+          </a:p>
+        </p:txBody>
+      </p:sp>
+      <p:sp>
+        <p:nvSpPr>
+          <p:cNvPr id="3" name="Content Placeholder 2"/>
           <p:cNvSpPr>
             <a:spLocks noGrp="1"/>
           </p:cNvSpPr>
@@ -2378,18 +2205,13 @@
               <a:rPr lang="it-IT"/>
               <a:t>Quinto livello</a:t>
             </a:r>
-          </a:p>
-        </p:txBody>
-      </p:sp>
-      <p:sp>
-        <p:nvSpPr>
-          <p:cNvPr id="4" name="Segnaposto contenuto 3">
-            <a:extLst>
-              <a:ext uri="{FF2B5EF4-FFF2-40B4-BE49-F238E27FC236}">
-                <a16:creationId xmlns:a16="http://schemas.microsoft.com/office/drawing/2014/main" id="{E79FECD5-1B57-4791-85C2-31A5AE09B3FE}"/>
-              </a:ext>
-            </a:extLst>
-          </p:cNvPr>
+            <a:endParaRPr lang="en-US" dirty="0"/>
+          </a:p>
+        </p:txBody>
+      </p:sp>
+      <p:sp>
+        <p:nvSpPr>
+          <p:cNvPr id="4" name="Content Placeholder 3"/>
           <p:cNvSpPr>
             <a:spLocks noGrp="1"/>
           </p:cNvSpPr>
@@ -2440,18 +2262,13 @@
               <a:rPr lang="it-IT"/>
               <a:t>Quinto livello</a:t>
             </a:r>
-          </a:p>
-        </p:txBody>
-      </p:sp>
-      <p:sp>
-        <p:nvSpPr>
-          <p:cNvPr id="5" name="Segnaposto data 4">
-            <a:extLst>
-              <a:ext uri="{FF2B5EF4-FFF2-40B4-BE49-F238E27FC236}">
-                <a16:creationId xmlns:a16="http://schemas.microsoft.com/office/drawing/2014/main" id="{9C980744-2B1F-4410-86C1-113C82C1E0FE}"/>
-              </a:ext>
-            </a:extLst>
-          </p:cNvPr>
+            <a:endParaRPr lang="en-US" dirty="0"/>
+          </a:p>
+        </p:txBody>
+      </p:sp>
+      <p:sp>
+        <p:nvSpPr>
+          <p:cNvPr id="5" name="Date Placeholder 4"/>
           <p:cNvSpPr>
             <a:spLocks noGrp="1"/>
           </p:cNvSpPr>
@@ -2477,13 +2294,7 @@
       </p:sp>
       <p:sp>
         <p:nvSpPr>
-          <p:cNvPr id="6" name="Segnaposto piè di pagina 5">
-            <a:extLst>
-              <a:ext uri="{FF2B5EF4-FFF2-40B4-BE49-F238E27FC236}">
-                <a16:creationId xmlns:a16="http://schemas.microsoft.com/office/drawing/2014/main" id="{2BEB3499-B23A-48D3-9129-E73AF45FD862}"/>
-              </a:ext>
-            </a:extLst>
-          </p:cNvPr>
+          <p:cNvPr id="6" name="Footer Placeholder 5"/>
           <p:cNvSpPr>
             <a:spLocks noGrp="1"/>
           </p:cNvSpPr>
@@ -2499,23 +2310,13 @@
             <a:pPr>
               <a:defRPr/>
             </a:pPr>
-            <a:r>
-              <a:rPr lang="it-IT"/>
-              <a:t>Studio e sviluppo di un sistema di raccomandazione context-aware per sistemi mobili e pervasivi</a:t>
-            </a:r>
             <a:endParaRPr lang="en-GB"/>
           </a:p>
         </p:txBody>
       </p:sp>
       <p:sp>
         <p:nvSpPr>
-          <p:cNvPr id="7" name="Segnaposto numero diapositiva 6">
-            <a:extLst>
-              <a:ext uri="{FF2B5EF4-FFF2-40B4-BE49-F238E27FC236}">
-                <a16:creationId xmlns:a16="http://schemas.microsoft.com/office/drawing/2014/main" id="{D2425947-5399-4C6B-AE17-93776B22EEB4}"/>
-              </a:ext>
-            </a:extLst>
-          </p:cNvPr>
+          <p:cNvPr id="7" name="Slide Number Placeholder 6"/>
           <p:cNvSpPr>
             <a:spLocks noGrp="1"/>
           </p:cNvSpPr>
@@ -2540,7 +2341,7 @@
     </p:spTree>
     <p:extLst>
       <p:ext uri="{BB962C8B-B14F-4D97-AF65-F5344CB8AC3E}">
-        <p14:creationId xmlns:p14="http://schemas.microsoft.com/office/powerpoint/2010/main" val="1600446701"/>
+        <p14:creationId xmlns:p14="http://schemas.microsoft.com/office/powerpoint/2010/main" val="430319367"/>
       </p:ext>
     </p:extLst>
   </p:cSld>
@@ -2569,13 +2370,7 @@
       </p:grpSpPr>
       <p:sp>
         <p:nvSpPr>
-          <p:cNvPr id="2" name="Titolo 1">
-            <a:extLst>
-              <a:ext uri="{FF2B5EF4-FFF2-40B4-BE49-F238E27FC236}">
-                <a16:creationId xmlns:a16="http://schemas.microsoft.com/office/drawing/2014/main" id="{D3E94B62-B2AD-44C7-BF9D-9B60AA6A067F}"/>
-              </a:ext>
-            </a:extLst>
-          </p:cNvPr>
+          <p:cNvPr id="2" name="Title 1"/>
           <p:cNvSpPr>
             <a:spLocks noGrp="1"/>
           </p:cNvSpPr>
@@ -2597,18 +2392,13 @@
               <a:rPr lang="it-IT"/>
               <a:t>Fare clic per modificare lo stile del titolo dello schema</a:t>
             </a:r>
-          </a:p>
-        </p:txBody>
-      </p:sp>
-      <p:sp>
-        <p:nvSpPr>
-          <p:cNvPr id="3" name="Segnaposto testo 2">
-            <a:extLst>
-              <a:ext uri="{FF2B5EF4-FFF2-40B4-BE49-F238E27FC236}">
-                <a16:creationId xmlns:a16="http://schemas.microsoft.com/office/drawing/2014/main" id="{BF76ECF9-3ADF-4942-8397-612145371E4E}"/>
-              </a:ext>
-            </a:extLst>
-          </p:cNvPr>
+            <a:endParaRPr lang="en-US" dirty="0"/>
+          </a:p>
+        </p:txBody>
+      </p:sp>
+      <p:sp>
+        <p:nvSpPr>
+          <p:cNvPr id="3" name="Text Placeholder 2"/>
           <p:cNvSpPr>
             <a:spLocks noGrp="1"/>
           </p:cNvSpPr>
@@ -2627,39 +2417,39 @@
           <a:lstStyle>
             <a:lvl1pPr marL="0" indent="0">
               <a:buNone/>
+              <a:defRPr sz="2400" b="1"/>
+            </a:lvl1pPr>
+            <a:lvl2pPr marL="457200" indent="0">
+              <a:buNone/>
+              <a:defRPr sz="2000" b="1"/>
+            </a:lvl2pPr>
+            <a:lvl3pPr marL="914400" indent="0">
+              <a:buNone/>
               <a:defRPr sz="1800" b="1"/>
-            </a:lvl1pPr>
-            <a:lvl2pPr marL="342900" indent="0">
+            </a:lvl3pPr>
+            <a:lvl4pPr marL="1371600" indent="0">
               <a:buNone/>
-              <a:defRPr sz="1500" b="1"/>
-            </a:lvl2pPr>
-            <a:lvl3pPr marL="685800" indent="0">
+              <a:defRPr sz="1600" b="1"/>
+            </a:lvl4pPr>
+            <a:lvl5pPr marL="1828800" indent="0">
               <a:buNone/>
-              <a:defRPr sz="1350" b="1"/>
-            </a:lvl3pPr>
-            <a:lvl4pPr marL="1028700" indent="0">
+              <a:defRPr sz="1600" b="1"/>
+            </a:lvl5pPr>
+            <a:lvl6pPr marL="2286000" indent="0">
               <a:buNone/>
-              <a:defRPr sz="1200" b="1"/>
-            </a:lvl4pPr>
-            <a:lvl5pPr marL="1371600" indent="0">
+              <a:defRPr sz="1600" b="1"/>
+            </a:lvl6pPr>
+            <a:lvl7pPr marL="2743200" indent="0">
               <a:buNone/>
-              <a:defRPr sz="1200" b="1"/>
-            </a:lvl5pPr>
-            <a:lvl6pPr marL="1714500" indent="0">
+              <a:defRPr sz="1600" b="1"/>
+            </a:lvl7pPr>
+            <a:lvl8pPr marL="3200400" indent="0">
               <a:buNone/>
-              <a:defRPr sz="1200" b="1"/>
-            </a:lvl6pPr>
-            <a:lvl7pPr marL="2057400" indent="0">
+              <a:defRPr sz="1600" b="1"/>
+            </a:lvl8pPr>
+            <a:lvl9pPr marL="3657600" indent="0">
               <a:buNone/>
-              <a:defRPr sz="1200" b="1"/>
-            </a:lvl7pPr>
-            <a:lvl8pPr marL="2400300" indent="0">
-              <a:buNone/>
-              <a:defRPr sz="1200" b="1"/>
-            </a:lvl8pPr>
-            <a:lvl9pPr marL="2743200" indent="0">
-              <a:buNone/>
-              <a:defRPr sz="1200" b="1"/>
+              <a:defRPr sz="1600" b="1"/>
             </a:lvl9pPr>
           </a:lstStyle>
           <a:p>
@@ -2673,13 +2463,7 @@
       </p:sp>
       <p:sp>
         <p:nvSpPr>
-          <p:cNvPr id="4" name="Segnaposto contenuto 3">
-            <a:extLst>
-              <a:ext uri="{FF2B5EF4-FFF2-40B4-BE49-F238E27FC236}">
-                <a16:creationId xmlns:a16="http://schemas.microsoft.com/office/drawing/2014/main" id="{545AF825-75C6-4242-A6DD-92BCB0B628DB}"/>
-              </a:ext>
-            </a:extLst>
-          </p:cNvPr>
+          <p:cNvPr id="4" name="Content Placeholder 3"/>
           <p:cNvSpPr>
             <a:spLocks noGrp="1"/>
           </p:cNvSpPr>
@@ -2730,18 +2514,13 @@
               <a:rPr lang="it-IT"/>
               <a:t>Quinto livello</a:t>
             </a:r>
-          </a:p>
-        </p:txBody>
-      </p:sp>
-      <p:sp>
-        <p:nvSpPr>
-          <p:cNvPr id="5" name="Segnaposto testo 4">
-            <a:extLst>
-              <a:ext uri="{FF2B5EF4-FFF2-40B4-BE49-F238E27FC236}">
-                <a16:creationId xmlns:a16="http://schemas.microsoft.com/office/drawing/2014/main" id="{54DBBD73-792C-4F7F-A813-AA0BF7F6B5B1}"/>
-              </a:ext>
-            </a:extLst>
-          </p:cNvPr>
+            <a:endParaRPr lang="en-US" dirty="0"/>
+          </a:p>
+        </p:txBody>
+      </p:sp>
+      <p:sp>
+        <p:nvSpPr>
+          <p:cNvPr id="5" name="Text Placeholder 4"/>
           <p:cNvSpPr>
             <a:spLocks noGrp="1"/>
           </p:cNvSpPr>
@@ -2760,39 +2539,39 @@
           <a:lstStyle>
             <a:lvl1pPr marL="0" indent="0">
               <a:buNone/>
+              <a:defRPr sz="2400" b="1"/>
+            </a:lvl1pPr>
+            <a:lvl2pPr marL="457200" indent="0">
+              <a:buNone/>
+              <a:defRPr sz="2000" b="1"/>
+            </a:lvl2pPr>
+            <a:lvl3pPr marL="914400" indent="0">
+              <a:buNone/>
               <a:defRPr sz="1800" b="1"/>
-            </a:lvl1pPr>
-            <a:lvl2pPr marL="342900" indent="0">
+            </a:lvl3pPr>
+            <a:lvl4pPr marL="1371600" indent="0">
               <a:buNone/>
-              <a:defRPr sz="1500" b="1"/>
-            </a:lvl2pPr>
-            <a:lvl3pPr marL="685800" indent="0">
+              <a:defRPr sz="1600" b="1"/>
+            </a:lvl4pPr>
+            <a:lvl5pPr marL="1828800" indent="0">
               <a:buNone/>
-              <a:defRPr sz="1350" b="1"/>
-            </a:lvl3pPr>
-            <a:lvl4pPr marL="1028700" indent="0">
+              <a:defRPr sz="1600" b="1"/>
+            </a:lvl5pPr>
+            <a:lvl6pPr marL="2286000" indent="0">
               <a:buNone/>
-              <a:defRPr sz="1200" b="1"/>
-            </a:lvl4pPr>
-            <a:lvl5pPr marL="1371600" indent="0">
+              <a:defRPr sz="1600" b="1"/>
+            </a:lvl6pPr>
+            <a:lvl7pPr marL="2743200" indent="0">
               <a:buNone/>
-              <a:defRPr sz="1200" b="1"/>
-            </a:lvl5pPr>
-            <a:lvl6pPr marL="1714500" indent="0">
+              <a:defRPr sz="1600" b="1"/>
+            </a:lvl7pPr>
+            <a:lvl8pPr marL="3200400" indent="0">
               <a:buNone/>
-              <a:defRPr sz="1200" b="1"/>
-            </a:lvl6pPr>
-            <a:lvl7pPr marL="2057400" indent="0">
+              <a:defRPr sz="1600" b="1"/>
+            </a:lvl8pPr>
+            <a:lvl9pPr marL="3657600" indent="0">
               <a:buNone/>
-              <a:defRPr sz="1200" b="1"/>
-            </a:lvl7pPr>
-            <a:lvl8pPr marL="2400300" indent="0">
-              <a:buNone/>
-              <a:defRPr sz="1200" b="1"/>
-            </a:lvl8pPr>
-            <a:lvl9pPr marL="2743200" indent="0">
-              <a:buNone/>
-              <a:defRPr sz="1200" b="1"/>
+              <a:defRPr sz="1600" b="1"/>
             </a:lvl9pPr>
           </a:lstStyle>
           <a:p>
@@ -2806,13 +2585,7 @@
       </p:sp>
       <p:sp>
         <p:nvSpPr>
-          <p:cNvPr id="6" name="Segnaposto contenuto 5">
-            <a:extLst>
-              <a:ext uri="{FF2B5EF4-FFF2-40B4-BE49-F238E27FC236}">
-                <a16:creationId xmlns:a16="http://schemas.microsoft.com/office/drawing/2014/main" id="{3F1877C8-730B-443D-A812-623A147B2FAC}"/>
-              </a:ext>
-            </a:extLst>
-          </p:cNvPr>
+          <p:cNvPr id="6" name="Content Placeholder 5"/>
           <p:cNvSpPr>
             <a:spLocks noGrp="1"/>
           </p:cNvSpPr>
@@ -2863,18 +2636,13 @@
               <a:rPr lang="it-IT"/>
               <a:t>Quinto livello</a:t>
             </a:r>
-          </a:p>
-        </p:txBody>
-      </p:sp>
-      <p:sp>
-        <p:nvSpPr>
-          <p:cNvPr id="7" name="Segnaposto data 6">
-            <a:extLst>
-              <a:ext uri="{FF2B5EF4-FFF2-40B4-BE49-F238E27FC236}">
-                <a16:creationId xmlns:a16="http://schemas.microsoft.com/office/drawing/2014/main" id="{AAA311BE-B830-42D6-8624-3E7122DAADE4}"/>
-              </a:ext>
-            </a:extLst>
-          </p:cNvPr>
+            <a:endParaRPr lang="en-US" dirty="0"/>
+          </a:p>
+        </p:txBody>
+      </p:sp>
+      <p:sp>
+        <p:nvSpPr>
+          <p:cNvPr id="7" name="Date Placeholder 6"/>
           <p:cNvSpPr>
             <a:spLocks noGrp="1"/>
           </p:cNvSpPr>
@@ -2900,13 +2668,7 @@
       </p:sp>
       <p:sp>
         <p:nvSpPr>
-          <p:cNvPr id="8" name="Segnaposto piè di pagina 7">
-            <a:extLst>
-              <a:ext uri="{FF2B5EF4-FFF2-40B4-BE49-F238E27FC236}">
-                <a16:creationId xmlns:a16="http://schemas.microsoft.com/office/drawing/2014/main" id="{8D78773F-5EBF-4D4C-B1E7-E7DC01C0B413}"/>
-              </a:ext>
-            </a:extLst>
-          </p:cNvPr>
+          <p:cNvPr id="8" name="Footer Placeholder 7"/>
           <p:cNvSpPr>
             <a:spLocks noGrp="1"/>
           </p:cNvSpPr>
@@ -2922,23 +2684,13 @@
             <a:pPr>
               <a:defRPr/>
             </a:pPr>
-            <a:r>
-              <a:rPr lang="it-IT"/>
-              <a:t>Studio e sviluppo di un sistema di raccomandazione context-aware per sistemi mobili e pervasivi</a:t>
-            </a:r>
             <a:endParaRPr lang="en-GB"/>
           </a:p>
         </p:txBody>
       </p:sp>
       <p:sp>
         <p:nvSpPr>
-          <p:cNvPr id="9" name="Segnaposto numero diapositiva 8">
-            <a:extLst>
-              <a:ext uri="{FF2B5EF4-FFF2-40B4-BE49-F238E27FC236}">
-                <a16:creationId xmlns:a16="http://schemas.microsoft.com/office/drawing/2014/main" id="{8E80C22F-B523-4284-8371-E916C2931708}"/>
-              </a:ext>
-            </a:extLst>
-          </p:cNvPr>
+          <p:cNvPr id="9" name="Slide Number Placeholder 8"/>
           <p:cNvSpPr>
             <a:spLocks noGrp="1"/>
           </p:cNvSpPr>
@@ -2963,7 +2715,7 @@
     </p:spTree>
     <p:extLst>
       <p:ext uri="{BB962C8B-B14F-4D97-AF65-F5344CB8AC3E}">
-        <p14:creationId xmlns:p14="http://schemas.microsoft.com/office/powerpoint/2010/main" val="2813210217"/>
+        <p14:creationId xmlns:p14="http://schemas.microsoft.com/office/powerpoint/2010/main" val="1505842400"/>
       </p:ext>
     </p:extLst>
   </p:cSld>
@@ -2992,13 +2744,7 @@
       </p:grpSpPr>
       <p:sp>
         <p:nvSpPr>
-          <p:cNvPr id="2" name="Titolo 1">
-            <a:extLst>
-              <a:ext uri="{FF2B5EF4-FFF2-40B4-BE49-F238E27FC236}">
-                <a16:creationId xmlns:a16="http://schemas.microsoft.com/office/drawing/2014/main" id="{AAF1840D-3489-4FDE-A077-C92ACA6BAD4C}"/>
-              </a:ext>
-            </a:extLst>
-          </p:cNvPr>
+          <p:cNvPr id="2" name="Title 1"/>
           <p:cNvSpPr>
             <a:spLocks noGrp="1"/>
           </p:cNvSpPr>
@@ -3015,18 +2761,13 @@
               <a:rPr lang="it-IT"/>
               <a:t>Fare clic per modificare lo stile del titolo dello schema</a:t>
             </a:r>
-          </a:p>
-        </p:txBody>
-      </p:sp>
-      <p:sp>
-        <p:nvSpPr>
-          <p:cNvPr id="3" name="Segnaposto data 2">
-            <a:extLst>
-              <a:ext uri="{FF2B5EF4-FFF2-40B4-BE49-F238E27FC236}">
-                <a16:creationId xmlns:a16="http://schemas.microsoft.com/office/drawing/2014/main" id="{B87F2DCA-4DBB-4942-B76A-BEEC01F3DF04}"/>
-              </a:ext>
-            </a:extLst>
-          </p:cNvPr>
+            <a:endParaRPr lang="en-US" dirty="0"/>
+          </a:p>
+        </p:txBody>
+      </p:sp>
+      <p:sp>
+        <p:nvSpPr>
+          <p:cNvPr id="3" name="Date Placeholder 2"/>
           <p:cNvSpPr>
             <a:spLocks noGrp="1"/>
           </p:cNvSpPr>
@@ -3052,13 +2793,7 @@
       </p:sp>
       <p:sp>
         <p:nvSpPr>
-          <p:cNvPr id="4" name="Segnaposto piè di pagina 3">
-            <a:extLst>
-              <a:ext uri="{FF2B5EF4-FFF2-40B4-BE49-F238E27FC236}">
-                <a16:creationId xmlns:a16="http://schemas.microsoft.com/office/drawing/2014/main" id="{B3CECF82-0EE4-4B64-B5B2-B3833C79FFE1}"/>
-              </a:ext>
-            </a:extLst>
-          </p:cNvPr>
+          <p:cNvPr id="4" name="Footer Placeholder 3"/>
           <p:cNvSpPr>
             <a:spLocks noGrp="1"/>
           </p:cNvSpPr>
@@ -3074,23 +2809,13 @@
             <a:pPr>
               <a:defRPr/>
             </a:pPr>
-            <a:r>
-              <a:rPr lang="it-IT"/>
-              <a:t>Studio e sviluppo di un sistema di raccomandazione context-aware per sistemi mobili e pervasivi</a:t>
-            </a:r>
             <a:endParaRPr lang="en-GB"/>
           </a:p>
         </p:txBody>
       </p:sp>
       <p:sp>
         <p:nvSpPr>
-          <p:cNvPr id="5" name="Segnaposto numero diapositiva 4">
-            <a:extLst>
-              <a:ext uri="{FF2B5EF4-FFF2-40B4-BE49-F238E27FC236}">
-                <a16:creationId xmlns:a16="http://schemas.microsoft.com/office/drawing/2014/main" id="{0F5DF1E9-A266-4370-82A9-283B50BF8F74}"/>
-              </a:ext>
-            </a:extLst>
-          </p:cNvPr>
+          <p:cNvPr id="5" name="Slide Number Placeholder 4"/>
           <p:cNvSpPr>
             <a:spLocks noGrp="1"/>
           </p:cNvSpPr>
@@ -3115,7 +2840,7 @@
     </p:spTree>
     <p:extLst>
       <p:ext uri="{BB962C8B-B14F-4D97-AF65-F5344CB8AC3E}">
-        <p14:creationId xmlns:p14="http://schemas.microsoft.com/office/powerpoint/2010/main" val="29935564"/>
+        <p14:creationId xmlns:p14="http://schemas.microsoft.com/office/powerpoint/2010/main" val="63025673"/>
       </p:ext>
     </p:extLst>
   </p:cSld>
@@ -3144,13 +2869,7 @@
       </p:grpSpPr>
       <p:sp>
         <p:nvSpPr>
-          <p:cNvPr id="2" name="Segnaposto data 1">
-            <a:extLst>
-              <a:ext uri="{FF2B5EF4-FFF2-40B4-BE49-F238E27FC236}">
-                <a16:creationId xmlns:a16="http://schemas.microsoft.com/office/drawing/2014/main" id="{BD9377E1-556F-4487-AF6A-14DA5E540F23}"/>
-              </a:ext>
-            </a:extLst>
-          </p:cNvPr>
+          <p:cNvPr id="2" name="Date Placeholder 1"/>
           <p:cNvSpPr>
             <a:spLocks noGrp="1"/>
           </p:cNvSpPr>
@@ -3176,13 +2895,7 @@
       </p:sp>
       <p:sp>
         <p:nvSpPr>
-          <p:cNvPr id="3" name="Segnaposto piè di pagina 2">
-            <a:extLst>
-              <a:ext uri="{FF2B5EF4-FFF2-40B4-BE49-F238E27FC236}">
-                <a16:creationId xmlns:a16="http://schemas.microsoft.com/office/drawing/2014/main" id="{3B1A1932-0E5C-446E-918E-18806817881B}"/>
-              </a:ext>
-            </a:extLst>
-          </p:cNvPr>
+          <p:cNvPr id="3" name="Footer Placeholder 2"/>
           <p:cNvSpPr>
             <a:spLocks noGrp="1"/>
           </p:cNvSpPr>
@@ -3198,23 +2911,13 @@
             <a:pPr>
               <a:defRPr/>
             </a:pPr>
-            <a:r>
-              <a:rPr lang="it-IT"/>
-              <a:t>Studio e sviluppo di un sistema di raccomandazione context-aware per sistemi mobili e pervasivi</a:t>
-            </a:r>
             <a:endParaRPr lang="en-GB"/>
           </a:p>
         </p:txBody>
       </p:sp>
       <p:sp>
         <p:nvSpPr>
-          <p:cNvPr id="4" name="Segnaposto numero diapositiva 3">
-            <a:extLst>
-              <a:ext uri="{FF2B5EF4-FFF2-40B4-BE49-F238E27FC236}">
-                <a16:creationId xmlns:a16="http://schemas.microsoft.com/office/drawing/2014/main" id="{F0ABB740-2AE7-488F-A1D9-E9230EAE45FD}"/>
-              </a:ext>
-            </a:extLst>
-          </p:cNvPr>
+          <p:cNvPr id="4" name="Slide Number Placeholder 3"/>
           <p:cNvSpPr>
             <a:spLocks noGrp="1"/>
           </p:cNvSpPr>
@@ -3239,7 +2942,7 @@
     </p:spTree>
     <p:extLst>
       <p:ext uri="{BB962C8B-B14F-4D97-AF65-F5344CB8AC3E}">
-        <p14:creationId xmlns:p14="http://schemas.microsoft.com/office/powerpoint/2010/main" val="2494065880"/>
+        <p14:creationId xmlns:p14="http://schemas.microsoft.com/office/powerpoint/2010/main" val="3091033836"/>
       </p:ext>
     </p:extLst>
   </p:cSld>
@@ -3268,13 +2971,7 @@
       </p:grpSpPr>
       <p:sp>
         <p:nvSpPr>
-          <p:cNvPr id="2" name="Titolo 1">
-            <a:extLst>
-              <a:ext uri="{FF2B5EF4-FFF2-40B4-BE49-F238E27FC236}">
-                <a16:creationId xmlns:a16="http://schemas.microsoft.com/office/drawing/2014/main" id="{8DF35CA4-1F61-4461-95A9-707266AD202F}"/>
-              </a:ext>
-            </a:extLst>
-          </p:cNvPr>
+          <p:cNvPr id="2" name="Title 1"/>
           <p:cNvSpPr>
             <a:spLocks noGrp="1"/>
           </p:cNvSpPr>
@@ -3292,7 +2989,7 @@
           <a:bodyPr anchor="b"/>
           <a:lstStyle>
             <a:lvl1pPr>
-              <a:defRPr sz="2400"/>
+              <a:defRPr sz="3200"/>
             </a:lvl1pPr>
           </a:lstStyle>
           <a:p>
@@ -3300,18 +2997,13 @@
               <a:rPr lang="it-IT"/>
               <a:t>Fare clic per modificare lo stile del titolo dello schema</a:t>
             </a:r>
-          </a:p>
-        </p:txBody>
-      </p:sp>
-      <p:sp>
-        <p:nvSpPr>
-          <p:cNvPr id="3" name="Segnaposto contenuto 2">
-            <a:extLst>
-              <a:ext uri="{FF2B5EF4-FFF2-40B4-BE49-F238E27FC236}">
-                <a16:creationId xmlns:a16="http://schemas.microsoft.com/office/drawing/2014/main" id="{C91FF490-0EBB-46D3-90F6-B40661B58186}"/>
-              </a:ext>
-            </a:extLst>
-          </p:cNvPr>
+            <a:endParaRPr lang="en-US" dirty="0"/>
+          </a:p>
+        </p:txBody>
+      </p:sp>
+      <p:sp>
+        <p:nvSpPr>
+          <p:cNvPr id="3" name="Content Placeholder 2"/>
           <p:cNvSpPr>
             <a:spLocks noGrp="1"/>
           </p:cNvSpPr>
@@ -3329,31 +3021,31 @@
           <a:bodyPr/>
           <a:lstStyle>
             <a:lvl1pPr>
-              <a:defRPr sz="2400"/>
+              <a:defRPr sz="3200"/>
             </a:lvl1pPr>
             <a:lvl2pPr>
-              <a:defRPr sz="2100"/>
+              <a:defRPr sz="2800"/>
             </a:lvl2pPr>
             <a:lvl3pPr>
-              <a:defRPr sz="1800"/>
+              <a:defRPr sz="2400"/>
             </a:lvl3pPr>
             <a:lvl4pPr>
-              <a:defRPr sz="1500"/>
+              <a:defRPr sz="2000"/>
             </a:lvl4pPr>
             <a:lvl5pPr>
-              <a:defRPr sz="1500"/>
+              <a:defRPr sz="2000"/>
             </a:lvl5pPr>
             <a:lvl6pPr>
-              <a:defRPr sz="1500"/>
+              <a:defRPr sz="2000"/>
             </a:lvl6pPr>
             <a:lvl7pPr>
-              <a:defRPr sz="1500"/>
+              <a:defRPr sz="2000"/>
             </a:lvl7pPr>
             <a:lvl8pPr>
-              <a:defRPr sz="1500"/>
+              <a:defRPr sz="2000"/>
             </a:lvl8pPr>
             <a:lvl9pPr>
-              <a:defRPr sz="1500"/>
+              <a:defRPr sz="2000"/>
             </a:lvl9pPr>
           </a:lstStyle>
           <a:p>
@@ -3390,18 +3082,13 @@
               <a:rPr lang="it-IT"/>
               <a:t>Quinto livello</a:t>
             </a:r>
-          </a:p>
-        </p:txBody>
-      </p:sp>
-      <p:sp>
-        <p:nvSpPr>
-          <p:cNvPr id="4" name="Segnaposto testo 3">
-            <a:extLst>
-              <a:ext uri="{FF2B5EF4-FFF2-40B4-BE49-F238E27FC236}">
-                <a16:creationId xmlns:a16="http://schemas.microsoft.com/office/drawing/2014/main" id="{C201CC59-3A52-400C-A41B-C777B4BD4D9A}"/>
-              </a:ext>
-            </a:extLst>
-          </p:cNvPr>
+            <a:endParaRPr lang="en-US" dirty="0"/>
+          </a:p>
+        </p:txBody>
+      </p:sp>
+      <p:sp>
+        <p:nvSpPr>
+          <p:cNvPr id="4" name="Text Placeholder 3"/>
           <p:cNvSpPr>
             <a:spLocks noGrp="1"/>
           </p:cNvSpPr>
@@ -3420,39 +3107,39 @@
           <a:lstStyle>
             <a:lvl1pPr marL="0" indent="0">
               <a:buNone/>
+              <a:defRPr sz="1600"/>
+            </a:lvl1pPr>
+            <a:lvl2pPr marL="457200" indent="0">
+              <a:buNone/>
+              <a:defRPr sz="1400"/>
+            </a:lvl2pPr>
+            <a:lvl3pPr marL="914400" indent="0">
+              <a:buNone/>
               <a:defRPr sz="1200"/>
-            </a:lvl1pPr>
-            <a:lvl2pPr marL="342900" indent="0">
+            </a:lvl3pPr>
+            <a:lvl4pPr marL="1371600" indent="0">
               <a:buNone/>
-              <a:defRPr sz="1050"/>
-            </a:lvl2pPr>
-            <a:lvl3pPr marL="685800" indent="0">
+              <a:defRPr sz="1000"/>
+            </a:lvl4pPr>
+            <a:lvl5pPr marL="1828800" indent="0">
               <a:buNone/>
-              <a:defRPr sz="900"/>
-            </a:lvl3pPr>
-            <a:lvl4pPr marL="1028700" indent="0">
+              <a:defRPr sz="1000"/>
+            </a:lvl5pPr>
+            <a:lvl6pPr marL="2286000" indent="0">
               <a:buNone/>
-              <a:defRPr sz="750"/>
-            </a:lvl4pPr>
-            <a:lvl5pPr marL="1371600" indent="0">
+              <a:defRPr sz="1000"/>
+            </a:lvl6pPr>
+            <a:lvl7pPr marL="2743200" indent="0">
               <a:buNone/>
-              <a:defRPr sz="750"/>
-            </a:lvl5pPr>
-            <a:lvl6pPr marL="1714500" indent="0">
+              <a:defRPr sz="1000"/>
+            </a:lvl7pPr>
+            <a:lvl8pPr marL="3200400" indent="0">
               <a:buNone/>
-              <a:defRPr sz="750"/>
-            </a:lvl6pPr>
-            <a:lvl7pPr marL="2057400" indent="0">
+              <a:defRPr sz="1000"/>
+            </a:lvl8pPr>
+            <a:lvl9pPr marL="3657600" indent="0">
               <a:buNone/>
-              <a:defRPr sz="750"/>
-            </a:lvl7pPr>
-            <a:lvl8pPr marL="2400300" indent="0">
-              <a:buNone/>
-              <a:defRPr sz="750"/>
-            </a:lvl8pPr>
-            <a:lvl9pPr marL="2743200" indent="0">
-              <a:buNone/>
-              <a:defRPr sz="750"/>
+              <a:defRPr sz="1000"/>
             </a:lvl9pPr>
           </a:lstStyle>
           <a:p>
@@ -3466,13 +3153,7 @@
       </p:sp>
       <p:sp>
         <p:nvSpPr>
-          <p:cNvPr id="5" name="Segnaposto data 4">
-            <a:extLst>
-              <a:ext uri="{FF2B5EF4-FFF2-40B4-BE49-F238E27FC236}">
-                <a16:creationId xmlns:a16="http://schemas.microsoft.com/office/drawing/2014/main" id="{32720D36-2F52-4074-B5C4-8732DC3412F9}"/>
-              </a:ext>
-            </a:extLst>
-          </p:cNvPr>
+          <p:cNvPr id="5" name="Date Placeholder 4"/>
           <p:cNvSpPr>
             <a:spLocks noGrp="1"/>
           </p:cNvSpPr>
@@ -3498,13 +3179,7 @@
       </p:sp>
       <p:sp>
         <p:nvSpPr>
-          <p:cNvPr id="6" name="Segnaposto piè di pagina 5">
-            <a:extLst>
-              <a:ext uri="{FF2B5EF4-FFF2-40B4-BE49-F238E27FC236}">
-                <a16:creationId xmlns:a16="http://schemas.microsoft.com/office/drawing/2014/main" id="{1AD88312-1430-44D2-AA3F-13B58CC5F4F1}"/>
-              </a:ext>
-            </a:extLst>
-          </p:cNvPr>
+          <p:cNvPr id="6" name="Footer Placeholder 5"/>
           <p:cNvSpPr>
             <a:spLocks noGrp="1"/>
           </p:cNvSpPr>
@@ -3520,23 +3195,13 @@
             <a:pPr>
               <a:defRPr/>
             </a:pPr>
-            <a:r>
-              <a:rPr lang="it-IT"/>
-              <a:t>Studio e sviluppo di un sistema di raccomandazione context-aware per sistemi mobili e pervasivi</a:t>
-            </a:r>
             <a:endParaRPr lang="en-GB"/>
           </a:p>
         </p:txBody>
       </p:sp>
       <p:sp>
         <p:nvSpPr>
-          <p:cNvPr id="7" name="Segnaposto numero diapositiva 6">
-            <a:extLst>
-              <a:ext uri="{FF2B5EF4-FFF2-40B4-BE49-F238E27FC236}">
-                <a16:creationId xmlns:a16="http://schemas.microsoft.com/office/drawing/2014/main" id="{1766A3B7-ACD8-4068-B6D2-D2B39D83BC6C}"/>
-              </a:ext>
-            </a:extLst>
-          </p:cNvPr>
+          <p:cNvPr id="7" name="Slide Number Placeholder 6"/>
           <p:cNvSpPr>
             <a:spLocks noGrp="1"/>
           </p:cNvSpPr>
@@ -3561,7 +3226,7 @@
     </p:spTree>
     <p:extLst>
       <p:ext uri="{BB962C8B-B14F-4D97-AF65-F5344CB8AC3E}">
-        <p14:creationId xmlns:p14="http://schemas.microsoft.com/office/powerpoint/2010/main" val="4191803128"/>
+        <p14:creationId xmlns:p14="http://schemas.microsoft.com/office/powerpoint/2010/main" val="2800312836"/>
       </p:ext>
     </p:extLst>
   </p:cSld>
@@ -3590,13 +3255,7 @@
       </p:grpSpPr>
       <p:sp>
         <p:nvSpPr>
-          <p:cNvPr id="2" name="Titolo 1">
-            <a:extLst>
-              <a:ext uri="{FF2B5EF4-FFF2-40B4-BE49-F238E27FC236}">
-                <a16:creationId xmlns:a16="http://schemas.microsoft.com/office/drawing/2014/main" id="{0DD3B2D9-3FBA-4A7B-8FF9-BD2DDD648DA7}"/>
-              </a:ext>
-            </a:extLst>
-          </p:cNvPr>
+          <p:cNvPr id="2" name="Title 1"/>
           <p:cNvSpPr>
             <a:spLocks noGrp="1"/>
           </p:cNvSpPr>
@@ -3614,7 +3273,7 @@
           <a:bodyPr anchor="b"/>
           <a:lstStyle>
             <a:lvl1pPr>
-              <a:defRPr sz="2400"/>
+              <a:defRPr sz="3200"/>
             </a:lvl1pPr>
           </a:lstStyle>
           <a:p>
@@ -3622,20 +3281,15 @@
               <a:rPr lang="it-IT"/>
               <a:t>Fare clic per modificare lo stile del titolo dello schema</a:t>
             </a:r>
-          </a:p>
-        </p:txBody>
-      </p:sp>
-      <p:sp>
-        <p:nvSpPr>
-          <p:cNvPr id="3" name="Segnaposto immagine 2">
-            <a:extLst>
-              <a:ext uri="{FF2B5EF4-FFF2-40B4-BE49-F238E27FC236}">
-                <a16:creationId xmlns:a16="http://schemas.microsoft.com/office/drawing/2014/main" id="{9B0E2A5E-7457-42E7-A96C-6DE401B22E2E}"/>
-              </a:ext>
-            </a:extLst>
-          </p:cNvPr>
-          <p:cNvSpPr>
-            <a:spLocks noGrp="1"/>
+            <a:endParaRPr lang="en-US" dirty="0"/>
+          </a:p>
+        </p:txBody>
+      </p:sp>
+      <p:sp>
+        <p:nvSpPr>
+          <p:cNvPr id="3" name="Picture Placeholder 2"/>
+          <p:cNvSpPr>
+            <a:spLocks noGrp="1" noChangeAspect="1"/>
           </p:cNvSpPr>
           <p:nvPr>
             <p:ph type="pic" idx="1"/>
@@ -3648,59 +3302,57 @@
           </a:xfrm>
         </p:spPr>
         <p:txBody>
-          <a:bodyPr/>
+          <a:bodyPr anchor="t"/>
           <a:lstStyle>
             <a:lvl1pPr marL="0" indent="0">
               <a:buNone/>
+              <a:defRPr sz="3200"/>
+            </a:lvl1pPr>
+            <a:lvl2pPr marL="457200" indent="0">
+              <a:buNone/>
+              <a:defRPr sz="2800"/>
+            </a:lvl2pPr>
+            <a:lvl3pPr marL="914400" indent="0">
+              <a:buNone/>
               <a:defRPr sz="2400"/>
-            </a:lvl1pPr>
-            <a:lvl2pPr marL="342900" indent="0">
+            </a:lvl3pPr>
+            <a:lvl4pPr marL="1371600" indent="0">
               <a:buNone/>
-              <a:defRPr sz="2100"/>
-            </a:lvl2pPr>
-            <a:lvl3pPr marL="685800" indent="0">
+              <a:defRPr sz="2000"/>
+            </a:lvl4pPr>
+            <a:lvl5pPr marL="1828800" indent="0">
               <a:buNone/>
-              <a:defRPr sz="1800"/>
-            </a:lvl3pPr>
-            <a:lvl4pPr marL="1028700" indent="0">
+              <a:defRPr sz="2000"/>
+            </a:lvl5pPr>
+            <a:lvl6pPr marL="2286000" indent="0">
               <a:buNone/>
-              <a:defRPr sz="1500"/>
-            </a:lvl4pPr>
-            <a:lvl5pPr marL="1371600" indent="0">
+              <a:defRPr sz="2000"/>
+            </a:lvl6pPr>
+            <a:lvl7pPr marL="2743200" indent="0">
               <a:buNone/>
-              <a:defRPr sz="1500"/>
-            </a:lvl5pPr>
-            <a:lvl6pPr marL="1714500" indent="0">
+              <a:defRPr sz="2000"/>
+            </a:lvl7pPr>
+            <a:lvl8pPr marL="3200400" indent="0">
               <a:buNone/>
-              <a:defRPr sz="1500"/>
-            </a:lvl6pPr>
-            <a:lvl7pPr marL="2057400" indent="0">
+              <a:defRPr sz="2000"/>
+            </a:lvl8pPr>
+            <a:lvl9pPr marL="3657600" indent="0">
               <a:buNone/>
-              <a:defRPr sz="1500"/>
-            </a:lvl7pPr>
-            <a:lvl8pPr marL="2400300" indent="0">
-              <a:buNone/>
-              <a:defRPr sz="1500"/>
-            </a:lvl8pPr>
-            <a:lvl9pPr marL="2743200" indent="0">
-              <a:buNone/>
-              <a:defRPr sz="1500"/>
+              <a:defRPr sz="2000"/>
             </a:lvl9pPr>
           </a:lstStyle>
           <a:p>
-            <a:endParaRPr lang="it-IT"/>
-          </a:p>
-        </p:txBody>
-      </p:sp>
-      <p:sp>
-        <p:nvSpPr>
-          <p:cNvPr id="4" name="Segnaposto testo 3">
-            <a:extLst>
-              <a:ext uri="{FF2B5EF4-FFF2-40B4-BE49-F238E27FC236}">
-                <a16:creationId xmlns:a16="http://schemas.microsoft.com/office/drawing/2014/main" id="{0D0D6105-1E1E-480E-A434-2C745E5F80F8}"/>
-              </a:ext>
-            </a:extLst>
-          </p:cNvPr>
+            <a:r>
+              <a:rPr lang="it-IT"/>
+              <a:t>Fare clic sull'icona per inserire un'immagine</a:t>
+            </a:r>
+            <a:endParaRPr lang="en-US" dirty="0"/>
+          </a:p>
+        </p:txBody>
+      </p:sp>
+      <p:sp>
+        <p:nvSpPr>
+          <p:cNvPr id="4" name="Text Placeholder 3"/>
           <p:cNvSpPr>
             <a:spLocks noGrp="1"/>
           </p:cNvSpPr>
@@ -3719,39 +3371,39 @@
           <a:lstStyle>
             <a:lvl1pPr marL="0" indent="0">
               <a:buNone/>
+              <a:defRPr sz="1600"/>
+            </a:lvl1pPr>
+            <a:lvl2pPr marL="457200" indent="0">
+              <a:buNone/>
+              <a:defRPr sz="1400"/>
+            </a:lvl2pPr>
+            <a:lvl3pPr marL="914400" indent="0">
+              <a:buNone/>
               <a:defRPr sz="1200"/>
-            </a:lvl1pPr>
-            <a:lvl2pPr marL="342900" indent="0">
+            </a:lvl3pPr>
+            <a:lvl4pPr marL="1371600" indent="0">
               <a:buNone/>
-              <a:defRPr sz="1050"/>
-            </a:lvl2pPr>
-            <a:lvl3pPr marL="685800" indent="0">
+              <a:defRPr sz="1000"/>
+            </a:lvl4pPr>
+            <a:lvl5pPr marL="1828800" indent="0">
               <a:buNone/>
-              <a:defRPr sz="900"/>
-            </a:lvl3pPr>
-            <a:lvl4pPr marL="1028700" indent="0">
+              <a:defRPr sz="1000"/>
+            </a:lvl5pPr>
+            <a:lvl6pPr marL="2286000" indent="0">
               <a:buNone/>
-              <a:defRPr sz="750"/>
-            </a:lvl4pPr>
-            <a:lvl5pPr marL="1371600" indent="0">
+              <a:defRPr sz="1000"/>
+            </a:lvl6pPr>
+            <a:lvl7pPr marL="2743200" indent="0">
               <a:buNone/>
-              <a:defRPr sz="750"/>
-            </a:lvl5pPr>
-            <a:lvl6pPr marL="1714500" indent="0">
+              <a:defRPr sz="1000"/>
+            </a:lvl7pPr>
+            <a:lvl8pPr marL="3200400" indent="0">
               <a:buNone/>
-              <a:defRPr sz="750"/>
-            </a:lvl6pPr>
-            <a:lvl7pPr marL="2057400" indent="0">
+              <a:defRPr sz="1000"/>
+            </a:lvl8pPr>
+            <a:lvl9pPr marL="3657600" indent="0">
               <a:buNone/>
-              <a:defRPr sz="750"/>
-            </a:lvl7pPr>
-            <a:lvl8pPr marL="2400300" indent="0">
-              <a:buNone/>
-              <a:defRPr sz="750"/>
-            </a:lvl8pPr>
-            <a:lvl9pPr marL="2743200" indent="0">
-              <a:buNone/>
-              <a:defRPr sz="750"/>
+              <a:defRPr sz="1000"/>
             </a:lvl9pPr>
           </a:lstStyle>
           <a:p>
@@ -3765,13 +3417,7 @@
       </p:sp>
       <p:sp>
         <p:nvSpPr>
-          <p:cNvPr id="5" name="Segnaposto data 4">
-            <a:extLst>
-              <a:ext uri="{FF2B5EF4-FFF2-40B4-BE49-F238E27FC236}">
-                <a16:creationId xmlns:a16="http://schemas.microsoft.com/office/drawing/2014/main" id="{7BCC9DC0-33F9-437A-8E80-987BA3B079E2}"/>
-              </a:ext>
-            </a:extLst>
-          </p:cNvPr>
+          <p:cNvPr id="5" name="Date Placeholder 4"/>
           <p:cNvSpPr>
             <a:spLocks noGrp="1"/>
           </p:cNvSpPr>
@@ -3797,13 +3443,7 @@
       </p:sp>
       <p:sp>
         <p:nvSpPr>
-          <p:cNvPr id="6" name="Segnaposto piè di pagina 5">
-            <a:extLst>
-              <a:ext uri="{FF2B5EF4-FFF2-40B4-BE49-F238E27FC236}">
-                <a16:creationId xmlns:a16="http://schemas.microsoft.com/office/drawing/2014/main" id="{A1A5B3A7-D0B7-4925-8F97-9AA3E3A5371E}"/>
-              </a:ext>
-            </a:extLst>
-          </p:cNvPr>
+          <p:cNvPr id="6" name="Footer Placeholder 5"/>
           <p:cNvSpPr>
             <a:spLocks noGrp="1"/>
           </p:cNvSpPr>
@@ -3819,23 +3459,13 @@
             <a:pPr>
               <a:defRPr/>
             </a:pPr>
-            <a:r>
-              <a:rPr lang="it-IT"/>
-              <a:t>Studio e sviluppo di un sistema di raccomandazione context-aware per sistemi mobili e pervasivi</a:t>
-            </a:r>
             <a:endParaRPr lang="en-GB"/>
           </a:p>
         </p:txBody>
       </p:sp>
       <p:sp>
         <p:nvSpPr>
-          <p:cNvPr id="7" name="Segnaposto numero diapositiva 6">
-            <a:extLst>
-              <a:ext uri="{FF2B5EF4-FFF2-40B4-BE49-F238E27FC236}">
-                <a16:creationId xmlns:a16="http://schemas.microsoft.com/office/drawing/2014/main" id="{D304B13A-5C3A-406E-B80A-4BB5F47771FC}"/>
-              </a:ext>
-            </a:extLst>
-          </p:cNvPr>
+          <p:cNvPr id="7" name="Slide Number Placeholder 6"/>
           <p:cNvSpPr>
             <a:spLocks noGrp="1"/>
           </p:cNvSpPr>
@@ -3860,7 +3490,7 @@
     </p:spTree>
     <p:extLst>
       <p:ext uri="{BB962C8B-B14F-4D97-AF65-F5344CB8AC3E}">
-        <p14:creationId xmlns:p14="http://schemas.microsoft.com/office/powerpoint/2010/main" val="2301407874"/>
+        <p14:creationId xmlns:p14="http://schemas.microsoft.com/office/powerpoint/2010/main" val="4037061293"/>
       </p:ext>
     </p:extLst>
   </p:cSld>
@@ -3894,13 +3524,7 @@
       </p:grpSpPr>
       <p:sp>
         <p:nvSpPr>
-          <p:cNvPr id="2" name="Segnaposto titolo 1">
-            <a:extLst>
-              <a:ext uri="{FF2B5EF4-FFF2-40B4-BE49-F238E27FC236}">
-                <a16:creationId xmlns:a16="http://schemas.microsoft.com/office/drawing/2014/main" id="{42A94816-0611-48C9-B564-35DF7889D6E9}"/>
-              </a:ext>
-            </a:extLst>
-          </p:cNvPr>
+          <p:cNvPr id="2" name="Title Placeholder 1"/>
           <p:cNvSpPr>
             <a:spLocks noGrp="1"/>
           </p:cNvSpPr>
@@ -3927,18 +3551,13 @@
               <a:rPr lang="it-IT"/>
               <a:t>Fare clic per modificare lo stile del titolo dello schema</a:t>
             </a:r>
-          </a:p>
-        </p:txBody>
-      </p:sp>
-      <p:sp>
-        <p:nvSpPr>
-          <p:cNvPr id="3" name="Segnaposto testo 2">
-            <a:extLst>
-              <a:ext uri="{FF2B5EF4-FFF2-40B4-BE49-F238E27FC236}">
-                <a16:creationId xmlns:a16="http://schemas.microsoft.com/office/drawing/2014/main" id="{69E8E4B2-B638-487E-90EE-2E98EBC5A445}"/>
-              </a:ext>
-            </a:extLst>
-          </p:cNvPr>
+            <a:endParaRPr lang="en-US" dirty="0"/>
+          </a:p>
+        </p:txBody>
+      </p:sp>
+      <p:sp>
+        <p:nvSpPr>
+          <p:cNvPr id="3" name="Text Placeholder 2"/>
           <p:cNvSpPr>
             <a:spLocks noGrp="1"/>
           </p:cNvSpPr>
@@ -3994,18 +3613,13 @@
               <a:rPr lang="it-IT"/>
               <a:t>Quinto livello</a:t>
             </a:r>
-          </a:p>
-        </p:txBody>
-      </p:sp>
-      <p:sp>
-        <p:nvSpPr>
-          <p:cNvPr id="4" name="Segnaposto data 3">
-            <a:extLst>
-              <a:ext uri="{FF2B5EF4-FFF2-40B4-BE49-F238E27FC236}">
-                <a16:creationId xmlns:a16="http://schemas.microsoft.com/office/drawing/2014/main" id="{DCC1581B-ED47-452F-8B7D-8F535D1C950A}"/>
-              </a:ext>
-            </a:extLst>
-          </p:cNvPr>
+            <a:endParaRPr lang="en-US" dirty="0"/>
+          </a:p>
+        </p:txBody>
+      </p:sp>
+      <p:sp>
+        <p:nvSpPr>
+          <p:cNvPr id="4" name="Date Placeholder 3"/>
           <p:cNvSpPr>
             <a:spLocks noGrp="1"/>
           </p:cNvSpPr>
@@ -4026,7 +3640,7 @@
           <a:bodyPr vert="horz" lIns="91440" tIns="45720" rIns="91440" bIns="45720" rtlCol="0" anchor="ctr"/>
           <a:lstStyle>
             <a:lvl1pPr algn="l">
-              <a:defRPr sz="900">
+              <a:defRPr sz="1200">
                 <a:solidFill>
                   <a:schemeClr val="tx1">
                     <a:tint val="75000"/>
@@ -4049,13 +3663,7 @@
       </p:sp>
       <p:sp>
         <p:nvSpPr>
-          <p:cNvPr id="5" name="Segnaposto piè di pagina 4">
-            <a:extLst>
-              <a:ext uri="{FF2B5EF4-FFF2-40B4-BE49-F238E27FC236}">
-                <a16:creationId xmlns:a16="http://schemas.microsoft.com/office/drawing/2014/main" id="{3C2D00E5-56E9-472A-9743-F10A6546C33E}"/>
-              </a:ext>
-            </a:extLst>
-          </p:cNvPr>
+          <p:cNvPr id="5" name="Footer Placeholder 4"/>
           <p:cNvSpPr>
             <a:spLocks noGrp="1"/>
           </p:cNvSpPr>
@@ -4076,7 +3684,7 @@
           <a:bodyPr vert="horz" lIns="91440" tIns="45720" rIns="91440" bIns="45720" rtlCol="0" anchor="ctr"/>
           <a:lstStyle>
             <a:lvl1pPr algn="ctr">
-              <a:defRPr sz="900">
+              <a:defRPr sz="1200">
                 <a:solidFill>
                   <a:schemeClr val="tx1">
                     <a:tint val="75000"/>
@@ -4089,23 +3697,13 @@
             <a:pPr>
               <a:defRPr/>
             </a:pPr>
-            <a:r>
-              <a:rPr lang="it-IT"/>
-              <a:t>Studio e sviluppo di un sistema di raccomandazione context-aware per sistemi mobili e pervasivi</a:t>
-            </a:r>
             <a:endParaRPr lang="en-GB"/>
           </a:p>
         </p:txBody>
       </p:sp>
       <p:sp>
         <p:nvSpPr>
-          <p:cNvPr id="6" name="Segnaposto numero diapositiva 5">
-            <a:extLst>
-              <a:ext uri="{FF2B5EF4-FFF2-40B4-BE49-F238E27FC236}">
-                <a16:creationId xmlns:a16="http://schemas.microsoft.com/office/drawing/2014/main" id="{E3BA8FD6-8464-433B-97FA-76981CBA4778}"/>
-              </a:ext>
-            </a:extLst>
-          </p:cNvPr>
+          <p:cNvPr id="6" name="Slide Number Placeholder 5"/>
           <p:cNvSpPr>
             <a:spLocks noGrp="1"/>
           </p:cNvSpPr>
@@ -4126,7 +3724,7 @@
           <a:bodyPr vert="horz" lIns="91440" tIns="45720" rIns="91440" bIns="45720" rtlCol="0" anchor="ctr"/>
           <a:lstStyle>
             <a:lvl1pPr algn="r">
-              <a:defRPr sz="900">
+              <a:defRPr sz="1200">
                 <a:solidFill>
                   <a:schemeClr val="tx1">
                     <a:tint val="75000"/>
@@ -4148,28 +3746,28 @@
     </p:spTree>
     <p:extLst>
       <p:ext uri="{BB962C8B-B14F-4D97-AF65-F5344CB8AC3E}">
-        <p14:creationId xmlns:p14="http://schemas.microsoft.com/office/powerpoint/2010/main" val="241166157"/>
+        <p14:creationId xmlns:p14="http://schemas.microsoft.com/office/powerpoint/2010/main" val="937622633"/>
       </p:ext>
     </p:extLst>
   </p:cSld>
   <p:clrMap bg1="lt1" tx1="dk1" bg2="lt2" tx2="dk2" accent1="accent1" accent2="accent2" accent3="accent3" accent4="accent4" accent5="accent5" accent6="accent6" hlink="hlink" folHlink="folHlink"/>
   <p:sldLayoutIdLst>
-    <p:sldLayoutId id="2147483750" r:id="rId1"/>
-    <p:sldLayoutId id="2147483751" r:id="rId2"/>
-    <p:sldLayoutId id="2147483752" r:id="rId3"/>
-    <p:sldLayoutId id="2147483753" r:id="rId4"/>
-    <p:sldLayoutId id="2147483754" r:id="rId5"/>
-    <p:sldLayoutId id="2147483755" r:id="rId6"/>
-    <p:sldLayoutId id="2147483756" r:id="rId7"/>
-    <p:sldLayoutId id="2147483757" r:id="rId8"/>
-    <p:sldLayoutId id="2147483758" r:id="rId9"/>
-    <p:sldLayoutId id="2147483759" r:id="rId10"/>
-    <p:sldLayoutId id="2147483760" r:id="rId11"/>
+    <p:sldLayoutId id="2147483798" r:id="rId1"/>
+    <p:sldLayoutId id="2147483799" r:id="rId2"/>
+    <p:sldLayoutId id="2147483800" r:id="rId3"/>
+    <p:sldLayoutId id="2147483801" r:id="rId4"/>
+    <p:sldLayoutId id="2147483802" r:id="rId5"/>
+    <p:sldLayoutId id="2147483803" r:id="rId6"/>
+    <p:sldLayoutId id="2147483804" r:id="rId7"/>
+    <p:sldLayoutId id="2147483805" r:id="rId8"/>
+    <p:sldLayoutId id="2147483806" r:id="rId9"/>
+    <p:sldLayoutId id="2147483807" r:id="rId10"/>
+    <p:sldLayoutId id="2147483808" r:id="rId11"/>
   </p:sldLayoutIdLst>
-  <p:hf hdr="0"/>
+  <p:hf sldNum="0" hdr="0" ftr="0" dt="0"/>
   <p:txStyles>
     <p:titleStyle>
-      <a:lvl1pPr algn="l" defTabSz="685800" rtl="0" eaLnBrk="1" latinLnBrk="0" hangingPunct="1">
+      <a:lvl1pPr algn="l" defTabSz="914400" rtl="0" eaLnBrk="1" latinLnBrk="0" hangingPunct="1">
         <a:lnSpc>
           <a:spcPct val="90000"/>
         </a:lnSpc>
@@ -4177,7 +3775,7 @@
           <a:spcPct val="0"/>
         </a:spcBef>
         <a:buNone/>
-        <a:defRPr sz="3300" kern="1200">
+        <a:defRPr sz="4400" kern="1200">
           <a:solidFill>
             <a:schemeClr val="tx1"/>
           </a:solidFill>
@@ -4188,16 +3786,16 @@
       </a:lvl1pPr>
     </p:titleStyle>
     <p:bodyStyle>
-      <a:lvl1pPr marL="171450" indent="-171450" algn="l" defTabSz="685800" rtl="0" eaLnBrk="1" latinLnBrk="0" hangingPunct="1">
+      <a:lvl1pPr marL="228600" indent="-228600" algn="l" defTabSz="914400" rtl="0" eaLnBrk="1" latinLnBrk="0" hangingPunct="1">
         <a:lnSpc>
           <a:spcPct val="90000"/>
         </a:lnSpc>
         <a:spcBef>
-          <a:spcPts val="750"/>
+          <a:spcPts val="1000"/>
         </a:spcBef>
         <a:buFont typeface="Arial" panose="020B0604020202020204" pitchFamily="34" charset="0"/>
         <a:buChar char="•"/>
-        <a:defRPr sz="2100" kern="1200">
+        <a:defRPr sz="2800" kern="1200">
           <a:solidFill>
             <a:schemeClr val="tx1"/>
           </a:solidFill>
@@ -4206,12 +3804,48 @@
           <a:cs typeface="+mn-cs"/>
         </a:defRPr>
       </a:lvl1pPr>
-      <a:lvl2pPr marL="514350" indent="-171450" algn="l" defTabSz="685800" rtl="0" eaLnBrk="1" latinLnBrk="0" hangingPunct="1">
+      <a:lvl2pPr marL="685800" indent="-228600" algn="l" defTabSz="914400" rtl="0" eaLnBrk="1" latinLnBrk="0" hangingPunct="1">
         <a:lnSpc>
           <a:spcPct val="90000"/>
         </a:lnSpc>
         <a:spcBef>
-          <a:spcPts val="375"/>
+          <a:spcPts val="500"/>
+        </a:spcBef>
+        <a:buFont typeface="Arial" panose="020B0604020202020204" pitchFamily="34" charset="0"/>
+        <a:buChar char="•"/>
+        <a:defRPr sz="2400" kern="1200">
+          <a:solidFill>
+            <a:schemeClr val="tx1"/>
+          </a:solidFill>
+          <a:latin typeface="+mn-lt"/>
+          <a:ea typeface="+mn-ea"/>
+          <a:cs typeface="+mn-cs"/>
+        </a:defRPr>
+      </a:lvl2pPr>
+      <a:lvl3pPr marL="1143000" indent="-228600" algn="l" defTabSz="914400" rtl="0" eaLnBrk="1" latinLnBrk="0" hangingPunct="1">
+        <a:lnSpc>
+          <a:spcPct val="90000"/>
+        </a:lnSpc>
+        <a:spcBef>
+          <a:spcPts val="500"/>
+        </a:spcBef>
+        <a:buFont typeface="Arial" panose="020B0604020202020204" pitchFamily="34" charset="0"/>
+        <a:buChar char="•"/>
+        <a:defRPr sz="2000" kern="1200">
+          <a:solidFill>
+            <a:schemeClr val="tx1"/>
+          </a:solidFill>
+          <a:latin typeface="+mn-lt"/>
+          <a:ea typeface="+mn-ea"/>
+          <a:cs typeface="+mn-cs"/>
+        </a:defRPr>
+      </a:lvl3pPr>
+      <a:lvl4pPr marL="1600200" indent="-228600" algn="l" defTabSz="914400" rtl="0" eaLnBrk="1" latinLnBrk="0" hangingPunct="1">
+        <a:lnSpc>
+          <a:spcPct val="90000"/>
+        </a:lnSpc>
+        <a:spcBef>
+          <a:spcPts val="500"/>
         </a:spcBef>
         <a:buFont typeface="Arial" panose="020B0604020202020204" pitchFamily="34" charset="0"/>
         <a:buChar char="•"/>
@@ -4223,53 +3857,17 @@
           <a:ea typeface="+mn-ea"/>
           <a:cs typeface="+mn-cs"/>
         </a:defRPr>
-      </a:lvl2pPr>
-      <a:lvl3pPr marL="857250" indent="-171450" algn="l" defTabSz="685800" rtl="0" eaLnBrk="1" latinLnBrk="0" hangingPunct="1">
+      </a:lvl4pPr>
+      <a:lvl5pPr marL="2057400" indent="-228600" algn="l" defTabSz="914400" rtl="0" eaLnBrk="1" latinLnBrk="0" hangingPunct="1">
         <a:lnSpc>
           <a:spcPct val="90000"/>
         </a:lnSpc>
         <a:spcBef>
-          <a:spcPts val="375"/>
+          <a:spcPts val="500"/>
         </a:spcBef>
         <a:buFont typeface="Arial" panose="020B0604020202020204" pitchFamily="34" charset="0"/>
         <a:buChar char="•"/>
-        <a:defRPr sz="1500" kern="1200">
-          <a:solidFill>
-            <a:schemeClr val="tx1"/>
-          </a:solidFill>
-          <a:latin typeface="+mn-lt"/>
-          <a:ea typeface="+mn-ea"/>
-          <a:cs typeface="+mn-cs"/>
-        </a:defRPr>
-      </a:lvl3pPr>
-      <a:lvl4pPr marL="1200150" indent="-171450" algn="l" defTabSz="685800" rtl="0" eaLnBrk="1" latinLnBrk="0" hangingPunct="1">
-        <a:lnSpc>
-          <a:spcPct val="90000"/>
-        </a:lnSpc>
-        <a:spcBef>
-          <a:spcPts val="375"/>
-        </a:spcBef>
-        <a:buFont typeface="Arial" panose="020B0604020202020204" pitchFamily="34" charset="0"/>
-        <a:buChar char="•"/>
-        <a:defRPr sz="1350" kern="1200">
-          <a:solidFill>
-            <a:schemeClr val="tx1"/>
-          </a:solidFill>
-          <a:latin typeface="+mn-lt"/>
-          <a:ea typeface="+mn-ea"/>
-          <a:cs typeface="+mn-cs"/>
-        </a:defRPr>
-      </a:lvl4pPr>
-      <a:lvl5pPr marL="1543050" indent="-171450" algn="l" defTabSz="685800" rtl="0" eaLnBrk="1" latinLnBrk="0" hangingPunct="1">
-        <a:lnSpc>
-          <a:spcPct val="90000"/>
-        </a:lnSpc>
-        <a:spcBef>
-          <a:spcPts val="375"/>
-        </a:spcBef>
-        <a:buFont typeface="Arial" panose="020B0604020202020204" pitchFamily="34" charset="0"/>
-        <a:buChar char="•"/>
-        <a:defRPr sz="1350" kern="1200">
+        <a:defRPr sz="1800" kern="1200">
           <a:solidFill>
             <a:schemeClr val="tx1"/>
           </a:solidFill>
@@ -4278,16 +3876,16 @@
           <a:cs typeface="+mn-cs"/>
         </a:defRPr>
       </a:lvl5pPr>
-      <a:lvl6pPr marL="1885950" indent="-171450" algn="l" defTabSz="685800" rtl="0" eaLnBrk="1" latinLnBrk="0" hangingPunct="1">
+      <a:lvl6pPr marL="2514600" indent="-228600" algn="l" defTabSz="914400" rtl="0" eaLnBrk="1" latinLnBrk="0" hangingPunct="1">
         <a:lnSpc>
           <a:spcPct val="90000"/>
         </a:lnSpc>
         <a:spcBef>
-          <a:spcPts val="375"/>
+          <a:spcPts val="500"/>
         </a:spcBef>
         <a:buFont typeface="Arial" panose="020B0604020202020204" pitchFamily="34" charset="0"/>
         <a:buChar char="•"/>
-        <a:defRPr sz="1350" kern="1200">
+        <a:defRPr sz="1800" kern="1200">
           <a:solidFill>
             <a:schemeClr val="tx1"/>
           </a:solidFill>
@@ -4296,16 +3894,16 @@
           <a:cs typeface="+mn-cs"/>
         </a:defRPr>
       </a:lvl6pPr>
-      <a:lvl7pPr marL="2228850" indent="-171450" algn="l" defTabSz="685800" rtl="0" eaLnBrk="1" latinLnBrk="0" hangingPunct="1">
+      <a:lvl7pPr marL="2971800" indent="-228600" algn="l" defTabSz="914400" rtl="0" eaLnBrk="1" latinLnBrk="0" hangingPunct="1">
         <a:lnSpc>
           <a:spcPct val="90000"/>
         </a:lnSpc>
         <a:spcBef>
-          <a:spcPts val="375"/>
+          <a:spcPts val="500"/>
         </a:spcBef>
         <a:buFont typeface="Arial" panose="020B0604020202020204" pitchFamily="34" charset="0"/>
         <a:buChar char="•"/>
-        <a:defRPr sz="1350" kern="1200">
+        <a:defRPr sz="1800" kern="1200">
           <a:solidFill>
             <a:schemeClr val="tx1"/>
           </a:solidFill>
@@ -4314,16 +3912,16 @@
           <a:cs typeface="+mn-cs"/>
         </a:defRPr>
       </a:lvl7pPr>
-      <a:lvl8pPr marL="2571750" indent="-171450" algn="l" defTabSz="685800" rtl="0" eaLnBrk="1" latinLnBrk="0" hangingPunct="1">
+      <a:lvl8pPr marL="3429000" indent="-228600" algn="l" defTabSz="914400" rtl="0" eaLnBrk="1" latinLnBrk="0" hangingPunct="1">
         <a:lnSpc>
           <a:spcPct val="90000"/>
         </a:lnSpc>
         <a:spcBef>
-          <a:spcPts val="375"/>
+          <a:spcPts val="500"/>
         </a:spcBef>
         <a:buFont typeface="Arial" panose="020B0604020202020204" pitchFamily="34" charset="0"/>
         <a:buChar char="•"/>
-        <a:defRPr sz="1350" kern="1200">
+        <a:defRPr sz="1800" kern="1200">
           <a:solidFill>
             <a:schemeClr val="tx1"/>
           </a:solidFill>
@@ -4332,16 +3930,16 @@
           <a:cs typeface="+mn-cs"/>
         </a:defRPr>
       </a:lvl8pPr>
-      <a:lvl9pPr marL="2914650" indent="-171450" algn="l" defTabSz="685800" rtl="0" eaLnBrk="1" latinLnBrk="0" hangingPunct="1">
+      <a:lvl9pPr marL="3886200" indent="-228600" algn="l" defTabSz="914400" rtl="0" eaLnBrk="1" latinLnBrk="0" hangingPunct="1">
         <a:lnSpc>
           <a:spcPct val="90000"/>
         </a:lnSpc>
         <a:spcBef>
-          <a:spcPts val="375"/>
+          <a:spcPts val="500"/>
         </a:spcBef>
         <a:buFont typeface="Arial" panose="020B0604020202020204" pitchFamily="34" charset="0"/>
         <a:buChar char="•"/>
-        <a:defRPr sz="1350" kern="1200">
+        <a:defRPr sz="1800" kern="1200">
           <a:solidFill>
             <a:schemeClr val="tx1"/>
           </a:solidFill>
@@ -4353,10 +3951,10 @@
     </p:bodyStyle>
     <p:otherStyle>
       <a:defPPr>
-        <a:defRPr lang="it-IT"/>
+        <a:defRPr lang="en-US"/>
       </a:defPPr>
-      <a:lvl1pPr marL="0" algn="l" defTabSz="685800" rtl="0" eaLnBrk="1" latinLnBrk="0" hangingPunct="1">
-        <a:defRPr sz="1350" kern="1200">
+      <a:lvl1pPr marL="0" algn="l" defTabSz="914400" rtl="0" eaLnBrk="1" latinLnBrk="0" hangingPunct="1">
+        <a:defRPr sz="1800" kern="1200">
           <a:solidFill>
             <a:schemeClr val="tx1"/>
           </a:solidFill>
@@ -4365,8 +3963,8 @@
           <a:cs typeface="+mn-cs"/>
         </a:defRPr>
       </a:lvl1pPr>
-      <a:lvl2pPr marL="342900" algn="l" defTabSz="685800" rtl="0" eaLnBrk="1" latinLnBrk="0" hangingPunct="1">
-        <a:defRPr sz="1350" kern="1200">
+      <a:lvl2pPr marL="457200" algn="l" defTabSz="914400" rtl="0" eaLnBrk="1" latinLnBrk="0" hangingPunct="1">
+        <a:defRPr sz="1800" kern="1200">
           <a:solidFill>
             <a:schemeClr val="tx1"/>
           </a:solidFill>
@@ -4375,8 +3973,8 @@
           <a:cs typeface="+mn-cs"/>
         </a:defRPr>
       </a:lvl2pPr>
-      <a:lvl3pPr marL="685800" algn="l" defTabSz="685800" rtl="0" eaLnBrk="1" latinLnBrk="0" hangingPunct="1">
-        <a:defRPr sz="1350" kern="1200">
+      <a:lvl3pPr marL="914400" algn="l" defTabSz="914400" rtl="0" eaLnBrk="1" latinLnBrk="0" hangingPunct="1">
+        <a:defRPr sz="1800" kern="1200">
           <a:solidFill>
             <a:schemeClr val="tx1"/>
           </a:solidFill>
@@ -4385,8 +3983,8 @@
           <a:cs typeface="+mn-cs"/>
         </a:defRPr>
       </a:lvl3pPr>
-      <a:lvl4pPr marL="1028700" algn="l" defTabSz="685800" rtl="0" eaLnBrk="1" latinLnBrk="0" hangingPunct="1">
-        <a:defRPr sz="1350" kern="1200">
+      <a:lvl4pPr marL="1371600" algn="l" defTabSz="914400" rtl="0" eaLnBrk="1" latinLnBrk="0" hangingPunct="1">
+        <a:defRPr sz="1800" kern="1200">
           <a:solidFill>
             <a:schemeClr val="tx1"/>
           </a:solidFill>
@@ -4395,8 +3993,8 @@
           <a:cs typeface="+mn-cs"/>
         </a:defRPr>
       </a:lvl4pPr>
-      <a:lvl5pPr marL="1371600" algn="l" defTabSz="685800" rtl="0" eaLnBrk="1" latinLnBrk="0" hangingPunct="1">
-        <a:defRPr sz="1350" kern="1200">
+      <a:lvl5pPr marL="1828800" algn="l" defTabSz="914400" rtl="0" eaLnBrk="1" latinLnBrk="0" hangingPunct="1">
+        <a:defRPr sz="1800" kern="1200">
           <a:solidFill>
             <a:schemeClr val="tx1"/>
           </a:solidFill>
@@ -4405,8 +4003,8 @@
           <a:cs typeface="+mn-cs"/>
         </a:defRPr>
       </a:lvl5pPr>
-      <a:lvl6pPr marL="1714500" algn="l" defTabSz="685800" rtl="0" eaLnBrk="1" latinLnBrk="0" hangingPunct="1">
-        <a:defRPr sz="1350" kern="1200">
+      <a:lvl6pPr marL="2286000" algn="l" defTabSz="914400" rtl="0" eaLnBrk="1" latinLnBrk="0" hangingPunct="1">
+        <a:defRPr sz="1800" kern="1200">
           <a:solidFill>
             <a:schemeClr val="tx1"/>
           </a:solidFill>
@@ -4415,8 +4013,8 @@
           <a:cs typeface="+mn-cs"/>
         </a:defRPr>
       </a:lvl6pPr>
-      <a:lvl7pPr marL="2057400" algn="l" defTabSz="685800" rtl="0" eaLnBrk="1" latinLnBrk="0" hangingPunct="1">
-        <a:defRPr sz="1350" kern="1200">
+      <a:lvl7pPr marL="2743200" algn="l" defTabSz="914400" rtl="0" eaLnBrk="1" latinLnBrk="0" hangingPunct="1">
+        <a:defRPr sz="1800" kern="1200">
           <a:solidFill>
             <a:schemeClr val="tx1"/>
           </a:solidFill>
@@ -4425,8 +4023,8 @@
           <a:cs typeface="+mn-cs"/>
         </a:defRPr>
       </a:lvl7pPr>
-      <a:lvl8pPr marL="2400300" algn="l" defTabSz="685800" rtl="0" eaLnBrk="1" latinLnBrk="0" hangingPunct="1">
-        <a:defRPr sz="1350" kern="1200">
+      <a:lvl8pPr marL="3200400" algn="l" defTabSz="914400" rtl="0" eaLnBrk="1" latinLnBrk="0" hangingPunct="1">
+        <a:defRPr sz="1800" kern="1200">
           <a:solidFill>
             <a:schemeClr val="tx1"/>
           </a:solidFill>
@@ -4435,8 +4033,8 @@
           <a:cs typeface="+mn-cs"/>
         </a:defRPr>
       </a:lvl8pPr>
-      <a:lvl9pPr marL="2743200" algn="l" defTabSz="685800" rtl="0" eaLnBrk="1" latinLnBrk="0" hangingPunct="1">
-        <a:defRPr sz="1350" kern="1200">
+      <a:lvl9pPr marL="3657600" algn="l" defTabSz="914400" rtl="0" eaLnBrk="1" latinLnBrk="0" hangingPunct="1">
+        <a:defRPr sz="1800" kern="1200">
           <a:solidFill>
             <a:schemeClr val="tx1"/>
           </a:solidFill>
@@ -4573,25 +4171,20 @@
         </p:nvSpPr>
         <p:spPr>
           <a:xfrm>
-            <a:off x="-252536" y="3121769"/>
-            <a:ext cx="3096344" cy="307231"/>
+            <a:off x="107504" y="3140968"/>
+            <a:ext cx="2232248" cy="235223"/>
           </a:xfrm>
         </p:spPr>
         <p:txBody>
           <a:bodyPr>
-            <a:normAutofit fontScale="92500" lnSpcReduction="20000"/>
+            <a:noAutofit/>
           </a:bodyPr>
           <a:lstStyle/>
           <a:p>
             <a:r>
-              <a:rPr lang="en-GB" altLang="it-IT" dirty="0"/>
-              <a:t>Lorenzo </a:t>
-            </a:r>
-            <a:r>
-              <a:rPr lang="en-GB" altLang="it-IT" sz="1900" dirty="0"/>
-              <a:t>D’Alessandro</a:t>
-            </a:r>
-            <a:endParaRPr lang="en-GB" altLang="it-IT" dirty="0"/>
+              <a:rPr lang="en-GB" altLang="it-IT" sz="1600" dirty="0"/>
+              <a:t>Lorenzo D’Alessandro</a:t>
+            </a:r>
           </a:p>
         </p:txBody>
       </p:sp>
@@ -5075,7 +4668,7 @@
           <p:cNvPr id="2" name="Titolo 1">
             <a:extLst>
               <a:ext uri="{FF2B5EF4-FFF2-40B4-BE49-F238E27FC236}">
-                <a16:creationId xmlns:a16="http://schemas.microsoft.com/office/drawing/2014/main" id="{E967507E-1146-4581-B644-0005BC8A387E}"/>
+                <a16:creationId xmlns:a16="http://schemas.microsoft.com/office/drawing/2014/main" id="{152980A4-3E84-4C09-8F59-8706C4B25284}"/>
               </a:ext>
             </a:extLst>
           </p:cNvPr>
@@ -5094,7 +4687,7 @@
             <a:pPr algn="ctr"/>
             <a:r>
               <a:rPr lang="it-IT" dirty="0"/>
-              <a:t>Sviluppi futuri</a:t>
+              <a:t>Conclusioni</a:t>
             </a:r>
           </a:p>
         </p:txBody>
@@ -5104,7 +4697,7 @@
           <p:cNvPr id="3" name="Segnaposto contenuto 2">
             <a:extLst>
               <a:ext uri="{FF2B5EF4-FFF2-40B4-BE49-F238E27FC236}">
-                <a16:creationId xmlns:a16="http://schemas.microsoft.com/office/drawing/2014/main" id="{5570E059-74DD-4635-8D46-0B022D464045}"/>
+                <a16:creationId xmlns:a16="http://schemas.microsoft.com/office/drawing/2014/main" id="{1F9BD3DC-3555-44D3-9C15-FF91C6F96FE2}"/>
               </a:ext>
             </a:extLst>
           </p:cNvPr>
@@ -5121,153 +4714,49 @@
           <a:lstStyle/>
           <a:p>
             <a:r>
-              <a:rPr lang="it-IT" dirty="0"/>
-              <a:t>Valutare il modello </a:t>
-            </a:r>
-            <a:r>
               <a:rPr lang="it-IT" dirty="0" err="1"/>
               <a:t>moveCARS</a:t>
             </a:r>
             <a:r>
               <a:rPr lang="it-IT" dirty="0"/>
-              <a:t> su nuovi dataset</a:t>
+              <a:t> ha ottenuto risultati simili alle soluzioni stato dell’arte:</a:t>
             </a:r>
           </a:p>
           <a:p>
             <a:pPr lvl="1"/>
             <a:r>
               <a:rPr lang="it-IT" dirty="0"/>
-              <a:t>Comportamento con feature di utenti, oggetti e contesto diverso</a:t>
-            </a:r>
-          </a:p>
-          <a:p>
+              <a:t>Con tempi di esecuzione minori</a:t>
+            </a:r>
+          </a:p>
+          <a:p>
+            <a:pPr lvl="1"/>
             <a:r>
               <a:rPr lang="it-IT" dirty="0"/>
-              <a:t>Scrivere un simulatore per riprodurre le interazioni e lo scambio di informazioni tra utenti, e valutare le prestazioni di </a:t>
-            </a:r>
-            <a:r>
-              <a:rPr lang="it-IT" dirty="0" err="1"/>
-              <a:t>moveCARS</a:t>
-            </a:r>
+              <a:t>Con una struttura della rete meno restrittiva</a:t>
+            </a:r>
+          </a:p>
+          <a:p>
             <a:r>
               <a:rPr lang="it-IT" dirty="0"/>
-              <a:t> nel tempo</a:t>
+              <a:t>Il contesto ha un ruolo importante nelle raccomandazioni</a:t>
             </a:r>
           </a:p>
           <a:p>
             <a:r>
               <a:rPr lang="it-IT" dirty="0"/>
-              <a:t>Sviluppare un’applicazione Android per valutare le prestazioni di </a:t>
-            </a:r>
-            <a:r>
-              <a:rPr lang="it-IT" dirty="0" err="1"/>
-              <a:t>moveCARS</a:t>
-            </a:r>
-            <a:r>
-              <a:rPr lang="it-IT" dirty="0"/>
-              <a:t> in ambiente reale</a:t>
-            </a:r>
-          </a:p>
-        </p:txBody>
-      </p:sp>
-      <p:sp>
-        <p:nvSpPr>
-          <p:cNvPr id="4" name="Segnaposto data 3">
-            <a:extLst>
-              <a:ext uri="{FF2B5EF4-FFF2-40B4-BE49-F238E27FC236}">
-                <a16:creationId xmlns:a16="http://schemas.microsoft.com/office/drawing/2014/main" id="{ACACED0D-0759-4976-A939-470319626F53}"/>
-              </a:ext>
-            </a:extLst>
-          </p:cNvPr>
-          <p:cNvSpPr>
-            <a:spLocks noGrp="1"/>
-          </p:cNvSpPr>
-          <p:nvPr>
-            <p:ph type="dt" sz="half" idx="10"/>
-          </p:nvPr>
-        </p:nvSpPr>
-        <p:spPr/>
-        <p:txBody>
-          <a:bodyPr/>
-          <a:lstStyle/>
-          <a:p>
-            <a:pPr>
-              <a:defRPr/>
-            </a:pPr>
-            <a:r>
-              <a:rPr lang="it-IT"/>
-              <a:t>15/07/2021</a:t>
-            </a:r>
-            <a:endParaRPr lang="en-GB"/>
-          </a:p>
-        </p:txBody>
-      </p:sp>
-      <p:sp>
-        <p:nvSpPr>
-          <p:cNvPr id="5" name="Segnaposto piè di pagina 4">
-            <a:extLst>
-              <a:ext uri="{FF2B5EF4-FFF2-40B4-BE49-F238E27FC236}">
-                <a16:creationId xmlns:a16="http://schemas.microsoft.com/office/drawing/2014/main" id="{5BC7FE5E-8153-4DB1-BECB-7EFB6A394FC6}"/>
-              </a:ext>
-            </a:extLst>
-          </p:cNvPr>
-          <p:cNvSpPr>
-            <a:spLocks noGrp="1"/>
-          </p:cNvSpPr>
-          <p:nvPr>
-            <p:ph type="ftr" sz="quarter" idx="11"/>
-          </p:nvPr>
-        </p:nvSpPr>
-        <p:spPr/>
-        <p:txBody>
-          <a:bodyPr/>
-          <a:lstStyle/>
-          <a:p>
-            <a:pPr>
-              <a:defRPr/>
-            </a:pPr>
-            <a:r>
-              <a:rPr lang="it-IT"/>
-              <a:t>Studio e sviluppo di un sistema di raccomandazione context-aware per sistemi mobili e pervasivi</a:t>
-            </a:r>
-            <a:endParaRPr lang="en-GB"/>
-          </a:p>
-        </p:txBody>
-      </p:sp>
-      <p:sp>
-        <p:nvSpPr>
-          <p:cNvPr id="6" name="Segnaposto numero diapositiva 5">
-            <a:extLst>
-              <a:ext uri="{FF2B5EF4-FFF2-40B4-BE49-F238E27FC236}">
-                <a16:creationId xmlns:a16="http://schemas.microsoft.com/office/drawing/2014/main" id="{A1A618D8-9E2C-4E91-B093-92884F4457BE}"/>
-              </a:ext>
-            </a:extLst>
-          </p:cNvPr>
-          <p:cNvSpPr>
-            <a:spLocks noGrp="1"/>
-          </p:cNvSpPr>
-          <p:nvPr>
-            <p:ph type="sldNum" sz="quarter" idx="12"/>
-          </p:nvPr>
-        </p:nvSpPr>
-        <p:spPr/>
-        <p:txBody>
-          <a:bodyPr/>
-          <a:lstStyle/>
-          <a:p>
-            <a:fld id="{35176BAD-5581-4334-AAF7-253323F9A980}" type="slidenum">
-              <a:rPr lang="en-GB" altLang="it-IT" smtClean="0"/>
-              <a:pPr/>
-              <a:t>10</a:t>
-            </a:fld>
-            <a:endParaRPr lang="en-GB" altLang="it-IT"/>
+              <a:t>Se il contesto è molto descrittivo della situazione dell’utente le raccomandazioni sono ancora più precise</a:t>
+            </a:r>
+          </a:p>
+          <a:p>
+            <a:endParaRPr lang="it-IT" dirty="0"/>
           </a:p>
         </p:txBody>
       </p:sp>
     </p:spTree>
     <p:extLst>
       <p:ext uri="{BB962C8B-B14F-4D97-AF65-F5344CB8AC3E}">
-        <p14:creationId xmlns:p14="http://schemas.microsoft.com/office/powerpoint/2010/main" val="3978805847"/>
+        <p14:creationId xmlns:p14="http://schemas.microsoft.com/office/powerpoint/2010/main" val="354855335"/>
       </p:ext>
     </p:extLst>
   </p:cSld>
@@ -5296,6 +4785,142 @@
       </p:grpSpPr>
       <p:sp>
         <p:nvSpPr>
+          <p:cNvPr id="2" name="Titolo 1">
+            <a:extLst>
+              <a:ext uri="{FF2B5EF4-FFF2-40B4-BE49-F238E27FC236}">
+                <a16:creationId xmlns:a16="http://schemas.microsoft.com/office/drawing/2014/main" id="{E967507E-1146-4581-B644-0005BC8A387E}"/>
+              </a:ext>
+            </a:extLst>
+          </p:cNvPr>
+          <p:cNvSpPr>
+            <a:spLocks noGrp="1"/>
+          </p:cNvSpPr>
+          <p:nvPr>
+            <p:ph type="title"/>
+          </p:nvPr>
+        </p:nvSpPr>
+        <p:spPr/>
+        <p:txBody>
+          <a:bodyPr/>
+          <a:lstStyle/>
+          <a:p>
+            <a:pPr algn="ctr"/>
+            <a:r>
+              <a:rPr lang="it-IT" dirty="0"/>
+              <a:t>Sviluppi futuri</a:t>
+            </a:r>
+          </a:p>
+        </p:txBody>
+      </p:sp>
+      <p:sp>
+        <p:nvSpPr>
+          <p:cNvPr id="3" name="Segnaposto contenuto 2">
+            <a:extLst>
+              <a:ext uri="{FF2B5EF4-FFF2-40B4-BE49-F238E27FC236}">
+                <a16:creationId xmlns:a16="http://schemas.microsoft.com/office/drawing/2014/main" id="{5570E059-74DD-4635-8D46-0B022D464045}"/>
+              </a:ext>
+            </a:extLst>
+          </p:cNvPr>
+          <p:cNvSpPr>
+            <a:spLocks noGrp="1"/>
+          </p:cNvSpPr>
+          <p:nvPr>
+            <p:ph idx="1"/>
+          </p:nvPr>
+        </p:nvSpPr>
+        <p:spPr/>
+        <p:txBody>
+          <a:bodyPr/>
+          <a:lstStyle/>
+          <a:p>
+            <a:r>
+              <a:rPr lang="it-IT" dirty="0"/>
+              <a:t>Addestramento algoritmo su dispositivo mobile</a:t>
+            </a:r>
+          </a:p>
+          <a:p>
+            <a:r>
+              <a:rPr lang="it-IT" dirty="0"/>
+              <a:t>Valutare il modello </a:t>
+            </a:r>
+            <a:r>
+              <a:rPr lang="it-IT" dirty="0" err="1"/>
+              <a:t>moveCARS</a:t>
+            </a:r>
+            <a:r>
+              <a:rPr lang="it-IT" dirty="0"/>
+              <a:t> su nuovi dataset</a:t>
+            </a:r>
+          </a:p>
+          <a:p>
+            <a:pPr lvl="1"/>
+            <a:r>
+              <a:rPr lang="it-IT" dirty="0"/>
+              <a:t>Comportamento con feature di utenti, oggetti e contesto diverso</a:t>
+            </a:r>
+          </a:p>
+          <a:p>
+            <a:r>
+              <a:rPr lang="it-IT" dirty="0"/>
+              <a:t>Scrivere un simulatore per riprodurre le interazioni e lo scambio di informazioni tra utenti, e valutare le prestazioni di </a:t>
+            </a:r>
+            <a:r>
+              <a:rPr lang="it-IT" dirty="0" err="1"/>
+              <a:t>moveCARS</a:t>
+            </a:r>
+            <a:r>
+              <a:rPr lang="it-IT" dirty="0"/>
+              <a:t> nel tempo</a:t>
+            </a:r>
+          </a:p>
+          <a:p>
+            <a:r>
+              <a:rPr lang="it-IT" dirty="0"/>
+              <a:t>Sviluppare un’applicazione Android per valutare le prestazioni di </a:t>
+            </a:r>
+            <a:r>
+              <a:rPr lang="it-IT" dirty="0" err="1"/>
+              <a:t>moveCARS</a:t>
+            </a:r>
+            <a:r>
+              <a:rPr lang="it-IT" dirty="0"/>
+              <a:t> in ambiente reale</a:t>
+            </a:r>
+          </a:p>
+        </p:txBody>
+      </p:sp>
+    </p:spTree>
+    <p:extLst>
+      <p:ext uri="{BB962C8B-B14F-4D97-AF65-F5344CB8AC3E}">
+        <p14:creationId xmlns:p14="http://schemas.microsoft.com/office/powerpoint/2010/main" val="3978805847"/>
+      </p:ext>
+    </p:extLst>
+  </p:cSld>
+  <p:clrMapOvr>
+    <a:masterClrMapping/>
+  </p:clrMapOvr>
+</p:sld>
+</file>
+
+<file path=ppt/slides/slide12.xml><?xml version="1.0" encoding="utf-8"?>
+<p:sld xmlns:a="http://schemas.openxmlformats.org/drawingml/2006/main" xmlns:r="http://schemas.openxmlformats.org/officeDocument/2006/relationships" xmlns:p="http://schemas.openxmlformats.org/presentationml/2006/main">
+  <p:cSld>
+    <p:spTree>
+      <p:nvGrpSpPr>
+        <p:cNvPr id="1" name=""/>
+        <p:cNvGrpSpPr/>
+        <p:nvPr/>
+      </p:nvGrpSpPr>
+      <p:grpSpPr>
+        <a:xfrm>
+          <a:off x="0" y="0"/>
+          <a:ext cx="0" cy="0"/>
+          <a:chOff x="0" y="0"/>
+          <a:chExt cx="0" cy="0"/>
+        </a:xfrm>
+      </p:grpSpPr>
+      <p:sp>
+        <p:nvSpPr>
           <p:cNvPr id="12" name="Titolo 11">
             <a:extLst>
               <a:ext uri="{FF2B5EF4-FFF2-40B4-BE49-F238E27FC236}">
@@ -5327,100 +4952,6 @@
               <a:rPr lang="it-IT" sz="5400" dirty="0"/>
               <a:t>Grazie per l’attenzione!</a:t>
             </a:r>
-          </a:p>
-        </p:txBody>
-      </p:sp>
-      <p:sp>
-        <p:nvSpPr>
-          <p:cNvPr id="4" name="Segnaposto data 3">
-            <a:extLst>
-              <a:ext uri="{FF2B5EF4-FFF2-40B4-BE49-F238E27FC236}">
-                <a16:creationId xmlns:a16="http://schemas.microsoft.com/office/drawing/2014/main" id="{5A5991A4-34FA-45A1-893F-70BD78B9F64D}"/>
-              </a:ext>
-            </a:extLst>
-          </p:cNvPr>
-          <p:cNvSpPr>
-            <a:spLocks noGrp="1"/>
-          </p:cNvSpPr>
-          <p:nvPr>
-            <p:ph type="dt" sz="half" idx="10"/>
-          </p:nvPr>
-        </p:nvSpPr>
-        <p:spPr/>
-        <p:txBody>
-          <a:bodyPr/>
-          <a:lstStyle/>
-          <a:p>
-            <a:pPr>
-              <a:defRPr/>
-            </a:pPr>
-            <a:r>
-              <a:rPr lang="it-IT"/>
-              <a:t>15/07/2021</a:t>
-            </a:r>
-            <a:endParaRPr lang="en-GB"/>
-          </a:p>
-        </p:txBody>
-      </p:sp>
-      <p:sp>
-        <p:nvSpPr>
-          <p:cNvPr id="5" name="Segnaposto piè di pagina 4">
-            <a:extLst>
-              <a:ext uri="{FF2B5EF4-FFF2-40B4-BE49-F238E27FC236}">
-                <a16:creationId xmlns:a16="http://schemas.microsoft.com/office/drawing/2014/main" id="{CD964C82-1171-4A9E-93BE-E3A9BD86FD8E}"/>
-              </a:ext>
-            </a:extLst>
-          </p:cNvPr>
-          <p:cNvSpPr>
-            <a:spLocks noGrp="1"/>
-          </p:cNvSpPr>
-          <p:nvPr>
-            <p:ph type="ftr" sz="quarter" idx="11"/>
-          </p:nvPr>
-        </p:nvSpPr>
-        <p:spPr/>
-        <p:txBody>
-          <a:bodyPr/>
-          <a:lstStyle/>
-          <a:p>
-            <a:pPr>
-              <a:defRPr/>
-            </a:pPr>
-            <a:r>
-              <a:rPr lang="it-IT"/>
-              <a:t>Studio e sviluppo di un sistema di raccomandazione context-aware per sistemi mobili e pervasivi</a:t>
-            </a:r>
-            <a:endParaRPr lang="en-GB"/>
-          </a:p>
-        </p:txBody>
-      </p:sp>
-      <p:sp>
-        <p:nvSpPr>
-          <p:cNvPr id="6" name="Segnaposto numero diapositiva 5">
-            <a:extLst>
-              <a:ext uri="{FF2B5EF4-FFF2-40B4-BE49-F238E27FC236}">
-                <a16:creationId xmlns:a16="http://schemas.microsoft.com/office/drawing/2014/main" id="{935421E4-756E-44DB-9E54-AA5CD124CCEC}"/>
-              </a:ext>
-            </a:extLst>
-          </p:cNvPr>
-          <p:cNvSpPr>
-            <a:spLocks noGrp="1"/>
-          </p:cNvSpPr>
-          <p:nvPr>
-            <p:ph type="sldNum" sz="quarter" idx="12"/>
-          </p:nvPr>
-        </p:nvSpPr>
-        <p:spPr/>
-        <p:txBody>
-          <a:bodyPr/>
-          <a:lstStyle/>
-          <a:p>
-            <a:fld id="{35176BAD-5581-4334-AAF7-253323F9A980}" type="slidenum">
-              <a:rPr lang="en-GB" altLang="it-IT" smtClean="0"/>
-              <a:pPr/>
-              <a:t>11</a:t>
-            </a:fld>
-            <a:endParaRPr lang="en-GB" altLang="it-IT"/>
           </a:p>
         </p:txBody>
       </p:sp>
@@ -5501,7 +5032,9 @@
         </p:nvSpPr>
         <p:spPr/>
         <p:txBody>
-          <a:bodyPr/>
+          <a:bodyPr>
+            <a:normAutofit fontScale="92500" lnSpcReduction="20000"/>
+          </a:bodyPr>
           <a:lstStyle/>
           <a:p>
             <a:pPr marL="0" indent="0" algn="l">
@@ -5521,14 +5054,28 @@
             </a:r>
             <a:r>
               <a:rPr lang="it-IT" b="0" i="0" u="none" strike="noStrike" baseline="0" dirty="0"/>
-              <a:t>(RS) sono algoritmi mirati a generare consigli significativi a un insieme di utenti per articoli o prodotti che potrebbero interessarli.</a:t>
+              <a:t>(RS) sono algoritmi mirati a generare consigli significativi a un insieme di utenti per oggetti che potrebbero interessarli.</a:t>
             </a:r>
           </a:p>
           <a:p>
             <a:pPr marL="0" indent="0" algn="l">
               <a:buNone/>
             </a:pPr>
-            <a:endParaRPr lang="it-IT" dirty="0"/>
+            <a:endParaRPr lang="it-IT" b="0" i="0" u="none" strike="noStrike" baseline="0" dirty="0"/>
+          </a:p>
+          <a:p>
+            <a:r>
+              <a:rPr lang="it-IT" b="1" i="0" u="none" strike="noStrike" baseline="0" dirty="0"/>
+              <a:t>Oggetti: </a:t>
+            </a:r>
+            <a:r>
+              <a:rPr lang="it-IT" b="0" i="0" u="none" strike="noStrike" baseline="0" dirty="0"/>
+              <a:t>entità generica che </a:t>
+            </a:r>
+            <a:r>
+              <a:rPr lang="it-IT" dirty="0"/>
+              <a:t>può includere film, libri, vestiti, punti di interesse</a:t>
+            </a:r>
           </a:p>
           <a:p>
             <a:r>
@@ -5542,16 +5089,12 @@
           </a:p>
           <a:p>
             <a:r>
-              <a:rPr lang="it-IT" b="1" i="0" u="none" strike="noStrike" baseline="0" dirty="0"/>
-              <a:t>Oggetti: </a:t>
-            </a:r>
-            <a:r>
-              <a:rPr lang="it-IT" b="0" i="0" u="none" strike="noStrike" baseline="0" dirty="0"/>
-              <a:t>entità generica che </a:t>
+              <a:rPr lang="it-IT" b="1" dirty="0"/>
+              <a:t>Feedback:</a:t>
             </a:r>
             <a:r>
               <a:rPr lang="it-IT" dirty="0"/>
-              <a:t>può includere film, libri, vestiti, punti di interesse</a:t>
+              <a:t> valutazione esplicita o implicita di un utente su un oggetto</a:t>
             </a:r>
           </a:p>
           <a:p>
@@ -5561,19 +5104,8 @@
             </a:r>
             <a:r>
               <a:rPr lang="it-IT" b="0" i="0" u="none" strike="noStrike" baseline="0" dirty="0"/>
-              <a:t>situazione dell’utente nel momento in cui ha generato un feedback</a:t>
-            </a:r>
-          </a:p>
-          <a:p>
-            <a:r>
-              <a:rPr lang="it-IT" b="1" dirty="0"/>
-              <a:t>Feedback:</a:t>
-            </a:r>
-            <a:r>
-              <a:rPr lang="it-IT" dirty="0"/>
-              <a:t> valutazione esplicita o implicita di un utente su un oggetto</a:t>
-            </a:r>
-            <a:endParaRPr lang="it-IT" b="0" i="0" u="none" strike="noStrike" baseline="0" dirty="0"/>
+              <a:t>situazione dell’utente nel momento in cui ha generato un feedback (posizione, attività utente, persone in prossimità…)</a:t>
+            </a:r>
           </a:p>
           <a:p>
             <a:endParaRPr lang="it-IT" sz="1700" dirty="0"/>
@@ -5583,100 +5115,6 @@
               <a:buNone/>
             </a:pPr>
             <a:endParaRPr lang="it-IT" sz="2000" b="0" i="0" strike="noStrike" baseline="0" dirty="0"/>
-          </a:p>
-        </p:txBody>
-      </p:sp>
-      <p:sp>
-        <p:nvSpPr>
-          <p:cNvPr id="4" name="Segnaposto data 3">
-            <a:extLst>
-              <a:ext uri="{FF2B5EF4-FFF2-40B4-BE49-F238E27FC236}">
-                <a16:creationId xmlns:a16="http://schemas.microsoft.com/office/drawing/2014/main" id="{78FAD5E6-8649-4292-85C1-7CD7C7072598}"/>
-              </a:ext>
-            </a:extLst>
-          </p:cNvPr>
-          <p:cNvSpPr>
-            <a:spLocks noGrp="1"/>
-          </p:cNvSpPr>
-          <p:nvPr>
-            <p:ph type="dt" sz="half" idx="10"/>
-          </p:nvPr>
-        </p:nvSpPr>
-        <p:spPr/>
-        <p:txBody>
-          <a:bodyPr/>
-          <a:lstStyle/>
-          <a:p>
-            <a:pPr>
-              <a:defRPr/>
-            </a:pPr>
-            <a:r>
-              <a:rPr lang="it-IT"/>
-              <a:t>15/07/2021</a:t>
-            </a:r>
-            <a:endParaRPr lang="en-GB"/>
-          </a:p>
-        </p:txBody>
-      </p:sp>
-      <p:sp>
-        <p:nvSpPr>
-          <p:cNvPr id="5" name="Segnaposto piè di pagina 4">
-            <a:extLst>
-              <a:ext uri="{FF2B5EF4-FFF2-40B4-BE49-F238E27FC236}">
-                <a16:creationId xmlns:a16="http://schemas.microsoft.com/office/drawing/2014/main" id="{63A15CDB-C801-438A-B276-439A7F958F51}"/>
-              </a:ext>
-            </a:extLst>
-          </p:cNvPr>
-          <p:cNvSpPr>
-            <a:spLocks noGrp="1"/>
-          </p:cNvSpPr>
-          <p:nvPr>
-            <p:ph type="ftr" sz="quarter" idx="11"/>
-          </p:nvPr>
-        </p:nvSpPr>
-        <p:spPr/>
-        <p:txBody>
-          <a:bodyPr/>
-          <a:lstStyle/>
-          <a:p>
-            <a:pPr>
-              <a:defRPr/>
-            </a:pPr>
-            <a:r>
-              <a:rPr lang="it-IT"/>
-              <a:t>Studio e sviluppo di un sistema di raccomandazione context-aware per sistemi mobili e pervasivi</a:t>
-            </a:r>
-            <a:endParaRPr lang="en-GB"/>
-          </a:p>
-        </p:txBody>
-      </p:sp>
-      <p:sp>
-        <p:nvSpPr>
-          <p:cNvPr id="6" name="Segnaposto numero diapositiva 5">
-            <a:extLst>
-              <a:ext uri="{FF2B5EF4-FFF2-40B4-BE49-F238E27FC236}">
-                <a16:creationId xmlns:a16="http://schemas.microsoft.com/office/drawing/2014/main" id="{3F95B62E-273C-438E-8E90-0AF516D211CB}"/>
-              </a:ext>
-            </a:extLst>
-          </p:cNvPr>
-          <p:cNvSpPr>
-            <a:spLocks noGrp="1"/>
-          </p:cNvSpPr>
-          <p:nvPr>
-            <p:ph type="sldNum" sz="quarter" idx="12"/>
-          </p:nvPr>
-        </p:nvSpPr>
-        <p:spPr/>
-        <p:txBody>
-          <a:bodyPr/>
-          <a:lstStyle/>
-          <a:p>
-            <a:fld id="{35176BAD-5581-4334-AAF7-253323F9A980}" type="slidenum">
-              <a:rPr lang="en-GB" altLang="it-IT" smtClean="0"/>
-              <a:pPr/>
-              <a:t>2</a:t>
-            </a:fld>
-            <a:endParaRPr lang="en-GB" altLang="it-IT"/>
           </a:p>
         </p:txBody>
       </p:sp>
@@ -5755,21 +5193,20 @@
             <p:ph idx="1"/>
           </p:nvPr>
         </p:nvSpPr>
-        <p:spPr/>
+        <p:spPr>
+          <a:xfrm>
+            <a:off x="179512" y="1825624"/>
+            <a:ext cx="8856984" cy="4483695"/>
+          </a:xfrm>
+        </p:spPr>
         <p:txBody>
           <a:bodyPr>
-            <a:normAutofit/>
+            <a:normAutofit fontScale="85000" lnSpcReduction="10000"/>
           </a:bodyPr>
           <a:lstStyle/>
           <a:p>
             <a:r>
               <a:rPr lang="it-IT" dirty="0"/>
-              <a:t>I dispositivi mobili hanno capacità computazionali paragonabili ai computer desktop</a:t>
-            </a:r>
-          </a:p>
-          <a:p>
-            <a:r>
-              <a:rPr lang="it-IT" dirty="0"/>
               <a:t>La computazione si sta spostando agli </a:t>
             </a:r>
             <a:r>
@@ -5778,7 +5215,7 @@
             </a:r>
             <a:r>
               <a:rPr lang="it-IT" dirty="0"/>
-              <a:t> della rete, dove i dati possono essere elaborato con minore latenza e risparmiando banda</a:t>
+              <a:t> della rete, dove i dati possono essere elaborati con minore latenza e risparmio di banda</a:t>
             </a:r>
           </a:p>
           <a:p>
@@ -5790,6 +5227,12 @@
           <a:p>
             <a:r>
               <a:rPr lang="it-IT" dirty="0"/>
+              <a:t>La conoscenza iniziale è limitata alle informazioni dell’utente locale</a:t>
+            </a:r>
+          </a:p>
+          <a:p>
+            <a:r>
+              <a:rPr lang="it-IT" dirty="0"/>
               <a:t>Un RS può essere utile per filtrare questi contenuti</a:t>
             </a:r>
           </a:p>
@@ -5826,100 +5269,6 @@
               <a:rPr lang="it-IT" dirty="0"/>
               <a:t>Contesto fisico e sociale molto descrittivo</a:t>
             </a:r>
-          </a:p>
-        </p:txBody>
-      </p:sp>
-      <p:sp>
-        <p:nvSpPr>
-          <p:cNvPr id="4" name="Segnaposto data 3">
-            <a:extLst>
-              <a:ext uri="{FF2B5EF4-FFF2-40B4-BE49-F238E27FC236}">
-                <a16:creationId xmlns:a16="http://schemas.microsoft.com/office/drawing/2014/main" id="{AA53701C-4110-4296-8498-7138B011AA17}"/>
-              </a:ext>
-            </a:extLst>
-          </p:cNvPr>
-          <p:cNvSpPr>
-            <a:spLocks noGrp="1"/>
-          </p:cNvSpPr>
-          <p:nvPr>
-            <p:ph type="dt" sz="half" idx="10"/>
-          </p:nvPr>
-        </p:nvSpPr>
-        <p:spPr/>
-        <p:txBody>
-          <a:bodyPr/>
-          <a:lstStyle/>
-          <a:p>
-            <a:pPr>
-              <a:defRPr/>
-            </a:pPr>
-            <a:r>
-              <a:rPr lang="it-IT"/>
-              <a:t>15/07/2021</a:t>
-            </a:r>
-            <a:endParaRPr lang="en-GB"/>
-          </a:p>
-        </p:txBody>
-      </p:sp>
-      <p:sp>
-        <p:nvSpPr>
-          <p:cNvPr id="5" name="Segnaposto piè di pagina 4">
-            <a:extLst>
-              <a:ext uri="{FF2B5EF4-FFF2-40B4-BE49-F238E27FC236}">
-                <a16:creationId xmlns:a16="http://schemas.microsoft.com/office/drawing/2014/main" id="{96B0F5DA-30CF-4AA0-848D-CB3AB7B1F738}"/>
-              </a:ext>
-            </a:extLst>
-          </p:cNvPr>
-          <p:cNvSpPr>
-            <a:spLocks noGrp="1"/>
-          </p:cNvSpPr>
-          <p:nvPr>
-            <p:ph type="ftr" sz="quarter" idx="11"/>
-          </p:nvPr>
-        </p:nvSpPr>
-        <p:spPr/>
-        <p:txBody>
-          <a:bodyPr/>
-          <a:lstStyle/>
-          <a:p>
-            <a:pPr>
-              <a:defRPr/>
-            </a:pPr>
-            <a:r>
-              <a:rPr lang="it-IT"/>
-              <a:t>Studio e sviluppo di un sistema di raccomandazione context-aware per sistemi mobili e pervasivi</a:t>
-            </a:r>
-            <a:endParaRPr lang="en-GB"/>
-          </a:p>
-        </p:txBody>
-      </p:sp>
-      <p:sp>
-        <p:nvSpPr>
-          <p:cNvPr id="6" name="Segnaposto numero diapositiva 5">
-            <a:extLst>
-              <a:ext uri="{FF2B5EF4-FFF2-40B4-BE49-F238E27FC236}">
-                <a16:creationId xmlns:a16="http://schemas.microsoft.com/office/drawing/2014/main" id="{AAD87EBA-1DCF-442C-97A3-DE85F2655A66}"/>
-              </a:ext>
-            </a:extLst>
-          </p:cNvPr>
-          <p:cNvSpPr>
-            <a:spLocks noGrp="1"/>
-          </p:cNvSpPr>
-          <p:nvPr>
-            <p:ph type="sldNum" sz="quarter" idx="12"/>
-          </p:nvPr>
-        </p:nvSpPr>
-        <p:spPr/>
-        <p:txBody>
-          <a:bodyPr/>
-          <a:lstStyle/>
-          <a:p>
-            <a:fld id="{35176BAD-5581-4334-AAF7-253323F9A980}" type="slidenum">
-              <a:rPr lang="en-GB" altLang="it-IT" smtClean="0"/>
-              <a:pPr/>
-              <a:t>3</a:t>
-            </a:fld>
-            <a:endParaRPr lang="en-GB" altLang="it-IT"/>
           </a:p>
         </p:txBody>
       </p:sp>
@@ -5961,351 +5310,59 @@
           <a:chExt cx="0" cy="0"/>
         </a:xfrm>
       </p:grpSpPr>
-      <p:sp useBgFill="1">
-        <p:nvSpPr>
-          <p:cNvPr id="17" name="Rectangle 16">
+      <p:sp>
+        <p:nvSpPr>
+          <p:cNvPr id="15" name="CasellaDiTesto 14">
             <a:extLst>
               <a:ext uri="{FF2B5EF4-FFF2-40B4-BE49-F238E27FC236}">
-                <a16:creationId xmlns:a16="http://schemas.microsoft.com/office/drawing/2014/main" id="{262ABC4B-37D8-4218-BDD8-6DF6A00C0C80}"/>
-              </a:ext>
-              <a:ext uri="{C183D7F6-B498-43B3-948B-1728B52AA6E4}">
-                <adec:decorative xmlns:adec="http://schemas.microsoft.com/office/drawing/2017/decorative" val="1"/>
+                <a16:creationId xmlns:a16="http://schemas.microsoft.com/office/drawing/2014/main" id="{8138F056-1FB5-471B-ADB2-F952285C4F1D}"/>
               </a:ext>
             </a:extLst>
           </p:cNvPr>
-          <p:cNvSpPr>
-            <a:spLocks noGrp="1" noRot="1" noChangeAspect="1" noMove="1" noResize="1" noEditPoints="1" noAdjustHandles="1" noChangeArrowheads="1" noChangeShapeType="1" noTextEdit="1"/>
-          </p:cNvSpPr>
-          <p:nvPr>
-            <p:extLst>
-              <p:ext uri="{386F3935-93C4-4BCD-93E2-E3B085C9AB24}">
-                <p16:designElem xmlns:p16="http://schemas.microsoft.com/office/powerpoint/2015/main" val="1"/>
-              </p:ext>
-            </p:extLst>
-          </p:nvPr>
-        </p:nvSpPr>
-        <p:spPr bwMode="white">
+          <p:cNvSpPr txBox="1"/>
+          <p:nvPr/>
+        </p:nvSpPr>
+        <p:spPr>
           <a:xfrm>
-            <a:off x="1143" y="0"/>
-            <a:ext cx="9141714" cy="6858000"/>
+            <a:off x="2443909" y="380564"/>
+            <a:ext cx="4256173" cy="600164"/>
           </a:xfrm>
           <a:prstGeom prst="rect">
             <a:avLst/>
           </a:prstGeom>
-          <a:ln>
-            <a:noFill/>
-          </a:ln>
+          <a:noFill/>
         </p:spPr>
-        <p:style>
-          <a:lnRef idx="2">
-            <a:schemeClr val="accent1">
-              <a:shade val="50000"/>
-            </a:schemeClr>
-          </a:lnRef>
-          <a:fillRef idx="1">
-            <a:schemeClr val="accent1"/>
-          </a:fillRef>
-          <a:effectRef idx="0">
-            <a:schemeClr val="accent1"/>
-          </a:effectRef>
-          <a:fontRef idx="minor">
-            <a:schemeClr val="lt1"/>
-          </a:fontRef>
-        </p:style>
-        <p:txBody>
-          <a:bodyPr rtlCol="0" anchor="ctr"/>
-          <a:lstStyle>
-            <a:defPPr>
-              <a:defRPr lang="en-US"/>
-            </a:defPPr>
-            <a:lvl1pPr marL="0" algn="l" defTabSz="914400" rtl="0" eaLnBrk="1" latinLnBrk="0" hangingPunct="1">
-              <a:defRPr sz="1800" kern="1200">
-                <a:solidFill>
-                  <a:schemeClr val="lt1"/>
-                </a:solidFill>
-                <a:latin typeface="+mn-lt"/>
-                <a:ea typeface="+mn-ea"/>
-                <a:cs typeface="+mn-cs"/>
-              </a:defRPr>
-            </a:lvl1pPr>
-            <a:lvl2pPr marL="457200" algn="l" defTabSz="914400" rtl="0" eaLnBrk="1" latinLnBrk="0" hangingPunct="1">
-              <a:defRPr sz="1800" kern="1200">
-                <a:solidFill>
-                  <a:schemeClr val="lt1"/>
-                </a:solidFill>
-                <a:latin typeface="+mn-lt"/>
-                <a:ea typeface="+mn-ea"/>
-                <a:cs typeface="+mn-cs"/>
-              </a:defRPr>
-            </a:lvl2pPr>
-            <a:lvl3pPr marL="914400" algn="l" defTabSz="914400" rtl="0" eaLnBrk="1" latinLnBrk="0" hangingPunct="1">
-              <a:defRPr sz="1800" kern="1200">
-                <a:solidFill>
-                  <a:schemeClr val="lt1"/>
-                </a:solidFill>
-                <a:latin typeface="+mn-lt"/>
-                <a:ea typeface="+mn-ea"/>
-                <a:cs typeface="+mn-cs"/>
-              </a:defRPr>
-            </a:lvl3pPr>
-            <a:lvl4pPr marL="1371600" algn="l" defTabSz="914400" rtl="0" eaLnBrk="1" latinLnBrk="0" hangingPunct="1">
-              <a:defRPr sz="1800" kern="1200">
-                <a:solidFill>
-                  <a:schemeClr val="lt1"/>
-                </a:solidFill>
-                <a:latin typeface="+mn-lt"/>
-                <a:ea typeface="+mn-ea"/>
-                <a:cs typeface="+mn-cs"/>
-              </a:defRPr>
-            </a:lvl4pPr>
-            <a:lvl5pPr marL="1828800" algn="l" defTabSz="914400" rtl="0" eaLnBrk="1" latinLnBrk="0" hangingPunct="1">
-              <a:defRPr sz="1800" kern="1200">
-                <a:solidFill>
-                  <a:schemeClr val="lt1"/>
-                </a:solidFill>
-                <a:latin typeface="+mn-lt"/>
-                <a:ea typeface="+mn-ea"/>
-                <a:cs typeface="+mn-cs"/>
-              </a:defRPr>
-            </a:lvl5pPr>
-            <a:lvl6pPr marL="2286000" algn="l" defTabSz="914400" rtl="0" eaLnBrk="1" latinLnBrk="0" hangingPunct="1">
-              <a:defRPr sz="1800" kern="1200">
-                <a:solidFill>
-                  <a:schemeClr val="lt1"/>
-                </a:solidFill>
-                <a:latin typeface="+mn-lt"/>
-                <a:ea typeface="+mn-ea"/>
-                <a:cs typeface="+mn-cs"/>
-              </a:defRPr>
-            </a:lvl6pPr>
-            <a:lvl7pPr marL="2743200" algn="l" defTabSz="914400" rtl="0" eaLnBrk="1" latinLnBrk="0" hangingPunct="1">
-              <a:defRPr sz="1800" kern="1200">
-                <a:solidFill>
-                  <a:schemeClr val="lt1"/>
-                </a:solidFill>
-                <a:latin typeface="+mn-lt"/>
-                <a:ea typeface="+mn-ea"/>
-                <a:cs typeface="+mn-cs"/>
-              </a:defRPr>
-            </a:lvl7pPr>
-            <a:lvl8pPr marL="3200400" algn="l" defTabSz="914400" rtl="0" eaLnBrk="1" latinLnBrk="0" hangingPunct="1">
-              <a:defRPr sz="1800" kern="1200">
-                <a:solidFill>
-                  <a:schemeClr val="lt1"/>
-                </a:solidFill>
-                <a:latin typeface="+mn-lt"/>
-                <a:ea typeface="+mn-ea"/>
-                <a:cs typeface="+mn-cs"/>
-              </a:defRPr>
-            </a:lvl8pPr>
-            <a:lvl9pPr marL="3657600" algn="l" defTabSz="914400" rtl="0" eaLnBrk="1" latinLnBrk="0" hangingPunct="1">
-              <a:defRPr sz="1800" kern="1200">
-                <a:solidFill>
-                  <a:schemeClr val="lt1"/>
-                </a:solidFill>
-                <a:latin typeface="+mn-lt"/>
-                <a:ea typeface="+mn-ea"/>
-                <a:cs typeface="+mn-cs"/>
-              </a:defRPr>
-            </a:lvl9pPr>
-          </a:lstStyle>
+        <p:txBody>
+          <a:bodyPr wrap="square" rtlCol="0">
+            <a:spAutoFit/>
+          </a:bodyPr>
+          <a:lstStyle/>
           <a:p>
             <a:pPr algn="ctr"/>
-            <a:endParaRPr lang="en-US"/>
+            <a:r>
+              <a:rPr lang="it-IT" sz="3300" dirty="0">
+                <a:latin typeface="+mj-lt"/>
+              </a:rPr>
+              <a:t>Matrix </a:t>
+            </a:r>
+            <a:r>
+              <a:rPr lang="it-IT" sz="3300" dirty="0" err="1">
+                <a:latin typeface="+mj-lt"/>
+              </a:rPr>
+              <a:t>Factorization</a:t>
+            </a:r>
+            <a:endParaRPr lang="it-IT" sz="3300" dirty="0">
+              <a:latin typeface="+mj-lt"/>
+            </a:endParaRPr>
           </a:p>
         </p:txBody>
       </p:sp>
       <p:pic>
         <p:nvPicPr>
-          <p:cNvPr id="10" name="Segnaposto contenuto 7" descr="Cactus nel deserto">
+          <p:cNvPr id="3" name="Elemento grafico 2">
             <a:extLst>
               <a:ext uri="{FF2B5EF4-FFF2-40B4-BE49-F238E27FC236}">
-                <a16:creationId xmlns:a16="http://schemas.microsoft.com/office/drawing/2014/main" id="{E6EC71B7-AADA-447C-B9BE-B91FABB2CF07}"/>
-              </a:ext>
-            </a:extLst>
-          </p:cNvPr>
-          <p:cNvPicPr>
-            <a:picLocks noChangeAspect="1"/>
-          </p:cNvPicPr>
-          <p:nvPr/>
-        </p:nvPicPr>
-        <p:blipFill rotWithShape="1">
-          <a:blip r:embed="rId2">
-            <a:extLst>
-              <a:ext uri="{28A0092B-C50C-407E-A947-70E740481C1C}">
-                <a14:useLocalDpi xmlns:a14="http://schemas.microsoft.com/office/drawing/2010/main" val="0"/>
-              </a:ext>
-            </a:extLst>
-          </a:blip>
-          <a:srcRect r="5845" b="-1"/>
-          <a:stretch/>
-        </p:blipFill>
-        <p:spPr>
-          <a:xfrm>
-            <a:off x="4708317" y="118142"/>
-            <a:ext cx="4256173" cy="3017405"/>
-          </a:xfrm>
-          <a:prstGeom prst="rect">
-            <a:avLst/>
-          </a:prstGeom>
-        </p:spPr>
-      </p:pic>
-      <p:sp>
-        <p:nvSpPr>
-          <p:cNvPr id="4" name="Segnaposto data 3">
-            <a:extLst>
-              <a:ext uri="{FF2B5EF4-FFF2-40B4-BE49-F238E27FC236}">
-                <a16:creationId xmlns:a16="http://schemas.microsoft.com/office/drawing/2014/main" id="{78BCC1DA-DF9B-4219-BB5F-0C9B9FBD10AA}"/>
-              </a:ext>
-            </a:extLst>
-          </p:cNvPr>
-          <p:cNvSpPr>
-            <a:spLocks noGrp="1"/>
-          </p:cNvSpPr>
-          <p:nvPr>
-            <p:ph type="dt" sz="half" idx="10"/>
-          </p:nvPr>
-        </p:nvSpPr>
-        <p:spPr>
-          <a:xfrm>
-            <a:off x="628650" y="6356350"/>
-            <a:ext cx="2057400" cy="365125"/>
-          </a:xfrm>
-        </p:spPr>
-        <p:txBody>
-          <a:bodyPr vert="horz" lIns="91440" tIns="45720" rIns="91440" bIns="45720" rtlCol="0" anchor="ctr">
-            <a:normAutofit/>
-          </a:bodyPr>
-          <a:lstStyle/>
-          <a:p>
-            <a:pPr>
-              <a:spcAft>
-                <a:spcPts val="600"/>
-              </a:spcAft>
-              <a:defRPr/>
-            </a:pPr>
-            <a:r>
-              <a:rPr lang="en-US" sz="1200"/>
-              <a:t>15/07/2021</a:t>
-            </a:r>
-          </a:p>
-        </p:txBody>
-      </p:sp>
-      <p:sp>
-        <p:nvSpPr>
-          <p:cNvPr id="5" name="Segnaposto piè di pagina 4">
-            <a:extLst>
-              <a:ext uri="{FF2B5EF4-FFF2-40B4-BE49-F238E27FC236}">
-                <a16:creationId xmlns:a16="http://schemas.microsoft.com/office/drawing/2014/main" id="{2042C910-AE9D-4509-9767-78E525FCB0BA}"/>
-              </a:ext>
-            </a:extLst>
-          </p:cNvPr>
-          <p:cNvSpPr>
-            <a:spLocks noGrp="1"/>
-          </p:cNvSpPr>
-          <p:nvPr>
-            <p:ph type="ftr" sz="quarter" idx="11"/>
-          </p:nvPr>
-        </p:nvSpPr>
-        <p:spPr>
-          <a:xfrm>
-            <a:off x="3028950" y="6356350"/>
-            <a:ext cx="3086100" cy="365125"/>
-          </a:xfrm>
-        </p:spPr>
-        <p:txBody>
-          <a:bodyPr vert="horz" lIns="91440" tIns="45720" rIns="91440" bIns="45720" rtlCol="0" anchor="ctr">
-            <a:normAutofit/>
-          </a:bodyPr>
-          <a:lstStyle/>
-          <a:p>
-            <a:pPr>
-              <a:lnSpc>
-                <a:spcPct val="90000"/>
-              </a:lnSpc>
-              <a:spcAft>
-                <a:spcPts val="600"/>
-              </a:spcAft>
-              <a:defRPr/>
-            </a:pPr>
-            <a:r>
-              <a:rPr lang="en-US" kern="1200">
-                <a:solidFill>
-                  <a:schemeClr val="tx1">
-                    <a:tint val="75000"/>
-                  </a:schemeClr>
-                </a:solidFill>
-                <a:latin typeface="+mn-lt"/>
-                <a:ea typeface="+mn-ea"/>
-                <a:cs typeface="+mn-cs"/>
-              </a:rPr>
-              <a:t>Studio e sviluppo di un sistema di raccomandazione context-aware per sistemi mobili e pervasivi</a:t>
-            </a:r>
-            <a:endParaRPr lang="en-US" kern="1200" dirty="0">
-              <a:solidFill>
-                <a:schemeClr val="tx1">
-                  <a:tint val="75000"/>
-                </a:schemeClr>
-              </a:solidFill>
-              <a:latin typeface="+mn-lt"/>
-              <a:ea typeface="+mn-ea"/>
-              <a:cs typeface="+mn-cs"/>
-            </a:endParaRPr>
-          </a:p>
-        </p:txBody>
-      </p:sp>
-      <p:sp>
-        <p:nvSpPr>
-          <p:cNvPr id="6" name="Segnaposto numero diapositiva 5">
-            <a:extLst>
-              <a:ext uri="{FF2B5EF4-FFF2-40B4-BE49-F238E27FC236}">
-                <a16:creationId xmlns:a16="http://schemas.microsoft.com/office/drawing/2014/main" id="{0E31ED06-41E9-4EEC-B6E3-278EB416EC4A}"/>
-              </a:ext>
-            </a:extLst>
-          </p:cNvPr>
-          <p:cNvSpPr>
-            <a:spLocks noGrp="1"/>
-          </p:cNvSpPr>
-          <p:nvPr>
-            <p:ph type="sldNum" sz="quarter" idx="12"/>
-          </p:nvPr>
-        </p:nvSpPr>
-        <p:spPr>
-          <a:xfrm>
-            <a:off x="6457950" y="6356350"/>
-            <a:ext cx="2057400" cy="365125"/>
-          </a:xfrm>
-        </p:spPr>
-        <p:txBody>
-          <a:bodyPr vert="horz" lIns="91440" tIns="45720" rIns="91440" bIns="45720" rtlCol="0" anchor="ctr">
-            <a:normAutofit/>
-          </a:bodyPr>
-          <a:lstStyle/>
-          <a:p>
-            <a:pPr>
-              <a:spcAft>
-                <a:spcPts val="600"/>
-              </a:spcAft>
-            </a:pPr>
-            <a:fld id="{35176BAD-5581-4334-AAF7-253323F9A980}" type="slidenum">
-              <a:rPr lang="en-US" altLang="it-IT" sz="1200" smtClean="0"/>
-              <a:pPr>
-                <a:spcAft>
-                  <a:spcPts val="600"/>
-                </a:spcAft>
-              </a:pPr>
-              <a:t>4</a:t>
-            </a:fld>
-            <a:endParaRPr lang="en-US" altLang="it-IT" sz="1200"/>
-          </a:p>
-        </p:txBody>
-      </p:sp>
-      <p:pic>
-        <p:nvPicPr>
-          <p:cNvPr id="18" name="Segnaposto contenuto 7">
-            <a:extLst>
-              <a:ext uri="{FF2B5EF4-FFF2-40B4-BE49-F238E27FC236}">
-                <a16:creationId xmlns:a16="http://schemas.microsoft.com/office/drawing/2014/main" id="{640DBFE2-5948-4D40-B4BF-CA241E878171}"/>
+                <a16:creationId xmlns:a16="http://schemas.microsoft.com/office/drawing/2014/main" id="{30C85504-B840-4230-ADF9-201FBC6EC044}"/>
               </a:ext>
             </a:extLst>
           </p:cNvPr>
@@ -6315,67 +5372,36 @@
           <p:nvPr/>
         </p:nvPicPr>
         <p:blipFill>
-          <a:blip r:embed="rId3">
+          <a:blip r:embed="rId2">
             <a:extLst>
               <a:ext uri="{28A0092B-C50C-407E-A947-70E740481C1C}">
                 <a14:useLocalDpi xmlns:a14="http://schemas.microsoft.com/office/drawing/2010/main" val="0"/>
               </a:ext>
+              <a:ext uri="{96DAC541-7B7A-43D3-8B79-37D633B846F1}">
+                <asvg:svgBlip xmlns:asvg="http://schemas.microsoft.com/office/drawing/2016/SVG/main" r:embed="rId3"/>
+              </a:ext>
             </a:extLst>
           </a:blip>
-          <a:srcRect l="11741" r="11741"/>
-          <a:stretch/>
+          <a:stretch>
+            <a:fillRect/>
+          </a:stretch>
         </p:blipFill>
         <p:spPr>
           <a:xfrm>
-            <a:off x="4708318" y="3272072"/>
-            <a:ext cx="4256173" cy="3017405"/>
+            <a:off x="332067" y="1196752"/>
+            <a:ext cx="8479859" cy="2592288"/>
           </a:xfrm>
           <a:prstGeom prst="rect">
             <a:avLst/>
           </a:prstGeom>
         </p:spPr>
       </p:pic>
-      <p:pic>
-        <p:nvPicPr>
-          <p:cNvPr id="19" name="Segnaposto contenuto 7">
+      <p:sp>
+        <p:nvSpPr>
+          <p:cNvPr id="20" name="CasellaDiTesto 19">
             <a:extLst>
               <a:ext uri="{FF2B5EF4-FFF2-40B4-BE49-F238E27FC236}">
-                <a16:creationId xmlns:a16="http://schemas.microsoft.com/office/drawing/2014/main" id="{466BD246-D753-4821-AD6D-30517B255E6A}"/>
-              </a:ext>
-            </a:extLst>
-          </p:cNvPr>
-          <p:cNvPicPr>
-            <a:picLocks noChangeAspect="1"/>
-          </p:cNvPicPr>
-          <p:nvPr/>
-        </p:nvPicPr>
-        <p:blipFill>
-          <a:blip r:embed="rId4">
-            <a:extLst>
-              <a:ext uri="{28A0092B-C50C-407E-A947-70E740481C1C}">
-                <a14:useLocalDpi xmlns:a14="http://schemas.microsoft.com/office/drawing/2010/main" val="0"/>
-              </a:ext>
-            </a:extLst>
-          </a:blip>
-          <a:srcRect l="6400" r="6400"/>
-          <a:stretch/>
-        </p:blipFill>
-        <p:spPr>
-          <a:xfrm>
-            <a:off x="179511" y="3268885"/>
-            <a:ext cx="4256173" cy="3017405"/>
-          </a:xfrm>
-          <a:prstGeom prst="rect">
-            <a:avLst/>
-          </a:prstGeom>
-        </p:spPr>
-      </p:pic>
-      <p:sp>
-        <p:nvSpPr>
-          <p:cNvPr id="15" name="CasellaDiTesto 14">
-            <a:extLst>
-              <a:ext uri="{FF2B5EF4-FFF2-40B4-BE49-F238E27FC236}">
-                <a16:creationId xmlns:a16="http://schemas.microsoft.com/office/drawing/2014/main" id="{8138F056-1FB5-471B-ADB2-F952285C4F1D}"/>
+                <a16:creationId xmlns:a16="http://schemas.microsoft.com/office/drawing/2014/main" id="{B6D825C3-9F20-4F90-BA1C-33B1255A0A3F}"/>
               </a:ext>
             </a:extLst>
           </p:cNvPr>
@@ -6384,8 +5410,8 @@
         </p:nvSpPr>
         <p:spPr>
           <a:xfrm>
-            <a:off x="179512" y="1268760"/>
-            <a:ext cx="4256173" cy="600164"/>
+            <a:off x="467544" y="4221088"/>
+            <a:ext cx="8208912" cy="2308324"/>
           </a:xfrm>
           <a:prstGeom prst="rect">
             <a:avLst/>
@@ -6398,16 +5424,84 @@
           </a:bodyPr>
           <a:lstStyle/>
           <a:p>
-            <a:pPr algn="ctr"/>
-            <a:r>
-              <a:rPr lang="it-IT" sz="3300">
-                <a:latin typeface="+mj-lt"/>
-              </a:rPr>
-              <a:t>Stato dell’arte</a:t>
-            </a:r>
-            <a:endParaRPr lang="it-IT" sz="3300" dirty="0">
-              <a:latin typeface="+mj-lt"/>
-            </a:endParaRPr>
+            <a:pPr marL="285750" indent="-285750">
+              <a:buFont typeface="Arial" panose="020B0604020202020204" pitchFamily="34" charset="0"/>
+              <a:buChar char="•"/>
+            </a:pPr>
+            <a:r>
+              <a:rPr lang="it-IT" b="1" dirty="0"/>
+              <a:t>Matrice utenti-oggetti: </a:t>
+            </a:r>
+            <a:r>
+              <a:rPr lang="it-IT" dirty="0"/>
+              <a:t>ogni elemento è un feedback di un utente su un oggetto</a:t>
+            </a:r>
+          </a:p>
+          <a:p>
+            <a:pPr marL="285750" indent="-285750">
+              <a:buFont typeface="Arial" panose="020B0604020202020204" pitchFamily="34" charset="0"/>
+              <a:buChar char="•"/>
+            </a:pPr>
+            <a:r>
+              <a:rPr lang="it-IT" b="1" dirty="0"/>
+              <a:t>Matrix </a:t>
+            </a:r>
+            <a:r>
+              <a:rPr lang="it-IT" b="1" dirty="0" err="1"/>
+              <a:t>factorization</a:t>
+            </a:r>
+            <a:r>
+              <a:rPr lang="it-IT" b="1" dirty="0"/>
+              <a:t>: </a:t>
+            </a:r>
+            <a:r>
+              <a:rPr lang="it-IT" dirty="0"/>
+              <a:t>algoritmo che fattorizza la matrice in due matrici a </a:t>
+            </a:r>
+            <a:r>
+              <a:rPr lang="it-IT" dirty="0" err="1"/>
+              <a:t>dimensionalità</a:t>
+            </a:r>
+            <a:r>
+              <a:rPr lang="it-IT" dirty="0"/>
+              <a:t> minore</a:t>
+            </a:r>
+          </a:p>
+          <a:p>
+            <a:pPr marL="285750" indent="-285750">
+              <a:buFont typeface="Arial" panose="020B0604020202020204" pitchFamily="34" charset="0"/>
+              <a:buChar char="•"/>
+            </a:pPr>
+            <a:r>
+              <a:rPr lang="it-IT" dirty="0"/>
+              <a:t>Le due matrici moltiplicate approssimano la matrice originale</a:t>
+            </a:r>
+          </a:p>
+          <a:p>
+            <a:pPr marL="285750" indent="-285750">
+              <a:buFont typeface="Arial" panose="020B0604020202020204" pitchFamily="34" charset="0"/>
+              <a:buChar char="•"/>
+            </a:pPr>
+            <a:endParaRPr lang="it-IT" dirty="0"/>
+          </a:p>
+          <a:p>
+            <a:r>
+              <a:rPr lang="it-IT" b="1" dirty="0"/>
+              <a:t>Problema:</a:t>
+            </a:r>
+          </a:p>
+          <a:p>
+            <a:pPr marL="285750" indent="-285750">
+              <a:buFont typeface="Arial" panose="020B0604020202020204" pitchFamily="34" charset="0"/>
+              <a:buChar char="•"/>
+            </a:pPr>
+            <a:r>
+              <a:rPr lang="it-IT" dirty="0"/>
+              <a:t>Numero fisso di utenti e oggetti</a:t>
+            </a:r>
+          </a:p>
+          <a:p>
+            <a:endParaRPr lang="it-IT" dirty="0"/>
           </a:p>
         </p:txBody>
       </p:sp>
@@ -6446,7 +5540,7 @@
           <p:cNvPr id="2" name="Titolo 1">
             <a:extLst>
               <a:ext uri="{FF2B5EF4-FFF2-40B4-BE49-F238E27FC236}">
-                <a16:creationId xmlns:a16="http://schemas.microsoft.com/office/drawing/2014/main" id="{83C26057-B5D8-4F43-A76F-09CA4FF784BB}"/>
+                <a16:creationId xmlns:a16="http://schemas.microsoft.com/office/drawing/2014/main" id="{7D6556A7-4C91-4CD0-AF4B-A8BB31998FBE}"/>
               </a:ext>
             </a:extLst>
           </p:cNvPr>
@@ -6457,15 +5551,26 @@
             <p:ph type="title"/>
           </p:nvPr>
         </p:nvSpPr>
-        <p:spPr/>
-        <p:txBody>
-          <a:bodyPr/>
+        <p:spPr>
+          <a:xfrm>
+            <a:off x="628650" y="0"/>
+            <a:ext cx="7886700" cy="615602"/>
+          </a:xfrm>
+        </p:spPr>
+        <p:txBody>
+          <a:bodyPr>
+            <a:normAutofit fontScale="90000"/>
+          </a:bodyPr>
           <a:lstStyle/>
           <a:p>
             <a:pPr algn="ctr"/>
             <a:r>
+              <a:rPr lang="it-IT" dirty="0"/>
+              <a:t>ECAM </a:t>
+            </a:r>
+            <a:r>
               <a:rPr lang="it-IT" dirty="0" err="1"/>
-              <a:t>moveCARS</a:t>
+              <a:t>NeuMF</a:t>
             </a:r>
             <a:endParaRPr lang="it-IT" dirty="0"/>
           </a:p>
@@ -6473,10 +5578,10 @@
       </p:sp>
       <p:sp>
         <p:nvSpPr>
-          <p:cNvPr id="4" name="Segnaposto data 3">
+          <p:cNvPr id="3" name="Segnaposto contenuto 2">
             <a:extLst>
               <a:ext uri="{FF2B5EF4-FFF2-40B4-BE49-F238E27FC236}">
-                <a16:creationId xmlns:a16="http://schemas.microsoft.com/office/drawing/2014/main" id="{06FDFE2F-C2F9-4FA8-B38B-6CB961344F2E}"/>
+                <a16:creationId xmlns:a16="http://schemas.microsoft.com/office/drawing/2014/main" id="{BC013D25-AD78-4C9E-A6B1-5E9D9F35E915}"/>
               </a:ext>
             </a:extLst>
           </p:cNvPr>
@@ -6484,116 +5589,166 @@
             <a:spLocks noGrp="1"/>
           </p:cNvSpPr>
           <p:nvPr>
-            <p:ph type="dt" sz="half" idx="10"/>
-          </p:nvPr>
-        </p:nvSpPr>
-        <p:spPr/>
-        <p:txBody>
-          <a:bodyPr/>
+            <p:ph idx="1"/>
+          </p:nvPr>
+        </p:nvSpPr>
+        <p:spPr>
+          <a:xfrm>
+            <a:off x="628649" y="4149080"/>
+            <a:ext cx="7886700" cy="2592288"/>
+          </a:xfrm>
+        </p:spPr>
+        <p:txBody>
+          <a:bodyPr>
+            <a:normAutofit fontScale="62500" lnSpcReduction="20000"/>
+          </a:bodyPr>
           <a:lstStyle/>
           <a:p>
-            <a:pPr>
-              <a:defRPr/>
-            </a:pPr>
-            <a:r>
-              <a:rPr lang="it-IT"/>
-              <a:t>15/07/2021</a:t>
-            </a:r>
-            <a:endParaRPr lang="en-GB"/>
-          </a:p>
-        </p:txBody>
-      </p:sp>
-      <p:sp>
-        <p:nvSpPr>
-          <p:cNvPr id="5" name="Segnaposto piè di pagina 4">
+            <a:r>
+              <a:rPr lang="it-IT" dirty="0" err="1"/>
+              <a:t>Context-aware</a:t>
+            </a:r>
+            <a:r>
+              <a:rPr lang="it-IT" dirty="0"/>
+              <a:t> </a:t>
+            </a:r>
+            <a:r>
+              <a:rPr lang="it-IT" dirty="0" err="1"/>
+              <a:t>neural</a:t>
+            </a:r>
+            <a:r>
+              <a:rPr lang="it-IT" dirty="0"/>
+              <a:t> </a:t>
+            </a:r>
+            <a:r>
+              <a:rPr lang="it-IT" dirty="0" err="1"/>
+              <a:t>matrix</a:t>
+            </a:r>
+            <a:r>
+              <a:rPr lang="it-IT" dirty="0"/>
+              <a:t> </a:t>
+            </a:r>
+            <a:r>
+              <a:rPr lang="it-IT" dirty="0" err="1"/>
+              <a:t>factorization</a:t>
+            </a:r>
+            <a:endParaRPr lang="it-IT" dirty="0"/>
+          </a:p>
+          <a:p>
+            <a:r>
+              <a:rPr lang="it-IT" dirty="0"/>
+              <a:t>Stato dell’arte per i </a:t>
+            </a:r>
+            <a:r>
+              <a:rPr lang="it-IT" dirty="0" err="1"/>
+              <a:t>context-aware</a:t>
+            </a:r>
+            <a:r>
+              <a:rPr lang="it-IT" dirty="0"/>
+              <a:t> RS</a:t>
+            </a:r>
+          </a:p>
+          <a:p>
+            <a:r>
+              <a:rPr lang="it-IT" dirty="0"/>
+              <a:t>Combinazione di una rete neurale e l’approccio </a:t>
+            </a:r>
+            <a:r>
+              <a:rPr lang="it-IT" dirty="0" err="1"/>
+              <a:t>matrix</a:t>
+            </a:r>
+            <a:r>
+              <a:rPr lang="it-IT" dirty="0"/>
+              <a:t> </a:t>
+            </a:r>
+            <a:r>
+              <a:rPr lang="it-IT" dirty="0" err="1"/>
+              <a:t>factorization</a:t>
+            </a:r>
+            <a:endParaRPr lang="it-IT" dirty="0"/>
+          </a:p>
+          <a:p>
+            <a:r>
+              <a:rPr lang="it-IT" dirty="0"/>
+              <a:t>Incorpora il contesto dell’utente nel processo di raccomandazione</a:t>
+            </a:r>
+          </a:p>
+          <a:p>
+            <a:r>
+              <a:rPr lang="it-IT" dirty="0"/>
+              <a:t>Input: </a:t>
+            </a:r>
+          </a:p>
+          <a:p>
+            <a:pPr lvl="1"/>
+            <a:r>
+              <a:rPr lang="it-IT" dirty="0"/>
+              <a:t>due vettori in one-hot </a:t>
+            </a:r>
+            <a:r>
+              <a:rPr lang="it-IT" dirty="0" err="1"/>
+              <a:t>encoding</a:t>
+            </a:r>
+            <a:r>
+              <a:rPr lang="it-IT" dirty="0"/>
+              <a:t> per utenti/oggetti con dimensione pari al numero di utenti/oggetti</a:t>
+            </a:r>
+          </a:p>
+          <a:p>
+            <a:pPr lvl="1"/>
+            <a:r>
+              <a:rPr lang="it-IT" dirty="0"/>
+              <a:t>un vettore per il contesto</a:t>
+            </a:r>
+          </a:p>
+          <a:p>
+            <a:r>
+              <a:rPr lang="it-IT" dirty="0"/>
+              <a:t>Anche in questo caso il numero di utenti e oggetti è fisso</a:t>
+            </a:r>
+          </a:p>
+        </p:txBody>
+      </p:sp>
+      <p:pic>
+        <p:nvPicPr>
+          <p:cNvPr id="5" name="Immagine 4">
             <a:extLst>
               <a:ext uri="{FF2B5EF4-FFF2-40B4-BE49-F238E27FC236}">
-                <a16:creationId xmlns:a16="http://schemas.microsoft.com/office/drawing/2014/main" id="{D058122A-F752-492B-9AE0-50BE93A4E7CB}"/>
+                <a16:creationId xmlns:a16="http://schemas.microsoft.com/office/drawing/2014/main" id="{76B614B3-C5C1-485B-B14B-E1CFCDE3F353}"/>
               </a:ext>
             </a:extLst>
           </p:cNvPr>
-          <p:cNvSpPr>
-            <a:spLocks noGrp="1"/>
-          </p:cNvSpPr>
-          <p:nvPr>
-            <p:ph type="ftr" sz="quarter" idx="11"/>
-          </p:nvPr>
-        </p:nvSpPr>
-        <p:spPr/>
-        <p:txBody>
-          <a:bodyPr/>
-          <a:lstStyle/>
-          <a:p>
-            <a:pPr>
-              <a:defRPr/>
-            </a:pPr>
-            <a:r>
-              <a:rPr lang="it-IT"/>
-              <a:t>Studio e sviluppo di un sistema di raccomandazione context-aware per sistemi mobili e pervasivi</a:t>
-            </a:r>
-            <a:endParaRPr lang="en-GB"/>
-          </a:p>
-        </p:txBody>
-      </p:sp>
-      <p:sp>
-        <p:nvSpPr>
-          <p:cNvPr id="6" name="Segnaposto numero diapositiva 5">
+          <p:cNvPicPr>
+            <a:picLocks noChangeAspect="1"/>
+          </p:cNvPicPr>
+          <p:nvPr/>
+        </p:nvPicPr>
+        <p:blipFill>
+          <a:blip r:embed="rId2">
             <a:extLst>
-              <a:ext uri="{FF2B5EF4-FFF2-40B4-BE49-F238E27FC236}">
-                <a16:creationId xmlns:a16="http://schemas.microsoft.com/office/drawing/2014/main" id="{3BF02714-3766-4ECD-B384-35C693394651}"/>
+              <a:ext uri="{28A0092B-C50C-407E-A947-70E740481C1C}">
+                <a14:useLocalDpi xmlns:a14="http://schemas.microsoft.com/office/drawing/2010/main" val="0"/>
               </a:ext>
             </a:extLst>
-          </p:cNvPr>
-          <p:cNvSpPr>
-            <a:spLocks noGrp="1"/>
-          </p:cNvSpPr>
-          <p:nvPr>
-            <p:ph type="sldNum" sz="quarter" idx="12"/>
-          </p:nvPr>
-        </p:nvSpPr>
-        <p:spPr/>
-        <p:txBody>
-          <a:bodyPr/>
-          <a:lstStyle/>
-          <a:p>
-            <a:fld id="{35176BAD-5581-4334-AAF7-253323F9A980}" type="slidenum">
-              <a:rPr lang="en-GB" altLang="it-IT" smtClean="0"/>
-              <a:pPr/>
-              <a:t>5</a:t>
-            </a:fld>
-            <a:endParaRPr lang="en-GB" altLang="it-IT"/>
-          </a:p>
-        </p:txBody>
-      </p:sp>
-      <p:sp>
-        <p:nvSpPr>
-          <p:cNvPr id="8" name="Segnaposto contenuto 7">
-            <a:extLst>
-              <a:ext uri="{FF2B5EF4-FFF2-40B4-BE49-F238E27FC236}">
-                <a16:creationId xmlns:a16="http://schemas.microsoft.com/office/drawing/2014/main" id="{C1DB71A9-07B8-4CC6-B45C-963872FA589A}"/>
-              </a:ext>
-            </a:extLst>
-          </p:cNvPr>
-          <p:cNvSpPr>
-            <a:spLocks noGrp="1"/>
-          </p:cNvSpPr>
-          <p:nvPr>
-            <p:ph idx="1"/>
-          </p:nvPr>
-        </p:nvSpPr>
-        <p:spPr/>
-        <p:txBody>
-          <a:bodyPr/>
-          <a:lstStyle/>
-          <a:p>
-            <a:endParaRPr lang="it-IT" dirty="0"/>
-          </a:p>
-        </p:txBody>
-      </p:sp>
+          </a:blip>
+          <a:stretch>
+            <a:fillRect/>
+          </a:stretch>
+        </p:blipFill>
+        <p:spPr>
+          <a:xfrm>
+            <a:off x="1419429" y="615602"/>
+            <a:ext cx="6305141" cy="3420403"/>
+          </a:xfrm>
+          <a:prstGeom prst="rect">
+            <a:avLst/>
+          </a:prstGeom>
+        </p:spPr>
+      </p:pic>
     </p:spTree>
     <p:extLst>
       <p:ext uri="{BB962C8B-B14F-4D97-AF65-F5344CB8AC3E}">
-        <p14:creationId xmlns:p14="http://schemas.microsoft.com/office/powerpoint/2010/main" val="2437090301"/>
+        <p14:creationId xmlns:p14="http://schemas.microsoft.com/office/powerpoint/2010/main" val="2707039671"/>
       </p:ext>
     </p:extLst>
   </p:cSld>
@@ -6625,7 +5780,7 @@
           <p:cNvPr id="2" name="Titolo 1">
             <a:extLst>
               <a:ext uri="{FF2B5EF4-FFF2-40B4-BE49-F238E27FC236}">
-                <a16:creationId xmlns:a16="http://schemas.microsoft.com/office/drawing/2014/main" id="{6B5C8CE6-773B-4C99-A303-3A55CAA756D3}"/>
+                <a16:creationId xmlns:a16="http://schemas.microsoft.com/office/drawing/2014/main" id="{83C26057-B5D8-4F43-A76F-09CA4FF784BB}"/>
               </a:ext>
             </a:extLst>
           </p:cNvPr>
@@ -6638,8 +5793,8 @@
         </p:nvSpPr>
         <p:spPr>
           <a:xfrm>
-            <a:off x="539552" y="0"/>
-            <a:ext cx="7886700" cy="421929"/>
+            <a:off x="644642" y="101408"/>
+            <a:ext cx="7876331" cy="504056"/>
           </a:xfrm>
         </p:spPr>
         <p:txBody>
@@ -6650,402 +5805,379 @@
           <a:p>
             <a:pPr algn="ctr"/>
             <a:r>
-              <a:rPr lang="it-IT" dirty="0"/>
-              <a:t>I dataset</a:t>
-            </a:r>
-          </a:p>
-        </p:txBody>
-      </p:sp>
-      <p:sp>
-        <p:nvSpPr>
-          <p:cNvPr id="3" name="Segnaposto contenuto 2">
+              <a:rPr lang="it-IT" sz="4000" dirty="0" err="1"/>
+              <a:t>moveCARS</a:t>
+            </a:r>
+            <a:endParaRPr lang="it-IT" sz="4000" dirty="0"/>
+          </a:p>
+        </p:txBody>
+      </p:sp>
+      <p:pic>
+        <p:nvPicPr>
+          <p:cNvPr id="10" name="Elemento grafico 9">
             <a:extLst>
               <a:ext uri="{FF2B5EF4-FFF2-40B4-BE49-F238E27FC236}">
-                <a16:creationId xmlns:a16="http://schemas.microsoft.com/office/drawing/2014/main" id="{BE723A70-E80B-4CA0-941A-CB18D109A863}"/>
+                <a16:creationId xmlns:a16="http://schemas.microsoft.com/office/drawing/2014/main" id="{7B467268-CB2B-4D0A-A7DD-22E88BDA41A4}"/>
               </a:ext>
             </a:extLst>
           </p:cNvPr>
-          <p:cNvSpPr>
-            <a:spLocks noGrp="1"/>
-          </p:cNvSpPr>
-          <p:nvPr>
-            <p:ph idx="1"/>
-          </p:nvPr>
-        </p:nvSpPr>
+          <p:cNvPicPr>
+            <a:picLocks noChangeAspect="1"/>
+          </p:cNvPicPr>
+          <p:nvPr/>
+        </p:nvPicPr>
+        <p:blipFill>
+          <a:blip r:embed="rId2">
+            <a:extLst>
+              <a:ext uri="{28A0092B-C50C-407E-A947-70E740481C1C}">
+                <a14:useLocalDpi xmlns:a14="http://schemas.microsoft.com/office/drawing/2010/main" val="0"/>
+              </a:ext>
+              <a:ext uri="{96DAC541-7B7A-43D3-8B79-37D633B846F1}">
+                <asvg:svgBlip xmlns:asvg="http://schemas.microsoft.com/office/drawing/2016/SVG/main" r:embed="rId3"/>
+              </a:ext>
+            </a:extLst>
+          </a:blip>
+          <a:stretch>
+            <a:fillRect/>
+          </a:stretch>
+        </p:blipFill>
         <p:spPr>
           <a:xfrm>
-            <a:off x="179512" y="538995"/>
-            <a:ext cx="8784976" cy="2664296"/>
-          </a:xfrm>
-        </p:spPr>
-        <p:txBody>
-          <a:bodyPr>
-            <a:normAutofit lnSpcReduction="10000"/>
-          </a:bodyPr>
-          <a:lstStyle/>
-          <a:p>
-            <a:pPr marL="0" indent="0" algn="l">
-              <a:buNone/>
-            </a:pPr>
-            <a:r>
-              <a:rPr lang="it-IT" b="1" dirty="0"/>
-              <a:t>Frappe: </a:t>
-            </a:r>
-          </a:p>
-          <a:p>
-            <a:pPr marL="0" indent="0" algn="l">
-              <a:buNone/>
-            </a:pPr>
-            <a:r>
-              <a:rPr lang="it-IT" sz="1800" b="0" i="0" u="none" strike="noStrike" baseline="0" dirty="0"/>
-              <a:t>È un dataset di feedback impliciti collezionato da un sistema di raccomandazione </a:t>
-            </a:r>
-            <a:r>
-              <a:rPr lang="it-IT" sz="1800" b="0" i="0" u="none" strike="noStrike" baseline="0" dirty="0" err="1"/>
-              <a:t>context-aware</a:t>
-            </a:r>
-            <a:r>
-              <a:rPr lang="it-IT" sz="1800" b="0" i="0" u="none" strike="noStrike" baseline="0" dirty="0"/>
-              <a:t> di applicazioni Android.</a:t>
-            </a:r>
-          </a:p>
-          <a:p>
-            <a:pPr marL="0" indent="0" algn="l">
-              <a:buNone/>
-            </a:pPr>
-            <a:r>
-              <a:rPr lang="it-IT" sz="1800" dirty="0"/>
-              <a:t>Feature di contesto:</a:t>
-            </a:r>
-          </a:p>
-          <a:p>
-            <a:r>
-              <a:rPr lang="it-IT" sz="1800" dirty="0"/>
-              <a:t>Momento giornata</a:t>
-            </a:r>
-          </a:p>
-          <a:p>
-            <a:r>
-              <a:rPr lang="it-IT" sz="1800" dirty="0"/>
-              <a:t>Giorno della settimana</a:t>
-            </a:r>
-          </a:p>
-          <a:p>
-            <a:r>
-              <a:rPr lang="it-IT" sz="1800" dirty="0"/>
-              <a:t>Se è il fine settimana</a:t>
-            </a:r>
-          </a:p>
-          <a:p>
-            <a:r>
-              <a:rPr lang="it-IT" sz="1800" dirty="0"/>
-              <a:t>Meteo</a:t>
-            </a:r>
-          </a:p>
-          <a:p>
-            <a:pPr marL="0" indent="0">
-              <a:buNone/>
-            </a:pPr>
-            <a:endParaRPr lang="it-IT" b="1" dirty="0"/>
-          </a:p>
-        </p:txBody>
-      </p:sp>
-      <p:sp>
-        <p:nvSpPr>
-          <p:cNvPr id="4" name="Segnaposto data 3">
-            <a:extLst>
-              <a:ext uri="{FF2B5EF4-FFF2-40B4-BE49-F238E27FC236}">
-                <a16:creationId xmlns:a16="http://schemas.microsoft.com/office/drawing/2014/main" id="{B339DB90-5D84-4990-A020-59792437E12E}"/>
-              </a:ext>
-            </a:extLst>
-          </p:cNvPr>
-          <p:cNvSpPr>
-            <a:spLocks noGrp="1"/>
-          </p:cNvSpPr>
-          <p:nvPr>
-            <p:ph type="dt" sz="half" idx="10"/>
-          </p:nvPr>
-        </p:nvSpPr>
-        <p:spPr/>
-        <p:txBody>
-          <a:bodyPr/>
-          <a:lstStyle/>
-          <a:p>
-            <a:pPr>
-              <a:defRPr/>
-            </a:pPr>
-            <a:r>
-              <a:rPr lang="it-IT"/>
-              <a:t>15/07/2021</a:t>
-            </a:r>
-            <a:endParaRPr lang="en-GB"/>
-          </a:p>
-        </p:txBody>
-      </p:sp>
-      <p:sp>
-        <p:nvSpPr>
-          <p:cNvPr id="5" name="Segnaposto piè di pagina 4">
-            <a:extLst>
-              <a:ext uri="{FF2B5EF4-FFF2-40B4-BE49-F238E27FC236}">
-                <a16:creationId xmlns:a16="http://schemas.microsoft.com/office/drawing/2014/main" id="{47557276-DA68-4FDE-97E9-AA176A87EF6B}"/>
-              </a:ext>
-            </a:extLst>
-          </p:cNvPr>
-          <p:cNvSpPr>
-            <a:spLocks noGrp="1"/>
-          </p:cNvSpPr>
-          <p:nvPr>
-            <p:ph type="ftr" sz="quarter" idx="11"/>
-          </p:nvPr>
-        </p:nvSpPr>
-        <p:spPr/>
-        <p:txBody>
-          <a:bodyPr/>
-          <a:lstStyle/>
-          <a:p>
-            <a:pPr>
-              <a:defRPr/>
-            </a:pPr>
-            <a:r>
-              <a:rPr lang="it-IT"/>
-              <a:t>Studio e sviluppo di un sistema di raccomandazione context-aware per sistemi mobili e pervasivi</a:t>
-            </a:r>
-            <a:endParaRPr lang="en-GB"/>
-          </a:p>
-        </p:txBody>
-      </p:sp>
-      <p:sp>
-        <p:nvSpPr>
-          <p:cNvPr id="6" name="Segnaposto numero diapositiva 5">
-            <a:extLst>
-              <a:ext uri="{FF2B5EF4-FFF2-40B4-BE49-F238E27FC236}">
-                <a16:creationId xmlns:a16="http://schemas.microsoft.com/office/drawing/2014/main" id="{61AF52CD-22F2-4FB8-B8C9-424B588453EF}"/>
-              </a:ext>
-            </a:extLst>
-          </p:cNvPr>
-          <p:cNvSpPr>
-            <a:spLocks noGrp="1"/>
-          </p:cNvSpPr>
-          <p:nvPr>
-            <p:ph type="sldNum" sz="quarter" idx="12"/>
-          </p:nvPr>
-        </p:nvSpPr>
-        <p:spPr/>
-        <p:txBody>
-          <a:bodyPr/>
-          <a:lstStyle/>
-          <a:p>
-            <a:fld id="{35176BAD-5581-4334-AAF7-253323F9A980}" type="slidenum">
-              <a:rPr lang="en-GB" altLang="it-IT" smtClean="0"/>
-              <a:pPr/>
-              <a:t>6</a:t>
-            </a:fld>
-            <a:endParaRPr lang="en-GB" altLang="it-IT"/>
-          </a:p>
-        </p:txBody>
-      </p:sp>
-      <p:sp>
-        <p:nvSpPr>
-          <p:cNvPr id="9" name="CasellaDiTesto 8">
-            <a:extLst>
-              <a:ext uri="{FF2B5EF4-FFF2-40B4-BE49-F238E27FC236}">
-                <a16:creationId xmlns:a16="http://schemas.microsoft.com/office/drawing/2014/main" id="{A4BA0D4A-419D-4B7E-80B1-C402EFBEA01F}"/>
-              </a:ext>
-            </a:extLst>
-          </p:cNvPr>
-          <p:cNvSpPr txBox="1"/>
-          <p:nvPr/>
-        </p:nvSpPr>
-        <p:spPr>
-          <a:xfrm>
-            <a:off x="179512" y="3186658"/>
-            <a:ext cx="8335838" cy="936104"/>
+            <a:off x="1484568" y="616785"/>
+            <a:ext cx="6174864" cy="2812215"/>
           </a:xfrm>
           <a:prstGeom prst="rect">
             <a:avLst/>
           </a:prstGeom>
-          <a:noFill/>
         </p:spPr>
-        <p:txBody>
-          <a:bodyPr wrap="square">
-            <a:normAutofit/>
-          </a:bodyPr>
-          <a:lstStyle/>
-          <a:p>
-            <a:r>
-              <a:rPr lang="it-IT" b="1" dirty="0"/>
-              <a:t>My Digital Footprint (MDF): </a:t>
-            </a:r>
-          </a:p>
-          <a:p>
-            <a:r>
-              <a:rPr lang="it-IT" dirty="0"/>
-              <a:t>È un nuovo dataset composto da dati di sensori di smartphone, informazioni di prossimità fisica, e interazioni sugli online social network.</a:t>
-            </a:r>
-          </a:p>
-          <a:p>
-            <a:endParaRPr lang="it-IT" dirty="0"/>
-          </a:p>
-          <a:p>
-            <a:endParaRPr lang="it-IT" dirty="0"/>
-          </a:p>
-          <a:p>
-            <a:endParaRPr lang="it-IT" dirty="0"/>
-          </a:p>
-          <a:p>
-            <a:endParaRPr lang="it-IT" dirty="0"/>
-          </a:p>
-        </p:txBody>
-      </p:sp>
-      <p:sp>
-        <p:nvSpPr>
-          <p:cNvPr id="10" name="CasellaDiTesto 9">
-            <a:extLst>
-              <a:ext uri="{FF2B5EF4-FFF2-40B4-BE49-F238E27FC236}">
-                <a16:creationId xmlns:a16="http://schemas.microsoft.com/office/drawing/2014/main" id="{3D9FFB73-567F-4A21-9A4E-FD1CA3A2DC3D}"/>
-              </a:ext>
-            </a:extLst>
-          </p:cNvPr>
-          <p:cNvSpPr txBox="1"/>
-          <p:nvPr/>
-        </p:nvSpPr>
-        <p:spPr>
-          <a:xfrm>
-            <a:off x="179512" y="4221087"/>
-            <a:ext cx="8784976" cy="2097917"/>
-          </a:xfrm>
-          <a:prstGeom prst="rect">
-            <a:avLst/>
-          </a:prstGeom>
-          <a:noFill/>
-        </p:spPr>
-        <p:txBody>
-          <a:bodyPr wrap="square" numCol="2" rtlCol="0">
-            <a:normAutofit/>
-          </a:bodyPr>
-          <a:lstStyle/>
-          <a:p>
-            <a:r>
-              <a:rPr lang="it-IT" dirty="0"/>
-              <a:t>Feature di contesto:</a:t>
-            </a:r>
-          </a:p>
-          <a:p>
-            <a:pPr marL="285750" indent="-285750">
-              <a:buFont typeface="Arial" panose="020B0604020202020204" pitchFamily="34" charset="0"/>
-              <a:buChar char="•"/>
-            </a:pPr>
-            <a:r>
-              <a:rPr lang="it-IT" dirty="0"/>
-              <a:t>Attività utente (a piedi, in bici, corsa…)</a:t>
-            </a:r>
-          </a:p>
-          <a:p>
-            <a:pPr marL="285750" indent="-285750">
-              <a:buFont typeface="Arial" panose="020B0604020202020204" pitchFamily="34" charset="0"/>
-              <a:buChar char="•"/>
-            </a:pPr>
-            <a:r>
-              <a:rPr lang="it-IT" dirty="0"/>
-              <a:t>Modalità audio (silenzioso, vibrazione…)</a:t>
-            </a:r>
-          </a:p>
-          <a:p>
-            <a:pPr marL="285750" indent="-285750">
-              <a:buFont typeface="Arial" panose="020B0604020202020204" pitchFamily="34" charset="0"/>
-              <a:buChar char="•"/>
-            </a:pPr>
-            <a:r>
-              <a:rPr lang="it-IT" dirty="0"/>
-              <a:t>Volume </a:t>
-            </a:r>
-          </a:p>
-          <a:p>
-            <a:pPr marL="285750" indent="-285750">
-              <a:buFont typeface="Arial" panose="020B0604020202020204" pitchFamily="34" charset="0"/>
-              <a:buChar char="•"/>
-            </a:pPr>
-            <a:r>
-              <a:rPr lang="it-IT" dirty="0"/>
-              <a:t>Musica </a:t>
-            </a:r>
-          </a:p>
-          <a:p>
-            <a:pPr marL="285750" indent="-285750">
-              <a:buFont typeface="Arial" panose="020B0604020202020204" pitchFamily="34" charset="0"/>
-              <a:buChar char="•"/>
-            </a:pPr>
-            <a:r>
-              <a:rPr lang="it-IT" dirty="0"/>
-              <a:t>Batteria (livello, in carica)</a:t>
-            </a:r>
-          </a:p>
-          <a:p>
-            <a:pPr marL="285750" indent="-285750">
-              <a:buFont typeface="Arial" panose="020B0604020202020204" pitchFamily="34" charset="0"/>
-              <a:buChar char="•"/>
-            </a:pPr>
-            <a:r>
-              <a:rPr lang="it-IT" dirty="0"/>
-              <a:t>Schermo (rotazione, stato)</a:t>
-            </a:r>
-          </a:p>
-          <a:p>
-            <a:pPr marL="285750" indent="-285750">
-              <a:buFont typeface="Arial" panose="020B0604020202020204" pitchFamily="34" charset="0"/>
-              <a:buChar char="•"/>
-            </a:pPr>
-            <a:endParaRPr lang="it-IT" dirty="0"/>
-          </a:p>
-          <a:p>
-            <a:pPr marL="285750" indent="-285750">
-              <a:buFont typeface="Arial" panose="020B0604020202020204" pitchFamily="34" charset="0"/>
-              <a:buChar char="•"/>
-            </a:pPr>
-            <a:r>
-              <a:rPr lang="it-IT" dirty="0"/>
-              <a:t>Meteo</a:t>
-            </a:r>
-          </a:p>
-          <a:p>
-            <a:pPr marL="285750" indent="-285750">
-              <a:buFont typeface="Arial" panose="020B0604020202020204" pitchFamily="34" charset="0"/>
-              <a:buChar char="•"/>
-            </a:pPr>
-            <a:r>
-              <a:rPr lang="it-IT" dirty="0"/>
-              <a:t>WiFi</a:t>
-            </a:r>
-          </a:p>
-          <a:p>
-            <a:pPr marL="285750" indent="-285750">
-              <a:buFont typeface="Arial" panose="020B0604020202020204" pitchFamily="34" charset="0"/>
-              <a:buChar char="•"/>
-            </a:pPr>
-            <a:r>
-              <a:rPr lang="it-IT" dirty="0"/>
-              <a:t>Data e ora</a:t>
-            </a:r>
-          </a:p>
-          <a:p>
-            <a:pPr marL="285750" indent="-285750">
-              <a:buFont typeface="Arial" panose="020B0604020202020204" pitchFamily="34" charset="0"/>
-              <a:buChar char="•"/>
-            </a:pPr>
-            <a:r>
-              <a:rPr lang="it-IT" dirty="0"/>
-              <a:t>Feature sociali</a:t>
-            </a:r>
-          </a:p>
-          <a:p>
-            <a:endParaRPr lang="it-IT" dirty="0"/>
-          </a:p>
-        </p:txBody>
-      </p:sp>
+      </p:pic>
+      <mc:AlternateContent xmlns:mc="http://schemas.openxmlformats.org/markup-compatibility/2006">
+        <mc:Choice xmlns:a14="http://schemas.microsoft.com/office/drawing/2010/main" Requires="a14">
+          <p:sp>
+            <p:nvSpPr>
+              <p:cNvPr id="11" name="CasellaDiTesto 10">
+                <a:extLst>
+                  <a:ext uri="{FF2B5EF4-FFF2-40B4-BE49-F238E27FC236}">
+                    <a16:creationId xmlns:a16="http://schemas.microsoft.com/office/drawing/2014/main" id="{C8436A35-7E58-4C51-9E8D-E4EB2D67D0F8}"/>
+                  </a:ext>
+                </a:extLst>
+              </p:cNvPr>
+              <p:cNvSpPr txBox="1"/>
+              <p:nvPr/>
+            </p:nvSpPr>
+            <p:spPr>
+              <a:xfrm>
+                <a:off x="633834" y="3717032"/>
+                <a:ext cx="8042622" cy="2952328"/>
+              </a:xfrm>
+              <a:prstGeom prst="rect">
+                <a:avLst/>
+              </a:prstGeom>
+              <a:noFill/>
+            </p:spPr>
+            <p:txBody>
+              <a:bodyPr wrap="square" rtlCol="0">
+                <a:normAutofit lnSpcReduction="10000"/>
+              </a:bodyPr>
+              <a:lstStyle/>
+              <a:p>
+                <a:r>
+                  <a:rPr lang="it-IT" dirty="0" err="1"/>
+                  <a:t>MObile</a:t>
+                </a:r>
+                <a:r>
+                  <a:rPr lang="it-IT" dirty="0"/>
+                  <a:t> </a:t>
+                </a:r>
+                <a:r>
+                  <a:rPr lang="it-IT" dirty="0" err="1"/>
+                  <a:t>pervasiVE</a:t>
+                </a:r>
+                <a:r>
+                  <a:rPr lang="it-IT" dirty="0"/>
+                  <a:t> </a:t>
+                </a:r>
+                <a:r>
+                  <a:rPr lang="it-IT" dirty="0" err="1"/>
+                  <a:t>Context-Aware</a:t>
+                </a:r>
+                <a:r>
+                  <a:rPr lang="it-IT" dirty="0"/>
+                  <a:t> </a:t>
+                </a:r>
+                <a:r>
+                  <a:rPr lang="it-IT" dirty="0" err="1"/>
+                  <a:t>Recommender</a:t>
+                </a:r>
+                <a:r>
+                  <a:rPr lang="it-IT" dirty="0"/>
+                  <a:t> System (</a:t>
+                </a:r>
+                <a:r>
+                  <a:rPr lang="it-IT" dirty="0" err="1"/>
+                  <a:t>moveCARS</a:t>
+                </a:r>
+                <a:r>
+                  <a:rPr lang="it-IT" dirty="0"/>
+                  <a:t>)</a:t>
+                </a:r>
+              </a:p>
+              <a:p>
+                <a:endParaRPr lang="it-IT" dirty="0"/>
+              </a:p>
+              <a:p>
+                <a:r>
+                  <a:rPr lang="it-IT" b="1" dirty="0"/>
+                  <a:t>Input:</a:t>
+                </a:r>
+              </a:p>
+              <a:p>
+                <a:pPr marL="285750" indent="-285750">
+                  <a:buFont typeface="Arial" panose="020B0604020202020204" pitchFamily="34" charset="0"/>
+                  <a:buChar char="•"/>
+                </a:pPr>
+                <a:r>
+                  <a:rPr lang="it-IT" dirty="0"/>
+                  <a:t>Feature dell’utente </a:t>
+                </a:r>
+                <a14:m>
+                  <m:oMath xmlns:m="http://schemas.openxmlformats.org/officeDocument/2006/math">
+                    <m:r>
+                      <a:rPr lang="it-IT" b="0" i="1" smtClean="0">
+                        <a:latin typeface="Cambria Math" panose="02040503050406030204" pitchFamily="18" charset="0"/>
+                      </a:rPr>
+                      <m:t>𝑢</m:t>
+                    </m:r>
+                  </m:oMath>
+                </a14:m>
+                <a:endParaRPr lang="it-IT" dirty="0"/>
+              </a:p>
+              <a:p>
+                <a:pPr marL="285750" indent="-285750">
+                  <a:buFont typeface="Arial" panose="020B0604020202020204" pitchFamily="34" charset="0"/>
+                  <a:buChar char="•"/>
+                </a:pPr>
+                <a:r>
+                  <a:rPr lang="it-IT" dirty="0"/>
+                  <a:t>Feature dell’oggetto </a:t>
+                </a:r>
+                <a14:m>
+                  <m:oMath xmlns:m="http://schemas.openxmlformats.org/officeDocument/2006/math">
+                    <m:r>
+                      <a:rPr lang="it-IT" b="0" i="1" smtClean="0">
+                        <a:latin typeface="Cambria Math" panose="02040503050406030204" pitchFamily="18" charset="0"/>
+                      </a:rPr>
+                      <m:t>𝑖</m:t>
+                    </m:r>
+                  </m:oMath>
+                </a14:m>
+                <a:endParaRPr lang="it-IT" dirty="0"/>
+              </a:p>
+              <a:p>
+                <a:pPr marL="285750" indent="-285750">
+                  <a:buFont typeface="Arial" panose="020B0604020202020204" pitchFamily="34" charset="0"/>
+                  <a:buChar char="•"/>
+                </a:pPr>
+                <a:r>
+                  <a:rPr lang="it-IT" dirty="0"/>
+                  <a:t>Feature di contesto fisico </a:t>
+                </a:r>
+                <a14:m>
+                  <m:oMath xmlns:m="http://schemas.openxmlformats.org/officeDocument/2006/math">
+                    <m:r>
+                      <a:rPr lang="it-IT" b="0" i="1" smtClean="0">
+                        <a:latin typeface="Cambria Math" panose="02040503050406030204" pitchFamily="18" charset="0"/>
+                      </a:rPr>
+                      <m:t>𝑝</m:t>
+                    </m:r>
+                  </m:oMath>
+                </a14:m>
+                <a:endParaRPr lang="it-IT" dirty="0"/>
+              </a:p>
+              <a:p>
+                <a:pPr marL="285750" indent="-285750">
+                  <a:buFont typeface="Arial" panose="020B0604020202020204" pitchFamily="34" charset="0"/>
+                  <a:buChar char="•"/>
+                </a:pPr>
+                <a:r>
+                  <a:rPr lang="it-IT" dirty="0"/>
+                  <a:t>Feature di contesto sociale </a:t>
+                </a:r>
+                <a14:m>
+                  <m:oMath xmlns:m="http://schemas.openxmlformats.org/officeDocument/2006/math">
+                    <m:r>
+                      <a:rPr lang="it-IT" b="0" i="1" smtClean="0">
+                        <a:latin typeface="Cambria Math" panose="02040503050406030204" pitchFamily="18" charset="0"/>
+                      </a:rPr>
+                      <m:t>𝑠</m:t>
+                    </m:r>
+                  </m:oMath>
+                </a14:m>
+                <a:endParaRPr lang="it-IT" dirty="0"/>
+              </a:p>
+              <a:p>
+                <a:pPr marL="285750" indent="-285750">
+                  <a:buFont typeface="Arial" panose="020B0604020202020204" pitchFamily="34" charset="0"/>
+                  <a:buChar char="•"/>
+                </a:pPr>
+                <a:endParaRPr lang="it-IT" dirty="0"/>
+              </a:p>
+              <a:p>
+                <a:r>
+                  <a:rPr lang="it-IT" b="1" dirty="0"/>
+                  <a:t>Output:</a:t>
+                </a:r>
+              </a:p>
+              <a:p>
+                <a:pPr marL="285750" indent="-285750">
+                  <a:buFont typeface="Arial" panose="020B0604020202020204" pitchFamily="34" charset="0"/>
+                  <a:buChar char="•"/>
+                </a:pPr>
+                <a:r>
+                  <a:rPr lang="it-IT" dirty="0"/>
+                  <a:t>L’oggetto con feature </a:t>
+                </a:r>
+                <a14:m>
+                  <m:oMath xmlns:m="http://schemas.openxmlformats.org/officeDocument/2006/math">
+                    <m:r>
+                      <a:rPr lang="it-IT" b="0" i="1" smtClean="0">
+                        <a:latin typeface="Cambria Math" panose="02040503050406030204" pitchFamily="18" charset="0"/>
+                      </a:rPr>
+                      <m:t>𝑢</m:t>
+                    </m:r>
+                  </m:oMath>
+                </a14:m>
+                <a:r>
+                  <a:rPr lang="it-IT" dirty="0"/>
+                  <a:t> è rilevante / non è rilevante per l’utente con feature </a:t>
+                </a:r>
+                <a14:m>
+                  <m:oMath xmlns:m="http://schemas.openxmlformats.org/officeDocument/2006/math">
+                    <m:r>
+                      <a:rPr lang="it-IT" i="1">
+                        <a:latin typeface="Cambria Math" panose="02040503050406030204" pitchFamily="18" charset="0"/>
+                      </a:rPr>
+                      <m:t>𝑖</m:t>
+                    </m:r>
+                  </m:oMath>
+                </a14:m>
+                <a:r>
+                  <a:rPr lang="it-IT" dirty="0"/>
+                  <a:t> nei contesti </a:t>
+                </a:r>
+                <a14:m>
+                  <m:oMath xmlns:m="http://schemas.openxmlformats.org/officeDocument/2006/math">
+                    <m:r>
+                      <a:rPr lang="it-IT" i="1">
+                        <a:latin typeface="Cambria Math" panose="02040503050406030204" pitchFamily="18" charset="0"/>
+                      </a:rPr>
+                      <m:t>𝑝</m:t>
+                    </m:r>
+                  </m:oMath>
+                </a14:m>
+                <a:r>
+                  <a:rPr lang="it-IT" dirty="0"/>
+                  <a:t> e </a:t>
+                </a:r>
+                <a14:m>
+                  <m:oMath xmlns:m="http://schemas.openxmlformats.org/officeDocument/2006/math">
+                    <m:r>
+                      <a:rPr lang="it-IT" i="1">
+                        <a:latin typeface="Cambria Math" panose="02040503050406030204" pitchFamily="18" charset="0"/>
+                      </a:rPr>
+                      <m:t>𝑠</m:t>
+                    </m:r>
+                  </m:oMath>
+                </a14:m>
+                <a:endParaRPr lang="it-IT" dirty="0"/>
+              </a:p>
+              <a:p>
+                <a:pPr marL="285750" indent="-285750">
+                  <a:buFont typeface="Arial" panose="020B0604020202020204" pitchFamily="34" charset="0"/>
+                  <a:buChar char="•"/>
+                </a:pPr>
+                <a:endParaRPr lang="it-IT" dirty="0"/>
+              </a:p>
+              <a:p>
+                <a:pPr marL="285750" indent="-285750">
+                  <a:buFont typeface="Arial" panose="020B0604020202020204" pitchFamily="34" charset="0"/>
+                  <a:buChar char="•"/>
+                </a:pPr>
+                <a:endParaRPr lang="it-IT" dirty="0"/>
+              </a:p>
+              <a:p>
+                <a:pPr marL="285750" indent="-285750">
+                  <a:buFont typeface="Arial" panose="020B0604020202020204" pitchFamily="34" charset="0"/>
+                  <a:buChar char="•"/>
+                </a:pPr>
+                <a:endParaRPr lang="it-IT" dirty="0"/>
+              </a:p>
+              <a:p>
+                <a:pPr marL="285750" indent="-285750">
+                  <a:buFont typeface="Arial" panose="020B0604020202020204" pitchFamily="34" charset="0"/>
+                  <a:buChar char="•"/>
+                </a:pPr>
+                <a:endParaRPr lang="it-IT" dirty="0"/>
+              </a:p>
+              <a:p>
+                <a:pPr marL="285750" indent="-285750">
+                  <a:buFont typeface="Arial" panose="020B0604020202020204" pitchFamily="34" charset="0"/>
+                  <a:buChar char="•"/>
+                </a:pPr>
+                <a:endParaRPr lang="it-IT" dirty="0"/>
+              </a:p>
+            </p:txBody>
+          </p:sp>
+        </mc:Choice>
+        <mc:Fallback>
+          <p:sp>
+            <p:nvSpPr>
+              <p:cNvPr id="11" name="CasellaDiTesto 10">
+                <a:extLst>
+                  <a:ext uri="{FF2B5EF4-FFF2-40B4-BE49-F238E27FC236}">
+                    <a16:creationId xmlns:a16="http://schemas.microsoft.com/office/drawing/2014/main" id="{C8436A35-7E58-4C51-9E8D-E4EB2D67D0F8}"/>
+                  </a:ext>
+                </a:extLst>
+              </p:cNvPr>
+              <p:cNvSpPr txBox="1">
+                <a:spLocks noRot="1" noChangeAspect="1" noMove="1" noResize="1" noEditPoints="1" noAdjustHandles="1" noChangeArrowheads="1" noChangeShapeType="1" noTextEdit="1"/>
+              </p:cNvSpPr>
+              <p:nvPr/>
+            </p:nvSpPr>
+            <p:spPr>
+              <a:xfrm>
+                <a:off x="633834" y="3717032"/>
+                <a:ext cx="8042622" cy="2952328"/>
+              </a:xfrm>
+              <a:prstGeom prst="rect">
+                <a:avLst/>
+              </a:prstGeom>
+              <a:blipFill>
+                <a:blip r:embed="rId4"/>
+                <a:stretch>
+                  <a:fillRect l="-682" t="-2066" r="-227"/>
+                </a:stretch>
+              </a:blipFill>
+            </p:spPr>
+            <p:txBody>
+              <a:bodyPr/>
+              <a:lstStyle/>
+              <a:p>
+                <a:r>
+                  <a:rPr lang="it-IT">
+                    <a:noFill/>
+                  </a:rPr>
+                  <a:t> </a:t>
+                </a:r>
+              </a:p>
+            </p:txBody>
+          </p:sp>
+        </mc:Fallback>
+      </mc:AlternateContent>
     </p:spTree>
     <p:extLst>
       <p:ext uri="{BB962C8B-B14F-4D97-AF65-F5344CB8AC3E}">
-        <p14:creationId xmlns:p14="http://schemas.microsoft.com/office/powerpoint/2010/main" val="1769353711"/>
+        <p14:creationId xmlns:p14="http://schemas.microsoft.com/office/powerpoint/2010/main" val="2437090301"/>
       </p:ext>
     </p:extLst>
   </p:cSld>
@@ -7077,7 +6209,7 @@
           <p:cNvPr id="2" name="Titolo 1">
             <a:extLst>
               <a:ext uri="{FF2B5EF4-FFF2-40B4-BE49-F238E27FC236}">
-                <a16:creationId xmlns:a16="http://schemas.microsoft.com/office/drawing/2014/main" id="{43EAF889-71E4-403D-B7D3-14CE26366C96}"/>
+                <a16:creationId xmlns:a16="http://schemas.microsoft.com/office/drawing/2014/main" id="{6B5C8CE6-773B-4C99-A303-3A55CAA756D3}"/>
               </a:ext>
             </a:extLst>
           </p:cNvPr>
@@ -7088,25 +6220,32 @@
             <p:ph type="title"/>
           </p:nvPr>
         </p:nvSpPr>
-        <p:spPr/>
-        <p:txBody>
-          <a:bodyPr/>
+        <p:spPr>
+          <a:xfrm>
+            <a:off x="539552" y="117066"/>
+            <a:ext cx="7886700" cy="421929"/>
+          </a:xfrm>
+        </p:spPr>
+        <p:txBody>
+          <a:bodyPr>
+            <a:noAutofit/>
+          </a:bodyPr>
           <a:lstStyle/>
           <a:p>
             <a:pPr algn="ctr"/>
             <a:r>
               <a:rPr lang="it-IT" dirty="0"/>
-              <a:t>Risultati</a:t>
-            </a:r>
-          </a:p>
-        </p:txBody>
-      </p:sp>
-      <p:sp>
-        <p:nvSpPr>
-          <p:cNvPr id="4" name="Segnaposto data 3">
+              <a:t>I dataset</a:t>
+            </a:r>
+          </a:p>
+        </p:txBody>
+      </p:sp>
+      <p:sp>
+        <p:nvSpPr>
+          <p:cNvPr id="3" name="Segnaposto contenuto 2">
             <a:extLst>
               <a:ext uri="{FF2B5EF4-FFF2-40B4-BE49-F238E27FC236}">
-                <a16:creationId xmlns:a16="http://schemas.microsoft.com/office/drawing/2014/main" id="{7F497056-90A5-49E3-B963-01562C6C6B4F}"/>
+                <a16:creationId xmlns:a16="http://schemas.microsoft.com/office/drawing/2014/main" id="{BE723A70-E80B-4CA0-941A-CB18D109A863}"/>
               </a:ext>
             </a:extLst>
           </p:cNvPr>
@@ -7114,91 +6253,289 @@
             <a:spLocks noGrp="1"/>
           </p:cNvSpPr>
           <p:nvPr>
-            <p:ph type="dt" sz="half" idx="10"/>
-          </p:nvPr>
-        </p:nvSpPr>
-        <p:spPr/>
-        <p:txBody>
-          <a:bodyPr/>
+            <p:ph idx="1"/>
+          </p:nvPr>
+        </p:nvSpPr>
+        <p:spPr>
+          <a:xfrm>
+            <a:off x="179512" y="538995"/>
+            <a:ext cx="8784976" cy="2664296"/>
+          </a:xfrm>
+        </p:spPr>
+        <p:txBody>
+          <a:bodyPr>
+            <a:normAutofit fontScale="92500" lnSpcReduction="10000"/>
+          </a:bodyPr>
           <a:lstStyle/>
           <a:p>
-            <a:pPr>
-              <a:defRPr/>
+            <a:pPr marL="0" indent="0" algn="l">
+              <a:buNone/>
             </a:pPr>
             <a:r>
-              <a:rPr lang="it-IT"/>
-              <a:t>15/07/2021</a:t>
-            </a:r>
-            <a:endParaRPr lang="en-GB"/>
-          </a:p>
-        </p:txBody>
-      </p:sp>
-      <p:sp>
-        <p:nvSpPr>
-          <p:cNvPr id="5" name="Segnaposto piè di pagina 4">
+              <a:rPr lang="it-IT" sz="2200" b="1" dirty="0"/>
+              <a:t>Frappe: </a:t>
+            </a:r>
+          </a:p>
+          <a:p>
+            <a:pPr marL="0" indent="0" algn="l">
+              <a:buNone/>
+            </a:pPr>
+            <a:r>
+              <a:rPr lang="it-IT" sz="1900" b="0" i="0" u="none" strike="noStrike" baseline="0" dirty="0"/>
+              <a:t>È un dataset di feedback impliciti collezionato da un sistema di raccomandazione </a:t>
+            </a:r>
+            <a:r>
+              <a:rPr lang="it-IT" sz="1900" b="0" i="0" u="none" strike="noStrike" baseline="0" dirty="0" err="1"/>
+              <a:t>context-aware</a:t>
+            </a:r>
+            <a:r>
+              <a:rPr lang="it-IT" sz="1900" b="0" i="0" u="none" strike="noStrike" baseline="0" dirty="0"/>
+              <a:t> di applicazioni Android.</a:t>
+            </a:r>
+          </a:p>
+          <a:p>
+            <a:pPr marL="0" indent="0" algn="l">
+              <a:buNone/>
+            </a:pPr>
+            <a:r>
+              <a:rPr lang="it-IT" sz="1900" dirty="0"/>
+              <a:t>Feature di contesto:</a:t>
+            </a:r>
+          </a:p>
+          <a:p>
+            <a:r>
+              <a:rPr lang="it-IT" sz="1900" dirty="0"/>
+              <a:t>Momento giornata</a:t>
+            </a:r>
+          </a:p>
+          <a:p>
+            <a:r>
+              <a:rPr lang="it-IT" sz="1900" dirty="0"/>
+              <a:t>Giorno della settimana</a:t>
+            </a:r>
+          </a:p>
+          <a:p>
+            <a:r>
+              <a:rPr lang="it-IT" sz="1900" dirty="0"/>
+              <a:t>Se è il fine settimana</a:t>
+            </a:r>
+          </a:p>
+          <a:p>
+            <a:r>
+              <a:rPr lang="it-IT" sz="1900" dirty="0"/>
+              <a:t>Meteo</a:t>
+            </a:r>
+          </a:p>
+          <a:p>
+            <a:pPr marL="0" indent="0">
+              <a:buNone/>
+            </a:pPr>
+            <a:endParaRPr lang="it-IT" b="1" dirty="0"/>
+          </a:p>
+        </p:txBody>
+      </p:sp>
+      <p:sp>
+        <p:nvSpPr>
+          <p:cNvPr id="9" name="CasellaDiTesto 8">
             <a:extLst>
               <a:ext uri="{FF2B5EF4-FFF2-40B4-BE49-F238E27FC236}">
-                <a16:creationId xmlns:a16="http://schemas.microsoft.com/office/drawing/2014/main" id="{68359F2E-F4DF-4112-9CF0-BCD81BA35FF2}"/>
+                <a16:creationId xmlns:a16="http://schemas.microsoft.com/office/drawing/2014/main" id="{A4BA0D4A-419D-4B7E-80B1-C402EFBEA01F}"/>
               </a:ext>
             </a:extLst>
           </p:cNvPr>
-          <p:cNvSpPr>
-            <a:spLocks noGrp="1"/>
-          </p:cNvSpPr>
-          <p:nvPr>
-            <p:ph type="ftr" sz="quarter" idx="11"/>
-          </p:nvPr>
-        </p:nvSpPr>
-        <p:spPr/>
-        <p:txBody>
-          <a:bodyPr/>
+          <p:cNvSpPr txBox="1"/>
+          <p:nvPr/>
+        </p:nvSpPr>
+        <p:spPr>
+          <a:xfrm>
+            <a:off x="179512" y="3186658"/>
+            <a:ext cx="8335838" cy="936104"/>
+          </a:xfrm>
+          <a:prstGeom prst="rect">
+            <a:avLst/>
+          </a:prstGeom>
+          <a:noFill/>
+        </p:spPr>
+        <p:txBody>
+          <a:bodyPr wrap="square">
+            <a:normAutofit lnSpcReduction="10000"/>
+          </a:bodyPr>
           <a:lstStyle/>
           <a:p>
-            <a:pPr>
-              <a:defRPr/>
-            </a:pPr>
-            <a:r>
-              <a:rPr lang="it-IT"/>
-              <a:t>Studio e sviluppo di un sistema di raccomandazione context-aware per sistemi mobili e pervasivi</a:t>
-            </a:r>
-            <a:endParaRPr lang="en-GB"/>
-          </a:p>
-        </p:txBody>
-      </p:sp>
-      <p:sp>
-        <p:nvSpPr>
-          <p:cNvPr id="6" name="Segnaposto numero diapositiva 5">
+            <a:r>
+              <a:rPr lang="it-IT" sz="2000" b="1" dirty="0"/>
+              <a:t>My Digital Footprint (MDF): </a:t>
+            </a:r>
+          </a:p>
+          <a:p>
+            <a:r>
+              <a:rPr lang="it-IT" dirty="0"/>
+              <a:t>È un nuovo dataset composto da dati di sensori di smartphone, informazioni di prossimità fisica, e interazioni sugli online social network.</a:t>
+            </a:r>
+          </a:p>
+          <a:p>
+            <a:endParaRPr lang="it-IT" dirty="0"/>
+          </a:p>
+          <a:p>
+            <a:endParaRPr lang="it-IT" dirty="0"/>
+          </a:p>
+          <a:p>
+            <a:endParaRPr lang="it-IT" dirty="0"/>
+          </a:p>
+          <a:p>
+            <a:endParaRPr lang="it-IT" dirty="0"/>
+          </a:p>
+        </p:txBody>
+      </p:sp>
+      <p:sp>
+        <p:nvSpPr>
+          <p:cNvPr id="10" name="CasellaDiTesto 9">
             <a:extLst>
               <a:ext uri="{FF2B5EF4-FFF2-40B4-BE49-F238E27FC236}">
-                <a16:creationId xmlns:a16="http://schemas.microsoft.com/office/drawing/2014/main" id="{284DBFD6-961D-4000-9AE1-4423A165C98F}"/>
+                <a16:creationId xmlns:a16="http://schemas.microsoft.com/office/drawing/2014/main" id="{3D9FFB73-567F-4A21-9A4E-FD1CA3A2DC3D}"/>
               </a:ext>
             </a:extLst>
           </p:cNvPr>
-          <p:cNvSpPr>
-            <a:spLocks noGrp="1"/>
-          </p:cNvSpPr>
-          <p:nvPr>
-            <p:ph type="sldNum" sz="quarter" idx="12"/>
-          </p:nvPr>
-        </p:nvSpPr>
-        <p:spPr/>
-        <p:txBody>
-          <a:bodyPr/>
+          <p:cNvSpPr txBox="1"/>
+          <p:nvPr/>
+        </p:nvSpPr>
+        <p:spPr>
+          <a:xfrm>
+            <a:off x="179512" y="4221087"/>
+            <a:ext cx="8784976" cy="2097917"/>
+          </a:xfrm>
+          <a:prstGeom prst="rect">
+            <a:avLst/>
+          </a:prstGeom>
+          <a:noFill/>
+        </p:spPr>
+        <p:txBody>
+          <a:bodyPr wrap="square" numCol="2" rtlCol="0">
+            <a:normAutofit/>
+          </a:bodyPr>
           <a:lstStyle/>
           <a:p>
-            <a:fld id="{35176BAD-5581-4334-AAF7-253323F9A980}" type="slidenum">
-              <a:rPr lang="en-GB" altLang="it-IT" smtClean="0"/>
-              <a:pPr/>
-              <a:t>7</a:t>
-            </a:fld>
-            <a:endParaRPr lang="en-GB" altLang="it-IT"/>
+            <a:r>
+              <a:rPr lang="it-IT" dirty="0"/>
+              <a:t>Feature di contesto:</a:t>
+            </a:r>
+          </a:p>
+          <a:p>
+            <a:pPr marL="285750" indent="-285750">
+              <a:buFont typeface="Arial" panose="020B0604020202020204" pitchFamily="34" charset="0"/>
+              <a:buChar char="•"/>
+            </a:pPr>
+            <a:r>
+              <a:rPr lang="it-IT" dirty="0"/>
+              <a:t>Attività utente (a piedi, in bici, corsa…)</a:t>
+            </a:r>
+          </a:p>
+          <a:p>
+            <a:pPr marL="285750" indent="-285750">
+              <a:buFont typeface="Arial" panose="020B0604020202020204" pitchFamily="34" charset="0"/>
+              <a:buChar char="•"/>
+            </a:pPr>
+            <a:r>
+              <a:rPr lang="it-IT" dirty="0"/>
+              <a:t>Modalità audio (silenzioso, vibrazione…)</a:t>
+            </a:r>
+          </a:p>
+          <a:p>
+            <a:pPr marL="285750" indent="-285750">
+              <a:buFont typeface="Arial" panose="020B0604020202020204" pitchFamily="34" charset="0"/>
+              <a:buChar char="•"/>
+            </a:pPr>
+            <a:r>
+              <a:rPr lang="it-IT" dirty="0"/>
+              <a:t>Volume </a:t>
+            </a:r>
+          </a:p>
+          <a:p>
+            <a:pPr marL="285750" indent="-285750">
+              <a:buFont typeface="Arial" panose="020B0604020202020204" pitchFamily="34" charset="0"/>
+              <a:buChar char="•"/>
+            </a:pPr>
+            <a:r>
+              <a:rPr lang="it-IT" dirty="0"/>
+              <a:t>Musica </a:t>
+            </a:r>
+          </a:p>
+          <a:p>
+            <a:pPr marL="285750" indent="-285750">
+              <a:buFont typeface="Arial" panose="020B0604020202020204" pitchFamily="34" charset="0"/>
+              <a:buChar char="•"/>
+            </a:pPr>
+            <a:r>
+              <a:rPr lang="it-IT" dirty="0"/>
+              <a:t>Batteria (livello, in carica)</a:t>
+            </a:r>
+          </a:p>
+          <a:p>
+            <a:pPr marL="285750" indent="-285750">
+              <a:buFont typeface="Arial" panose="020B0604020202020204" pitchFamily="34" charset="0"/>
+              <a:buChar char="•"/>
+            </a:pPr>
+            <a:r>
+              <a:rPr lang="it-IT" dirty="0"/>
+              <a:t>Schermo (rotazione, stato)</a:t>
+            </a:r>
+          </a:p>
+          <a:p>
+            <a:pPr marL="285750" indent="-285750">
+              <a:buFont typeface="Arial" panose="020B0604020202020204" pitchFamily="34" charset="0"/>
+              <a:buChar char="•"/>
+            </a:pPr>
+            <a:endParaRPr lang="it-IT" dirty="0"/>
+          </a:p>
+          <a:p>
+            <a:pPr marL="285750" indent="-285750">
+              <a:buFont typeface="Arial" panose="020B0604020202020204" pitchFamily="34" charset="0"/>
+              <a:buChar char="•"/>
+            </a:pPr>
+            <a:r>
+              <a:rPr lang="it-IT" dirty="0"/>
+              <a:t>Meteo</a:t>
+            </a:r>
+          </a:p>
+          <a:p>
+            <a:pPr marL="285750" indent="-285750">
+              <a:buFont typeface="Arial" panose="020B0604020202020204" pitchFamily="34" charset="0"/>
+              <a:buChar char="•"/>
+            </a:pPr>
+            <a:r>
+              <a:rPr lang="it-IT" dirty="0"/>
+              <a:t>WiFi</a:t>
+            </a:r>
+          </a:p>
+          <a:p>
+            <a:pPr marL="285750" indent="-285750">
+              <a:buFont typeface="Arial" panose="020B0604020202020204" pitchFamily="34" charset="0"/>
+              <a:buChar char="•"/>
+            </a:pPr>
+            <a:r>
+              <a:rPr lang="it-IT" dirty="0"/>
+              <a:t>Data e ora</a:t>
+            </a:r>
+          </a:p>
+          <a:p>
+            <a:pPr marL="285750" indent="-285750">
+              <a:buFont typeface="Arial" panose="020B0604020202020204" pitchFamily="34" charset="0"/>
+              <a:buChar char="•"/>
+            </a:pPr>
+            <a:r>
+              <a:rPr lang="it-IT" dirty="0"/>
+              <a:t>Feature sociali</a:t>
+            </a:r>
+          </a:p>
+          <a:p>
+            <a:endParaRPr lang="it-IT" dirty="0"/>
           </a:p>
         </p:txBody>
       </p:sp>
     </p:spTree>
     <p:extLst>
       <p:ext uri="{BB962C8B-B14F-4D97-AF65-F5344CB8AC3E}">
-        <p14:creationId xmlns:p14="http://schemas.microsoft.com/office/powerpoint/2010/main" val="3288315151"/>
+        <p14:creationId xmlns:p14="http://schemas.microsoft.com/office/powerpoint/2010/main" val="1769353711"/>
       </p:ext>
     </p:extLst>
   </p:cSld>
@@ -7230,7 +6567,7 @@
           <p:cNvPr id="2" name="Titolo 1">
             <a:extLst>
               <a:ext uri="{FF2B5EF4-FFF2-40B4-BE49-F238E27FC236}">
-                <a16:creationId xmlns:a16="http://schemas.microsoft.com/office/drawing/2014/main" id="{0D071252-1D0D-492D-9AAD-CE08C3603F8C}"/>
+                <a16:creationId xmlns:a16="http://schemas.microsoft.com/office/drawing/2014/main" id="{43EAF889-71E4-403D-B7D3-14CE26366C96}"/>
               </a:ext>
             </a:extLst>
           </p:cNvPr>
@@ -7241,173 +6578,205 @@
             <p:ph type="title"/>
           </p:nvPr>
         </p:nvSpPr>
-        <p:spPr/>
-        <p:txBody>
-          <a:bodyPr/>
+        <p:spPr>
+          <a:xfrm>
+            <a:off x="762512" y="1194737"/>
+            <a:ext cx="2562119" cy="400772"/>
+          </a:xfrm>
+        </p:spPr>
+        <p:txBody>
+          <a:bodyPr vert="horz" lIns="91440" tIns="45720" rIns="91440" bIns="45720" rtlCol="0" anchor="ctr">
+            <a:normAutofit fontScale="90000"/>
+          </a:bodyPr>
           <a:lstStyle/>
           <a:p>
-            <a:pPr algn="ctr"/>
-            <a:r>
-              <a:rPr lang="it-IT" dirty="0"/>
-              <a:t>Tempi di esecuzione su smartphone</a:t>
-            </a:r>
-          </a:p>
-        </p:txBody>
-      </p:sp>
-      <p:sp>
-        <p:nvSpPr>
-          <p:cNvPr id="3" name="Segnaposto contenuto 2">
+            <a:pPr defTabSz="914400"/>
+            <a:r>
+              <a:rPr lang="en-US" sz="4400" kern="1200" dirty="0" err="1">
+                <a:latin typeface="+mj-lt"/>
+                <a:ea typeface="+mj-ea"/>
+                <a:cs typeface="+mj-cs"/>
+              </a:rPr>
+              <a:t>Risultati</a:t>
+            </a:r>
+            <a:endParaRPr lang="en-US" sz="4400" kern="1200" dirty="0">
+              <a:latin typeface="+mj-lt"/>
+              <a:ea typeface="+mj-ea"/>
+              <a:cs typeface="+mj-cs"/>
+            </a:endParaRPr>
+          </a:p>
+        </p:txBody>
+      </p:sp>
+      <p:pic>
+        <p:nvPicPr>
+          <p:cNvPr id="17" name="Segnaposto contenuto 16">
             <a:extLst>
               <a:ext uri="{FF2B5EF4-FFF2-40B4-BE49-F238E27FC236}">
-                <a16:creationId xmlns:a16="http://schemas.microsoft.com/office/drawing/2014/main" id="{8E1AA5B8-844D-41F7-A24D-17888829A38D}"/>
+                <a16:creationId xmlns:a16="http://schemas.microsoft.com/office/drawing/2014/main" id="{28C8BA65-1CC5-4CD8-941C-2D5BD2C214BD}"/>
               </a:ext>
             </a:extLst>
           </p:cNvPr>
-          <p:cNvSpPr>
-            <a:spLocks noGrp="1"/>
-          </p:cNvSpPr>
-          <p:nvPr>
-            <p:ph idx="1"/>
-          </p:nvPr>
-        </p:nvSpPr>
-        <p:spPr/>
-        <p:txBody>
-          <a:bodyPr/>
-          <a:lstStyle/>
-          <a:p>
-            <a:r>
-              <a:rPr lang="it-IT" dirty="0"/>
-              <a:t>Tempi di esecuzione di </a:t>
-            </a:r>
-            <a:r>
-              <a:rPr lang="it-IT" dirty="0" err="1"/>
-              <a:t>init</a:t>
-            </a:r>
-            <a:r>
-              <a:rPr lang="it-IT" dirty="0"/>
-              <a:t> e inferenza</a:t>
-            </a:r>
-          </a:p>
-          <a:p>
-            <a:r>
-              <a:rPr lang="it-IT" dirty="0"/>
-              <a:t>Differenza tra i modelli</a:t>
-            </a:r>
-          </a:p>
-          <a:p>
-            <a:r>
-              <a:rPr lang="it-IT" dirty="0"/>
-              <a:t>I tempi di esecuzioni bassi indicano raccomandazioni in </a:t>
-            </a:r>
-            <a:r>
-              <a:rPr lang="it-IT" dirty="0" err="1"/>
-              <a:t>real</a:t>
-            </a:r>
-            <a:r>
-              <a:rPr lang="it-IT" dirty="0"/>
-              <a:t> time</a:t>
-            </a:r>
-          </a:p>
-        </p:txBody>
-      </p:sp>
-      <p:sp>
-        <p:nvSpPr>
-          <p:cNvPr id="4" name="Segnaposto data 3">
+          <p:cNvPicPr>
+            <a:picLocks noGrp="1" noChangeAspect="1"/>
+          </p:cNvPicPr>
+          <p:nvPr>
+            <p:ph sz="half" idx="2"/>
+          </p:nvPr>
+        </p:nvPicPr>
+        <p:blipFill>
+          <a:blip r:embed="rId2">
+            <a:extLst>
+              <a:ext uri="{28A0092B-C50C-407E-A947-70E740481C1C}">
+                <a14:useLocalDpi xmlns:a14="http://schemas.microsoft.com/office/drawing/2010/main" val="0"/>
+              </a:ext>
+              <a:ext uri="{96DAC541-7B7A-43D3-8B79-37D633B846F1}">
+                <asvg:svgBlip xmlns:asvg="http://schemas.microsoft.com/office/drawing/2016/SVG/main" r:embed="rId3"/>
+              </a:ext>
+            </a:extLst>
+          </a:blip>
+          <a:stretch>
+            <a:fillRect/>
+          </a:stretch>
+        </p:blipFill>
+        <p:spPr>
+          <a:xfrm>
+            <a:off x="4024313" y="21357"/>
+            <a:ext cx="5012184" cy="3148305"/>
+          </a:xfrm>
+        </p:spPr>
+      </p:pic>
+      <p:pic>
+        <p:nvPicPr>
+          <p:cNvPr id="20" name="Segnaposto contenuto 19">
             <a:extLst>
               <a:ext uri="{FF2B5EF4-FFF2-40B4-BE49-F238E27FC236}">
-                <a16:creationId xmlns:a16="http://schemas.microsoft.com/office/drawing/2014/main" id="{9E12EEB1-7021-4AB7-A43C-1C0AD8B22C4A}"/>
+                <a16:creationId xmlns:a16="http://schemas.microsoft.com/office/drawing/2014/main" id="{90B773DD-FCF5-4576-9C9D-3F81BFC5846E}"/>
               </a:ext>
             </a:extLst>
           </p:cNvPr>
-          <p:cNvSpPr>
-            <a:spLocks noGrp="1"/>
-          </p:cNvSpPr>
-          <p:nvPr>
-            <p:ph type="dt" sz="half" idx="10"/>
-          </p:nvPr>
-        </p:nvSpPr>
-        <p:spPr/>
-        <p:txBody>
-          <a:bodyPr/>
-          <a:lstStyle/>
-          <a:p>
-            <a:pPr>
-              <a:defRPr/>
-            </a:pPr>
-            <a:r>
-              <a:rPr lang="it-IT"/>
-              <a:t>15/07/2021</a:t>
-            </a:r>
-            <a:endParaRPr lang="en-GB"/>
-          </a:p>
-        </p:txBody>
-      </p:sp>
-      <p:sp>
-        <p:nvSpPr>
-          <p:cNvPr id="5" name="Segnaposto piè di pagina 4">
+          <p:cNvPicPr>
+            <a:picLocks noGrp="1" noChangeAspect="1"/>
+          </p:cNvPicPr>
+          <p:nvPr>
+            <p:ph sz="quarter" idx="4"/>
+          </p:nvPr>
+        </p:nvPicPr>
+        <p:blipFill>
+          <a:blip r:embed="rId4">
+            <a:extLst>
+              <a:ext uri="{28A0092B-C50C-407E-A947-70E740481C1C}">
+                <a14:useLocalDpi xmlns:a14="http://schemas.microsoft.com/office/drawing/2010/main" val="0"/>
+              </a:ext>
+              <a:ext uri="{96DAC541-7B7A-43D3-8B79-37D633B846F1}">
+                <asvg:svgBlip xmlns:asvg="http://schemas.microsoft.com/office/drawing/2016/SVG/main" r:embed="rId5"/>
+              </a:ext>
+            </a:extLst>
+          </a:blip>
+          <a:stretch>
+            <a:fillRect/>
+          </a:stretch>
+        </p:blipFill>
+        <p:spPr>
+          <a:xfrm>
+            <a:off x="4024313" y="3378788"/>
+            <a:ext cx="5006714" cy="3144869"/>
+          </a:xfrm>
+        </p:spPr>
+      </p:pic>
+      <p:sp>
+        <p:nvSpPr>
+          <p:cNvPr id="30" name="CasellaDiTesto 29">
             <a:extLst>
               <a:ext uri="{FF2B5EF4-FFF2-40B4-BE49-F238E27FC236}">
-                <a16:creationId xmlns:a16="http://schemas.microsoft.com/office/drawing/2014/main" id="{2E09D476-48DE-4C3A-873C-FB7A70903015}"/>
+                <a16:creationId xmlns:a16="http://schemas.microsoft.com/office/drawing/2014/main" id="{814A474E-75D0-4267-A552-64BE3B93B90D}"/>
               </a:ext>
             </a:extLst>
           </p:cNvPr>
-          <p:cNvSpPr>
-            <a:spLocks noGrp="1"/>
-          </p:cNvSpPr>
-          <p:nvPr>
-            <p:ph type="ftr" sz="quarter" idx="11"/>
-          </p:nvPr>
-        </p:nvSpPr>
-        <p:spPr/>
-        <p:txBody>
-          <a:bodyPr/>
+          <p:cNvSpPr txBox="1"/>
+          <p:nvPr/>
+        </p:nvSpPr>
+        <p:spPr>
+          <a:xfrm>
+            <a:off x="51371" y="2153999"/>
+            <a:ext cx="3984402" cy="2585323"/>
+          </a:xfrm>
+          <a:prstGeom prst="rect">
+            <a:avLst/>
+          </a:prstGeom>
+          <a:noFill/>
+        </p:spPr>
+        <p:txBody>
+          <a:bodyPr wrap="square" rtlCol="0">
+            <a:spAutoFit/>
+          </a:bodyPr>
           <a:lstStyle/>
           <a:p>
-            <a:pPr>
-              <a:defRPr/>
+            <a:pPr marL="285750" indent="-285750">
+              <a:buFont typeface="Arial" panose="020B0604020202020204" pitchFamily="34" charset="0"/>
+              <a:buChar char="•"/>
             </a:pPr>
             <a:r>
-              <a:rPr lang="it-IT"/>
-              <a:t>Studio e sviluppo di un sistema di raccomandazione context-aware per sistemi mobili e pervasivi</a:t>
-            </a:r>
-            <a:endParaRPr lang="en-GB"/>
-          </a:p>
-        </p:txBody>
-      </p:sp>
-      <p:sp>
-        <p:nvSpPr>
-          <p:cNvPr id="6" name="Segnaposto numero diapositiva 5">
-            <a:extLst>
-              <a:ext uri="{FF2B5EF4-FFF2-40B4-BE49-F238E27FC236}">
-                <a16:creationId xmlns:a16="http://schemas.microsoft.com/office/drawing/2014/main" id="{EA523A34-4DED-4299-BA6C-5CBCC9F13E49}"/>
-              </a:ext>
-            </a:extLst>
-          </p:cNvPr>
-          <p:cNvSpPr>
-            <a:spLocks noGrp="1"/>
-          </p:cNvSpPr>
-          <p:nvPr>
-            <p:ph type="sldNum" sz="quarter" idx="12"/>
-          </p:nvPr>
-        </p:nvSpPr>
-        <p:spPr/>
-        <p:txBody>
-          <a:bodyPr/>
-          <a:lstStyle/>
-          <a:p>
-            <a:fld id="{35176BAD-5581-4334-AAF7-253323F9A980}" type="slidenum">
-              <a:rPr lang="en-GB" altLang="it-IT" smtClean="0"/>
-              <a:pPr/>
-              <a:t>8</a:t>
-            </a:fld>
-            <a:endParaRPr lang="en-GB" altLang="it-IT"/>
+              <a:rPr lang="it-IT" dirty="0"/>
+              <a:t>Metrica utilizzata: Area under curve (AUC)</a:t>
+            </a:r>
+          </a:p>
+          <a:p>
+            <a:endParaRPr lang="it-IT" dirty="0"/>
+          </a:p>
+          <a:p>
+            <a:pPr marL="285750" indent="-285750">
+              <a:buFont typeface="Arial" panose="020B0604020202020204" pitchFamily="34" charset="0"/>
+              <a:buChar char="•"/>
+            </a:pPr>
+            <a:r>
+              <a:rPr lang="it-IT" dirty="0"/>
+              <a:t>I modelli </a:t>
+            </a:r>
+            <a:r>
+              <a:rPr lang="it-IT" dirty="0" err="1"/>
+              <a:t>context-aware</a:t>
+            </a:r>
+            <a:r>
+              <a:rPr lang="it-IT" dirty="0"/>
+              <a:t> hanno un AUC più alta</a:t>
+            </a:r>
+          </a:p>
+          <a:p>
+            <a:endParaRPr lang="it-IT" dirty="0"/>
+          </a:p>
+          <a:p>
+            <a:pPr marL="285750" indent="-285750">
+              <a:buFont typeface="Arial" panose="020B0604020202020204" pitchFamily="34" charset="0"/>
+              <a:buChar char="•"/>
+            </a:pPr>
+            <a:r>
+              <a:rPr lang="it-IT" dirty="0" err="1"/>
+              <a:t>moveCARS</a:t>
+            </a:r>
+            <a:r>
+              <a:rPr lang="it-IT" dirty="0"/>
+              <a:t> ha ottenuto risultati simili al modello </a:t>
+            </a:r>
+            <a:r>
+              <a:rPr lang="it-IT" dirty="0" err="1"/>
+              <a:t>context-aware</a:t>
+            </a:r>
+            <a:r>
+              <a:rPr lang="it-IT" dirty="0"/>
+              <a:t> stato dell’arte ECAM </a:t>
+            </a:r>
+            <a:r>
+              <a:rPr lang="it-IT" dirty="0" err="1"/>
+              <a:t>NeuMF</a:t>
+            </a:r>
+            <a:endParaRPr lang="it-IT" dirty="0"/>
           </a:p>
         </p:txBody>
       </p:sp>
     </p:spTree>
     <p:extLst>
       <p:ext uri="{BB962C8B-B14F-4D97-AF65-F5344CB8AC3E}">
-        <p14:creationId xmlns:p14="http://schemas.microsoft.com/office/powerpoint/2010/main" val="3089386882"/>
+        <p14:creationId xmlns:p14="http://schemas.microsoft.com/office/powerpoint/2010/main" val="3288315151"/>
       </p:ext>
     </p:extLst>
   </p:cSld>
@@ -7420,6 +6789,14 @@
 <file path=ppt/slides/slide9.xml><?xml version="1.0" encoding="utf-8"?>
 <p:sld xmlns:a="http://schemas.openxmlformats.org/drawingml/2006/main" xmlns:r="http://schemas.openxmlformats.org/officeDocument/2006/relationships" xmlns:p="http://schemas.openxmlformats.org/presentationml/2006/main">
   <p:cSld>
+    <p:bg>
+      <p:bgPr>
+        <a:solidFill>
+          <a:schemeClr val="bg1"/>
+        </a:solidFill>
+        <a:effectLst/>
+      </p:bgPr>
+    </p:bg>
     <p:spTree>
       <p:nvGrpSpPr>
         <p:cNvPr id="1" name=""/>
@@ -7434,12 +6811,90 @@
           <a:chExt cx="0" cy="0"/>
         </a:xfrm>
       </p:grpSpPr>
+      <p:pic>
+        <p:nvPicPr>
+          <p:cNvPr id="10" name="Elemento grafico 9">
+            <a:extLst>
+              <a:ext uri="{FF2B5EF4-FFF2-40B4-BE49-F238E27FC236}">
+                <a16:creationId xmlns:a16="http://schemas.microsoft.com/office/drawing/2014/main" id="{A848FC64-17F5-4ECC-B834-9A928B89D81E}"/>
+              </a:ext>
+            </a:extLst>
+          </p:cNvPr>
+          <p:cNvPicPr>
+            <a:picLocks noChangeAspect="1"/>
+          </p:cNvPicPr>
+          <p:nvPr/>
+        </p:nvPicPr>
+        <p:blipFill>
+          <a:blip r:embed="rId2">
+            <a:extLst>
+              <a:ext uri="{28A0092B-C50C-407E-A947-70E740481C1C}">
+                <a14:useLocalDpi xmlns:a14="http://schemas.microsoft.com/office/drawing/2010/main" val="0"/>
+              </a:ext>
+              <a:ext uri="{96DAC541-7B7A-43D3-8B79-37D633B846F1}">
+                <asvg:svgBlip xmlns:asvg="http://schemas.microsoft.com/office/drawing/2016/SVG/main" r:embed="rId3"/>
+              </a:ext>
+            </a:extLst>
+          </a:blip>
+          <a:stretch>
+            <a:fillRect/>
+          </a:stretch>
+        </p:blipFill>
+        <p:spPr>
+          <a:xfrm>
+            <a:off x="3914874" y="188640"/>
+            <a:ext cx="5123103" cy="3043627"/>
+          </a:xfrm>
+          <a:prstGeom prst="rect">
+            <a:avLst/>
+          </a:prstGeom>
+        </p:spPr>
+      </p:pic>
+      <p:pic>
+        <p:nvPicPr>
+          <p:cNvPr id="8" name="Elemento grafico 7">
+            <a:extLst>
+              <a:ext uri="{FF2B5EF4-FFF2-40B4-BE49-F238E27FC236}">
+                <a16:creationId xmlns:a16="http://schemas.microsoft.com/office/drawing/2014/main" id="{F8ED7FE3-0FE5-4BC8-A7C9-862F9EB51E32}"/>
+              </a:ext>
+            </a:extLst>
+          </p:cNvPr>
+          <p:cNvPicPr>
+            <a:picLocks noChangeAspect="1"/>
+          </p:cNvPicPr>
+          <p:nvPr/>
+        </p:nvPicPr>
+        <p:blipFill>
+          <a:blip r:embed="rId4">
+            <a:extLst>
+              <a:ext uri="{28A0092B-C50C-407E-A947-70E740481C1C}">
+                <a14:useLocalDpi xmlns:a14="http://schemas.microsoft.com/office/drawing/2010/main" val="0"/>
+              </a:ext>
+              <a:ext uri="{96DAC541-7B7A-43D3-8B79-37D633B846F1}">
+                <asvg:svgBlip xmlns:asvg="http://schemas.microsoft.com/office/drawing/2016/SVG/main" r:embed="rId5"/>
+              </a:ext>
+            </a:extLst>
+          </a:blip>
+          <a:stretch>
+            <a:fillRect/>
+          </a:stretch>
+        </p:blipFill>
+        <p:spPr>
+          <a:xfrm>
+            <a:off x="3914873" y="3503655"/>
+            <a:ext cx="5123103" cy="3107456"/>
+          </a:xfrm>
+          <a:prstGeom prst="rect">
+            <a:avLst/>
+          </a:prstGeom>
+        </p:spPr>
+      </p:pic>
       <p:sp>
         <p:nvSpPr>
           <p:cNvPr id="2" name="Titolo 1">
             <a:extLst>
               <a:ext uri="{FF2B5EF4-FFF2-40B4-BE49-F238E27FC236}">
-                <a16:creationId xmlns:a16="http://schemas.microsoft.com/office/drawing/2014/main" id="{152980A4-3E84-4C09-8F59-8706C4B25284}"/>
+                <a16:creationId xmlns:a16="http://schemas.microsoft.com/office/drawing/2014/main" id="{0D071252-1D0D-492D-9AAD-CE08C3603F8C}"/>
               </a:ext>
             </a:extLst>
           </p:cNvPr>
@@ -7450,186 +6905,161 @@
             <p:ph type="title"/>
           </p:nvPr>
         </p:nvSpPr>
-        <p:spPr/>
-        <p:txBody>
-          <a:bodyPr/>
+        <p:spPr>
+          <a:xfrm>
+            <a:off x="176436" y="275886"/>
+            <a:ext cx="3738437" cy="1600820"/>
+          </a:xfrm>
+        </p:spPr>
+        <p:txBody>
+          <a:bodyPr>
+            <a:normAutofit fontScale="90000"/>
+          </a:bodyPr>
           <a:lstStyle/>
           <a:p>
             <a:pPr algn="ctr"/>
             <a:r>
-              <a:rPr lang="it-IT" dirty="0"/>
-              <a:t>Conclusioni</a:t>
-            </a:r>
-          </a:p>
-        </p:txBody>
-      </p:sp>
-      <p:sp>
-        <p:nvSpPr>
-          <p:cNvPr id="3" name="Segnaposto contenuto 2">
+              <a:rPr lang="it-IT" sz="3700" dirty="0"/>
+              <a:t>Tempi di esecuzione su smartphone </a:t>
+            </a:r>
+            <a:r>
+              <a:rPr lang="it-IT" sz="3700" dirty="0">
+                <a:solidFill>
+                  <a:srgbClr val="FFFFFF"/>
+                </a:solidFill>
+              </a:rPr>
+              <a:t>Android</a:t>
+            </a:r>
+          </a:p>
+        </p:txBody>
+      </p:sp>
+      <p:sp>
+        <p:nvSpPr>
+          <p:cNvPr id="11" name="CasellaDiTesto 10">
             <a:extLst>
               <a:ext uri="{FF2B5EF4-FFF2-40B4-BE49-F238E27FC236}">
-                <a16:creationId xmlns:a16="http://schemas.microsoft.com/office/drawing/2014/main" id="{1F9BD3DC-3555-44D3-9C15-FF91C6F96FE2}"/>
+                <a16:creationId xmlns:a16="http://schemas.microsoft.com/office/drawing/2014/main" id="{62E866D4-2B40-483E-A151-697AD669FB6C}"/>
               </a:ext>
             </a:extLst>
           </p:cNvPr>
-          <p:cNvSpPr>
-            <a:spLocks noGrp="1"/>
-          </p:cNvSpPr>
-          <p:nvPr>
-            <p:ph idx="1"/>
-          </p:nvPr>
-        </p:nvSpPr>
-        <p:spPr/>
-        <p:txBody>
-          <a:bodyPr/>
+          <p:cNvSpPr txBox="1"/>
+          <p:nvPr/>
+        </p:nvSpPr>
+        <p:spPr>
+          <a:xfrm>
+            <a:off x="176436" y="1700808"/>
+            <a:ext cx="3738436" cy="3693319"/>
+          </a:xfrm>
+          <a:prstGeom prst="rect">
+            <a:avLst/>
+          </a:prstGeom>
+          <a:noFill/>
+        </p:spPr>
+        <p:txBody>
+          <a:bodyPr wrap="square" rtlCol="0">
+            <a:spAutoFit/>
+          </a:bodyPr>
           <a:lstStyle/>
           <a:p>
-            <a:r>
-              <a:rPr lang="it-IT" dirty="0" err="1"/>
+            <a:pPr marL="285750" indent="-285750" algn="l">
+              <a:buFont typeface="Arial" panose="020B0604020202020204" pitchFamily="34" charset="0"/>
+              <a:buChar char="•"/>
+            </a:pPr>
+            <a:r>
+              <a:rPr lang="it-IT" sz="1800" b="0" i="0" u="none" strike="noStrike" baseline="0" dirty="0" err="1">
+                <a:latin typeface="CMR12"/>
+              </a:rPr>
+              <a:t>TensorFlow</a:t>
+            </a:r>
+            <a:r>
+              <a:rPr lang="it-IT" sz="1800" b="0" i="0" u="none" strike="noStrike" baseline="0" dirty="0">
+                <a:latin typeface="CMR12"/>
+              </a:rPr>
+              <a:t> Lite permette di convertire un modello </a:t>
+            </a:r>
+            <a:r>
+              <a:rPr lang="it-IT" sz="1800" b="0" i="0" u="none" strike="noStrike" baseline="0" dirty="0" err="1">
+                <a:latin typeface="CMR12"/>
+              </a:rPr>
+              <a:t>TensorFlow</a:t>
+            </a:r>
+            <a:r>
+              <a:rPr lang="it-IT" dirty="0">
+                <a:latin typeface="CMR12"/>
+              </a:rPr>
+              <a:t> </a:t>
+            </a:r>
+            <a:r>
+              <a:rPr lang="it-IT" sz="1800" b="0" i="0" u="none" strike="noStrike" baseline="0" dirty="0">
+                <a:latin typeface="CMR12"/>
+              </a:rPr>
+              <a:t>precedentemente addestrato in un formato compatibile con dispositivi Android</a:t>
+            </a:r>
+          </a:p>
+          <a:p>
+            <a:pPr algn="l"/>
+            <a:endParaRPr lang="it-IT" sz="1800" b="0" i="0" u="none" strike="noStrike" baseline="0" dirty="0">
+              <a:latin typeface="CMR12"/>
+            </a:endParaRPr>
+          </a:p>
+          <a:p>
+            <a:pPr marL="285750" indent="-285750" algn="l">
+              <a:buFont typeface="Arial" panose="020B0604020202020204" pitchFamily="34" charset="0"/>
+              <a:buChar char="•"/>
+            </a:pPr>
+            <a:r>
+              <a:rPr lang="it-IT" dirty="0">
+                <a:latin typeface="CMR12"/>
+              </a:rPr>
+              <a:t>Sono stati misurati i tempi di inizializzazione e inferenza su dispositivi mobili</a:t>
+            </a:r>
+          </a:p>
+          <a:p>
+            <a:pPr algn="l"/>
+            <a:endParaRPr lang="it-IT" dirty="0">
+              <a:latin typeface="CMR12"/>
+            </a:endParaRPr>
+          </a:p>
+          <a:p>
+            <a:pPr marL="285750" indent="-285750" algn="l">
+              <a:buFont typeface="Arial" panose="020B0604020202020204" pitchFamily="34" charset="0"/>
+              <a:buChar char="•"/>
+            </a:pPr>
+            <a:r>
+              <a:rPr lang="it-IT" sz="1800" b="0" i="0" u="none" strike="noStrike" baseline="0" dirty="0" err="1">
+                <a:latin typeface="CMR12"/>
+              </a:rPr>
               <a:t>moveCARS</a:t>
             </a:r>
             <a:r>
-              <a:rPr lang="it-IT" dirty="0"/>
-              <a:t> ha ottenuto risultati simili alle soluzioni stato dell’arte:</a:t>
-            </a:r>
-          </a:p>
-          <a:p>
-            <a:pPr lvl="1"/>
-            <a:r>
-              <a:rPr lang="it-IT" dirty="0"/>
-              <a:t>Con tempi di esecuzione minori</a:t>
-            </a:r>
-          </a:p>
-          <a:p>
-            <a:pPr lvl="1"/>
-            <a:r>
-              <a:rPr lang="it-IT" dirty="0"/>
-              <a:t>Con una struttura della rete meno restrittiva</a:t>
-            </a:r>
-          </a:p>
-          <a:p>
-            <a:r>
-              <a:rPr lang="it-IT" dirty="0"/>
-              <a:t>Il contesto ha un ruolo importante nelle raccomandazioni</a:t>
-            </a:r>
-          </a:p>
-          <a:p>
-            <a:r>
-              <a:rPr lang="it-IT" dirty="0"/>
-              <a:t>Se il contesto ha un </a:t>
-            </a:r>
-            <a:r>
-              <a:rPr lang="it-IT" dirty="0" err="1"/>
-              <a:t>dimensionalità</a:t>
-            </a:r>
-            <a:r>
-              <a:rPr lang="it-IT" dirty="0"/>
-              <a:t> alta le raccomandazioni sono ancora più precise</a:t>
-            </a:r>
-          </a:p>
-          <a:p>
+              <a:rPr lang="it-IT" sz="1800" b="0" i="0" u="none" strike="noStrike" baseline="0" dirty="0">
+                <a:latin typeface="CMR12"/>
+              </a:rPr>
+              <a:t> è </a:t>
+            </a:r>
+            <a:r>
+              <a:rPr lang="it-IT" dirty="0">
+                <a:latin typeface="CMR12"/>
+              </a:rPr>
+              <a:t>l’algoritmo più veloce in entrambi i casi</a:t>
+            </a:r>
+            <a:endParaRPr lang="it-IT" sz="1800" b="0" i="0" u="none" strike="noStrike" baseline="0" dirty="0">
+              <a:latin typeface="CMR12"/>
+            </a:endParaRPr>
+          </a:p>
+          <a:p>
+            <a:pPr marL="285750" indent="-285750" algn="l">
+              <a:buFont typeface="Arial" panose="020B0604020202020204" pitchFamily="34" charset="0"/>
+              <a:buChar char="•"/>
+            </a:pPr>
             <a:endParaRPr lang="it-IT" dirty="0"/>
-          </a:p>
-        </p:txBody>
-      </p:sp>
-      <p:sp>
-        <p:nvSpPr>
-          <p:cNvPr id="4" name="Segnaposto data 3">
-            <a:extLst>
-              <a:ext uri="{FF2B5EF4-FFF2-40B4-BE49-F238E27FC236}">
-                <a16:creationId xmlns:a16="http://schemas.microsoft.com/office/drawing/2014/main" id="{DAA46585-4426-4463-B32E-C88E092357C7}"/>
-              </a:ext>
-            </a:extLst>
-          </p:cNvPr>
-          <p:cNvSpPr>
-            <a:spLocks noGrp="1"/>
-          </p:cNvSpPr>
-          <p:nvPr>
-            <p:ph type="dt" sz="half" idx="10"/>
-          </p:nvPr>
-        </p:nvSpPr>
-        <p:spPr/>
-        <p:txBody>
-          <a:bodyPr/>
-          <a:lstStyle/>
-          <a:p>
-            <a:pPr>
-              <a:defRPr/>
-            </a:pPr>
-            <a:r>
-              <a:rPr lang="it-IT"/>
-              <a:t>15/07/2021</a:t>
-            </a:r>
-            <a:endParaRPr lang="en-GB"/>
-          </a:p>
-        </p:txBody>
-      </p:sp>
-      <p:sp>
-        <p:nvSpPr>
-          <p:cNvPr id="5" name="Segnaposto piè di pagina 4">
-            <a:extLst>
-              <a:ext uri="{FF2B5EF4-FFF2-40B4-BE49-F238E27FC236}">
-                <a16:creationId xmlns:a16="http://schemas.microsoft.com/office/drawing/2014/main" id="{ABA437BF-0ABE-45CD-9741-36ACF82BA1E3}"/>
-              </a:ext>
-            </a:extLst>
-          </p:cNvPr>
-          <p:cNvSpPr>
-            <a:spLocks noGrp="1"/>
-          </p:cNvSpPr>
-          <p:nvPr>
-            <p:ph type="ftr" sz="quarter" idx="11"/>
-          </p:nvPr>
-        </p:nvSpPr>
-        <p:spPr/>
-        <p:txBody>
-          <a:bodyPr/>
-          <a:lstStyle/>
-          <a:p>
-            <a:pPr>
-              <a:defRPr/>
-            </a:pPr>
-            <a:r>
-              <a:rPr lang="it-IT"/>
-              <a:t>Studio e sviluppo di un sistema di raccomandazione context-aware per sistemi mobili e pervasivi</a:t>
-            </a:r>
-            <a:endParaRPr lang="en-GB"/>
-          </a:p>
-        </p:txBody>
-      </p:sp>
-      <p:sp>
-        <p:nvSpPr>
-          <p:cNvPr id="6" name="Segnaposto numero diapositiva 5">
-            <a:extLst>
-              <a:ext uri="{FF2B5EF4-FFF2-40B4-BE49-F238E27FC236}">
-                <a16:creationId xmlns:a16="http://schemas.microsoft.com/office/drawing/2014/main" id="{14FA9E88-08FC-493F-9B02-51FC5C7053E9}"/>
-              </a:ext>
-            </a:extLst>
-          </p:cNvPr>
-          <p:cNvSpPr>
-            <a:spLocks noGrp="1"/>
-          </p:cNvSpPr>
-          <p:nvPr>
-            <p:ph type="sldNum" sz="quarter" idx="12"/>
-          </p:nvPr>
-        </p:nvSpPr>
-        <p:spPr/>
-        <p:txBody>
-          <a:bodyPr/>
-          <a:lstStyle/>
-          <a:p>
-            <a:fld id="{35176BAD-5581-4334-AAF7-253323F9A980}" type="slidenum">
-              <a:rPr lang="en-GB" altLang="it-IT" smtClean="0"/>
-              <a:pPr/>
-              <a:t>9</a:t>
-            </a:fld>
-            <a:endParaRPr lang="en-GB" altLang="it-IT"/>
           </a:p>
         </p:txBody>
       </p:sp>
     </p:spTree>
     <p:extLst>
       <p:ext uri="{BB962C8B-B14F-4D97-AF65-F5344CB8AC3E}">
-        <p14:creationId xmlns:p14="http://schemas.microsoft.com/office/powerpoint/2010/main" val="354855335"/>
+        <p14:creationId xmlns:p14="http://schemas.microsoft.com/office/powerpoint/2010/main" val="3089386882"/>
       </p:ext>
     </p:extLst>
   </p:cSld>
@@ -7640,9 +7070,9 @@
 </file>
 
 <file path=ppt/theme/theme1.xml><?xml version="1.0" encoding="utf-8"?>
-<a:theme xmlns:a="http://schemas.openxmlformats.org/drawingml/2006/main" name="Tema di Office">
+<a:theme xmlns:a="http://schemas.openxmlformats.org/drawingml/2006/main" name="Office Theme">
   <a:themeElements>
-    <a:clrScheme name="Office">
+    <a:clrScheme name="Tema di Office">
       <a:dk1>
         <a:sysClr val="windowText" lastClr="000000"/>
       </a:dk1>
@@ -7680,7 +7110,7 @@
         <a:srgbClr val="954F72"/>
       </a:folHlink>
     </a:clrScheme>
-    <a:fontScheme name="Office">
+    <a:fontScheme name="Tema di Office">
       <a:majorFont>
         <a:latin typeface="Calibri Light" panose="020F0302020204030204"/>
         <a:ea typeface=""/>
@@ -7715,23 +7145,6 @@
         <a:font script="Viet" typeface="Times New Roman"/>
         <a:font script="Uigh" typeface="Microsoft Uighur"/>
         <a:font script="Geor" typeface="Sylfaen"/>
-        <a:font script="Armn" typeface="Arial"/>
-        <a:font script="Bugi" typeface="Leelawadee UI"/>
-        <a:font script="Bopo" typeface="Microsoft JhengHei"/>
-        <a:font script="Java" typeface="Javanese Text"/>
-        <a:font script="Lisu" typeface="Segoe UI"/>
-        <a:font script="Mymr" typeface="Myanmar Text"/>
-        <a:font script="Nkoo" typeface="Ebrima"/>
-        <a:font script="Olck" typeface="Nirmala UI"/>
-        <a:font script="Osma" typeface="Ebrima"/>
-        <a:font script="Phag" typeface="Phagspa"/>
-        <a:font script="Syrn" typeface="Estrangelo Edessa"/>
-        <a:font script="Syrj" typeface="Estrangelo Edessa"/>
-        <a:font script="Syre" typeface="Estrangelo Edessa"/>
-        <a:font script="Sora" typeface="Nirmala UI"/>
-        <a:font script="Tale" typeface="Microsoft Tai Le"/>
-        <a:font script="Talu" typeface="Microsoft New Tai Lue"/>
-        <a:font script="Tfng" typeface="Ebrima"/>
       </a:majorFont>
       <a:minorFont>
         <a:latin typeface="Calibri" panose="020F0502020204030204"/>
@@ -7767,26 +7180,9 @@
         <a:font script="Viet" typeface="Arial"/>
         <a:font script="Uigh" typeface="Microsoft Uighur"/>
         <a:font script="Geor" typeface="Sylfaen"/>
-        <a:font script="Armn" typeface="Arial"/>
-        <a:font script="Bugi" typeface="Leelawadee UI"/>
-        <a:font script="Bopo" typeface="Microsoft JhengHei"/>
-        <a:font script="Java" typeface="Javanese Text"/>
-        <a:font script="Lisu" typeface="Segoe UI"/>
-        <a:font script="Mymr" typeface="Myanmar Text"/>
-        <a:font script="Nkoo" typeface="Ebrima"/>
-        <a:font script="Olck" typeface="Nirmala UI"/>
-        <a:font script="Osma" typeface="Ebrima"/>
-        <a:font script="Phag" typeface="Phagspa"/>
-        <a:font script="Syrn" typeface="Estrangelo Edessa"/>
-        <a:font script="Syrj" typeface="Estrangelo Edessa"/>
-        <a:font script="Syre" typeface="Estrangelo Edessa"/>
-        <a:font script="Sora" typeface="Nirmala UI"/>
-        <a:font script="Tale" typeface="Microsoft Tai Le"/>
-        <a:font script="Talu" typeface="Microsoft New Tai Lue"/>
-        <a:font script="Tfng" typeface="Ebrima"/>
       </a:minorFont>
     </a:fontScheme>
-    <a:fmtScheme name="Office">
+    <a:fmtScheme name="Tema di Office">
       <a:fillStyleLst>
         <a:solidFill>
           <a:schemeClr val="phClr"/>

--- a/presentazione/presentazione.pptx
+++ b/presentazione/presentazione.pptx
@@ -4830,7 +4830,9 @@
         </p:nvSpPr>
         <p:spPr/>
         <p:txBody>
-          <a:bodyPr/>
+          <a:bodyPr>
+            <a:normAutofit lnSpcReduction="10000"/>
+          </a:bodyPr>
           <a:lstStyle/>
           <a:p>
             <a:r>
@@ -4839,6 +4841,12 @@
             </a:r>
           </a:p>
           <a:p>
+            <a:pPr marL="0" indent="0">
+              <a:buNone/>
+            </a:pPr>
+            <a:endParaRPr lang="it-IT" dirty="0"/>
+          </a:p>
+          <a:p>
             <a:r>
               <a:rPr lang="it-IT" dirty="0"/>
               <a:t>Valutare il modello </a:t>
@@ -4853,11 +4861,10 @@
             </a:r>
           </a:p>
           <a:p>
-            <a:pPr lvl="1"/>
-            <a:r>
-              <a:rPr lang="it-IT" dirty="0"/>
-              <a:t>Comportamento con feature di utenti, oggetti e contesto diverso</a:t>
-            </a:r>
+            <a:pPr marL="0" indent="0">
+              <a:buNone/>
+            </a:pPr>
+            <a:endParaRPr lang="it-IT" dirty="0"/>
           </a:p>
           <a:p>
             <a:r>
@@ -4872,6 +4879,12 @@
               <a:rPr lang="it-IT" dirty="0"/>
               <a:t> nel tempo</a:t>
             </a:r>
+          </a:p>
+          <a:p>
+            <a:pPr marL="0" indent="0">
+              <a:buNone/>
+            </a:pPr>
+            <a:endParaRPr lang="it-IT" dirty="0"/>
           </a:p>
           <a:p>
             <a:r>
@@ -5070,11 +5083,11 @@
             </a:r>
             <a:r>
               <a:rPr lang="it-IT" b="0" i="0" u="none" strike="noStrike" baseline="0" dirty="0"/>
-              <a:t>entità generica che </a:t>
+              <a:t>la definizione è generica e può </a:t>
             </a:r>
             <a:r>
               <a:rPr lang="it-IT" dirty="0"/>
-              <a:t>può includere film, libri, vestiti, punti di interesse</a:t>
+              <a:t>includere film, libri, vestiti, punti di interesse, etc.</a:t>
             </a:r>
           </a:p>
           <a:p>
@@ -5104,7 +5117,7 @@
             </a:r>
             <a:r>
               <a:rPr lang="it-IT" b="0" i="0" u="none" strike="noStrike" baseline="0" dirty="0"/>
-              <a:t>situazione dell’utente nel momento in cui ha generato un feedback (posizione, attività utente, persone in prossimità…)</a:t>
+              <a:t>situazione dell’utente nel momento in cui ha generato un feedback (posizione, attività utente, persone in prossimità, data e ora…)</a:t>
             </a:r>
           </a:p>
           <a:p>
@@ -5632,12 +5645,23 @@
               <a:rPr lang="it-IT" dirty="0" err="1"/>
               <a:t>factorization</a:t>
             </a:r>
-            <a:endParaRPr lang="it-IT" dirty="0"/>
-          </a:p>
-          <a:p>
             <a:r>
               <a:rPr lang="it-IT" dirty="0"/>
-              <a:t>Stato dell’arte per i </a:t>
+              <a:t> (ECAM </a:t>
+            </a:r>
+            <a:r>
+              <a:rPr lang="it-IT" dirty="0" err="1"/>
+              <a:t>NeuMF</a:t>
+            </a:r>
+            <a:r>
+              <a:rPr lang="it-IT" dirty="0"/>
+              <a:t>)</a:t>
+            </a:r>
+          </a:p>
+          <a:p>
+            <a:r>
+              <a:rPr lang="it-IT" dirty="0"/>
+              <a:t>Sistema di raccomandazione </a:t>
             </a:r>
             <a:r>
               <a:rPr lang="it-IT" dirty="0" err="1"/>
@@ -5645,13 +5669,13 @@
             </a:r>
             <a:r>
               <a:rPr lang="it-IT" dirty="0"/>
-              <a:t> RS</a:t>
+              <a:t> stato dell’arte</a:t>
             </a:r>
           </a:p>
           <a:p>
             <a:r>
               <a:rPr lang="it-IT" dirty="0"/>
-              <a:t>Combinazione di una rete neurale e l’approccio </a:t>
+              <a:t>Combina una rete neurale con l’approccio </a:t>
             </a:r>
             <a:r>
               <a:rPr lang="it-IT" dirty="0" err="1"/>
@@ -5851,8 +5875,8 @@
           </a:prstGeom>
         </p:spPr>
       </p:pic>
-      <mc:AlternateContent xmlns:mc="http://schemas.openxmlformats.org/markup-compatibility/2006">
-        <mc:Choice xmlns:a14="http://schemas.microsoft.com/office/drawing/2010/main" Requires="a14">
+      <mc:AlternateContent xmlns:mc="http://schemas.openxmlformats.org/markup-compatibility/2006" xmlns:a14="http://schemas.microsoft.com/office/drawing/2010/main">
+        <mc:Choice Requires="a14">
           <p:sp>
             <p:nvSpPr>
               <p:cNvPr id="11" name="CasellaDiTesto 10">
@@ -6129,7 +6153,7 @@
             </p:txBody>
           </p:sp>
         </mc:Choice>
-        <mc:Fallback>
+        <mc:Fallback xmlns="">
           <p:sp>
             <p:nvSpPr>
               <p:cNvPr id="11" name="CasellaDiTesto 10">
@@ -6698,7 +6722,7 @@
         <p:spPr>
           <a:xfrm>
             <a:off x="51371" y="2153999"/>
-            <a:ext cx="3984402" cy="2585323"/>
+            <a:ext cx="3984402" cy="3970318"/>
           </a:xfrm>
           <a:prstGeom prst="rect">
             <a:avLst/>
@@ -6721,13 +6745,66 @@
             </a:r>
           </a:p>
           <a:p>
-            <a:endParaRPr lang="it-IT" dirty="0"/>
-          </a:p>
-          <a:p>
             <a:pPr marL="285750" indent="-285750">
               <a:buFont typeface="Arial" panose="020B0604020202020204" pitchFamily="34" charset="0"/>
               <a:buChar char="•"/>
             </a:pPr>
+            <a:endParaRPr lang="it-IT" dirty="0"/>
+          </a:p>
+          <a:p>
+            <a:pPr marL="285750" indent="-285750">
+              <a:buFont typeface="Arial" panose="020B0604020202020204" pitchFamily="34" charset="0"/>
+              <a:buChar char="•"/>
+            </a:pPr>
+            <a:r>
+              <a:rPr lang="it-IT" dirty="0"/>
+              <a:t>Modelli di confronto:</a:t>
+            </a:r>
+          </a:p>
+          <a:p>
+            <a:pPr marL="742950" lvl="1" indent="-285750">
+              <a:buFont typeface="Arial" panose="020B0604020202020204" pitchFamily="34" charset="0"/>
+              <a:buChar char="•"/>
+            </a:pPr>
+            <a:r>
+              <a:rPr lang="it-IT" dirty="0"/>
+              <a:t>ALS</a:t>
+            </a:r>
+          </a:p>
+          <a:p>
+            <a:pPr marL="742950" lvl="1" indent="-285750">
+              <a:buFont typeface="Arial" panose="020B0604020202020204" pitchFamily="34" charset="0"/>
+              <a:buChar char="•"/>
+            </a:pPr>
+            <a:r>
+              <a:rPr lang="it-IT" dirty="0" err="1"/>
+              <a:t>NeuMF</a:t>
+            </a:r>
+            <a:endParaRPr lang="it-IT" dirty="0"/>
+          </a:p>
+          <a:p>
+            <a:pPr marL="742950" lvl="1" indent="-285750">
+              <a:buFont typeface="Arial" panose="020B0604020202020204" pitchFamily="34" charset="0"/>
+              <a:buChar char="•"/>
+            </a:pPr>
+            <a:r>
+              <a:rPr lang="it-IT" dirty="0"/>
+              <a:t>ECAM </a:t>
+            </a:r>
+            <a:r>
+              <a:rPr lang="it-IT" dirty="0" err="1"/>
+              <a:t>NeuMF</a:t>
+            </a:r>
+            <a:endParaRPr lang="it-IT" dirty="0"/>
+          </a:p>
+          <a:p>
+            <a:endParaRPr lang="it-IT" dirty="0"/>
+          </a:p>
+          <a:p>
+            <a:pPr marL="285750" indent="-285750">
+              <a:buFont typeface="Arial" panose="020B0604020202020204" pitchFamily="34" charset="0"/>
+              <a:buChar char="•"/>
+            </a:pPr>
             <a:r>
               <a:rPr lang="it-IT" dirty="0"/>
               <a:t>I modelli </a:t>
@@ -6738,7 +6815,7 @@
             </a:r>
             <a:r>
               <a:rPr lang="it-IT" dirty="0"/>
-              <a:t> hanno un AUC più alta</a:t>
+              <a:t> hanno l’AUC più alta</a:t>
             </a:r>
           </a:p>
           <a:p>

--- a/presentazione/presentazione.pptx
+++ b/presentazione/presentazione.pptx
@@ -5,10 +5,10 @@
     <p:sldMasterId id="2147483797" r:id="rId1"/>
   </p:sldMasterIdLst>
   <p:notesMasterIdLst>
-    <p:notesMasterId r:id="rId14"/>
+    <p:notesMasterId r:id="rId15"/>
   </p:notesMasterIdLst>
   <p:handoutMasterIdLst>
-    <p:handoutMasterId r:id="rId15"/>
+    <p:handoutMasterId r:id="rId16"/>
   </p:handoutMasterIdLst>
   <p:sldIdLst>
     <p:sldId id="256" r:id="rId2"/>
@@ -17,12 +17,13 @@
     <p:sldId id="267" r:id="rId5"/>
     <p:sldId id="269" r:id="rId6"/>
     <p:sldId id="266" r:id="rId7"/>
-    <p:sldId id="261" r:id="rId8"/>
-    <p:sldId id="262" r:id="rId9"/>
-    <p:sldId id="263" r:id="rId10"/>
-    <p:sldId id="264" r:id="rId11"/>
-    <p:sldId id="265" r:id="rId12"/>
-    <p:sldId id="268" r:id="rId13"/>
+    <p:sldId id="270" r:id="rId8"/>
+    <p:sldId id="261" r:id="rId9"/>
+    <p:sldId id="262" r:id="rId10"/>
+    <p:sldId id="263" r:id="rId11"/>
+    <p:sldId id="264" r:id="rId12"/>
+    <p:sldId id="265" r:id="rId13"/>
+    <p:sldId id="268" r:id="rId14"/>
   </p:sldIdLst>
   <p:sldSz cx="9144000" cy="6858000" type="screen4x3"/>
   <p:notesSz cx="6858000" cy="9144000"/>
@@ -4122,7 +4123,7 @@
               <a:t> di </a:t>
             </a:r>
             <a:r>
-              <a:rPr lang="en-GB" altLang="it-IT" sz="3300" b="1" dirty="0" err="1"/>
+              <a:rPr lang="it-IT" altLang="it-IT" sz="3300" b="1" dirty="0"/>
               <a:t>raccomandazione</a:t>
             </a:r>
             <a:r>
@@ -4339,50 +4340,26 @@
           <a:p>
             <a:pPr algn="r"/>
             <a:r>
-              <a:rPr lang="en-GB" altLang="it-IT" sz="1800" dirty="0" err="1">
+              <a:rPr lang="it-IT" altLang="it-IT" sz="1800" dirty="0">
                 <a:solidFill>
                   <a:srgbClr val="000000"/>
                 </a:solidFill>
                 <a:latin typeface="+mn-lt"/>
               </a:rPr>
-              <a:t>Relatore</a:t>
-            </a:r>
-            <a:r>
-              <a:rPr lang="en-GB" altLang="it-IT" sz="1800" dirty="0">
+              <a:t>Relatore:</a:t>
+            </a:r>
+          </a:p>
+          <a:p>
+            <a:pPr algn="r"/>
+            <a:r>
+              <a:rPr lang="it-IT" altLang="it-IT" sz="1800" dirty="0">
                 <a:solidFill>
                   <a:srgbClr val="000000"/>
                 </a:solidFill>
                 <a:latin typeface="+mn-lt"/>
               </a:rPr>
-              <a:t>:</a:t>
-            </a:r>
-          </a:p>
-          <a:p>
-            <a:pPr algn="r"/>
-            <a:r>
-              <a:rPr lang="en-GB" altLang="it-IT" sz="1800" dirty="0" err="1">
-                <a:solidFill>
-                  <a:srgbClr val="000000"/>
-                </a:solidFill>
-                <a:latin typeface="+mn-lt"/>
-              </a:rPr>
-              <a:t>Correlatori</a:t>
-            </a:r>
-            <a:r>
-              <a:rPr lang="en-GB" altLang="it-IT" sz="1800" dirty="0">
-                <a:solidFill>
-                  <a:srgbClr val="000000"/>
-                </a:solidFill>
-                <a:latin typeface="+mn-lt"/>
-              </a:rPr>
-              <a:t>:</a:t>
-            </a:r>
-            <a:endParaRPr lang="en-US" altLang="it-IT" sz="1800" dirty="0">
-              <a:solidFill>
-                <a:srgbClr val="000000"/>
-              </a:solidFill>
-              <a:latin typeface="+mn-lt"/>
-            </a:endParaRPr>
+              <a:t>Correlatori:</a:t>
+            </a:r>
           </a:p>
         </p:txBody>
       </p:sp>
@@ -4536,7 +4513,7 @@
           </a:lstStyle>
           <a:p>
             <a:r>
-              <a:rPr lang="en-GB" altLang="it-IT" sz="1800" dirty="0">
+              <a:rPr lang="it-IT" altLang="it-IT" sz="1800" dirty="0">
                 <a:solidFill>
                   <a:srgbClr val="000000"/>
                 </a:solidFill>
@@ -4547,57 +4524,24 @@
           </a:p>
           <a:p>
             <a:r>
-              <a:rPr lang="en-GB" altLang="it-IT" sz="1800" dirty="0" err="1">
+              <a:rPr lang="it-IT" altLang="it-IT" sz="1800" dirty="0">
                 <a:solidFill>
                   <a:srgbClr val="000000"/>
                 </a:solidFill>
                 <a:latin typeface="+mn-lt"/>
               </a:rPr>
-              <a:t>Dr.</a:t>
-            </a:r>
-            <a:r>
-              <a:rPr lang="en-GB" altLang="it-IT" sz="1800" dirty="0">
+              <a:t>Dr. Franca Delmastro</a:t>
+            </a:r>
+          </a:p>
+          <a:p>
+            <a:r>
+              <a:rPr lang="it-IT" altLang="it-IT" sz="1800" dirty="0">
                 <a:solidFill>
                   <a:srgbClr val="000000"/>
                 </a:solidFill>
                 <a:latin typeface="+mn-lt"/>
               </a:rPr>
-              <a:t> Franca </a:t>
-            </a:r>
-            <a:r>
-              <a:rPr lang="en-GB" altLang="it-IT" sz="1800" dirty="0" err="1">
-                <a:solidFill>
-                  <a:srgbClr val="000000"/>
-                </a:solidFill>
-                <a:latin typeface="+mn-lt"/>
-              </a:rPr>
-              <a:t>Delmastro</a:t>
-            </a:r>
-            <a:endParaRPr lang="en-GB" altLang="it-IT" sz="1800" dirty="0">
-              <a:solidFill>
-                <a:srgbClr val="000000"/>
-              </a:solidFill>
-              <a:latin typeface="+mn-lt"/>
-            </a:endParaRPr>
-          </a:p>
-          <a:p>
-            <a:r>
-              <a:rPr lang="en-GB" altLang="it-IT" sz="1800" dirty="0" err="1">
-                <a:solidFill>
-                  <a:srgbClr val="000000"/>
-                </a:solidFill>
-                <a:latin typeface="+mn-lt"/>
-              </a:rPr>
-              <a:t>Dr.</a:t>
-            </a:r>
-            <a:r>
-              <a:rPr lang="en-GB" altLang="it-IT" sz="1800" dirty="0">
-                <a:solidFill>
-                  <a:srgbClr val="000000"/>
-                </a:solidFill>
-                <a:latin typeface="+mn-lt"/>
-              </a:rPr>
-              <a:t> Mattia Campana</a:t>
+              <a:t>Dr. Mattia Campana</a:t>
             </a:r>
           </a:p>
         </p:txBody>
@@ -4647,2223 +4591,6 @@
 </file>
 
 <file path=ppt/slides/slide10.xml><?xml version="1.0" encoding="utf-8"?>
-<p:sld xmlns:a="http://schemas.openxmlformats.org/drawingml/2006/main" xmlns:r="http://schemas.openxmlformats.org/officeDocument/2006/relationships" xmlns:p="http://schemas.openxmlformats.org/presentationml/2006/main">
-  <p:cSld>
-    <p:spTree>
-      <p:nvGrpSpPr>
-        <p:cNvPr id="1" name=""/>
-        <p:cNvGrpSpPr/>
-        <p:nvPr/>
-      </p:nvGrpSpPr>
-      <p:grpSpPr>
-        <a:xfrm>
-          <a:off x="0" y="0"/>
-          <a:ext cx="0" cy="0"/>
-          <a:chOff x="0" y="0"/>
-          <a:chExt cx="0" cy="0"/>
-        </a:xfrm>
-      </p:grpSpPr>
-      <p:sp>
-        <p:nvSpPr>
-          <p:cNvPr id="2" name="Titolo 1">
-            <a:extLst>
-              <a:ext uri="{FF2B5EF4-FFF2-40B4-BE49-F238E27FC236}">
-                <a16:creationId xmlns:a16="http://schemas.microsoft.com/office/drawing/2014/main" id="{152980A4-3E84-4C09-8F59-8706C4B25284}"/>
-              </a:ext>
-            </a:extLst>
-          </p:cNvPr>
-          <p:cNvSpPr>
-            <a:spLocks noGrp="1"/>
-          </p:cNvSpPr>
-          <p:nvPr>
-            <p:ph type="title"/>
-          </p:nvPr>
-        </p:nvSpPr>
-        <p:spPr/>
-        <p:txBody>
-          <a:bodyPr/>
-          <a:lstStyle/>
-          <a:p>
-            <a:pPr algn="ctr"/>
-            <a:r>
-              <a:rPr lang="it-IT" dirty="0"/>
-              <a:t>Conclusioni</a:t>
-            </a:r>
-          </a:p>
-        </p:txBody>
-      </p:sp>
-      <p:sp>
-        <p:nvSpPr>
-          <p:cNvPr id="3" name="Segnaposto contenuto 2">
-            <a:extLst>
-              <a:ext uri="{FF2B5EF4-FFF2-40B4-BE49-F238E27FC236}">
-                <a16:creationId xmlns:a16="http://schemas.microsoft.com/office/drawing/2014/main" id="{1F9BD3DC-3555-44D3-9C15-FF91C6F96FE2}"/>
-              </a:ext>
-            </a:extLst>
-          </p:cNvPr>
-          <p:cNvSpPr>
-            <a:spLocks noGrp="1"/>
-          </p:cNvSpPr>
-          <p:nvPr>
-            <p:ph idx="1"/>
-          </p:nvPr>
-        </p:nvSpPr>
-        <p:spPr/>
-        <p:txBody>
-          <a:bodyPr/>
-          <a:lstStyle/>
-          <a:p>
-            <a:r>
-              <a:rPr lang="it-IT" dirty="0" err="1"/>
-              <a:t>moveCARS</a:t>
-            </a:r>
-            <a:r>
-              <a:rPr lang="it-IT" dirty="0"/>
-              <a:t> ha ottenuto risultati simili alle soluzioni stato dell’arte:</a:t>
-            </a:r>
-          </a:p>
-          <a:p>
-            <a:pPr lvl="1"/>
-            <a:r>
-              <a:rPr lang="it-IT" dirty="0"/>
-              <a:t>Con tempi di esecuzione minori</a:t>
-            </a:r>
-          </a:p>
-          <a:p>
-            <a:pPr lvl="1"/>
-            <a:r>
-              <a:rPr lang="it-IT" dirty="0"/>
-              <a:t>Con una struttura della rete meno restrittiva</a:t>
-            </a:r>
-          </a:p>
-          <a:p>
-            <a:r>
-              <a:rPr lang="it-IT" dirty="0"/>
-              <a:t>Il contesto ha un ruolo importante nelle raccomandazioni</a:t>
-            </a:r>
-          </a:p>
-          <a:p>
-            <a:r>
-              <a:rPr lang="it-IT" dirty="0"/>
-              <a:t>Se il contesto è molto descrittivo della situazione dell’utente le raccomandazioni sono ancora più precise</a:t>
-            </a:r>
-          </a:p>
-          <a:p>
-            <a:endParaRPr lang="it-IT" dirty="0"/>
-          </a:p>
-        </p:txBody>
-      </p:sp>
-    </p:spTree>
-    <p:extLst>
-      <p:ext uri="{BB962C8B-B14F-4D97-AF65-F5344CB8AC3E}">
-        <p14:creationId xmlns:p14="http://schemas.microsoft.com/office/powerpoint/2010/main" val="354855335"/>
-      </p:ext>
-    </p:extLst>
-  </p:cSld>
-  <p:clrMapOvr>
-    <a:masterClrMapping/>
-  </p:clrMapOvr>
-</p:sld>
-</file>
-
-<file path=ppt/slides/slide11.xml><?xml version="1.0" encoding="utf-8"?>
-<p:sld xmlns:a="http://schemas.openxmlformats.org/drawingml/2006/main" xmlns:r="http://schemas.openxmlformats.org/officeDocument/2006/relationships" xmlns:p="http://schemas.openxmlformats.org/presentationml/2006/main">
-  <p:cSld>
-    <p:spTree>
-      <p:nvGrpSpPr>
-        <p:cNvPr id="1" name=""/>
-        <p:cNvGrpSpPr/>
-        <p:nvPr/>
-      </p:nvGrpSpPr>
-      <p:grpSpPr>
-        <a:xfrm>
-          <a:off x="0" y="0"/>
-          <a:ext cx="0" cy="0"/>
-          <a:chOff x="0" y="0"/>
-          <a:chExt cx="0" cy="0"/>
-        </a:xfrm>
-      </p:grpSpPr>
-      <p:sp>
-        <p:nvSpPr>
-          <p:cNvPr id="2" name="Titolo 1">
-            <a:extLst>
-              <a:ext uri="{FF2B5EF4-FFF2-40B4-BE49-F238E27FC236}">
-                <a16:creationId xmlns:a16="http://schemas.microsoft.com/office/drawing/2014/main" id="{E967507E-1146-4581-B644-0005BC8A387E}"/>
-              </a:ext>
-            </a:extLst>
-          </p:cNvPr>
-          <p:cNvSpPr>
-            <a:spLocks noGrp="1"/>
-          </p:cNvSpPr>
-          <p:nvPr>
-            <p:ph type="title"/>
-          </p:nvPr>
-        </p:nvSpPr>
-        <p:spPr/>
-        <p:txBody>
-          <a:bodyPr/>
-          <a:lstStyle/>
-          <a:p>
-            <a:pPr algn="ctr"/>
-            <a:r>
-              <a:rPr lang="it-IT" dirty="0"/>
-              <a:t>Sviluppi futuri</a:t>
-            </a:r>
-          </a:p>
-        </p:txBody>
-      </p:sp>
-      <p:sp>
-        <p:nvSpPr>
-          <p:cNvPr id="3" name="Segnaposto contenuto 2">
-            <a:extLst>
-              <a:ext uri="{FF2B5EF4-FFF2-40B4-BE49-F238E27FC236}">
-                <a16:creationId xmlns:a16="http://schemas.microsoft.com/office/drawing/2014/main" id="{5570E059-74DD-4635-8D46-0B022D464045}"/>
-              </a:ext>
-            </a:extLst>
-          </p:cNvPr>
-          <p:cNvSpPr>
-            <a:spLocks noGrp="1"/>
-          </p:cNvSpPr>
-          <p:nvPr>
-            <p:ph idx="1"/>
-          </p:nvPr>
-        </p:nvSpPr>
-        <p:spPr/>
-        <p:txBody>
-          <a:bodyPr>
-            <a:normAutofit lnSpcReduction="10000"/>
-          </a:bodyPr>
-          <a:lstStyle/>
-          <a:p>
-            <a:r>
-              <a:rPr lang="it-IT" dirty="0"/>
-              <a:t>Addestramento algoritmo su dispositivo mobile</a:t>
-            </a:r>
-          </a:p>
-          <a:p>
-            <a:pPr marL="0" indent="0">
-              <a:buNone/>
-            </a:pPr>
-            <a:endParaRPr lang="it-IT" dirty="0"/>
-          </a:p>
-          <a:p>
-            <a:r>
-              <a:rPr lang="it-IT" dirty="0"/>
-              <a:t>Valutare il modello </a:t>
-            </a:r>
-            <a:r>
-              <a:rPr lang="it-IT" dirty="0" err="1"/>
-              <a:t>moveCARS</a:t>
-            </a:r>
-            <a:r>
-              <a:rPr lang="it-IT" dirty="0"/>
-              <a:t> su nuovi dataset</a:t>
-            </a:r>
-          </a:p>
-          <a:p>
-            <a:pPr marL="0" indent="0">
-              <a:buNone/>
-            </a:pPr>
-            <a:endParaRPr lang="it-IT" dirty="0"/>
-          </a:p>
-          <a:p>
-            <a:r>
-              <a:rPr lang="it-IT" dirty="0"/>
-              <a:t>Scrivere un simulatore per riprodurre le interazioni e lo scambio di informazioni tra utenti, e valutare le prestazioni di </a:t>
-            </a:r>
-            <a:r>
-              <a:rPr lang="it-IT" dirty="0" err="1"/>
-              <a:t>moveCARS</a:t>
-            </a:r>
-            <a:r>
-              <a:rPr lang="it-IT" dirty="0"/>
-              <a:t> nel tempo</a:t>
-            </a:r>
-          </a:p>
-          <a:p>
-            <a:pPr marL="0" indent="0">
-              <a:buNone/>
-            </a:pPr>
-            <a:endParaRPr lang="it-IT" dirty="0"/>
-          </a:p>
-          <a:p>
-            <a:r>
-              <a:rPr lang="it-IT" dirty="0"/>
-              <a:t>Sviluppare un’applicazione Android per valutare le prestazioni di </a:t>
-            </a:r>
-            <a:r>
-              <a:rPr lang="it-IT" dirty="0" err="1"/>
-              <a:t>moveCARS</a:t>
-            </a:r>
-            <a:r>
-              <a:rPr lang="it-IT" dirty="0"/>
-              <a:t> in ambiente reale</a:t>
-            </a:r>
-          </a:p>
-        </p:txBody>
-      </p:sp>
-    </p:spTree>
-    <p:extLst>
-      <p:ext uri="{BB962C8B-B14F-4D97-AF65-F5344CB8AC3E}">
-        <p14:creationId xmlns:p14="http://schemas.microsoft.com/office/powerpoint/2010/main" val="3978805847"/>
-      </p:ext>
-    </p:extLst>
-  </p:cSld>
-  <p:clrMapOvr>
-    <a:masterClrMapping/>
-  </p:clrMapOvr>
-</p:sld>
-</file>
-
-<file path=ppt/slides/slide12.xml><?xml version="1.0" encoding="utf-8"?>
-<p:sld xmlns:a="http://schemas.openxmlformats.org/drawingml/2006/main" xmlns:r="http://schemas.openxmlformats.org/officeDocument/2006/relationships" xmlns:p="http://schemas.openxmlformats.org/presentationml/2006/main">
-  <p:cSld>
-    <p:spTree>
-      <p:nvGrpSpPr>
-        <p:cNvPr id="1" name=""/>
-        <p:cNvGrpSpPr/>
-        <p:nvPr/>
-      </p:nvGrpSpPr>
-      <p:grpSpPr>
-        <a:xfrm>
-          <a:off x="0" y="0"/>
-          <a:ext cx="0" cy="0"/>
-          <a:chOff x="0" y="0"/>
-          <a:chExt cx="0" cy="0"/>
-        </a:xfrm>
-      </p:grpSpPr>
-      <p:sp>
-        <p:nvSpPr>
-          <p:cNvPr id="12" name="Titolo 11">
-            <a:extLst>
-              <a:ext uri="{FF2B5EF4-FFF2-40B4-BE49-F238E27FC236}">
-                <a16:creationId xmlns:a16="http://schemas.microsoft.com/office/drawing/2014/main" id="{69C17091-7F08-4D3E-BEF5-8B8246BFD142}"/>
-              </a:ext>
-            </a:extLst>
-          </p:cNvPr>
-          <p:cNvSpPr>
-            <a:spLocks noGrp="1"/>
-          </p:cNvSpPr>
-          <p:nvPr>
-            <p:ph type="title"/>
-          </p:nvPr>
-        </p:nvSpPr>
-        <p:spPr>
-          <a:xfrm>
-            <a:off x="609997" y="2492896"/>
-            <a:ext cx="7886700" cy="1325563"/>
-          </a:xfrm>
-        </p:spPr>
-        <p:txBody>
-          <a:bodyPr>
-            <a:normAutofit/>
-          </a:bodyPr>
-          <a:lstStyle/>
-          <a:p>
-            <a:pPr algn="ctr"/>
-            <a:r>
-              <a:rPr lang="it-IT" sz="5400" dirty="0"/>
-              <a:t>Grazie per l’attenzione!</a:t>
-            </a:r>
-          </a:p>
-        </p:txBody>
-      </p:sp>
-    </p:spTree>
-    <p:extLst>
-      <p:ext uri="{BB962C8B-B14F-4D97-AF65-F5344CB8AC3E}">
-        <p14:creationId xmlns:p14="http://schemas.microsoft.com/office/powerpoint/2010/main" val="1073096933"/>
-      </p:ext>
-    </p:extLst>
-  </p:cSld>
-  <p:clrMapOvr>
-    <a:masterClrMapping/>
-  </p:clrMapOvr>
-</p:sld>
-</file>
-
-<file path=ppt/slides/slide2.xml><?xml version="1.0" encoding="utf-8"?>
-<p:sld xmlns:a="http://schemas.openxmlformats.org/drawingml/2006/main" xmlns:r="http://schemas.openxmlformats.org/officeDocument/2006/relationships" xmlns:p="http://schemas.openxmlformats.org/presentationml/2006/main">
-  <p:cSld>
-    <p:spTree>
-      <p:nvGrpSpPr>
-        <p:cNvPr id="1" name=""/>
-        <p:cNvGrpSpPr/>
-        <p:nvPr/>
-      </p:nvGrpSpPr>
-      <p:grpSpPr>
-        <a:xfrm>
-          <a:off x="0" y="0"/>
-          <a:ext cx="0" cy="0"/>
-          <a:chOff x="0" y="0"/>
-          <a:chExt cx="0" cy="0"/>
-        </a:xfrm>
-      </p:grpSpPr>
-      <p:sp>
-        <p:nvSpPr>
-          <p:cNvPr id="2" name="Titolo 1">
-            <a:extLst>
-              <a:ext uri="{FF2B5EF4-FFF2-40B4-BE49-F238E27FC236}">
-                <a16:creationId xmlns:a16="http://schemas.microsoft.com/office/drawing/2014/main" id="{6E85C9F5-082B-43A8-B30E-83A00057087C}"/>
-              </a:ext>
-            </a:extLst>
-          </p:cNvPr>
-          <p:cNvSpPr>
-            <a:spLocks noGrp="1"/>
-          </p:cNvSpPr>
-          <p:nvPr>
-            <p:ph type="title"/>
-          </p:nvPr>
-        </p:nvSpPr>
-        <p:spPr/>
-        <p:txBody>
-          <a:bodyPr/>
-          <a:lstStyle/>
-          <a:p>
-            <a:pPr algn="ctr"/>
-            <a:r>
-              <a:rPr lang="it-IT" dirty="0"/>
-              <a:t>Sistemi di raccomandazione</a:t>
-            </a:r>
-          </a:p>
-        </p:txBody>
-      </p:sp>
-      <p:sp>
-        <p:nvSpPr>
-          <p:cNvPr id="3" name="Segnaposto contenuto 2">
-            <a:extLst>
-              <a:ext uri="{FF2B5EF4-FFF2-40B4-BE49-F238E27FC236}">
-                <a16:creationId xmlns:a16="http://schemas.microsoft.com/office/drawing/2014/main" id="{288B1761-2773-4FC9-AFA8-333BE2349039}"/>
-              </a:ext>
-            </a:extLst>
-          </p:cNvPr>
-          <p:cNvSpPr>
-            <a:spLocks noGrp="1"/>
-          </p:cNvSpPr>
-          <p:nvPr>
-            <p:ph idx="1"/>
-          </p:nvPr>
-        </p:nvSpPr>
-        <p:spPr/>
-        <p:txBody>
-          <a:bodyPr>
-            <a:normAutofit fontScale="92500" lnSpcReduction="20000"/>
-          </a:bodyPr>
-          <a:lstStyle/>
-          <a:p>
-            <a:pPr marL="0" indent="0" algn="l">
-              <a:buNone/>
-            </a:pPr>
-            <a:r>
-              <a:rPr lang="it-IT" b="0" i="0" u="none" strike="noStrike" baseline="0" dirty="0"/>
-              <a:t>I </a:t>
-            </a:r>
-            <a:r>
-              <a:rPr lang="it-IT" b="1" i="0" u="none" strike="noStrike" baseline="0" dirty="0" err="1"/>
-              <a:t>recommender</a:t>
-            </a:r>
-            <a:r>
-              <a:rPr lang="it-IT" b="1" i="0" u="none" strike="noStrike" baseline="0" dirty="0"/>
-              <a:t> system </a:t>
-            </a:r>
-            <a:r>
-              <a:rPr lang="it-IT" b="0" i="0" u="none" strike="noStrike" baseline="0" dirty="0"/>
-              <a:t>(RS) sono algoritmi mirati a generare consigli significativi a un insieme di utenti per oggetti che potrebbero interessarli.</a:t>
-            </a:r>
-          </a:p>
-          <a:p>
-            <a:pPr marL="0" indent="0" algn="l">
-              <a:buNone/>
-            </a:pPr>
-            <a:endParaRPr lang="it-IT" b="0" i="0" u="none" strike="noStrike" baseline="0" dirty="0"/>
-          </a:p>
-          <a:p>
-            <a:r>
-              <a:rPr lang="it-IT" b="1" i="0" u="none" strike="noStrike" baseline="0" dirty="0"/>
-              <a:t>Oggetti: </a:t>
-            </a:r>
-            <a:r>
-              <a:rPr lang="it-IT" b="0" i="0" u="none" strike="noStrike" baseline="0" dirty="0"/>
-              <a:t>la definizione è generica e può </a:t>
-            </a:r>
-            <a:r>
-              <a:rPr lang="it-IT" dirty="0"/>
-              <a:t>includere film, libri, vestiti, punti di interesse, etc.</a:t>
-            </a:r>
-          </a:p>
-          <a:p>
-            <a:r>
-              <a:rPr lang="it-IT" b="1" dirty="0"/>
-              <a:t>Utenti: </a:t>
-            </a:r>
-            <a:r>
-              <a:rPr lang="it-IT" dirty="0"/>
-              <a:t>interagiscono con il sistema lasciando feedback sugli oggetti</a:t>
-            </a:r>
-          </a:p>
-          <a:p>
-            <a:r>
-              <a:rPr lang="it-IT" b="1" dirty="0"/>
-              <a:t>Feedback:</a:t>
-            </a:r>
-            <a:r>
-              <a:rPr lang="it-IT" dirty="0"/>
-              <a:t> valutazione esplicita o implicita di un utente su un oggetto</a:t>
-            </a:r>
-          </a:p>
-          <a:p>
-            <a:r>
-              <a:rPr lang="it-IT" b="1" i="0" u="none" strike="noStrike" baseline="0" dirty="0"/>
-              <a:t>Contesto: </a:t>
-            </a:r>
-            <a:r>
-              <a:rPr lang="it-IT" b="0" i="0" u="none" strike="noStrike" baseline="0" dirty="0"/>
-              <a:t>situazione dell’utente nel momento in cui ha generato un feedback (posizione, attività utente, persone in prossimità, data e ora…)</a:t>
-            </a:r>
-          </a:p>
-          <a:p>
-            <a:endParaRPr lang="it-IT" sz="1700" dirty="0"/>
-          </a:p>
-          <a:p>
-            <a:pPr marL="0" indent="0">
-              <a:buNone/>
-            </a:pPr>
-            <a:endParaRPr lang="it-IT" sz="2000" b="0" i="0" strike="noStrike" baseline="0" dirty="0"/>
-          </a:p>
-        </p:txBody>
-      </p:sp>
-    </p:spTree>
-    <p:extLst>
-      <p:ext uri="{BB962C8B-B14F-4D97-AF65-F5344CB8AC3E}">
-        <p14:creationId xmlns:p14="http://schemas.microsoft.com/office/powerpoint/2010/main" val="3967214463"/>
-      </p:ext>
-    </p:extLst>
-  </p:cSld>
-  <p:clrMapOvr>
-    <a:masterClrMapping/>
-  </p:clrMapOvr>
-</p:sld>
-</file>
-
-<file path=ppt/slides/slide3.xml><?xml version="1.0" encoding="utf-8"?>
-<p:sld xmlns:a="http://schemas.openxmlformats.org/drawingml/2006/main" xmlns:r="http://schemas.openxmlformats.org/officeDocument/2006/relationships" xmlns:p="http://schemas.openxmlformats.org/presentationml/2006/main">
-  <p:cSld>
-    <p:spTree>
-      <p:nvGrpSpPr>
-        <p:cNvPr id="1" name=""/>
-        <p:cNvGrpSpPr/>
-        <p:nvPr/>
-      </p:nvGrpSpPr>
-      <p:grpSpPr>
-        <a:xfrm>
-          <a:off x="0" y="0"/>
-          <a:ext cx="0" cy="0"/>
-          <a:chOff x="0" y="0"/>
-          <a:chExt cx="0" cy="0"/>
-        </a:xfrm>
-      </p:grpSpPr>
-      <p:sp>
-        <p:nvSpPr>
-          <p:cNvPr id="2" name="Titolo 1">
-            <a:extLst>
-              <a:ext uri="{FF2B5EF4-FFF2-40B4-BE49-F238E27FC236}">
-                <a16:creationId xmlns:a16="http://schemas.microsoft.com/office/drawing/2014/main" id="{408C4C7B-E853-45EB-B3EC-438728329FFF}"/>
-              </a:ext>
-            </a:extLst>
-          </p:cNvPr>
-          <p:cNvSpPr>
-            <a:spLocks noGrp="1"/>
-          </p:cNvSpPr>
-          <p:nvPr>
-            <p:ph type="title"/>
-          </p:nvPr>
-        </p:nvSpPr>
-        <p:spPr/>
-        <p:txBody>
-          <a:bodyPr/>
-          <a:lstStyle/>
-          <a:p>
-            <a:pPr algn="ctr"/>
-            <a:r>
-              <a:rPr lang="it-IT" dirty="0"/>
-              <a:t>Ambiente di riferimento</a:t>
-            </a:r>
-          </a:p>
-        </p:txBody>
-      </p:sp>
-      <p:sp>
-        <p:nvSpPr>
-          <p:cNvPr id="3" name="Segnaposto contenuto 2">
-            <a:extLst>
-              <a:ext uri="{FF2B5EF4-FFF2-40B4-BE49-F238E27FC236}">
-                <a16:creationId xmlns:a16="http://schemas.microsoft.com/office/drawing/2014/main" id="{1092EA9F-6FED-4186-AA52-B095CB45B0D3}"/>
-              </a:ext>
-            </a:extLst>
-          </p:cNvPr>
-          <p:cNvSpPr>
-            <a:spLocks noGrp="1"/>
-          </p:cNvSpPr>
-          <p:nvPr>
-            <p:ph idx="1"/>
-          </p:nvPr>
-        </p:nvSpPr>
-        <p:spPr>
-          <a:xfrm>
-            <a:off x="179512" y="1825624"/>
-            <a:ext cx="8856984" cy="4483695"/>
-          </a:xfrm>
-        </p:spPr>
-        <p:txBody>
-          <a:bodyPr>
-            <a:normAutofit fontScale="85000" lnSpcReduction="10000"/>
-          </a:bodyPr>
-          <a:lstStyle/>
-          <a:p>
-            <a:r>
-              <a:rPr lang="it-IT" dirty="0"/>
-              <a:t>La computazione si sta spostando agli </a:t>
-            </a:r>
-            <a:r>
-              <a:rPr lang="it-IT" dirty="0" err="1"/>
-              <a:t>edge</a:t>
-            </a:r>
-            <a:r>
-              <a:rPr lang="it-IT" dirty="0"/>
-              <a:t> della rete, dove i dati possono essere elaborati con minore latenza e risparmio di banda</a:t>
-            </a:r>
-          </a:p>
-          <a:p>
-            <a:r>
-              <a:rPr lang="it-IT" dirty="0"/>
-              <a:t>I dispositivi personali degli utenti sono al centro, interagiscono tramite comunicazione D2D con altri dispositivi e scoprono nuovi contenuti per gli utenti</a:t>
-            </a:r>
-          </a:p>
-          <a:p>
-            <a:r>
-              <a:rPr lang="it-IT" dirty="0"/>
-              <a:t>La conoscenza iniziale è limitata alle informazioni dell’utente locale</a:t>
-            </a:r>
-          </a:p>
-          <a:p>
-            <a:r>
-              <a:rPr lang="it-IT" dirty="0"/>
-              <a:t>Un RS può essere utile per filtrare questi contenuti</a:t>
-            </a:r>
-          </a:p>
-          <a:p>
-            <a:r>
-              <a:rPr lang="it-IT" dirty="0"/>
-              <a:t>Vantaggi di un RS locale:</a:t>
-            </a:r>
-          </a:p>
-          <a:p>
-            <a:pPr lvl="1"/>
-            <a:r>
-              <a:rPr lang="it-IT" dirty="0"/>
-              <a:t>Velocità adattamento</a:t>
-            </a:r>
-          </a:p>
-          <a:p>
-            <a:pPr lvl="1"/>
-            <a:r>
-              <a:rPr lang="it-IT" dirty="0"/>
-              <a:t>Privacy utenti</a:t>
-            </a:r>
-          </a:p>
-          <a:p>
-            <a:pPr lvl="1"/>
-            <a:r>
-              <a:rPr lang="it-IT" dirty="0"/>
-              <a:t>Risparmio di banda</a:t>
-            </a:r>
-          </a:p>
-          <a:p>
-            <a:pPr lvl="1"/>
-            <a:r>
-              <a:rPr lang="it-IT" dirty="0"/>
-              <a:t>Contesto fisico e sociale molto descrittivo</a:t>
-            </a:r>
-          </a:p>
-        </p:txBody>
-      </p:sp>
-    </p:spTree>
-    <p:extLst>
-      <p:ext uri="{BB962C8B-B14F-4D97-AF65-F5344CB8AC3E}">
-        <p14:creationId xmlns:p14="http://schemas.microsoft.com/office/powerpoint/2010/main" val="3189697558"/>
-      </p:ext>
-    </p:extLst>
-  </p:cSld>
-  <p:clrMapOvr>
-    <a:masterClrMapping/>
-  </p:clrMapOvr>
-</p:sld>
-</file>
-
-<file path=ppt/slides/slide4.xml><?xml version="1.0" encoding="utf-8"?>
-<p:sld xmlns:a="http://schemas.openxmlformats.org/drawingml/2006/main" xmlns:r="http://schemas.openxmlformats.org/officeDocument/2006/relationships" xmlns:p="http://schemas.openxmlformats.org/presentationml/2006/main">
-  <p:cSld>
-    <p:bg>
-      <p:bgPr>
-        <a:solidFill>
-          <a:schemeClr val="bg1"/>
-        </a:solidFill>
-        <a:effectLst/>
-      </p:bgPr>
-    </p:bg>
-    <p:spTree>
-      <p:nvGrpSpPr>
-        <p:cNvPr id="1" name=""/>
-        <p:cNvGrpSpPr/>
-        <p:nvPr/>
-      </p:nvGrpSpPr>
-      <p:grpSpPr>
-        <a:xfrm>
-          <a:off x="0" y="0"/>
-          <a:ext cx="0" cy="0"/>
-          <a:chOff x="0" y="0"/>
-          <a:chExt cx="0" cy="0"/>
-        </a:xfrm>
-      </p:grpSpPr>
-      <p:sp>
-        <p:nvSpPr>
-          <p:cNvPr id="15" name="CasellaDiTesto 14">
-            <a:extLst>
-              <a:ext uri="{FF2B5EF4-FFF2-40B4-BE49-F238E27FC236}">
-                <a16:creationId xmlns:a16="http://schemas.microsoft.com/office/drawing/2014/main" id="{8138F056-1FB5-471B-ADB2-F952285C4F1D}"/>
-              </a:ext>
-            </a:extLst>
-          </p:cNvPr>
-          <p:cNvSpPr txBox="1"/>
-          <p:nvPr/>
-        </p:nvSpPr>
-        <p:spPr>
-          <a:xfrm>
-            <a:off x="2443909" y="380564"/>
-            <a:ext cx="4256173" cy="600164"/>
-          </a:xfrm>
-          <a:prstGeom prst="rect">
-            <a:avLst/>
-          </a:prstGeom>
-          <a:noFill/>
-        </p:spPr>
-        <p:txBody>
-          <a:bodyPr wrap="square" rtlCol="0">
-            <a:spAutoFit/>
-          </a:bodyPr>
-          <a:lstStyle/>
-          <a:p>
-            <a:pPr algn="ctr"/>
-            <a:r>
-              <a:rPr lang="it-IT" sz="3300" dirty="0">
-                <a:latin typeface="+mj-lt"/>
-              </a:rPr>
-              <a:t>Matrix </a:t>
-            </a:r>
-            <a:r>
-              <a:rPr lang="it-IT" sz="3300" dirty="0" err="1">
-                <a:latin typeface="+mj-lt"/>
-              </a:rPr>
-              <a:t>Factorization</a:t>
-            </a:r>
-            <a:endParaRPr lang="it-IT" sz="3300" dirty="0">
-              <a:latin typeface="+mj-lt"/>
-            </a:endParaRPr>
-          </a:p>
-        </p:txBody>
-      </p:sp>
-      <p:pic>
-        <p:nvPicPr>
-          <p:cNvPr id="3" name="Elemento grafico 2">
-            <a:extLst>
-              <a:ext uri="{FF2B5EF4-FFF2-40B4-BE49-F238E27FC236}">
-                <a16:creationId xmlns:a16="http://schemas.microsoft.com/office/drawing/2014/main" id="{30C85504-B840-4230-ADF9-201FBC6EC044}"/>
-              </a:ext>
-            </a:extLst>
-          </p:cNvPr>
-          <p:cNvPicPr>
-            <a:picLocks noChangeAspect="1"/>
-          </p:cNvPicPr>
-          <p:nvPr/>
-        </p:nvPicPr>
-        <p:blipFill>
-          <a:blip r:embed="rId2">
-            <a:extLst>
-              <a:ext uri="{28A0092B-C50C-407E-A947-70E740481C1C}">
-                <a14:useLocalDpi xmlns:a14="http://schemas.microsoft.com/office/drawing/2010/main" val="0"/>
-              </a:ext>
-              <a:ext uri="{96DAC541-7B7A-43D3-8B79-37D633B846F1}">
-                <asvg:svgBlip xmlns:asvg="http://schemas.microsoft.com/office/drawing/2016/SVG/main" r:embed="rId3"/>
-              </a:ext>
-            </a:extLst>
-          </a:blip>
-          <a:stretch>
-            <a:fillRect/>
-          </a:stretch>
-        </p:blipFill>
-        <p:spPr>
-          <a:xfrm>
-            <a:off x="332067" y="1196752"/>
-            <a:ext cx="8479859" cy="2592288"/>
-          </a:xfrm>
-          <a:prstGeom prst="rect">
-            <a:avLst/>
-          </a:prstGeom>
-        </p:spPr>
-      </p:pic>
-      <p:sp>
-        <p:nvSpPr>
-          <p:cNvPr id="20" name="CasellaDiTesto 19">
-            <a:extLst>
-              <a:ext uri="{FF2B5EF4-FFF2-40B4-BE49-F238E27FC236}">
-                <a16:creationId xmlns:a16="http://schemas.microsoft.com/office/drawing/2014/main" id="{B6D825C3-9F20-4F90-BA1C-33B1255A0A3F}"/>
-              </a:ext>
-            </a:extLst>
-          </p:cNvPr>
-          <p:cNvSpPr txBox="1"/>
-          <p:nvPr/>
-        </p:nvSpPr>
-        <p:spPr>
-          <a:xfrm>
-            <a:off x="467544" y="4221088"/>
-            <a:ext cx="8208912" cy="2308324"/>
-          </a:xfrm>
-          <a:prstGeom prst="rect">
-            <a:avLst/>
-          </a:prstGeom>
-          <a:noFill/>
-        </p:spPr>
-        <p:txBody>
-          <a:bodyPr wrap="square" rtlCol="0">
-            <a:spAutoFit/>
-          </a:bodyPr>
-          <a:lstStyle/>
-          <a:p>
-            <a:pPr marL="285750" indent="-285750">
-              <a:buFont typeface="Arial" panose="020B0604020202020204" pitchFamily="34" charset="0"/>
-              <a:buChar char="•"/>
-            </a:pPr>
-            <a:r>
-              <a:rPr lang="it-IT" b="1" dirty="0"/>
-              <a:t>Matrice utenti-oggetti: </a:t>
-            </a:r>
-            <a:r>
-              <a:rPr lang="it-IT" dirty="0"/>
-              <a:t>ogni elemento è un feedback di un utente su un oggetto</a:t>
-            </a:r>
-          </a:p>
-          <a:p>
-            <a:pPr marL="285750" indent="-285750">
-              <a:buFont typeface="Arial" panose="020B0604020202020204" pitchFamily="34" charset="0"/>
-              <a:buChar char="•"/>
-            </a:pPr>
-            <a:r>
-              <a:rPr lang="it-IT" b="1" dirty="0"/>
-              <a:t>Matrix </a:t>
-            </a:r>
-            <a:r>
-              <a:rPr lang="it-IT" b="1" dirty="0" err="1"/>
-              <a:t>factorization</a:t>
-            </a:r>
-            <a:r>
-              <a:rPr lang="it-IT" b="1" dirty="0"/>
-              <a:t>: </a:t>
-            </a:r>
-            <a:r>
-              <a:rPr lang="it-IT" dirty="0"/>
-              <a:t>algoritmo che fattorizza la matrice in due matrici a </a:t>
-            </a:r>
-            <a:r>
-              <a:rPr lang="it-IT" dirty="0" err="1"/>
-              <a:t>dimensionalità</a:t>
-            </a:r>
-            <a:r>
-              <a:rPr lang="it-IT" dirty="0"/>
-              <a:t> minore</a:t>
-            </a:r>
-          </a:p>
-          <a:p>
-            <a:pPr marL="285750" indent="-285750">
-              <a:buFont typeface="Arial" panose="020B0604020202020204" pitchFamily="34" charset="0"/>
-              <a:buChar char="•"/>
-            </a:pPr>
-            <a:r>
-              <a:rPr lang="it-IT" dirty="0"/>
-              <a:t>Le due matrici moltiplicate approssimano la matrice originale</a:t>
-            </a:r>
-          </a:p>
-          <a:p>
-            <a:pPr marL="285750" indent="-285750">
-              <a:buFont typeface="Arial" panose="020B0604020202020204" pitchFamily="34" charset="0"/>
-              <a:buChar char="•"/>
-            </a:pPr>
-            <a:endParaRPr lang="it-IT" dirty="0"/>
-          </a:p>
-          <a:p>
-            <a:r>
-              <a:rPr lang="it-IT" b="1" dirty="0"/>
-              <a:t>Problema:</a:t>
-            </a:r>
-          </a:p>
-          <a:p>
-            <a:pPr marL="285750" indent="-285750">
-              <a:buFont typeface="Arial" panose="020B0604020202020204" pitchFamily="34" charset="0"/>
-              <a:buChar char="•"/>
-            </a:pPr>
-            <a:r>
-              <a:rPr lang="it-IT" dirty="0"/>
-              <a:t>Numero fisso di utenti e oggetti</a:t>
-            </a:r>
-          </a:p>
-          <a:p>
-            <a:endParaRPr lang="it-IT" dirty="0"/>
-          </a:p>
-        </p:txBody>
-      </p:sp>
-    </p:spTree>
-    <p:extLst>
-      <p:ext uri="{BB962C8B-B14F-4D97-AF65-F5344CB8AC3E}">
-        <p14:creationId xmlns:p14="http://schemas.microsoft.com/office/powerpoint/2010/main" val="2171780643"/>
-      </p:ext>
-    </p:extLst>
-  </p:cSld>
-  <p:clrMapOvr>
-    <a:masterClrMapping/>
-  </p:clrMapOvr>
-</p:sld>
-</file>
-
-<file path=ppt/slides/slide5.xml><?xml version="1.0" encoding="utf-8"?>
-<p:sld xmlns:a="http://schemas.openxmlformats.org/drawingml/2006/main" xmlns:r="http://schemas.openxmlformats.org/officeDocument/2006/relationships" xmlns:p="http://schemas.openxmlformats.org/presentationml/2006/main">
-  <p:cSld>
-    <p:spTree>
-      <p:nvGrpSpPr>
-        <p:cNvPr id="1" name=""/>
-        <p:cNvGrpSpPr/>
-        <p:nvPr/>
-      </p:nvGrpSpPr>
-      <p:grpSpPr>
-        <a:xfrm>
-          <a:off x="0" y="0"/>
-          <a:ext cx="0" cy="0"/>
-          <a:chOff x="0" y="0"/>
-          <a:chExt cx="0" cy="0"/>
-        </a:xfrm>
-      </p:grpSpPr>
-      <p:sp>
-        <p:nvSpPr>
-          <p:cNvPr id="2" name="Titolo 1">
-            <a:extLst>
-              <a:ext uri="{FF2B5EF4-FFF2-40B4-BE49-F238E27FC236}">
-                <a16:creationId xmlns:a16="http://schemas.microsoft.com/office/drawing/2014/main" id="{7D6556A7-4C91-4CD0-AF4B-A8BB31998FBE}"/>
-              </a:ext>
-            </a:extLst>
-          </p:cNvPr>
-          <p:cNvSpPr>
-            <a:spLocks noGrp="1"/>
-          </p:cNvSpPr>
-          <p:nvPr>
-            <p:ph type="title"/>
-          </p:nvPr>
-        </p:nvSpPr>
-        <p:spPr>
-          <a:xfrm>
-            <a:off x="628650" y="0"/>
-            <a:ext cx="7886700" cy="615602"/>
-          </a:xfrm>
-        </p:spPr>
-        <p:txBody>
-          <a:bodyPr>
-            <a:normAutofit fontScale="90000"/>
-          </a:bodyPr>
-          <a:lstStyle/>
-          <a:p>
-            <a:pPr algn="ctr"/>
-            <a:r>
-              <a:rPr lang="it-IT" dirty="0"/>
-              <a:t>ECAM </a:t>
-            </a:r>
-            <a:r>
-              <a:rPr lang="it-IT" dirty="0" err="1"/>
-              <a:t>NeuMF</a:t>
-            </a:r>
-            <a:endParaRPr lang="it-IT" dirty="0"/>
-          </a:p>
-        </p:txBody>
-      </p:sp>
-      <p:sp>
-        <p:nvSpPr>
-          <p:cNvPr id="3" name="Segnaposto contenuto 2">
-            <a:extLst>
-              <a:ext uri="{FF2B5EF4-FFF2-40B4-BE49-F238E27FC236}">
-                <a16:creationId xmlns:a16="http://schemas.microsoft.com/office/drawing/2014/main" id="{BC013D25-AD78-4C9E-A6B1-5E9D9F35E915}"/>
-              </a:ext>
-            </a:extLst>
-          </p:cNvPr>
-          <p:cNvSpPr>
-            <a:spLocks noGrp="1"/>
-          </p:cNvSpPr>
-          <p:nvPr>
-            <p:ph idx="1"/>
-          </p:nvPr>
-        </p:nvSpPr>
-        <p:spPr>
-          <a:xfrm>
-            <a:off x="628649" y="4149080"/>
-            <a:ext cx="7886700" cy="2592288"/>
-          </a:xfrm>
-        </p:spPr>
-        <p:txBody>
-          <a:bodyPr>
-            <a:normAutofit fontScale="62500" lnSpcReduction="20000"/>
-          </a:bodyPr>
-          <a:lstStyle/>
-          <a:p>
-            <a:r>
-              <a:rPr lang="it-IT" dirty="0" err="1"/>
-              <a:t>Context-aware</a:t>
-            </a:r>
-            <a:r>
-              <a:rPr lang="it-IT" dirty="0"/>
-              <a:t> </a:t>
-            </a:r>
-            <a:r>
-              <a:rPr lang="it-IT" dirty="0" err="1"/>
-              <a:t>neural</a:t>
-            </a:r>
-            <a:r>
-              <a:rPr lang="it-IT" dirty="0"/>
-              <a:t> </a:t>
-            </a:r>
-            <a:r>
-              <a:rPr lang="it-IT" dirty="0" err="1"/>
-              <a:t>matrix</a:t>
-            </a:r>
-            <a:r>
-              <a:rPr lang="it-IT" dirty="0"/>
-              <a:t> </a:t>
-            </a:r>
-            <a:r>
-              <a:rPr lang="it-IT" dirty="0" err="1"/>
-              <a:t>factorization</a:t>
-            </a:r>
-            <a:r>
-              <a:rPr lang="it-IT" dirty="0"/>
-              <a:t> (ECAM </a:t>
-            </a:r>
-            <a:r>
-              <a:rPr lang="it-IT" dirty="0" err="1"/>
-              <a:t>NeuMF</a:t>
-            </a:r>
-            <a:r>
-              <a:rPr lang="it-IT" dirty="0"/>
-              <a:t>)</a:t>
-            </a:r>
-          </a:p>
-          <a:p>
-            <a:r>
-              <a:rPr lang="it-IT" dirty="0"/>
-              <a:t>Sistema di raccomandazione </a:t>
-            </a:r>
-            <a:r>
-              <a:rPr lang="it-IT" dirty="0" err="1"/>
-              <a:t>context-aware</a:t>
-            </a:r>
-            <a:r>
-              <a:rPr lang="it-IT" dirty="0"/>
-              <a:t> stato dell’arte</a:t>
-            </a:r>
-          </a:p>
-          <a:p>
-            <a:r>
-              <a:rPr lang="it-IT" dirty="0"/>
-              <a:t>Combina una rete neurale con l’approccio </a:t>
-            </a:r>
-            <a:r>
-              <a:rPr lang="it-IT" dirty="0" err="1"/>
-              <a:t>matrix</a:t>
-            </a:r>
-            <a:r>
-              <a:rPr lang="it-IT" dirty="0"/>
-              <a:t> </a:t>
-            </a:r>
-            <a:r>
-              <a:rPr lang="it-IT" dirty="0" err="1"/>
-              <a:t>factorization</a:t>
-            </a:r>
-            <a:endParaRPr lang="it-IT" dirty="0"/>
-          </a:p>
-          <a:p>
-            <a:r>
-              <a:rPr lang="it-IT" dirty="0"/>
-              <a:t>Incorpora il contesto dell’utente nel processo di raccomandazione</a:t>
-            </a:r>
-          </a:p>
-          <a:p>
-            <a:r>
-              <a:rPr lang="it-IT" dirty="0"/>
-              <a:t>Input: </a:t>
-            </a:r>
-          </a:p>
-          <a:p>
-            <a:pPr lvl="1"/>
-            <a:r>
-              <a:rPr lang="it-IT" dirty="0"/>
-              <a:t>due vettori in one-hot </a:t>
-            </a:r>
-            <a:r>
-              <a:rPr lang="it-IT" dirty="0" err="1"/>
-              <a:t>encoding</a:t>
-            </a:r>
-            <a:r>
-              <a:rPr lang="it-IT" dirty="0"/>
-              <a:t> per utenti/oggetti con dimensione pari al numero di utenti/oggetti</a:t>
-            </a:r>
-          </a:p>
-          <a:p>
-            <a:pPr lvl="1"/>
-            <a:r>
-              <a:rPr lang="it-IT" dirty="0"/>
-              <a:t>un vettore per il contesto</a:t>
-            </a:r>
-          </a:p>
-          <a:p>
-            <a:r>
-              <a:rPr lang="it-IT" dirty="0"/>
-              <a:t>Anche in questo caso il numero di utenti e oggetti è fisso</a:t>
-            </a:r>
-          </a:p>
-        </p:txBody>
-      </p:sp>
-      <p:pic>
-        <p:nvPicPr>
-          <p:cNvPr id="5" name="Immagine 4">
-            <a:extLst>
-              <a:ext uri="{FF2B5EF4-FFF2-40B4-BE49-F238E27FC236}">
-                <a16:creationId xmlns:a16="http://schemas.microsoft.com/office/drawing/2014/main" id="{76B614B3-C5C1-485B-B14B-E1CFCDE3F353}"/>
-              </a:ext>
-            </a:extLst>
-          </p:cNvPr>
-          <p:cNvPicPr>
-            <a:picLocks noChangeAspect="1"/>
-          </p:cNvPicPr>
-          <p:nvPr/>
-        </p:nvPicPr>
-        <p:blipFill>
-          <a:blip r:embed="rId2">
-            <a:extLst>
-              <a:ext uri="{28A0092B-C50C-407E-A947-70E740481C1C}">
-                <a14:useLocalDpi xmlns:a14="http://schemas.microsoft.com/office/drawing/2010/main" val="0"/>
-              </a:ext>
-            </a:extLst>
-          </a:blip>
-          <a:stretch>
-            <a:fillRect/>
-          </a:stretch>
-        </p:blipFill>
-        <p:spPr>
-          <a:xfrm>
-            <a:off x="1419429" y="615602"/>
-            <a:ext cx="6305141" cy="3420403"/>
-          </a:xfrm>
-          <a:prstGeom prst="rect">
-            <a:avLst/>
-          </a:prstGeom>
-        </p:spPr>
-      </p:pic>
-    </p:spTree>
-    <p:extLst>
-      <p:ext uri="{BB962C8B-B14F-4D97-AF65-F5344CB8AC3E}">
-        <p14:creationId xmlns:p14="http://schemas.microsoft.com/office/powerpoint/2010/main" val="2707039671"/>
-      </p:ext>
-    </p:extLst>
-  </p:cSld>
-  <p:clrMapOvr>
-    <a:masterClrMapping/>
-  </p:clrMapOvr>
-</p:sld>
-</file>
-
-<file path=ppt/slides/slide6.xml><?xml version="1.0" encoding="utf-8"?>
-<p:sld xmlns:a="http://schemas.openxmlformats.org/drawingml/2006/main" xmlns:r="http://schemas.openxmlformats.org/officeDocument/2006/relationships" xmlns:p="http://schemas.openxmlformats.org/presentationml/2006/main">
-  <p:cSld>
-    <p:spTree>
-      <p:nvGrpSpPr>
-        <p:cNvPr id="1" name=""/>
-        <p:cNvGrpSpPr/>
-        <p:nvPr/>
-      </p:nvGrpSpPr>
-      <p:grpSpPr>
-        <a:xfrm>
-          <a:off x="0" y="0"/>
-          <a:ext cx="0" cy="0"/>
-          <a:chOff x="0" y="0"/>
-          <a:chExt cx="0" cy="0"/>
-        </a:xfrm>
-      </p:grpSpPr>
-      <p:sp>
-        <p:nvSpPr>
-          <p:cNvPr id="2" name="Titolo 1">
-            <a:extLst>
-              <a:ext uri="{FF2B5EF4-FFF2-40B4-BE49-F238E27FC236}">
-                <a16:creationId xmlns:a16="http://schemas.microsoft.com/office/drawing/2014/main" id="{83C26057-B5D8-4F43-A76F-09CA4FF784BB}"/>
-              </a:ext>
-            </a:extLst>
-          </p:cNvPr>
-          <p:cNvSpPr>
-            <a:spLocks noGrp="1"/>
-          </p:cNvSpPr>
-          <p:nvPr>
-            <p:ph type="title"/>
-          </p:nvPr>
-        </p:nvSpPr>
-        <p:spPr>
-          <a:xfrm>
-            <a:off x="644642" y="101408"/>
-            <a:ext cx="7876331" cy="504056"/>
-          </a:xfrm>
-        </p:spPr>
-        <p:txBody>
-          <a:bodyPr>
-            <a:noAutofit/>
-          </a:bodyPr>
-          <a:lstStyle/>
-          <a:p>
-            <a:pPr algn="ctr"/>
-            <a:r>
-              <a:rPr lang="it-IT" sz="4000" dirty="0" err="1"/>
-              <a:t>moveCARS</a:t>
-            </a:r>
-            <a:endParaRPr lang="it-IT" sz="4000" dirty="0"/>
-          </a:p>
-        </p:txBody>
-      </p:sp>
-      <p:pic>
-        <p:nvPicPr>
-          <p:cNvPr id="10" name="Elemento grafico 9">
-            <a:extLst>
-              <a:ext uri="{FF2B5EF4-FFF2-40B4-BE49-F238E27FC236}">
-                <a16:creationId xmlns:a16="http://schemas.microsoft.com/office/drawing/2014/main" id="{7B467268-CB2B-4D0A-A7DD-22E88BDA41A4}"/>
-              </a:ext>
-            </a:extLst>
-          </p:cNvPr>
-          <p:cNvPicPr>
-            <a:picLocks noChangeAspect="1"/>
-          </p:cNvPicPr>
-          <p:nvPr/>
-        </p:nvPicPr>
-        <p:blipFill>
-          <a:blip r:embed="rId2">
-            <a:extLst>
-              <a:ext uri="{28A0092B-C50C-407E-A947-70E740481C1C}">
-                <a14:useLocalDpi xmlns:a14="http://schemas.microsoft.com/office/drawing/2010/main" val="0"/>
-              </a:ext>
-              <a:ext uri="{96DAC541-7B7A-43D3-8B79-37D633B846F1}">
-                <asvg:svgBlip xmlns:asvg="http://schemas.microsoft.com/office/drawing/2016/SVG/main" r:embed="rId3"/>
-              </a:ext>
-            </a:extLst>
-          </a:blip>
-          <a:stretch>
-            <a:fillRect/>
-          </a:stretch>
-        </p:blipFill>
-        <p:spPr>
-          <a:xfrm>
-            <a:off x="1484568" y="616785"/>
-            <a:ext cx="6174864" cy="2812215"/>
-          </a:xfrm>
-          <a:prstGeom prst="rect">
-            <a:avLst/>
-          </a:prstGeom>
-        </p:spPr>
-      </p:pic>
-      <mc:AlternateContent xmlns:mc="http://schemas.openxmlformats.org/markup-compatibility/2006" xmlns:a14="http://schemas.microsoft.com/office/drawing/2010/main">
-        <mc:Choice Requires="a14">
-          <p:sp>
-            <p:nvSpPr>
-              <p:cNvPr id="11" name="CasellaDiTesto 10">
-                <a:extLst>
-                  <a:ext uri="{FF2B5EF4-FFF2-40B4-BE49-F238E27FC236}">
-                    <a16:creationId xmlns:a16="http://schemas.microsoft.com/office/drawing/2014/main" id="{C8436A35-7E58-4C51-9E8D-E4EB2D67D0F8}"/>
-                  </a:ext>
-                </a:extLst>
-              </p:cNvPr>
-              <p:cNvSpPr txBox="1"/>
-              <p:nvPr/>
-            </p:nvSpPr>
-            <p:spPr>
-              <a:xfrm>
-                <a:off x="633834" y="3717032"/>
-                <a:ext cx="8042622" cy="2952328"/>
-              </a:xfrm>
-              <a:prstGeom prst="rect">
-                <a:avLst/>
-              </a:prstGeom>
-              <a:noFill/>
-            </p:spPr>
-            <p:txBody>
-              <a:bodyPr wrap="square" rtlCol="0">
-                <a:normAutofit lnSpcReduction="10000"/>
-              </a:bodyPr>
-              <a:lstStyle/>
-              <a:p>
-                <a:r>
-                  <a:rPr lang="it-IT" dirty="0" err="1"/>
-                  <a:t>MObile</a:t>
-                </a:r>
-                <a:r>
-                  <a:rPr lang="it-IT" dirty="0"/>
-                  <a:t> </a:t>
-                </a:r>
-                <a:r>
-                  <a:rPr lang="it-IT" dirty="0" err="1"/>
-                  <a:t>pervasiVE</a:t>
-                </a:r>
-                <a:r>
-                  <a:rPr lang="it-IT" dirty="0"/>
-                  <a:t> </a:t>
-                </a:r>
-                <a:r>
-                  <a:rPr lang="it-IT" dirty="0" err="1"/>
-                  <a:t>Context-Aware</a:t>
-                </a:r>
-                <a:r>
-                  <a:rPr lang="it-IT" dirty="0"/>
-                  <a:t> </a:t>
-                </a:r>
-                <a:r>
-                  <a:rPr lang="it-IT" dirty="0" err="1"/>
-                  <a:t>Recommender</a:t>
-                </a:r>
-                <a:r>
-                  <a:rPr lang="it-IT" dirty="0"/>
-                  <a:t> System (</a:t>
-                </a:r>
-                <a:r>
-                  <a:rPr lang="it-IT" dirty="0" err="1"/>
-                  <a:t>moveCARS</a:t>
-                </a:r>
-                <a:r>
-                  <a:rPr lang="it-IT" dirty="0"/>
-                  <a:t>)</a:t>
-                </a:r>
-              </a:p>
-              <a:p>
-                <a:endParaRPr lang="it-IT" dirty="0"/>
-              </a:p>
-              <a:p>
-                <a:r>
-                  <a:rPr lang="it-IT" b="1" dirty="0"/>
-                  <a:t>Input:</a:t>
-                </a:r>
-              </a:p>
-              <a:p>
-                <a:pPr marL="285750" indent="-285750">
-                  <a:buFont typeface="Arial" panose="020B0604020202020204" pitchFamily="34" charset="0"/>
-                  <a:buChar char="•"/>
-                </a:pPr>
-                <a:r>
-                  <a:rPr lang="it-IT" dirty="0"/>
-                  <a:t>Feature dell’utente </a:t>
-                </a:r>
-                <a14:m>
-                  <m:oMath xmlns:m="http://schemas.openxmlformats.org/officeDocument/2006/math">
-                    <m:r>
-                      <a:rPr lang="it-IT" b="0" i="1" smtClean="0">
-                        <a:latin typeface="Cambria Math" panose="02040503050406030204" pitchFamily="18" charset="0"/>
-                      </a:rPr>
-                      <m:t>𝑢</m:t>
-                    </m:r>
-                  </m:oMath>
-                </a14:m>
-                <a:endParaRPr lang="it-IT" dirty="0"/>
-              </a:p>
-              <a:p>
-                <a:pPr marL="285750" indent="-285750">
-                  <a:buFont typeface="Arial" panose="020B0604020202020204" pitchFamily="34" charset="0"/>
-                  <a:buChar char="•"/>
-                </a:pPr>
-                <a:r>
-                  <a:rPr lang="it-IT" dirty="0"/>
-                  <a:t>Feature dell’oggetto </a:t>
-                </a:r>
-                <a14:m>
-                  <m:oMath xmlns:m="http://schemas.openxmlformats.org/officeDocument/2006/math">
-                    <m:r>
-                      <a:rPr lang="it-IT" b="0" i="1" smtClean="0">
-                        <a:latin typeface="Cambria Math" panose="02040503050406030204" pitchFamily="18" charset="0"/>
-                      </a:rPr>
-                      <m:t>𝑖</m:t>
-                    </m:r>
-                  </m:oMath>
-                </a14:m>
-                <a:endParaRPr lang="it-IT" dirty="0"/>
-              </a:p>
-              <a:p>
-                <a:pPr marL="285750" indent="-285750">
-                  <a:buFont typeface="Arial" panose="020B0604020202020204" pitchFamily="34" charset="0"/>
-                  <a:buChar char="•"/>
-                </a:pPr>
-                <a:r>
-                  <a:rPr lang="it-IT" dirty="0"/>
-                  <a:t>Feature di contesto fisico </a:t>
-                </a:r>
-                <a14:m>
-                  <m:oMath xmlns:m="http://schemas.openxmlformats.org/officeDocument/2006/math">
-                    <m:r>
-                      <a:rPr lang="it-IT" b="0" i="1" smtClean="0">
-                        <a:latin typeface="Cambria Math" panose="02040503050406030204" pitchFamily="18" charset="0"/>
-                      </a:rPr>
-                      <m:t>𝑝</m:t>
-                    </m:r>
-                  </m:oMath>
-                </a14:m>
-                <a:endParaRPr lang="it-IT" dirty="0"/>
-              </a:p>
-              <a:p>
-                <a:pPr marL="285750" indent="-285750">
-                  <a:buFont typeface="Arial" panose="020B0604020202020204" pitchFamily="34" charset="0"/>
-                  <a:buChar char="•"/>
-                </a:pPr>
-                <a:r>
-                  <a:rPr lang="it-IT" dirty="0"/>
-                  <a:t>Feature di contesto sociale </a:t>
-                </a:r>
-                <a14:m>
-                  <m:oMath xmlns:m="http://schemas.openxmlformats.org/officeDocument/2006/math">
-                    <m:r>
-                      <a:rPr lang="it-IT" b="0" i="1" smtClean="0">
-                        <a:latin typeface="Cambria Math" panose="02040503050406030204" pitchFamily="18" charset="0"/>
-                      </a:rPr>
-                      <m:t>𝑠</m:t>
-                    </m:r>
-                  </m:oMath>
-                </a14:m>
-                <a:endParaRPr lang="it-IT" dirty="0"/>
-              </a:p>
-              <a:p>
-                <a:pPr marL="285750" indent="-285750">
-                  <a:buFont typeface="Arial" panose="020B0604020202020204" pitchFamily="34" charset="0"/>
-                  <a:buChar char="•"/>
-                </a:pPr>
-                <a:endParaRPr lang="it-IT" dirty="0"/>
-              </a:p>
-              <a:p>
-                <a:r>
-                  <a:rPr lang="it-IT" b="1" dirty="0"/>
-                  <a:t>Output:</a:t>
-                </a:r>
-              </a:p>
-              <a:p>
-                <a:pPr marL="285750" indent="-285750">
-                  <a:buFont typeface="Arial" panose="020B0604020202020204" pitchFamily="34" charset="0"/>
-                  <a:buChar char="•"/>
-                </a:pPr>
-                <a:r>
-                  <a:rPr lang="it-IT" dirty="0"/>
-                  <a:t>L’oggetto con feature </a:t>
-                </a:r>
-                <a14:m>
-                  <m:oMath xmlns:m="http://schemas.openxmlformats.org/officeDocument/2006/math">
-                    <m:r>
-                      <a:rPr lang="it-IT" b="0" i="1" smtClean="0">
-                        <a:latin typeface="Cambria Math" panose="02040503050406030204" pitchFamily="18" charset="0"/>
-                      </a:rPr>
-                      <m:t>𝑢</m:t>
-                    </m:r>
-                  </m:oMath>
-                </a14:m>
-                <a:r>
-                  <a:rPr lang="it-IT" dirty="0"/>
-                  <a:t> è rilevante / non è rilevante per l’utente con feature </a:t>
-                </a:r>
-                <a14:m>
-                  <m:oMath xmlns:m="http://schemas.openxmlformats.org/officeDocument/2006/math">
-                    <m:r>
-                      <a:rPr lang="it-IT" i="1">
-                        <a:latin typeface="Cambria Math" panose="02040503050406030204" pitchFamily="18" charset="0"/>
-                      </a:rPr>
-                      <m:t>𝑖</m:t>
-                    </m:r>
-                  </m:oMath>
-                </a14:m>
-                <a:r>
-                  <a:rPr lang="it-IT" dirty="0"/>
-                  <a:t> nei contesti </a:t>
-                </a:r>
-                <a14:m>
-                  <m:oMath xmlns:m="http://schemas.openxmlformats.org/officeDocument/2006/math">
-                    <m:r>
-                      <a:rPr lang="it-IT" i="1">
-                        <a:latin typeface="Cambria Math" panose="02040503050406030204" pitchFamily="18" charset="0"/>
-                      </a:rPr>
-                      <m:t>𝑝</m:t>
-                    </m:r>
-                  </m:oMath>
-                </a14:m>
-                <a:r>
-                  <a:rPr lang="it-IT" dirty="0"/>
-                  <a:t> e </a:t>
-                </a:r>
-                <a14:m>
-                  <m:oMath xmlns:m="http://schemas.openxmlformats.org/officeDocument/2006/math">
-                    <m:r>
-                      <a:rPr lang="it-IT" i="1">
-                        <a:latin typeface="Cambria Math" panose="02040503050406030204" pitchFamily="18" charset="0"/>
-                      </a:rPr>
-                      <m:t>𝑠</m:t>
-                    </m:r>
-                  </m:oMath>
-                </a14:m>
-                <a:endParaRPr lang="it-IT" dirty="0"/>
-              </a:p>
-              <a:p>
-                <a:pPr marL="285750" indent="-285750">
-                  <a:buFont typeface="Arial" panose="020B0604020202020204" pitchFamily="34" charset="0"/>
-                  <a:buChar char="•"/>
-                </a:pPr>
-                <a:endParaRPr lang="it-IT" dirty="0"/>
-              </a:p>
-              <a:p>
-                <a:pPr marL="285750" indent="-285750">
-                  <a:buFont typeface="Arial" panose="020B0604020202020204" pitchFamily="34" charset="0"/>
-                  <a:buChar char="•"/>
-                </a:pPr>
-                <a:endParaRPr lang="it-IT" dirty="0"/>
-              </a:p>
-              <a:p>
-                <a:pPr marL="285750" indent="-285750">
-                  <a:buFont typeface="Arial" panose="020B0604020202020204" pitchFamily="34" charset="0"/>
-                  <a:buChar char="•"/>
-                </a:pPr>
-                <a:endParaRPr lang="it-IT" dirty="0"/>
-              </a:p>
-              <a:p>
-                <a:pPr marL="285750" indent="-285750">
-                  <a:buFont typeface="Arial" panose="020B0604020202020204" pitchFamily="34" charset="0"/>
-                  <a:buChar char="•"/>
-                </a:pPr>
-                <a:endParaRPr lang="it-IT" dirty="0"/>
-              </a:p>
-              <a:p>
-                <a:pPr marL="285750" indent="-285750">
-                  <a:buFont typeface="Arial" panose="020B0604020202020204" pitchFamily="34" charset="0"/>
-                  <a:buChar char="•"/>
-                </a:pPr>
-                <a:endParaRPr lang="it-IT" dirty="0"/>
-              </a:p>
-            </p:txBody>
-          </p:sp>
-        </mc:Choice>
-        <mc:Fallback xmlns="">
-          <p:sp>
-            <p:nvSpPr>
-              <p:cNvPr id="11" name="CasellaDiTesto 10">
-                <a:extLst>
-                  <a:ext uri="{FF2B5EF4-FFF2-40B4-BE49-F238E27FC236}">
-                    <a16:creationId xmlns:a16="http://schemas.microsoft.com/office/drawing/2014/main" id="{C8436A35-7E58-4C51-9E8D-E4EB2D67D0F8}"/>
-                  </a:ext>
-                </a:extLst>
-              </p:cNvPr>
-              <p:cNvSpPr txBox="1">
-                <a:spLocks noRot="1" noChangeAspect="1" noMove="1" noResize="1" noEditPoints="1" noAdjustHandles="1" noChangeArrowheads="1" noChangeShapeType="1" noTextEdit="1"/>
-              </p:cNvSpPr>
-              <p:nvPr/>
-            </p:nvSpPr>
-            <p:spPr>
-              <a:xfrm>
-                <a:off x="633834" y="3717032"/>
-                <a:ext cx="8042622" cy="2952328"/>
-              </a:xfrm>
-              <a:prstGeom prst="rect">
-                <a:avLst/>
-              </a:prstGeom>
-              <a:blipFill>
-                <a:blip r:embed="rId4"/>
-                <a:stretch>
-                  <a:fillRect l="-682" t="-2066" r="-227"/>
-                </a:stretch>
-              </a:blipFill>
-            </p:spPr>
-            <p:txBody>
-              <a:bodyPr/>
-              <a:lstStyle/>
-              <a:p>
-                <a:r>
-                  <a:rPr lang="it-IT">
-                    <a:noFill/>
-                  </a:rPr>
-                  <a:t> </a:t>
-                </a:r>
-              </a:p>
-            </p:txBody>
-          </p:sp>
-        </mc:Fallback>
-      </mc:AlternateContent>
-    </p:spTree>
-    <p:extLst>
-      <p:ext uri="{BB962C8B-B14F-4D97-AF65-F5344CB8AC3E}">
-        <p14:creationId xmlns:p14="http://schemas.microsoft.com/office/powerpoint/2010/main" val="2437090301"/>
-      </p:ext>
-    </p:extLst>
-  </p:cSld>
-  <p:clrMapOvr>
-    <a:masterClrMapping/>
-  </p:clrMapOvr>
-</p:sld>
-</file>
-
-<file path=ppt/slides/slide7.xml><?xml version="1.0" encoding="utf-8"?>
-<p:sld xmlns:a="http://schemas.openxmlformats.org/drawingml/2006/main" xmlns:r="http://schemas.openxmlformats.org/officeDocument/2006/relationships" xmlns:p="http://schemas.openxmlformats.org/presentationml/2006/main">
-  <p:cSld>
-    <p:spTree>
-      <p:nvGrpSpPr>
-        <p:cNvPr id="1" name=""/>
-        <p:cNvGrpSpPr/>
-        <p:nvPr/>
-      </p:nvGrpSpPr>
-      <p:grpSpPr>
-        <a:xfrm>
-          <a:off x="0" y="0"/>
-          <a:ext cx="0" cy="0"/>
-          <a:chOff x="0" y="0"/>
-          <a:chExt cx="0" cy="0"/>
-        </a:xfrm>
-      </p:grpSpPr>
-      <p:sp>
-        <p:nvSpPr>
-          <p:cNvPr id="2" name="Titolo 1">
-            <a:extLst>
-              <a:ext uri="{FF2B5EF4-FFF2-40B4-BE49-F238E27FC236}">
-                <a16:creationId xmlns:a16="http://schemas.microsoft.com/office/drawing/2014/main" id="{6B5C8CE6-773B-4C99-A303-3A55CAA756D3}"/>
-              </a:ext>
-            </a:extLst>
-          </p:cNvPr>
-          <p:cNvSpPr>
-            <a:spLocks noGrp="1"/>
-          </p:cNvSpPr>
-          <p:nvPr>
-            <p:ph type="title"/>
-          </p:nvPr>
-        </p:nvSpPr>
-        <p:spPr>
-          <a:xfrm>
-            <a:off x="539552" y="117066"/>
-            <a:ext cx="7886700" cy="421929"/>
-          </a:xfrm>
-        </p:spPr>
-        <p:txBody>
-          <a:bodyPr>
-            <a:noAutofit/>
-          </a:bodyPr>
-          <a:lstStyle/>
-          <a:p>
-            <a:pPr algn="ctr"/>
-            <a:r>
-              <a:rPr lang="it-IT" dirty="0"/>
-              <a:t>I dataset</a:t>
-            </a:r>
-          </a:p>
-        </p:txBody>
-      </p:sp>
-      <p:sp>
-        <p:nvSpPr>
-          <p:cNvPr id="3" name="Segnaposto contenuto 2">
-            <a:extLst>
-              <a:ext uri="{FF2B5EF4-FFF2-40B4-BE49-F238E27FC236}">
-                <a16:creationId xmlns:a16="http://schemas.microsoft.com/office/drawing/2014/main" id="{BE723A70-E80B-4CA0-941A-CB18D109A863}"/>
-              </a:ext>
-            </a:extLst>
-          </p:cNvPr>
-          <p:cNvSpPr>
-            <a:spLocks noGrp="1"/>
-          </p:cNvSpPr>
-          <p:nvPr>
-            <p:ph idx="1"/>
-          </p:nvPr>
-        </p:nvSpPr>
-        <p:spPr>
-          <a:xfrm>
-            <a:off x="179512" y="538995"/>
-            <a:ext cx="8784976" cy="2664296"/>
-          </a:xfrm>
-        </p:spPr>
-        <p:txBody>
-          <a:bodyPr>
-            <a:normAutofit fontScale="92500" lnSpcReduction="10000"/>
-          </a:bodyPr>
-          <a:lstStyle/>
-          <a:p>
-            <a:pPr marL="0" indent="0" algn="l">
-              <a:buNone/>
-            </a:pPr>
-            <a:r>
-              <a:rPr lang="it-IT" sz="2200" b="1" dirty="0"/>
-              <a:t>Frappe: </a:t>
-            </a:r>
-          </a:p>
-          <a:p>
-            <a:pPr marL="0" indent="0" algn="l">
-              <a:buNone/>
-            </a:pPr>
-            <a:r>
-              <a:rPr lang="it-IT" sz="1900" b="0" i="0" u="none" strike="noStrike" baseline="0" dirty="0"/>
-              <a:t>È un dataset di feedback impliciti collezionato da un sistema di raccomandazione </a:t>
-            </a:r>
-            <a:r>
-              <a:rPr lang="it-IT" sz="1900" b="0" i="0" u="none" strike="noStrike" baseline="0" dirty="0" err="1"/>
-              <a:t>context-aware</a:t>
-            </a:r>
-            <a:r>
-              <a:rPr lang="it-IT" sz="1900" b="0" i="0" u="none" strike="noStrike" baseline="0" dirty="0"/>
-              <a:t> di applicazioni Android.</a:t>
-            </a:r>
-          </a:p>
-          <a:p>
-            <a:pPr marL="0" indent="0" algn="l">
-              <a:buNone/>
-            </a:pPr>
-            <a:r>
-              <a:rPr lang="it-IT" sz="1900" dirty="0"/>
-              <a:t>Feature di contesto:</a:t>
-            </a:r>
-          </a:p>
-          <a:p>
-            <a:r>
-              <a:rPr lang="it-IT" sz="1900" dirty="0"/>
-              <a:t>Momento giornata</a:t>
-            </a:r>
-          </a:p>
-          <a:p>
-            <a:r>
-              <a:rPr lang="it-IT" sz="1900" dirty="0"/>
-              <a:t>Giorno della settimana</a:t>
-            </a:r>
-          </a:p>
-          <a:p>
-            <a:r>
-              <a:rPr lang="it-IT" sz="1900" dirty="0"/>
-              <a:t>Se è il fine settimana</a:t>
-            </a:r>
-          </a:p>
-          <a:p>
-            <a:r>
-              <a:rPr lang="it-IT" sz="1900" dirty="0"/>
-              <a:t>Meteo</a:t>
-            </a:r>
-          </a:p>
-          <a:p>
-            <a:pPr marL="0" indent="0">
-              <a:buNone/>
-            </a:pPr>
-            <a:endParaRPr lang="it-IT" b="1" dirty="0"/>
-          </a:p>
-        </p:txBody>
-      </p:sp>
-      <p:sp>
-        <p:nvSpPr>
-          <p:cNvPr id="9" name="CasellaDiTesto 8">
-            <a:extLst>
-              <a:ext uri="{FF2B5EF4-FFF2-40B4-BE49-F238E27FC236}">
-                <a16:creationId xmlns:a16="http://schemas.microsoft.com/office/drawing/2014/main" id="{A4BA0D4A-419D-4B7E-80B1-C402EFBEA01F}"/>
-              </a:ext>
-            </a:extLst>
-          </p:cNvPr>
-          <p:cNvSpPr txBox="1"/>
-          <p:nvPr/>
-        </p:nvSpPr>
-        <p:spPr>
-          <a:xfrm>
-            <a:off x="179512" y="3186658"/>
-            <a:ext cx="8335838" cy="936104"/>
-          </a:xfrm>
-          <a:prstGeom prst="rect">
-            <a:avLst/>
-          </a:prstGeom>
-          <a:noFill/>
-        </p:spPr>
-        <p:txBody>
-          <a:bodyPr wrap="square">
-            <a:normAutofit lnSpcReduction="10000"/>
-          </a:bodyPr>
-          <a:lstStyle/>
-          <a:p>
-            <a:r>
-              <a:rPr lang="it-IT" sz="2000" b="1" dirty="0"/>
-              <a:t>My Digital Footprint (MDF): </a:t>
-            </a:r>
-          </a:p>
-          <a:p>
-            <a:r>
-              <a:rPr lang="it-IT" dirty="0"/>
-              <a:t>È un nuovo dataset composto da dati di sensori di smartphone, informazioni di prossimità fisica, e interazioni sugli online social network.</a:t>
-            </a:r>
-          </a:p>
-          <a:p>
-            <a:endParaRPr lang="it-IT" dirty="0"/>
-          </a:p>
-          <a:p>
-            <a:endParaRPr lang="it-IT" dirty="0"/>
-          </a:p>
-          <a:p>
-            <a:endParaRPr lang="it-IT" dirty="0"/>
-          </a:p>
-          <a:p>
-            <a:endParaRPr lang="it-IT" dirty="0"/>
-          </a:p>
-        </p:txBody>
-      </p:sp>
-      <p:sp>
-        <p:nvSpPr>
-          <p:cNvPr id="10" name="CasellaDiTesto 9">
-            <a:extLst>
-              <a:ext uri="{FF2B5EF4-FFF2-40B4-BE49-F238E27FC236}">
-                <a16:creationId xmlns:a16="http://schemas.microsoft.com/office/drawing/2014/main" id="{3D9FFB73-567F-4A21-9A4E-FD1CA3A2DC3D}"/>
-              </a:ext>
-            </a:extLst>
-          </p:cNvPr>
-          <p:cNvSpPr txBox="1"/>
-          <p:nvPr/>
-        </p:nvSpPr>
-        <p:spPr>
-          <a:xfrm>
-            <a:off x="179512" y="4221087"/>
-            <a:ext cx="8784976" cy="2097917"/>
-          </a:xfrm>
-          <a:prstGeom prst="rect">
-            <a:avLst/>
-          </a:prstGeom>
-          <a:noFill/>
-        </p:spPr>
-        <p:txBody>
-          <a:bodyPr wrap="square" numCol="2" rtlCol="0">
-            <a:normAutofit/>
-          </a:bodyPr>
-          <a:lstStyle/>
-          <a:p>
-            <a:r>
-              <a:rPr lang="it-IT" dirty="0"/>
-              <a:t>Feature di contesto:</a:t>
-            </a:r>
-          </a:p>
-          <a:p>
-            <a:pPr marL="285750" indent="-285750">
-              <a:buFont typeface="Arial" panose="020B0604020202020204" pitchFamily="34" charset="0"/>
-              <a:buChar char="•"/>
-            </a:pPr>
-            <a:r>
-              <a:rPr lang="it-IT" dirty="0"/>
-              <a:t>Attività utente (a piedi, in bici, corsa…)</a:t>
-            </a:r>
-          </a:p>
-          <a:p>
-            <a:pPr marL="285750" indent="-285750">
-              <a:buFont typeface="Arial" panose="020B0604020202020204" pitchFamily="34" charset="0"/>
-              <a:buChar char="•"/>
-            </a:pPr>
-            <a:r>
-              <a:rPr lang="it-IT" dirty="0"/>
-              <a:t>Modalità audio (silenzioso, vibrazione…)</a:t>
-            </a:r>
-          </a:p>
-          <a:p>
-            <a:pPr marL="285750" indent="-285750">
-              <a:buFont typeface="Arial" panose="020B0604020202020204" pitchFamily="34" charset="0"/>
-              <a:buChar char="•"/>
-            </a:pPr>
-            <a:r>
-              <a:rPr lang="it-IT" dirty="0"/>
-              <a:t>Volume </a:t>
-            </a:r>
-          </a:p>
-          <a:p>
-            <a:pPr marL="285750" indent="-285750">
-              <a:buFont typeface="Arial" panose="020B0604020202020204" pitchFamily="34" charset="0"/>
-              <a:buChar char="•"/>
-            </a:pPr>
-            <a:r>
-              <a:rPr lang="it-IT" dirty="0"/>
-              <a:t>Musica </a:t>
-            </a:r>
-          </a:p>
-          <a:p>
-            <a:pPr marL="285750" indent="-285750">
-              <a:buFont typeface="Arial" panose="020B0604020202020204" pitchFamily="34" charset="0"/>
-              <a:buChar char="•"/>
-            </a:pPr>
-            <a:r>
-              <a:rPr lang="it-IT" dirty="0"/>
-              <a:t>Batteria (livello, in carica)</a:t>
-            </a:r>
-          </a:p>
-          <a:p>
-            <a:pPr marL="285750" indent="-285750">
-              <a:buFont typeface="Arial" panose="020B0604020202020204" pitchFamily="34" charset="0"/>
-              <a:buChar char="•"/>
-            </a:pPr>
-            <a:r>
-              <a:rPr lang="it-IT" dirty="0"/>
-              <a:t>Schermo (rotazione, stato)</a:t>
-            </a:r>
-          </a:p>
-          <a:p>
-            <a:pPr marL="285750" indent="-285750">
-              <a:buFont typeface="Arial" panose="020B0604020202020204" pitchFamily="34" charset="0"/>
-              <a:buChar char="•"/>
-            </a:pPr>
-            <a:endParaRPr lang="it-IT" dirty="0"/>
-          </a:p>
-          <a:p>
-            <a:pPr marL="285750" indent="-285750">
-              <a:buFont typeface="Arial" panose="020B0604020202020204" pitchFamily="34" charset="0"/>
-              <a:buChar char="•"/>
-            </a:pPr>
-            <a:r>
-              <a:rPr lang="it-IT" dirty="0"/>
-              <a:t>Meteo</a:t>
-            </a:r>
-          </a:p>
-          <a:p>
-            <a:pPr marL="285750" indent="-285750">
-              <a:buFont typeface="Arial" panose="020B0604020202020204" pitchFamily="34" charset="0"/>
-              <a:buChar char="•"/>
-            </a:pPr>
-            <a:r>
-              <a:rPr lang="it-IT" dirty="0"/>
-              <a:t>WiFi</a:t>
-            </a:r>
-          </a:p>
-          <a:p>
-            <a:pPr marL="285750" indent="-285750">
-              <a:buFont typeface="Arial" panose="020B0604020202020204" pitchFamily="34" charset="0"/>
-              <a:buChar char="•"/>
-            </a:pPr>
-            <a:r>
-              <a:rPr lang="it-IT" dirty="0"/>
-              <a:t>Data e ora</a:t>
-            </a:r>
-          </a:p>
-          <a:p>
-            <a:pPr marL="285750" indent="-285750">
-              <a:buFont typeface="Arial" panose="020B0604020202020204" pitchFamily="34" charset="0"/>
-              <a:buChar char="•"/>
-            </a:pPr>
-            <a:r>
-              <a:rPr lang="it-IT" dirty="0"/>
-              <a:t>Feature sociali</a:t>
-            </a:r>
-          </a:p>
-          <a:p>
-            <a:endParaRPr lang="it-IT" dirty="0"/>
-          </a:p>
-        </p:txBody>
-      </p:sp>
-    </p:spTree>
-    <p:extLst>
-      <p:ext uri="{BB962C8B-B14F-4D97-AF65-F5344CB8AC3E}">
-        <p14:creationId xmlns:p14="http://schemas.microsoft.com/office/powerpoint/2010/main" val="1769353711"/>
-      </p:ext>
-    </p:extLst>
-  </p:cSld>
-  <p:clrMapOvr>
-    <a:masterClrMapping/>
-  </p:clrMapOvr>
-</p:sld>
-</file>
-
-<file path=ppt/slides/slide8.xml><?xml version="1.0" encoding="utf-8"?>
-<p:sld xmlns:a="http://schemas.openxmlformats.org/drawingml/2006/main" xmlns:r="http://schemas.openxmlformats.org/officeDocument/2006/relationships" xmlns:p="http://schemas.openxmlformats.org/presentationml/2006/main">
-  <p:cSld>
-    <p:spTree>
-      <p:nvGrpSpPr>
-        <p:cNvPr id="1" name=""/>
-        <p:cNvGrpSpPr/>
-        <p:nvPr/>
-      </p:nvGrpSpPr>
-      <p:grpSpPr>
-        <a:xfrm>
-          <a:off x="0" y="0"/>
-          <a:ext cx="0" cy="0"/>
-          <a:chOff x="0" y="0"/>
-          <a:chExt cx="0" cy="0"/>
-        </a:xfrm>
-      </p:grpSpPr>
-      <p:sp>
-        <p:nvSpPr>
-          <p:cNvPr id="2" name="Titolo 1">
-            <a:extLst>
-              <a:ext uri="{FF2B5EF4-FFF2-40B4-BE49-F238E27FC236}">
-                <a16:creationId xmlns:a16="http://schemas.microsoft.com/office/drawing/2014/main" id="{43EAF889-71E4-403D-B7D3-14CE26366C96}"/>
-              </a:ext>
-            </a:extLst>
-          </p:cNvPr>
-          <p:cNvSpPr>
-            <a:spLocks noGrp="1"/>
-          </p:cNvSpPr>
-          <p:nvPr>
-            <p:ph type="title"/>
-          </p:nvPr>
-        </p:nvSpPr>
-        <p:spPr>
-          <a:xfrm>
-            <a:off x="762512" y="1194737"/>
-            <a:ext cx="2562119" cy="400772"/>
-          </a:xfrm>
-        </p:spPr>
-        <p:txBody>
-          <a:bodyPr vert="horz" lIns="91440" tIns="45720" rIns="91440" bIns="45720" rtlCol="0" anchor="ctr">
-            <a:normAutofit fontScale="90000"/>
-          </a:bodyPr>
-          <a:lstStyle/>
-          <a:p>
-            <a:pPr defTabSz="914400"/>
-            <a:r>
-              <a:rPr lang="en-US" sz="4400" kern="1200" dirty="0" err="1">
-                <a:latin typeface="+mj-lt"/>
-                <a:ea typeface="+mj-ea"/>
-                <a:cs typeface="+mj-cs"/>
-              </a:rPr>
-              <a:t>Risultati</a:t>
-            </a:r>
-            <a:endParaRPr lang="en-US" sz="4400" kern="1200" dirty="0">
-              <a:latin typeface="+mj-lt"/>
-              <a:ea typeface="+mj-ea"/>
-              <a:cs typeface="+mj-cs"/>
-            </a:endParaRPr>
-          </a:p>
-        </p:txBody>
-      </p:sp>
-      <p:pic>
-        <p:nvPicPr>
-          <p:cNvPr id="17" name="Segnaposto contenuto 16">
-            <a:extLst>
-              <a:ext uri="{FF2B5EF4-FFF2-40B4-BE49-F238E27FC236}">
-                <a16:creationId xmlns:a16="http://schemas.microsoft.com/office/drawing/2014/main" id="{28C8BA65-1CC5-4CD8-941C-2D5BD2C214BD}"/>
-              </a:ext>
-            </a:extLst>
-          </p:cNvPr>
-          <p:cNvPicPr>
-            <a:picLocks noGrp="1" noChangeAspect="1"/>
-          </p:cNvPicPr>
-          <p:nvPr>
-            <p:ph sz="half" idx="2"/>
-          </p:nvPr>
-        </p:nvPicPr>
-        <p:blipFill>
-          <a:blip r:embed="rId2">
-            <a:extLst>
-              <a:ext uri="{28A0092B-C50C-407E-A947-70E740481C1C}">
-                <a14:useLocalDpi xmlns:a14="http://schemas.microsoft.com/office/drawing/2010/main" val="0"/>
-              </a:ext>
-              <a:ext uri="{96DAC541-7B7A-43D3-8B79-37D633B846F1}">
-                <asvg:svgBlip xmlns:asvg="http://schemas.microsoft.com/office/drawing/2016/SVG/main" r:embed="rId3"/>
-              </a:ext>
-            </a:extLst>
-          </a:blip>
-          <a:stretch>
-            <a:fillRect/>
-          </a:stretch>
-        </p:blipFill>
-        <p:spPr>
-          <a:xfrm>
-            <a:off x="4024313" y="21357"/>
-            <a:ext cx="5012184" cy="3148305"/>
-          </a:xfrm>
-        </p:spPr>
-      </p:pic>
-      <p:pic>
-        <p:nvPicPr>
-          <p:cNvPr id="20" name="Segnaposto contenuto 19">
-            <a:extLst>
-              <a:ext uri="{FF2B5EF4-FFF2-40B4-BE49-F238E27FC236}">
-                <a16:creationId xmlns:a16="http://schemas.microsoft.com/office/drawing/2014/main" id="{90B773DD-FCF5-4576-9C9D-3F81BFC5846E}"/>
-              </a:ext>
-            </a:extLst>
-          </p:cNvPr>
-          <p:cNvPicPr>
-            <a:picLocks noGrp="1" noChangeAspect="1"/>
-          </p:cNvPicPr>
-          <p:nvPr>
-            <p:ph sz="quarter" idx="4"/>
-          </p:nvPr>
-        </p:nvPicPr>
-        <p:blipFill>
-          <a:blip r:embed="rId4">
-            <a:extLst>
-              <a:ext uri="{28A0092B-C50C-407E-A947-70E740481C1C}">
-                <a14:useLocalDpi xmlns:a14="http://schemas.microsoft.com/office/drawing/2010/main" val="0"/>
-              </a:ext>
-              <a:ext uri="{96DAC541-7B7A-43D3-8B79-37D633B846F1}">
-                <asvg:svgBlip xmlns:asvg="http://schemas.microsoft.com/office/drawing/2016/SVG/main" r:embed="rId5"/>
-              </a:ext>
-            </a:extLst>
-          </a:blip>
-          <a:stretch>
-            <a:fillRect/>
-          </a:stretch>
-        </p:blipFill>
-        <p:spPr>
-          <a:xfrm>
-            <a:off x="4024313" y="3378788"/>
-            <a:ext cx="5006714" cy="3144869"/>
-          </a:xfrm>
-        </p:spPr>
-      </p:pic>
-      <p:sp>
-        <p:nvSpPr>
-          <p:cNvPr id="30" name="CasellaDiTesto 29">
-            <a:extLst>
-              <a:ext uri="{FF2B5EF4-FFF2-40B4-BE49-F238E27FC236}">
-                <a16:creationId xmlns:a16="http://schemas.microsoft.com/office/drawing/2014/main" id="{814A474E-75D0-4267-A552-64BE3B93B90D}"/>
-              </a:ext>
-            </a:extLst>
-          </p:cNvPr>
-          <p:cNvSpPr txBox="1"/>
-          <p:nvPr/>
-        </p:nvSpPr>
-        <p:spPr>
-          <a:xfrm>
-            <a:off x="51371" y="2153999"/>
-            <a:ext cx="3984402" cy="3970318"/>
-          </a:xfrm>
-          <a:prstGeom prst="rect">
-            <a:avLst/>
-          </a:prstGeom>
-          <a:noFill/>
-        </p:spPr>
-        <p:txBody>
-          <a:bodyPr wrap="square" rtlCol="0">
-            <a:spAutoFit/>
-          </a:bodyPr>
-          <a:lstStyle/>
-          <a:p>
-            <a:pPr marL="285750" indent="-285750">
-              <a:buFont typeface="Arial" panose="020B0604020202020204" pitchFamily="34" charset="0"/>
-              <a:buChar char="•"/>
-            </a:pPr>
-            <a:r>
-              <a:rPr lang="it-IT" dirty="0"/>
-              <a:t>Metrica utilizzata: Area under curve (AUC)</a:t>
-            </a:r>
-          </a:p>
-          <a:p>
-            <a:pPr marL="285750" indent="-285750">
-              <a:buFont typeface="Arial" panose="020B0604020202020204" pitchFamily="34" charset="0"/>
-              <a:buChar char="•"/>
-            </a:pPr>
-            <a:endParaRPr lang="it-IT" dirty="0"/>
-          </a:p>
-          <a:p>
-            <a:pPr marL="285750" indent="-285750">
-              <a:buFont typeface="Arial" panose="020B0604020202020204" pitchFamily="34" charset="0"/>
-              <a:buChar char="•"/>
-            </a:pPr>
-            <a:r>
-              <a:rPr lang="it-IT" dirty="0"/>
-              <a:t>Modelli di confronto:</a:t>
-            </a:r>
-          </a:p>
-          <a:p>
-            <a:pPr marL="742950" lvl="1" indent="-285750">
-              <a:buFont typeface="Arial" panose="020B0604020202020204" pitchFamily="34" charset="0"/>
-              <a:buChar char="•"/>
-            </a:pPr>
-            <a:r>
-              <a:rPr lang="it-IT" dirty="0"/>
-              <a:t>ALS</a:t>
-            </a:r>
-          </a:p>
-          <a:p>
-            <a:pPr marL="742950" lvl="1" indent="-285750">
-              <a:buFont typeface="Arial" panose="020B0604020202020204" pitchFamily="34" charset="0"/>
-              <a:buChar char="•"/>
-            </a:pPr>
-            <a:r>
-              <a:rPr lang="it-IT" dirty="0" err="1"/>
-              <a:t>NeuMF</a:t>
-            </a:r>
-            <a:endParaRPr lang="it-IT" dirty="0"/>
-          </a:p>
-          <a:p>
-            <a:pPr marL="742950" lvl="1" indent="-285750">
-              <a:buFont typeface="Arial" panose="020B0604020202020204" pitchFamily="34" charset="0"/>
-              <a:buChar char="•"/>
-            </a:pPr>
-            <a:r>
-              <a:rPr lang="it-IT" dirty="0"/>
-              <a:t>ECAM </a:t>
-            </a:r>
-            <a:r>
-              <a:rPr lang="it-IT" dirty="0" err="1"/>
-              <a:t>NeuMF</a:t>
-            </a:r>
-            <a:endParaRPr lang="it-IT" dirty="0"/>
-          </a:p>
-          <a:p>
-            <a:endParaRPr lang="it-IT" dirty="0"/>
-          </a:p>
-          <a:p>
-            <a:pPr marL="285750" indent="-285750">
-              <a:buFont typeface="Arial" panose="020B0604020202020204" pitchFamily="34" charset="0"/>
-              <a:buChar char="•"/>
-            </a:pPr>
-            <a:r>
-              <a:rPr lang="it-IT" dirty="0"/>
-              <a:t>I modelli </a:t>
-            </a:r>
-            <a:r>
-              <a:rPr lang="it-IT" dirty="0" err="1"/>
-              <a:t>context-aware</a:t>
-            </a:r>
-            <a:r>
-              <a:rPr lang="it-IT" dirty="0"/>
-              <a:t> hanno l’AUC più alta</a:t>
-            </a:r>
-          </a:p>
-          <a:p>
-            <a:endParaRPr lang="it-IT" dirty="0"/>
-          </a:p>
-          <a:p>
-            <a:pPr marL="285750" indent="-285750">
-              <a:buFont typeface="Arial" panose="020B0604020202020204" pitchFamily="34" charset="0"/>
-              <a:buChar char="•"/>
-            </a:pPr>
-            <a:r>
-              <a:rPr lang="it-IT" dirty="0" err="1"/>
-              <a:t>moveCARS</a:t>
-            </a:r>
-            <a:r>
-              <a:rPr lang="it-IT" dirty="0"/>
-              <a:t> ha ottenuto risultati simili al modello </a:t>
-            </a:r>
-            <a:r>
-              <a:rPr lang="it-IT" dirty="0" err="1"/>
-              <a:t>context-aware</a:t>
-            </a:r>
-            <a:r>
-              <a:rPr lang="it-IT" dirty="0"/>
-              <a:t> stato dell’arte ECAM </a:t>
-            </a:r>
-            <a:r>
-              <a:rPr lang="it-IT" dirty="0" err="1"/>
-              <a:t>NeuMF</a:t>
-            </a:r>
-            <a:endParaRPr lang="it-IT" dirty="0"/>
-          </a:p>
-        </p:txBody>
-      </p:sp>
-    </p:spTree>
-    <p:extLst>
-      <p:ext uri="{BB962C8B-B14F-4D97-AF65-F5344CB8AC3E}">
-        <p14:creationId xmlns:p14="http://schemas.microsoft.com/office/powerpoint/2010/main" val="3288315151"/>
-      </p:ext>
-    </p:extLst>
-  </p:cSld>
-  <p:clrMapOvr>
-    <a:masterClrMapping/>
-  </p:clrMapOvr>
-</p:sld>
-</file>
-
-<file path=ppt/slides/slide9.xml><?xml version="1.0" encoding="utf-8"?>
 <p:sld xmlns:a="http://schemas.openxmlformats.org/drawingml/2006/main" xmlns:r="http://schemas.openxmlformats.org/officeDocument/2006/relationships" xmlns:p="http://schemas.openxmlformats.org/presentationml/2006/main">
   <p:cSld>
     <p:bg>
@@ -7024,8 +4751,8 @@
         </p:nvSpPr>
         <p:spPr>
           <a:xfrm>
-            <a:off x="176436" y="1700808"/>
-            <a:ext cx="3738436" cy="3693319"/>
+            <a:off x="1" y="1700808"/>
+            <a:ext cx="3914872" cy="3693319"/>
           </a:xfrm>
           <a:prstGeom prst="rect">
             <a:avLst/>
@@ -7088,7 +4815,7 @@
               <a:rPr lang="it-IT" dirty="0">
                 <a:latin typeface="CMR12"/>
               </a:rPr>
-              <a:t>Sono stati misurati i tempi di inizializzazione e inferenza su dispositivi mobili</a:t>
+              <a:t>Sono stati misurati i tempi di inizializzazione e inferenza su quattro dispositivi mobili</a:t>
             </a:r>
           </a:p>
           <a:p>
@@ -7118,7 +4845,7 @@
               <a:rPr lang="it-IT" dirty="0">
                 <a:latin typeface="CMR12"/>
               </a:rPr>
-              <a:t>l’algoritmo più veloce in entrambi i casi</a:t>
+              <a:t>l’algoritmo più veloce su tutti i dispositivi</a:t>
             </a:r>
             <a:endParaRPr lang="it-IT" sz="1800" b="0" i="0" u="none" strike="noStrike" baseline="0" dirty="0">
               <a:latin typeface="CMR12"/>
@@ -7137,6 +4864,2405 @@
     <p:extLst>
       <p:ext uri="{BB962C8B-B14F-4D97-AF65-F5344CB8AC3E}">
         <p14:creationId xmlns:p14="http://schemas.microsoft.com/office/powerpoint/2010/main" val="3089386882"/>
+      </p:ext>
+    </p:extLst>
+  </p:cSld>
+  <p:clrMapOvr>
+    <a:masterClrMapping/>
+  </p:clrMapOvr>
+</p:sld>
+</file>
+
+<file path=ppt/slides/slide11.xml><?xml version="1.0" encoding="utf-8"?>
+<p:sld xmlns:a="http://schemas.openxmlformats.org/drawingml/2006/main" xmlns:r="http://schemas.openxmlformats.org/officeDocument/2006/relationships" xmlns:p="http://schemas.openxmlformats.org/presentationml/2006/main">
+  <p:cSld>
+    <p:spTree>
+      <p:nvGrpSpPr>
+        <p:cNvPr id="1" name=""/>
+        <p:cNvGrpSpPr/>
+        <p:nvPr/>
+      </p:nvGrpSpPr>
+      <p:grpSpPr>
+        <a:xfrm>
+          <a:off x="0" y="0"/>
+          <a:ext cx="0" cy="0"/>
+          <a:chOff x="0" y="0"/>
+          <a:chExt cx="0" cy="0"/>
+        </a:xfrm>
+      </p:grpSpPr>
+      <p:sp>
+        <p:nvSpPr>
+          <p:cNvPr id="2" name="Titolo 1">
+            <a:extLst>
+              <a:ext uri="{FF2B5EF4-FFF2-40B4-BE49-F238E27FC236}">
+                <a16:creationId xmlns:a16="http://schemas.microsoft.com/office/drawing/2014/main" id="{152980A4-3E84-4C09-8F59-8706C4B25284}"/>
+              </a:ext>
+            </a:extLst>
+          </p:cNvPr>
+          <p:cNvSpPr>
+            <a:spLocks noGrp="1"/>
+          </p:cNvSpPr>
+          <p:nvPr>
+            <p:ph type="title"/>
+          </p:nvPr>
+        </p:nvSpPr>
+        <p:spPr/>
+        <p:txBody>
+          <a:bodyPr/>
+          <a:lstStyle/>
+          <a:p>
+            <a:pPr algn="ctr"/>
+            <a:r>
+              <a:rPr lang="it-IT" dirty="0"/>
+              <a:t>Conclusioni</a:t>
+            </a:r>
+          </a:p>
+        </p:txBody>
+      </p:sp>
+      <p:sp>
+        <p:nvSpPr>
+          <p:cNvPr id="3" name="Segnaposto contenuto 2">
+            <a:extLst>
+              <a:ext uri="{FF2B5EF4-FFF2-40B4-BE49-F238E27FC236}">
+                <a16:creationId xmlns:a16="http://schemas.microsoft.com/office/drawing/2014/main" id="{1F9BD3DC-3555-44D3-9C15-FF91C6F96FE2}"/>
+              </a:ext>
+            </a:extLst>
+          </p:cNvPr>
+          <p:cNvSpPr>
+            <a:spLocks noGrp="1"/>
+          </p:cNvSpPr>
+          <p:nvPr>
+            <p:ph idx="1"/>
+          </p:nvPr>
+        </p:nvSpPr>
+        <p:spPr/>
+        <p:txBody>
+          <a:bodyPr/>
+          <a:lstStyle/>
+          <a:p>
+            <a:r>
+              <a:rPr lang="it-IT" dirty="0" err="1"/>
+              <a:t>moveCARS</a:t>
+            </a:r>
+            <a:r>
+              <a:rPr lang="it-IT" dirty="0"/>
+              <a:t> ha ottenuto risultati simili alle soluzioni stato dell’arte:</a:t>
+            </a:r>
+          </a:p>
+          <a:p>
+            <a:pPr lvl="1"/>
+            <a:r>
+              <a:rPr lang="it-IT" dirty="0"/>
+              <a:t>Con tempi di esecuzione minori</a:t>
+            </a:r>
+          </a:p>
+          <a:p>
+            <a:pPr lvl="1"/>
+            <a:r>
+              <a:rPr lang="it-IT" dirty="0"/>
+              <a:t>Con una struttura della rete meno restrittiva</a:t>
+            </a:r>
+          </a:p>
+          <a:p>
+            <a:r>
+              <a:rPr lang="it-IT" dirty="0"/>
+              <a:t>Il contesto ha un ruolo importante nelle raccomandazioni</a:t>
+            </a:r>
+          </a:p>
+          <a:p>
+            <a:r>
+              <a:rPr lang="it-IT" dirty="0"/>
+              <a:t>Se il contesto è molto descrittivo della situazione dell’utente le raccomandazioni sono ancora più precise</a:t>
+            </a:r>
+          </a:p>
+          <a:p>
+            <a:endParaRPr lang="it-IT" dirty="0"/>
+          </a:p>
+        </p:txBody>
+      </p:sp>
+    </p:spTree>
+    <p:extLst>
+      <p:ext uri="{BB962C8B-B14F-4D97-AF65-F5344CB8AC3E}">
+        <p14:creationId xmlns:p14="http://schemas.microsoft.com/office/powerpoint/2010/main" val="354855335"/>
+      </p:ext>
+    </p:extLst>
+  </p:cSld>
+  <p:clrMapOvr>
+    <a:masterClrMapping/>
+  </p:clrMapOvr>
+</p:sld>
+</file>
+
+<file path=ppt/slides/slide12.xml><?xml version="1.0" encoding="utf-8"?>
+<p:sld xmlns:a="http://schemas.openxmlformats.org/drawingml/2006/main" xmlns:r="http://schemas.openxmlformats.org/officeDocument/2006/relationships" xmlns:p="http://schemas.openxmlformats.org/presentationml/2006/main">
+  <p:cSld>
+    <p:spTree>
+      <p:nvGrpSpPr>
+        <p:cNvPr id="1" name=""/>
+        <p:cNvGrpSpPr/>
+        <p:nvPr/>
+      </p:nvGrpSpPr>
+      <p:grpSpPr>
+        <a:xfrm>
+          <a:off x="0" y="0"/>
+          <a:ext cx="0" cy="0"/>
+          <a:chOff x="0" y="0"/>
+          <a:chExt cx="0" cy="0"/>
+        </a:xfrm>
+      </p:grpSpPr>
+      <p:sp>
+        <p:nvSpPr>
+          <p:cNvPr id="2" name="Titolo 1">
+            <a:extLst>
+              <a:ext uri="{FF2B5EF4-FFF2-40B4-BE49-F238E27FC236}">
+                <a16:creationId xmlns:a16="http://schemas.microsoft.com/office/drawing/2014/main" id="{E967507E-1146-4581-B644-0005BC8A387E}"/>
+              </a:ext>
+            </a:extLst>
+          </p:cNvPr>
+          <p:cNvSpPr>
+            <a:spLocks noGrp="1"/>
+          </p:cNvSpPr>
+          <p:nvPr>
+            <p:ph type="title"/>
+          </p:nvPr>
+        </p:nvSpPr>
+        <p:spPr/>
+        <p:txBody>
+          <a:bodyPr/>
+          <a:lstStyle/>
+          <a:p>
+            <a:pPr algn="ctr"/>
+            <a:r>
+              <a:rPr lang="it-IT" dirty="0"/>
+              <a:t>Sviluppi futuri</a:t>
+            </a:r>
+          </a:p>
+        </p:txBody>
+      </p:sp>
+      <p:sp>
+        <p:nvSpPr>
+          <p:cNvPr id="3" name="Segnaposto contenuto 2">
+            <a:extLst>
+              <a:ext uri="{FF2B5EF4-FFF2-40B4-BE49-F238E27FC236}">
+                <a16:creationId xmlns:a16="http://schemas.microsoft.com/office/drawing/2014/main" id="{5570E059-74DD-4635-8D46-0B022D464045}"/>
+              </a:ext>
+            </a:extLst>
+          </p:cNvPr>
+          <p:cNvSpPr>
+            <a:spLocks noGrp="1"/>
+          </p:cNvSpPr>
+          <p:nvPr>
+            <p:ph idx="1"/>
+          </p:nvPr>
+        </p:nvSpPr>
+        <p:spPr/>
+        <p:txBody>
+          <a:bodyPr>
+            <a:normAutofit/>
+          </a:bodyPr>
+          <a:lstStyle/>
+          <a:p>
+            <a:r>
+              <a:rPr lang="it-IT" dirty="0"/>
+              <a:t>Training dell’algoritmo su dispositivo mobile</a:t>
+            </a:r>
+          </a:p>
+          <a:p>
+            <a:pPr marL="0" indent="0">
+              <a:buNone/>
+            </a:pPr>
+            <a:endParaRPr lang="it-IT" dirty="0"/>
+          </a:p>
+          <a:p>
+            <a:r>
+              <a:rPr lang="it-IT" dirty="0"/>
+              <a:t>Valutare il modello </a:t>
+            </a:r>
+            <a:r>
+              <a:rPr lang="it-IT" dirty="0" err="1"/>
+              <a:t>moveCARS</a:t>
+            </a:r>
+            <a:r>
+              <a:rPr lang="it-IT" dirty="0"/>
+              <a:t> su nuovi dataset</a:t>
+            </a:r>
+          </a:p>
+          <a:p>
+            <a:pPr marL="0" indent="0">
+              <a:buNone/>
+            </a:pPr>
+            <a:endParaRPr lang="it-IT" dirty="0"/>
+          </a:p>
+          <a:p>
+            <a:r>
+              <a:rPr lang="it-IT" dirty="0"/>
+              <a:t>Sviluppare un’applicazione per dispositivi mobili per valutare le prestazioni di </a:t>
+            </a:r>
+            <a:r>
+              <a:rPr lang="it-IT" dirty="0" err="1"/>
+              <a:t>moveCARS</a:t>
+            </a:r>
+            <a:r>
+              <a:rPr lang="it-IT" dirty="0"/>
+              <a:t> in ambiente reale</a:t>
+            </a:r>
+          </a:p>
+        </p:txBody>
+      </p:sp>
+    </p:spTree>
+    <p:extLst>
+      <p:ext uri="{BB962C8B-B14F-4D97-AF65-F5344CB8AC3E}">
+        <p14:creationId xmlns:p14="http://schemas.microsoft.com/office/powerpoint/2010/main" val="3978805847"/>
+      </p:ext>
+    </p:extLst>
+  </p:cSld>
+  <p:clrMapOvr>
+    <a:masterClrMapping/>
+  </p:clrMapOvr>
+</p:sld>
+</file>
+
+<file path=ppt/slides/slide13.xml><?xml version="1.0" encoding="utf-8"?>
+<p:sld xmlns:a="http://schemas.openxmlformats.org/drawingml/2006/main" xmlns:r="http://schemas.openxmlformats.org/officeDocument/2006/relationships" xmlns:p="http://schemas.openxmlformats.org/presentationml/2006/main">
+  <p:cSld>
+    <p:spTree>
+      <p:nvGrpSpPr>
+        <p:cNvPr id="1" name=""/>
+        <p:cNvGrpSpPr/>
+        <p:nvPr/>
+      </p:nvGrpSpPr>
+      <p:grpSpPr>
+        <a:xfrm>
+          <a:off x="0" y="0"/>
+          <a:ext cx="0" cy="0"/>
+          <a:chOff x="0" y="0"/>
+          <a:chExt cx="0" cy="0"/>
+        </a:xfrm>
+      </p:grpSpPr>
+      <p:sp>
+        <p:nvSpPr>
+          <p:cNvPr id="12" name="Titolo 11">
+            <a:extLst>
+              <a:ext uri="{FF2B5EF4-FFF2-40B4-BE49-F238E27FC236}">
+                <a16:creationId xmlns:a16="http://schemas.microsoft.com/office/drawing/2014/main" id="{69C17091-7F08-4D3E-BEF5-8B8246BFD142}"/>
+              </a:ext>
+            </a:extLst>
+          </p:cNvPr>
+          <p:cNvSpPr>
+            <a:spLocks noGrp="1"/>
+          </p:cNvSpPr>
+          <p:nvPr>
+            <p:ph type="title"/>
+          </p:nvPr>
+        </p:nvSpPr>
+        <p:spPr>
+          <a:xfrm>
+            <a:off x="609997" y="2492896"/>
+            <a:ext cx="7886700" cy="1325563"/>
+          </a:xfrm>
+        </p:spPr>
+        <p:txBody>
+          <a:bodyPr>
+            <a:normAutofit/>
+          </a:bodyPr>
+          <a:lstStyle/>
+          <a:p>
+            <a:pPr algn="ctr"/>
+            <a:r>
+              <a:rPr lang="it-IT" sz="5400" dirty="0"/>
+              <a:t>Grazie per l’attenzione!</a:t>
+            </a:r>
+          </a:p>
+        </p:txBody>
+      </p:sp>
+    </p:spTree>
+    <p:extLst>
+      <p:ext uri="{BB962C8B-B14F-4D97-AF65-F5344CB8AC3E}">
+        <p14:creationId xmlns:p14="http://schemas.microsoft.com/office/powerpoint/2010/main" val="1073096933"/>
+      </p:ext>
+    </p:extLst>
+  </p:cSld>
+  <p:clrMapOvr>
+    <a:masterClrMapping/>
+  </p:clrMapOvr>
+</p:sld>
+</file>
+
+<file path=ppt/slides/slide2.xml><?xml version="1.0" encoding="utf-8"?>
+<p:sld xmlns:a="http://schemas.openxmlformats.org/drawingml/2006/main" xmlns:r="http://schemas.openxmlformats.org/officeDocument/2006/relationships" xmlns:p="http://schemas.openxmlformats.org/presentationml/2006/main">
+  <p:cSld>
+    <p:spTree>
+      <p:nvGrpSpPr>
+        <p:cNvPr id="1" name=""/>
+        <p:cNvGrpSpPr/>
+        <p:nvPr/>
+      </p:nvGrpSpPr>
+      <p:grpSpPr>
+        <a:xfrm>
+          <a:off x="0" y="0"/>
+          <a:ext cx="0" cy="0"/>
+          <a:chOff x="0" y="0"/>
+          <a:chExt cx="0" cy="0"/>
+        </a:xfrm>
+      </p:grpSpPr>
+      <p:sp>
+        <p:nvSpPr>
+          <p:cNvPr id="2" name="Titolo 1">
+            <a:extLst>
+              <a:ext uri="{FF2B5EF4-FFF2-40B4-BE49-F238E27FC236}">
+                <a16:creationId xmlns:a16="http://schemas.microsoft.com/office/drawing/2014/main" id="{6E85C9F5-082B-43A8-B30E-83A00057087C}"/>
+              </a:ext>
+            </a:extLst>
+          </p:cNvPr>
+          <p:cNvSpPr>
+            <a:spLocks noGrp="1"/>
+          </p:cNvSpPr>
+          <p:nvPr>
+            <p:ph type="title"/>
+          </p:nvPr>
+        </p:nvSpPr>
+        <p:spPr/>
+        <p:txBody>
+          <a:bodyPr/>
+          <a:lstStyle/>
+          <a:p>
+            <a:pPr algn="ctr"/>
+            <a:r>
+              <a:rPr lang="it-IT" dirty="0"/>
+              <a:t>Sistemi di raccomandazione</a:t>
+            </a:r>
+          </a:p>
+        </p:txBody>
+      </p:sp>
+      <p:sp>
+        <p:nvSpPr>
+          <p:cNvPr id="3" name="Segnaposto contenuto 2">
+            <a:extLst>
+              <a:ext uri="{FF2B5EF4-FFF2-40B4-BE49-F238E27FC236}">
+                <a16:creationId xmlns:a16="http://schemas.microsoft.com/office/drawing/2014/main" id="{288B1761-2773-4FC9-AFA8-333BE2349039}"/>
+              </a:ext>
+            </a:extLst>
+          </p:cNvPr>
+          <p:cNvSpPr>
+            <a:spLocks noGrp="1"/>
+          </p:cNvSpPr>
+          <p:nvPr>
+            <p:ph idx="1"/>
+          </p:nvPr>
+        </p:nvSpPr>
+        <p:spPr/>
+        <p:txBody>
+          <a:bodyPr>
+            <a:normAutofit fontScale="92500" lnSpcReduction="20000"/>
+          </a:bodyPr>
+          <a:lstStyle/>
+          <a:p>
+            <a:pPr marL="0" indent="0" algn="l">
+              <a:buNone/>
+            </a:pPr>
+            <a:r>
+              <a:rPr lang="it-IT" b="0" i="0" u="none" strike="noStrike" baseline="0" dirty="0"/>
+              <a:t>I </a:t>
+            </a:r>
+            <a:r>
+              <a:rPr lang="it-IT" b="1" i="0" u="none" strike="noStrike" baseline="0" dirty="0" err="1"/>
+              <a:t>recommender</a:t>
+            </a:r>
+            <a:r>
+              <a:rPr lang="it-IT" b="1" i="0" u="none" strike="noStrike" baseline="0" dirty="0"/>
+              <a:t> system </a:t>
+            </a:r>
+            <a:r>
+              <a:rPr lang="it-IT" b="0" i="0" u="none" strike="noStrike" baseline="0" dirty="0"/>
+              <a:t>(RS) sono algoritmi mirati a generare consigli significativi a un insieme di utenti per oggetti che potrebbero interessarli.</a:t>
+            </a:r>
+          </a:p>
+          <a:p>
+            <a:pPr marL="0" indent="0" algn="l">
+              <a:buNone/>
+            </a:pPr>
+            <a:endParaRPr lang="it-IT" b="0" i="0" u="none" strike="noStrike" baseline="0" dirty="0"/>
+          </a:p>
+          <a:p>
+            <a:r>
+              <a:rPr lang="it-IT" b="1" i="0" u="none" strike="noStrike" baseline="0" dirty="0"/>
+              <a:t>Oggetto: </a:t>
+            </a:r>
+            <a:r>
+              <a:rPr lang="it-IT" b="0" i="0" u="none" strike="noStrike" baseline="0" dirty="0"/>
+              <a:t>la definizione è generica e può </a:t>
+            </a:r>
+            <a:r>
+              <a:rPr lang="it-IT" dirty="0"/>
+              <a:t>includere film, libri, vestiti, punti di interesse, etc.</a:t>
+            </a:r>
+          </a:p>
+          <a:p>
+            <a:r>
+              <a:rPr lang="it-IT" b="1" dirty="0"/>
+              <a:t>Utente: </a:t>
+            </a:r>
+            <a:r>
+              <a:rPr lang="it-IT" dirty="0"/>
+              <a:t>interagisce con il sistema lasciando feedback sugli oggetti</a:t>
+            </a:r>
+          </a:p>
+          <a:p>
+            <a:r>
+              <a:rPr lang="it-IT" b="1" dirty="0"/>
+              <a:t>Feedback:</a:t>
+            </a:r>
+            <a:r>
+              <a:rPr lang="it-IT" dirty="0"/>
+              <a:t> valutazione esplicita o implicita di un oggetto da parte di un utente</a:t>
+            </a:r>
+          </a:p>
+          <a:p>
+            <a:r>
+              <a:rPr lang="it-IT" b="1" i="0" u="none" strike="noStrike" baseline="0" dirty="0"/>
+              <a:t>Contesto: </a:t>
+            </a:r>
+            <a:r>
+              <a:rPr lang="it-IT" b="0" i="0" u="none" strike="noStrike" baseline="0" dirty="0"/>
+              <a:t>situazione dell’utente nel momento in cui ha generato un feedback (posizione, attività utente, persone in prossimità, data e ora…)</a:t>
+            </a:r>
+          </a:p>
+          <a:p>
+            <a:endParaRPr lang="it-IT" sz="1700" dirty="0"/>
+          </a:p>
+          <a:p>
+            <a:pPr marL="0" indent="0">
+              <a:buNone/>
+            </a:pPr>
+            <a:endParaRPr lang="it-IT" sz="2000" b="0" i="0" strike="noStrike" baseline="0" dirty="0"/>
+          </a:p>
+        </p:txBody>
+      </p:sp>
+    </p:spTree>
+    <p:extLst>
+      <p:ext uri="{BB962C8B-B14F-4D97-AF65-F5344CB8AC3E}">
+        <p14:creationId xmlns:p14="http://schemas.microsoft.com/office/powerpoint/2010/main" val="3967214463"/>
+      </p:ext>
+    </p:extLst>
+  </p:cSld>
+  <p:clrMapOvr>
+    <a:masterClrMapping/>
+  </p:clrMapOvr>
+</p:sld>
+</file>
+
+<file path=ppt/slides/slide3.xml><?xml version="1.0" encoding="utf-8"?>
+<p:sld xmlns:a="http://schemas.openxmlformats.org/drawingml/2006/main" xmlns:r="http://schemas.openxmlformats.org/officeDocument/2006/relationships" xmlns:p="http://schemas.openxmlformats.org/presentationml/2006/main">
+  <p:cSld>
+    <p:spTree>
+      <p:nvGrpSpPr>
+        <p:cNvPr id="1" name=""/>
+        <p:cNvGrpSpPr/>
+        <p:nvPr/>
+      </p:nvGrpSpPr>
+      <p:grpSpPr>
+        <a:xfrm>
+          <a:off x="0" y="0"/>
+          <a:ext cx="0" cy="0"/>
+          <a:chOff x="0" y="0"/>
+          <a:chExt cx="0" cy="0"/>
+        </a:xfrm>
+      </p:grpSpPr>
+      <p:sp>
+        <p:nvSpPr>
+          <p:cNvPr id="2" name="Titolo 1">
+            <a:extLst>
+              <a:ext uri="{FF2B5EF4-FFF2-40B4-BE49-F238E27FC236}">
+                <a16:creationId xmlns:a16="http://schemas.microsoft.com/office/drawing/2014/main" id="{408C4C7B-E853-45EB-B3EC-438728329FFF}"/>
+              </a:ext>
+            </a:extLst>
+          </p:cNvPr>
+          <p:cNvSpPr>
+            <a:spLocks noGrp="1"/>
+          </p:cNvSpPr>
+          <p:nvPr>
+            <p:ph type="title"/>
+          </p:nvPr>
+        </p:nvSpPr>
+        <p:spPr>
+          <a:xfrm>
+            <a:off x="628650" y="0"/>
+            <a:ext cx="7886700" cy="1325563"/>
+          </a:xfrm>
+        </p:spPr>
+        <p:txBody>
+          <a:bodyPr/>
+          <a:lstStyle/>
+          <a:p>
+            <a:pPr algn="ctr"/>
+            <a:r>
+              <a:rPr lang="it-IT" dirty="0"/>
+              <a:t>Ambiente di riferimento</a:t>
+            </a:r>
+          </a:p>
+        </p:txBody>
+      </p:sp>
+      <p:sp>
+        <p:nvSpPr>
+          <p:cNvPr id="3" name="Segnaposto contenuto 2">
+            <a:extLst>
+              <a:ext uri="{FF2B5EF4-FFF2-40B4-BE49-F238E27FC236}">
+                <a16:creationId xmlns:a16="http://schemas.microsoft.com/office/drawing/2014/main" id="{1092EA9F-6FED-4186-AA52-B095CB45B0D3}"/>
+              </a:ext>
+            </a:extLst>
+          </p:cNvPr>
+          <p:cNvSpPr>
+            <a:spLocks noGrp="1"/>
+          </p:cNvSpPr>
+          <p:nvPr>
+            <p:ph idx="1"/>
+          </p:nvPr>
+        </p:nvSpPr>
+        <p:spPr>
+          <a:xfrm>
+            <a:off x="179512" y="1484784"/>
+            <a:ext cx="8856984" cy="5112568"/>
+          </a:xfrm>
+        </p:spPr>
+        <p:txBody>
+          <a:bodyPr>
+            <a:normAutofit fontScale="92500" lnSpcReduction="10000"/>
+          </a:bodyPr>
+          <a:lstStyle/>
+          <a:p>
+            <a:r>
+              <a:rPr lang="it-IT" dirty="0"/>
+              <a:t>I dispositivi mobili stanno contribuendo all’evoluzione </a:t>
+            </a:r>
+            <a:r>
+              <a:rPr lang="it-IT" dirty="0" err="1"/>
+              <a:t>dell’edge</a:t>
+            </a:r>
+            <a:r>
+              <a:rPr lang="it-IT" dirty="0"/>
+              <a:t> computing</a:t>
+            </a:r>
+          </a:p>
+          <a:p>
+            <a:r>
+              <a:rPr lang="it-IT" dirty="0"/>
+              <a:t>Questi dispositivi sono centrali, interagiscono tramite comunicazione D2D con altri dispositivi e scoprono nuovi contenuti per gli utenti</a:t>
+            </a:r>
+          </a:p>
+          <a:p>
+            <a:r>
+              <a:rPr lang="it-IT" dirty="0"/>
+              <a:t>Un RS per dispositivi mobili può essere utile per filtrare questi contenuti</a:t>
+            </a:r>
+          </a:p>
+          <a:p>
+            <a:r>
+              <a:rPr lang="it-IT" dirty="0"/>
+              <a:t>A differenza degli RS centralizzati, le informazioni sono limitate a quelle raccolte dall’utente locale, non esiste una conoscenza globale di tutti gli utenti e oggetti del sistema</a:t>
+            </a:r>
+          </a:p>
+          <a:p>
+            <a:r>
+              <a:rPr lang="it-IT" dirty="0"/>
+              <a:t>Vantaggi di un RS mobile:</a:t>
+            </a:r>
+          </a:p>
+          <a:p>
+            <a:pPr lvl="1"/>
+            <a:r>
+              <a:rPr lang="it-IT" dirty="0"/>
+              <a:t>Velocità adattamento</a:t>
+            </a:r>
+          </a:p>
+          <a:p>
+            <a:pPr lvl="1"/>
+            <a:r>
+              <a:rPr lang="it-IT" dirty="0"/>
+              <a:t>Privacy utenti</a:t>
+            </a:r>
+          </a:p>
+          <a:p>
+            <a:pPr lvl="1"/>
+            <a:r>
+              <a:rPr lang="it-IT" dirty="0"/>
+              <a:t>Contesto fisico e sociale molto descrittivo</a:t>
+            </a:r>
+          </a:p>
+        </p:txBody>
+      </p:sp>
+    </p:spTree>
+    <p:extLst>
+      <p:ext uri="{BB962C8B-B14F-4D97-AF65-F5344CB8AC3E}">
+        <p14:creationId xmlns:p14="http://schemas.microsoft.com/office/powerpoint/2010/main" val="3189697558"/>
+      </p:ext>
+    </p:extLst>
+  </p:cSld>
+  <p:clrMapOvr>
+    <a:masterClrMapping/>
+  </p:clrMapOvr>
+</p:sld>
+</file>
+
+<file path=ppt/slides/slide4.xml><?xml version="1.0" encoding="utf-8"?>
+<p:sld xmlns:a="http://schemas.openxmlformats.org/drawingml/2006/main" xmlns:r="http://schemas.openxmlformats.org/officeDocument/2006/relationships" xmlns:p="http://schemas.openxmlformats.org/presentationml/2006/main">
+  <p:cSld>
+    <p:bg>
+      <p:bgPr>
+        <a:solidFill>
+          <a:schemeClr val="bg1"/>
+        </a:solidFill>
+        <a:effectLst/>
+      </p:bgPr>
+    </p:bg>
+    <p:spTree>
+      <p:nvGrpSpPr>
+        <p:cNvPr id="1" name=""/>
+        <p:cNvGrpSpPr/>
+        <p:nvPr/>
+      </p:nvGrpSpPr>
+      <p:grpSpPr>
+        <a:xfrm>
+          <a:off x="0" y="0"/>
+          <a:ext cx="0" cy="0"/>
+          <a:chOff x="0" y="0"/>
+          <a:chExt cx="0" cy="0"/>
+        </a:xfrm>
+      </p:grpSpPr>
+      <p:sp>
+        <p:nvSpPr>
+          <p:cNvPr id="15" name="CasellaDiTesto 14">
+            <a:extLst>
+              <a:ext uri="{FF2B5EF4-FFF2-40B4-BE49-F238E27FC236}">
+                <a16:creationId xmlns:a16="http://schemas.microsoft.com/office/drawing/2014/main" id="{8138F056-1FB5-471B-ADB2-F952285C4F1D}"/>
+              </a:ext>
+            </a:extLst>
+          </p:cNvPr>
+          <p:cNvSpPr txBox="1"/>
+          <p:nvPr/>
+        </p:nvSpPr>
+        <p:spPr>
+          <a:xfrm>
+            <a:off x="1455722" y="211287"/>
+            <a:ext cx="6232547" cy="769441"/>
+          </a:xfrm>
+          <a:prstGeom prst="rect">
+            <a:avLst/>
+          </a:prstGeom>
+          <a:noFill/>
+        </p:spPr>
+        <p:txBody>
+          <a:bodyPr wrap="square" rtlCol="0">
+            <a:spAutoFit/>
+          </a:bodyPr>
+          <a:lstStyle/>
+          <a:p>
+            <a:pPr algn="ctr"/>
+            <a:r>
+              <a:rPr lang="it-IT" sz="4400" dirty="0">
+                <a:latin typeface="+mj-lt"/>
+              </a:rPr>
+              <a:t>Matrix </a:t>
+            </a:r>
+            <a:r>
+              <a:rPr lang="it-IT" sz="4400" dirty="0" err="1">
+                <a:latin typeface="+mj-lt"/>
+              </a:rPr>
+              <a:t>Factorization</a:t>
+            </a:r>
+            <a:endParaRPr lang="it-IT" sz="4400" dirty="0">
+              <a:latin typeface="+mj-lt"/>
+            </a:endParaRPr>
+          </a:p>
+        </p:txBody>
+      </p:sp>
+      <p:pic>
+        <p:nvPicPr>
+          <p:cNvPr id="3" name="Elemento grafico 2">
+            <a:extLst>
+              <a:ext uri="{FF2B5EF4-FFF2-40B4-BE49-F238E27FC236}">
+                <a16:creationId xmlns:a16="http://schemas.microsoft.com/office/drawing/2014/main" id="{30C85504-B840-4230-ADF9-201FBC6EC044}"/>
+              </a:ext>
+            </a:extLst>
+          </p:cNvPr>
+          <p:cNvPicPr>
+            <a:picLocks noChangeAspect="1"/>
+          </p:cNvPicPr>
+          <p:nvPr/>
+        </p:nvPicPr>
+        <p:blipFill>
+          <a:blip r:embed="rId2">
+            <a:extLst>
+              <a:ext uri="{28A0092B-C50C-407E-A947-70E740481C1C}">
+                <a14:useLocalDpi xmlns:a14="http://schemas.microsoft.com/office/drawing/2010/main" val="0"/>
+              </a:ext>
+              <a:ext uri="{96DAC541-7B7A-43D3-8B79-37D633B846F1}">
+                <asvg:svgBlip xmlns:asvg="http://schemas.microsoft.com/office/drawing/2016/SVG/main" r:embed="rId3"/>
+              </a:ext>
+            </a:extLst>
+          </a:blip>
+          <a:stretch>
+            <a:fillRect/>
+          </a:stretch>
+        </p:blipFill>
+        <p:spPr>
+          <a:xfrm>
+            <a:off x="332067" y="1196752"/>
+            <a:ext cx="8479859" cy="2592288"/>
+          </a:xfrm>
+          <a:prstGeom prst="rect">
+            <a:avLst/>
+          </a:prstGeom>
+        </p:spPr>
+      </p:pic>
+      <p:sp>
+        <p:nvSpPr>
+          <p:cNvPr id="20" name="CasellaDiTesto 19">
+            <a:extLst>
+              <a:ext uri="{FF2B5EF4-FFF2-40B4-BE49-F238E27FC236}">
+                <a16:creationId xmlns:a16="http://schemas.microsoft.com/office/drawing/2014/main" id="{B6D825C3-9F20-4F90-BA1C-33B1255A0A3F}"/>
+              </a:ext>
+            </a:extLst>
+          </p:cNvPr>
+          <p:cNvSpPr txBox="1"/>
+          <p:nvPr/>
+        </p:nvSpPr>
+        <p:spPr>
+          <a:xfrm>
+            <a:off x="332067" y="4221088"/>
+            <a:ext cx="8479859" cy="2585323"/>
+          </a:xfrm>
+          <a:prstGeom prst="rect">
+            <a:avLst/>
+          </a:prstGeom>
+          <a:noFill/>
+        </p:spPr>
+        <p:txBody>
+          <a:bodyPr wrap="square" rtlCol="0">
+            <a:spAutoFit/>
+          </a:bodyPr>
+          <a:lstStyle/>
+          <a:p>
+            <a:pPr marL="285750" indent="-285750">
+              <a:buFont typeface="Arial" panose="020B0604020202020204" pitchFamily="34" charset="0"/>
+              <a:buChar char="•"/>
+            </a:pPr>
+            <a:r>
+              <a:rPr lang="it-IT" b="1" dirty="0"/>
+              <a:t>Matrice utenti-oggetti: </a:t>
+            </a:r>
+            <a:r>
+              <a:rPr lang="it-IT" dirty="0"/>
+              <a:t>ogni elemento è un feedback di un utente su un oggetto</a:t>
+            </a:r>
+          </a:p>
+          <a:p>
+            <a:pPr marL="285750" indent="-285750">
+              <a:buFont typeface="Arial" panose="020B0604020202020204" pitchFamily="34" charset="0"/>
+              <a:buChar char="•"/>
+            </a:pPr>
+            <a:r>
+              <a:rPr lang="it-IT" b="1" dirty="0"/>
+              <a:t>Matrix </a:t>
+            </a:r>
+            <a:r>
+              <a:rPr lang="it-IT" b="1" dirty="0" err="1"/>
+              <a:t>factorization</a:t>
+            </a:r>
+            <a:r>
+              <a:rPr lang="it-IT" b="1" dirty="0"/>
+              <a:t>: </a:t>
+            </a:r>
+            <a:r>
+              <a:rPr lang="it-IT" dirty="0"/>
+              <a:t>algoritmo che fattorizza la matrice in due matrici di dimensione minore</a:t>
+            </a:r>
+          </a:p>
+          <a:p>
+            <a:pPr marL="285750" indent="-285750">
+              <a:buFont typeface="Arial" panose="020B0604020202020204" pitchFamily="34" charset="0"/>
+              <a:buChar char="•"/>
+            </a:pPr>
+            <a:r>
+              <a:rPr lang="it-IT" dirty="0"/>
+              <a:t>Il prodotto delle due matrici approssima la matrice originale</a:t>
+            </a:r>
+          </a:p>
+          <a:p>
+            <a:pPr marL="285750" indent="-285750">
+              <a:buFont typeface="Arial" panose="020B0604020202020204" pitchFamily="34" charset="0"/>
+              <a:buChar char="•"/>
+            </a:pPr>
+            <a:endParaRPr lang="it-IT" dirty="0"/>
+          </a:p>
+          <a:p>
+            <a:r>
+              <a:rPr lang="it-IT" b="1" dirty="0"/>
+              <a:t>Problema:</a:t>
+            </a:r>
+          </a:p>
+          <a:p>
+            <a:pPr marL="285750" indent="-285750">
+              <a:buFont typeface="Arial" panose="020B0604020202020204" pitchFamily="34" charset="0"/>
+              <a:buChar char="•"/>
+            </a:pPr>
+            <a:r>
+              <a:rPr lang="it-IT" dirty="0"/>
+              <a:t>Numero fisso di utenti e oggetti </a:t>
+            </a:r>
+            <a:r>
+              <a:rPr lang="it-IT" dirty="0">
+                <a:sym typeface="Wingdings" panose="05000000000000000000" pitchFamily="2" charset="2"/>
+              </a:rPr>
+              <a:t> non si possono fare raccomandazioni su oggetti che l’algoritmo non ha visto in precedenza</a:t>
+            </a:r>
+            <a:endParaRPr lang="it-IT" dirty="0"/>
+          </a:p>
+          <a:p>
+            <a:endParaRPr lang="it-IT" dirty="0"/>
+          </a:p>
+        </p:txBody>
+      </p:sp>
+    </p:spTree>
+    <p:extLst>
+      <p:ext uri="{BB962C8B-B14F-4D97-AF65-F5344CB8AC3E}">
+        <p14:creationId xmlns:p14="http://schemas.microsoft.com/office/powerpoint/2010/main" val="2171780643"/>
+      </p:ext>
+    </p:extLst>
+  </p:cSld>
+  <p:clrMapOvr>
+    <a:masterClrMapping/>
+  </p:clrMapOvr>
+</p:sld>
+</file>
+
+<file path=ppt/slides/slide5.xml><?xml version="1.0" encoding="utf-8"?>
+<p:sld xmlns:a="http://schemas.openxmlformats.org/drawingml/2006/main" xmlns:r="http://schemas.openxmlformats.org/officeDocument/2006/relationships" xmlns:p="http://schemas.openxmlformats.org/presentationml/2006/main">
+  <p:cSld>
+    <p:spTree>
+      <p:nvGrpSpPr>
+        <p:cNvPr id="1" name=""/>
+        <p:cNvGrpSpPr/>
+        <p:nvPr/>
+      </p:nvGrpSpPr>
+      <p:grpSpPr>
+        <a:xfrm>
+          <a:off x="0" y="0"/>
+          <a:ext cx="0" cy="0"/>
+          <a:chOff x="0" y="0"/>
+          <a:chExt cx="0" cy="0"/>
+        </a:xfrm>
+      </p:grpSpPr>
+      <p:sp>
+        <p:nvSpPr>
+          <p:cNvPr id="2" name="Titolo 1">
+            <a:extLst>
+              <a:ext uri="{FF2B5EF4-FFF2-40B4-BE49-F238E27FC236}">
+                <a16:creationId xmlns:a16="http://schemas.microsoft.com/office/drawing/2014/main" id="{7D6556A7-4C91-4CD0-AF4B-A8BB31998FBE}"/>
+              </a:ext>
+            </a:extLst>
+          </p:cNvPr>
+          <p:cNvSpPr>
+            <a:spLocks noGrp="1"/>
+          </p:cNvSpPr>
+          <p:nvPr>
+            <p:ph type="title"/>
+          </p:nvPr>
+        </p:nvSpPr>
+        <p:spPr>
+          <a:xfrm>
+            <a:off x="628650" y="0"/>
+            <a:ext cx="7886700" cy="615602"/>
+          </a:xfrm>
+        </p:spPr>
+        <p:txBody>
+          <a:bodyPr>
+            <a:normAutofit fontScale="90000"/>
+          </a:bodyPr>
+          <a:lstStyle/>
+          <a:p>
+            <a:pPr algn="ctr"/>
+            <a:r>
+              <a:rPr lang="it-IT" dirty="0"/>
+              <a:t>ECAM </a:t>
+            </a:r>
+            <a:r>
+              <a:rPr lang="it-IT" dirty="0" err="1"/>
+              <a:t>NeuMF</a:t>
+            </a:r>
+            <a:endParaRPr lang="it-IT" dirty="0"/>
+          </a:p>
+        </p:txBody>
+      </p:sp>
+      <p:sp>
+        <p:nvSpPr>
+          <p:cNvPr id="3" name="Segnaposto contenuto 2">
+            <a:extLst>
+              <a:ext uri="{FF2B5EF4-FFF2-40B4-BE49-F238E27FC236}">
+                <a16:creationId xmlns:a16="http://schemas.microsoft.com/office/drawing/2014/main" id="{BC013D25-AD78-4C9E-A6B1-5E9D9F35E915}"/>
+              </a:ext>
+            </a:extLst>
+          </p:cNvPr>
+          <p:cNvSpPr>
+            <a:spLocks noGrp="1"/>
+          </p:cNvSpPr>
+          <p:nvPr>
+            <p:ph idx="1"/>
+          </p:nvPr>
+        </p:nvSpPr>
+        <p:spPr>
+          <a:xfrm>
+            <a:off x="628648" y="3927378"/>
+            <a:ext cx="8335839" cy="2813990"/>
+          </a:xfrm>
+        </p:spPr>
+        <p:txBody>
+          <a:bodyPr>
+            <a:normAutofit fontScale="62500" lnSpcReduction="20000"/>
+          </a:bodyPr>
+          <a:lstStyle/>
+          <a:p>
+            <a:r>
+              <a:rPr lang="it-IT" dirty="0" err="1"/>
+              <a:t>Context-aware</a:t>
+            </a:r>
+            <a:r>
+              <a:rPr lang="it-IT" dirty="0"/>
+              <a:t> </a:t>
+            </a:r>
+            <a:r>
+              <a:rPr lang="it-IT" dirty="0" err="1"/>
+              <a:t>neural</a:t>
+            </a:r>
+            <a:r>
+              <a:rPr lang="it-IT" dirty="0"/>
+              <a:t> </a:t>
+            </a:r>
+            <a:r>
+              <a:rPr lang="it-IT" dirty="0" err="1"/>
+              <a:t>matrix</a:t>
+            </a:r>
+            <a:r>
+              <a:rPr lang="it-IT" dirty="0"/>
+              <a:t> </a:t>
+            </a:r>
+            <a:r>
+              <a:rPr lang="it-IT" dirty="0" err="1"/>
+              <a:t>factorization</a:t>
+            </a:r>
+            <a:r>
+              <a:rPr lang="it-IT" dirty="0"/>
+              <a:t> (ECAM </a:t>
+            </a:r>
+            <a:r>
+              <a:rPr lang="it-IT" dirty="0" err="1"/>
+              <a:t>NeuMF</a:t>
+            </a:r>
+            <a:r>
+              <a:rPr lang="it-IT" dirty="0"/>
+              <a:t>)</a:t>
+            </a:r>
+          </a:p>
+          <a:p>
+            <a:r>
+              <a:rPr lang="it-IT" dirty="0"/>
+              <a:t>Sistema di raccomandazione </a:t>
+            </a:r>
+            <a:r>
+              <a:rPr lang="it-IT" dirty="0" err="1"/>
+              <a:t>context-aware</a:t>
+            </a:r>
+            <a:r>
+              <a:rPr lang="it-IT" dirty="0"/>
+              <a:t> stato dell’arte</a:t>
+            </a:r>
+          </a:p>
+          <a:p>
+            <a:r>
+              <a:rPr lang="it-IT" dirty="0"/>
+              <a:t>Combina una rete neurale con l’approccio </a:t>
+            </a:r>
+            <a:r>
+              <a:rPr lang="it-IT" dirty="0" err="1"/>
+              <a:t>matrix</a:t>
+            </a:r>
+            <a:r>
+              <a:rPr lang="it-IT" dirty="0"/>
+              <a:t> </a:t>
+            </a:r>
+            <a:r>
+              <a:rPr lang="it-IT" dirty="0" err="1"/>
+              <a:t>factorization</a:t>
+            </a:r>
+            <a:endParaRPr lang="it-IT" dirty="0"/>
+          </a:p>
+          <a:p>
+            <a:r>
+              <a:rPr lang="it-IT" dirty="0"/>
+              <a:t>Aggiunge  il contesto dell’utente al modello </a:t>
+            </a:r>
+            <a:r>
+              <a:rPr lang="it-IT" dirty="0" err="1"/>
+              <a:t>NeuMF</a:t>
+            </a:r>
+            <a:endParaRPr lang="it-IT" dirty="0"/>
+          </a:p>
+          <a:p>
+            <a:r>
+              <a:rPr lang="it-IT" dirty="0"/>
+              <a:t>Input: </a:t>
+            </a:r>
+          </a:p>
+          <a:p>
+            <a:pPr lvl="1"/>
+            <a:r>
+              <a:rPr lang="it-IT" dirty="0"/>
+              <a:t>ID utente come vettore in one hot </a:t>
+            </a:r>
+            <a:r>
+              <a:rPr lang="it-IT" dirty="0" err="1"/>
+              <a:t>encoding</a:t>
+            </a:r>
+            <a:endParaRPr lang="it-IT" dirty="0"/>
+          </a:p>
+          <a:p>
+            <a:pPr lvl="1"/>
+            <a:r>
+              <a:rPr lang="it-IT" dirty="0"/>
+              <a:t>ID oggetto come vettore in one hot </a:t>
+            </a:r>
+            <a:r>
+              <a:rPr lang="it-IT" dirty="0" err="1"/>
+              <a:t>encoding</a:t>
+            </a:r>
+            <a:endParaRPr lang="it-IT" dirty="0"/>
+          </a:p>
+          <a:p>
+            <a:pPr lvl="1"/>
+            <a:r>
+              <a:rPr lang="it-IT" dirty="0"/>
+              <a:t>Vettore per il contesto</a:t>
+            </a:r>
+          </a:p>
+          <a:p>
+            <a:r>
+              <a:rPr lang="it-IT" dirty="0"/>
+              <a:t>Il numero di utenti e oggetti è fisso: i vettori in one hot </a:t>
+            </a:r>
+            <a:r>
+              <a:rPr lang="it-IT" dirty="0" err="1"/>
+              <a:t>encoding</a:t>
+            </a:r>
+            <a:r>
+              <a:rPr lang="it-IT" dirty="0"/>
+              <a:t> hanno dimensione pari al numero di utenti e oggetti</a:t>
+            </a:r>
+          </a:p>
+        </p:txBody>
+      </p:sp>
+      <p:pic>
+        <p:nvPicPr>
+          <p:cNvPr id="5" name="Immagine 4">
+            <a:extLst>
+              <a:ext uri="{FF2B5EF4-FFF2-40B4-BE49-F238E27FC236}">
+                <a16:creationId xmlns:a16="http://schemas.microsoft.com/office/drawing/2014/main" id="{76B614B3-C5C1-485B-B14B-E1CFCDE3F353}"/>
+              </a:ext>
+            </a:extLst>
+          </p:cNvPr>
+          <p:cNvPicPr>
+            <a:picLocks noChangeAspect="1"/>
+          </p:cNvPicPr>
+          <p:nvPr/>
+        </p:nvPicPr>
+        <p:blipFill>
+          <a:blip r:embed="rId2">
+            <a:extLst>
+              <a:ext uri="{28A0092B-C50C-407E-A947-70E740481C1C}">
+                <a14:useLocalDpi xmlns:a14="http://schemas.microsoft.com/office/drawing/2010/main" val="0"/>
+              </a:ext>
+            </a:extLst>
+          </a:blip>
+          <a:stretch>
+            <a:fillRect/>
+          </a:stretch>
+        </p:blipFill>
+        <p:spPr>
+          <a:xfrm>
+            <a:off x="1519550" y="615602"/>
+            <a:ext cx="6104899" cy="3311776"/>
+          </a:xfrm>
+          <a:prstGeom prst="rect">
+            <a:avLst/>
+          </a:prstGeom>
+        </p:spPr>
+      </p:pic>
+    </p:spTree>
+    <p:extLst>
+      <p:ext uri="{BB962C8B-B14F-4D97-AF65-F5344CB8AC3E}">
+        <p14:creationId xmlns:p14="http://schemas.microsoft.com/office/powerpoint/2010/main" val="2707039671"/>
+      </p:ext>
+    </p:extLst>
+  </p:cSld>
+  <p:clrMapOvr>
+    <a:masterClrMapping/>
+  </p:clrMapOvr>
+</p:sld>
+</file>
+
+<file path=ppt/slides/slide6.xml><?xml version="1.0" encoding="utf-8"?>
+<p:sld xmlns:a="http://schemas.openxmlformats.org/drawingml/2006/main" xmlns:r="http://schemas.openxmlformats.org/officeDocument/2006/relationships" xmlns:p="http://schemas.openxmlformats.org/presentationml/2006/main">
+  <p:cSld>
+    <p:spTree>
+      <p:nvGrpSpPr>
+        <p:cNvPr id="1" name=""/>
+        <p:cNvGrpSpPr/>
+        <p:nvPr/>
+      </p:nvGrpSpPr>
+      <p:grpSpPr>
+        <a:xfrm>
+          <a:off x="0" y="0"/>
+          <a:ext cx="0" cy="0"/>
+          <a:chOff x="0" y="0"/>
+          <a:chExt cx="0" cy="0"/>
+        </a:xfrm>
+      </p:grpSpPr>
+      <p:sp>
+        <p:nvSpPr>
+          <p:cNvPr id="2" name="Titolo 1">
+            <a:extLst>
+              <a:ext uri="{FF2B5EF4-FFF2-40B4-BE49-F238E27FC236}">
+                <a16:creationId xmlns:a16="http://schemas.microsoft.com/office/drawing/2014/main" id="{83C26057-B5D8-4F43-A76F-09CA4FF784BB}"/>
+              </a:ext>
+            </a:extLst>
+          </p:cNvPr>
+          <p:cNvSpPr>
+            <a:spLocks noGrp="1"/>
+          </p:cNvSpPr>
+          <p:nvPr>
+            <p:ph type="title"/>
+          </p:nvPr>
+        </p:nvSpPr>
+        <p:spPr>
+          <a:xfrm>
+            <a:off x="644642" y="101408"/>
+            <a:ext cx="7876331" cy="504056"/>
+          </a:xfrm>
+        </p:spPr>
+        <p:txBody>
+          <a:bodyPr>
+            <a:noAutofit/>
+          </a:bodyPr>
+          <a:lstStyle/>
+          <a:p>
+            <a:pPr algn="ctr"/>
+            <a:r>
+              <a:rPr lang="it-IT" sz="4000" dirty="0" err="1"/>
+              <a:t>moveCARS</a:t>
+            </a:r>
+            <a:endParaRPr lang="it-IT" sz="4000" dirty="0"/>
+          </a:p>
+        </p:txBody>
+      </p:sp>
+      <p:pic>
+        <p:nvPicPr>
+          <p:cNvPr id="10" name="Elemento grafico 9">
+            <a:extLst>
+              <a:ext uri="{FF2B5EF4-FFF2-40B4-BE49-F238E27FC236}">
+                <a16:creationId xmlns:a16="http://schemas.microsoft.com/office/drawing/2014/main" id="{7B467268-CB2B-4D0A-A7DD-22E88BDA41A4}"/>
+              </a:ext>
+            </a:extLst>
+          </p:cNvPr>
+          <p:cNvPicPr>
+            <a:picLocks noChangeAspect="1"/>
+          </p:cNvPicPr>
+          <p:nvPr/>
+        </p:nvPicPr>
+        <p:blipFill>
+          <a:blip r:embed="rId2">
+            <a:extLst>
+              <a:ext uri="{28A0092B-C50C-407E-A947-70E740481C1C}">
+                <a14:useLocalDpi xmlns:a14="http://schemas.microsoft.com/office/drawing/2010/main" val="0"/>
+              </a:ext>
+              <a:ext uri="{96DAC541-7B7A-43D3-8B79-37D633B846F1}">
+                <asvg:svgBlip xmlns:asvg="http://schemas.microsoft.com/office/drawing/2016/SVG/main" r:embed="rId3"/>
+              </a:ext>
+            </a:extLst>
+          </a:blip>
+          <a:stretch>
+            <a:fillRect/>
+          </a:stretch>
+        </p:blipFill>
+        <p:spPr>
+          <a:xfrm>
+            <a:off x="1484568" y="616785"/>
+            <a:ext cx="6174864" cy="2812215"/>
+          </a:xfrm>
+          <a:prstGeom prst="rect">
+            <a:avLst/>
+          </a:prstGeom>
+        </p:spPr>
+      </p:pic>
+      <mc:AlternateContent xmlns:mc="http://schemas.openxmlformats.org/markup-compatibility/2006" xmlns:a14="http://schemas.microsoft.com/office/drawing/2010/main">
+        <mc:Choice Requires="a14">
+          <p:sp>
+            <p:nvSpPr>
+              <p:cNvPr id="11" name="CasellaDiTesto 10">
+                <a:extLst>
+                  <a:ext uri="{FF2B5EF4-FFF2-40B4-BE49-F238E27FC236}">
+                    <a16:creationId xmlns:a16="http://schemas.microsoft.com/office/drawing/2014/main" id="{C8436A35-7E58-4C51-9E8D-E4EB2D67D0F8}"/>
+                  </a:ext>
+                </a:extLst>
+              </p:cNvPr>
+              <p:cNvSpPr txBox="1"/>
+              <p:nvPr/>
+            </p:nvSpPr>
+            <p:spPr>
+              <a:xfrm>
+                <a:off x="633834" y="3501008"/>
+                <a:ext cx="8042622" cy="3356992"/>
+              </a:xfrm>
+              <a:prstGeom prst="rect">
+                <a:avLst/>
+              </a:prstGeom>
+              <a:noFill/>
+            </p:spPr>
+            <p:txBody>
+              <a:bodyPr wrap="square" rtlCol="0">
+                <a:normAutofit fontScale="92500" lnSpcReduction="10000"/>
+              </a:bodyPr>
+              <a:lstStyle/>
+              <a:p>
+                <a:r>
+                  <a:rPr lang="it-IT" sz="1900" dirty="0"/>
+                  <a:t>MObile </a:t>
+                </a:r>
+                <a:r>
+                  <a:rPr lang="it-IT" sz="1900" dirty="0" err="1"/>
+                  <a:t>pervasiVE</a:t>
+                </a:r>
+                <a:r>
+                  <a:rPr lang="it-IT" sz="1900" dirty="0"/>
+                  <a:t> </a:t>
+                </a:r>
+                <a:r>
+                  <a:rPr lang="it-IT" sz="1900" dirty="0" err="1"/>
+                  <a:t>Context-Aware</a:t>
+                </a:r>
+                <a:r>
+                  <a:rPr lang="it-IT" sz="1900" dirty="0"/>
+                  <a:t> </a:t>
+                </a:r>
+                <a:r>
+                  <a:rPr lang="it-IT" sz="1900" dirty="0" err="1"/>
+                  <a:t>Recommender</a:t>
+                </a:r>
+                <a:r>
+                  <a:rPr lang="it-IT" sz="1900" dirty="0"/>
+                  <a:t> System (</a:t>
+                </a:r>
+                <a:r>
+                  <a:rPr lang="it-IT" sz="1900" dirty="0" err="1"/>
+                  <a:t>moveCARS</a:t>
+                </a:r>
+                <a:r>
+                  <a:rPr lang="it-IT" sz="1900" dirty="0"/>
+                  <a:t>)</a:t>
+                </a:r>
+              </a:p>
+              <a:p>
+                <a:endParaRPr lang="it-IT" sz="1900" dirty="0"/>
+              </a:p>
+              <a:p>
+                <a:r>
+                  <a:rPr lang="it-IT" sz="1900" dirty="0"/>
+                  <a:t>Al posto degli ID di utenti e oggetti si usano delle feature che li caratterizzano</a:t>
+                </a:r>
+              </a:p>
+              <a:p>
+                <a:endParaRPr lang="it-IT" sz="1900" dirty="0"/>
+              </a:p>
+              <a:p>
+                <a:r>
+                  <a:rPr lang="it-IT" sz="1900" b="1" dirty="0"/>
+                  <a:t>Input:</a:t>
+                </a:r>
+              </a:p>
+              <a:p>
+                <a:pPr marL="285750" indent="-285750">
+                  <a:buFont typeface="Arial" panose="020B0604020202020204" pitchFamily="34" charset="0"/>
+                  <a:buChar char="•"/>
+                </a:pPr>
+                <a:r>
+                  <a:rPr lang="it-IT" sz="1900" dirty="0"/>
+                  <a:t>Feature dell’utente </a:t>
+                </a:r>
+                <a14:m>
+                  <m:oMath xmlns:m="http://schemas.openxmlformats.org/officeDocument/2006/math">
+                    <m:r>
+                      <a:rPr lang="it-IT" sz="1900" b="0" i="1" smtClean="0">
+                        <a:latin typeface="Cambria Math" panose="02040503050406030204" pitchFamily="18" charset="0"/>
+                      </a:rPr>
+                      <m:t>𝑢</m:t>
+                    </m:r>
+                  </m:oMath>
+                </a14:m>
+                <a:endParaRPr lang="it-IT" sz="1900" dirty="0"/>
+              </a:p>
+              <a:p>
+                <a:pPr marL="285750" indent="-285750">
+                  <a:buFont typeface="Arial" panose="020B0604020202020204" pitchFamily="34" charset="0"/>
+                  <a:buChar char="•"/>
+                </a:pPr>
+                <a:r>
+                  <a:rPr lang="it-IT" sz="1900" dirty="0"/>
+                  <a:t>Feature dell’oggetto </a:t>
+                </a:r>
+                <a14:m>
+                  <m:oMath xmlns:m="http://schemas.openxmlformats.org/officeDocument/2006/math">
+                    <m:r>
+                      <a:rPr lang="it-IT" sz="1900" b="0" i="1" smtClean="0">
+                        <a:latin typeface="Cambria Math" panose="02040503050406030204" pitchFamily="18" charset="0"/>
+                      </a:rPr>
+                      <m:t>𝑖</m:t>
+                    </m:r>
+                  </m:oMath>
+                </a14:m>
+                <a:endParaRPr lang="it-IT" sz="1900" dirty="0"/>
+              </a:p>
+              <a:p>
+                <a:pPr marL="285750" indent="-285750">
+                  <a:buFont typeface="Arial" panose="020B0604020202020204" pitchFamily="34" charset="0"/>
+                  <a:buChar char="•"/>
+                </a:pPr>
+                <a:r>
+                  <a:rPr lang="it-IT" sz="1900" dirty="0"/>
+                  <a:t>Feature di contesto fisico </a:t>
+                </a:r>
+                <a14:m>
+                  <m:oMath xmlns:m="http://schemas.openxmlformats.org/officeDocument/2006/math">
+                    <m:r>
+                      <a:rPr lang="it-IT" sz="1900" b="0" i="1" smtClean="0">
+                        <a:latin typeface="Cambria Math" panose="02040503050406030204" pitchFamily="18" charset="0"/>
+                      </a:rPr>
+                      <m:t>𝑝</m:t>
+                    </m:r>
+                  </m:oMath>
+                </a14:m>
+                <a:endParaRPr lang="it-IT" sz="1900" dirty="0"/>
+              </a:p>
+              <a:p>
+                <a:pPr marL="285750" indent="-285750">
+                  <a:buFont typeface="Arial" panose="020B0604020202020204" pitchFamily="34" charset="0"/>
+                  <a:buChar char="•"/>
+                </a:pPr>
+                <a:r>
+                  <a:rPr lang="it-IT" sz="1900" dirty="0"/>
+                  <a:t>Feature di contesto sociale </a:t>
+                </a:r>
+                <a14:m>
+                  <m:oMath xmlns:m="http://schemas.openxmlformats.org/officeDocument/2006/math">
+                    <m:r>
+                      <a:rPr lang="it-IT" sz="1900" b="0" i="1" smtClean="0">
+                        <a:latin typeface="Cambria Math" panose="02040503050406030204" pitchFamily="18" charset="0"/>
+                      </a:rPr>
+                      <m:t>𝑠</m:t>
+                    </m:r>
+                  </m:oMath>
+                </a14:m>
+                <a:endParaRPr lang="it-IT" sz="1900" dirty="0"/>
+              </a:p>
+              <a:p>
+                <a:pPr marL="285750" indent="-285750">
+                  <a:buFont typeface="Arial" panose="020B0604020202020204" pitchFamily="34" charset="0"/>
+                  <a:buChar char="•"/>
+                </a:pPr>
+                <a:endParaRPr lang="it-IT" sz="1900" dirty="0"/>
+              </a:p>
+              <a:p>
+                <a:r>
+                  <a:rPr lang="it-IT" sz="1900" b="1" dirty="0"/>
+                  <a:t>Output: </a:t>
+                </a:r>
+                <a:r>
+                  <a:rPr lang="it-IT" sz="1900" dirty="0"/>
+                  <a:t>L’oggetto </a:t>
+                </a:r>
+                <a14:m>
+                  <m:oMath xmlns:m="http://schemas.openxmlformats.org/officeDocument/2006/math">
+                    <m:r>
+                      <a:rPr lang="it-IT" sz="1900" b="0" i="1" smtClean="0">
+                        <a:latin typeface="Cambria Math" panose="02040503050406030204" pitchFamily="18" charset="0"/>
+                      </a:rPr>
+                      <m:t>𝑖</m:t>
+                    </m:r>
+                  </m:oMath>
+                </a14:m>
+                <a:r>
+                  <a:rPr lang="it-IT" sz="1900" dirty="0"/>
+                  <a:t> è rilevante / non è rilevante per l’utente </a:t>
+                </a:r>
+                <a14:m>
+                  <m:oMath xmlns:m="http://schemas.openxmlformats.org/officeDocument/2006/math">
+                    <m:r>
+                      <a:rPr lang="it-IT" sz="1900" b="0" i="1" smtClean="0">
+                        <a:latin typeface="Cambria Math" panose="02040503050406030204" pitchFamily="18" charset="0"/>
+                      </a:rPr>
+                      <m:t>𝑢</m:t>
+                    </m:r>
+                  </m:oMath>
+                </a14:m>
+                <a:r>
+                  <a:rPr lang="it-IT" sz="1900" dirty="0"/>
+                  <a:t> nei contesti </a:t>
+                </a:r>
+                <a14:m>
+                  <m:oMath xmlns:m="http://schemas.openxmlformats.org/officeDocument/2006/math">
+                    <m:r>
+                      <a:rPr lang="it-IT" sz="1900" i="1">
+                        <a:latin typeface="Cambria Math" panose="02040503050406030204" pitchFamily="18" charset="0"/>
+                      </a:rPr>
+                      <m:t>𝑝</m:t>
+                    </m:r>
+                  </m:oMath>
+                </a14:m>
+                <a:r>
+                  <a:rPr lang="it-IT" sz="1900" dirty="0"/>
+                  <a:t> e </a:t>
+                </a:r>
+                <a14:m>
+                  <m:oMath xmlns:m="http://schemas.openxmlformats.org/officeDocument/2006/math">
+                    <m:r>
+                      <a:rPr lang="it-IT" sz="1900" i="1">
+                        <a:latin typeface="Cambria Math" panose="02040503050406030204" pitchFamily="18" charset="0"/>
+                      </a:rPr>
+                      <m:t>𝑠</m:t>
+                    </m:r>
+                  </m:oMath>
+                </a14:m>
+                <a:endParaRPr lang="it-IT" sz="1900" dirty="0"/>
+              </a:p>
+              <a:p>
+                <a:pPr marL="285750" indent="-285750">
+                  <a:buFont typeface="Arial" panose="020B0604020202020204" pitchFamily="34" charset="0"/>
+                  <a:buChar char="•"/>
+                </a:pPr>
+                <a:endParaRPr lang="it-IT" sz="1900" dirty="0"/>
+              </a:p>
+              <a:p>
+                <a:r>
+                  <a:rPr lang="it-IT" sz="1900" b="1" dirty="0"/>
+                  <a:t>Vantaggio: </a:t>
+                </a:r>
+                <a:r>
+                  <a:rPr lang="it-IT" sz="1900" dirty="0"/>
+                  <a:t>può raccomandare oggetti mai visti all’utente </a:t>
+                </a:r>
+              </a:p>
+              <a:p>
+                <a:endParaRPr lang="it-IT" dirty="0"/>
+              </a:p>
+              <a:p>
+                <a:pPr marL="285750" indent="-285750">
+                  <a:buFont typeface="Arial" panose="020B0604020202020204" pitchFamily="34" charset="0"/>
+                  <a:buChar char="•"/>
+                </a:pPr>
+                <a:endParaRPr lang="it-IT" dirty="0"/>
+              </a:p>
+              <a:p>
+                <a:pPr marL="285750" indent="-285750">
+                  <a:buFont typeface="Arial" panose="020B0604020202020204" pitchFamily="34" charset="0"/>
+                  <a:buChar char="•"/>
+                </a:pPr>
+                <a:endParaRPr lang="it-IT" dirty="0"/>
+              </a:p>
+              <a:p>
+                <a:pPr marL="285750" indent="-285750">
+                  <a:buFont typeface="Arial" panose="020B0604020202020204" pitchFamily="34" charset="0"/>
+                  <a:buChar char="•"/>
+                </a:pPr>
+                <a:endParaRPr lang="it-IT" dirty="0"/>
+              </a:p>
+              <a:p>
+                <a:pPr marL="285750" indent="-285750">
+                  <a:buFont typeface="Arial" panose="020B0604020202020204" pitchFamily="34" charset="0"/>
+                  <a:buChar char="•"/>
+                </a:pPr>
+                <a:endParaRPr lang="it-IT" dirty="0"/>
+              </a:p>
+              <a:p>
+                <a:pPr marL="285750" indent="-285750">
+                  <a:buFont typeface="Arial" panose="020B0604020202020204" pitchFamily="34" charset="0"/>
+                  <a:buChar char="•"/>
+                </a:pPr>
+                <a:endParaRPr lang="it-IT" dirty="0"/>
+              </a:p>
+            </p:txBody>
+          </p:sp>
+        </mc:Choice>
+        <mc:Fallback xmlns="">
+          <p:sp>
+            <p:nvSpPr>
+              <p:cNvPr id="11" name="CasellaDiTesto 10">
+                <a:extLst>
+                  <a:ext uri="{FF2B5EF4-FFF2-40B4-BE49-F238E27FC236}">
+                    <a16:creationId xmlns:a16="http://schemas.microsoft.com/office/drawing/2014/main" id="{C8436A35-7E58-4C51-9E8D-E4EB2D67D0F8}"/>
+                  </a:ext>
+                </a:extLst>
+              </p:cNvPr>
+              <p:cNvSpPr txBox="1">
+                <a:spLocks noRot="1" noChangeAspect="1" noMove="1" noResize="1" noEditPoints="1" noAdjustHandles="1" noChangeArrowheads="1" noChangeShapeType="1" noTextEdit="1"/>
+              </p:cNvSpPr>
+              <p:nvPr/>
+            </p:nvSpPr>
+            <p:spPr>
+              <a:xfrm>
+                <a:off x="633834" y="3501008"/>
+                <a:ext cx="8042622" cy="3356992"/>
+              </a:xfrm>
+              <a:prstGeom prst="rect">
+                <a:avLst/>
+              </a:prstGeom>
+              <a:blipFill>
+                <a:blip r:embed="rId4"/>
+                <a:stretch>
+                  <a:fillRect l="-682" t="-1633" b="-1270"/>
+                </a:stretch>
+              </a:blipFill>
+            </p:spPr>
+            <p:txBody>
+              <a:bodyPr/>
+              <a:lstStyle/>
+              <a:p>
+                <a:r>
+                  <a:rPr lang="it-IT">
+                    <a:noFill/>
+                  </a:rPr>
+                  <a:t> </a:t>
+                </a:r>
+              </a:p>
+            </p:txBody>
+          </p:sp>
+        </mc:Fallback>
+      </mc:AlternateContent>
+    </p:spTree>
+    <p:extLst>
+      <p:ext uri="{BB962C8B-B14F-4D97-AF65-F5344CB8AC3E}">
+        <p14:creationId xmlns:p14="http://schemas.microsoft.com/office/powerpoint/2010/main" val="2437090301"/>
+      </p:ext>
+    </p:extLst>
+  </p:cSld>
+  <p:clrMapOvr>
+    <a:masterClrMapping/>
+  </p:clrMapOvr>
+</p:sld>
+</file>
+
+<file path=ppt/slides/slide7.xml><?xml version="1.0" encoding="utf-8"?>
+<p:sld xmlns:a="http://schemas.openxmlformats.org/drawingml/2006/main" xmlns:r="http://schemas.openxmlformats.org/officeDocument/2006/relationships" xmlns:p="http://schemas.openxmlformats.org/presentationml/2006/main">
+  <p:cSld>
+    <p:spTree>
+      <p:nvGrpSpPr>
+        <p:cNvPr id="1" name=""/>
+        <p:cNvGrpSpPr/>
+        <p:nvPr/>
+      </p:nvGrpSpPr>
+      <p:grpSpPr>
+        <a:xfrm>
+          <a:off x="0" y="0"/>
+          <a:ext cx="0" cy="0"/>
+          <a:chOff x="0" y="0"/>
+          <a:chExt cx="0" cy="0"/>
+        </a:xfrm>
+      </p:grpSpPr>
+      <p:pic>
+        <p:nvPicPr>
+          <p:cNvPr id="5" name="Segnaposto contenuto 4">
+            <a:extLst>
+              <a:ext uri="{FF2B5EF4-FFF2-40B4-BE49-F238E27FC236}">
+                <a16:creationId xmlns:a16="http://schemas.microsoft.com/office/drawing/2014/main" id="{7B2F589F-869C-4E95-849F-3C8C762D0C7F}"/>
+              </a:ext>
+            </a:extLst>
+          </p:cNvPr>
+          <p:cNvPicPr>
+            <a:picLocks noGrp="1" noChangeAspect="1"/>
+          </p:cNvPicPr>
+          <p:nvPr>
+            <p:ph idx="1"/>
+          </p:nvPr>
+        </p:nvPicPr>
+        <p:blipFill>
+          <a:blip r:embed="rId2">
+            <a:extLst>
+              <a:ext uri="{28A0092B-C50C-407E-A947-70E740481C1C}">
+                <a14:useLocalDpi xmlns:a14="http://schemas.microsoft.com/office/drawing/2010/main" val="0"/>
+              </a:ext>
+              <a:ext uri="{96DAC541-7B7A-43D3-8B79-37D633B846F1}">
+                <asvg:svgBlip xmlns:asvg="http://schemas.microsoft.com/office/drawing/2016/SVG/main" r:embed="rId3"/>
+              </a:ext>
+            </a:extLst>
+          </a:blip>
+          <a:stretch>
+            <a:fillRect/>
+          </a:stretch>
+        </p:blipFill>
+        <p:spPr>
+          <a:xfrm>
+            <a:off x="251520" y="292180"/>
+            <a:ext cx="4464496" cy="6273640"/>
+          </a:xfrm>
+        </p:spPr>
+      </p:pic>
+      <p:sp>
+        <p:nvSpPr>
+          <p:cNvPr id="10" name="CasellaDiTesto 9">
+            <a:extLst>
+              <a:ext uri="{FF2B5EF4-FFF2-40B4-BE49-F238E27FC236}">
+                <a16:creationId xmlns:a16="http://schemas.microsoft.com/office/drawing/2014/main" id="{4672DC03-2FF2-4FC7-B1C8-F2DA3EB94C0F}"/>
+              </a:ext>
+            </a:extLst>
+          </p:cNvPr>
+          <p:cNvSpPr txBox="1"/>
+          <p:nvPr/>
+        </p:nvSpPr>
+        <p:spPr>
+          <a:xfrm>
+            <a:off x="5004048" y="1720840"/>
+            <a:ext cx="3744416" cy="3416320"/>
+          </a:xfrm>
+          <a:prstGeom prst="rect">
+            <a:avLst/>
+          </a:prstGeom>
+          <a:noFill/>
+        </p:spPr>
+        <p:txBody>
+          <a:bodyPr wrap="square" rtlCol="0">
+            <a:spAutoFit/>
+          </a:bodyPr>
+          <a:lstStyle/>
+          <a:p>
+            <a:pPr marL="285750" indent="-285750">
+              <a:buFont typeface="Arial" panose="020B0604020202020204" pitchFamily="34" charset="0"/>
+              <a:buChar char="•"/>
+            </a:pPr>
+            <a:r>
+              <a:rPr lang="it-IT" dirty="0"/>
+              <a:t>Un database mantiene salvate le informazioni scoperte dal dispositivo dell’utente tramite comunicazione D2D</a:t>
+            </a:r>
+          </a:p>
+          <a:p>
+            <a:pPr marL="285750" indent="-285750">
+              <a:buFont typeface="Arial" panose="020B0604020202020204" pitchFamily="34" charset="0"/>
+              <a:buChar char="•"/>
+            </a:pPr>
+            <a:endParaRPr lang="it-IT" dirty="0"/>
+          </a:p>
+          <a:p>
+            <a:pPr marL="285750" indent="-285750">
+              <a:buFont typeface="Arial" panose="020B0604020202020204" pitchFamily="34" charset="0"/>
+              <a:buChar char="•"/>
+            </a:pPr>
+            <a:r>
+              <a:rPr lang="it-IT" dirty="0"/>
+              <a:t>Il contesto dell’utente è rilevato utilizzando i sensori dello smartphone e le interazioni sugli online social network</a:t>
+            </a:r>
+          </a:p>
+          <a:p>
+            <a:pPr marL="285750" indent="-285750">
+              <a:buFont typeface="Arial" panose="020B0604020202020204" pitchFamily="34" charset="0"/>
+              <a:buChar char="•"/>
+            </a:pPr>
+            <a:endParaRPr lang="it-IT" dirty="0"/>
+          </a:p>
+          <a:p>
+            <a:pPr marL="285750" indent="-285750">
+              <a:buFont typeface="Arial" panose="020B0604020202020204" pitchFamily="34" charset="0"/>
+              <a:buChar char="•"/>
+            </a:pPr>
+            <a:r>
+              <a:rPr lang="it-IT" dirty="0"/>
+              <a:t>Il contesto sociale è modellato da una ego network</a:t>
+            </a:r>
+          </a:p>
+        </p:txBody>
+      </p:sp>
+    </p:spTree>
+    <p:extLst>
+      <p:ext uri="{BB962C8B-B14F-4D97-AF65-F5344CB8AC3E}">
+        <p14:creationId xmlns:p14="http://schemas.microsoft.com/office/powerpoint/2010/main" val="3525206491"/>
+      </p:ext>
+    </p:extLst>
+  </p:cSld>
+  <p:clrMapOvr>
+    <a:masterClrMapping/>
+  </p:clrMapOvr>
+</p:sld>
+</file>
+
+<file path=ppt/slides/slide8.xml><?xml version="1.0" encoding="utf-8"?>
+<p:sld xmlns:a="http://schemas.openxmlformats.org/drawingml/2006/main" xmlns:r="http://schemas.openxmlformats.org/officeDocument/2006/relationships" xmlns:p="http://schemas.openxmlformats.org/presentationml/2006/main">
+  <p:cSld>
+    <p:spTree>
+      <p:nvGrpSpPr>
+        <p:cNvPr id="1" name=""/>
+        <p:cNvGrpSpPr/>
+        <p:nvPr/>
+      </p:nvGrpSpPr>
+      <p:grpSpPr>
+        <a:xfrm>
+          <a:off x="0" y="0"/>
+          <a:ext cx="0" cy="0"/>
+          <a:chOff x="0" y="0"/>
+          <a:chExt cx="0" cy="0"/>
+        </a:xfrm>
+      </p:grpSpPr>
+      <p:sp>
+        <p:nvSpPr>
+          <p:cNvPr id="2" name="Titolo 1">
+            <a:extLst>
+              <a:ext uri="{FF2B5EF4-FFF2-40B4-BE49-F238E27FC236}">
+                <a16:creationId xmlns:a16="http://schemas.microsoft.com/office/drawing/2014/main" id="{6B5C8CE6-773B-4C99-A303-3A55CAA756D3}"/>
+              </a:ext>
+            </a:extLst>
+          </p:cNvPr>
+          <p:cNvSpPr>
+            <a:spLocks noGrp="1"/>
+          </p:cNvSpPr>
+          <p:nvPr>
+            <p:ph type="title"/>
+          </p:nvPr>
+        </p:nvSpPr>
+        <p:spPr>
+          <a:xfrm>
+            <a:off x="539552" y="117066"/>
+            <a:ext cx="7886700" cy="421929"/>
+          </a:xfrm>
+        </p:spPr>
+        <p:txBody>
+          <a:bodyPr>
+            <a:noAutofit/>
+          </a:bodyPr>
+          <a:lstStyle/>
+          <a:p>
+            <a:pPr algn="ctr"/>
+            <a:r>
+              <a:rPr lang="it-IT" dirty="0"/>
+              <a:t>Dataset</a:t>
+            </a:r>
+          </a:p>
+        </p:txBody>
+      </p:sp>
+      <p:sp>
+        <p:nvSpPr>
+          <p:cNvPr id="3" name="Segnaposto contenuto 2">
+            <a:extLst>
+              <a:ext uri="{FF2B5EF4-FFF2-40B4-BE49-F238E27FC236}">
+                <a16:creationId xmlns:a16="http://schemas.microsoft.com/office/drawing/2014/main" id="{BE723A70-E80B-4CA0-941A-CB18D109A863}"/>
+              </a:ext>
+            </a:extLst>
+          </p:cNvPr>
+          <p:cNvSpPr>
+            <a:spLocks noGrp="1"/>
+          </p:cNvSpPr>
+          <p:nvPr>
+            <p:ph idx="1"/>
+          </p:nvPr>
+        </p:nvSpPr>
+        <p:spPr>
+          <a:xfrm>
+            <a:off x="179512" y="538995"/>
+            <a:ext cx="8784976" cy="2664296"/>
+          </a:xfrm>
+        </p:spPr>
+        <p:txBody>
+          <a:bodyPr>
+            <a:normAutofit fontScale="92500" lnSpcReduction="10000"/>
+          </a:bodyPr>
+          <a:lstStyle/>
+          <a:p>
+            <a:pPr marL="0" indent="0" algn="l">
+              <a:buNone/>
+            </a:pPr>
+            <a:r>
+              <a:rPr lang="it-IT" sz="2200" b="1" dirty="0"/>
+              <a:t>Frappe: </a:t>
+            </a:r>
+          </a:p>
+          <a:p>
+            <a:pPr marL="0" indent="0" algn="l">
+              <a:buNone/>
+            </a:pPr>
+            <a:r>
+              <a:rPr lang="it-IT" sz="1900" b="0" i="0" u="none" strike="noStrike" baseline="0" dirty="0"/>
+              <a:t>È un dataset di feedback impliciti collezionato da un sistema di raccomandazione </a:t>
+            </a:r>
+            <a:r>
+              <a:rPr lang="it-IT" sz="1900" b="0" i="0" u="none" strike="noStrike" baseline="0" dirty="0" err="1"/>
+              <a:t>context-aware</a:t>
+            </a:r>
+            <a:r>
+              <a:rPr lang="it-IT" sz="1900" b="0" i="0" u="none" strike="noStrike" baseline="0" dirty="0"/>
+              <a:t> di applicazioni Android.</a:t>
+            </a:r>
+          </a:p>
+          <a:p>
+            <a:pPr marL="0" indent="0" algn="l">
+              <a:buNone/>
+            </a:pPr>
+            <a:r>
+              <a:rPr lang="it-IT" sz="1900" dirty="0"/>
+              <a:t>Feature di contesto:</a:t>
+            </a:r>
+          </a:p>
+          <a:p>
+            <a:r>
+              <a:rPr lang="it-IT" sz="1900" dirty="0"/>
+              <a:t>Momento giornata</a:t>
+            </a:r>
+          </a:p>
+          <a:p>
+            <a:r>
+              <a:rPr lang="it-IT" sz="1900" dirty="0"/>
+              <a:t>Giorno della settimana</a:t>
+            </a:r>
+          </a:p>
+          <a:p>
+            <a:r>
+              <a:rPr lang="it-IT" sz="1900" dirty="0"/>
+              <a:t>Se è il fine settimana</a:t>
+            </a:r>
+          </a:p>
+          <a:p>
+            <a:r>
+              <a:rPr lang="it-IT" sz="1900" dirty="0"/>
+              <a:t>Meteo</a:t>
+            </a:r>
+          </a:p>
+          <a:p>
+            <a:pPr marL="0" indent="0">
+              <a:buNone/>
+            </a:pPr>
+            <a:endParaRPr lang="it-IT" b="1" dirty="0"/>
+          </a:p>
+        </p:txBody>
+      </p:sp>
+      <p:sp>
+        <p:nvSpPr>
+          <p:cNvPr id="9" name="CasellaDiTesto 8">
+            <a:extLst>
+              <a:ext uri="{FF2B5EF4-FFF2-40B4-BE49-F238E27FC236}">
+                <a16:creationId xmlns:a16="http://schemas.microsoft.com/office/drawing/2014/main" id="{A4BA0D4A-419D-4B7E-80B1-C402EFBEA01F}"/>
+              </a:ext>
+            </a:extLst>
+          </p:cNvPr>
+          <p:cNvSpPr txBox="1"/>
+          <p:nvPr/>
+        </p:nvSpPr>
+        <p:spPr>
+          <a:xfrm>
+            <a:off x="154792" y="3429000"/>
+            <a:ext cx="8809695" cy="936104"/>
+          </a:xfrm>
+          <a:prstGeom prst="rect">
+            <a:avLst/>
+          </a:prstGeom>
+          <a:noFill/>
+        </p:spPr>
+        <p:txBody>
+          <a:bodyPr wrap="square">
+            <a:normAutofit lnSpcReduction="10000"/>
+          </a:bodyPr>
+          <a:lstStyle/>
+          <a:p>
+            <a:r>
+              <a:rPr lang="it-IT" sz="2000" b="1" dirty="0"/>
+              <a:t>My Digital Footprint (MDF): </a:t>
+            </a:r>
+          </a:p>
+          <a:p>
+            <a:r>
+              <a:rPr lang="it-IT" dirty="0"/>
+              <a:t>È un nuovo dataset composto da dati di sensori di smartphone, informazioni di prossimità fisica, e interazioni sugli online social network.</a:t>
+            </a:r>
+          </a:p>
+          <a:p>
+            <a:endParaRPr lang="it-IT" dirty="0"/>
+          </a:p>
+          <a:p>
+            <a:endParaRPr lang="it-IT" dirty="0"/>
+          </a:p>
+          <a:p>
+            <a:endParaRPr lang="it-IT" dirty="0"/>
+          </a:p>
+          <a:p>
+            <a:endParaRPr lang="it-IT" dirty="0"/>
+          </a:p>
+          <a:p>
+            <a:endParaRPr lang="it-IT" dirty="0"/>
+          </a:p>
+        </p:txBody>
+      </p:sp>
+      <p:sp>
+        <p:nvSpPr>
+          <p:cNvPr id="10" name="CasellaDiTesto 9">
+            <a:extLst>
+              <a:ext uri="{FF2B5EF4-FFF2-40B4-BE49-F238E27FC236}">
+                <a16:creationId xmlns:a16="http://schemas.microsoft.com/office/drawing/2014/main" id="{3D9FFB73-567F-4A21-9A4E-FD1CA3A2DC3D}"/>
+              </a:ext>
+            </a:extLst>
+          </p:cNvPr>
+          <p:cNvSpPr txBox="1"/>
+          <p:nvPr/>
+        </p:nvSpPr>
+        <p:spPr>
+          <a:xfrm>
+            <a:off x="179512" y="4221087"/>
+            <a:ext cx="8784976" cy="2097917"/>
+          </a:xfrm>
+          <a:prstGeom prst="rect">
+            <a:avLst/>
+          </a:prstGeom>
+          <a:noFill/>
+        </p:spPr>
+        <p:txBody>
+          <a:bodyPr wrap="square" numCol="2" rtlCol="0">
+            <a:normAutofit/>
+          </a:bodyPr>
+          <a:lstStyle/>
+          <a:p>
+            <a:r>
+              <a:rPr lang="it-IT" dirty="0"/>
+              <a:t>Feature di contesto:</a:t>
+            </a:r>
+          </a:p>
+          <a:p>
+            <a:pPr marL="285750" indent="-285750">
+              <a:buFont typeface="Arial" panose="020B0604020202020204" pitchFamily="34" charset="0"/>
+              <a:buChar char="•"/>
+            </a:pPr>
+            <a:r>
+              <a:rPr lang="it-IT" dirty="0"/>
+              <a:t>Attività utente (a piedi, in bici, corsa…)</a:t>
+            </a:r>
+          </a:p>
+          <a:p>
+            <a:pPr marL="285750" indent="-285750">
+              <a:buFont typeface="Arial" panose="020B0604020202020204" pitchFamily="34" charset="0"/>
+              <a:buChar char="•"/>
+            </a:pPr>
+            <a:r>
+              <a:rPr lang="it-IT" dirty="0"/>
+              <a:t>Modalità audio (silenzioso, vibrazione…)</a:t>
+            </a:r>
+          </a:p>
+          <a:p>
+            <a:pPr marL="285750" indent="-285750">
+              <a:buFont typeface="Arial" panose="020B0604020202020204" pitchFamily="34" charset="0"/>
+              <a:buChar char="•"/>
+            </a:pPr>
+            <a:r>
+              <a:rPr lang="it-IT" dirty="0"/>
+              <a:t>Volume </a:t>
+            </a:r>
+          </a:p>
+          <a:p>
+            <a:pPr marL="285750" indent="-285750">
+              <a:buFont typeface="Arial" panose="020B0604020202020204" pitchFamily="34" charset="0"/>
+              <a:buChar char="•"/>
+            </a:pPr>
+            <a:r>
+              <a:rPr lang="it-IT" dirty="0"/>
+              <a:t>Musica </a:t>
+            </a:r>
+          </a:p>
+          <a:p>
+            <a:pPr marL="285750" indent="-285750">
+              <a:buFont typeface="Arial" panose="020B0604020202020204" pitchFamily="34" charset="0"/>
+              <a:buChar char="•"/>
+            </a:pPr>
+            <a:r>
+              <a:rPr lang="it-IT" dirty="0"/>
+              <a:t>Batteria (livello, in carica)</a:t>
+            </a:r>
+          </a:p>
+          <a:p>
+            <a:pPr marL="285750" indent="-285750">
+              <a:buFont typeface="Arial" panose="020B0604020202020204" pitchFamily="34" charset="0"/>
+              <a:buChar char="•"/>
+            </a:pPr>
+            <a:r>
+              <a:rPr lang="it-IT" dirty="0"/>
+              <a:t>Schermo (rotazione, stato)</a:t>
+            </a:r>
+          </a:p>
+          <a:p>
+            <a:pPr marL="285750" indent="-285750">
+              <a:buFont typeface="Arial" panose="020B0604020202020204" pitchFamily="34" charset="0"/>
+              <a:buChar char="•"/>
+            </a:pPr>
+            <a:endParaRPr lang="it-IT" dirty="0"/>
+          </a:p>
+          <a:p>
+            <a:pPr marL="285750" indent="-285750">
+              <a:buFont typeface="Arial" panose="020B0604020202020204" pitchFamily="34" charset="0"/>
+              <a:buChar char="•"/>
+            </a:pPr>
+            <a:r>
+              <a:rPr lang="it-IT" dirty="0"/>
+              <a:t>Meteo</a:t>
+            </a:r>
+          </a:p>
+          <a:p>
+            <a:pPr marL="285750" indent="-285750">
+              <a:buFont typeface="Arial" panose="020B0604020202020204" pitchFamily="34" charset="0"/>
+              <a:buChar char="•"/>
+            </a:pPr>
+            <a:r>
+              <a:rPr lang="it-IT" dirty="0"/>
+              <a:t>WiFi</a:t>
+            </a:r>
+          </a:p>
+          <a:p>
+            <a:pPr marL="285750" indent="-285750">
+              <a:buFont typeface="Arial" panose="020B0604020202020204" pitchFamily="34" charset="0"/>
+              <a:buChar char="•"/>
+            </a:pPr>
+            <a:r>
+              <a:rPr lang="it-IT" dirty="0"/>
+              <a:t>Data e ora</a:t>
+            </a:r>
+          </a:p>
+          <a:p>
+            <a:pPr marL="285750" indent="-285750">
+              <a:buFont typeface="Arial" panose="020B0604020202020204" pitchFamily="34" charset="0"/>
+              <a:buChar char="•"/>
+            </a:pPr>
+            <a:r>
+              <a:rPr lang="it-IT" dirty="0"/>
+              <a:t>Tipologia di persone in prossimità dell’utente</a:t>
+            </a:r>
+          </a:p>
+          <a:p>
+            <a:endParaRPr lang="it-IT" dirty="0"/>
+          </a:p>
+        </p:txBody>
+      </p:sp>
+    </p:spTree>
+    <p:extLst>
+      <p:ext uri="{BB962C8B-B14F-4D97-AF65-F5344CB8AC3E}">
+        <p14:creationId xmlns:p14="http://schemas.microsoft.com/office/powerpoint/2010/main" val="1769353711"/>
+      </p:ext>
+    </p:extLst>
+  </p:cSld>
+  <p:clrMapOvr>
+    <a:masterClrMapping/>
+  </p:clrMapOvr>
+</p:sld>
+</file>
+
+<file path=ppt/slides/slide9.xml><?xml version="1.0" encoding="utf-8"?>
+<p:sld xmlns:a="http://schemas.openxmlformats.org/drawingml/2006/main" xmlns:r="http://schemas.openxmlformats.org/officeDocument/2006/relationships" xmlns:p="http://schemas.openxmlformats.org/presentationml/2006/main">
+  <p:cSld>
+    <p:spTree>
+      <p:nvGrpSpPr>
+        <p:cNvPr id="1" name=""/>
+        <p:cNvGrpSpPr/>
+        <p:nvPr/>
+      </p:nvGrpSpPr>
+      <p:grpSpPr>
+        <a:xfrm>
+          <a:off x="0" y="0"/>
+          <a:ext cx="0" cy="0"/>
+          <a:chOff x="0" y="0"/>
+          <a:chExt cx="0" cy="0"/>
+        </a:xfrm>
+      </p:grpSpPr>
+      <p:sp>
+        <p:nvSpPr>
+          <p:cNvPr id="2" name="Titolo 1">
+            <a:extLst>
+              <a:ext uri="{FF2B5EF4-FFF2-40B4-BE49-F238E27FC236}">
+                <a16:creationId xmlns:a16="http://schemas.microsoft.com/office/drawing/2014/main" id="{43EAF889-71E4-403D-B7D3-14CE26366C96}"/>
+              </a:ext>
+            </a:extLst>
+          </p:cNvPr>
+          <p:cNvSpPr>
+            <a:spLocks noGrp="1"/>
+          </p:cNvSpPr>
+          <p:nvPr>
+            <p:ph type="title"/>
+          </p:nvPr>
+        </p:nvSpPr>
+        <p:spPr>
+          <a:xfrm>
+            <a:off x="756783" y="188640"/>
+            <a:ext cx="2562119" cy="400772"/>
+          </a:xfrm>
+        </p:spPr>
+        <p:txBody>
+          <a:bodyPr vert="horz" lIns="91440" tIns="45720" rIns="91440" bIns="45720" rtlCol="0" anchor="ctr">
+            <a:normAutofit fontScale="90000"/>
+          </a:bodyPr>
+          <a:lstStyle/>
+          <a:p>
+            <a:pPr defTabSz="914400"/>
+            <a:r>
+              <a:rPr lang="en-US" sz="4400" kern="1200" dirty="0" err="1">
+                <a:latin typeface="+mj-lt"/>
+                <a:ea typeface="+mj-ea"/>
+                <a:cs typeface="+mj-cs"/>
+              </a:rPr>
+              <a:t>Risultati</a:t>
+            </a:r>
+            <a:endParaRPr lang="en-US" sz="4400" kern="1200" dirty="0">
+              <a:latin typeface="+mj-lt"/>
+              <a:ea typeface="+mj-ea"/>
+              <a:cs typeface="+mj-cs"/>
+            </a:endParaRPr>
+          </a:p>
+        </p:txBody>
+      </p:sp>
+      <p:pic>
+        <p:nvPicPr>
+          <p:cNvPr id="17" name="Segnaposto contenuto 16">
+            <a:extLst>
+              <a:ext uri="{FF2B5EF4-FFF2-40B4-BE49-F238E27FC236}">
+                <a16:creationId xmlns:a16="http://schemas.microsoft.com/office/drawing/2014/main" id="{28C8BA65-1CC5-4CD8-941C-2D5BD2C214BD}"/>
+              </a:ext>
+            </a:extLst>
+          </p:cNvPr>
+          <p:cNvPicPr>
+            <a:picLocks noGrp="1" noChangeAspect="1"/>
+          </p:cNvPicPr>
+          <p:nvPr>
+            <p:ph sz="half" idx="2"/>
+          </p:nvPr>
+        </p:nvPicPr>
+        <p:blipFill>
+          <a:blip r:embed="rId2">
+            <a:extLst>
+              <a:ext uri="{28A0092B-C50C-407E-A947-70E740481C1C}">
+                <a14:useLocalDpi xmlns:a14="http://schemas.microsoft.com/office/drawing/2010/main" val="0"/>
+              </a:ext>
+              <a:ext uri="{96DAC541-7B7A-43D3-8B79-37D633B846F1}">
+                <asvg:svgBlip xmlns:asvg="http://schemas.microsoft.com/office/drawing/2016/SVG/main" r:embed="rId3"/>
+              </a:ext>
+            </a:extLst>
+          </a:blip>
+          <a:stretch>
+            <a:fillRect/>
+          </a:stretch>
+        </p:blipFill>
+        <p:spPr>
+          <a:xfrm>
+            <a:off x="4024313" y="21357"/>
+            <a:ext cx="5012184" cy="3148305"/>
+          </a:xfrm>
+        </p:spPr>
+      </p:pic>
+      <p:pic>
+        <p:nvPicPr>
+          <p:cNvPr id="20" name="Segnaposto contenuto 19">
+            <a:extLst>
+              <a:ext uri="{FF2B5EF4-FFF2-40B4-BE49-F238E27FC236}">
+                <a16:creationId xmlns:a16="http://schemas.microsoft.com/office/drawing/2014/main" id="{90B773DD-FCF5-4576-9C9D-3F81BFC5846E}"/>
+              </a:ext>
+            </a:extLst>
+          </p:cNvPr>
+          <p:cNvPicPr>
+            <a:picLocks noGrp="1" noChangeAspect="1"/>
+          </p:cNvPicPr>
+          <p:nvPr>
+            <p:ph sz="quarter" idx="4"/>
+          </p:nvPr>
+        </p:nvPicPr>
+        <p:blipFill>
+          <a:blip r:embed="rId4">
+            <a:extLst>
+              <a:ext uri="{28A0092B-C50C-407E-A947-70E740481C1C}">
+                <a14:useLocalDpi xmlns:a14="http://schemas.microsoft.com/office/drawing/2010/main" val="0"/>
+              </a:ext>
+              <a:ext uri="{96DAC541-7B7A-43D3-8B79-37D633B846F1}">
+                <asvg:svgBlip xmlns:asvg="http://schemas.microsoft.com/office/drawing/2016/SVG/main" r:embed="rId5"/>
+              </a:ext>
+            </a:extLst>
+          </a:blip>
+          <a:stretch>
+            <a:fillRect/>
+          </a:stretch>
+        </p:blipFill>
+        <p:spPr>
+          <a:xfrm>
+            <a:off x="4024313" y="3378788"/>
+            <a:ext cx="5006714" cy="3144869"/>
+          </a:xfrm>
+        </p:spPr>
+      </p:pic>
+      <p:sp>
+        <p:nvSpPr>
+          <p:cNvPr id="30" name="CasellaDiTesto 29">
+            <a:extLst>
+              <a:ext uri="{FF2B5EF4-FFF2-40B4-BE49-F238E27FC236}">
+                <a16:creationId xmlns:a16="http://schemas.microsoft.com/office/drawing/2014/main" id="{814A474E-75D0-4267-A552-64BE3B93B90D}"/>
+              </a:ext>
+            </a:extLst>
+          </p:cNvPr>
+          <p:cNvSpPr txBox="1"/>
+          <p:nvPr/>
+        </p:nvSpPr>
+        <p:spPr>
+          <a:xfrm>
+            <a:off x="0" y="1443841"/>
+            <a:ext cx="4091905" cy="3970318"/>
+          </a:xfrm>
+          <a:prstGeom prst="rect">
+            <a:avLst/>
+          </a:prstGeom>
+          <a:noFill/>
+        </p:spPr>
+        <p:txBody>
+          <a:bodyPr wrap="square" rtlCol="0">
+            <a:spAutoFit/>
+          </a:bodyPr>
+          <a:lstStyle/>
+          <a:p>
+            <a:pPr marL="285750" indent="-285750">
+              <a:buFont typeface="Arial" panose="020B0604020202020204" pitchFamily="34" charset="0"/>
+              <a:buChar char="•"/>
+            </a:pPr>
+            <a:r>
+              <a:rPr lang="it-IT" dirty="0"/>
+              <a:t>Metrica utilizzata: Area under curve (AUC)</a:t>
+            </a:r>
+          </a:p>
+          <a:p>
+            <a:pPr marL="285750" indent="-285750">
+              <a:buFont typeface="Arial" panose="020B0604020202020204" pitchFamily="34" charset="0"/>
+              <a:buChar char="•"/>
+            </a:pPr>
+            <a:endParaRPr lang="it-IT" dirty="0"/>
+          </a:p>
+          <a:p>
+            <a:pPr marL="285750" indent="-285750">
+              <a:buFont typeface="Arial" panose="020B0604020202020204" pitchFamily="34" charset="0"/>
+              <a:buChar char="•"/>
+            </a:pPr>
+            <a:r>
+              <a:rPr lang="it-IT" dirty="0"/>
+              <a:t>Modelli di confronto:</a:t>
+            </a:r>
+          </a:p>
+          <a:p>
+            <a:pPr marL="742950" lvl="1" indent="-285750">
+              <a:buFont typeface="Arial" panose="020B0604020202020204" pitchFamily="34" charset="0"/>
+              <a:buChar char="•"/>
+            </a:pPr>
+            <a:r>
+              <a:rPr lang="it-IT" dirty="0"/>
+              <a:t>ALS</a:t>
+            </a:r>
+          </a:p>
+          <a:p>
+            <a:pPr marL="742950" lvl="1" indent="-285750">
+              <a:buFont typeface="Arial" panose="020B0604020202020204" pitchFamily="34" charset="0"/>
+              <a:buChar char="•"/>
+            </a:pPr>
+            <a:r>
+              <a:rPr lang="it-IT" dirty="0" err="1"/>
+              <a:t>NeuMF</a:t>
+            </a:r>
+            <a:endParaRPr lang="it-IT" dirty="0"/>
+          </a:p>
+          <a:p>
+            <a:pPr marL="742950" lvl="1" indent="-285750">
+              <a:buFont typeface="Arial" panose="020B0604020202020204" pitchFamily="34" charset="0"/>
+              <a:buChar char="•"/>
+            </a:pPr>
+            <a:r>
+              <a:rPr lang="it-IT" dirty="0"/>
+              <a:t>ECAM </a:t>
+            </a:r>
+            <a:r>
+              <a:rPr lang="it-IT" dirty="0" err="1"/>
+              <a:t>NeuMF</a:t>
+            </a:r>
+            <a:endParaRPr lang="it-IT" dirty="0"/>
+          </a:p>
+          <a:p>
+            <a:endParaRPr lang="it-IT" dirty="0"/>
+          </a:p>
+          <a:p>
+            <a:pPr marL="285750" indent="-285750">
+              <a:buFont typeface="Arial" panose="020B0604020202020204" pitchFamily="34" charset="0"/>
+              <a:buChar char="•"/>
+            </a:pPr>
+            <a:r>
+              <a:rPr lang="it-IT" dirty="0"/>
+              <a:t>I modelli </a:t>
+            </a:r>
+            <a:r>
+              <a:rPr lang="it-IT" dirty="0" err="1"/>
+              <a:t>context-aware</a:t>
+            </a:r>
+            <a:r>
+              <a:rPr lang="it-IT" dirty="0"/>
+              <a:t> (</a:t>
+            </a:r>
+            <a:r>
+              <a:rPr lang="it-IT" dirty="0" err="1"/>
+              <a:t>moveCARS</a:t>
+            </a:r>
+            <a:r>
+              <a:rPr lang="it-IT" dirty="0"/>
+              <a:t>, ECAM </a:t>
+            </a:r>
+            <a:r>
+              <a:rPr lang="it-IT" dirty="0" err="1"/>
+              <a:t>NeuMF</a:t>
+            </a:r>
+            <a:r>
+              <a:rPr lang="it-IT" dirty="0"/>
+              <a:t>) hanno l’AUC più alta</a:t>
+            </a:r>
+          </a:p>
+          <a:p>
+            <a:pPr marL="285750" indent="-285750">
+              <a:buFont typeface="Arial" panose="020B0604020202020204" pitchFamily="34" charset="0"/>
+              <a:buChar char="•"/>
+            </a:pPr>
+            <a:endParaRPr lang="it-IT" dirty="0"/>
+          </a:p>
+          <a:p>
+            <a:pPr marL="285750" indent="-285750">
+              <a:buFont typeface="Arial" panose="020B0604020202020204" pitchFamily="34" charset="0"/>
+              <a:buChar char="•"/>
+            </a:pPr>
+            <a:r>
+              <a:rPr lang="it-IT" dirty="0" err="1"/>
+              <a:t>moveCARS</a:t>
+            </a:r>
+            <a:r>
+              <a:rPr lang="it-IT" dirty="0"/>
+              <a:t> ha ottenuto risultati simili al modello </a:t>
+            </a:r>
+            <a:r>
+              <a:rPr lang="it-IT" dirty="0" err="1"/>
+              <a:t>context-aware</a:t>
+            </a:r>
+            <a:r>
+              <a:rPr lang="it-IT" dirty="0"/>
+              <a:t> stato dell’arte ECAM </a:t>
+            </a:r>
+            <a:r>
+              <a:rPr lang="it-IT" dirty="0" err="1"/>
+              <a:t>NeuMF</a:t>
+            </a:r>
+            <a:endParaRPr lang="it-IT" dirty="0"/>
+          </a:p>
+        </p:txBody>
+      </p:sp>
+    </p:spTree>
+    <p:extLst>
+      <p:ext uri="{BB962C8B-B14F-4D97-AF65-F5344CB8AC3E}">
+        <p14:creationId xmlns:p14="http://schemas.microsoft.com/office/powerpoint/2010/main" val="3288315151"/>
       </p:ext>
     </p:extLst>
   </p:cSld>

--- a/presentazione/presentazione.pptx
+++ b/presentazione/presentazione.pptx
@@ -12,10 +12,10 @@
   </p:handoutMasterIdLst>
   <p:sldIdLst>
     <p:sldId id="256" r:id="rId2"/>
-    <p:sldId id="257" r:id="rId3"/>
-    <p:sldId id="258" r:id="rId4"/>
+    <p:sldId id="258" r:id="rId3"/>
+    <p:sldId id="257" r:id="rId4"/>
     <p:sldId id="267" r:id="rId5"/>
-    <p:sldId id="269" r:id="rId6"/>
+    <p:sldId id="272" r:id="rId6"/>
     <p:sldId id="266" r:id="rId7"/>
     <p:sldId id="270" r:id="rId8"/>
     <p:sldId id="261" r:id="rId9"/>
@@ -1115,6 +1115,176 @@
         </p:txBody>
       </p:sp>
     </p:spTree>
+  </p:cSld>
+  <p:clrMapOvr>
+    <a:masterClrMapping/>
+  </p:clrMapOvr>
+</p:notes>
+</file>
+
+<file path=ppt/notesSlides/notesSlide2.xml><?xml version="1.0" encoding="utf-8"?>
+<p:notes xmlns:a="http://schemas.openxmlformats.org/drawingml/2006/main" xmlns:r="http://schemas.openxmlformats.org/officeDocument/2006/relationships" xmlns:p="http://schemas.openxmlformats.org/presentationml/2006/main">
+  <p:cSld>
+    <p:spTree>
+      <p:nvGrpSpPr>
+        <p:cNvPr id="1" name=""/>
+        <p:cNvGrpSpPr/>
+        <p:nvPr/>
+      </p:nvGrpSpPr>
+      <p:grpSpPr>
+        <a:xfrm>
+          <a:off x="0" y="0"/>
+          <a:ext cx="0" cy="0"/>
+          <a:chOff x="0" y="0"/>
+          <a:chExt cx="0" cy="0"/>
+        </a:xfrm>
+      </p:grpSpPr>
+      <p:sp>
+        <p:nvSpPr>
+          <p:cNvPr id="2" name="Segnaposto immagine diapositiva 1"/>
+          <p:cNvSpPr>
+            <a:spLocks noGrp="1" noRot="1" noChangeAspect="1"/>
+          </p:cNvSpPr>
+          <p:nvPr>
+            <p:ph type="sldImg"/>
+          </p:nvPr>
+        </p:nvSpPr>
+        <p:spPr/>
+      </p:sp>
+      <p:sp>
+        <p:nvSpPr>
+          <p:cNvPr id="3" name="Segnaposto note 2"/>
+          <p:cNvSpPr>
+            <a:spLocks noGrp="1"/>
+          </p:cNvSpPr>
+          <p:nvPr>
+            <p:ph type="body" idx="1"/>
+          </p:nvPr>
+        </p:nvSpPr>
+        <p:spPr/>
+        <p:txBody>
+          <a:bodyPr/>
+          <a:lstStyle/>
+          <a:p>
+            <a:endParaRPr lang="it-IT" dirty="0"/>
+          </a:p>
+        </p:txBody>
+      </p:sp>
+      <p:sp>
+        <p:nvSpPr>
+          <p:cNvPr id="4" name="Segnaposto numero diapositiva 3"/>
+          <p:cNvSpPr>
+            <a:spLocks noGrp="1"/>
+          </p:cNvSpPr>
+          <p:nvPr>
+            <p:ph type="sldNum" sz="quarter" idx="5"/>
+          </p:nvPr>
+        </p:nvSpPr>
+        <p:spPr/>
+        <p:txBody>
+          <a:bodyPr/>
+          <a:lstStyle/>
+          <a:p>
+            <a:fld id="{558B94EF-AFA9-40FF-986C-F27447FA4EE9}" type="slidenum">
+              <a:rPr lang="en-GB" altLang="it-IT" smtClean="0"/>
+              <a:pPr/>
+              <a:t>3</a:t>
+            </a:fld>
+            <a:endParaRPr lang="en-GB" altLang="it-IT"/>
+          </a:p>
+        </p:txBody>
+      </p:sp>
+    </p:spTree>
+    <p:extLst>
+      <p:ext uri="{BB962C8B-B14F-4D97-AF65-F5344CB8AC3E}">
+        <p14:creationId xmlns:p14="http://schemas.microsoft.com/office/powerpoint/2010/main" val="3975508514"/>
+      </p:ext>
+    </p:extLst>
+  </p:cSld>
+  <p:clrMapOvr>
+    <a:masterClrMapping/>
+  </p:clrMapOvr>
+</p:notes>
+</file>
+
+<file path=ppt/notesSlides/notesSlide3.xml><?xml version="1.0" encoding="utf-8"?>
+<p:notes xmlns:a="http://schemas.openxmlformats.org/drawingml/2006/main" xmlns:r="http://schemas.openxmlformats.org/officeDocument/2006/relationships" xmlns:p="http://schemas.openxmlformats.org/presentationml/2006/main">
+  <p:cSld>
+    <p:spTree>
+      <p:nvGrpSpPr>
+        <p:cNvPr id="1" name=""/>
+        <p:cNvGrpSpPr/>
+        <p:nvPr/>
+      </p:nvGrpSpPr>
+      <p:grpSpPr>
+        <a:xfrm>
+          <a:off x="0" y="0"/>
+          <a:ext cx="0" cy="0"/>
+          <a:chOff x="0" y="0"/>
+          <a:chExt cx="0" cy="0"/>
+        </a:xfrm>
+      </p:grpSpPr>
+      <p:sp>
+        <p:nvSpPr>
+          <p:cNvPr id="2" name="Segnaposto immagine diapositiva 1"/>
+          <p:cNvSpPr>
+            <a:spLocks noGrp="1" noRot="1" noChangeAspect="1"/>
+          </p:cNvSpPr>
+          <p:nvPr>
+            <p:ph type="sldImg"/>
+          </p:nvPr>
+        </p:nvSpPr>
+        <p:spPr/>
+      </p:sp>
+      <p:sp>
+        <p:nvSpPr>
+          <p:cNvPr id="3" name="Segnaposto note 2"/>
+          <p:cNvSpPr>
+            <a:spLocks noGrp="1"/>
+          </p:cNvSpPr>
+          <p:nvPr>
+            <p:ph type="body" idx="1"/>
+          </p:nvPr>
+        </p:nvSpPr>
+        <p:spPr/>
+        <p:txBody>
+          <a:bodyPr/>
+          <a:lstStyle/>
+          <a:p>
+            <a:endParaRPr lang="it-IT" dirty="0"/>
+          </a:p>
+        </p:txBody>
+      </p:sp>
+      <p:sp>
+        <p:nvSpPr>
+          <p:cNvPr id="4" name="Segnaposto numero diapositiva 3"/>
+          <p:cNvSpPr>
+            <a:spLocks noGrp="1"/>
+          </p:cNvSpPr>
+          <p:nvPr>
+            <p:ph type="sldNum" sz="quarter" idx="5"/>
+          </p:nvPr>
+        </p:nvSpPr>
+        <p:spPr/>
+        <p:txBody>
+          <a:bodyPr/>
+          <a:lstStyle/>
+          <a:p>
+            <a:fld id="{558B94EF-AFA9-40FF-986C-F27447FA4EE9}" type="slidenum">
+              <a:rPr lang="en-GB" altLang="it-IT" smtClean="0"/>
+              <a:pPr/>
+              <a:t>5</a:t>
+            </a:fld>
+            <a:endParaRPr lang="en-GB" altLang="it-IT"/>
+          </a:p>
+        </p:txBody>
+      </p:sp>
+    </p:spTree>
+    <p:extLst>
+      <p:ext uri="{BB962C8B-B14F-4D97-AF65-F5344CB8AC3E}">
+        <p14:creationId xmlns:p14="http://schemas.microsoft.com/office/powerpoint/2010/main" val="3662015546"/>
+      </p:ext>
+    </p:extLst>
   </p:cSld>
   <p:clrMapOvr>
     <a:masterClrMapping/>
@@ -5210,7 +5380,7 @@
           <p:cNvPr id="2" name="Titolo 1">
             <a:extLst>
               <a:ext uri="{FF2B5EF4-FFF2-40B4-BE49-F238E27FC236}">
-                <a16:creationId xmlns:a16="http://schemas.microsoft.com/office/drawing/2014/main" id="{6E85C9F5-082B-43A8-B30E-83A00057087C}"/>
+                <a16:creationId xmlns:a16="http://schemas.microsoft.com/office/drawing/2014/main" id="{408C4C7B-E853-45EB-B3EC-438728329FFF}"/>
               </a:ext>
             </a:extLst>
           </p:cNvPr>
@@ -5221,7 +5391,12 @@
             <p:ph type="title"/>
           </p:nvPr>
         </p:nvSpPr>
-        <p:spPr/>
+        <p:spPr>
+          <a:xfrm>
+            <a:off x="628650" y="0"/>
+            <a:ext cx="7886700" cy="1325563"/>
+          </a:xfrm>
+        </p:spPr>
         <p:txBody>
           <a:bodyPr/>
           <a:lstStyle/>
@@ -5229,7 +5404,7 @@
             <a:pPr algn="ctr"/>
             <a:r>
               <a:rPr lang="it-IT" dirty="0"/>
-              <a:t>Sistemi di raccomandazione</a:t>
+              <a:t>Ambiente di riferimento</a:t>
             </a:r>
           </a:p>
         </p:txBody>
@@ -5239,7 +5414,7 @@
           <p:cNvPr id="3" name="Segnaposto contenuto 2">
             <a:extLst>
               <a:ext uri="{FF2B5EF4-FFF2-40B4-BE49-F238E27FC236}">
-                <a16:creationId xmlns:a16="http://schemas.microsoft.com/office/drawing/2014/main" id="{288B1761-2773-4FC9-AFA8-333BE2349039}"/>
+                <a16:creationId xmlns:a16="http://schemas.microsoft.com/office/drawing/2014/main" id="{1092EA9F-6FED-4186-AA52-B095CB45B0D3}"/>
               </a:ext>
             </a:extLst>
           </p:cNvPr>
@@ -5250,98 +5425,82 @@
             <p:ph idx="1"/>
           </p:nvPr>
         </p:nvSpPr>
-        <p:spPr/>
+        <p:spPr>
+          <a:xfrm>
+            <a:off x="179512" y="1484784"/>
+            <a:ext cx="8856984" cy="5112568"/>
+          </a:xfrm>
+        </p:spPr>
         <p:txBody>
           <a:bodyPr>
-            <a:normAutofit fontScale="92500" lnSpcReduction="20000"/>
+            <a:normAutofit fontScale="92500" lnSpcReduction="10000"/>
           </a:bodyPr>
           <a:lstStyle/>
           <a:p>
-            <a:pPr marL="0" indent="0" algn="l">
-              <a:buNone/>
-            </a:pPr>
-            <a:r>
-              <a:rPr lang="it-IT" b="0" i="0" u="none" strike="noStrike" baseline="0" dirty="0"/>
-              <a:t>I </a:t>
-            </a:r>
-            <a:r>
-              <a:rPr lang="it-IT" b="1" i="0" u="none" strike="noStrike" baseline="0" dirty="0" err="1"/>
-              <a:t>recommender</a:t>
-            </a:r>
-            <a:r>
-              <a:rPr lang="it-IT" b="1" i="0" u="none" strike="noStrike" baseline="0" dirty="0"/>
-              <a:t> system </a:t>
-            </a:r>
-            <a:r>
-              <a:rPr lang="it-IT" b="0" i="0" u="none" strike="noStrike" baseline="0" dirty="0"/>
-              <a:t>(RS) sono algoritmi mirati a generare consigli significativi a un insieme di utenti per oggetti che potrebbero interessarli.</a:t>
-            </a:r>
-          </a:p>
-          <a:p>
-            <a:pPr marL="0" indent="0" algn="l">
-              <a:buNone/>
-            </a:pPr>
-            <a:endParaRPr lang="it-IT" b="0" i="0" u="none" strike="noStrike" baseline="0" dirty="0"/>
-          </a:p>
-          <a:p>
-            <a:r>
-              <a:rPr lang="it-IT" b="1" i="0" u="none" strike="noStrike" baseline="0" dirty="0"/>
-              <a:t>Oggetto: </a:t>
-            </a:r>
-            <a:r>
-              <a:rPr lang="it-IT" b="0" i="0" u="none" strike="noStrike" baseline="0" dirty="0"/>
-              <a:t>la definizione è generica e può </a:t>
-            </a:r>
             <a:r>
               <a:rPr lang="it-IT" dirty="0"/>
-              <a:t>includere film, libri, vestiti, punti di interesse, etc.</a:t>
-            </a:r>
-          </a:p>
-          <a:p>
-            <a:r>
-              <a:rPr lang="it-IT" b="1" dirty="0"/>
-              <a:t>Utente: </a:t>
+              <a:t>I dispositivi mobili stanno contribuendo all’evoluzione </a:t>
+            </a:r>
+            <a:r>
+              <a:rPr lang="it-IT" dirty="0" err="1"/>
+              <a:t>dell’edge</a:t>
             </a:r>
             <a:r>
               <a:rPr lang="it-IT" dirty="0"/>
-              <a:t>interagisce con il sistema lasciando feedback sugli oggetti</a:t>
-            </a:r>
-          </a:p>
-          <a:p>
-            <a:r>
-              <a:rPr lang="it-IT" b="1" dirty="0"/>
-              <a:t>Feedback:</a:t>
-            </a:r>
+              <a:t> computing</a:t>
+            </a:r>
+          </a:p>
+          <a:p>
             <a:r>
               <a:rPr lang="it-IT" dirty="0"/>
-              <a:t> valutazione esplicita o implicita di un oggetto da parte di un utente</a:t>
-            </a:r>
-          </a:p>
-          <a:p>
-            <a:r>
-              <a:rPr lang="it-IT" b="1" i="0" u="none" strike="noStrike" baseline="0" dirty="0"/>
-              <a:t>Contesto: </a:t>
-            </a:r>
-            <a:r>
-              <a:rPr lang="it-IT" b="0" i="0" u="none" strike="noStrike" baseline="0" dirty="0"/>
-              <a:t>situazione dell’utente nel momento in cui ha generato un feedback (posizione, attività utente, persone in prossimità, data e ora…)</a:t>
-            </a:r>
-          </a:p>
-          <a:p>
-            <a:endParaRPr lang="it-IT" sz="1700" dirty="0"/>
-          </a:p>
-          <a:p>
-            <a:pPr marL="0" indent="0">
-              <a:buNone/>
-            </a:pPr>
-            <a:endParaRPr lang="it-IT" sz="2000" b="0" i="0" strike="noStrike" baseline="0" dirty="0"/>
+              <a:t>Questi dispositivi sono centrali, interagiscono tramite comunicazione D2D con altri dispositivi e scoprono nuovi contenuti per gli utenti</a:t>
+            </a:r>
+          </a:p>
+          <a:p>
+            <a:r>
+              <a:rPr lang="it-IT" dirty="0"/>
+              <a:t>Un RS per dispositivi mobili può essere utile per filtrare questi contenuti</a:t>
+            </a:r>
+          </a:p>
+          <a:p>
+            <a:r>
+              <a:rPr lang="it-IT" dirty="0"/>
+              <a:t>A differenza degli RS centralizzati, le informazioni sono limitate a quelle raccolte dall’utente locale, non esiste una conoscenza globale di tutti gli utenti e oggetti del sistema</a:t>
+            </a:r>
+          </a:p>
+          <a:p>
+            <a:r>
+              <a:rPr lang="it-IT" dirty="0"/>
+              <a:t>Vantaggi di un RS mobile:</a:t>
+            </a:r>
+          </a:p>
+          <a:p>
+            <a:pPr lvl="1"/>
+            <a:r>
+              <a:rPr lang="it-IT" dirty="0"/>
+              <a:t>Velocità adattamento</a:t>
+            </a:r>
+          </a:p>
+          <a:p>
+            <a:pPr lvl="1"/>
+            <a:r>
+              <a:rPr lang="it-IT" dirty="0"/>
+              <a:t>Privacy utenti</a:t>
+            </a:r>
+          </a:p>
+          <a:p>
+            <a:pPr lvl="1"/>
+            <a:r>
+              <a:rPr lang="it-IT" dirty="0"/>
+              <a:t>Contesto fisico e sociale molto descrittivo</a:t>
+            </a:r>
           </a:p>
         </p:txBody>
       </p:sp>
     </p:spTree>
     <p:extLst>
       <p:ext uri="{BB962C8B-B14F-4D97-AF65-F5344CB8AC3E}">
-        <p14:creationId xmlns:p14="http://schemas.microsoft.com/office/powerpoint/2010/main" val="3967214463"/>
+        <p14:creationId xmlns:p14="http://schemas.microsoft.com/office/powerpoint/2010/main" val="3189697558"/>
       </p:ext>
     </p:extLst>
   </p:cSld>
@@ -5373,7 +5532,7 @@
           <p:cNvPr id="2" name="Titolo 1">
             <a:extLst>
               <a:ext uri="{FF2B5EF4-FFF2-40B4-BE49-F238E27FC236}">
-                <a16:creationId xmlns:a16="http://schemas.microsoft.com/office/drawing/2014/main" id="{408C4C7B-E853-45EB-B3EC-438728329FFF}"/>
+                <a16:creationId xmlns:a16="http://schemas.microsoft.com/office/drawing/2014/main" id="{6E85C9F5-082B-43A8-B30E-83A00057087C}"/>
               </a:ext>
             </a:extLst>
           </p:cNvPr>
@@ -5386,8 +5545,8 @@
         </p:nvSpPr>
         <p:spPr>
           <a:xfrm>
-            <a:off x="628650" y="0"/>
-            <a:ext cx="7886700" cy="1325563"/>
+            <a:off x="628650" y="187006"/>
+            <a:ext cx="7886700" cy="696924"/>
           </a:xfrm>
         </p:spPr>
         <p:txBody>
@@ -5397,7 +5556,7 @@
             <a:pPr algn="ctr"/>
             <a:r>
               <a:rPr lang="it-IT" dirty="0"/>
-              <a:t>Ambiente di riferimento</a:t>
+              <a:t>Sistemi di raccomandazione</a:t>
             </a:r>
           </a:p>
         </p:txBody>
@@ -5407,7 +5566,7 @@
           <p:cNvPr id="3" name="Segnaposto contenuto 2">
             <a:extLst>
               <a:ext uri="{FF2B5EF4-FFF2-40B4-BE49-F238E27FC236}">
-                <a16:creationId xmlns:a16="http://schemas.microsoft.com/office/drawing/2014/main" id="{1092EA9F-6FED-4186-AA52-B095CB45B0D3}"/>
+                <a16:creationId xmlns:a16="http://schemas.microsoft.com/office/drawing/2014/main" id="{288B1761-2773-4FC9-AFA8-333BE2349039}"/>
               </a:ext>
             </a:extLst>
           </p:cNvPr>
@@ -5420,8 +5579,8 @@
         </p:nvSpPr>
         <p:spPr>
           <a:xfrm>
-            <a:off x="179512" y="1484784"/>
-            <a:ext cx="8856984" cy="5112568"/>
+            <a:off x="251520" y="3789041"/>
+            <a:ext cx="8640960" cy="2881954"/>
           </a:xfrm>
         </p:spPr>
         <p:txBody>
@@ -5432,68 +5591,92 @@
           <a:p>
             <a:r>
               <a:rPr lang="it-IT" dirty="0"/>
-              <a:t>I dispositivi mobili stanno contribuendo all’evoluzione </a:t>
-            </a:r>
-            <a:r>
-              <a:rPr lang="it-IT" dirty="0" err="1"/>
-              <a:t>dell’edge</a:t>
-            </a:r>
+              <a:t>Largamente utilizzati da piattaforme di e-commerce,  di streaming, social network, etc.</a:t>
+            </a:r>
+          </a:p>
+          <a:p>
             <a:r>
               <a:rPr lang="it-IT" dirty="0"/>
-              <a:t> computing</a:t>
-            </a:r>
-          </a:p>
-          <a:p>
-            <a:r>
-              <a:rPr lang="it-IT" dirty="0"/>
-              <a:t>Questi dispositivi sono centrali, interagiscono tramite comunicazione D2D con altri dispositivi e scoprono nuovi contenuti per gli utenti</a:t>
-            </a:r>
-          </a:p>
-          <a:p>
-            <a:r>
-              <a:rPr lang="it-IT" dirty="0"/>
-              <a:t>Un RS per dispositivi mobili può essere utile per filtrare questi contenuti</a:t>
-            </a:r>
-          </a:p>
-          <a:p>
-            <a:r>
-              <a:rPr lang="it-IT" dirty="0"/>
-              <a:t>A differenza degli RS centralizzati, le informazioni sono limitate a quelle raccolte dall’utente locale, non esiste una conoscenza globale di tutti gli utenti e oggetti del sistema</a:t>
-            </a:r>
-          </a:p>
-          <a:p>
-            <a:r>
-              <a:rPr lang="it-IT" dirty="0"/>
-              <a:t>Vantaggi di un RS mobile:</a:t>
-            </a:r>
-          </a:p>
-          <a:p>
-            <a:pPr lvl="1"/>
-            <a:r>
-              <a:rPr lang="it-IT" dirty="0"/>
-              <a:t>Velocità adattamento</a:t>
-            </a:r>
-          </a:p>
-          <a:p>
-            <a:pPr lvl="1"/>
-            <a:r>
-              <a:rPr lang="it-IT" dirty="0"/>
-              <a:t>Privacy utenti</a:t>
-            </a:r>
-          </a:p>
-          <a:p>
-            <a:pPr lvl="1"/>
-            <a:r>
-              <a:rPr lang="it-IT" dirty="0"/>
-              <a:t>Contesto fisico e sociale molto descrittivo</a:t>
-            </a:r>
-          </a:p>
-        </p:txBody>
-      </p:sp>
+              <a:t>Generano raccomandazioni personalizzate per gli utenti</a:t>
+            </a:r>
+          </a:p>
+          <a:p>
+            <a:r>
+              <a:rPr lang="it-IT" b="0" i="0" u="none" strike="noStrike" baseline="0" dirty="0"/>
+              <a:t>Sono sistemi centralizzati con conoscenza globale di tutti gli utenti e oggetti</a:t>
+            </a:r>
+          </a:p>
+          <a:p>
+            <a:r>
+              <a:rPr lang="it-IT" i="0" u="none" strike="noStrike" baseline="0" dirty="0"/>
+              <a:t>Contesto limitato a poche informazioni contestuali</a:t>
+            </a:r>
+          </a:p>
+          <a:p>
+            <a:r>
+              <a:rPr lang="it-IT" i="0" u="none" strike="noStrike" baseline="0" dirty="0"/>
+              <a:t>Obiettivo tesi: RS </a:t>
+            </a:r>
+            <a:r>
+              <a:rPr lang="it-IT" i="0" u="none" strike="noStrike" baseline="0" dirty="0" err="1"/>
+              <a:t>context-aware</a:t>
+            </a:r>
+            <a:r>
+              <a:rPr lang="it-IT" i="0" u="none" strike="noStrike" baseline="0" dirty="0"/>
+              <a:t> per dispositivi mobili</a:t>
+            </a:r>
+          </a:p>
+          <a:p>
+            <a:endParaRPr lang="it-IT" sz="1700" dirty="0"/>
+          </a:p>
+          <a:p>
+            <a:pPr marL="0" indent="0">
+              <a:buNone/>
+            </a:pPr>
+            <a:endParaRPr lang="it-IT" sz="2000" b="0" i="0" strike="noStrike" baseline="0" dirty="0"/>
+          </a:p>
+        </p:txBody>
+      </p:sp>
+      <p:pic>
+        <p:nvPicPr>
+          <p:cNvPr id="7" name="Immagine 6">
+            <a:extLst>
+              <a:ext uri="{FF2B5EF4-FFF2-40B4-BE49-F238E27FC236}">
+                <a16:creationId xmlns:a16="http://schemas.microsoft.com/office/drawing/2014/main" id="{856AC69E-C74C-4430-AC0B-7D1B15D07017}"/>
+              </a:ext>
+            </a:extLst>
+          </p:cNvPr>
+          <p:cNvPicPr>
+            <a:picLocks noChangeAspect="1"/>
+          </p:cNvPicPr>
+          <p:nvPr/>
+        </p:nvPicPr>
+        <p:blipFill>
+          <a:blip r:embed="rId3">
+            <a:extLst>
+              <a:ext uri="{28A0092B-C50C-407E-A947-70E740481C1C}">
+                <a14:useLocalDpi xmlns:a14="http://schemas.microsoft.com/office/drawing/2010/main" val="0"/>
+              </a:ext>
+            </a:extLst>
+          </a:blip>
+          <a:stretch>
+            <a:fillRect/>
+          </a:stretch>
+        </p:blipFill>
+        <p:spPr>
+          <a:xfrm>
+            <a:off x="1363207" y="959694"/>
+            <a:ext cx="6417586" cy="2804974"/>
+          </a:xfrm>
+          <a:prstGeom prst="rect">
+            <a:avLst/>
+          </a:prstGeom>
+        </p:spPr>
+      </p:pic>
     </p:spTree>
     <p:extLst>
       <p:ext uri="{BB962C8B-B14F-4D97-AF65-F5344CB8AC3E}">
-        <p14:creationId xmlns:p14="http://schemas.microsoft.com/office/powerpoint/2010/main" val="3189697558"/>
+        <p14:creationId xmlns:p14="http://schemas.microsoft.com/office/powerpoint/2010/main" val="3967214463"/>
       </p:ext>
     </p:extLst>
   </p:cSld>
@@ -5606,122 +5789,319 @@
         </p:blipFill>
         <p:spPr>
           <a:xfrm>
-            <a:off x="332067" y="1196752"/>
-            <a:ext cx="8479859" cy="2592288"/>
+            <a:off x="579825" y="980728"/>
+            <a:ext cx="7984349" cy="2440811"/>
           </a:xfrm>
           <a:prstGeom prst="rect">
             <a:avLst/>
           </a:prstGeom>
         </p:spPr>
       </p:pic>
-      <p:sp>
-        <p:nvSpPr>
-          <p:cNvPr id="20" name="CasellaDiTesto 19">
-            <a:extLst>
-              <a:ext uri="{FF2B5EF4-FFF2-40B4-BE49-F238E27FC236}">
-                <a16:creationId xmlns:a16="http://schemas.microsoft.com/office/drawing/2014/main" id="{B6D825C3-9F20-4F90-BA1C-33B1255A0A3F}"/>
-              </a:ext>
-            </a:extLst>
-          </p:cNvPr>
-          <p:cNvSpPr txBox="1"/>
-          <p:nvPr/>
-        </p:nvSpPr>
-        <p:spPr>
-          <a:xfrm>
-            <a:off x="332067" y="4221088"/>
-            <a:ext cx="8479859" cy="2585323"/>
-          </a:xfrm>
-          <a:prstGeom prst="rect">
-            <a:avLst/>
-          </a:prstGeom>
-          <a:noFill/>
-        </p:spPr>
-        <p:txBody>
-          <a:bodyPr wrap="square" rtlCol="0">
-            <a:spAutoFit/>
-          </a:bodyPr>
-          <a:lstStyle/>
-          <a:p>
-            <a:pPr marL="285750" indent="-285750">
-              <a:buFont typeface="Arial" panose="020B0604020202020204" pitchFamily="34" charset="0"/>
-              <a:buChar char="•"/>
-            </a:pPr>
-            <a:r>
-              <a:rPr lang="it-IT" b="1" dirty="0"/>
-              <a:t>Matrice utenti-oggetti: </a:t>
-            </a:r>
-            <a:r>
-              <a:rPr lang="it-IT" dirty="0"/>
-              <a:t>ogni elemento è un feedback di un utente su un oggetto</a:t>
-            </a:r>
-          </a:p>
-          <a:p>
-            <a:pPr marL="285750" indent="-285750">
-              <a:buFont typeface="Arial" panose="020B0604020202020204" pitchFamily="34" charset="0"/>
-              <a:buChar char="•"/>
-            </a:pPr>
-            <a:r>
-              <a:rPr lang="it-IT" b="1" dirty="0"/>
-              <a:t>Matrix </a:t>
-            </a:r>
-            <a:r>
-              <a:rPr lang="it-IT" b="1" dirty="0" err="1"/>
-              <a:t>factorization</a:t>
-            </a:r>
-            <a:r>
-              <a:rPr lang="it-IT" b="1" dirty="0"/>
-              <a:t>: </a:t>
-            </a:r>
-            <a:r>
-              <a:rPr lang="it-IT" dirty="0"/>
-              <a:t>algoritmo che fattorizza la matrice in due matrici di dimensione minore</a:t>
-            </a:r>
-          </a:p>
-          <a:p>
-            <a:pPr marL="285750" indent="-285750">
-              <a:buFont typeface="Arial" panose="020B0604020202020204" pitchFamily="34" charset="0"/>
-              <a:buChar char="•"/>
-            </a:pPr>
-            <a:r>
-              <a:rPr lang="it-IT" dirty="0"/>
-              <a:t>Il prodotto delle due matrici approssima la matrice originale</a:t>
-            </a:r>
-          </a:p>
-          <a:p>
-            <a:pPr marL="285750" indent="-285750">
-              <a:buFont typeface="Arial" panose="020B0604020202020204" pitchFamily="34" charset="0"/>
-              <a:buChar char="•"/>
-            </a:pPr>
-            <a:endParaRPr lang="it-IT" dirty="0"/>
-          </a:p>
-          <a:p>
-            <a:r>
-              <a:rPr lang="it-IT" b="1" dirty="0"/>
-              <a:t>Problema:</a:t>
-            </a:r>
-          </a:p>
-          <a:p>
-            <a:pPr marL="285750" indent="-285750">
-              <a:buFont typeface="Arial" panose="020B0604020202020204" pitchFamily="34" charset="0"/>
-              <a:buChar char="•"/>
-            </a:pPr>
-            <a:r>
-              <a:rPr lang="it-IT" dirty="0"/>
-              <a:t>Numero fisso di utenti e oggetti </a:t>
-            </a:r>
-            <a:r>
-              <a:rPr lang="it-IT" dirty="0">
-                <a:sym typeface="Wingdings" panose="05000000000000000000" pitchFamily="2" charset="2"/>
-              </a:rPr>
-              <a:t> non si possono fare raccomandazioni su oggetti che l’algoritmo non ha visto in precedenza</a:t>
-            </a:r>
-            <a:endParaRPr lang="it-IT" dirty="0"/>
-          </a:p>
-          <a:p>
-            <a:endParaRPr lang="it-IT" dirty="0"/>
-          </a:p>
-        </p:txBody>
-      </p:sp>
+      <mc:AlternateContent xmlns:mc="http://schemas.openxmlformats.org/markup-compatibility/2006">
+        <mc:Choice xmlns:a14="http://schemas.microsoft.com/office/drawing/2010/main" Requires="a14">
+          <p:sp>
+            <p:nvSpPr>
+              <p:cNvPr id="20" name="CasellaDiTesto 19">
+                <a:extLst>
+                  <a:ext uri="{FF2B5EF4-FFF2-40B4-BE49-F238E27FC236}">
+                    <a16:creationId xmlns:a16="http://schemas.microsoft.com/office/drawing/2014/main" id="{B6D825C3-9F20-4F90-BA1C-33B1255A0A3F}"/>
+                  </a:ext>
+                </a:extLst>
+              </p:cNvPr>
+              <p:cNvSpPr txBox="1"/>
+              <p:nvPr/>
+            </p:nvSpPr>
+            <p:spPr>
+              <a:xfrm>
+                <a:off x="332070" y="3915562"/>
+                <a:ext cx="8479859" cy="2731151"/>
+              </a:xfrm>
+              <a:prstGeom prst="rect">
+                <a:avLst/>
+              </a:prstGeom>
+              <a:noFill/>
+            </p:spPr>
+            <p:txBody>
+              <a:bodyPr wrap="square" rtlCol="0">
+                <a:normAutofit/>
+              </a:bodyPr>
+              <a:lstStyle/>
+              <a:p>
+                <a:pPr marL="285750" indent="-285750">
+                  <a:buFont typeface="Arial" panose="020B0604020202020204" pitchFamily="34" charset="0"/>
+                  <a:buChar char="•"/>
+                </a:pPr>
+                <a:r>
+                  <a:rPr lang="it-IT" b="1" dirty="0"/>
+                  <a:t>Matrice utenti-oggetti: </a:t>
+                </a:r>
+                <a:r>
+                  <a:rPr lang="it-IT" dirty="0"/>
+                  <a:t>ogni elemento è un feedback di un utente su un oggetto</a:t>
+                </a:r>
+              </a:p>
+              <a:p>
+                <a:pPr marL="285750" indent="-285750">
+                  <a:buFont typeface="Arial" panose="020B0604020202020204" pitchFamily="34" charset="0"/>
+                  <a:buChar char="•"/>
+                </a:pPr>
+                <a:r>
+                  <a:rPr lang="it-IT" b="1" dirty="0"/>
+                  <a:t>Matrix </a:t>
+                </a:r>
+                <a:r>
+                  <a:rPr lang="it-IT" b="1" dirty="0" err="1"/>
+                  <a:t>factorization</a:t>
+                </a:r>
+                <a:r>
+                  <a:rPr lang="it-IT" b="1" dirty="0"/>
+                  <a:t>: </a:t>
+                </a:r>
+                <a:r>
+                  <a:rPr lang="it-IT" dirty="0"/>
+                  <a:t>algoritmo che fattorizza la matrice in due matrici di dimensione minore</a:t>
+                </a:r>
+              </a:p>
+              <a:p>
+                <a:pPr marL="742950" lvl="1" indent="-285750">
+                  <a:buFont typeface="Arial" panose="020B0604020202020204" pitchFamily="34" charset="0"/>
+                  <a:buChar char="•"/>
+                </a:pPr>
+                <a:r>
+                  <a:rPr lang="it-IT" dirty="0"/>
+                  <a:t>Rating di un utente </a:t>
+                </a:r>
+                <a14:m>
+                  <m:oMath xmlns:m="http://schemas.openxmlformats.org/officeDocument/2006/math">
+                    <m:r>
+                      <a:rPr lang="it-IT" i="1" dirty="0" smtClean="0">
+                        <a:latin typeface="Cambria Math" panose="02040503050406030204" pitchFamily="18" charset="0"/>
+                      </a:rPr>
+                      <m:t>𝑢</m:t>
+                    </m:r>
+                  </m:oMath>
+                </a14:m>
+                <a:r>
+                  <a:rPr lang="it-IT" dirty="0"/>
+                  <a:t> su un oggetto </a:t>
+                </a:r>
+                <a14:m>
+                  <m:oMath xmlns:m="http://schemas.openxmlformats.org/officeDocument/2006/math">
+                    <m:r>
+                      <a:rPr lang="it-IT" i="1" dirty="0" smtClean="0">
+                        <a:latin typeface="Cambria Math" panose="02040503050406030204" pitchFamily="18" charset="0"/>
+                      </a:rPr>
+                      <m:t>𝑖</m:t>
+                    </m:r>
+                  </m:oMath>
+                </a14:m>
+                <a:r>
+                  <a:rPr lang="it-IT" dirty="0"/>
+                  <a:t>:  </a:t>
+                </a:r>
+                <a14:m>
+                  <m:oMath xmlns:m="http://schemas.openxmlformats.org/officeDocument/2006/math">
+                    <m:sSub>
+                      <m:sSubPr>
+                        <m:ctrlPr>
+                          <a:rPr lang="it-IT" b="0" i="1" u="none" strike="noStrike" baseline="0" dirty="0" smtClean="0">
+                            <a:latin typeface="Cambria Math" panose="02040503050406030204" pitchFamily="18" charset="0"/>
+                          </a:rPr>
+                        </m:ctrlPr>
+                      </m:sSubPr>
+                      <m:e>
+                        <m:r>
+                          <a:rPr lang="it-IT" b="0" i="1" u="none" strike="noStrike" baseline="0" dirty="0" smtClean="0">
+                            <a:latin typeface="Cambria Math" panose="02040503050406030204" pitchFamily="18" charset="0"/>
+                          </a:rPr>
+                          <m:t>𝑟</m:t>
+                        </m:r>
+                      </m:e>
+                      <m:sub>
+                        <m:r>
+                          <a:rPr lang="it-IT" b="0" i="1" u="none" strike="noStrike" baseline="0" dirty="0" smtClean="0">
+                            <a:latin typeface="Cambria Math" panose="02040503050406030204" pitchFamily="18" charset="0"/>
+                          </a:rPr>
+                          <m:t>𝑢𝑖</m:t>
+                        </m:r>
+                      </m:sub>
+                    </m:sSub>
+                    <m:r>
+                      <a:rPr lang="it-IT" b="0" i="1" u="none" strike="noStrike" baseline="0" dirty="0" smtClean="0">
+                        <a:latin typeface="Cambria Math" panose="02040503050406030204" pitchFamily="18" charset="0"/>
+                      </a:rPr>
+                      <m:t> = </m:t>
+                    </m:r>
+                    <m:sSub>
+                      <m:sSubPr>
+                        <m:ctrlPr>
+                          <a:rPr lang="it-IT" b="0" i="1" u="none" strike="noStrike" baseline="0" dirty="0" smtClean="0">
+                            <a:latin typeface="Cambria Math" panose="02040503050406030204" pitchFamily="18" charset="0"/>
+                          </a:rPr>
+                        </m:ctrlPr>
+                      </m:sSubPr>
+                      <m:e>
+                        <m:r>
+                          <a:rPr lang="it-IT" b="0" i="1" u="none" strike="noStrike" baseline="0" dirty="0" smtClean="0">
+                            <a:latin typeface="Cambria Math" panose="02040503050406030204" pitchFamily="18" charset="0"/>
+                          </a:rPr>
+                          <m:t>𝑝</m:t>
+                        </m:r>
+                      </m:e>
+                      <m:sub>
+                        <m:r>
+                          <a:rPr lang="it-IT" b="0" i="1" u="none" strike="noStrike" baseline="0" dirty="0" smtClean="0">
+                            <a:latin typeface="Cambria Math" panose="02040503050406030204" pitchFamily="18" charset="0"/>
+                          </a:rPr>
+                          <m:t>𝑢</m:t>
+                        </m:r>
+                      </m:sub>
+                    </m:sSub>
+                    <m:sSubSup>
+                      <m:sSubSupPr>
+                        <m:ctrlPr>
+                          <a:rPr lang="it-IT" b="0" i="1" u="none" strike="noStrike" baseline="0" dirty="0" smtClean="0">
+                            <a:latin typeface="Cambria Math" panose="02040503050406030204" pitchFamily="18" charset="0"/>
+                          </a:rPr>
+                        </m:ctrlPr>
+                      </m:sSubSupPr>
+                      <m:e>
+                        <m:r>
+                          <a:rPr lang="it-IT" b="0" i="1" u="none" strike="noStrike" baseline="0" dirty="0" smtClean="0">
+                            <a:latin typeface="Cambria Math" panose="02040503050406030204" pitchFamily="18" charset="0"/>
+                          </a:rPr>
+                          <m:t>𝑞</m:t>
+                        </m:r>
+                      </m:e>
+                      <m:sub>
+                        <m:r>
+                          <a:rPr lang="it-IT" b="0" i="1" u="none" strike="noStrike" baseline="0" dirty="0" smtClean="0">
+                            <a:latin typeface="Cambria Math" panose="02040503050406030204" pitchFamily="18" charset="0"/>
+                          </a:rPr>
+                          <m:t>𝑖</m:t>
+                        </m:r>
+                      </m:sub>
+                      <m:sup>
+                        <m:r>
+                          <a:rPr lang="it-IT" b="0" i="1" u="none" strike="noStrike" baseline="0" dirty="0" smtClean="0">
+                            <a:latin typeface="Cambria Math" panose="02040503050406030204" pitchFamily="18" charset="0"/>
+                          </a:rPr>
+                          <m:t>𝑇</m:t>
+                        </m:r>
+                      </m:sup>
+                    </m:sSubSup>
+                  </m:oMath>
+                </a14:m>
+                <a:r>
+                  <a:rPr lang="it-IT" b="0" u="none" strike="noStrike" baseline="0" dirty="0"/>
+                  <a:t> </a:t>
+                </a:r>
+              </a:p>
+              <a:p>
+                <a:pPr marL="285750" indent="-285750" algn="l">
+                  <a:buFont typeface="Arial" panose="020B0604020202020204" pitchFamily="34" charset="0"/>
+                  <a:buChar char="•"/>
+                </a:pPr>
+                <a:endParaRPr lang="it-IT" dirty="0"/>
+              </a:p>
+              <a:p>
+                <a:r>
+                  <a:rPr lang="it-IT" b="1" dirty="0"/>
+                  <a:t>Problemi:</a:t>
+                </a:r>
+              </a:p>
+              <a:p>
+                <a:pPr marL="285750" indent="-285750">
+                  <a:buFont typeface="Arial" panose="020B0604020202020204" pitchFamily="34" charset="0"/>
+                  <a:buChar char="•"/>
+                </a:pPr>
+                <a:r>
+                  <a:rPr lang="it-IT" dirty="0"/>
+                  <a:t>Numero fisso di utenti e oggetti </a:t>
+                </a:r>
+                <a:r>
+                  <a:rPr lang="it-IT" dirty="0">
+                    <a:sym typeface="Wingdings" panose="05000000000000000000" pitchFamily="2" charset="2"/>
+                  </a:rPr>
+                  <a:t> non si possono fare raccomandazioni su oggetti che l’algoritmo non ha visto in precedenza</a:t>
+                </a:r>
+              </a:p>
+              <a:p>
+                <a:pPr marL="285750" indent="-285750">
+                  <a:buFont typeface="Arial" panose="020B0604020202020204" pitchFamily="34" charset="0"/>
+                  <a:buChar char="•"/>
+                </a:pPr>
+                <a:r>
+                  <a:rPr lang="it-IT" dirty="0">
+                    <a:sym typeface="Wingdings" panose="05000000000000000000" pitchFamily="2" charset="2"/>
+                  </a:rPr>
+                  <a:t>Aggiungere il contesto  aumenta </a:t>
+                </a:r>
+                <a:r>
+                  <a:rPr lang="it-IT" dirty="0" err="1">
+                    <a:sym typeface="Wingdings" panose="05000000000000000000" pitchFamily="2" charset="2"/>
+                  </a:rPr>
+                  <a:t>dimensionalità</a:t>
+                </a:r>
+                <a:r>
+                  <a:rPr lang="it-IT" dirty="0">
+                    <a:sym typeface="Wingdings" panose="05000000000000000000" pitchFamily="2" charset="2"/>
+                  </a:rPr>
+                  <a:t> e complessità</a:t>
+                </a:r>
+                <a:endParaRPr lang="it-IT" dirty="0"/>
+              </a:p>
+              <a:p>
+                <a:endParaRPr lang="it-IT" dirty="0"/>
+              </a:p>
+            </p:txBody>
+          </p:sp>
+        </mc:Choice>
+        <mc:Fallback>
+          <p:sp>
+            <p:nvSpPr>
+              <p:cNvPr id="20" name="CasellaDiTesto 19">
+                <a:extLst>
+                  <a:ext uri="{FF2B5EF4-FFF2-40B4-BE49-F238E27FC236}">
+                    <a16:creationId xmlns:a16="http://schemas.microsoft.com/office/drawing/2014/main" id="{B6D825C3-9F20-4F90-BA1C-33B1255A0A3F}"/>
+                  </a:ext>
+                </a:extLst>
+              </p:cNvPr>
+              <p:cNvSpPr txBox="1">
+                <a:spLocks noRot="1" noChangeAspect="1" noMove="1" noResize="1" noEditPoints="1" noAdjustHandles="1" noChangeArrowheads="1" noChangeShapeType="1" noTextEdit="1"/>
+              </p:cNvSpPr>
+              <p:nvPr/>
+            </p:nvSpPr>
+            <p:spPr>
+              <a:xfrm>
+                <a:off x="332070" y="3915562"/>
+                <a:ext cx="8479859" cy="2731151"/>
+              </a:xfrm>
+              <a:prstGeom prst="rect">
+                <a:avLst/>
+              </a:prstGeom>
+              <a:blipFill>
+                <a:blip r:embed="rId4"/>
+                <a:stretch>
+                  <a:fillRect l="-575" t="-1116"/>
+                </a:stretch>
+              </a:blipFill>
+            </p:spPr>
+            <p:txBody>
+              <a:bodyPr/>
+              <a:lstStyle/>
+              <a:p>
+                <a:r>
+                  <a:rPr lang="it-IT">
+                    <a:noFill/>
+                  </a:rPr>
+                  <a:t> </a:t>
+                </a:r>
+              </a:p>
+            </p:txBody>
+          </p:sp>
+        </mc:Fallback>
+      </mc:AlternateContent>
     </p:spTree>
     <p:extLst>
       <p:ext uri="{BB962C8B-B14F-4D97-AF65-F5344CB8AC3E}">
@@ -5754,47 +6134,6 @@
       </p:grpSpPr>
       <p:sp>
         <p:nvSpPr>
-          <p:cNvPr id="2" name="Titolo 1">
-            <a:extLst>
-              <a:ext uri="{FF2B5EF4-FFF2-40B4-BE49-F238E27FC236}">
-                <a16:creationId xmlns:a16="http://schemas.microsoft.com/office/drawing/2014/main" id="{7D6556A7-4C91-4CD0-AF4B-A8BB31998FBE}"/>
-              </a:ext>
-            </a:extLst>
-          </p:cNvPr>
-          <p:cNvSpPr>
-            <a:spLocks noGrp="1"/>
-          </p:cNvSpPr>
-          <p:nvPr>
-            <p:ph type="title"/>
-          </p:nvPr>
-        </p:nvSpPr>
-        <p:spPr>
-          <a:xfrm>
-            <a:off x="628650" y="0"/>
-            <a:ext cx="7886700" cy="615602"/>
-          </a:xfrm>
-        </p:spPr>
-        <p:txBody>
-          <a:bodyPr>
-            <a:normAutofit fontScale="90000"/>
-          </a:bodyPr>
-          <a:lstStyle/>
-          <a:p>
-            <a:pPr algn="ctr"/>
-            <a:r>
-              <a:rPr lang="it-IT" dirty="0"/>
-              <a:t>ECAM </a:t>
-            </a:r>
-            <a:r>
-              <a:rPr lang="it-IT" dirty="0" err="1"/>
-              <a:t>NeuMF</a:t>
-            </a:r>
-            <a:endParaRPr lang="it-IT" dirty="0"/>
-          </a:p>
-        </p:txBody>
-      </p:sp>
-      <p:sp>
-        <p:nvSpPr>
           <p:cNvPr id="3" name="Segnaposto contenuto 2">
             <a:extLst>
               <a:ext uri="{FF2B5EF4-FFF2-40B4-BE49-F238E27FC236}">
@@ -5811,19 +6150,23 @@
         </p:nvSpPr>
         <p:spPr>
           <a:xfrm>
-            <a:off x="628648" y="3927378"/>
+            <a:off x="404079" y="3927378"/>
             <a:ext cx="8335839" cy="2813990"/>
           </a:xfrm>
         </p:spPr>
         <p:txBody>
           <a:bodyPr>
-            <a:normAutofit fontScale="62500" lnSpcReduction="20000"/>
+            <a:normAutofit fontScale="85000" lnSpcReduction="20000"/>
           </a:bodyPr>
           <a:lstStyle/>
           <a:p>
             <a:r>
+              <a:rPr lang="it-IT" dirty="0"/>
+              <a:t>Combina una rete neurale con l’approccio </a:t>
+            </a:r>
+            <a:r>
               <a:rPr lang="it-IT" dirty="0" err="1"/>
-              <a:t>Context-aware</a:t>
+              <a:t>matrix</a:t>
             </a:r>
             <a:r>
               <a:rPr lang="it-IT" dirty="0"/>
@@ -5831,127 +6174,67 @@
             </a:r>
             <a:r>
               <a:rPr lang="it-IT" dirty="0" err="1"/>
-              <a:t>neural</a:t>
-            </a:r>
+              <a:t>factorization</a:t>
+            </a:r>
+            <a:endParaRPr lang="it-IT" dirty="0"/>
+          </a:p>
+          <a:p>
             <a:r>
               <a:rPr lang="it-IT" dirty="0"/>
-              <a:t> </a:t>
+              <a:t>Input: </a:t>
+            </a:r>
+          </a:p>
+          <a:p>
+            <a:pPr lvl="1"/>
+            <a:r>
+              <a:rPr lang="it-IT" dirty="0"/>
+              <a:t>ID utente come vettore in one hot </a:t>
             </a:r>
             <a:r>
               <a:rPr lang="it-IT" dirty="0" err="1"/>
-              <a:t>matrix</a:t>
-            </a:r>
+              <a:t>encoding</a:t>
+            </a:r>
+            <a:endParaRPr lang="it-IT" dirty="0"/>
+          </a:p>
+          <a:p>
+            <a:pPr lvl="1"/>
             <a:r>
               <a:rPr lang="it-IT" dirty="0"/>
-              <a:t> </a:t>
+              <a:t>ID oggetto come vettore in one hot </a:t>
             </a:r>
             <a:r>
               <a:rPr lang="it-IT" dirty="0" err="1"/>
-              <a:t>factorization</a:t>
-            </a:r>
+              <a:t>encoding</a:t>
+            </a:r>
+            <a:endParaRPr lang="it-IT" dirty="0"/>
+          </a:p>
+          <a:p>
+            <a:pPr lvl="1"/>
             <a:r>
               <a:rPr lang="it-IT" dirty="0"/>
-              <a:t> (ECAM </a:t>
+              <a:t>Vettore per il contesto</a:t>
+            </a:r>
+          </a:p>
+          <a:p>
+            <a:r>
+              <a:rPr lang="it-IT" dirty="0"/>
+              <a:t>Aggiunge  il contesto dell’utente al modello </a:t>
             </a:r>
             <a:r>
               <a:rPr lang="it-IT" dirty="0" err="1"/>
               <a:t>NeuMF</a:t>
             </a:r>
+            <a:endParaRPr lang="it-IT" dirty="0"/>
+          </a:p>
+          <a:p>
             <a:r>
               <a:rPr lang="it-IT" dirty="0"/>
-              <a:t>)</a:t>
-            </a:r>
-          </a:p>
-          <a:p>
-            <a:r>
-              <a:rPr lang="it-IT" dirty="0"/>
-              <a:t>Sistema di raccomandazione </a:t>
-            </a:r>
-            <a:r>
-              <a:rPr lang="it-IT" dirty="0" err="1"/>
-              <a:t>context-aware</a:t>
-            </a:r>
-            <a:r>
-              <a:rPr lang="it-IT" dirty="0"/>
-              <a:t> stato dell’arte</a:t>
-            </a:r>
-          </a:p>
-          <a:p>
-            <a:r>
-              <a:rPr lang="it-IT" dirty="0"/>
-              <a:t>Combina una rete neurale con l’approccio </a:t>
-            </a:r>
-            <a:r>
-              <a:rPr lang="it-IT" dirty="0" err="1"/>
-              <a:t>matrix</a:t>
-            </a:r>
-            <a:r>
-              <a:rPr lang="it-IT" dirty="0"/>
-              <a:t> </a:t>
-            </a:r>
-            <a:r>
-              <a:rPr lang="it-IT" dirty="0" err="1"/>
-              <a:t>factorization</a:t>
-            </a:r>
-            <a:endParaRPr lang="it-IT" dirty="0"/>
-          </a:p>
-          <a:p>
-            <a:r>
-              <a:rPr lang="it-IT" dirty="0"/>
-              <a:t>Aggiunge  il contesto dell’utente al modello </a:t>
-            </a:r>
-            <a:r>
-              <a:rPr lang="it-IT" dirty="0" err="1"/>
-              <a:t>NeuMF</a:t>
-            </a:r>
-            <a:endParaRPr lang="it-IT" dirty="0"/>
-          </a:p>
-          <a:p>
-            <a:r>
-              <a:rPr lang="it-IT" dirty="0"/>
-              <a:t>Input: </a:t>
-            </a:r>
-          </a:p>
-          <a:p>
-            <a:pPr lvl="1"/>
-            <a:r>
-              <a:rPr lang="it-IT" dirty="0"/>
-              <a:t>ID utente come vettore in one hot </a:t>
+              <a:t>Il numero di utenti e oggetti è fisso: i vettori in one hot </a:t>
             </a:r>
             <a:r>
               <a:rPr lang="it-IT" dirty="0" err="1"/>
               <a:t>encoding</a:t>
             </a:r>
-            <a:endParaRPr lang="it-IT" dirty="0"/>
-          </a:p>
-          <a:p>
-            <a:pPr lvl="1"/>
-            <a:r>
-              <a:rPr lang="it-IT" dirty="0"/>
-              <a:t>ID oggetto come vettore in one hot </a:t>
-            </a:r>
-            <a:r>
-              <a:rPr lang="it-IT" dirty="0" err="1"/>
-              <a:t>encoding</a:t>
-            </a:r>
-            <a:endParaRPr lang="it-IT" dirty="0"/>
-          </a:p>
-          <a:p>
-            <a:pPr lvl="1"/>
-            <a:r>
-              <a:rPr lang="it-IT" dirty="0"/>
-              <a:t>Vettore per il contesto</a:t>
-            </a:r>
-          </a:p>
-          <a:p>
-            <a:r>
-              <a:rPr lang="it-IT" dirty="0"/>
-              <a:t>Il numero di utenti e oggetti è fisso: i vettori in one hot </a:t>
-            </a:r>
-            <a:r>
-              <a:rPr lang="it-IT" dirty="0" err="1"/>
-              <a:t>encoding</a:t>
-            </a:r>
             <a:r>
               <a:rPr lang="it-IT" dirty="0"/>
               <a:t> hanno dimensione pari al numero di utenti e oggetti</a:t>
@@ -5959,6 +6242,42 @@
           </a:p>
         </p:txBody>
       </p:sp>
+      <p:pic>
+        <p:nvPicPr>
+          <p:cNvPr id="6" name="Immagine 5">
+            <a:extLst>
+              <a:ext uri="{FF2B5EF4-FFF2-40B4-BE49-F238E27FC236}">
+                <a16:creationId xmlns:a16="http://schemas.microsoft.com/office/drawing/2014/main" id="{49E073E4-37F3-426D-8204-F3121ED75D85}"/>
+              </a:ext>
+            </a:extLst>
+          </p:cNvPr>
+          <p:cNvPicPr>
+            <a:picLocks noChangeAspect="1"/>
+          </p:cNvPicPr>
+          <p:nvPr/>
+        </p:nvPicPr>
+        <p:blipFill>
+          <a:blip r:embed="rId3">
+            <a:extLst>
+              <a:ext uri="{28A0092B-C50C-407E-A947-70E740481C1C}">
+                <a14:useLocalDpi xmlns:a14="http://schemas.microsoft.com/office/drawing/2010/main" val="0"/>
+              </a:ext>
+            </a:extLst>
+          </a:blip>
+          <a:stretch>
+            <a:fillRect/>
+          </a:stretch>
+        </p:blipFill>
+        <p:spPr>
+          <a:xfrm>
+            <a:off x="1612643" y="615602"/>
+            <a:ext cx="5918714" cy="3210775"/>
+          </a:xfrm>
+          <a:prstGeom prst="rect">
+            <a:avLst/>
+          </a:prstGeom>
+        </p:spPr>
+      </p:pic>
       <p:pic>
         <p:nvPicPr>
           <p:cNvPr id="5" name="Immagine 4">
@@ -5974,37 +6293,507 @@
           <p:nvPr/>
         </p:nvPicPr>
         <p:blipFill>
-          <a:blip r:embed="rId2">
+          <a:blip r:embed="rId4">
             <a:extLst>
               <a:ext uri="{28A0092B-C50C-407E-A947-70E740481C1C}">
                 <a14:useLocalDpi xmlns:a14="http://schemas.microsoft.com/office/drawing/2010/main" val="0"/>
               </a:ext>
             </a:extLst>
           </a:blip>
-          <a:stretch>
-            <a:fillRect/>
-          </a:stretch>
+          <a:srcRect/>
+          <a:stretch/>
         </p:blipFill>
         <p:spPr>
           <a:xfrm>
-            <a:off x="1519550" y="615602"/>
-            <a:ext cx="6104899" cy="3311776"/>
+            <a:off x="1893426" y="615602"/>
+            <a:ext cx="5357144" cy="3311776"/>
           </a:xfrm>
           <a:prstGeom prst="rect">
             <a:avLst/>
           </a:prstGeom>
         </p:spPr>
       </p:pic>
+      <p:sp>
+        <p:nvSpPr>
+          <p:cNvPr id="9" name="Titolo 1">
+            <a:extLst>
+              <a:ext uri="{FF2B5EF4-FFF2-40B4-BE49-F238E27FC236}">
+                <a16:creationId xmlns:a16="http://schemas.microsoft.com/office/drawing/2014/main" id="{1BEE6B66-E09E-4256-A71F-1436C9CE01C3}"/>
+              </a:ext>
+            </a:extLst>
+          </p:cNvPr>
+          <p:cNvSpPr txBox="1">
+            <a:spLocks/>
+          </p:cNvSpPr>
+          <p:nvPr/>
+        </p:nvSpPr>
+        <p:spPr>
+          <a:xfrm>
+            <a:off x="628648" y="129583"/>
+            <a:ext cx="7886700" cy="615602"/>
+          </a:xfrm>
+          <a:prstGeom prst="rect">
+            <a:avLst/>
+          </a:prstGeom>
+        </p:spPr>
+        <p:txBody>
+          <a:bodyPr vert="horz" lIns="91440" tIns="45720" rIns="91440" bIns="45720" rtlCol="0" anchor="ctr">
+            <a:normAutofit fontScale="90000" lnSpcReduction="10000"/>
+          </a:bodyPr>
+          <a:lstStyle>
+            <a:lvl1pPr algn="l" defTabSz="914400" rtl="0" eaLnBrk="1" latinLnBrk="0" hangingPunct="1">
+              <a:lnSpc>
+                <a:spcPct val="90000"/>
+              </a:lnSpc>
+              <a:spcBef>
+                <a:spcPct val="0"/>
+              </a:spcBef>
+              <a:buNone/>
+              <a:defRPr sz="4400" kern="1200">
+                <a:solidFill>
+                  <a:schemeClr val="tx1"/>
+                </a:solidFill>
+                <a:latin typeface="+mj-lt"/>
+                <a:ea typeface="+mj-ea"/>
+                <a:cs typeface="+mj-cs"/>
+              </a:defRPr>
+            </a:lvl1pPr>
+          </a:lstStyle>
+          <a:p>
+            <a:pPr algn="ctr"/>
+            <a:r>
+              <a:rPr lang="it-IT" dirty="0"/>
+              <a:t>ECAM </a:t>
+            </a:r>
+            <a:r>
+              <a:rPr lang="it-IT" dirty="0" err="1"/>
+              <a:t>NeuMF</a:t>
+            </a:r>
+            <a:endParaRPr lang="it-IT" dirty="0"/>
+          </a:p>
+        </p:txBody>
+      </p:sp>
+      <p:sp>
+        <p:nvSpPr>
+          <p:cNvPr id="2" name="Titolo 1">
+            <a:extLst>
+              <a:ext uri="{FF2B5EF4-FFF2-40B4-BE49-F238E27FC236}">
+                <a16:creationId xmlns:a16="http://schemas.microsoft.com/office/drawing/2014/main" id="{7D6556A7-4C91-4CD0-AF4B-A8BB31998FBE}"/>
+              </a:ext>
+            </a:extLst>
+          </p:cNvPr>
+          <p:cNvSpPr>
+            <a:spLocks noGrp="1"/>
+          </p:cNvSpPr>
+          <p:nvPr>
+            <p:ph type="title"/>
+          </p:nvPr>
+        </p:nvSpPr>
+        <p:spPr>
+          <a:xfrm>
+            <a:off x="683568" y="116632"/>
+            <a:ext cx="7886700" cy="615602"/>
+          </a:xfrm>
+          <a:solidFill>
+            <a:schemeClr val="bg1"/>
+          </a:solidFill>
+        </p:spPr>
+        <p:txBody>
+          <a:bodyPr>
+            <a:normAutofit fontScale="90000"/>
+          </a:bodyPr>
+          <a:lstStyle/>
+          <a:p>
+            <a:pPr algn="ctr"/>
+            <a:r>
+              <a:rPr lang="it-IT" dirty="0" err="1"/>
+              <a:t>NeuMF</a:t>
+            </a:r>
+            <a:endParaRPr lang="it-IT" dirty="0"/>
+          </a:p>
+        </p:txBody>
+      </p:sp>
     </p:spTree>
     <p:extLst>
       <p:ext uri="{BB962C8B-B14F-4D97-AF65-F5344CB8AC3E}">
-        <p14:creationId xmlns:p14="http://schemas.microsoft.com/office/powerpoint/2010/main" val="2707039671"/>
+        <p14:creationId xmlns:p14="http://schemas.microsoft.com/office/powerpoint/2010/main" val="803014395"/>
       </p:ext>
     </p:extLst>
   </p:cSld>
   <p:clrMapOvr>
     <a:masterClrMapping/>
   </p:clrMapOvr>
+  <p:timing>
+    <p:tnLst>
+      <p:par>
+        <p:cTn id="1" dur="indefinite" restart="never" nodeType="tmRoot">
+          <p:childTnLst>
+            <p:seq concurrent="1" nextAc="seek">
+              <p:cTn id="2" dur="indefinite" nodeType="mainSeq">
+                <p:childTnLst>
+                  <p:par>
+                    <p:cTn id="3" fill="hold">
+                      <p:stCondLst>
+                        <p:cond delay="indefinite"/>
+                        <p:cond evt="onBegin" delay="0">
+                          <p:tn val="2"/>
+                        </p:cond>
+                      </p:stCondLst>
+                      <p:childTnLst>
+                        <p:par>
+                          <p:cTn id="4" fill="hold">
+                            <p:stCondLst>
+                              <p:cond delay="0"/>
+                            </p:stCondLst>
+                            <p:childTnLst>
+                              <p:par>
+                                <p:cTn id="5" presetID="1" presetClass="entr" presetSubtype="0" fill="hold" grpId="0" nodeType="withEffect">
+                                  <p:stCondLst>
+                                    <p:cond delay="0"/>
+                                  </p:stCondLst>
+                                  <p:childTnLst>
+                                    <p:set>
+                                      <p:cBhvr>
+                                        <p:cTn id="6" dur="1" fill="hold">
+                                          <p:stCondLst>
+                                            <p:cond delay="0"/>
+                                          </p:stCondLst>
+                                        </p:cTn>
+                                        <p:tgtEl>
+                                          <p:spTgt spid="3">
+                                            <p:txEl>
+                                              <p:pRg st="0" end="0"/>
+                                            </p:txEl>
+                                          </p:spTgt>
+                                        </p:tgtEl>
+                                        <p:attrNameLst>
+                                          <p:attrName>style.visibility</p:attrName>
+                                        </p:attrNameLst>
+                                      </p:cBhvr>
+                                      <p:to>
+                                        <p:strVal val="visible"/>
+                                      </p:to>
+                                    </p:set>
+                                  </p:childTnLst>
+                                </p:cTn>
+                              </p:par>
+                              <p:par>
+                                <p:cTn id="7" presetID="1" presetClass="entr" presetSubtype="0" fill="hold" grpId="0" nodeType="withEffect">
+                                  <p:stCondLst>
+                                    <p:cond delay="0"/>
+                                  </p:stCondLst>
+                                  <p:childTnLst>
+                                    <p:set>
+                                      <p:cBhvr>
+                                        <p:cTn id="8" dur="1" fill="hold">
+                                          <p:stCondLst>
+                                            <p:cond delay="0"/>
+                                          </p:stCondLst>
+                                        </p:cTn>
+                                        <p:tgtEl>
+                                          <p:spTgt spid="3">
+                                            <p:txEl>
+                                              <p:pRg st="1" end="1"/>
+                                            </p:txEl>
+                                          </p:spTgt>
+                                        </p:tgtEl>
+                                        <p:attrNameLst>
+                                          <p:attrName>style.visibility</p:attrName>
+                                        </p:attrNameLst>
+                                      </p:cBhvr>
+                                      <p:to>
+                                        <p:strVal val="visible"/>
+                                      </p:to>
+                                    </p:set>
+                                  </p:childTnLst>
+                                </p:cTn>
+                              </p:par>
+                              <p:par>
+                                <p:cTn id="9" presetID="1" presetClass="entr" presetSubtype="0" fill="hold" grpId="0" nodeType="withEffect">
+                                  <p:stCondLst>
+                                    <p:cond delay="0"/>
+                                  </p:stCondLst>
+                                  <p:childTnLst>
+                                    <p:set>
+                                      <p:cBhvr>
+                                        <p:cTn id="10" dur="1" fill="hold">
+                                          <p:stCondLst>
+                                            <p:cond delay="0"/>
+                                          </p:stCondLst>
+                                        </p:cTn>
+                                        <p:tgtEl>
+                                          <p:spTgt spid="3">
+                                            <p:txEl>
+                                              <p:pRg st="2" end="2"/>
+                                            </p:txEl>
+                                          </p:spTgt>
+                                        </p:tgtEl>
+                                        <p:attrNameLst>
+                                          <p:attrName>style.visibility</p:attrName>
+                                        </p:attrNameLst>
+                                      </p:cBhvr>
+                                      <p:to>
+                                        <p:strVal val="visible"/>
+                                      </p:to>
+                                    </p:set>
+                                  </p:childTnLst>
+                                </p:cTn>
+                              </p:par>
+                              <p:par>
+                                <p:cTn id="11" presetID="1" presetClass="entr" presetSubtype="0" fill="hold" grpId="0" nodeType="withEffect">
+                                  <p:stCondLst>
+                                    <p:cond delay="0"/>
+                                  </p:stCondLst>
+                                  <p:childTnLst>
+                                    <p:set>
+                                      <p:cBhvr>
+                                        <p:cTn id="12" dur="1" fill="hold">
+                                          <p:stCondLst>
+                                            <p:cond delay="0"/>
+                                          </p:stCondLst>
+                                        </p:cTn>
+                                        <p:tgtEl>
+                                          <p:spTgt spid="3">
+                                            <p:txEl>
+                                              <p:pRg st="3" end="3"/>
+                                            </p:txEl>
+                                          </p:spTgt>
+                                        </p:tgtEl>
+                                        <p:attrNameLst>
+                                          <p:attrName>style.visibility</p:attrName>
+                                        </p:attrNameLst>
+                                      </p:cBhvr>
+                                      <p:to>
+                                        <p:strVal val="visible"/>
+                                      </p:to>
+                                    </p:set>
+                                  </p:childTnLst>
+                                </p:cTn>
+                              </p:par>
+                            </p:childTnLst>
+                          </p:cTn>
+                        </p:par>
+                      </p:childTnLst>
+                    </p:cTn>
+                  </p:par>
+                  <p:par>
+                    <p:cTn id="13" fill="hold">
+                      <p:stCondLst>
+                        <p:cond delay="indefinite"/>
+                      </p:stCondLst>
+                      <p:childTnLst>
+                        <p:par>
+                          <p:cTn id="14" fill="hold">
+                            <p:stCondLst>
+                              <p:cond delay="0"/>
+                            </p:stCondLst>
+                            <p:childTnLst>
+                              <p:par>
+                                <p:cTn id="15" presetID="1" presetClass="entr" presetSubtype="0" fill="hold" grpId="0" nodeType="clickEffect">
+                                  <p:stCondLst>
+                                    <p:cond delay="0"/>
+                                  </p:stCondLst>
+                                  <p:childTnLst>
+                                    <p:set>
+                                      <p:cBhvr>
+                                        <p:cTn id="16" dur="1" fill="hold">
+                                          <p:stCondLst>
+                                            <p:cond delay="0"/>
+                                          </p:stCondLst>
+                                        </p:cTn>
+                                        <p:tgtEl>
+                                          <p:spTgt spid="3">
+                                            <p:txEl>
+                                              <p:pRg st="4" end="4"/>
+                                            </p:txEl>
+                                          </p:spTgt>
+                                        </p:tgtEl>
+                                        <p:attrNameLst>
+                                          <p:attrName>style.visibility</p:attrName>
+                                        </p:attrNameLst>
+                                      </p:cBhvr>
+                                      <p:to>
+                                        <p:strVal val="visible"/>
+                                      </p:to>
+                                    </p:set>
+                                  </p:childTnLst>
+                                </p:cTn>
+                              </p:par>
+                              <p:par>
+                                <p:cTn id="17" presetID="1" presetClass="entr" presetSubtype="0" fill="hold" grpId="0" nodeType="withEffect">
+                                  <p:stCondLst>
+                                    <p:cond delay="0"/>
+                                  </p:stCondLst>
+                                  <p:childTnLst>
+                                    <p:set>
+                                      <p:cBhvr>
+                                        <p:cTn id="18" dur="1" fill="hold">
+                                          <p:stCondLst>
+                                            <p:cond delay="0"/>
+                                          </p:stCondLst>
+                                        </p:cTn>
+                                        <p:tgtEl>
+                                          <p:spTgt spid="3">
+                                            <p:txEl>
+                                              <p:pRg st="5" end="5"/>
+                                            </p:txEl>
+                                          </p:spTgt>
+                                        </p:tgtEl>
+                                        <p:attrNameLst>
+                                          <p:attrName>style.visibility</p:attrName>
+                                        </p:attrNameLst>
+                                      </p:cBhvr>
+                                      <p:to>
+                                        <p:strVal val="visible"/>
+                                      </p:to>
+                                    </p:set>
+                                  </p:childTnLst>
+                                </p:cTn>
+                              </p:par>
+                              <p:par>
+                                <p:cTn id="19" presetID="1" presetClass="entr" presetSubtype="0" fill="hold" grpId="0" nodeType="withEffect">
+                                  <p:stCondLst>
+                                    <p:cond delay="0"/>
+                                  </p:stCondLst>
+                                  <p:childTnLst>
+                                    <p:set>
+                                      <p:cBhvr>
+                                        <p:cTn id="20" dur="1" fill="hold">
+                                          <p:stCondLst>
+                                            <p:cond delay="0"/>
+                                          </p:stCondLst>
+                                        </p:cTn>
+                                        <p:tgtEl>
+                                          <p:spTgt spid="3">
+                                            <p:txEl>
+                                              <p:pRg st="6" end="6"/>
+                                            </p:txEl>
+                                          </p:spTgt>
+                                        </p:tgtEl>
+                                        <p:attrNameLst>
+                                          <p:attrName>style.visibility</p:attrName>
+                                        </p:attrNameLst>
+                                      </p:cBhvr>
+                                      <p:to>
+                                        <p:strVal val="visible"/>
+                                      </p:to>
+                                    </p:set>
+                                  </p:childTnLst>
+                                </p:cTn>
+                              </p:par>
+                              <p:par>
+                                <p:cTn id="21" presetID="1" presetClass="exit" presetSubtype="0" fill="hold" nodeType="withEffect">
+                                  <p:stCondLst>
+                                    <p:cond delay="0"/>
+                                  </p:stCondLst>
+                                  <p:childTnLst>
+                                    <p:set>
+                                      <p:cBhvr>
+                                        <p:cTn id="22" dur="1" fill="hold">
+                                          <p:stCondLst>
+                                            <p:cond delay="0"/>
+                                          </p:stCondLst>
+                                        </p:cTn>
+                                        <p:tgtEl>
+                                          <p:spTgt spid="5"/>
+                                        </p:tgtEl>
+                                        <p:attrNameLst>
+                                          <p:attrName>style.visibility</p:attrName>
+                                        </p:attrNameLst>
+                                      </p:cBhvr>
+                                      <p:to>
+                                        <p:strVal val="hidden"/>
+                                      </p:to>
+                                    </p:set>
+                                  </p:childTnLst>
+                                </p:cTn>
+                              </p:par>
+                              <p:par>
+                                <p:cTn id="23" presetID="1" presetClass="entr" presetSubtype="0" fill="hold" nodeType="withEffect">
+                                  <p:stCondLst>
+                                    <p:cond delay="0"/>
+                                  </p:stCondLst>
+                                  <p:childTnLst>
+                                    <p:set>
+                                      <p:cBhvr>
+                                        <p:cTn id="24" dur="1" fill="hold">
+                                          <p:stCondLst>
+                                            <p:cond delay="0"/>
+                                          </p:stCondLst>
+                                        </p:cTn>
+                                        <p:tgtEl>
+                                          <p:spTgt spid="6"/>
+                                        </p:tgtEl>
+                                        <p:attrNameLst>
+                                          <p:attrName>style.visibility</p:attrName>
+                                        </p:attrNameLst>
+                                      </p:cBhvr>
+                                      <p:to>
+                                        <p:strVal val="visible"/>
+                                      </p:to>
+                                    </p:set>
+                                  </p:childTnLst>
+                                </p:cTn>
+                              </p:par>
+                              <p:par>
+                                <p:cTn id="25" presetID="1" presetClass="exit" presetSubtype="0" fill="hold" grpId="0" nodeType="withEffect">
+                                  <p:stCondLst>
+                                    <p:cond delay="0"/>
+                                  </p:stCondLst>
+                                  <p:childTnLst>
+                                    <p:set>
+                                      <p:cBhvr>
+                                        <p:cTn id="26" dur="1" fill="hold">
+                                          <p:stCondLst>
+                                            <p:cond delay="0"/>
+                                          </p:stCondLst>
+                                        </p:cTn>
+                                        <p:tgtEl>
+                                          <p:spTgt spid="2"/>
+                                        </p:tgtEl>
+                                        <p:attrNameLst>
+                                          <p:attrName>style.visibility</p:attrName>
+                                        </p:attrNameLst>
+                                      </p:cBhvr>
+                                      <p:to>
+                                        <p:strVal val="hidden"/>
+                                      </p:to>
+                                    </p:set>
+                                  </p:childTnLst>
+                                </p:cTn>
+                              </p:par>
+                            </p:childTnLst>
+                          </p:cTn>
+                        </p:par>
+                      </p:childTnLst>
+                    </p:cTn>
+                  </p:par>
+                </p:childTnLst>
+              </p:cTn>
+              <p:prevCondLst>
+                <p:cond evt="onPrev" delay="0">
+                  <p:tgtEl>
+                    <p:sldTgt/>
+                  </p:tgtEl>
+                </p:cond>
+              </p:prevCondLst>
+              <p:nextCondLst>
+                <p:cond evt="onNext" delay="0">
+                  <p:tgtEl>
+                    <p:sldTgt/>
+                  </p:tgtEl>
+                </p:cond>
+              </p:nextCondLst>
+            </p:seq>
+          </p:childTnLst>
+        </p:cTn>
+      </p:par>
+    </p:tnLst>
+    <p:bldLst>
+      <p:bldP spid="3" grpId="0" uiExpand="1" build="p"/>
+      <p:bldP spid="2" grpId="0" animBg="1"/>
+    </p:bldLst>
+  </p:timing>
 </p:sld>
 </file>
 
@@ -6526,7 +7315,7 @@
         <p:spPr>
           <a:xfrm>
             <a:off x="5004048" y="1720840"/>
-            <a:ext cx="3744416" cy="3416320"/>
+            <a:ext cx="3744416" cy="2031325"/>
           </a:xfrm>
           <a:prstGeom prst="rect">
             <a:avLst/>
@@ -6545,7 +7334,7 @@
             </a:pPr>
             <a:r>
               <a:rPr lang="it-IT" dirty="0"/>
-              <a:t>Un database mantiene salvate le informazioni scoperte dal dispositivo dell’utente tramite comunicazione D2D</a:t>
+              <a:t>Il contesto dell’utente è rilevato utilizzando i sensori dello smartphone e le interazioni sugli online social network</a:t>
             </a:r>
           </a:p>
           <a:p>
@@ -6562,28 +7351,87 @@
             </a:pPr>
             <a:r>
               <a:rPr lang="it-IT" dirty="0"/>
-              <a:t>Il contesto dell’utente è rilevato utilizzando i sensori dello smartphone e le interazioni sugli online social network</a:t>
-            </a:r>
-          </a:p>
-          <a:p>
-            <a:pPr marL="285750" indent="-285750">
-              <a:buFont typeface="Arial" panose="020B0604020202020204" pitchFamily="34" charset="0"/>
-              <a:buChar char="•"/>
-            </a:pPr>
-            <a:endParaRPr lang="it-IT" dirty="0"/>
-          </a:p>
-          <a:p>
-            <a:pPr marL="285750" indent="-285750">
-              <a:buFont typeface="Arial" panose="020B0604020202020204" pitchFamily="34" charset="0"/>
-              <a:buChar char="•"/>
-            </a:pPr>
-            <a:r>
-              <a:rPr lang="it-IT" dirty="0"/>
               <a:t>Il contesto sociale è modellato da una ego network</a:t>
             </a:r>
           </a:p>
         </p:txBody>
       </p:sp>
+      <p:sp>
+        <p:nvSpPr>
+          <p:cNvPr id="3" name="CasellaDiTesto 2">
+            <a:extLst>
+              <a:ext uri="{FF2B5EF4-FFF2-40B4-BE49-F238E27FC236}">
+                <a16:creationId xmlns:a16="http://schemas.microsoft.com/office/drawing/2014/main" id="{9F7BB88C-4D94-4823-B080-41C0283D076A}"/>
+              </a:ext>
+            </a:extLst>
+          </p:cNvPr>
+          <p:cNvSpPr txBox="1"/>
+          <p:nvPr/>
+        </p:nvSpPr>
+        <p:spPr>
+          <a:xfrm>
+            <a:off x="4716016" y="292180"/>
+            <a:ext cx="4248472" cy="646331"/>
+          </a:xfrm>
+          <a:prstGeom prst="rect">
+            <a:avLst/>
+          </a:prstGeom>
+          <a:noFill/>
+        </p:spPr>
+        <p:txBody>
+          <a:bodyPr wrap="square" rtlCol="0">
+            <a:spAutoFit/>
+          </a:bodyPr>
+          <a:lstStyle/>
+          <a:p>
+            <a:r>
+              <a:rPr lang="it-IT" sz="3600" dirty="0">
+                <a:latin typeface="+mj-lt"/>
+              </a:rPr>
+              <a:t>Architettura generale</a:t>
+            </a:r>
+          </a:p>
+        </p:txBody>
+      </p:sp>
+      <p:pic>
+        <p:nvPicPr>
+          <p:cNvPr id="6" name="Elemento grafico 5">
+            <a:extLst>
+              <a:ext uri="{FF2B5EF4-FFF2-40B4-BE49-F238E27FC236}">
+                <a16:creationId xmlns:a16="http://schemas.microsoft.com/office/drawing/2014/main" id="{30779493-A40A-424F-8BCC-027EDDC181FE}"/>
+              </a:ext>
+            </a:extLst>
+          </p:cNvPr>
+          <p:cNvPicPr>
+            <a:picLocks noChangeAspect="1"/>
+          </p:cNvPicPr>
+          <p:nvPr/>
+        </p:nvPicPr>
+        <p:blipFill>
+          <a:blip r:embed="rId4">
+            <a:extLst>
+              <a:ext uri="{28A0092B-C50C-407E-A947-70E740481C1C}">
+                <a14:useLocalDpi xmlns:a14="http://schemas.microsoft.com/office/drawing/2010/main" val="0"/>
+              </a:ext>
+              <a:ext uri="{96DAC541-7B7A-43D3-8B79-37D633B846F1}">
+                <asvg:svgBlip xmlns:asvg="http://schemas.microsoft.com/office/drawing/2016/SVG/main" r:embed="rId5"/>
+              </a:ext>
+            </a:extLst>
+          </a:blip>
+          <a:stretch>
+            <a:fillRect/>
+          </a:stretch>
+        </p:blipFill>
+        <p:spPr>
+          <a:xfrm>
+            <a:off x="5911564" y="4221088"/>
+            <a:ext cx="1857375" cy="1857375"/>
+          </a:xfrm>
+          <a:prstGeom prst="rect">
+            <a:avLst/>
+          </a:prstGeom>
+        </p:spPr>
+      </p:pic>
     </p:spTree>
     <p:extLst>
       <p:ext uri="{BB962C8B-B14F-4D97-AF65-F5344CB8AC3E}">
@@ -7130,7 +7978,7 @@
             </a:pPr>
             <a:r>
               <a:rPr lang="it-IT" dirty="0"/>
-              <a:t>Metrica utilizzata: Area under curve (AUC)</a:t>
+              <a:t>Metrica utilizzata: Area under the ROC curve (AUC)</a:t>
             </a:r>
           </a:p>
           <a:p>

--- a/presentazione/presentazione.pptx
+++ b/presentazione/presentazione.pptx
@@ -5,25 +5,27 @@
     <p:sldMasterId id="2147483797" r:id="rId1"/>
   </p:sldMasterIdLst>
   <p:notesMasterIdLst>
-    <p:notesMasterId r:id="rId15"/>
+    <p:notesMasterId r:id="rId17"/>
   </p:notesMasterIdLst>
   <p:handoutMasterIdLst>
-    <p:handoutMasterId r:id="rId16"/>
+    <p:handoutMasterId r:id="rId18"/>
   </p:handoutMasterIdLst>
   <p:sldIdLst>
     <p:sldId id="256" r:id="rId2"/>
     <p:sldId id="258" r:id="rId3"/>
-    <p:sldId id="257" r:id="rId4"/>
-    <p:sldId id="267" r:id="rId5"/>
-    <p:sldId id="272" r:id="rId6"/>
-    <p:sldId id="266" r:id="rId7"/>
-    <p:sldId id="270" r:id="rId8"/>
-    <p:sldId id="261" r:id="rId9"/>
-    <p:sldId id="262" r:id="rId10"/>
-    <p:sldId id="263" r:id="rId11"/>
-    <p:sldId id="264" r:id="rId12"/>
-    <p:sldId id="265" r:id="rId13"/>
-    <p:sldId id="268" r:id="rId14"/>
+    <p:sldId id="273" r:id="rId4"/>
+    <p:sldId id="257" r:id="rId5"/>
+    <p:sldId id="267" r:id="rId6"/>
+    <p:sldId id="272" r:id="rId7"/>
+    <p:sldId id="266" r:id="rId8"/>
+    <p:sldId id="270" r:id="rId9"/>
+    <p:sldId id="261" r:id="rId10"/>
+    <p:sldId id="274" r:id="rId11"/>
+    <p:sldId id="262" r:id="rId12"/>
+    <p:sldId id="263" r:id="rId13"/>
+    <p:sldId id="264" r:id="rId14"/>
+    <p:sldId id="265" r:id="rId15"/>
+    <p:sldId id="268" r:id="rId16"/>
   </p:sldIdLst>
   <p:sldSz cx="9144000" cy="6858000" type="screen4x3"/>
   <p:notesSz cx="6858000" cy="9144000"/>
@@ -1188,7 +1190,7 @@
             <a:fld id="{558B94EF-AFA9-40FF-986C-F27447FA4EE9}" type="slidenum">
               <a:rPr lang="en-GB" altLang="it-IT" smtClean="0"/>
               <a:pPr/>
-              <a:t>3</a:t>
+              <a:t>4</a:t>
             </a:fld>
             <a:endParaRPr lang="en-GB" altLang="it-IT"/>
           </a:p>
@@ -1273,7 +1275,7 @@
             <a:fld id="{558B94EF-AFA9-40FF-986C-F27447FA4EE9}" type="slidenum">
               <a:rPr lang="en-GB" altLang="it-IT" smtClean="0"/>
               <a:pPr/>
-              <a:t>5</a:t>
+              <a:t>6</a:t>
             </a:fld>
             <a:endParaRPr lang="en-GB" altLang="it-IT"/>
           </a:p>
@@ -4763,6 +4765,444 @@
 <file path=ppt/slides/slide10.xml><?xml version="1.0" encoding="utf-8"?>
 <p:sld xmlns:a="http://schemas.openxmlformats.org/drawingml/2006/main" xmlns:r="http://schemas.openxmlformats.org/officeDocument/2006/relationships" xmlns:p="http://schemas.openxmlformats.org/presentationml/2006/main">
   <p:cSld>
+    <p:spTree>
+      <p:nvGrpSpPr>
+        <p:cNvPr id="1" name=""/>
+        <p:cNvGrpSpPr/>
+        <p:nvPr/>
+      </p:nvGrpSpPr>
+      <p:grpSpPr>
+        <a:xfrm>
+          <a:off x="0" y="0"/>
+          <a:ext cx="0" cy="0"/>
+          <a:chOff x="0" y="0"/>
+          <a:chExt cx="0" cy="0"/>
+        </a:xfrm>
+      </p:grpSpPr>
+      <p:sp>
+        <p:nvSpPr>
+          <p:cNvPr id="2" name="Titolo 1">
+            <a:extLst>
+              <a:ext uri="{FF2B5EF4-FFF2-40B4-BE49-F238E27FC236}">
+                <a16:creationId xmlns:a16="http://schemas.microsoft.com/office/drawing/2014/main" id="{46E9E1F8-8C38-4444-9E91-AEA784B6981E}"/>
+              </a:ext>
+            </a:extLst>
+          </p:cNvPr>
+          <p:cNvSpPr>
+            <a:spLocks noGrp="1"/>
+          </p:cNvSpPr>
+          <p:nvPr>
+            <p:ph type="title"/>
+          </p:nvPr>
+        </p:nvSpPr>
+        <p:spPr/>
+        <p:txBody>
+          <a:bodyPr/>
+          <a:lstStyle/>
+          <a:p>
+            <a:pPr algn="ctr"/>
+            <a:r>
+              <a:rPr lang="it-IT" dirty="0"/>
+              <a:t>Valutazione</a:t>
+            </a:r>
+          </a:p>
+        </p:txBody>
+      </p:sp>
+      <p:sp>
+        <p:nvSpPr>
+          <p:cNvPr id="3" name="Segnaposto contenuto 2">
+            <a:extLst>
+              <a:ext uri="{FF2B5EF4-FFF2-40B4-BE49-F238E27FC236}">
+                <a16:creationId xmlns:a16="http://schemas.microsoft.com/office/drawing/2014/main" id="{751510C9-6594-4046-8B7F-321272A9BB79}"/>
+              </a:ext>
+            </a:extLst>
+          </p:cNvPr>
+          <p:cNvSpPr>
+            <a:spLocks noGrp="1"/>
+          </p:cNvSpPr>
+          <p:nvPr>
+            <p:ph idx="1"/>
+          </p:nvPr>
+        </p:nvSpPr>
+        <p:spPr/>
+        <p:txBody>
+          <a:bodyPr/>
+          <a:lstStyle/>
+          <a:p>
+            <a:r>
+              <a:rPr lang="it-IT" dirty="0"/>
+              <a:t>Ottenere prestazioni comparabili agli algoritmi stato dell’arte</a:t>
+            </a:r>
+          </a:p>
+          <a:p>
+            <a:r>
+              <a:rPr lang="it-IT" dirty="0"/>
+              <a:t>Mantenere tempi di esecuzione bassi</a:t>
+            </a:r>
+          </a:p>
+          <a:p>
+            <a:r>
+              <a:rPr lang="it-IT" dirty="0"/>
+              <a:t>Metrica: Area Under the ROC Curve</a:t>
+            </a:r>
+          </a:p>
+          <a:p>
+            <a:r>
+              <a:rPr lang="it-IT" dirty="0"/>
+              <a:t>K-</a:t>
+            </a:r>
+            <a:r>
+              <a:rPr lang="it-IT" dirty="0" err="1"/>
+              <a:t>fold</a:t>
+            </a:r>
+            <a:r>
+              <a:rPr lang="it-IT" dirty="0"/>
+              <a:t> cross </a:t>
+            </a:r>
+            <a:r>
+              <a:rPr lang="it-IT" dirty="0" err="1"/>
+              <a:t>validation</a:t>
+            </a:r>
+            <a:endParaRPr lang="it-IT" dirty="0"/>
+          </a:p>
+          <a:p>
+            <a:r>
+              <a:rPr lang="it-IT" dirty="0"/>
+              <a:t>Modelli di confronto:</a:t>
+            </a:r>
+          </a:p>
+          <a:p>
+            <a:pPr lvl="1"/>
+            <a:r>
+              <a:rPr lang="it-IT" dirty="0"/>
+              <a:t>ALS</a:t>
+            </a:r>
+          </a:p>
+          <a:p>
+            <a:pPr lvl="1"/>
+            <a:r>
+              <a:rPr lang="it-IT" dirty="0" err="1"/>
+              <a:t>NeuMF</a:t>
+            </a:r>
+            <a:endParaRPr lang="it-IT" dirty="0"/>
+          </a:p>
+          <a:p>
+            <a:pPr lvl="1"/>
+            <a:r>
+              <a:rPr lang="it-IT" dirty="0"/>
+              <a:t>ECAM </a:t>
+            </a:r>
+            <a:r>
+              <a:rPr lang="it-IT" dirty="0" err="1"/>
+              <a:t>NeuMF</a:t>
+            </a:r>
+            <a:endParaRPr lang="it-IT" dirty="0"/>
+          </a:p>
+          <a:p>
+            <a:endParaRPr lang="it-IT" dirty="0"/>
+          </a:p>
+        </p:txBody>
+      </p:sp>
+    </p:spTree>
+    <p:extLst>
+      <p:ext uri="{BB962C8B-B14F-4D97-AF65-F5344CB8AC3E}">
+        <p14:creationId xmlns:p14="http://schemas.microsoft.com/office/powerpoint/2010/main" val="541751724"/>
+      </p:ext>
+    </p:extLst>
+  </p:cSld>
+  <p:clrMapOvr>
+    <a:masterClrMapping/>
+  </p:clrMapOvr>
+</p:sld>
+</file>
+
+<file path=ppt/slides/slide11.xml><?xml version="1.0" encoding="utf-8"?>
+<p:sld xmlns:a="http://schemas.openxmlformats.org/drawingml/2006/main" xmlns:r="http://schemas.openxmlformats.org/officeDocument/2006/relationships" xmlns:p="http://schemas.openxmlformats.org/presentationml/2006/main">
+  <p:cSld>
+    <p:spTree>
+      <p:nvGrpSpPr>
+        <p:cNvPr id="1" name=""/>
+        <p:cNvGrpSpPr/>
+        <p:nvPr/>
+      </p:nvGrpSpPr>
+      <p:grpSpPr>
+        <a:xfrm>
+          <a:off x="0" y="0"/>
+          <a:ext cx="0" cy="0"/>
+          <a:chOff x="0" y="0"/>
+          <a:chExt cx="0" cy="0"/>
+        </a:xfrm>
+      </p:grpSpPr>
+      <p:sp>
+        <p:nvSpPr>
+          <p:cNvPr id="2" name="Titolo 1">
+            <a:extLst>
+              <a:ext uri="{FF2B5EF4-FFF2-40B4-BE49-F238E27FC236}">
+                <a16:creationId xmlns:a16="http://schemas.microsoft.com/office/drawing/2014/main" id="{43EAF889-71E4-403D-B7D3-14CE26366C96}"/>
+              </a:ext>
+            </a:extLst>
+          </p:cNvPr>
+          <p:cNvSpPr>
+            <a:spLocks noGrp="1"/>
+          </p:cNvSpPr>
+          <p:nvPr>
+            <p:ph type="title"/>
+          </p:nvPr>
+        </p:nvSpPr>
+        <p:spPr>
+          <a:xfrm>
+            <a:off x="756783" y="188640"/>
+            <a:ext cx="2562119" cy="400772"/>
+          </a:xfrm>
+        </p:spPr>
+        <p:txBody>
+          <a:bodyPr vert="horz" lIns="91440" tIns="45720" rIns="91440" bIns="45720" rtlCol="0" anchor="ctr">
+            <a:normAutofit fontScale="90000"/>
+          </a:bodyPr>
+          <a:lstStyle/>
+          <a:p>
+            <a:pPr defTabSz="914400"/>
+            <a:r>
+              <a:rPr lang="en-US" sz="4400" kern="1200" dirty="0" err="1">
+                <a:latin typeface="+mj-lt"/>
+                <a:ea typeface="+mj-ea"/>
+                <a:cs typeface="+mj-cs"/>
+              </a:rPr>
+              <a:t>Risultati</a:t>
+            </a:r>
+            <a:endParaRPr lang="en-US" sz="4400" kern="1200" dirty="0">
+              <a:latin typeface="+mj-lt"/>
+              <a:ea typeface="+mj-ea"/>
+              <a:cs typeface="+mj-cs"/>
+            </a:endParaRPr>
+          </a:p>
+        </p:txBody>
+      </p:sp>
+      <p:pic>
+        <p:nvPicPr>
+          <p:cNvPr id="17" name="Segnaposto contenuto 16">
+            <a:extLst>
+              <a:ext uri="{FF2B5EF4-FFF2-40B4-BE49-F238E27FC236}">
+                <a16:creationId xmlns:a16="http://schemas.microsoft.com/office/drawing/2014/main" id="{28C8BA65-1CC5-4CD8-941C-2D5BD2C214BD}"/>
+              </a:ext>
+            </a:extLst>
+          </p:cNvPr>
+          <p:cNvPicPr>
+            <a:picLocks noGrp="1" noChangeAspect="1"/>
+          </p:cNvPicPr>
+          <p:nvPr>
+            <p:ph sz="half" idx="2"/>
+          </p:nvPr>
+        </p:nvPicPr>
+        <p:blipFill>
+          <a:blip r:embed="rId2">
+            <a:extLst>
+              <a:ext uri="{28A0092B-C50C-407E-A947-70E740481C1C}">
+                <a14:useLocalDpi xmlns:a14="http://schemas.microsoft.com/office/drawing/2010/main" val="0"/>
+              </a:ext>
+              <a:ext uri="{96DAC541-7B7A-43D3-8B79-37D633B846F1}">
+                <asvg:svgBlip xmlns:asvg="http://schemas.microsoft.com/office/drawing/2016/SVG/main" r:embed="rId3"/>
+              </a:ext>
+            </a:extLst>
+          </a:blip>
+          <a:stretch>
+            <a:fillRect/>
+          </a:stretch>
+        </p:blipFill>
+        <p:spPr>
+          <a:xfrm>
+            <a:off x="4024313" y="21357"/>
+            <a:ext cx="5012184" cy="3148305"/>
+          </a:xfrm>
+        </p:spPr>
+      </p:pic>
+      <p:pic>
+        <p:nvPicPr>
+          <p:cNvPr id="20" name="Segnaposto contenuto 19">
+            <a:extLst>
+              <a:ext uri="{FF2B5EF4-FFF2-40B4-BE49-F238E27FC236}">
+                <a16:creationId xmlns:a16="http://schemas.microsoft.com/office/drawing/2014/main" id="{90B773DD-FCF5-4576-9C9D-3F81BFC5846E}"/>
+              </a:ext>
+            </a:extLst>
+          </p:cNvPr>
+          <p:cNvPicPr>
+            <a:picLocks noGrp="1" noChangeAspect="1"/>
+          </p:cNvPicPr>
+          <p:nvPr>
+            <p:ph sz="quarter" idx="4"/>
+          </p:nvPr>
+        </p:nvPicPr>
+        <p:blipFill>
+          <a:blip r:embed="rId4">
+            <a:extLst>
+              <a:ext uri="{28A0092B-C50C-407E-A947-70E740481C1C}">
+                <a14:useLocalDpi xmlns:a14="http://schemas.microsoft.com/office/drawing/2010/main" val="0"/>
+              </a:ext>
+              <a:ext uri="{96DAC541-7B7A-43D3-8B79-37D633B846F1}">
+                <asvg:svgBlip xmlns:asvg="http://schemas.microsoft.com/office/drawing/2016/SVG/main" r:embed="rId5"/>
+              </a:ext>
+            </a:extLst>
+          </a:blip>
+          <a:stretch>
+            <a:fillRect/>
+          </a:stretch>
+        </p:blipFill>
+        <p:spPr>
+          <a:xfrm>
+            <a:off x="4024313" y="3378788"/>
+            <a:ext cx="5006714" cy="3144869"/>
+          </a:xfrm>
+        </p:spPr>
+      </p:pic>
+      <p:sp>
+        <p:nvSpPr>
+          <p:cNvPr id="30" name="CasellaDiTesto 29">
+            <a:extLst>
+              <a:ext uri="{FF2B5EF4-FFF2-40B4-BE49-F238E27FC236}">
+                <a16:creationId xmlns:a16="http://schemas.microsoft.com/office/drawing/2014/main" id="{814A474E-75D0-4267-A552-64BE3B93B90D}"/>
+              </a:ext>
+            </a:extLst>
+          </p:cNvPr>
+          <p:cNvSpPr txBox="1"/>
+          <p:nvPr/>
+        </p:nvSpPr>
+        <p:spPr>
+          <a:xfrm>
+            <a:off x="-8111" y="2413337"/>
+            <a:ext cx="4091905" cy="3139321"/>
+          </a:xfrm>
+          <a:prstGeom prst="rect">
+            <a:avLst/>
+          </a:prstGeom>
+          <a:noFill/>
+        </p:spPr>
+        <p:txBody>
+          <a:bodyPr wrap="square" rtlCol="0">
+            <a:spAutoFit/>
+          </a:bodyPr>
+          <a:lstStyle/>
+          <a:p>
+            <a:endParaRPr lang="it-IT" dirty="0"/>
+          </a:p>
+          <a:p>
+            <a:pPr marL="285750" indent="-285750">
+              <a:buFont typeface="Arial" panose="020B0604020202020204" pitchFamily="34" charset="0"/>
+              <a:buChar char="•"/>
+            </a:pPr>
+            <a:r>
+              <a:rPr lang="it-IT" dirty="0"/>
+              <a:t>I modelli </a:t>
+            </a:r>
+            <a:r>
+              <a:rPr lang="it-IT" dirty="0" err="1"/>
+              <a:t>context-aware</a:t>
+            </a:r>
+            <a:r>
+              <a:rPr lang="it-IT" dirty="0"/>
+              <a:t> (</a:t>
+            </a:r>
+            <a:r>
+              <a:rPr lang="it-IT" dirty="0" err="1"/>
+              <a:t>moveCARS</a:t>
+            </a:r>
+            <a:r>
+              <a:rPr lang="it-IT" dirty="0"/>
+              <a:t>, ECAM </a:t>
+            </a:r>
+            <a:r>
+              <a:rPr lang="it-IT" dirty="0" err="1"/>
+              <a:t>NeuMF</a:t>
+            </a:r>
+            <a:r>
+              <a:rPr lang="it-IT" dirty="0"/>
+              <a:t>) hanno l’AUC più alta</a:t>
+            </a:r>
+          </a:p>
+          <a:p>
+            <a:pPr marL="285750" indent="-285750">
+              <a:buFont typeface="Arial" panose="020B0604020202020204" pitchFamily="34" charset="0"/>
+              <a:buChar char="•"/>
+            </a:pPr>
+            <a:endParaRPr lang="it-IT" dirty="0"/>
+          </a:p>
+          <a:p>
+            <a:pPr marL="285750" indent="-285750">
+              <a:buFont typeface="Arial" panose="020B0604020202020204" pitchFamily="34" charset="0"/>
+              <a:buChar char="•"/>
+            </a:pPr>
+            <a:r>
+              <a:rPr lang="it-IT" dirty="0" err="1"/>
+              <a:t>moveCARS</a:t>
+            </a:r>
+            <a:r>
+              <a:rPr lang="it-IT" dirty="0"/>
+              <a:t> ha ottenuto risultati simili al modello </a:t>
+            </a:r>
+            <a:r>
+              <a:rPr lang="it-IT" dirty="0" err="1"/>
+              <a:t>context-aware</a:t>
+            </a:r>
+            <a:r>
+              <a:rPr lang="it-IT" dirty="0"/>
+              <a:t> stato dell’arte ECAM </a:t>
+            </a:r>
+            <a:r>
+              <a:rPr lang="it-IT" dirty="0" err="1"/>
+              <a:t>NeuMF</a:t>
+            </a:r>
+            <a:endParaRPr lang="it-IT" dirty="0"/>
+          </a:p>
+          <a:p>
+            <a:pPr marL="285750" indent="-285750">
+              <a:buFont typeface="Arial" panose="020B0604020202020204" pitchFamily="34" charset="0"/>
+              <a:buChar char="•"/>
+            </a:pPr>
+            <a:endParaRPr lang="it-IT" dirty="0"/>
+          </a:p>
+          <a:p>
+            <a:pPr marL="285750" indent="-285750">
+              <a:buFont typeface="Arial" panose="020B0604020202020204" pitchFamily="34" charset="0"/>
+              <a:buChar char="•"/>
+            </a:pPr>
+            <a:r>
+              <a:rPr lang="it-IT" dirty="0"/>
+              <a:t>La differenza tra modelli non </a:t>
+            </a:r>
+            <a:r>
+              <a:rPr lang="it-IT" dirty="0" err="1"/>
+              <a:t>context-aware</a:t>
+            </a:r>
+            <a:r>
+              <a:rPr lang="it-IT" dirty="0"/>
+              <a:t> e </a:t>
+            </a:r>
+            <a:r>
+              <a:rPr lang="it-IT" dirty="0" err="1"/>
+              <a:t>context-aware</a:t>
+            </a:r>
+            <a:r>
+              <a:rPr lang="it-IT" dirty="0"/>
+              <a:t> è maggiore su MDF</a:t>
+            </a:r>
+          </a:p>
+        </p:txBody>
+      </p:sp>
+    </p:spTree>
+    <p:extLst>
+      <p:ext uri="{BB962C8B-B14F-4D97-AF65-F5344CB8AC3E}">
+        <p14:creationId xmlns:p14="http://schemas.microsoft.com/office/powerpoint/2010/main" val="3288315151"/>
+      </p:ext>
+    </p:extLst>
+  </p:cSld>
+  <p:clrMapOvr>
+    <a:masterClrMapping/>
+  </p:clrMapOvr>
+</p:sld>
+</file>
+
+<file path=ppt/slides/slide12.xml><?xml version="1.0" encoding="utf-8"?>
+<p:sld xmlns:a="http://schemas.openxmlformats.org/drawingml/2006/main" xmlns:r="http://schemas.openxmlformats.org/officeDocument/2006/relationships" xmlns:p="http://schemas.openxmlformats.org/presentationml/2006/main">
+  <p:cSld>
     <p:bg>
       <p:bgPr>
         <a:solidFill>
@@ -5043,255 +5483,6 @@
 </p:sld>
 </file>
 
-<file path=ppt/slides/slide11.xml><?xml version="1.0" encoding="utf-8"?>
-<p:sld xmlns:a="http://schemas.openxmlformats.org/drawingml/2006/main" xmlns:r="http://schemas.openxmlformats.org/officeDocument/2006/relationships" xmlns:p="http://schemas.openxmlformats.org/presentationml/2006/main">
-  <p:cSld>
-    <p:spTree>
-      <p:nvGrpSpPr>
-        <p:cNvPr id="1" name=""/>
-        <p:cNvGrpSpPr/>
-        <p:nvPr/>
-      </p:nvGrpSpPr>
-      <p:grpSpPr>
-        <a:xfrm>
-          <a:off x="0" y="0"/>
-          <a:ext cx="0" cy="0"/>
-          <a:chOff x="0" y="0"/>
-          <a:chExt cx="0" cy="0"/>
-        </a:xfrm>
-      </p:grpSpPr>
-      <p:sp>
-        <p:nvSpPr>
-          <p:cNvPr id="2" name="Titolo 1">
-            <a:extLst>
-              <a:ext uri="{FF2B5EF4-FFF2-40B4-BE49-F238E27FC236}">
-                <a16:creationId xmlns:a16="http://schemas.microsoft.com/office/drawing/2014/main" id="{152980A4-3E84-4C09-8F59-8706C4B25284}"/>
-              </a:ext>
-            </a:extLst>
-          </p:cNvPr>
-          <p:cNvSpPr>
-            <a:spLocks noGrp="1"/>
-          </p:cNvSpPr>
-          <p:nvPr>
-            <p:ph type="title"/>
-          </p:nvPr>
-        </p:nvSpPr>
-        <p:spPr/>
-        <p:txBody>
-          <a:bodyPr/>
-          <a:lstStyle/>
-          <a:p>
-            <a:pPr algn="ctr"/>
-            <a:r>
-              <a:rPr lang="it-IT" dirty="0"/>
-              <a:t>Conclusioni</a:t>
-            </a:r>
-          </a:p>
-        </p:txBody>
-      </p:sp>
-      <p:sp>
-        <p:nvSpPr>
-          <p:cNvPr id="3" name="Segnaposto contenuto 2">
-            <a:extLst>
-              <a:ext uri="{FF2B5EF4-FFF2-40B4-BE49-F238E27FC236}">
-                <a16:creationId xmlns:a16="http://schemas.microsoft.com/office/drawing/2014/main" id="{1F9BD3DC-3555-44D3-9C15-FF91C6F96FE2}"/>
-              </a:ext>
-            </a:extLst>
-          </p:cNvPr>
-          <p:cNvSpPr>
-            <a:spLocks noGrp="1"/>
-          </p:cNvSpPr>
-          <p:nvPr>
-            <p:ph idx="1"/>
-          </p:nvPr>
-        </p:nvSpPr>
-        <p:spPr/>
-        <p:txBody>
-          <a:bodyPr/>
-          <a:lstStyle/>
-          <a:p>
-            <a:r>
-              <a:rPr lang="it-IT" dirty="0" err="1"/>
-              <a:t>moveCARS</a:t>
-            </a:r>
-            <a:r>
-              <a:rPr lang="it-IT" dirty="0"/>
-              <a:t> ha ottenuto risultati simili alle soluzioni stato dell’arte:</a:t>
-            </a:r>
-          </a:p>
-          <a:p>
-            <a:pPr lvl="1"/>
-            <a:r>
-              <a:rPr lang="it-IT" dirty="0"/>
-              <a:t>Con tempi di esecuzione minori</a:t>
-            </a:r>
-          </a:p>
-          <a:p>
-            <a:pPr lvl="1"/>
-            <a:r>
-              <a:rPr lang="it-IT" dirty="0"/>
-              <a:t>Con una struttura della rete meno restrittiva</a:t>
-            </a:r>
-          </a:p>
-          <a:p>
-            <a:r>
-              <a:rPr lang="it-IT" dirty="0"/>
-              <a:t>Il contesto ha un ruolo importante nelle raccomandazioni</a:t>
-            </a:r>
-          </a:p>
-          <a:p>
-            <a:r>
-              <a:rPr lang="it-IT" dirty="0"/>
-              <a:t>Se il contesto è molto descrittivo della situazione dell’utente le raccomandazioni sono ancora più precise</a:t>
-            </a:r>
-          </a:p>
-          <a:p>
-            <a:endParaRPr lang="it-IT" dirty="0"/>
-          </a:p>
-        </p:txBody>
-      </p:sp>
-    </p:spTree>
-    <p:extLst>
-      <p:ext uri="{BB962C8B-B14F-4D97-AF65-F5344CB8AC3E}">
-        <p14:creationId xmlns:p14="http://schemas.microsoft.com/office/powerpoint/2010/main" val="354855335"/>
-      </p:ext>
-    </p:extLst>
-  </p:cSld>
-  <p:clrMapOvr>
-    <a:masterClrMapping/>
-  </p:clrMapOvr>
-</p:sld>
-</file>
-
-<file path=ppt/slides/slide12.xml><?xml version="1.0" encoding="utf-8"?>
-<p:sld xmlns:a="http://schemas.openxmlformats.org/drawingml/2006/main" xmlns:r="http://schemas.openxmlformats.org/officeDocument/2006/relationships" xmlns:p="http://schemas.openxmlformats.org/presentationml/2006/main">
-  <p:cSld>
-    <p:spTree>
-      <p:nvGrpSpPr>
-        <p:cNvPr id="1" name=""/>
-        <p:cNvGrpSpPr/>
-        <p:nvPr/>
-      </p:nvGrpSpPr>
-      <p:grpSpPr>
-        <a:xfrm>
-          <a:off x="0" y="0"/>
-          <a:ext cx="0" cy="0"/>
-          <a:chOff x="0" y="0"/>
-          <a:chExt cx="0" cy="0"/>
-        </a:xfrm>
-      </p:grpSpPr>
-      <p:sp>
-        <p:nvSpPr>
-          <p:cNvPr id="2" name="Titolo 1">
-            <a:extLst>
-              <a:ext uri="{FF2B5EF4-FFF2-40B4-BE49-F238E27FC236}">
-                <a16:creationId xmlns:a16="http://schemas.microsoft.com/office/drawing/2014/main" id="{E967507E-1146-4581-B644-0005BC8A387E}"/>
-              </a:ext>
-            </a:extLst>
-          </p:cNvPr>
-          <p:cNvSpPr>
-            <a:spLocks noGrp="1"/>
-          </p:cNvSpPr>
-          <p:nvPr>
-            <p:ph type="title"/>
-          </p:nvPr>
-        </p:nvSpPr>
-        <p:spPr/>
-        <p:txBody>
-          <a:bodyPr/>
-          <a:lstStyle/>
-          <a:p>
-            <a:pPr algn="ctr"/>
-            <a:r>
-              <a:rPr lang="it-IT" dirty="0"/>
-              <a:t>Sviluppi futuri</a:t>
-            </a:r>
-          </a:p>
-        </p:txBody>
-      </p:sp>
-      <p:sp>
-        <p:nvSpPr>
-          <p:cNvPr id="3" name="Segnaposto contenuto 2">
-            <a:extLst>
-              <a:ext uri="{FF2B5EF4-FFF2-40B4-BE49-F238E27FC236}">
-                <a16:creationId xmlns:a16="http://schemas.microsoft.com/office/drawing/2014/main" id="{5570E059-74DD-4635-8D46-0B022D464045}"/>
-              </a:ext>
-            </a:extLst>
-          </p:cNvPr>
-          <p:cNvSpPr>
-            <a:spLocks noGrp="1"/>
-          </p:cNvSpPr>
-          <p:nvPr>
-            <p:ph idx="1"/>
-          </p:nvPr>
-        </p:nvSpPr>
-        <p:spPr/>
-        <p:txBody>
-          <a:bodyPr>
-            <a:normAutofit/>
-          </a:bodyPr>
-          <a:lstStyle/>
-          <a:p>
-            <a:r>
-              <a:rPr lang="it-IT" dirty="0"/>
-              <a:t>Training dell’algoritmo su dispositivo mobile</a:t>
-            </a:r>
-          </a:p>
-          <a:p>
-            <a:pPr marL="0" indent="0">
-              <a:buNone/>
-            </a:pPr>
-            <a:endParaRPr lang="it-IT" dirty="0"/>
-          </a:p>
-          <a:p>
-            <a:r>
-              <a:rPr lang="it-IT" dirty="0"/>
-              <a:t>Valutare il modello </a:t>
-            </a:r>
-            <a:r>
-              <a:rPr lang="it-IT" dirty="0" err="1"/>
-              <a:t>moveCARS</a:t>
-            </a:r>
-            <a:r>
-              <a:rPr lang="it-IT" dirty="0"/>
-              <a:t> su nuovi dataset</a:t>
-            </a:r>
-          </a:p>
-          <a:p>
-            <a:pPr marL="0" indent="0">
-              <a:buNone/>
-            </a:pPr>
-            <a:endParaRPr lang="it-IT" dirty="0"/>
-          </a:p>
-          <a:p>
-            <a:r>
-              <a:rPr lang="it-IT" dirty="0"/>
-              <a:t>Sviluppare un’applicazione per dispositivi mobili per valutare le prestazioni di </a:t>
-            </a:r>
-            <a:r>
-              <a:rPr lang="it-IT" dirty="0" err="1"/>
-              <a:t>moveCARS</a:t>
-            </a:r>
-            <a:r>
-              <a:rPr lang="it-IT" dirty="0"/>
-              <a:t> in ambiente reale</a:t>
-            </a:r>
-          </a:p>
-        </p:txBody>
-      </p:sp>
-    </p:spTree>
-    <p:extLst>
-      <p:ext uri="{BB962C8B-B14F-4D97-AF65-F5344CB8AC3E}">
-        <p14:creationId xmlns:p14="http://schemas.microsoft.com/office/powerpoint/2010/main" val="3978805847"/>
-      </p:ext>
-    </p:extLst>
-  </p:cSld>
-  <p:clrMapOvr>
-    <a:masterClrMapping/>
-  </p:clrMapOvr>
-</p:sld>
-</file>
-
 <file path=ppt/slides/slide13.xml><?xml version="1.0" encoding="utf-8"?>
 <p:sld xmlns:a="http://schemas.openxmlformats.org/drawingml/2006/main" xmlns:r="http://schemas.openxmlformats.org/officeDocument/2006/relationships" xmlns:p="http://schemas.openxmlformats.org/presentationml/2006/main">
   <p:cSld>
@@ -5311,6 +5502,255 @@
       </p:grpSpPr>
       <p:sp>
         <p:nvSpPr>
+          <p:cNvPr id="2" name="Titolo 1">
+            <a:extLst>
+              <a:ext uri="{FF2B5EF4-FFF2-40B4-BE49-F238E27FC236}">
+                <a16:creationId xmlns:a16="http://schemas.microsoft.com/office/drawing/2014/main" id="{152980A4-3E84-4C09-8F59-8706C4B25284}"/>
+              </a:ext>
+            </a:extLst>
+          </p:cNvPr>
+          <p:cNvSpPr>
+            <a:spLocks noGrp="1"/>
+          </p:cNvSpPr>
+          <p:nvPr>
+            <p:ph type="title"/>
+          </p:nvPr>
+        </p:nvSpPr>
+        <p:spPr/>
+        <p:txBody>
+          <a:bodyPr/>
+          <a:lstStyle/>
+          <a:p>
+            <a:pPr algn="ctr"/>
+            <a:r>
+              <a:rPr lang="it-IT" dirty="0"/>
+              <a:t>Conclusioni</a:t>
+            </a:r>
+          </a:p>
+        </p:txBody>
+      </p:sp>
+      <p:sp>
+        <p:nvSpPr>
+          <p:cNvPr id="3" name="Segnaposto contenuto 2">
+            <a:extLst>
+              <a:ext uri="{FF2B5EF4-FFF2-40B4-BE49-F238E27FC236}">
+                <a16:creationId xmlns:a16="http://schemas.microsoft.com/office/drawing/2014/main" id="{1F9BD3DC-3555-44D3-9C15-FF91C6F96FE2}"/>
+              </a:ext>
+            </a:extLst>
+          </p:cNvPr>
+          <p:cNvSpPr>
+            <a:spLocks noGrp="1"/>
+          </p:cNvSpPr>
+          <p:nvPr>
+            <p:ph idx="1"/>
+          </p:nvPr>
+        </p:nvSpPr>
+        <p:spPr/>
+        <p:txBody>
+          <a:bodyPr/>
+          <a:lstStyle/>
+          <a:p>
+            <a:r>
+              <a:rPr lang="it-IT" dirty="0" err="1"/>
+              <a:t>moveCARS</a:t>
+            </a:r>
+            <a:r>
+              <a:rPr lang="it-IT" dirty="0"/>
+              <a:t> ha ottenuto risultati simili alle soluzioni stato dell’arte:</a:t>
+            </a:r>
+          </a:p>
+          <a:p>
+            <a:pPr lvl="1"/>
+            <a:r>
+              <a:rPr lang="it-IT" dirty="0"/>
+              <a:t>Con tempi di esecuzione minori</a:t>
+            </a:r>
+          </a:p>
+          <a:p>
+            <a:pPr lvl="1"/>
+            <a:r>
+              <a:rPr lang="it-IT" dirty="0"/>
+              <a:t>Con una struttura della rete meno restrittiva</a:t>
+            </a:r>
+          </a:p>
+          <a:p>
+            <a:r>
+              <a:rPr lang="it-IT" dirty="0"/>
+              <a:t>Il contesto ha un ruolo importante nelle raccomandazioni</a:t>
+            </a:r>
+          </a:p>
+          <a:p>
+            <a:r>
+              <a:rPr lang="it-IT" dirty="0"/>
+              <a:t>Se il contesto è molto descrittivo della situazione dell’utente le raccomandazioni sono ancora più precise</a:t>
+            </a:r>
+          </a:p>
+          <a:p>
+            <a:endParaRPr lang="it-IT" dirty="0"/>
+          </a:p>
+        </p:txBody>
+      </p:sp>
+    </p:spTree>
+    <p:extLst>
+      <p:ext uri="{BB962C8B-B14F-4D97-AF65-F5344CB8AC3E}">
+        <p14:creationId xmlns:p14="http://schemas.microsoft.com/office/powerpoint/2010/main" val="354855335"/>
+      </p:ext>
+    </p:extLst>
+  </p:cSld>
+  <p:clrMapOvr>
+    <a:masterClrMapping/>
+  </p:clrMapOvr>
+</p:sld>
+</file>
+
+<file path=ppt/slides/slide14.xml><?xml version="1.0" encoding="utf-8"?>
+<p:sld xmlns:a="http://schemas.openxmlformats.org/drawingml/2006/main" xmlns:r="http://schemas.openxmlformats.org/officeDocument/2006/relationships" xmlns:p="http://schemas.openxmlformats.org/presentationml/2006/main">
+  <p:cSld>
+    <p:spTree>
+      <p:nvGrpSpPr>
+        <p:cNvPr id="1" name=""/>
+        <p:cNvGrpSpPr/>
+        <p:nvPr/>
+      </p:nvGrpSpPr>
+      <p:grpSpPr>
+        <a:xfrm>
+          <a:off x="0" y="0"/>
+          <a:ext cx="0" cy="0"/>
+          <a:chOff x="0" y="0"/>
+          <a:chExt cx="0" cy="0"/>
+        </a:xfrm>
+      </p:grpSpPr>
+      <p:sp>
+        <p:nvSpPr>
+          <p:cNvPr id="2" name="Titolo 1">
+            <a:extLst>
+              <a:ext uri="{FF2B5EF4-FFF2-40B4-BE49-F238E27FC236}">
+                <a16:creationId xmlns:a16="http://schemas.microsoft.com/office/drawing/2014/main" id="{E967507E-1146-4581-B644-0005BC8A387E}"/>
+              </a:ext>
+            </a:extLst>
+          </p:cNvPr>
+          <p:cNvSpPr>
+            <a:spLocks noGrp="1"/>
+          </p:cNvSpPr>
+          <p:nvPr>
+            <p:ph type="title"/>
+          </p:nvPr>
+        </p:nvSpPr>
+        <p:spPr/>
+        <p:txBody>
+          <a:bodyPr/>
+          <a:lstStyle/>
+          <a:p>
+            <a:pPr algn="ctr"/>
+            <a:r>
+              <a:rPr lang="it-IT" dirty="0"/>
+              <a:t>Sviluppi futuri</a:t>
+            </a:r>
+          </a:p>
+        </p:txBody>
+      </p:sp>
+      <p:sp>
+        <p:nvSpPr>
+          <p:cNvPr id="3" name="Segnaposto contenuto 2">
+            <a:extLst>
+              <a:ext uri="{FF2B5EF4-FFF2-40B4-BE49-F238E27FC236}">
+                <a16:creationId xmlns:a16="http://schemas.microsoft.com/office/drawing/2014/main" id="{5570E059-74DD-4635-8D46-0B022D464045}"/>
+              </a:ext>
+            </a:extLst>
+          </p:cNvPr>
+          <p:cNvSpPr>
+            <a:spLocks noGrp="1"/>
+          </p:cNvSpPr>
+          <p:nvPr>
+            <p:ph idx="1"/>
+          </p:nvPr>
+        </p:nvSpPr>
+        <p:spPr/>
+        <p:txBody>
+          <a:bodyPr>
+            <a:normAutofit/>
+          </a:bodyPr>
+          <a:lstStyle/>
+          <a:p>
+            <a:r>
+              <a:rPr lang="it-IT" dirty="0"/>
+              <a:t>Training dell’algoritmo su dispositivo mobile</a:t>
+            </a:r>
+          </a:p>
+          <a:p>
+            <a:pPr marL="0" indent="0">
+              <a:buNone/>
+            </a:pPr>
+            <a:endParaRPr lang="it-IT" dirty="0"/>
+          </a:p>
+          <a:p>
+            <a:r>
+              <a:rPr lang="it-IT" dirty="0"/>
+              <a:t>Valutare il modello </a:t>
+            </a:r>
+            <a:r>
+              <a:rPr lang="it-IT" dirty="0" err="1"/>
+              <a:t>moveCARS</a:t>
+            </a:r>
+            <a:r>
+              <a:rPr lang="it-IT" dirty="0"/>
+              <a:t> su nuovi dataset</a:t>
+            </a:r>
+          </a:p>
+          <a:p>
+            <a:pPr marL="0" indent="0">
+              <a:buNone/>
+            </a:pPr>
+            <a:endParaRPr lang="it-IT" dirty="0"/>
+          </a:p>
+          <a:p>
+            <a:r>
+              <a:rPr lang="it-IT" dirty="0"/>
+              <a:t>Sviluppare un’applicazione per dispositivi mobili per valutare le prestazioni di </a:t>
+            </a:r>
+            <a:r>
+              <a:rPr lang="it-IT" dirty="0" err="1"/>
+              <a:t>moveCARS</a:t>
+            </a:r>
+            <a:r>
+              <a:rPr lang="it-IT" dirty="0"/>
+              <a:t> in ambiente reale</a:t>
+            </a:r>
+          </a:p>
+        </p:txBody>
+      </p:sp>
+    </p:spTree>
+    <p:extLst>
+      <p:ext uri="{BB962C8B-B14F-4D97-AF65-F5344CB8AC3E}">
+        <p14:creationId xmlns:p14="http://schemas.microsoft.com/office/powerpoint/2010/main" val="3978805847"/>
+      </p:ext>
+    </p:extLst>
+  </p:cSld>
+  <p:clrMapOvr>
+    <a:masterClrMapping/>
+  </p:clrMapOvr>
+</p:sld>
+</file>
+
+<file path=ppt/slides/slide15.xml><?xml version="1.0" encoding="utf-8"?>
+<p:sld xmlns:a="http://schemas.openxmlformats.org/drawingml/2006/main" xmlns:r="http://schemas.openxmlformats.org/officeDocument/2006/relationships" xmlns:p="http://schemas.openxmlformats.org/presentationml/2006/main">
+  <p:cSld>
+    <p:spTree>
+      <p:nvGrpSpPr>
+        <p:cNvPr id="1" name=""/>
+        <p:cNvGrpSpPr/>
+        <p:nvPr/>
+      </p:nvGrpSpPr>
+      <p:grpSpPr>
+        <a:xfrm>
+          <a:off x="0" y="0"/>
+          <a:ext cx="0" cy="0"/>
+          <a:chOff x="0" y="0"/>
+          <a:chExt cx="0" cy="0"/>
+        </a:xfrm>
+      </p:grpSpPr>
+      <p:sp>
+        <p:nvSpPr>
           <p:cNvPr id="12" name="Titolo 11">
             <a:extLst>
               <a:ext uri="{FF2B5EF4-FFF2-40B4-BE49-F238E27FC236}">
@@ -5340,7 +5780,7 @@
             <a:pPr algn="ctr"/>
             <a:r>
               <a:rPr lang="it-IT" sz="5400" dirty="0"/>
-              <a:t>Grazie per l’attenzione!</a:t>
+              <a:t>Grazie</a:t>
             </a:r>
           </a:p>
         </p:txBody>
@@ -5359,7 +5799,7 @@
 </file>
 
 <file path=ppt/slides/slide2.xml><?xml version="1.0" encoding="utf-8"?>
-<p:sld xmlns:a="http://schemas.openxmlformats.org/drawingml/2006/main" xmlns:r="http://schemas.openxmlformats.org/officeDocument/2006/relationships" xmlns:p="http://schemas.openxmlformats.org/presentationml/2006/main">
+<p:sld xmlns:a="http://schemas.openxmlformats.org/drawingml/2006/main" xmlns:r="http://schemas.openxmlformats.org/officeDocument/2006/relationships" xmlns:p="http://schemas.openxmlformats.org/presentationml/2006/main" show="0">
   <p:cSld>
     <p:spTree>
       <p:nvGrpSpPr>
@@ -5532,6 +5972,169 @@
           <p:cNvPr id="2" name="Titolo 1">
             <a:extLst>
               <a:ext uri="{FF2B5EF4-FFF2-40B4-BE49-F238E27FC236}">
+                <a16:creationId xmlns:a16="http://schemas.microsoft.com/office/drawing/2014/main" id="{408C4C7B-E853-45EB-B3EC-438728329FFF}"/>
+              </a:ext>
+            </a:extLst>
+          </p:cNvPr>
+          <p:cNvSpPr>
+            <a:spLocks noGrp="1"/>
+          </p:cNvSpPr>
+          <p:nvPr>
+            <p:ph type="title"/>
+          </p:nvPr>
+        </p:nvSpPr>
+        <p:spPr>
+          <a:xfrm>
+            <a:off x="628650" y="-171400"/>
+            <a:ext cx="7886700" cy="1325563"/>
+          </a:xfrm>
+        </p:spPr>
+        <p:txBody>
+          <a:bodyPr/>
+          <a:lstStyle/>
+          <a:p>
+            <a:pPr algn="ctr"/>
+            <a:r>
+              <a:rPr lang="it-IT" dirty="0"/>
+              <a:t>Ambiente di riferimento</a:t>
+            </a:r>
+          </a:p>
+        </p:txBody>
+      </p:sp>
+      <p:sp>
+        <p:nvSpPr>
+          <p:cNvPr id="3" name="Segnaposto contenuto 2">
+            <a:extLst>
+              <a:ext uri="{FF2B5EF4-FFF2-40B4-BE49-F238E27FC236}">
+                <a16:creationId xmlns:a16="http://schemas.microsoft.com/office/drawing/2014/main" id="{1092EA9F-6FED-4186-AA52-B095CB45B0D3}"/>
+              </a:ext>
+            </a:extLst>
+          </p:cNvPr>
+          <p:cNvSpPr>
+            <a:spLocks noGrp="1"/>
+          </p:cNvSpPr>
+          <p:nvPr>
+            <p:ph idx="1"/>
+          </p:nvPr>
+        </p:nvSpPr>
+        <p:spPr>
+          <a:xfrm>
+            <a:off x="143508" y="3799426"/>
+            <a:ext cx="8856984" cy="2941941"/>
+          </a:xfrm>
+        </p:spPr>
+        <p:txBody>
+          <a:bodyPr>
+            <a:normAutofit lnSpcReduction="10000"/>
+          </a:bodyPr>
+          <a:lstStyle/>
+          <a:p>
+            <a:r>
+              <a:rPr lang="it-IT" dirty="0"/>
+              <a:t>I dispositivi mobili stanno contribuendo all’evoluzione dello </a:t>
+            </a:r>
+            <a:r>
+              <a:rPr lang="it-IT" dirty="0" err="1"/>
+              <a:t>edge</a:t>
+            </a:r>
+            <a:r>
+              <a:rPr lang="it-IT" dirty="0"/>
+              <a:t> computing</a:t>
+            </a:r>
+          </a:p>
+          <a:p>
+            <a:r>
+              <a:rPr lang="it-IT" dirty="0"/>
+              <a:t>I dispositivi mobili scoprono nuovi contenuti per gli utenti</a:t>
+            </a:r>
+          </a:p>
+          <a:p>
+            <a:r>
+              <a:rPr lang="it-IT" dirty="0"/>
+              <a:t>Un </a:t>
+            </a:r>
+            <a:r>
+              <a:rPr lang="it-IT" dirty="0" err="1"/>
+              <a:t>recommender</a:t>
+            </a:r>
+            <a:r>
+              <a:rPr lang="it-IT" dirty="0"/>
+              <a:t> system (RS) può essere utile per filtrare questi contenuti</a:t>
+            </a:r>
+          </a:p>
+          <a:p>
+            <a:r>
+              <a:rPr lang="it-IT" dirty="0"/>
+              <a:t>La dinamicità dell’ambiente richiede una soluzione che possa eseguire su dispositivo mobile</a:t>
+            </a:r>
+          </a:p>
+        </p:txBody>
+      </p:sp>
+      <p:pic>
+        <p:nvPicPr>
+          <p:cNvPr id="5" name="Immagine 4">
+            <a:extLst>
+              <a:ext uri="{FF2B5EF4-FFF2-40B4-BE49-F238E27FC236}">
+                <a16:creationId xmlns:a16="http://schemas.microsoft.com/office/drawing/2014/main" id="{57ECDB0F-E642-4625-9AC8-157C0837E278}"/>
+              </a:ext>
+            </a:extLst>
+          </p:cNvPr>
+          <p:cNvPicPr>
+            <a:picLocks noChangeAspect="1"/>
+          </p:cNvPicPr>
+          <p:nvPr/>
+        </p:nvPicPr>
+        <p:blipFill>
+          <a:blip r:embed="rId2"/>
+          <a:stretch>
+            <a:fillRect/>
+          </a:stretch>
+        </p:blipFill>
+        <p:spPr>
+          <a:xfrm>
+            <a:off x="3293858" y="908720"/>
+            <a:ext cx="2556284" cy="2826660"/>
+          </a:xfrm>
+          <a:prstGeom prst="rect">
+            <a:avLst/>
+          </a:prstGeom>
+        </p:spPr>
+      </p:pic>
+    </p:spTree>
+    <p:extLst>
+      <p:ext uri="{BB962C8B-B14F-4D97-AF65-F5344CB8AC3E}">
+        <p14:creationId xmlns:p14="http://schemas.microsoft.com/office/powerpoint/2010/main" val="3402772325"/>
+      </p:ext>
+    </p:extLst>
+  </p:cSld>
+  <p:clrMapOvr>
+    <a:masterClrMapping/>
+  </p:clrMapOvr>
+</p:sld>
+</file>
+
+<file path=ppt/slides/slide4.xml><?xml version="1.0" encoding="utf-8"?>
+<p:sld xmlns:a="http://schemas.openxmlformats.org/drawingml/2006/main" xmlns:r="http://schemas.openxmlformats.org/officeDocument/2006/relationships" xmlns:p="http://schemas.openxmlformats.org/presentationml/2006/main">
+  <p:cSld>
+    <p:spTree>
+      <p:nvGrpSpPr>
+        <p:cNvPr id="1" name=""/>
+        <p:cNvGrpSpPr/>
+        <p:nvPr/>
+      </p:nvGrpSpPr>
+      <p:grpSpPr>
+        <a:xfrm>
+          <a:off x="0" y="0"/>
+          <a:ext cx="0" cy="0"/>
+          <a:chOff x="0" y="0"/>
+          <a:chExt cx="0" cy="0"/>
+        </a:xfrm>
+      </p:grpSpPr>
+      <p:sp>
+        <p:nvSpPr>
+          <p:cNvPr id="2" name="Titolo 1">
+            <a:extLst>
+              <a:ext uri="{FF2B5EF4-FFF2-40B4-BE49-F238E27FC236}">
                 <a16:creationId xmlns:a16="http://schemas.microsoft.com/office/drawing/2014/main" id="{6E85C9F5-082B-43A8-B30E-83A00057087C}"/>
               </a:ext>
             </a:extLst>
@@ -5545,7 +6148,7 @@
         </p:nvSpPr>
         <p:spPr>
           <a:xfrm>
-            <a:off x="628650" y="187006"/>
+            <a:off x="628650" y="116632"/>
             <a:ext cx="7886700" cy="696924"/>
           </a:xfrm>
         </p:spPr>
@@ -5579,37 +6182,37 @@
         </p:nvSpPr>
         <p:spPr>
           <a:xfrm>
-            <a:off x="251520" y="3789041"/>
-            <a:ext cx="8640960" cy="2881954"/>
+            <a:off x="251520" y="3569678"/>
+            <a:ext cx="8640960" cy="3171690"/>
           </a:xfrm>
         </p:spPr>
         <p:txBody>
           <a:bodyPr>
-            <a:normAutofit fontScale="92500" lnSpcReduction="10000"/>
+            <a:normAutofit lnSpcReduction="10000"/>
           </a:bodyPr>
           <a:lstStyle/>
           <a:p>
             <a:r>
               <a:rPr lang="it-IT" dirty="0"/>
-              <a:t>Largamente utilizzati da piattaforme di e-commerce,  di streaming, social network, etc.</a:t>
+              <a:t>Generano raccomandazioni personalizzate per gli utenti</a:t>
+            </a:r>
+          </a:p>
+          <a:p>
+            <a:r>
+              <a:rPr lang="it-IT" b="0" i="0" u="none" strike="noStrike" baseline="0" dirty="0"/>
+              <a:t>RS centralizzati: conoscenza globale di tutti gli utenti e oggetti</a:t>
             </a:r>
           </a:p>
           <a:p>
             <a:r>
               <a:rPr lang="it-IT" dirty="0"/>
-              <a:t>Generano raccomandazioni personalizzate per gli utenti</a:t>
-            </a:r>
-          </a:p>
-          <a:p>
-            <a:r>
-              <a:rPr lang="it-IT" b="0" i="0" u="none" strike="noStrike" baseline="0" dirty="0"/>
-              <a:t>Sono sistemi centralizzati con conoscenza globale di tutti gli utenti e oggetti</a:t>
-            </a:r>
-          </a:p>
-          <a:p>
-            <a:r>
-              <a:rPr lang="it-IT" i="0" u="none" strike="noStrike" baseline="0" dirty="0"/>
-              <a:t>Contesto limitato a poche informazioni contestuali</a:t>
+              <a:t>RS mobile: le informazioni sono limitate a quelle raccolte dall’utente locale</a:t>
+            </a:r>
+          </a:p>
+          <a:p>
+            <a:r>
+              <a:rPr lang="it-IT" dirty="0"/>
+              <a:t>Integrare contesto descrittivo</a:t>
             </a:r>
           </a:p>
           <a:p>
@@ -5623,7 +6226,7 @@
             </a:r>
             <a:r>
               <a:rPr lang="it-IT" i="0" u="none" strike="noStrike" baseline="0" dirty="0"/>
-              <a:t> per dispositivi mobili</a:t>
+              <a:t> per dispositivi mobili </a:t>
             </a:r>
           </a:p>
           <a:p>
@@ -5665,7 +6268,7 @@
         </p:blipFill>
         <p:spPr>
           <a:xfrm>
-            <a:off x="1363207" y="959694"/>
+            <a:off x="1403648" y="764704"/>
             <a:ext cx="6417586" cy="2804974"/>
           </a:xfrm>
           <a:prstGeom prst="rect">
@@ -5686,7 +6289,7 @@
 </p:sld>
 </file>
 
-<file path=ppt/slides/slide4.xml><?xml version="1.0" encoding="utf-8"?>
+<file path=ppt/slides/slide5.xml><?xml version="1.0" encoding="utf-8"?>
 <p:sld xmlns:a="http://schemas.openxmlformats.org/drawingml/2006/main" xmlns:r="http://schemas.openxmlformats.org/officeDocument/2006/relationships" xmlns:p="http://schemas.openxmlformats.org/presentationml/2006/main">
   <p:cSld>
     <p:bg>
@@ -5797,8 +6400,8 @@
           </a:prstGeom>
         </p:spPr>
       </p:pic>
-      <mc:AlternateContent xmlns:mc="http://schemas.openxmlformats.org/markup-compatibility/2006">
-        <mc:Choice xmlns:a14="http://schemas.microsoft.com/office/drawing/2010/main" Requires="a14">
+      <mc:AlternateContent xmlns:mc="http://schemas.openxmlformats.org/markup-compatibility/2006" xmlns:a14="http://schemas.microsoft.com/office/drawing/2010/main">
+        <mc:Choice Requires="a14">
           <p:sp>
             <p:nvSpPr>
               <p:cNvPr id="20" name="CasellaDiTesto 19">
@@ -6057,7 +6660,7 @@
             </p:txBody>
           </p:sp>
         </mc:Choice>
-        <mc:Fallback>
+        <mc:Fallback xmlns="">
           <p:sp>
             <p:nvSpPr>
               <p:cNvPr id="20" name="CasellaDiTesto 19">
@@ -6115,7 +6718,7 @@
 </p:sld>
 </file>
 
-<file path=ppt/slides/slide5.xml><?xml version="1.0" encoding="utf-8"?>
+<file path=ppt/slides/slide6.xml><?xml version="1.0" encoding="utf-8"?>
 <p:sld xmlns:a="http://schemas.openxmlformats.org/drawingml/2006/main" xmlns:r="http://schemas.openxmlformats.org/officeDocument/2006/relationships" xmlns:p="http://schemas.openxmlformats.org/presentationml/2006/main">
   <p:cSld>
     <p:spTree>
@@ -6797,7 +7400,7 @@
 </p:sld>
 </file>
 
-<file path=ppt/slides/slide6.xml><?xml version="1.0" encoding="utf-8"?>
+<file path=ppt/slides/slide7.xml><?xml version="1.0" encoding="utf-8"?>
 <p:sld xmlns:a="http://schemas.openxmlformats.org/drawingml/2006/main" xmlns:r="http://schemas.openxmlformats.org/officeDocument/2006/relationships" xmlns:p="http://schemas.openxmlformats.org/presentationml/2006/main">
   <p:cSld>
     <p:spTree>
@@ -7245,7 +7848,7 @@
 </p:sld>
 </file>
 
-<file path=ppt/slides/slide7.xml><?xml version="1.0" encoding="utf-8"?>
+<file path=ppt/slides/slide8.xml><?xml version="1.0" encoding="utf-8"?>
 <p:sld xmlns:a="http://schemas.openxmlformats.org/drawingml/2006/main" xmlns:r="http://schemas.openxmlformats.org/officeDocument/2006/relationships" xmlns:p="http://schemas.openxmlformats.org/presentationml/2006/main">
   <p:cSld>
     <p:spTree>
@@ -7445,367 +8048,6 @@
 </p:sld>
 </file>
 
-<file path=ppt/slides/slide8.xml><?xml version="1.0" encoding="utf-8"?>
-<p:sld xmlns:a="http://schemas.openxmlformats.org/drawingml/2006/main" xmlns:r="http://schemas.openxmlformats.org/officeDocument/2006/relationships" xmlns:p="http://schemas.openxmlformats.org/presentationml/2006/main">
-  <p:cSld>
-    <p:spTree>
-      <p:nvGrpSpPr>
-        <p:cNvPr id="1" name=""/>
-        <p:cNvGrpSpPr/>
-        <p:nvPr/>
-      </p:nvGrpSpPr>
-      <p:grpSpPr>
-        <a:xfrm>
-          <a:off x="0" y="0"/>
-          <a:ext cx="0" cy="0"/>
-          <a:chOff x="0" y="0"/>
-          <a:chExt cx="0" cy="0"/>
-        </a:xfrm>
-      </p:grpSpPr>
-      <p:sp>
-        <p:nvSpPr>
-          <p:cNvPr id="2" name="Titolo 1">
-            <a:extLst>
-              <a:ext uri="{FF2B5EF4-FFF2-40B4-BE49-F238E27FC236}">
-                <a16:creationId xmlns:a16="http://schemas.microsoft.com/office/drawing/2014/main" id="{6B5C8CE6-773B-4C99-A303-3A55CAA756D3}"/>
-              </a:ext>
-            </a:extLst>
-          </p:cNvPr>
-          <p:cNvSpPr>
-            <a:spLocks noGrp="1"/>
-          </p:cNvSpPr>
-          <p:nvPr>
-            <p:ph type="title"/>
-          </p:nvPr>
-        </p:nvSpPr>
-        <p:spPr>
-          <a:xfrm>
-            <a:off x="539552" y="117066"/>
-            <a:ext cx="7886700" cy="421929"/>
-          </a:xfrm>
-        </p:spPr>
-        <p:txBody>
-          <a:bodyPr>
-            <a:noAutofit/>
-          </a:bodyPr>
-          <a:lstStyle/>
-          <a:p>
-            <a:pPr algn="ctr"/>
-            <a:r>
-              <a:rPr lang="it-IT" dirty="0"/>
-              <a:t>Dataset</a:t>
-            </a:r>
-          </a:p>
-        </p:txBody>
-      </p:sp>
-      <p:sp>
-        <p:nvSpPr>
-          <p:cNvPr id="3" name="Segnaposto contenuto 2">
-            <a:extLst>
-              <a:ext uri="{FF2B5EF4-FFF2-40B4-BE49-F238E27FC236}">
-                <a16:creationId xmlns:a16="http://schemas.microsoft.com/office/drawing/2014/main" id="{BE723A70-E80B-4CA0-941A-CB18D109A863}"/>
-              </a:ext>
-            </a:extLst>
-          </p:cNvPr>
-          <p:cNvSpPr>
-            <a:spLocks noGrp="1"/>
-          </p:cNvSpPr>
-          <p:nvPr>
-            <p:ph idx="1"/>
-          </p:nvPr>
-        </p:nvSpPr>
-        <p:spPr>
-          <a:xfrm>
-            <a:off x="179512" y="538995"/>
-            <a:ext cx="8784976" cy="2664296"/>
-          </a:xfrm>
-        </p:spPr>
-        <p:txBody>
-          <a:bodyPr>
-            <a:normAutofit fontScale="92500" lnSpcReduction="10000"/>
-          </a:bodyPr>
-          <a:lstStyle/>
-          <a:p>
-            <a:pPr marL="0" indent="0" algn="l">
-              <a:buNone/>
-            </a:pPr>
-            <a:r>
-              <a:rPr lang="it-IT" sz="2200" b="1" dirty="0"/>
-              <a:t>Frappe: </a:t>
-            </a:r>
-          </a:p>
-          <a:p>
-            <a:pPr marL="0" indent="0" algn="l">
-              <a:buNone/>
-            </a:pPr>
-            <a:r>
-              <a:rPr lang="it-IT" sz="1900" b="0" i="0" u="none" strike="noStrike" baseline="0" dirty="0"/>
-              <a:t>È un dataset di feedback impliciti collezionato da un sistema di raccomandazione </a:t>
-            </a:r>
-            <a:r>
-              <a:rPr lang="it-IT" sz="1900" b="0" i="0" u="none" strike="noStrike" baseline="0" dirty="0" err="1"/>
-              <a:t>context-aware</a:t>
-            </a:r>
-            <a:r>
-              <a:rPr lang="it-IT" sz="1900" b="0" i="0" u="none" strike="noStrike" baseline="0" dirty="0"/>
-              <a:t> di applicazioni Android.</a:t>
-            </a:r>
-          </a:p>
-          <a:p>
-            <a:pPr marL="0" indent="0" algn="l">
-              <a:buNone/>
-            </a:pPr>
-            <a:r>
-              <a:rPr lang="it-IT" sz="1900" dirty="0"/>
-              <a:t>Feature di contesto:</a:t>
-            </a:r>
-          </a:p>
-          <a:p>
-            <a:r>
-              <a:rPr lang="it-IT" sz="1900" dirty="0"/>
-              <a:t>Momento giornata</a:t>
-            </a:r>
-          </a:p>
-          <a:p>
-            <a:r>
-              <a:rPr lang="it-IT" sz="1900" dirty="0"/>
-              <a:t>Giorno della settimana</a:t>
-            </a:r>
-          </a:p>
-          <a:p>
-            <a:r>
-              <a:rPr lang="it-IT" sz="1900" dirty="0"/>
-              <a:t>Se è il fine settimana</a:t>
-            </a:r>
-          </a:p>
-          <a:p>
-            <a:r>
-              <a:rPr lang="it-IT" sz="1900" dirty="0"/>
-              <a:t>Meteo</a:t>
-            </a:r>
-          </a:p>
-          <a:p>
-            <a:pPr marL="0" indent="0">
-              <a:buNone/>
-            </a:pPr>
-            <a:endParaRPr lang="it-IT" b="1" dirty="0"/>
-          </a:p>
-        </p:txBody>
-      </p:sp>
-      <p:sp>
-        <p:nvSpPr>
-          <p:cNvPr id="9" name="CasellaDiTesto 8">
-            <a:extLst>
-              <a:ext uri="{FF2B5EF4-FFF2-40B4-BE49-F238E27FC236}">
-                <a16:creationId xmlns:a16="http://schemas.microsoft.com/office/drawing/2014/main" id="{A4BA0D4A-419D-4B7E-80B1-C402EFBEA01F}"/>
-              </a:ext>
-            </a:extLst>
-          </p:cNvPr>
-          <p:cNvSpPr txBox="1"/>
-          <p:nvPr/>
-        </p:nvSpPr>
-        <p:spPr>
-          <a:xfrm>
-            <a:off x="154792" y="3429000"/>
-            <a:ext cx="8809695" cy="936104"/>
-          </a:xfrm>
-          <a:prstGeom prst="rect">
-            <a:avLst/>
-          </a:prstGeom>
-          <a:noFill/>
-        </p:spPr>
-        <p:txBody>
-          <a:bodyPr wrap="square">
-            <a:normAutofit lnSpcReduction="10000"/>
-          </a:bodyPr>
-          <a:lstStyle/>
-          <a:p>
-            <a:r>
-              <a:rPr lang="it-IT" sz="2000" b="1" dirty="0"/>
-              <a:t>My Digital Footprint (MDF): </a:t>
-            </a:r>
-          </a:p>
-          <a:p>
-            <a:r>
-              <a:rPr lang="it-IT" dirty="0"/>
-              <a:t>È un nuovo dataset composto da dati di sensori di smartphone, informazioni di prossimità fisica, e interazioni sugli online social network.</a:t>
-            </a:r>
-          </a:p>
-          <a:p>
-            <a:endParaRPr lang="it-IT" dirty="0"/>
-          </a:p>
-          <a:p>
-            <a:endParaRPr lang="it-IT" dirty="0"/>
-          </a:p>
-          <a:p>
-            <a:endParaRPr lang="it-IT" dirty="0"/>
-          </a:p>
-          <a:p>
-            <a:endParaRPr lang="it-IT" dirty="0"/>
-          </a:p>
-          <a:p>
-            <a:endParaRPr lang="it-IT" dirty="0"/>
-          </a:p>
-        </p:txBody>
-      </p:sp>
-      <p:sp>
-        <p:nvSpPr>
-          <p:cNvPr id="10" name="CasellaDiTesto 9">
-            <a:extLst>
-              <a:ext uri="{FF2B5EF4-FFF2-40B4-BE49-F238E27FC236}">
-                <a16:creationId xmlns:a16="http://schemas.microsoft.com/office/drawing/2014/main" id="{3D9FFB73-567F-4A21-9A4E-FD1CA3A2DC3D}"/>
-              </a:ext>
-            </a:extLst>
-          </p:cNvPr>
-          <p:cNvSpPr txBox="1"/>
-          <p:nvPr/>
-        </p:nvSpPr>
-        <p:spPr>
-          <a:xfrm>
-            <a:off x="179512" y="4221087"/>
-            <a:ext cx="8784976" cy="2097917"/>
-          </a:xfrm>
-          <a:prstGeom prst="rect">
-            <a:avLst/>
-          </a:prstGeom>
-          <a:noFill/>
-        </p:spPr>
-        <p:txBody>
-          <a:bodyPr wrap="square" numCol="2" rtlCol="0">
-            <a:normAutofit/>
-          </a:bodyPr>
-          <a:lstStyle/>
-          <a:p>
-            <a:r>
-              <a:rPr lang="it-IT" dirty="0"/>
-              <a:t>Feature di contesto:</a:t>
-            </a:r>
-          </a:p>
-          <a:p>
-            <a:pPr marL="285750" indent="-285750">
-              <a:buFont typeface="Arial" panose="020B0604020202020204" pitchFamily="34" charset="0"/>
-              <a:buChar char="•"/>
-            </a:pPr>
-            <a:r>
-              <a:rPr lang="it-IT" dirty="0"/>
-              <a:t>Attività utente (a piedi, in bici, corsa…)</a:t>
-            </a:r>
-          </a:p>
-          <a:p>
-            <a:pPr marL="285750" indent="-285750">
-              <a:buFont typeface="Arial" panose="020B0604020202020204" pitchFamily="34" charset="0"/>
-              <a:buChar char="•"/>
-            </a:pPr>
-            <a:r>
-              <a:rPr lang="it-IT" dirty="0"/>
-              <a:t>Modalità audio (silenzioso, vibrazione…)</a:t>
-            </a:r>
-          </a:p>
-          <a:p>
-            <a:pPr marL="285750" indent="-285750">
-              <a:buFont typeface="Arial" panose="020B0604020202020204" pitchFamily="34" charset="0"/>
-              <a:buChar char="•"/>
-            </a:pPr>
-            <a:r>
-              <a:rPr lang="it-IT" dirty="0"/>
-              <a:t>Volume </a:t>
-            </a:r>
-          </a:p>
-          <a:p>
-            <a:pPr marL="285750" indent="-285750">
-              <a:buFont typeface="Arial" panose="020B0604020202020204" pitchFamily="34" charset="0"/>
-              <a:buChar char="•"/>
-            </a:pPr>
-            <a:r>
-              <a:rPr lang="it-IT" dirty="0"/>
-              <a:t>Musica </a:t>
-            </a:r>
-          </a:p>
-          <a:p>
-            <a:pPr marL="285750" indent="-285750">
-              <a:buFont typeface="Arial" panose="020B0604020202020204" pitchFamily="34" charset="0"/>
-              <a:buChar char="•"/>
-            </a:pPr>
-            <a:r>
-              <a:rPr lang="it-IT" dirty="0"/>
-              <a:t>Batteria (livello, in carica)</a:t>
-            </a:r>
-          </a:p>
-          <a:p>
-            <a:pPr marL="285750" indent="-285750">
-              <a:buFont typeface="Arial" panose="020B0604020202020204" pitchFamily="34" charset="0"/>
-              <a:buChar char="•"/>
-            </a:pPr>
-            <a:r>
-              <a:rPr lang="it-IT" dirty="0"/>
-              <a:t>Schermo (rotazione, stato)</a:t>
-            </a:r>
-          </a:p>
-          <a:p>
-            <a:pPr marL="285750" indent="-285750">
-              <a:buFont typeface="Arial" panose="020B0604020202020204" pitchFamily="34" charset="0"/>
-              <a:buChar char="•"/>
-            </a:pPr>
-            <a:endParaRPr lang="it-IT" dirty="0"/>
-          </a:p>
-          <a:p>
-            <a:pPr marL="285750" indent="-285750">
-              <a:buFont typeface="Arial" panose="020B0604020202020204" pitchFamily="34" charset="0"/>
-              <a:buChar char="•"/>
-            </a:pPr>
-            <a:r>
-              <a:rPr lang="it-IT" dirty="0"/>
-              <a:t>Meteo</a:t>
-            </a:r>
-          </a:p>
-          <a:p>
-            <a:pPr marL="285750" indent="-285750">
-              <a:buFont typeface="Arial" panose="020B0604020202020204" pitchFamily="34" charset="0"/>
-              <a:buChar char="•"/>
-            </a:pPr>
-            <a:r>
-              <a:rPr lang="it-IT" dirty="0"/>
-              <a:t>WiFi</a:t>
-            </a:r>
-          </a:p>
-          <a:p>
-            <a:pPr marL="285750" indent="-285750">
-              <a:buFont typeface="Arial" panose="020B0604020202020204" pitchFamily="34" charset="0"/>
-              <a:buChar char="•"/>
-            </a:pPr>
-            <a:r>
-              <a:rPr lang="it-IT" dirty="0"/>
-              <a:t>Data e ora</a:t>
-            </a:r>
-          </a:p>
-          <a:p>
-            <a:pPr marL="285750" indent="-285750">
-              <a:buFont typeface="Arial" panose="020B0604020202020204" pitchFamily="34" charset="0"/>
-              <a:buChar char="•"/>
-            </a:pPr>
-            <a:r>
-              <a:rPr lang="it-IT" dirty="0"/>
-              <a:t>Tipologia di persone in prossimità dell’utente</a:t>
-            </a:r>
-          </a:p>
-          <a:p>
-            <a:endParaRPr lang="it-IT" dirty="0"/>
-          </a:p>
-        </p:txBody>
-      </p:sp>
-    </p:spTree>
-    <p:extLst>
-      <p:ext uri="{BB962C8B-B14F-4D97-AF65-F5344CB8AC3E}">
-        <p14:creationId xmlns:p14="http://schemas.microsoft.com/office/powerpoint/2010/main" val="1769353711"/>
-      </p:ext>
-    </p:extLst>
-  </p:cSld>
-  <p:clrMapOvr>
-    <a:masterClrMapping/>
-  </p:clrMapOvr>
-</p:sld>
-</file>
-
 <file path=ppt/slides/slide9.xml><?xml version="1.0" encoding="utf-8"?>
 <p:sld xmlns:a="http://schemas.openxmlformats.org/drawingml/2006/main" xmlns:r="http://schemas.openxmlformats.org/officeDocument/2006/relationships" xmlns:p="http://schemas.openxmlformats.org/presentationml/2006/main">
   <p:cSld>
@@ -7828,7 +8070,7 @@
           <p:cNvPr id="2" name="Titolo 1">
             <a:extLst>
               <a:ext uri="{FF2B5EF4-FFF2-40B4-BE49-F238E27FC236}">
-                <a16:creationId xmlns:a16="http://schemas.microsoft.com/office/drawing/2014/main" id="{43EAF889-71E4-403D-B7D3-14CE26366C96}"/>
+                <a16:creationId xmlns:a16="http://schemas.microsoft.com/office/drawing/2014/main" id="{6B5C8CE6-773B-4C99-A303-3A55CAA756D3}"/>
               </a:ext>
             </a:extLst>
           </p:cNvPr>
@@ -7841,115 +8083,91 @@
         </p:nvSpPr>
         <p:spPr>
           <a:xfrm>
-            <a:off x="756783" y="188640"/>
-            <a:ext cx="2562119" cy="400772"/>
+            <a:off x="539552" y="117066"/>
+            <a:ext cx="7886700" cy="421929"/>
           </a:xfrm>
         </p:spPr>
         <p:txBody>
-          <a:bodyPr vert="horz" lIns="91440" tIns="45720" rIns="91440" bIns="45720" rtlCol="0" anchor="ctr">
-            <a:normAutofit fontScale="90000"/>
+          <a:bodyPr>
+            <a:noAutofit/>
           </a:bodyPr>
           <a:lstStyle/>
           <a:p>
-            <a:pPr defTabSz="914400"/>
-            <a:r>
-              <a:rPr lang="en-US" sz="4400" kern="1200" dirty="0" err="1">
-                <a:latin typeface="+mj-lt"/>
-                <a:ea typeface="+mj-ea"/>
-                <a:cs typeface="+mj-cs"/>
-              </a:rPr>
-              <a:t>Risultati</a:t>
-            </a:r>
-            <a:endParaRPr lang="en-US" sz="4400" kern="1200" dirty="0">
-              <a:latin typeface="+mj-lt"/>
-              <a:ea typeface="+mj-ea"/>
-              <a:cs typeface="+mj-cs"/>
-            </a:endParaRPr>
-          </a:p>
-        </p:txBody>
-      </p:sp>
-      <p:pic>
-        <p:nvPicPr>
-          <p:cNvPr id="17" name="Segnaposto contenuto 16">
+            <a:pPr algn="ctr"/>
+            <a:r>
+              <a:rPr lang="it-IT" dirty="0"/>
+              <a:t>Dataset</a:t>
+            </a:r>
+          </a:p>
+        </p:txBody>
+      </p:sp>
+      <p:sp>
+        <p:nvSpPr>
+          <p:cNvPr id="3" name="Segnaposto contenuto 2">
             <a:extLst>
               <a:ext uri="{FF2B5EF4-FFF2-40B4-BE49-F238E27FC236}">
-                <a16:creationId xmlns:a16="http://schemas.microsoft.com/office/drawing/2014/main" id="{28C8BA65-1CC5-4CD8-941C-2D5BD2C214BD}"/>
+                <a16:creationId xmlns:a16="http://schemas.microsoft.com/office/drawing/2014/main" id="{BE723A70-E80B-4CA0-941A-CB18D109A863}"/>
               </a:ext>
             </a:extLst>
           </p:cNvPr>
-          <p:cNvPicPr>
-            <a:picLocks noGrp="1" noChangeAspect="1"/>
-          </p:cNvPicPr>
-          <p:nvPr>
-            <p:ph sz="half" idx="2"/>
-          </p:nvPr>
-        </p:nvPicPr>
-        <p:blipFill>
-          <a:blip r:embed="rId2">
-            <a:extLst>
-              <a:ext uri="{28A0092B-C50C-407E-A947-70E740481C1C}">
-                <a14:useLocalDpi xmlns:a14="http://schemas.microsoft.com/office/drawing/2010/main" val="0"/>
-              </a:ext>
-              <a:ext uri="{96DAC541-7B7A-43D3-8B79-37D633B846F1}">
-                <asvg:svgBlip xmlns:asvg="http://schemas.microsoft.com/office/drawing/2016/SVG/main" r:embed="rId3"/>
-              </a:ext>
-            </a:extLst>
-          </a:blip>
-          <a:stretch>
-            <a:fillRect/>
-          </a:stretch>
-        </p:blipFill>
+          <p:cNvSpPr>
+            <a:spLocks noGrp="1"/>
+          </p:cNvSpPr>
+          <p:nvPr>
+            <p:ph idx="1"/>
+          </p:nvPr>
+        </p:nvSpPr>
         <p:spPr>
           <a:xfrm>
-            <a:off x="4024313" y="21357"/>
-            <a:ext cx="5012184" cy="3148305"/>
+            <a:off x="179512" y="538995"/>
+            <a:ext cx="8784976" cy="1017797"/>
           </a:xfrm>
         </p:spPr>
-      </p:pic>
-      <p:pic>
-        <p:nvPicPr>
-          <p:cNvPr id="20" name="Segnaposto contenuto 19">
+        <p:txBody>
+          <a:bodyPr>
+            <a:normAutofit lnSpcReduction="10000"/>
+          </a:bodyPr>
+          <a:lstStyle/>
+          <a:p>
+            <a:pPr marL="0" indent="0" algn="l">
+              <a:buNone/>
+            </a:pPr>
+            <a:r>
+              <a:rPr lang="it-IT" sz="2200" b="1" dirty="0"/>
+              <a:t>Frappe: </a:t>
+            </a:r>
+          </a:p>
+          <a:p>
+            <a:pPr marL="0" indent="0" algn="l">
+              <a:buNone/>
+            </a:pPr>
+            <a:r>
+              <a:rPr lang="it-IT" sz="1900" b="0" i="0" u="none" strike="noStrike" baseline="0" dirty="0"/>
+              <a:t>È un dataset di feedback impliciti collezionato da un sistema di raccomandazione </a:t>
+            </a:r>
+            <a:r>
+              <a:rPr lang="it-IT" sz="1900" b="0" i="0" u="none" strike="noStrike" baseline="0" dirty="0" err="1"/>
+              <a:t>context-aware</a:t>
+            </a:r>
+            <a:r>
+              <a:rPr lang="it-IT" sz="1900" b="0" i="0" u="none" strike="noStrike" baseline="0" dirty="0"/>
+              <a:t> di applicazioni Android.</a:t>
+            </a:r>
+          </a:p>
+          <a:p>
+            <a:pPr marL="0" indent="0">
+              <a:buNone/>
+            </a:pPr>
+            <a:endParaRPr lang="it-IT" b="1" dirty="0"/>
+          </a:p>
+        </p:txBody>
+      </p:sp>
+      <p:sp>
+        <p:nvSpPr>
+          <p:cNvPr id="9" name="CasellaDiTesto 8">
             <a:extLst>
               <a:ext uri="{FF2B5EF4-FFF2-40B4-BE49-F238E27FC236}">
-                <a16:creationId xmlns:a16="http://schemas.microsoft.com/office/drawing/2014/main" id="{90B773DD-FCF5-4576-9C9D-3F81BFC5846E}"/>
-              </a:ext>
-            </a:extLst>
-          </p:cNvPr>
-          <p:cNvPicPr>
-            <a:picLocks noGrp="1" noChangeAspect="1"/>
-          </p:cNvPicPr>
-          <p:nvPr>
-            <p:ph sz="quarter" idx="4"/>
-          </p:nvPr>
-        </p:nvPicPr>
-        <p:blipFill>
-          <a:blip r:embed="rId4">
-            <a:extLst>
-              <a:ext uri="{28A0092B-C50C-407E-A947-70E740481C1C}">
-                <a14:useLocalDpi xmlns:a14="http://schemas.microsoft.com/office/drawing/2010/main" val="0"/>
-              </a:ext>
-              <a:ext uri="{96DAC541-7B7A-43D3-8B79-37D633B846F1}">
-                <asvg:svgBlip xmlns:asvg="http://schemas.microsoft.com/office/drawing/2016/SVG/main" r:embed="rId5"/>
-              </a:ext>
-            </a:extLst>
-          </a:blip>
-          <a:stretch>
-            <a:fillRect/>
-          </a:stretch>
-        </p:blipFill>
-        <p:spPr>
-          <a:xfrm>
-            <a:off x="4024313" y="3378788"/>
-            <a:ext cx="5006714" cy="3144869"/>
-          </a:xfrm>
-        </p:spPr>
-      </p:pic>
-      <p:sp>
-        <p:nvSpPr>
-          <p:cNvPr id="30" name="CasellaDiTesto 29">
-            <a:extLst>
-              <a:ext uri="{FF2B5EF4-FFF2-40B4-BE49-F238E27FC236}">
-                <a16:creationId xmlns:a16="http://schemas.microsoft.com/office/drawing/2014/main" id="{814A474E-75D0-4267-A552-64BE3B93B90D}"/>
+                <a16:creationId xmlns:a16="http://schemas.microsoft.com/office/drawing/2014/main" id="{A4BA0D4A-419D-4B7E-80B1-C402EFBEA01F}"/>
               </a:ext>
             </a:extLst>
           </p:cNvPr>
@@ -7958,8 +8176,8 @@
         </p:nvSpPr>
         <p:spPr>
           <a:xfrm>
-            <a:off x="0" y="1443841"/>
-            <a:ext cx="4091905" cy="3970318"/>
+            <a:off x="154792" y="3429000"/>
+            <a:ext cx="8809695" cy="936104"/>
           </a:xfrm>
           <a:prstGeom prst="rect">
             <a:avLst/>
@@ -7967,18 +8185,104 @@
           <a:noFill/>
         </p:spPr>
         <p:txBody>
-          <a:bodyPr wrap="square" rtlCol="0">
-            <a:spAutoFit/>
+          <a:bodyPr wrap="square">
+            <a:normAutofit lnSpcReduction="10000"/>
           </a:bodyPr>
           <a:lstStyle/>
+          <a:p>
+            <a:r>
+              <a:rPr lang="it-IT" sz="2000" b="1" dirty="0"/>
+              <a:t>My Digital Footprint (MDF): </a:t>
+            </a:r>
+          </a:p>
+          <a:p>
+            <a:r>
+              <a:rPr lang="it-IT" dirty="0"/>
+              <a:t>È un dataset composto da dati di sensori di smartphone, informazioni di prossimità fisica, e interazioni sugli online social network.</a:t>
+            </a:r>
+          </a:p>
+          <a:p>
+            <a:endParaRPr lang="it-IT" dirty="0"/>
+          </a:p>
+          <a:p>
+            <a:endParaRPr lang="it-IT" dirty="0"/>
+          </a:p>
+          <a:p>
+            <a:endParaRPr lang="it-IT" dirty="0"/>
+          </a:p>
+          <a:p>
+            <a:endParaRPr lang="it-IT" dirty="0"/>
+          </a:p>
+          <a:p>
+            <a:endParaRPr lang="it-IT" dirty="0"/>
+          </a:p>
+        </p:txBody>
+      </p:sp>
+      <p:sp>
+        <p:nvSpPr>
+          <p:cNvPr id="10" name="CasellaDiTesto 9">
+            <a:extLst>
+              <a:ext uri="{FF2B5EF4-FFF2-40B4-BE49-F238E27FC236}">
+                <a16:creationId xmlns:a16="http://schemas.microsoft.com/office/drawing/2014/main" id="{3D9FFB73-567F-4A21-9A4E-FD1CA3A2DC3D}"/>
+              </a:ext>
+            </a:extLst>
+          </p:cNvPr>
+          <p:cNvSpPr txBox="1"/>
+          <p:nvPr/>
+        </p:nvSpPr>
+        <p:spPr>
+          <a:xfrm>
+            <a:off x="179512" y="4221087"/>
+            <a:ext cx="8784976" cy="2519847"/>
+          </a:xfrm>
+          <a:prstGeom prst="rect">
+            <a:avLst/>
+          </a:prstGeom>
+          <a:noFill/>
+        </p:spPr>
+        <p:txBody>
+          <a:bodyPr wrap="square" numCol="2" rtlCol="0">
+            <a:normAutofit lnSpcReduction="10000"/>
+          </a:bodyPr>
+          <a:lstStyle/>
+          <a:p>
+            <a:r>
+              <a:rPr lang="it-IT" u="sng" dirty="0"/>
+              <a:t>Statistiche:</a:t>
+            </a:r>
+          </a:p>
           <a:p>
             <a:pPr marL="285750" indent="-285750">
               <a:buFont typeface="Arial" panose="020B0604020202020204" pitchFamily="34" charset="0"/>
               <a:buChar char="•"/>
             </a:pPr>
             <a:r>
+              <a:rPr lang="it-IT" sz="1800" b="0" i="0" u="none" strike="noStrike" baseline="0" dirty="0">
+                <a:latin typeface="CMR12"/>
+              </a:rPr>
+              <a:t>73176 rating</a:t>
+            </a:r>
+          </a:p>
+          <a:p>
+            <a:pPr marL="285750" indent="-285750">
+              <a:buFont typeface="Arial" panose="020B0604020202020204" pitchFamily="34" charset="0"/>
+              <a:buChar char="•"/>
+            </a:pPr>
+            <a:r>
+              <a:rPr lang="it-IT" dirty="0">
+                <a:latin typeface="CMR12"/>
+              </a:rPr>
+              <a:t>31 utenti</a:t>
+            </a:r>
+          </a:p>
+          <a:p>
+            <a:pPr marL="285750" indent="-285750">
+              <a:buFont typeface="Arial" panose="020B0604020202020204" pitchFamily="34" charset="0"/>
+              <a:buChar char="•"/>
+            </a:pPr>
+            <a:r>
               <a:rPr lang="it-IT" dirty="0"/>
-              <a:t>Metrica utilizzata: Area under the ROC curve (AUC)</a:t>
+              <a:t>338 oggetti</a:t>
             </a:r>
           </a:p>
           <a:p>
@@ -7989,53 +8293,20 @@
             <a:endParaRPr lang="it-IT" dirty="0"/>
           </a:p>
           <a:p>
+            <a:r>
+              <a:rPr lang="it-IT" u="sng" dirty="0"/>
+              <a:t>Feature di contesto:</a:t>
+            </a:r>
+          </a:p>
+          <a:p>
             <a:pPr marL="285750" indent="-285750">
               <a:buFont typeface="Arial" panose="020B0604020202020204" pitchFamily="34" charset="0"/>
               <a:buChar char="•"/>
             </a:pPr>
             <a:r>
               <a:rPr lang="it-IT" dirty="0"/>
-              <a:t>Modelli di confronto:</a:t>
-            </a:r>
-          </a:p>
-          <a:p>
-            <a:pPr marL="742950" lvl="1" indent="-285750">
-              <a:buFont typeface="Arial" panose="020B0604020202020204" pitchFamily="34" charset="0"/>
-              <a:buChar char="•"/>
-            </a:pPr>
-            <a:r>
-              <a:rPr lang="it-IT" dirty="0"/>
-              <a:t>ALS</a:t>
-            </a:r>
-          </a:p>
-          <a:p>
-            <a:pPr marL="742950" lvl="1" indent="-285750">
-              <a:buFont typeface="Arial" panose="020B0604020202020204" pitchFamily="34" charset="0"/>
-              <a:buChar char="•"/>
-            </a:pPr>
-            <a:r>
-              <a:rPr lang="it-IT" dirty="0" err="1"/>
-              <a:t>NeuMF</a:t>
-            </a:r>
-            <a:endParaRPr lang="it-IT" dirty="0"/>
-          </a:p>
-          <a:p>
-            <a:pPr marL="742950" lvl="1" indent="-285750">
-              <a:buFont typeface="Arial" panose="020B0604020202020204" pitchFamily="34" charset="0"/>
-              <a:buChar char="•"/>
-            </a:pPr>
-            <a:r>
-              <a:rPr lang="it-IT" dirty="0"/>
-              <a:t>ECAM </a:t>
-            </a:r>
-            <a:r>
-              <a:rPr lang="it-IT" dirty="0" err="1"/>
-              <a:t>NeuMF</a:t>
-            </a:r>
-            <a:endParaRPr lang="it-IT" dirty="0"/>
-          </a:p>
-          <a:p>
-            <a:endParaRPr lang="it-IT" dirty="0"/>
+              <a:t>Attività utente (a piedi, in bici, corsa…)</a:t>
+            </a:r>
           </a:p>
           <a:p>
             <a:pPr marL="285750" indent="-285750">
@@ -8044,31 +8315,7 @@
             </a:pPr>
             <a:r>
               <a:rPr lang="it-IT" dirty="0"/>
-              <a:t>I modelli </a:t>
-            </a:r>
-            <a:r>
-              <a:rPr lang="it-IT" dirty="0" err="1"/>
-              <a:t>context-aware</a:t>
-            </a:r>
-            <a:r>
-              <a:rPr lang="it-IT" dirty="0"/>
-              <a:t> (</a:t>
-            </a:r>
-            <a:r>
-              <a:rPr lang="it-IT" dirty="0" err="1"/>
-              <a:t>moveCARS</a:t>
-            </a:r>
-            <a:r>
-              <a:rPr lang="it-IT" dirty="0"/>
-              <a:t>, ECAM </a:t>
-            </a:r>
-            <a:r>
-              <a:rPr lang="it-IT" dirty="0" err="1"/>
-              <a:t>NeuMF</a:t>
-            </a:r>
-            <a:r>
-              <a:rPr lang="it-IT" dirty="0"/>
-              <a:t>) hanno l’AUC più alta</a:t>
+              <a:t>Modalità audio (silenzioso, vibrazione…)</a:t>
             </a:r>
           </a:p>
           <a:p>
@@ -8076,7 +8323,10 @@
               <a:buFont typeface="Arial" panose="020B0604020202020204" pitchFamily="34" charset="0"/>
               <a:buChar char="•"/>
             </a:pPr>
-            <a:endParaRPr lang="it-IT" dirty="0"/>
+            <a:r>
+              <a:rPr lang="it-IT" dirty="0"/>
+              <a:t>Volume </a:t>
+            </a:r>
           </a:p>
           <a:p>
             <a:pPr marL="285750" indent="-285750">
@@ -8084,25 +8334,203 @@
               <a:buChar char="•"/>
             </a:pPr>
             <a:r>
-              <a:rPr lang="it-IT" dirty="0" err="1"/>
-              <a:t>moveCARS</a:t>
-            </a:r>
-            <a:r>
               <a:rPr lang="it-IT" dirty="0"/>
-              <a:t> ha ottenuto risultati simili al modello </a:t>
-            </a:r>
-            <a:r>
-              <a:rPr lang="it-IT" dirty="0" err="1"/>
-              <a:t>context-aware</a:t>
-            </a:r>
+              <a:t>Musica </a:t>
+            </a:r>
+          </a:p>
+          <a:p>
+            <a:pPr marL="285750" indent="-285750">
+              <a:buFont typeface="Arial" panose="020B0604020202020204" pitchFamily="34" charset="0"/>
+              <a:buChar char="•"/>
+            </a:pPr>
             <a:r>
               <a:rPr lang="it-IT" dirty="0"/>
-              <a:t> stato dell’arte ECAM </a:t>
-            </a:r>
-            <a:r>
-              <a:rPr lang="it-IT" dirty="0" err="1"/>
-              <a:t>NeuMF</a:t>
-            </a:r>
+              <a:t>Batteria (livello, in carica)</a:t>
+            </a:r>
+          </a:p>
+          <a:p>
+            <a:pPr marL="285750" indent="-285750">
+              <a:buFont typeface="Arial" panose="020B0604020202020204" pitchFamily="34" charset="0"/>
+              <a:buChar char="•"/>
+            </a:pPr>
+            <a:r>
+              <a:rPr lang="it-IT" dirty="0"/>
+              <a:t>Schermo (rotazione, stato)</a:t>
+            </a:r>
+          </a:p>
+          <a:p>
+            <a:pPr marL="285750" indent="-285750">
+              <a:buFont typeface="Arial" panose="020B0604020202020204" pitchFamily="34" charset="0"/>
+              <a:buChar char="•"/>
+            </a:pPr>
+            <a:r>
+              <a:rPr lang="it-IT" dirty="0"/>
+              <a:t>Meteo</a:t>
+            </a:r>
+          </a:p>
+          <a:p>
+            <a:pPr marL="285750" indent="-285750">
+              <a:buFont typeface="Arial" panose="020B0604020202020204" pitchFamily="34" charset="0"/>
+              <a:buChar char="•"/>
+            </a:pPr>
+            <a:r>
+              <a:rPr lang="it-IT" dirty="0"/>
+              <a:t>WiFi</a:t>
+            </a:r>
+          </a:p>
+          <a:p>
+            <a:pPr marL="285750" indent="-285750">
+              <a:buFont typeface="Arial" panose="020B0604020202020204" pitchFamily="34" charset="0"/>
+              <a:buChar char="•"/>
+            </a:pPr>
+            <a:r>
+              <a:rPr lang="it-IT" dirty="0"/>
+              <a:t>Data e ora</a:t>
+            </a:r>
+          </a:p>
+          <a:p>
+            <a:pPr marL="285750" indent="-285750">
+              <a:buFont typeface="Arial" panose="020B0604020202020204" pitchFamily="34" charset="0"/>
+              <a:buChar char="•"/>
+            </a:pPr>
+            <a:r>
+              <a:rPr lang="it-IT" dirty="0"/>
+              <a:t>Tipologia di persone in prossimità dell’utente</a:t>
+            </a:r>
+          </a:p>
+          <a:p>
+            <a:endParaRPr lang="it-IT" dirty="0"/>
+          </a:p>
+        </p:txBody>
+      </p:sp>
+      <p:sp>
+        <p:nvSpPr>
+          <p:cNvPr id="4" name="CasellaDiTesto 3">
+            <a:extLst>
+              <a:ext uri="{FF2B5EF4-FFF2-40B4-BE49-F238E27FC236}">
+                <a16:creationId xmlns:a16="http://schemas.microsoft.com/office/drawing/2014/main" id="{74541A4D-BABD-4315-853C-48B6205E8C1A}"/>
+              </a:ext>
+            </a:extLst>
+          </p:cNvPr>
+          <p:cNvSpPr txBox="1"/>
+          <p:nvPr/>
+        </p:nvSpPr>
+        <p:spPr>
+          <a:xfrm>
+            <a:off x="179512" y="1556792"/>
+            <a:ext cx="8640960" cy="1754326"/>
+          </a:xfrm>
+          <a:prstGeom prst="rect">
+            <a:avLst/>
+          </a:prstGeom>
+          <a:noFill/>
+        </p:spPr>
+        <p:txBody>
+          <a:bodyPr wrap="square" numCol="2" rtlCol="0">
+            <a:normAutofit/>
+          </a:bodyPr>
+          <a:lstStyle/>
+          <a:p>
+            <a:pPr marL="0" indent="0" algn="l">
+              <a:buNone/>
+            </a:pPr>
+            <a:r>
+              <a:rPr lang="it-IT" u="sng" dirty="0"/>
+              <a:t>Statistiche:</a:t>
+            </a:r>
+          </a:p>
+          <a:p>
+            <a:pPr marL="342900" indent="-342900" algn="l">
+              <a:buFont typeface="Arial" panose="020B0604020202020204" pitchFamily="34" charset="0"/>
+              <a:buChar char="•"/>
+            </a:pPr>
+            <a:r>
+              <a:rPr lang="it-IT" dirty="0"/>
+              <a:t>78335 rating</a:t>
+            </a:r>
+          </a:p>
+          <a:p>
+            <a:pPr marL="342900" indent="-342900" algn="l">
+              <a:buFont typeface="Arial" panose="020B0604020202020204" pitchFamily="34" charset="0"/>
+              <a:buChar char="•"/>
+            </a:pPr>
+            <a:r>
+              <a:rPr lang="it-IT" dirty="0"/>
+              <a:t>857 utenti</a:t>
+            </a:r>
+          </a:p>
+          <a:p>
+            <a:pPr marL="342900" indent="-342900" algn="l">
+              <a:buFont typeface="Arial" panose="020B0604020202020204" pitchFamily="34" charset="0"/>
+              <a:buChar char="•"/>
+            </a:pPr>
+            <a:r>
+              <a:rPr lang="it-IT" dirty="0"/>
+              <a:t>3180 oggetti</a:t>
+            </a:r>
+          </a:p>
+          <a:p>
+            <a:pPr marL="0" indent="0" algn="l">
+              <a:buNone/>
+            </a:pPr>
+            <a:endParaRPr lang="it-IT" u="sng" dirty="0"/>
+          </a:p>
+          <a:p>
+            <a:pPr marL="0" indent="0" algn="l">
+              <a:buNone/>
+            </a:pPr>
+            <a:endParaRPr lang="it-IT" u="sng" dirty="0"/>
+          </a:p>
+          <a:p>
+            <a:pPr marL="0" indent="0" algn="l">
+              <a:buNone/>
+            </a:pPr>
+            <a:r>
+              <a:rPr lang="it-IT" u="sng" dirty="0"/>
+              <a:t>Feature di contesto:</a:t>
+            </a:r>
+          </a:p>
+          <a:p>
+            <a:pPr marL="285750" indent="-285750">
+              <a:buFont typeface="Arial" panose="020B0604020202020204" pitchFamily="34" charset="0"/>
+              <a:buChar char="•"/>
+            </a:pPr>
+            <a:r>
+              <a:rPr lang="it-IT" dirty="0"/>
+              <a:t>Momento giornata</a:t>
+            </a:r>
+          </a:p>
+          <a:p>
+            <a:pPr marL="285750" indent="-285750">
+              <a:buFont typeface="Arial" panose="020B0604020202020204" pitchFamily="34" charset="0"/>
+              <a:buChar char="•"/>
+            </a:pPr>
+            <a:r>
+              <a:rPr lang="it-IT" dirty="0"/>
+              <a:t>Giorno della settimana</a:t>
+            </a:r>
+          </a:p>
+          <a:p>
+            <a:pPr marL="285750" indent="-285750">
+              <a:buFont typeface="Arial" panose="020B0604020202020204" pitchFamily="34" charset="0"/>
+              <a:buChar char="•"/>
+            </a:pPr>
+            <a:r>
+              <a:rPr lang="it-IT" dirty="0"/>
+              <a:t>Se è il fine settimana</a:t>
+            </a:r>
+          </a:p>
+          <a:p>
+            <a:pPr marL="285750" indent="-285750">
+              <a:buFont typeface="Arial" panose="020B0604020202020204" pitchFamily="34" charset="0"/>
+              <a:buChar char="•"/>
+            </a:pPr>
+            <a:r>
+              <a:rPr lang="it-IT" dirty="0"/>
+              <a:t>Meteo</a:t>
+            </a:r>
+          </a:p>
+          <a:p>
             <a:endParaRPr lang="it-IT" dirty="0"/>
           </a:p>
         </p:txBody>
@@ -8110,7 +8538,7 @@
     </p:spTree>
     <p:extLst>
       <p:ext uri="{BB962C8B-B14F-4D97-AF65-F5344CB8AC3E}">
-        <p14:creationId xmlns:p14="http://schemas.microsoft.com/office/powerpoint/2010/main" val="3288315151"/>
+        <p14:creationId xmlns:p14="http://schemas.microsoft.com/office/powerpoint/2010/main" val="1769353711"/>
       </p:ext>
     </p:extLst>
   </p:cSld>

--- a/presentazione/presentazione.pptx
+++ b/presentazione/presentazione.pptx
@@ -5,27 +5,26 @@
     <p:sldMasterId id="2147483797" r:id="rId1"/>
   </p:sldMasterIdLst>
   <p:notesMasterIdLst>
-    <p:notesMasterId r:id="rId17"/>
+    <p:notesMasterId r:id="rId16"/>
   </p:notesMasterIdLst>
   <p:handoutMasterIdLst>
-    <p:handoutMasterId r:id="rId18"/>
+    <p:handoutMasterId r:id="rId17"/>
   </p:handoutMasterIdLst>
   <p:sldIdLst>
     <p:sldId id="256" r:id="rId2"/>
-    <p:sldId id="258" r:id="rId3"/>
-    <p:sldId id="273" r:id="rId4"/>
-    <p:sldId id="257" r:id="rId5"/>
-    <p:sldId id="267" r:id="rId6"/>
-    <p:sldId id="272" r:id="rId7"/>
-    <p:sldId id="266" r:id="rId8"/>
-    <p:sldId id="270" r:id="rId9"/>
-    <p:sldId id="261" r:id="rId10"/>
-    <p:sldId id="274" r:id="rId11"/>
-    <p:sldId id="262" r:id="rId12"/>
-    <p:sldId id="263" r:id="rId13"/>
-    <p:sldId id="264" r:id="rId14"/>
-    <p:sldId id="265" r:id="rId15"/>
-    <p:sldId id="268" r:id="rId16"/>
+    <p:sldId id="273" r:id="rId3"/>
+    <p:sldId id="257" r:id="rId4"/>
+    <p:sldId id="267" r:id="rId5"/>
+    <p:sldId id="272" r:id="rId6"/>
+    <p:sldId id="266" r:id="rId7"/>
+    <p:sldId id="270" r:id="rId8"/>
+    <p:sldId id="261" r:id="rId9"/>
+    <p:sldId id="274" r:id="rId10"/>
+    <p:sldId id="262" r:id="rId11"/>
+    <p:sldId id="263" r:id="rId12"/>
+    <p:sldId id="264" r:id="rId13"/>
+    <p:sldId id="265" r:id="rId14"/>
+    <p:sldId id="268" r:id="rId15"/>
   </p:sldIdLst>
   <p:sldSz cx="9144000" cy="6858000" type="screen4x3"/>
   <p:notesSz cx="6858000" cy="9144000"/>
@@ -1190,7 +1189,7 @@
             <a:fld id="{558B94EF-AFA9-40FF-986C-F27447FA4EE9}" type="slidenum">
               <a:rPr lang="en-GB" altLang="it-IT" smtClean="0"/>
               <a:pPr/>
-              <a:t>4</a:t>
+              <a:t>3</a:t>
             </a:fld>
             <a:endParaRPr lang="en-GB" altLang="it-IT"/>
           </a:p>
@@ -1275,7 +1274,7 @@
             <a:fld id="{558B94EF-AFA9-40FF-986C-F27447FA4EE9}" type="slidenum">
               <a:rPr lang="en-GB" altLang="it-IT" smtClean="0"/>
               <a:pPr/>
-              <a:t>6</a:t>
+              <a:t>5</a:t>
             </a:fld>
             <a:endParaRPr lang="en-GB" altLang="it-IT"/>
           </a:p>
@@ -1452,7 +1451,10 @@
             <a:pPr>
               <a:defRPr/>
             </a:pPr>
-            <a:endParaRPr lang="en-GB"/>
+            <a:r>
+              <a:rPr lang="en-GB"/>
+              <a:t>Fonte immagine: </a:t>
+            </a:r>
           </a:p>
         </p:txBody>
       </p:sp>
@@ -1629,7 +1631,10 @@
             <a:pPr>
               <a:defRPr/>
             </a:pPr>
-            <a:endParaRPr lang="en-GB"/>
+            <a:r>
+              <a:rPr lang="en-GB"/>
+              <a:t>Fonte immagine: </a:t>
+            </a:r>
           </a:p>
         </p:txBody>
       </p:sp>
@@ -1816,7 +1821,10 @@
             <a:pPr>
               <a:defRPr/>
             </a:pPr>
-            <a:endParaRPr lang="en-GB"/>
+            <a:r>
+              <a:rPr lang="en-GB"/>
+              <a:t>Fonte immagine: </a:t>
+            </a:r>
           </a:p>
         </p:txBody>
       </p:sp>
@@ -1993,7 +2001,10 @@
             <a:pPr>
               <a:defRPr/>
             </a:pPr>
-            <a:endParaRPr lang="en-GB"/>
+            <a:r>
+              <a:rPr lang="en-GB"/>
+              <a:t>Fonte immagine: </a:t>
+            </a:r>
           </a:p>
         </p:txBody>
       </p:sp>
@@ -2244,7 +2255,10 @@
             <a:pPr>
               <a:defRPr/>
             </a:pPr>
-            <a:endParaRPr lang="en-GB"/>
+            <a:r>
+              <a:rPr lang="en-GB"/>
+              <a:t>Fonte immagine: </a:t>
+            </a:r>
           </a:p>
         </p:txBody>
       </p:sp>
@@ -2483,7 +2497,10 @@
             <a:pPr>
               <a:defRPr/>
             </a:pPr>
-            <a:endParaRPr lang="en-GB"/>
+            <a:r>
+              <a:rPr lang="en-GB"/>
+              <a:t>Fonte immagine: </a:t>
+            </a:r>
           </a:p>
         </p:txBody>
       </p:sp>
@@ -2857,7 +2874,10 @@
             <a:pPr>
               <a:defRPr/>
             </a:pPr>
-            <a:endParaRPr lang="en-GB"/>
+            <a:r>
+              <a:rPr lang="en-GB"/>
+              <a:t>Fonte immagine: </a:t>
+            </a:r>
           </a:p>
         </p:txBody>
       </p:sp>
@@ -2982,7 +3002,10 @@
             <a:pPr>
               <a:defRPr/>
             </a:pPr>
-            <a:endParaRPr lang="en-GB"/>
+            <a:r>
+              <a:rPr lang="en-GB"/>
+              <a:t>Fonte immagine: </a:t>
+            </a:r>
           </a:p>
         </p:txBody>
       </p:sp>
@@ -3084,7 +3107,10 @@
             <a:pPr>
               <a:defRPr/>
             </a:pPr>
-            <a:endParaRPr lang="en-GB"/>
+            <a:r>
+              <a:rPr lang="en-GB"/>
+              <a:t>Fonte immagine: </a:t>
+            </a:r>
           </a:p>
         </p:txBody>
       </p:sp>
@@ -3368,7 +3394,10 @@
             <a:pPr>
               <a:defRPr/>
             </a:pPr>
-            <a:endParaRPr lang="en-GB"/>
+            <a:r>
+              <a:rPr lang="en-GB"/>
+              <a:t>Fonte immagine: </a:t>
+            </a:r>
           </a:p>
         </p:txBody>
       </p:sp>
@@ -3632,7 +3661,10 @@
             <a:pPr>
               <a:defRPr/>
             </a:pPr>
-            <a:endParaRPr lang="en-GB"/>
+            <a:r>
+              <a:rPr lang="en-GB"/>
+              <a:t>Fonte immagine: </a:t>
+            </a:r>
           </a:p>
         </p:txBody>
       </p:sp>
@@ -3870,7 +3902,10 @@
             <a:pPr>
               <a:defRPr/>
             </a:pPr>
-            <a:endParaRPr lang="en-GB"/>
+            <a:r>
+              <a:rPr lang="en-GB"/>
+              <a:t>Fonte immagine: </a:t>
+            </a:r>
           </a:p>
         </p:txBody>
       </p:sp>
@@ -3937,7 +3972,7 @@
     <p:sldLayoutId id="2147483807" r:id="rId10"/>
     <p:sldLayoutId id="2147483808" r:id="rId11"/>
   </p:sldLayoutIdLst>
-  <p:hf sldNum="0" hdr="0" ftr="0" dt="0"/>
+  <p:hf hdr="0" dt="0"/>
   <p:txStyles>
     <p:titleStyle>
       <a:lvl1pPr algn="l" defTabSz="914400" rtl="0" eaLnBrk="1" latinLnBrk="0" hangingPunct="1">
@@ -4784,160 +4819,6 @@
           <p:cNvPr id="2" name="Titolo 1">
             <a:extLst>
               <a:ext uri="{FF2B5EF4-FFF2-40B4-BE49-F238E27FC236}">
-                <a16:creationId xmlns:a16="http://schemas.microsoft.com/office/drawing/2014/main" id="{46E9E1F8-8C38-4444-9E91-AEA784B6981E}"/>
-              </a:ext>
-            </a:extLst>
-          </p:cNvPr>
-          <p:cNvSpPr>
-            <a:spLocks noGrp="1"/>
-          </p:cNvSpPr>
-          <p:nvPr>
-            <p:ph type="title"/>
-          </p:nvPr>
-        </p:nvSpPr>
-        <p:spPr/>
-        <p:txBody>
-          <a:bodyPr/>
-          <a:lstStyle/>
-          <a:p>
-            <a:pPr algn="ctr"/>
-            <a:r>
-              <a:rPr lang="it-IT" dirty="0"/>
-              <a:t>Valutazione</a:t>
-            </a:r>
-          </a:p>
-        </p:txBody>
-      </p:sp>
-      <p:sp>
-        <p:nvSpPr>
-          <p:cNvPr id="3" name="Segnaposto contenuto 2">
-            <a:extLst>
-              <a:ext uri="{FF2B5EF4-FFF2-40B4-BE49-F238E27FC236}">
-                <a16:creationId xmlns:a16="http://schemas.microsoft.com/office/drawing/2014/main" id="{751510C9-6594-4046-8B7F-321272A9BB79}"/>
-              </a:ext>
-            </a:extLst>
-          </p:cNvPr>
-          <p:cNvSpPr>
-            <a:spLocks noGrp="1"/>
-          </p:cNvSpPr>
-          <p:nvPr>
-            <p:ph idx="1"/>
-          </p:nvPr>
-        </p:nvSpPr>
-        <p:spPr/>
-        <p:txBody>
-          <a:bodyPr/>
-          <a:lstStyle/>
-          <a:p>
-            <a:r>
-              <a:rPr lang="it-IT" dirty="0"/>
-              <a:t>Ottenere prestazioni comparabili agli algoritmi stato dell’arte</a:t>
-            </a:r>
-          </a:p>
-          <a:p>
-            <a:r>
-              <a:rPr lang="it-IT" dirty="0"/>
-              <a:t>Mantenere tempi di esecuzione bassi</a:t>
-            </a:r>
-          </a:p>
-          <a:p>
-            <a:r>
-              <a:rPr lang="it-IT" dirty="0"/>
-              <a:t>Metrica: Area Under the ROC Curve</a:t>
-            </a:r>
-          </a:p>
-          <a:p>
-            <a:r>
-              <a:rPr lang="it-IT" dirty="0"/>
-              <a:t>K-</a:t>
-            </a:r>
-            <a:r>
-              <a:rPr lang="it-IT" dirty="0" err="1"/>
-              <a:t>fold</a:t>
-            </a:r>
-            <a:r>
-              <a:rPr lang="it-IT" dirty="0"/>
-              <a:t> cross </a:t>
-            </a:r>
-            <a:r>
-              <a:rPr lang="it-IT" dirty="0" err="1"/>
-              <a:t>validation</a:t>
-            </a:r>
-            <a:endParaRPr lang="it-IT" dirty="0"/>
-          </a:p>
-          <a:p>
-            <a:r>
-              <a:rPr lang="it-IT" dirty="0"/>
-              <a:t>Modelli di confronto:</a:t>
-            </a:r>
-          </a:p>
-          <a:p>
-            <a:pPr lvl="1"/>
-            <a:r>
-              <a:rPr lang="it-IT" dirty="0"/>
-              <a:t>ALS</a:t>
-            </a:r>
-          </a:p>
-          <a:p>
-            <a:pPr lvl="1"/>
-            <a:r>
-              <a:rPr lang="it-IT" dirty="0" err="1"/>
-              <a:t>NeuMF</a:t>
-            </a:r>
-            <a:endParaRPr lang="it-IT" dirty="0"/>
-          </a:p>
-          <a:p>
-            <a:pPr lvl="1"/>
-            <a:r>
-              <a:rPr lang="it-IT" dirty="0"/>
-              <a:t>ECAM </a:t>
-            </a:r>
-            <a:r>
-              <a:rPr lang="it-IT" dirty="0" err="1"/>
-              <a:t>NeuMF</a:t>
-            </a:r>
-            <a:endParaRPr lang="it-IT" dirty="0"/>
-          </a:p>
-          <a:p>
-            <a:endParaRPr lang="it-IT" dirty="0"/>
-          </a:p>
-        </p:txBody>
-      </p:sp>
-    </p:spTree>
-    <p:extLst>
-      <p:ext uri="{BB962C8B-B14F-4D97-AF65-F5344CB8AC3E}">
-        <p14:creationId xmlns:p14="http://schemas.microsoft.com/office/powerpoint/2010/main" val="541751724"/>
-      </p:ext>
-    </p:extLst>
-  </p:cSld>
-  <p:clrMapOvr>
-    <a:masterClrMapping/>
-  </p:clrMapOvr>
-</p:sld>
-</file>
-
-<file path=ppt/slides/slide11.xml><?xml version="1.0" encoding="utf-8"?>
-<p:sld xmlns:a="http://schemas.openxmlformats.org/drawingml/2006/main" xmlns:r="http://schemas.openxmlformats.org/officeDocument/2006/relationships" xmlns:p="http://schemas.openxmlformats.org/presentationml/2006/main">
-  <p:cSld>
-    <p:spTree>
-      <p:nvGrpSpPr>
-        <p:cNvPr id="1" name=""/>
-        <p:cNvGrpSpPr/>
-        <p:nvPr/>
-      </p:nvGrpSpPr>
-      <p:grpSpPr>
-        <a:xfrm>
-          <a:off x="0" y="0"/>
-          <a:ext cx="0" cy="0"/>
-          <a:chOff x="0" y="0"/>
-          <a:chExt cx="0" cy="0"/>
-        </a:xfrm>
-      </p:grpSpPr>
-      <p:sp>
-        <p:nvSpPr>
-          <p:cNvPr id="2" name="Titolo 1">
-            <a:extLst>
-              <a:ext uri="{FF2B5EF4-FFF2-40B4-BE49-F238E27FC236}">
                 <a16:creationId xmlns:a16="http://schemas.microsoft.com/office/drawing/2014/main" id="{43EAF889-71E4-403D-B7D3-14CE26366C96}"/>
               </a:ext>
             </a:extLst>
@@ -4961,7 +4842,7 @@
           </a:bodyPr>
           <a:lstStyle/>
           <a:p>
-            <a:pPr defTabSz="914400"/>
+            <a:pPr algn="ctr" defTabSz="914400"/>
             <a:r>
               <a:rPr lang="en-US" sz="4400" kern="1200" dirty="0" err="1">
                 <a:latin typeface="+mj-lt"/>
@@ -5068,7 +4949,7 @@
         </p:nvSpPr>
         <p:spPr>
           <a:xfrm>
-            <a:off x="-8111" y="2413337"/>
+            <a:off x="0" y="1859339"/>
             <a:ext cx="4091905" cy="3139321"/>
           </a:xfrm>
           <a:prstGeom prst="rect">
@@ -5200,7 +5081,7 @@
 </p:sld>
 </file>
 
-<file path=ppt/slides/slide12.xml><?xml version="1.0" encoding="utf-8"?>
+<file path=ppt/slides/slide11.xml><?xml version="1.0" encoding="utf-8"?>
 <p:sld xmlns:a="http://schemas.openxmlformats.org/drawingml/2006/main" xmlns:r="http://schemas.openxmlformats.org/officeDocument/2006/relationships" xmlns:p="http://schemas.openxmlformats.org/presentationml/2006/main">
   <p:cSld>
     <p:bg>
@@ -5361,8 +5242,8 @@
         </p:nvSpPr>
         <p:spPr>
           <a:xfrm>
-            <a:off x="1" y="1700808"/>
-            <a:ext cx="3914872" cy="3693319"/>
+            <a:off x="88218" y="1876706"/>
+            <a:ext cx="3914872" cy="3416320"/>
           </a:xfrm>
           <a:prstGeom prst="rect">
             <a:avLst/>
@@ -5407,7 +5288,7 @@
               <a:rPr lang="it-IT" sz="1800" b="0" i="0" u="none" strike="noStrike" baseline="0" dirty="0">
                 <a:latin typeface="CMR12"/>
               </a:rPr>
-              <a:t>precedentemente addestrato in un formato compatibile con dispositivi Android</a:t>
+              <a:t>in un formato compatibile con dispositivi Android</a:t>
             </a:r>
           </a:p>
           <a:p>
@@ -5474,6 +5355,126 @@
     <p:extLst>
       <p:ext uri="{BB962C8B-B14F-4D97-AF65-F5344CB8AC3E}">
         <p14:creationId xmlns:p14="http://schemas.microsoft.com/office/powerpoint/2010/main" val="3089386882"/>
+      </p:ext>
+    </p:extLst>
+  </p:cSld>
+  <p:clrMapOvr>
+    <a:masterClrMapping/>
+  </p:clrMapOvr>
+</p:sld>
+</file>
+
+<file path=ppt/slides/slide12.xml><?xml version="1.0" encoding="utf-8"?>
+<p:sld xmlns:a="http://schemas.openxmlformats.org/drawingml/2006/main" xmlns:r="http://schemas.openxmlformats.org/officeDocument/2006/relationships" xmlns:p="http://schemas.openxmlformats.org/presentationml/2006/main">
+  <p:cSld>
+    <p:spTree>
+      <p:nvGrpSpPr>
+        <p:cNvPr id="1" name=""/>
+        <p:cNvGrpSpPr/>
+        <p:nvPr/>
+      </p:nvGrpSpPr>
+      <p:grpSpPr>
+        <a:xfrm>
+          <a:off x="0" y="0"/>
+          <a:ext cx="0" cy="0"/>
+          <a:chOff x="0" y="0"/>
+          <a:chExt cx="0" cy="0"/>
+        </a:xfrm>
+      </p:grpSpPr>
+      <p:sp>
+        <p:nvSpPr>
+          <p:cNvPr id="2" name="Titolo 1">
+            <a:extLst>
+              <a:ext uri="{FF2B5EF4-FFF2-40B4-BE49-F238E27FC236}">
+                <a16:creationId xmlns:a16="http://schemas.microsoft.com/office/drawing/2014/main" id="{152980A4-3E84-4C09-8F59-8706C4B25284}"/>
+              </a:ext>
+            </a:extLst>
+          </p:cNvPr>
+          <p:cNvSpPr>
+            <a:spLocks noGrp="1"/>
+          </p:cNvSpPr>
+          <p:nvPr>
+            <p:ph type="title"/>
+          </p:nvPr>
+        </p:nvSpPr>
+        <p:spPr/>
+        <p:txBody>
+          <a:bodyPr/>
+          <a:lstStyle/>
+          <a:p>
+            <a:pPr algn="ctr"/>
+            <a:r>
+              <a:rPr lang="it-IT" dirty="0"/>
+              <a:t>Conclusioni</a:t>
+            </a:r>
+          </a:p>
+        </p:txBody>
+      </p:sp>
+      <p:sp>
+        <p:nvSpPr>
+          <p:cNvPr id="3" name="Segnaposto contenuto 2">
+            <a:extLst>
+              <a:ext uri="{FF2B5EF4-FFF2-40B4-BE49-F238E27FC236}">
+                <a16:creationId xmlns:a16="http://schemas.microsoft.com/office/drawing/2014/main" id="{1F9BD3DC-3555-44D3-9C15-FF91C6F96FE2}"/>
+              </a:ext>
+            </a:extLst>
+          </p:cNvPr>
+          <p:cNvSpPr>
+            <a:spLocks noGrp="1"/>
+          </p:cNvSpPr>
+          <p:nvPr>
+            <p:ph idx="1"/>
+          </p:nvPr>
+        </p:nvSpPr>
+        <p:spPr/>
+        <p:txBody>
+          <a:bodyPr/>
+          <a:lstStyle/>
+          <a:p>
+            <a:r>
+              <a:rPr lang="it-IT" dirty="0" err="1"/>
+              <a:t>moveCARS</a:t>
+            </a:r>
+            <a:r>
+              <a:rPr lang="it-IT" dirty="0"/>
+              <a:t> ha ottenuto risultati simili alle soluzioni stato dell’arte:</a:t>
+            </a:r>
+          </a:p>
+          <a:p>
+            <a:pPr lvl="1"/>
+            <a:r>
+              <a:rPr lang="it-IT" dirty="0"/>
+              <a:t>Con tempi di esecuzione minori</a:t>
+            </a:r>
+          </a:p>
+          <a:p>
+            <a:pPr lvl="1"/>
+            <a:r>
+              <a:rPr lang="it-IT" dirty="0"/>
+              <a:t>Con una struttura della rete meno restrittiva</a:t>
+            </a:r>
+          </a:p>
+          <a:p>
+            <a:r>
+              <a:rPr lang="it-IT" dirty="0"/>
+              <a:t>Il contesto ha un ruolo importante nelle raccomandazioni</a:t>
+            </a:r>
+          </a:p>
+          <a:p>
+            <a:r>
+              <a:rPr lang="it-IT" dirty="0"/>
+              <a:t>Se il contesto è molto descrittivo della situazione dell’utente le raccomandazioni sono ancora più precise</a:t>
+            </a:r>
+          </a:p>
+          <a:p>
+            <a:endParaRPr lang="it-IT" dirty="0"/>
+          </a:p>
+        </p:txBody>
+      </p:sp>
+    </p:spTree>
+    <p:extLst>
+      <p:ext uri="{BB962C8B-B14F-4D97-AF65-F5344CB8AC3E}">
+        <p14:creationId xmlns:p14="http://schemas.microsoft.com/office/powerpoint/2010/main" val="354855335"/>
       </p:ext>
     </p:extLst>
   </p:cSld>
@@ -5505,7 +5506,7 @@
           <p:cNvPr id="2" name="Titolo 1">
             <a:extLst>
               <a:ext uri="{FF2B5EF4-FFF2-40B4-BE49-F238E27FC236}">
-                <a16:creationId xmlns:a16="http://schemas.microsoft.com/office/drawing/2014/main" id="{152980A4-3E84-4C09-8F59-8706C4B25284}"/>
+                <a16:creationId xmlns:a16="http://schemas.microsoft.com/office/drawing/2014/main" id="{E967507E-1146-4581-B644-0005BC8A387E}"/>
               </a:ext>
             </a:extLst>
           </p:cNvPr>
@@ -5524,7 +5525,7 @@
             <a:pPr algn="ctr"/>
             <a:r>
               <a:rPr lang="it-IT" dirty="0"/>
-              <a:t>Conclusioni</a:t>
+              <a:t>Sviluppi futuri</a:t>
             </a:r>
           </a:p>
         </p:txBody>
@@ -5534,7 +5535,7 @@
           <p:cNvPr id="3" name="Segnaposto contenuto 2">
             <a:extLst>
               <a:ext uri="{FF2B5EF4-FFF2-40B4-BE49-F238E27FC236}">
-                <a16:creationId xmlns:a16="http://schemas.microsoft.com/office/drawing/2014/main" id="{1F9BD3DC-3555-44D3-9C15-FF91C6F96FE2}"/>
+                <a16:creationId xmlns:a16="http://schemas.microsoft.com/office/drawing/2014/main" id="{5570E059-74DD-4635-8D46-0B022D464045}"/>
               </a:ext>
             </a:extLst>
           </p:cNvPr>
@@ -5547,53 +5548,62 @@
         </p:nvSpPr>
         <p:spPr/>
         <p:txBody>
-          <a:bodyPr/>
+          <a:bodyPr>
+            <a:normAutofit/>
+          </a:bodyPr>
           <a:lstStyle/>
           <a:p>
+            <a:r>
+              <a:rPr lang="it-IT" dirty="0"/>
+              <a:t>Training dell’algoritmo su dispositivo mobile</a:t>
+            </a:r>
+          </a:p>
+          <a:p>
+            <a:pPr marL="0" indent="0">
+              <a:buNone/>
+            </a:pPr>
+            <a:endParaRPr lang="it-IT" dirty="0"/>
+          </a:p>
+          <a:p>
+            <a:r>
+              <a:rPr lang="it-IT" dirty="0"/>
+              <a:t>Valutare il modello </a:t>
+            </a:r>
             <a:r>
               <a:rPr lang="it-IT" dirty="0" err="1"/>
               <a:t>moveCARS</a:t>
             </a:r>
             <a:r>
               <a:rPr lang="it-IT" dirty="0"/>
-              <a:t> ha ottenuto risultati simili alle soluzioni stato dell’arte:</a:t>
-            </a:r>
-          </a:p>
-          <a:p>
-            <a:pPr lvl="1"/>
+              <a:t> su nuovi dataset</a:t>
+            </a:r>
+          </a:p>
+          <a:p>
+            <a:pPr marL="0" indent="0">
+              <a:buNone/>
+            </a:pPr>
+            <a:endParaRPr lang="it-IT" dirty="0"/>
+          </a:p>
+          <a:p>
             <a:r>
               <a:rPr lang="it-IT" dirty="0"/>
-              <a:t>Con tempi di esecuzione minori</a:t>
-            </a:r>
-          </a:p>
-          <a:p>
-            <a:pPr lvl="1"/>
+              <a:t>Sviluppare un’applicazione per dispositivi mobili per valutare le prestazioni di </a:t>
+            </a:r>
+            <a:r>
+              <a:rPr lang="it-IT" dirty="0" err="1"/>
+              <a:t>moveCARS</a:t>
+            </a:r>
             <a:r>
               <a:rPr lang="it-IT" dirty="0"/>
-              <a:t>Con una struttura della rete meno restrittiva</a:t>
-            </a:r>
-          </a:p>
-          <a:p>
-            <a:r>
-              <a:rPr lang="it-IT" dirty="0"/>
-              <a:t>Il contesto ha un ruolo importante nelle raccomandazioni</a:t>
-            </a:r>
-          </a:p>
-          <a:p>
-            <a:r>
-              <a:rPr lang="it-IT" dirty="0"/>
-              <a:t>Se il contesto è molto descrittivo della situazione dell’utente le raccomandazioni sono ancora più precise</a:t>
-            </a:r>
-          </a:p>
-          <a:p>
-            <a:endParaRPr lang="it-IT" dirty="0"/>
+              <a:t> in ambiente reale</a:t>
+            </a:r>
           </a:p>
         </p:txBody>
       </p:sp>
     </p:spTree>
     <p:extLst>
       <p:ext uri="{BB962C8B-B14F-4D97-AF65-F5344CB8AC3E}">
-        <p14:creationId xmlns:p14="http://schemas.microsoft.com/office/powerpoint/2010/main" val="354855335"/>
+        <p14:creationId xmlns:p14="http://schemas.microsoft.com/office/powerpoint/2010/main" val="3978805847"/>
       </p:ext>
     </p:extLst>
   </p:cSld>
@@ -5622,10 +5632,10 @@
       </p:grpSpPr>
       <p:sp>
         <p:nvSpPr>
-          <p:cNvPr id="2" name="Titolo 1">
+          <p:cNvPr id="12" name="Titolo 11">
             <a:extLst>
               <a:ext uri="{FF2B5EF4-FFF2-40B4-BE49-F238E27FC236}">
-                <a16:creationId xmlns:a16="http://schemas.microsoft.com/office/drawing/2014/main" id="{E967507E-1146-4581-B644-0005BC8A387E}"/>
+                <a16:creationId xmlns:a16="http://schemas.microsoft.com/office/drawing/2014/main" id="{69C17091-7F08-4D3E-BEF5-8B8246BFD142}"/>
               </a:ext>
             </a:extLst>
           </p:cNvPr>
@@ -5636,85 +5646,22 @@
             <p:ph type="title"/>
           </p:nvPr>
         </p:nvSpPr>
-        <p:spPr/>
-        <p:txBody>
-          <a:bodyPr/>
-          <a:lstStyle/>
-          <a:p>
-            <a:pPr algn="ctr"/>
-            <a:r>
-              <a:rPr lang="it-IT" dirty="0"/>
-              <a:t>Sviluppi futuri</a:t>
-            </a:r>
-          </a:p>
-        </p:txBody>
-      </p:sp>
-      <p:sp>
-        <p:nvSpPr>
-          <p:cNvPr id="3" name="Segnaposto contenuto 2">
-            <a:extLst>
-              <a:ext uri="{FF2B5EF4-FFF2-40B4-BE49-F238E27FC236}">
-                <a16:creationId xmlns:a16="http://schemas.microsoft.com/office/drawing/2014/main" id="{5570E059-74DD-4635-8D46-0B022D464045}"/>
-              </a:ext>
-            </a:extLst>
-          </p:cNvPr>
-          <p:cNvSpPr>
-            <a:spLocks noGrp="1"/>
-          </p:cNvSpPr>
-          <p:nvPr>
-            <p:ph idx="1"/>
-          </p:nvPr>
-        </p:nvSpPr>
-        <p:spPr/>
+        <p:spPr>
+          <a:xfrm>
+            <a:off x="609997" y="2492896"/>
+            <a:ext cx="7886700" cy="1325563"/>
+          </a:xfrm>
+        </p:spPr>
         <p:txBody>
           <a:bodyPr>
             <a:normAutofit/>
           </a:bodyPr>
           <a:lstStyle/>
           <a:p>
-            <a:r>
-              <a:rPr lang="it-IT" dirty="0"/>
-              <a:t>Training dell’algoritmo su dispositivo mobile</a:t>
-            </a:r>
-          </a:p>
-          <a:p>
-            <a:pPr marL="0" indent="0">
-              <a:buNone/>
-            </a:pPr>
-            <a:endParaRPr lang="it-IT" dirty="0"/>
-          </a:p>
-          <a:p>
-            <a:r>
-              <a:rPr lang="it-IT" dirty="0"/>
-              <a:t>Valutare il modello </a:t>
-            </a:r>
-            <a:r>
-              <a:rPr lang="it-IT" dirty="0" err="1"/>
-              <a:t>moveCARS</a:t>
-            </a:r>
-            <a:r>
-              <a:rPr lang="it-IT" dirty="0"/>
-              <a:t> su nuovi dataset</a:t>
-            </a:r>
-          </a:p>
-          <a:p>
-            <a:pPr marL="0" indent="0">
-              <a:buNone/>
-            </a:pPr>
-            <a:endParaRPr lang="it-IT" dirty="0"/>
-          </a:p>
-          <a:p>
-            <a:r>
-              <a:rPr lang="it-IT" dirty="0"/>
-              <a:t>Sviluppare un’applicazione per dispositivi mobili per valutare le prestazioni di </a:t>
-            </a:r>
-            <a:r>
-              <a:rPr lang="it-IT" dirty="0" err="1"/>
-              <a:t>moveCARS</a:t>
-            </a:r>
-            <a:r>
-              <a:rPr lang="it-IT" dirty="0"/>
-              <a:t> in ambiente reale</a:t>
+            <a:pPr algn="ctr"/>
+            <a:r>
+              <a:rPr lang="it-IT" sz="5400" dirty="0"/>
+              <a:t>Grazie</a:t>
             </a:r>
           </a:p>
         </p:txBody>
@@ -5722,7 +5669,7 @@
     </p:spTree>
     <p:extLst>
       <p:ext uri="{BB962C8B-B14F-4D97-AF65-F5344CB8AC3E}">
-        <p14:creationId xmlns:p14="http://schemas.microsoft.com/office/powerpoint/2010/main" val="3978805847"/>
+        <p14:creationId xmlns:p14="http://schemas.microsoft.com/office/powerpoint/2010/main" val="1073096933"/>
       </p:ext>
     </p:extLst>
   </p:cSld>
@@ -5732,7 +5679,7 @@
 </p:sld>
 </file>
 
-<file path=ppt/slides/slide15.xml><?xml version="1.0" encoding="utf-8"?>
+<file path=ppt/slides/slide2.xml><?xml version="1.0" encoding="utf-8"?>
 <p:sld xmlns:a="http://schemas.openxmlformats.org/drawingml/2006/main" xmlns:r="http://schemas.openxmlformats.org/officeDocument/2006/relationships" xmlns:p="http://schemas.openxmlformats.org/presentationml/2006/main">
   <p:cSld>
     <p:spTree>
@@ -5751,72 +5698,6 @@
       </p:grpSpPr>
       <p:sp>
         <p:nvSpPr>
-          <p:cNvPr id="12" name="Titolo 11">
-            <a:extLst>
-              <a:ext uri="{FF2B5EF4-FFF2-40B4-BE49-F238E27FC236}">
-                <a16:creationId xmlns:a16="http://schemas.microsoft.com/office/drawing/2014/main" id="{69C17091-7F08-4D3E-BEF5-8B8246BFD142}"/>
-              </a:ext>
-            </a:extLst>
-          </p:cNvPr>
-          <p:cNvSpPr>
-            <a:spLocks noGrp="1"/>
-          </p:cNvSpPr>
-          <p:nvPr>
-            <p:ph type="title"/>
-          </p:nvPr>
-        </p:nvSpPr>
-        <p:spPr>
-          <a:xfrm>
-            <a:off x="609997" y="2492896"/>
-            <a:ext cx="7886700" cy="1325563"/>
-          </a:xfrm>
-        </p:spPr>
-        <p:txBody>
-          <a:bodyPr>
-            <a:normAutofit/>
-          </a:bodyPr>
-          <a:lstStyle/>
-          <a:p>
-            <a:pPr algn="ctr"/>
-            <a:r>
-              <a:rPr lang="it-IT" sz="5400" dirty="0"/>
-              <a:t>Grazie</a:t>
-            </a:r>
-          </a:p>
-        </p:txBody>
-      </p:sp>
-    </p:spTree>
-    <p:extLst>
-      <p:ext uri="{BB962C8B-B14F-4D97-AF65-F5344CB8AC3E}">
-        <p14:creationId xmlns:p14="http://schemas.microsoft.com/office/powerpoint/2010/main" val="1073096933"/>
-      </p:ext>
-    </p:extLst>
-  </p:cSld>
-  <p:clrMapOvr>
-    <a:masterClrMapping/>
-  </p:clrMapOvr>
-</p:sld>
-</file>
-
-<file path=ppt/slides/slide2.xml><?xml version="1.0" encoding="utf-8"?>
-<p:sld xmlns:a="http://schemas.openxmlformats.org/drawingml/2006/main" xmlns:r="http://schemas.openxmlformats.org/officeDocument/2006/relationships" xmlns:p="http://schemas.openxmlformats.org/presentationml/2006/main" show="0">
-  <p:cSld>
-    <p:spTree>
-      <p:nvGrpSpPr>
-        <p:cNvPr id="1" name=""/>
-        <p:cNvGrpSpPr/>
-        <p:nvPr/>
-      </p:nvGrpSpPr>
-      <p:grpSpPr>
-        <a:xfrm>
-          <a:off x="0" y="0"/>
-          <a:ext cx="0" cy="0"/>
-          <a:chOff x="0" y="0"/>
-          <a:chExt cx="0" cy="0"/>
-        </a:xfrm>
-      </p:grpSpPr>
-      <p:sp>
-        <p:nvSpPr>
           <p:cNvPr id="2" name="Titolo 1">
             <a:extLst>
               <a:ext uri="{FF2B5EF4-FFF2-40B4-BE49-F238E27FC236}">
@@ -5833,7 +5714,7 @@
         </p:nvSpPr>
         <p:spPr>
           <a:xfrm>
-            <a:off x="628650" y="0"/>
+            <a:off x="628650" y="-171400"/>
             <a:ext cx="7886700" cy="1325563"/>
           </a:xfrm>
         </p:spPr>
@@ -5867,80 +5748,156 @@
         </p:nvSpPr>
         <p:spPr>
           <a:xfrm>
-            <a:off x="179512" y="1484784"/>
-            <a:ext cx="8856984" cy="5112568"/>
+            <a:off x="143507" y="3887194"/>
+            <a:ext cx="8856984" cy="2376264"/>
           </a:xfrm>
         </p:spPr>
         <p:txBody>
           <a:bodyPr>
-            <a:normAutofit fontScale="92500" lnSpcReduction="10000"/>
+            <a:normAutofit lnSpcReduction="10000"/>
           </a:bodyPr>
           <a:lstStyle/>
           <a:p>
             <a:r>
+              <a:rPr lang="it-IT" sz="2200" dirty="0"/>
+              <a:t>I dispositivi mobili stanno contribuendo all’evoluzione dello </a:t>
+            </a:r>
+            <a:r>
+              <a:rPr lang="it-IT" sz="2200" dirty="0" err="1"/>
+              <a:t>edge</a:t>
+            </a:r>
+            <a:r>
+              <a:rPr lang="it-IT" sz="2200" dirty="0"/>
+              <a:t> computing</a:t>
+            </a:r>
+          </a:p>
+          <a:p>
+            <a:r>
+              <a:rPr lang="it-IT" sz="2200" dirty="0"/>
+              <a:t>Scoperta di nuovi contenuti tramite comunicazione device-to-device</a:t>
+            </a:r>
+          </a:p>
+          <a:p>
+            <a:r>
+              <a:rPr lang="it-IT" sz="2200" dirty="0"/>
+              <a:t>Un </a:t>
+            </a:r>
+            <a:r>
+              <a:rPr lang="it-IT" sz="2200" dirty="0" err="1"/>
+              <a:t>recommender</a:t>
+            </a:r>
+            <a:r>
+              <a:rPr lang="it-IT" sz="2200" dirty="0"/>
+              <a:t> system (RS) può essere utile per filtrare i contenuti scoperti</a:t>
+            </a:r>
+          </a:p>
+          <a:p>
+            <a:r>
+              <a:rPr lang="it-IT" sz="2200" dirty="0"/>
+              <a:t>La dinamicità dell’ambiente richiede una soluzione che possa essere eseguita su dispositivo mobile</a:t>
+            </a:r>
+          </a:p>
+        </p:txBody>
+      </p:sp>
+      <p:pic>
+        <p:nvPicPr>
+          <p:cNvPr id="6" name="Immagine 5">
+            <a:extLst>
+              <a:ext uri="{FF2B5EF4-FFF2-40B4-BE49-F238E27FC236}">
+                <a16:creationId xmlns:a16="http://schemas.microsoft.com/office/drawing/2014/main" id="{2B6E08D7-541C-4528-883B-6C8D50734E4B}"/>
+              </a:ext>
+            </a:extLst>
+          </p:cNvPr>
+          <p:cNvPicPr>
+            <a:picLocks noChangeAspect="1"/>
+          </p:cNvPicPr>
+          <p:nvPr/>
+        </p:nvPicPr>
+        <p:blipFill>
+          <a:blip r:embed="rId2"/>
+          <a:stretch>
+            <a:fillRect/>
+          </a:stretch>
+        </p:blipFill>
+        <p:spPr>
+          <a:xfrm>
+            <a:off x="3097364" y="838831"/>
+            <a:ext cx="2949271" cy="2944060"/>
+          </a:xfrm>
+          <a:prstGeom prst="rect">
+            <a:avLst/>
+          </a:prstGeom>
+        </p:spPr>
+      </p:pic>
+      <p:sp>
+        <p:nvSpPr>
+          <p:cNvPr id="7" name="Segnaposto piè di pagina 6">
+            <a:extLst>
+              <a:ext uri="{FF2B5EF4-FFF2-40B4-BE49-F238E27FC236}">
+                <a16:creationId xmlns:a16="http://schemas.microsoft.com/office/drawing/2014/main" id="{5AC6F72A-4570-4CF6-82F7-D0528FE36F23}"/>
+              </a:ext>
+            </a:extLst>
+          </p:cNvPr>
+          <p:cNvSpPr>
+            <a:spLocks noGrp="1"/>
+          </p:cNvSpPr>
+          <p:nvPr>
+            <p:ph type="ftr" sz="quarter" idx="11"/>
+          </p:nvPr>
+        </p:nvSpPr>
+        <p:spPr>
+          <a:xfrm>
+            <a:off x="2468606" y="6356351"/>
+            <a:ext cx="4207346" cy="365125"/>
+          </a:xfrm>
+        </p:spPr>
+        <p:txBody>
+          <a:bodyPr/>
+          <a:lstStyle/>
+          <a:p>
+            <a:pPr>
+              <a:defRPr/>
+            </a:pPr>
+            <a:r>
               <a:rPr lang="it-IT" dirty="0"/>
-              <a:t>I dispositivi mobili stanno contribuendo all’evoluzione </a:t>
+              <a:t>Fonte immagine: Mattia G. Campana. </a:t>
             </a:r>
             <a:r>
               <a:rPr lang="it-IT" dirty="0" err="1"/>
-              <a:t>dell’edge</a:t>
+              <a:t>Context-aware</a:t>
             </a:r>
             <a:r>
               <a:rPr lang="it-IT" dirty="0"/>
-              <a:t> computing</a:t>
-            </a:r>
-          </a:p>
-          <a:p>
+              <a:t> </a:t>
+            </a:r>
+            <a:r>
+              <a:rPr lang="it-IT" dirty="0" err="1"/>
+              <a:t>recommender</a:t>
+            </a:r>
             <a:r>
               <a:rPr lang="it-IT" dirty="0"/>
-              <a:t>Questi dispositivi sono centrali, interagiscono tramite comunicazione D2D con altri dispositivi e scoprono nuovi contenuti per gli utenti</a:t>
-            </a:r>
-          </a:p>
-          <a:p>
+              <a:t> systems for </a:t>
+            </a:r>
+            <a:r>
+              <a:rPr lang="it-IT" dirty="0" err="1"/>
+              <a:t>opportunistic</a:t>
+            </a:r>
             <a:r>
               <a:rPr lang="it-IT" dirty="0"/>
-              <a:t>Un RS per dispositivi mobili può essere utile per filtrare questi contenuti</a:t>
-            </a:r>
-          </a:p>
-          <a:p>
-            <a:r>
-              <a:rPr lang="it-IT" dirty="0"/>
-              <a:t>A differenza degli RS centralizzati, le informazioni sono limitate a quelle raccolte dall’utente locale, non esiste una conoscenza globale di tutti gli utenti e oggetti del sistema</a:t>
-            </a:r>
-          </a:p>
-          <a:p>
-            <a:r>
-              <a:rPr lang="it-IT" dirty="0"/>
-              <a:t>Vantaggi di un RS mobile:</a:t>
-            </a:r>
-          </a:p>
-          <a:p>
-            <a:pPr lvl="1"/>
-            <a:r>
-              <a:rPr lang="it-IT" dirty="0"/>
-              <a:t>Velocità adattamento</a:t>
-            </a:r>
-          </a:p>
-          <a:p>
-            <a:pPr lvl="1"/>
-            <a:r>
-              <a:rPr lang="it-IT" dirty="0"/>
-              <a:t>Privacy utenti</a:t>
-            </a:r>
-          </a:p>
-          <a:p>
-            <a:pPr lvl="1"/>
-            <a:r>
-              <a:rPr lang="it-IT" dirty="0"/>
-              <a:t>Contesto fisico e sociale molto descrittivo</a:t>
-            </a:r>
+              <a:t> </a:t>
+            </a:r>
+            <a:r>
+              <a:rPr lang="it-IT" dirty="0" err="1"/>
+              <a:t>environments</a:t>
+            </a:r>
+            <a:endParaRPr lang="it-IT" dirty="0"/>
           </a:p>
         </p:txBody>
       </p:sp>
     </p:spTree>
     <p:extLst>
       <p:ext uri="{BB962C8B-B14F-4D97-AF65-F5344CB8AC3E}">
-        <p14:creationId xmlns:p14="http://schemas.microsoft.com/office/powerpoint/2010/main" val="3189697558"/>
+        <p14:creationId xmlns:p14="http://schemas.microsoft.com/office/powerpoint/2010/main" val="3402772325"/>
       </p:ext>
     </p:extLst>
   </p:cSld>
@@ -5972,169 +5929,6 @@
           <p:cNvPr id="2" name="Titolo 1">
             <a:extLst>
               <a:ext uri="{FF2B5EF4-FFF2-40B4-BE49-F238E27FC236}">
-                <a16:creationId xmlns:a16="http://schemas.microsoft.com/office/drawing/2014/main" id="{408C4C7B-E853-45EB-B3EC-438728329FFF}"/>
-              </a:ext>
-            </a:extLst>
-          </p:cNvPr>
-          <p:cNvSpPr>
-            <a:spLocks noGrp="1"/>
-          </p:cNvSpPr>
-          <p:nvPr>
-            <p:ph type="title"/>
-          </p:nvPr>
-        </p:nvSpPr>
-        <p:spPr>
-          <a:xfrm>
-            <a:off x="628650" y="-171400"/>
-            <a:ext cx="7886700" cy="1325563"/>
-          </a:xfrm>
-        </p:spPr>
-        <p:txBody>
-          <a:bodyPr/>
-          <a:lstStyle/>
-          <a:p>
-            <a:pPr algn="ctr"/>
-            <a:r>
-              <a:rPr lang="it-IT" dirty="0"/>
-              <a:t>Ambiente di riferimento</a:t>
-            </a:r>
-          </a:p>
-        </p:txBody>
-      </p:sp>
-      <p:sp>
-        <p:nvSpPr>
-          <p:cNvPr id="3" name="Segnaposto contenuto 2">
-            <a:extLst>
-              <a:ext uri="{FF2B5EF4-FFF2-40B4-BE49-F238E27FC236}">
-                <a16:creationId xmlns:a16="http://schemas.microsoft.com/office/drawing/2014/main" id="{1092EA9F-6FED-4186-AA52-B095CB45B0D3}"/>
-              </a:ext>
-            </a:extLst>
-          </p:cNvPr>
-          <p:cNvSpPr>
-            <a:spLocks noGrp="1"/>
-          </p:cNvSpPr>
-          <p:nvPr>
-            <p:ph idx="1"/>
-          </p:nvPr>
-        </p:nvSpPr>
-        <p:spPr>
-          <a:xfrm>
-            <a:off x="143508" y="3799426"/>
-            <a:ext cx="8856984" cy="2941941"/>
-          </a:xfrm>
-        </p:spPr>
-        <p:txBody>
-          <a:bodyPr>
-            <a:normAutofit lnSpcReduction="10000"/>
-          </a:bodyPr>
-          <a:lstStyle/>
-          <a:p>
-            <a:r>
-              <a:rPr lang="it-IT" dirty="0"/>
-              <a:t>I dispositivi mobili stanno contribuendo all’evoluzione dello </a:t>
-            </a:r>
-            <a:r>
-              <a:rPr lang="it-IT" dirty="0" err="1"/>
-              <a:t>edge</a:t>
-            </a:r>
-            <a:r>
-              <a:rPr lang="it-IT" dirty="0"/>
-              <a:t> computing</a:t>
-            </a:r>
-          </a:p>
-          <a:p>
-            <a:r>
-              <a:rPr lang="it-IT" dirty="0"/>
-              <a:t>I dispositivi mobili scoprono nuovi contenuti per gli utenti</a:t>
-            </a:r>
-          </a:p>
-          <a:p>
-            <a:r>
-              <a:rPr lang="it-IT" dirty="0"/>
-              <a:t>Un </a:t>
-            </a:r>
-            <a:r>
-              <a:rPr lang="it-IT" dirty="0" err="1"/>
-              <a:t>recommender</a:t>
-            </a:r>
-            <a:r>
-              <a:rPr lang="it-IT" dirty="0"/>
-              <a:t> system (RS) può essere utile per filtrare questi contenuti</a:t>
-            </a:r>
-          </a:p>
-          <a:p>
-            <a:r>
-              <a:rPr lang="it-IT" dirty="0"/>
-              <a:t>La dinamicità dell’ambiente richiede una soluzione che possa eseguire su dispositivo mobile</a:t>
-            </a:r>
-          </a:p>
-        </p:txBody>
-      </p:sp>
-      <p:pic>
-        <p:nvPicPr>
-          <p:cNvPr id="5" name="Immagine 4">
-            <a:extLst>
-              <a:ext uri="{FF2B5EF4-FFF2-40B4-BE49-F238E27FC236}">
-                <a16:creationId xmlns:a16="http://schemas.microsoft.com/office/drawing/2014/main" id="{57ECDB0F-E642-4625-9AC8-157C0837E278}"/>
-              </a:ext>
-            </a:extLst>
-          </p:cNvPr>
-          <p:cNvPicPr>
-            <a:picLocks noChangeAspect="1"/>
-          </p:cNvPicPr>
-          <p:nvPr/>
-        </p:nvPicPr>
-        <p:blipFill>
-          <a:blip r:embed="rId2"/>
-          <a:stretch>
-            <a:fillRect/>
-          </a:stretch>
-        </p:blipFill>
-        <p:spPr>
-          <a:xfrm>
-            <a:off x="3293858" y="908720"/>
-            <a:ext cx="2556284" cy="2826660"/>
-          </a:xfrm>
-          <a:prstGeom prst="rect">
-            <a:avLst/>
-          </a:prstGeom>
-        </p:spPr>
-      </p:pic>
-    </p:spTree>
-    <p:extLst>
-      <p:ext uri="{BB962C8B-B14F-4D97-AF65-F5344CB8AC3E}">
-        <p14:creationId xmlns:p14="http://schemas.microsoft.com/office/powerpoint/2010/main" val="3402772325"/>
-      </p:ext>
-    </p:extLst>
-  </p:cSld>
-  <p:clrMapOvr>
-    <a:masterClrMapping/>
-  </p:clrMapOvr>
-</p:sld>
-</file>
-
-<file path=ppt/slides/slide4.xml><?xml version="1.0" encoding="utf-8"?>
-<p:sld xmlns:a="http://schemas.openxmlformats.org/drawingml/2006/main" xmlns:r="http://schemas.openxmlformats.org/officeDocument/2006/relationships" xmlns:p="http://schemas.openxmlformats.org/presentationml/2006/main">
-  <p:cSld>
-    <p:spTree>
-      <p:nvGrpSpPr>
-        <p:cNvPr id="1" name=""/>
-        <p:cNvGrpSpPr/>
-        <p:nvPr/>
-      </p:nvGrpSpPr>
-      <p:grpSpPr>
-        <a:xfrm>
-          <a:off x="0" y="0"/>
-          <a:ext cx="0" cy="0"/>
-          <a:chOff x="0" y="0"/>
-          <a:chExt cx="0" cy="0"/>
-        </a:xfrm>
-      </p:grpSpPr>
-      <p:sp>
-        <p:nvSpPr>
-          <p:cNvPr id="2" name="Titolo 1">
-            <a:extLst>
-              <a:ext uri="{FF2B5EF4-FFF2-40B4-BE49-F238E27FC236}">
                 <a16:creationId xmlns:a16="http://schemas.microsoft.com/office/drawing/2014/main" id="{6E85C9F5-082B-43A8-B30E-83A00057087C}"/>
               </a:ext>
             </a:extLst>
@@ -6183,49 +5977,49 @@
         <p:spPr>
           <a:xfrm>
             <a:off x="251520" y="3569678"/>
-            <a:ext cx="8640960" cy="3171690"/>
+            <a:ext cx="8640960" cy="2667634"/>
           </a:xfrm>
         </p:spPr>
         <p:txBody>
           <a:bodyPr>
-            <a:normAutofit lnSpcReduction="10000"/>
+            <a:normAutofit/>
           </a:bodyPr>
           <a:lstStyle/>
           <a:p>
             <a:r>
-              <a:rPr lang="it-IT" dirty="0"/>
-              <a:t>Generano raccomandazioni personalizzate per gli utenti</a:t>
-            </a:r>
-          </a:p>
-          <a:p>
-            <a:r>
-              <a:rPr lang="it-IT" b="0" i="0" u="none" strike="noStrike" baseline="0" dirty="0"/>
+              <a:rPr lang="it-IT" sz="2400" dirty="0"/>
+              <a:t>I RS generano raccomandazioni personalizzate per gli utenti</a:t>
+            </a:r>
+          </a:p>
+          <a:p>
+            <a:r>
+              <a:rPr lang="it-IT" sz="2400" b="0" i="0" u="none" strike="noStrike" baseline="0" dirty="0"/>
               <a:t>RS centralizzati: conoscenza globale di tutti gli utenti e oggetti</a:t>
             </a:r>
           </a:p>
           <a:p>
             <a:r>
-              <a:rPr lang="it-IT" dirty="0"/>
-              <a:t>RS mobile: le informazioni sono limitate a quelle raccolte dall’utente locale</a:t>
-            </a:r>
-          </a:p>
-          <a:p>
-            <a:r>
-              <a:rPr lang="it-IT" dirty="0"/>
-              <a:t>Integrare contesto descrittivo</a:t>
-            </a:r>
-          </a:p>
-          <a:p>
-            <a:r>
-              <a:rPr lang="it-IT" i="0" u="none" strike="noStrike" baseline="0" dirty="0"/>
-              <a:t>Obiettivo tesi: RS </a:t>
-            </a:r>
-            <a:r>
-              <a:rPr lang="it-IT" i="0" u="none" strike="noStrike" baseline="0" dirty="0" err="1"/>
+              <a:rPr lang="it-IT" sz="2400" dirty="0"/>
+              <a:t>RS per dispositivi mobili: le informazioni sono limitate a quelle raccolte dall’utente locale</a:t>
+            </a:r>
+          </a:p>
+          <a:p>
+            <a:r>
+              <a:rPr lang="it-IT" sz="2400" dirty="0"/>
+              <a:t>Necessità di considerare un contesto descrittivo</a:t>
+            </a:r>
+          </a:p>
+          <a:p>
+            <a:r>
+              <a:rPr lang="it-IT" sz="2400" i="0" u="none" strike="noStrike" baseline="0" dirty="0"/>
+              <a:t>Scopo tesi: RS </a:t>
+            </a:r>
+            <a:r>
+              <a:rPr lang="it-IT" sz="2400" i="0" u="none" strike="noStrike" baseline="0" dirty="0" err="1"/>
               <a:t>context-aware</a:t>
             </a:r>
             <a:r>
-              <a:rPr lang="it-IT" i="0" u="none" strike="noStrike" baseline="0" dirty="0"/>
+              <a:rPr lang="it-IT" sz="2400" i="0" u="none" strike="noStrike" baseline="0" dirty="0"/>
               <a:t> per dispositivi mobili </a:t>
             </a:r>
           </a:p>
@@ -6276,6 +6070,38 @@
           </a:prstGeom>
         </p:spPr>
       </p:pic>
+      <p:sp>
+        <p:nvSpPr>
+          <p:cNvPr id="4" name="Segnaposto piè di pagina 3">
+            <a:extLst>
+              <a:ext uri="{FF2B5EF4-FFF2-40B4-BE49-F238E27FC236}">
+                <a16:creationId xmlns:a16="http://schemas.microsoft.com/office/drawing/2014/main" id="{2D8C7F65-F6DB-42E6-BD0E-CDD6680FFB5A}"/>
+              </a:ext>
+            </a:extLst>
+          </p:cNvPr>
+          <p:cNvSpPr>
+            <a:spLocks noGrp="1"/>
+          </p:cNvSpPr>
+          <p:nvPr>
+            <p:ph type="ftr" sz="quarter" idx="11"/>
+          </p:nvPr>
+        </p:nvSpPr>
+        <p:spPr/>
+        <p:txBody>
+          <a:bodyPr/>
+          <a:lstStyle/>
+          <a:p>
+            <a:pPr>
+              <a:defRPr/>
+            </a:pPr>
+            <a:r>
+              <a:rPr lang="en-GB"/>
+              <a:t>Fonte immagine: https://morioh.com/p/023edf0a8587</a:t>
+            </a:r>
+            <a:endParaRPr lang="en-GB" dirty="0"/>
+          </a:p>
+        </p:txBody>
+      </p:sp>
     </p:spTree>
     <p:extLst>
       <p:ext uri="{BB962C8B-B14F-4D97-AF65-F5344CB8AC3E}">
@@ -6289,7 +6115,7 @@
 </p:sld>
 </file>
 
-<file path=ppt/slides/slide5.xml><?xml version="1.0" encoding="utf-8"?>
+<file path=ppt/slides/slide4.xml><?xml version="1.0" encoding="utf-8"?>
 <p:sld xmlns:a="http://schemas.openxmlformats.org/drawingml/2006/main" xmlns:r="http://schemas.openxmlformats.org/officeDocument/2006/relationships" xmlns:p="http://schemas.openxmlformats.org/presentationml/2006/main">
   <p:cSld>
     <p:bg>
@@ -6416,7 +6242,7 @@
             </p:nvSpPr>
             <p:spPr>
               <a:xfrm>
-                <a:off x="332070" y="3915562"/>
+                <a:off x="332065" y="3545842"/>
                 <a:ext cx="8479859" cy="2731151"/>
               </a:xfrm>
               <a:prstGeom prst="rect">
@@ -6462,8 +6288,47 @@
                 </a:r>
                 <a:r>
                   <a:rPr lang="it-IT" dirty="0"/>
-                  <a:t>algoritmo che fattorizza la matrice in due matrici di dimensione minore</a:t>
+                  <a:t>algoritmo che fattorizza la matrice </a:t>
                 </a:r>
+                <a14:m>
+                  <m:oMath xmlns:m="http://schemas.openxmlformats.org/officeDocument/2006/math">
+                    <m:r>
+                      <a:rPr lang="it-IT" i="1" dirty="0" smtClean="0">
+                        <a:latin typeface="Cambria Math" panose="02040503050406030204" pitchFamily="18" charset="0"/>
+                      </a:rPr>
+                      <m:t>𝐴</m:t>
+                    </m:r>
+                  </m:oMath>
+                </a14:m>
+                <a:r>
+                  <a:rPr lang="it-IT" dirty="0"/>
+                  <a:t> in due matrici di fattori latenti di dimensione minore </a:t>
+                </a:r>
+                <a14:m>
+                  <m:oMath xmlns:m="http://schemas.openxmlformats.org/officeDocument/2006/math">
+                    <m:r>
+                      <a:rPr lang="it-IT" i="1" dirty="0" smtClean="0">
+                        <a:latin typeface="Cambria Math" panose="02040503050406030204" pitchFamily="18" charset="0"/>
+                      </a:rPr>
+                      <m:t>𝑃</m:t>
+                    </m:r>
+                  </m:oMath>
+                </a14:m>
+                <a:r>
+                  <a:rPr lang="it-IT" dirty="0"/>
+                  <a:t> e </a:t>
+                </a:r>
+                <a14:m>
+                  <m:oMath xmlns:m="http://schemas.openxmlformats.org/officeDocument/2006/math">
+                    <m:r>
+                      <a:rPr lang="it-IT" i="1" dirty="0" smtClean="0">
+                        <a:latin typeface="Cambria Math" panose="02040503050406030204" pitchFamily="18" charset="0"/>
+                      </a:rPr>
+                      <m:t>𝑄</m:t>
+                    </m:r>
+                  </m:oMath>
+                </a14:m>
+                <a:endParaRPr lang="it-IT" dirty="0"/>
               </a:p>
               <a:p>
                 <a:pPr marL="742950" lvl="1" indent="-285750">
@@ -6677,7 +6542,7 @@
             </p:nvSpPr>
             <p:spPr>
               <a:xfrm>
-                <a:off x="332070" y="3915562"/>
+                <a:off x="332065" y="3545842"/>
                 <a:ext cx="8479859" cy="2731151"/>
               </a:xfrm>
               <a:prstGeom prst="rect">
@@ -6686,7 +6551,7 @@
               <a:blipFill>
                 <a:blip r:embed="rId4"/>
                 <a:stretch>
-                  <a:fillRect l="-575" t="-1116"/>
+                  <a:fillRect l="-575" t="-1339"/>
                 </a:stretch>
               </a:blipFill>
             </p:spPr>
@@ -6705,6 +6570,43 @@
           </p:sp>
         </mc:Fallback>
       </mc:AlternateContent>
+      <p:sp>
+        <p:nvSpPr>
+          <p:cNvPr id="2" name="Segnaposto piè di pagina 1">
+            <a:extLst>
+              <a:ext uri="{FF2B5EF4-FFF2-40B4-BE49-F238E27FC236}">
+                <a16:creationId xmlns:a16="http://schemas.microsoft.com/office/drawing/2014/main" id="{2DB7E22F-EF06-4EEE-B3BB-5436C6D8C406}"/>
+              </a:ext>
+            </a:extLst>
+          </p:cNvPr>
+          <p:cNvSpPr>
+            <a:spLocks noGrp="1"/>
+          </p:cNvSpPr>
+          <p:nvPr>
+            <p:ph type="ftr" sz="quarter" idx="11"/>
+          </p:nvPr>
+        </p:nvSpPr>
+        <p:spPr>
+          <a:xfrm>
+            <a:off x="2576333" y="6350002"/>
+            <a:ext cx="3991322" cy="365125"/>
+          </a:xfrm>
+        </p:spPr>
+        <p:txBody>
+          <a:bodyPr/>
+          <a:lstStyle/>
+          <a:p>
+            <a:pPr>
+              <a:defRPr/>
+            </a:pPr>
+            <a:r>
+              <a:rPr lang="en-GB"/>
+              <a:t>Fonte immagine: https://developers.google.com/machine-learning/recommendation/collaborative/matrix </a:t>
+            </a:r>
+            <a:endParaRPr lang="en-GB" dirty="0"/>
+          </a:p>
+        </p:txBody>
+      </p:sp>
     </p:spTree>
     <p:extLst>
       <p:ext uri="{BB962C8B-B14F-4D97-AF65-F5344CB8AC3E}">
@@ -6718,7 +6620,7 @@
 </p:sld>
 </file>
 
-<file path=ppt/slides/slide6.xml><?xml version="1.0" encoding="utf-8"?>
+<file path=ppt/slides/slide5.xml><?xml version="1.0" encoding="utf-8"?>
 <p:sld xmlns:a="http://schemas.openxmlformats.org/drawingml/2006/main" xmlns:r="http://schemas.openxmlformats.org/officeDocument/2006/relationships" xmlns:p="http://schemas.openxmlformats.org/presentationml/2006/main">
   <p:cSld>
     <p:spTree>
@@ -6754,93 +6656,101 @@
         <p:spPr>
           <a:xfrm>
             <a:off x="404079" y="3927378"/>
-            <a:ext cx="8335839" cy="2813990"/>
+            <a:ext cx="8335839" cy="2529974"/>
           </a:xfrm>
         </p:spPr>
         <p:txBody>
           <a:bodyPr>
-            <a:normAutofit fontScale="85000" lnSpcReduction="20000"/>
+            <a:normAutofit fontScale="92500" lnSpcReduction="10000"/>
           </a:bodyPr>
           <a:lstStyle/>
           <a:p>
             <a:r>
-              <a:rPr lang="it-IT" dirty="0"/>
+              <a:rPr lang="it-IT" sz="2000" dirty="0"/>
               <a:t>Combina una rete neurale con l’approccio </a:t>
             </a:r>
             <a:r>
-              <a:rPr lang="it-IT" dirty="0" err="1"/>
+              <a:rPr lang="it-IT" sz="2000" dirty="0" err="1"/>
               <a:t>matrix</a:t>
             </a:r>
             <a:r>
-              <a:rPr lang="it-IT" dirty="0"/>
+              <a:rPr lang="it-IT" sz="2000" dirty="0"/>
               <a:t> </a:t>
             </a:r>
             <a:r>
-              <a:rPr lang="it-IT" dirty="0" err="1"/>
+              <a:rPr lang="it-IT" sz="2000" dirty="0" err="1"/>
               <a:t>factorization</a:t>
             </a:r>
-            <a:endParaRPr lang="it-IT" dirty="0"/>
-          </a:p>
-          <a:p>
-            <a:r>
-              <a:rPr lang="it-IT" dirty="0"/>
+            <a:endParaRPr lang="it-IT" sz="2000" dirty="0"/>
+          </a:p>
+          <a:p>
+            <a:r>
+              <a:rPr lang="it-IT" sz="2000" dirty="0"/>
               <a:t>Input: </a:t>
             </a:r>
           </a:p>
           <a:p>
             <a:pPr lvl="1"/>
             <a:r>
-              <a:rPr lang="it-IT" dirty="0"/>
+              <a:rPr lang="it-IT" sz="1800" dirty="0"/>
               <a:t>ID utente come vettore in one hot </a:t>
             </a:r>
             <a:r>
-              <a:rPr lang="it-IT" dirty="0" err="1"/>
+              <a:rPr lang="it-IT" sz="1800" dirty="0" err="1"/>
               <a:t>encoding</a:t>
             </a:r>
-            <a:endParaRPr lang="it-IT" dirty="0"/>
+            <a:endParaRPr lang="it-IT" sz="1800" dirty="0"/>
           </a:p>
           <a:p>
             <a:pPr lvl="1"/>
             <a:r>
-              <a:rPr lang="it-IT" dirty="0"/>
+              <a:rPr lang="it-IT" sz="1800" dirty="0"/>
               <a:t>ID oggetto come vettore in one hot </a:t>
             </a:r>
             <a:r>
-              <a:rPr lang="it-IT" dirty="0" err="1"/>
+              <a:rPr lang="it-IT" sz="1800" dirty="0" err="1"/>
               <a:t>encoding</a:t>
             </a:r>
-            <a:endParaRPr lang="it-IT" dirty="0"/>
+            <a:endParaRPr lang="it-IT" sz="1800" dirty="0"/>
           </a:p>
           <a:p>
             <a:pPr lvl="1"/>
             <a:r>
-              <a:rPr lang="it-IT" dirty="0"/>
+              <a:rPr lang="it-IT" sz="1800" dirty="0"/>
               <a:t>Vettore per il contesto</a:t>
             </a:r>
           </a:p>
           <a:p>
             <a:r>
-              <a:rPr lang="it-IT" dirty="0"/>
-              <a:t>Aggiunge  il contesto dell’utente al modello </a:t>
-            </a:r>
-            <a:r>
-              <a:rPr lang="it-IT" dirty="0" err="1"/>
+              <a:rPr lang="it-IT" sz="2000" dirty="0"/>
+              <a:t>ECAM </a:t>
+            </a:r>
+            <a:r>
+              <a:rPr lang="it-IT" sz="2000" dirty="0" err="1"/>
               <a:t>NeuMF</a:t>
             </a:r>
-            <a:endParaRPr lang="it-IT" dirty="0"/>
-          </a:p>
-          <a:p>
-            <a:r>
-              <a:rPr lang="it-IT" dirty="0"/>
+            <a:r>
+              <a:rPr lang="it-IT" sz="2000" dirty="0"/>
+              <a:t> incorpora  il contesto dell’utente nel modello </a:t>
+            </a:r>
+            <a:r>
+              <a:rPr lang="it-IT" sz="2000" dirty="0" err="1"/>
+              <a:t>NeuMF</a:t>
+            </a:r>
+            <a:endParaRPr lang="it-IT" sz="2000" dirty="0"/>
+          </a:p>
+          <a:p>
+            <a:r>
+              <a:rPr lang="it-IT" sz="2000" dirty="0"/>
               <a:t>Il numero di utenti e oggetti è fisso: i vettori in one hot </a:t>
             </a:r>
             <a:r>
-              <a:rPr lang="it-IT" dirty="0" err="1"/>
+              <a:rPr lang="it-IT" sz="2000" dirty="0" err="1"/>
               <a:t>encoding</a:t>
             </a:r>
             <a:r>
-              <a:rPr lang="it-IT" dirty="0"/>
-              <a:t> hanno dimensione pari al numero di utenti e oggetti</a:t>
+              <a:rPr lang="it-IT" sz="2000" dirty="0"/>
+              <a:t> hanno dimensione pari al numero di utenti/oggetti</a:t>
             </a:r>
           </a:p>
         </p:txBody>
@@ -7013,6 +6923,205 @@
               <a:t>NeuMF</a:t>
             </a:r>
             <a:endParaRPr lang="it-IT" dirty="0"/>
+          </a:p>
+        </p:txBody>
+      </p:sp>
+      <p:sp>
+        <p:nvSpPr>
+          <p:cNvPr id="4" name="Segnaposto piè di pagina 3">
+            <a:extLst>
+              <a:ext uri="{FF2B5EF4-FFF2-40B4-BE49-F238E27FC236}">
+                <a16:creationId xmlns:a16="http://schemas.microsoft.com/office/drawing/2014/main" id="{733ADAAD-74FD-4C3B-9655-9D5D90C5A1B7}"/>
+              </a:ext>
+            </a:extLst>
+          </p:cNvPr>
+          <p:cNvSpPr>
+            <a:spLocks noGrp="1"/>
+          </p:cNvSpPr>
+          <p:nvPr>
+            <p:ph type="ftr" sz="quarter" idx="11"/>
+          </p:nvPr>
+        </p:nvSpPr>
+        <p:spPr>
+          <a:xfrm>
+            <a:off x="2461188" y="6395229"/>
+            <a:ext cx="4221620" cy="365125"/>
+          </a:xfrm>
+        </p:spPr>
+        <p:txBody>
+          <a:bodyPr/>
+          <a:lstStyle/>
+          <a:p>
+            <a:pPr>
+              <a:defRPr/>
+            </a:pPr>
+            <a:r>
+              <a:rPr lang="en-GB"/>
+              <a:t>Fonte immagine: Xiangnan He, Lizi Liao, Hanwang Zhang, Liqiang Nie, Xia Hu, and Tat-Seng Chua. Neural collaborative filtering.</a:t>
+            </a:r>
+            <a:endParaRPr lang="en-GB" dirty="0"/>
+          </a:p>
+        </p:txBody>
+      </p:sp>
+      <p:sp>
+        <p:nvSpPr>
+          <p:cNvPr id="10" name="Segnaposto piè di pagina 3">
+            <a:extLst>
+              <a:ext uri="{FF2B5EF4-FFF2-40B4-BE49-F238E27FC236}">
+                <a16:creationId xmlns:a16="http://schemas.microsoft.com/office/drawing/2014/main" id="{BE199914-8BDB-49E6-AA53-4EFBA6AB70E2}"/>
+              </a:ext>
+            </a:extLst>
+          </p:cNvPr>
+          <p:cNvSpPr txBox="1">
+            <a:spLocks/>
+          </p:cNvSpPr>
+          <p:nvPr/>
+        </p:nvSpPr>
+        <p:spPr>
+          <a:xfrm>
+            <a:off x="2306625" y="6395229"/>
+            <a:ext cx="4640585" cy="365125"/>
+          </a:xfrm>
+          <a:prstGeom prst="rect">
+            <a:avLst/>
+          </a:prstGeom>
+        </p:spPr>
+        <p:txBody>
+          <a:bodyPr vert="horz" lIns="91440" tIns="45720" rIns="91440" bIns="45720" rtlCol="0" anchor="ctr"/>
+          <a:lstStyle>
+            <a:defPPr>
+              <a:defRPr lang="en-US"/>
+            </a:defPPr>
+            <a:lvl1pPr marL="0" algn="ctr" defTabSz="457200" rtl="0" eaLnBrk="1" latinLnBrk="0" hangingPunct="1">
+              <a:defRPr sz="1200" kern="1200">
+                <a:solidFill>
+                  <a:schemeClr val="tx1">
+                    <a:tint val="75000"/>
+                  </a:schemeClr>
+                </a:solidFill>
+                <a:latin typeface="+mn-lt"/>
+                <a:ea typeface="+mn-ea"/>
+                <a:cs typeface="+mn-cs"/>
+              </a:defRPr>
+            </a:lvl1pPr>
+            <a:lvl2pPr marL="457200" algn="l" defTabSz="457200" rtl="0" eaLnBrk="1" latinLnBrk="0" hangingPunct="1">
+              <a:defRPr sz="1800" kern="1200">
+                <a:solidFill>
+                  <a:schemeClr val="tx1"/>
+                </a:solidFill>
+                <a:latin typeface="+mn-lt"/>
+                <a:ea typeface="+mn-ea"/>
+                <a:cs typeface="+mn-cs"/>
+              </a:defRPr>
+            </a:lvl2pPr>
+            <a:lvl3pPr marL="914400" algn="l" defTabSz="457200" rtl="0" eaLnBrk="1" latinLnBrk="0" hangingPunct="1">
+              <a:defRPr sz="1800" kern="1200">
+                <a:solidFill>
+                  <a:schemeClr val="tx1"/>
+                </a:solidFill>
+                <a:latin typeface="+mn-lt"/>
+                <a:ea typeface="+mn-ea"/>
+                <a:cs typeface="+mn-cs"/>
+              </a:defRPr>
+            </a:lvl3pPr>
+            <a:lvl4pPr marL="1371600" algn="l" defTabSz="457200" rtl="0" eaLnBrk="1" latinLnBrk="0" hangingPunct="1">
+              <a:defRPr sz="1800" kern="1200">
+                <a:solidFill>
+                  <a:schemeClr val="tx1"/>
+                </a:solidFill>
+                <a:latin typeface="+mn-lt"/>
+                <a:ea typeface="+mn-ea"/>
+                <a:cs typeface="+mn-cs"/>
+              </a:defRPr>
+            </a:lvl4pPr>
+            <a:lvl5pPr marL="1828800" algn="l" defTabSz="457200" rtl="0" eaLnBrk="1" latinLnBrk="0" hangingPunct="1">
+              <a:defRPr sz="1800" kern="1200">
+                <a:solidFill>
+                  <a:schemeClr val="tx1"/>
+                </a:solidFill>
+                <a:latin typeface="+mn-lt"/>
+                <a:ea typeface="+mn-ea"/>
+                <a:cs typeface="+mn-cs"/>
+              </a:defRPr>
+            </a:lvl5pPr>
+            <a:lvl6pPr marL="2286000" algn="l" defTabSz="457200" rtl="0" eaLnBrk="1" latinLnBrk="0" hangingPunct="1">
+              <a:defRPr sz="1800" kern="1200">
+                <a:solidFill>
+                  <a:schemeClr val="tx1"/>
+                </a:solidFill>
+                <a:latin typeface="+mn-lt"/>
+                <a:ea typeface="+mn-ea"/>
+                <a:cs typeface="+mn-cs"/>
+              </a:defRPr>
+            </a:lvl6pPr>
+            <a:lvl7pPr marL="2743200" algn="l" defTabSz="457200" rtl="0" eaLnBrk="1" latinLnBrk="0" hangingPunct="1">
+              <a:defRPr sz="1800" kern="1200">
+                <a:solidFill>
+                  <a:schemeClr val="tx1"/>
+                </a:solidFill>
+                <a:latin typeface="+mn-lt"/>
+                <a:ea typeface="+mn-ea"/>
+                <a:cs typeface="+mn-cs"/>
+              </a:defRPr>
+            </a:lvl7pPr>
+            <a:lvl8pPr marL="3200400" algn="l" defTabSz="457200" rtl="0" eaLnBrk="1" latinLnBrk="0" hangingPunct="1">
+              <a:defRPr sz="1800" kern="1200">
+                <a:solidFill>
+                  <a:schemeClr val="tx1"/>
+                </a:solidFill>
+                <a:latin typeface="+mn-lt"/>
+                <a:ea typeface="+mn-ea"/>
+                <a:cs typeface="+mn-cs"/>
+              </a:defRPr>
+            </a:lvl8pPr>
+            <a:lvl9pPr marL="3657600" algn="l" defTabSz="457200" rtl="0" eaLnBrk="1" latinLnBrk="0" hangingPunct="1">
+              <a:defRPr sz="1800" kern="1200">
+                <a:solidFill>
+                  <a:schemeClr val="tx1"/>
+                </a:solidFill>
+                <a:latin typeface="+mn-lt"/>
+                <a:ea typeface="+mn-ea"/>
+                <a:cs typeface="+mn-cs"/>
+              </a:defRPr>
+            </a:lvl9pPr>
+          </a:lstStyle>
+          <a:p>
+            <a:pPr>
+              <a:defRPr/>
+            </a:pPr>
+            <a:r>
+              <a:rPr lang="en-GB" dirty="0"/>
+              <a:t>Fonte </a:t>
+            </a:r>
+            <a:r>
+              <a:rPr lang="en-GB" dirty="0" err="1"/>
+              <a:t>immagine</a:t>
+            </a:r>
+            <a:r>
+              <a:rPr lang="en-GB" dirty="0"/>
+              <a:t>: </a:t>
+            </a:r>
+            <a:r>
+              <a:rPr lang="en-US" dirty="0"/>
+              <a:t>Moshe Unger, Alexander </a:t>
+            </a:r>
+            <a:r>
+              <a:rPr lang="en-US" dirty="0" err="1"/>
+              <a:t>Tuzhilin</a:t>
+            </a:r>
+            <a:r>
+              <a:rPr lang="en-US" dirty="0"/>
+              <a:t>, and Amit </a:t>
+            </a:r>
+            <a:r>
+              <a:rPr lang="en-US" dirty="0" err="1"/>
+              <a:t>Livne</a:t>
+            </a:r>
+            <a:r>
+              <a:rPr lang="en-US" dirty="0"/>
+              <a:t>. Context-aware recommendations based on deep learning frameworks</a:t>
+            </a:r>
+            <a:endParaRPr lang="en-GB" dirty="0"/>
           </a:p>
         </p:txBody>
       </p:sp>
@@ -7365,6 +7474,60 @@
                                   </p:childTnLst>
                                 </p:cTn>
                               </p:par>
+                              <p:par>
+                                <p:cTn id="27" presetID="1" presetClass="entr" presetSubtype="0" fill="hold" grpId="0" nodeType="withEffect">
+                                  <p:stCondLst>
+                                    <p:cond delay="0"/>
+                                  </p:stCondLst>
+                                  <p:childTnLst>
+                                    <p:set>
+                                      <p:cBhvr>
+                                        <p:cTn id="28" dur="1" fill="hold">
+                                          <p:stCondLst>
+                                            <p:cond delay="0"/>
+                                          </p:stCondLst>
+                                        </p:cTn>
+                                        <p:tgtEl>
+                                          <p:spTgt spid="10"/>
+                                        </p:tgtEl>
+                                        <p:attrNameLst>
+                                          <p:attrName>style.visibility</p:attrName>
+                                        </p:attrNameLst>
+                                      </p:cBhvr>
+                                      <p:to>
+                                        <p:strVal val="visible"/>
+                                      </p:to>
+                                    </p:set>
+                                  </p:childTnLst>
+                                </p:cTn>
+                              </p:par>
+                              <p:par>
+                                <p:cTn id="29" presetID="1" presetClass="exit" presetSubtype="0" fill="hold" grpId="0" nodeType="withEffect">
+                                  <p:stCondLst>
+                                    <p:cond delay="0"/>
+                                  </p:stCondLst>
+                                  <p:childTnLst>
+                                    <p:set>
+                                      <p:cBhvr>
+                                        <p:cTn id="30" dur="1" fill="hold">
+                                          <p:stCondLst>
+                                            <p:cond delay="0"/>
+                                          </p:stCondLst>
+                                        </p:cTn>
+                                        <p:tgtEl>
+                                          <p:spTgt spid="4"/>
+                                        </p:tgtEl>
+                                        <p:attrNameLst>
+                                          <p:attrName>style.visibility</p:attrName>
+                                        </p:attrNameLst>
+                                      </p:cBhvr>
+                                      <p:to>
+                                        <p:strVal val="hidden"/>
+                                      </p:to>
+                                    </p:set>
+                                  </p:childTnLst>
+                                </p:cTn>
+                              </p:par>
                             </p:childTnLst>
                           </p:cTn>
                         </p:par>
@@ -7395,12 +7558,14 @@
     <p:bldLst>
       <p:bldP spid="3" grpId="0" uiExpand="1" build="p"/>
       <p:bldP spid="2" grpId="0" animBg="1"/>
+      <p:bldP spid="4" grpId="0"/>
+      <p:bldP spid="10" grpId="0"/>
     </p:bldLst>
   </p:timing>
 </p:sld>
 </file>
 
-<file path=ppt/slides/slide7.xml><?xml version="1.0" encoding="utf-8"?>
+<file path=ppt/slides/slide6.xml><?xml version="1.0" encoding="utf-8"?>
 <p:sld xmlns:a="http://schemas.openxmlformats.org/drawingml/2006/main" xmlns:r="http://schemas.openxmlformats.org/officeDocument/2006/relationships" xmlns:p="http://schemas.openxmlformats.org/presentationml/2006/main">
   <p:cSld>
     <p:spTree>
@@ -7479,14 +7644,13 @@
               </a:ext>
             </a:extLst>
           </a:blip>
-          <a:stretch>
-            <a:fillRect/>
-          </a:stretch>
+          <a:srcRect/>
+          <a:stretch/>
         </p:blipFill>
         <p:spPr>
           <a:xfrm>
-            <a:off x="1484568" y="616785"/>
-            <a:ext cx="6174864" cy="2812215"/>
+            <a:off x="1484568" y="650158"/>
+            <a:ext cx="6327792" cy="2813464"/>
           </a:xfrm>
           <a:prstGeom prst="rect">
             <a:avLst/>
@@ -7509,8 +7673,8 @@
             </p:nvSpPr>
             <p:spPr>
               <a:xfrm>
-                <a:off x="633834" y="3501008"/>
-                <a:ext cx="8042622" cy="3356992"/>
+                <a:off x="550689" y="3556663"/>
+                <a:ext cx="8042622" cy="2896673"/>
               </a:xfrm>
               <a:prstGeom prst="rect">
                 <a:avLst/>
@@ -7519,13 +7683,23 @@
             </p:spPr>
             <p:txBody>
               <a:bodyPr wrap="square" rtlCol="0">
-                <a:normAutofit fontScale="92500" lnSpcReduction="10000"/>
+                <a:normAutofit fontScale="92500"/>
               </a:bodyPr>
               <a:lstStyle/>
               <a:p>
                 <a:r>
+                  <a:rPr lang="it-IT" sz="1900" b="1" dirty="0"/>
+                  <a:t>Modello proposto:</a:t>
+                </a:r>
+              </a:p>
+              <a:p>
+                <a:r>
+                  <a:rPr lang="it-IT" sz="1900" dirty="0" err="1"/>
+                  <a:t>MObile</a:t>
+                </a:r>
+                <a:r>
                   <a:rPr lang="it-IT" sz="1900" dirty="0"/>
-                  <a:t>MObile </a:t>
+                  <a:t> </a:t>
                 </a:r>
                 <a:r>
                   <a:rPr lang="it-IT" sz="1900" dirty="0" err="1"/>
@@ -7573,19 +7747,17 @@
                 <a:endParaRPr lang="it-IT" sz="1900" dirty="0"/>
               </a:p>
               <a:p>
-                <a:r>
-                  <a:rPr lang="it-IT" sz="1900" b="1" dirty="0"/>
-                  <a:t>Input:</a:t>
-                </a:r>
-              </a:p>
-              <a:p>
-                <a:pPr marL="285750" indent="-285750">
+                <a:pPr marL="342900" indent="-342900">
                   <a:buFont typeface="Arial" panose="020B0604020202020204" pitchFamily="34" charset="0"/>
                   <a:buChar char="•"/>
                 </a:pPr>
                 <a:r>
+                  <a:rPr lang="it-IT" sz="1900" b="1" dirty="0"/>
+                  <a:t>Input: </a:t>
+                </a:r>
+                <a:r>
                   <a:rPr lang="it-IT" sz="1900" dirty="0"/>
-                  <a:t>Feature dell’utente </a:t>
+                  <a:t>Feature di </a:t>
                 </a:r>
                 <a14:m>
                   <m:oMath xmlns:m="http://schemas.openxmlformats.org/officeDocument/2006/math">
@@ -7595,65 +7767,38 @@
                       </a:rPr>
                       <m:t>𝑢</m:t>
                     </m:r>
-                  </m:oMath>
-                </a14:m>
-                <a:endParaRPr lang="it-IT" sz="1900" dirty="0"/>
-              </a:p>
-              <a:p>
-                <a:pPr marL="285750" indent="-285750">
-                  <a:buFont typeface="Arial" panose="020B0604020202020204" pitchFamily="34" charset="0"/>
-                  <a:buChar char="•"/>
-                </a:pPr>
-                <a:r>
-                  <a:rPr lang="it-IT" sz="1900" dirty="0"/>
-                  <a:t>Feature dell’oggetto </a:t>
-                </a:r>
-                <a14:m>
-                  <m:oMath xmlns:m="http://schemas.openxmlformats.org/officeDocument/2006/math">
                     <m:r>
-                      <a:rPr lang="it-IT" sz="1900" b="0" i="1" smtClean="0">
+                      <a:rPr lang="it-IT" sz="1900" b="0" i="0" smtClean="0">
+                        <a:latin typeface="Cambria Math" panose="02040503050406030204" pitchFamily="18" charset="0"/>
+                      </a:rPr>
+                      <m:t>,  </m:t>
+                    </m:r>
+                    <m:r>
+                      <a:rPr lang="it-IT" sz="1900" i="1" dirty="0" smtClean="0">
                         <a:latin typeface="Cambria Math" panose="02040503050406030204" pitchFamily="18" charset="0"/>
                       </a:rPr>
                       <m:t>𝑖</m:t>
                     </m:r>
-                  </m:oMath>
-                </a14:m>
-                <a:endParaRPr lang="it-IT" sz="1900" dirty="0"/>
-              </a:p>
-              <a:p>
-                <a:pPr marL="285750" indent="-285750">
-                  <a:buFont typeface="Arial" panose="020B0604020202020204" pitchFamily="34" charset="0"/>
-                  <a:buChar char="•"/>
-                </a:pPr>
-                <a:r>
-                  <a:rPr lang="it-IT" sz="1900" dirty="0"/>
-                  <a:t>Feature di contesto fisico </a:t>
-                </a:r>
-                <a14:m>
-                  <m:oMath xmlns:m="http://schemas.openxmlformats.org/officeDocument/2006/math">
                     <m:r>
-                      <a:rPr lang="it-IT" sz="1900" b="0" i="1" smtClean="0">
+                      <a:rPr lang="it-IT" sz="1900" b="0" i="1" dirty="0" smtClean="0">
+                        <a:latin typeface="Cambria Math" panose="02040503050406030204" pitchFamily="18" charset="0"/>
+                      </a:rPr>
+                      <m:t>,  </m:t>
+                    </m:r>
+                    <m:r>
+                      <a:rPr lang="it-IT" sz="1900" b="0" i="1" dirty="0" smtClean="0">
                         <a:latin typeface="Cambria Math" panose="02040503050406030204" pitchFamily="18" charset="0"/>
                       </a:rPr>
                       <m:t>𝑝</m:t>
                     </m:r>
-                  </m:oMath>
-                </a14:m>
-                <a:endParaRPr lang="it-IT" sz="1900" dirty="0"/>
-              </a:p>
-              <a:p>
-                <a:pPr marL="285750" indent="-285750">
-                  <a:buFont typeface="Arial" panose="020B0604020202020204" pitchFamily="34" charset="0"/>
-                  <a:buChar char="•"/>
-                </a:pPr>
-                <a:r>
-                  <a:rPr lang="it-IT" sz="1900" dirty="0"/>
-                  <a:t>Feature di contesto sociale </a:t>
-                </a:r>
-                <a14:m>
-                  <m:oMath xmlns:m="http://schemas.openxmlformats.org/officeDocument/2006/math">
                     <m:r>
-                      <a:rPr lang="it-IT" sz="1900" b="0" i="1" smtClean="0">
+                      <a:rPr lang="it-IT" sz="1900" b="0" i="1" dirty="0" smtClean="0">
+                        <a:latin typeface="Cambria Math" panose="02040503050406030204" pitchFamily="18" charset="0"/>
+                      </a:rPr>
+                      <m:t>,  </m:t>
+                    </m:r>
+                    <m:r>
+                      <a:rPr lang="it-IT" sz="1900" b="0" i="1" dirty="0" smtClean="0">
                         <a:latin typeface="Cambria Math" panose="02040503050406030204" pitchFamily="18" charset="0"/>
                       </a:rPr>
                       <m:t>𝑠</m:t>
@@ -7667,9 +7812,13 @@
                   <a:buFont typeface="Arial" panose="020B0604020202020204" pitchFamily="34" charset="0"/>
                   <a:buChar char="•"/>
                 </a:pPr>
-                <a:endParaRPr lang="it-IT" sz="1900" dirty="0"/>
+                <a:endParaRPr lang="it-IT" sz="1900" b="1" dirty="0"/>
               </a:p>
               <a:p>
+                <a:pPr marL="342900" indent="-342900">
+                  <a:buFont typeface="Arial" panose="020B0604020202020204" pitchFamily="34" charset="0"/>
+                  <a:buChar char="•"/>
+                </a:pPr>
                 <a:r>
                   <a:rPr lang="it-IT" sz="1900" b="1" dirty="0"/>
                   <a:t>Output: </a:t>
@@ -7733,13 +7882,13 @@
                 <a:endParaRPr lang="it-IT" sz="1900" dirty="0"/>
               </a:p>
               <a:p>
-                <a:pPr marL="285750" indent="-285750">
+                <a:endParaRPr lang="it-IT" sz="1900" dirty="0"/>
+              </a:p>
+              <a:p>
+                <a:pPr marL="342900" indent="-342900">
                   <a:buFont typeface="Arial" panose="020B0604020202020204" pitchFamily="34" charset="0"/>
                   <a:buChar char="•"/>
                 </a:pPr>
-                <a:endParaRPr lang="it-IT" sz="1900" dirty="0"/>
-              </a:p>
-              <a:p>
                 <a:r>
                   <a:rPr lang="it-IT" sz="1900" b="1" dirty="0"/>
                   <a:t>Vantaggio: </a:t>
@@ -7807,8 +7956,8 @@
             </p:nvSpPr>
             <p:spPr>
               <a:xfrm>
-                <a:off x="633834" y="3501008"/>
-                <a:ext cx="8042622" cy="3356992"/>
+                <a:off x="550689" y="3556663"/>
+                <a:ext cx="8042622" cy="2896673"/>
               </a:xfrm>
               <a:prstGeom prst="rect">
                 <a:avLst/>
@@ -7816,7 +7965,7 @@
               <a:blipFill>
                 <a:blip r:embed="rId4"/>
                 <a:stretch>
-                  <a:fillRect l="-682" t="-1633" b="-1270"/>
+                  <a:fillRect l="-606" t="-1050" b="-1050"/>
                 </a:stretch>
               </a:blipFill>
             </p:spPr>
@@ -7848,7 +7997,7 @@
 </p:sld>
 </file>
 
-<file path=ppt/slides/slide8.xml><?xml version="1.0" encoding="utf-8"?>
+<file path=ppt/slides/slide7.xml><?xml version="1.0" encoding="utf-8"?>
 <p:sld xmlns:a="http://schemas.openxmlformats.org/drawingml/2006/main" xmlns:r="http://schemas.openxmlformats.org/officeDocument/2006/relationships" xmlns:p="http://schemas.openxmlformats.org/presentationml/2006/main">
   <p:cSld>
     <p:spTree>
@@ -7898,7 +8047,7 @@
         </p:blipFill>
         <p:spPr>
           <a:xfrm>
-            <a:off x="251520" y="292180"/>
+            <a:off x="251520" y="290667"/>
             <a:ext cx="4464496" cy="6273640"/>
           </a:xfrm>
         </p:spPr>
@@ -8027,7 +8176,7 @@
         </p:blipFill>
         <p:spPr>
           <a:xfrm>
-            <a:off x="5911564" y="4221088"/>
+            <a:off x="5895912" y="4005064"/>
             <a:ext cx="1857375" cy="1857375"/>
           </a:xfrm>
           <a:prstGeom prst="rect">
@@ -8035,10 +8184,604 @@
           </a:prstGeom>
         </p:spPr>
       </p:pic>
+      <p:sp>
+        <p:nvSpPr>
+          <p:cNvPr id="7" name="CasellaDiTesto 6">
+            <a:extLst>
+              <a:ext uri="{FF2B5EF4-FFF2-40B4-BE49-F238E27FC236}">
+                <a16:creationId xmlns:a16="http://schemas.microsoft.com/office/drawing/2014/main" id="{A2D838FC-53B1-4968-9465-2805581B26F7}"/>
+              </a:ext>
+            </a:extLst>
+          </p:cNvPr>
+          <p:cNvSpPr txBox="1"/>
+          <p:nvPr/>
+        </p:nvSpPr>
+        <p:spPr>
+          <a:xfrm>
+            <a:off x="6068515" y="5862439"/>
+            <a:ext cx="1512168" cy="276999"/>
+          </a:xfrm>
+          <a:prstGeom prst="rect">
+            <a:avLst/>
+          </a:prstGeom>
+          <a:noFill/>
+        </p:spPr>
+        <p:txBody>
+          <a:bodyPr wrap="square" rtlCol="0">
+            <a:spAutoFit/>
+          </a:bodyPr>
+          <a:lstStyle/>
+          <a:p>
+            <a:pPr algn="ctr"/>
+            <a:r>
+              <a:rPr lang="it-IT" sz="1200" dirty="0">
+                <a:solidFill>
+                  <a:schemeClr val="tx1">
+                    <a:tint val="75000"/>
+                  </a:schemeClr>
+                </a:solidFill>
+              </a:rPr>
+              <a:t>Ego network</a:t>
+            </a:r>
+          </a:p>
+        </p:txBody>
+      </p:sp>
     </p:spTree>
     <p:extLst>
       <p:ext uri="{BB962C8B-B14F-4D97-AF65-F5344CB8AC3E}">
         <p14:creationId xmlns:p14="http://schemas.microsoft.com/office/powerpoint/2010/main" val="3525206491"/>
+      </p:ext>
+    </p:extLst>
+  </p:cSld>
+  <p:clrMapOvr>
+    <a:masterClrMapping/>
+  </p:clrMapOvr>
+</p:sld>
+</file>
+
+<file path=ppt/slides/slide8.xml><?xml version="1.0" encoding="utf-8"?>
+<p:sld xmlns:a="http://schemas.openxmlformats.org/drawingml/2006/main" xmlns:r="http://schemas.openxmlformats.org/officeDocument/2006/relationships" xmlns:p="http://schemas.openxmlformats.org/presentationml/2006/main">
+  <p:cSld>
+    <p:spTree>
+      <p:nvGrpSpPr>
+        <p:cNvPr id="1" name=""/>
+        <p:cNvGrpSpPr/>
+        <p:nvPr/>
+      </p:nvGrpSpPr>
+      <p:grpSpPr>
+        <a:xfrm>
+          <a:off x="0" y="0"/>
+          <a:ext cx="0" cy="0"/>
+          <a:chOff x="0" y="0"/>
+          <a:chExt cx="0" cy="0"/>
+        </a:xfrm>
+      </p:grpSpPr>
+      <p:sp>
+        <p:nvSpPr>
+          <p:cNvPr id="2" name="Titolo 1">
+            <a:extLst>
+              <a:ext uri="{FF2B5EF4-FFF2-40B4-BE49-F238E27FC236}">
+                <a16:creationId xmlns:a16="http://schemas.microsoft.com/office/drawing/2014/main" id="{6B5C8CE6-773B-4C99-A303-3A55CAA756D3}"/>
+              </a:ext>
+            </a:extLst>
+          </p:cNvPr>
+          <p:cNvSpPr>
+            <a:spLocks noGrp="1"/>
+          </p:cNvSpPr>
+          <p:nvPr>
+            <p:ph type="title"/>
+          </p:nvPr>
+        </p:nvSpPr>
+        <p:spPr>
+          <a:xfrm>
+            <a:off x="539552" y="117066"/>
+            <a:ext cx="7886700" cy="421929"/>
+          </a:xfrm>
+        </p:spPr>
+        <p:txBody>
+          <a:bodyPr>
+            <a:noAutofit/>
+          </a:bodyPr>
+          <a:lstStyle/>
+          <a:p>
+            <a:pPr algn="ctr"/>
+            <a:r>
+              <a:rPr lang="it-IT" dirty="0"/>
+              <a:t>Dataset</a:t>
+            </a:r>
+          </a:p>
+        </p:txBody>
+      </p:sp>
+      <p:sp>
+        <p:nvSpPr>
+          <p:cNvPr id="3" name="Segnaposto contenuto 2">
+            <a:extLst>
+              <a:ext uri="{FF2B5EF4-FFF2-40B4-BE49-F238E27FC236}">
+                <a16:creationId xmlns:a16="http://schemas.microsoft.com/office/drawing/2014/main" id="{BE723A70-E80B-4CA0-941A-CB18D109A863}"/>
+              </a:ext>
+            </a:extLst>
+          </p:cNvPr>
+          <p:cNvSpPr>
+            <a:spLocks noGrp="1"/>
+          </p:cNvSpPr>
+          <p:nvPr>
+            <p:ph idx="1"/>
+          </p:nvPr>
+        </p:nvSpPr>
+        <p:spPr>
+          <a:xfrm>
+            <a:off x="179512" y="538995"/>
+            <a:ext cx="8784976" cy="1017797"/>
+          </a:xfrm>
+        </p:spPr>
+        <p:txBody>
+          <a:bodyPr>
+            <a:normAutofit lnSpcReduction="10000"/>
+          </a:bodyPr>
+          <a:lstStyle/>
+          <a:p>
+            <a:pPr marL="0" indent="0" algn="l">
+              <a:buNone/>
+            </a:pPr>
+            <a:r>
+              <a:rPr lang="it-IT" sz="2200" b="1" dirty="0"/>
+              <a:t>Frappe: </a:t>
+            </a:r>
+          </a:p>
+          <a:p>
+            <a:pPr marL="0" indent="0" algn="l">
+              <a:buNone/>
+            </a:pPr>
+            <a:r>
+              <a:rPr lang="it-IT" sz="1900" b="0" i="0" u="none" strike="noStrike" baseline="0" dirty="0"/>
+              <a:t>È un dataset di feedback impliciti collezionato da un sistema di raccomandazione </a:t>
+            </a:r>
+            <a:r>
+              <a:rPr lang="it-IT" sz="1900" b="0" i="0" u="none" strike="noStrike" baseline="0" dirty="0" err="1"/>
+              <a:t>context-aware</a:t>
+            </a:r>
+            <a:r>
+              <a:rPr lang="it-IT" sz="1900" b="0" i="0" u="none" strike="noStrike" baseline="0" dirty="0"/>
+              <a:t> di applicazioni Android.</a:t>
+            </a:r>
+          </a:p>
+          <a:p>
+            <a:pPr marL="0" indent="0">
+              <a:buNone/>
+            </a:pPr>
+            <a:endParaRPr lang="it-IT" b="1" dirty="0"/>
+          </a:p>
+        </p:txBody>
+      </p:sp>
+      <p:sp>
+        <p:nvSpPr>
+          <p:cNvPr id="9" name="CasellaDiTesto 8">
+            <a:extLst>
+              <a:ext uri="{FF2B5EF4-FFF2-40B4-BE49-F238E27FC236}">
+                <a16:creationId xmlns:a16="http://schemas.microsoft.com/office/drawing/2014/main" id="{A4BA0D4A-419D-4B7E-80B1-C402EFBEA01F}"/>
+              </a:ext>
+            </a:extLst>
+          </p:cNvPr>
+          <p:cNvSpPr txBox="1"/>
+          <p:nvPr/>
+        </p:nvSpPr>
+        <p:spPr>
+          <a:xfrm>
+            <a:off x="167152" y="3177768"/>
+            <a:ext cx="8809695" cy="936104"/>
+          </a:xfrm>
+          <a:prstGeom prst="rect">
+            <a:avLst/>
+          </a:prstGeom>
+          <a:noFill/>
+        </p:spPr>
+        <p:txBody>
+          <a:bodyPr wrap="square">
+            <a:normAutofit lnSpcReduction="10000"/>
+          </a:bodyPr>
+          <a:lstStyle/>
+          <a:p>
+            <a:r>
+              <a:rPr lang="it-IT" sz="2000" b="1" dirty="0"/>
+              <a:t>My Digital Footprint (MDF): </a:t>
+            </a:r>
+          </a:p>
+          <a:p>
+            <a:r>
+              <a:rPr lang="it-IT" dirty="0"/>
+              <a:t>È un dataset composto da dati di sensori di smartphone, informazioni di prossimità fisica, e interazioni sugli online social network.</a:t>
+            </a:r>
+          </a:p>
+          <a:p>
+            <a:endParaRPr lang="it-IT" dirty="0"/>
+          </a:p>
+          <a:p>
+            <a:endParaRPr lang="it-IT" dirty="0"/>
+          </a:p>
+          <a:p>
+            <a:endParaRPr lang="it-IT" dirty="0"/>
+          </a:p>
+          <a:p>
+            <a:endParaRPr lang="it-IT" dirty="0"/>
+          </a:p>
+          <a:p>
+            <a:endParaRPr lang="it-IT" dirty="0"/>
+          </a:p>
+        </p:txBody>
+      </p:sp>
+      <p:sp>
+        <p:nvSpPr>
+          <p:cNvPr id="10" name="CasellaDiTesto 9">
+            <a:extLst>
+              <a:ext uri="{FF2B5EF4-FFF2-40B4-BE49-F238E27FC236}">
+                <a16:creationId xmlns:a16="http://schemas.microsoft.com/office/drawing/2014/main" id="{3D9FFB73-567F-4A21-9A4E-FD1CA3A2DC3D}"/>
+              </a:ext>
+            </a:extLst>
+          </p:cNvPr>
+          <p:cNvSpPr txBox="1"/>
+          <p:nvPr/>
+        </p:nvSpPr>
+        <p:spPr>
+          <a:xfrm>
+            <a:off x="191872" y="3969855"/>
+            <a:ext cx="8784976" cy="2751621"/>
+          </a:xfrm>
+          <a:prstGeom prst="rect">
+            <a:avLst/>
+          </a:prstGeom>
+          <a:noFill/>
+        </p:spPr>
+        <p:txBody>
+          <a:bodyPr wrap="square" numCol="2" rtlCol="0">
+            <a:normAutofit lnSpcReduction="10000"/>
+          </a:bodyPr>
+          <a:lstStyle/>
+          <a:p>
+            <a:r>
+              <a:rPr lang="it-IT" u="sng" dirty="0"/>
+              <a:t>Statistiche:</a:t>
+            </a:r>
+          </a:p>
+          <a:p>
+            <a:pPr marL="285750" indent="-285750">
+              <a:buFont typeface="Arial" panose="020B0604020202020204" pitchFamily="34" charset="0"/>
+              <a:buChar char="•"/>
+            </a:pPr>
+            <a:r>
+              <a:rPr lang="it-IT" sz="1800" b="0" i="0" u="none" strike="noStrike" baseline="0" dirty="0">
+                <a:latin typeface="CMR12"/>
+              </a:rPr>
+              <a:t>73176 rating (66% positivi)</a:t>
+            </a:r>
+          </a:p>
+          <a:p>
+            <a:pPr marL="285750" indent="-285750">
+              <a:buFont typeface="Arial" panose="020B0604020202020204" pitchFamily="34" charset="0"/>
+              <a:buChar char="•"/>
+            </a:pPr>
+            <a:r>
+              <a:rPr lang="it-IT" dirty="0">
+                <a:latin typeface="CMR12"/>
+              </a:rPr>
+              <a:t>31 utenti</a:t>
+            </a:r>
+          </a:p>
+          <a:p>
+            <a:pPr marL="285750" indent="-285750">
+              <a:buFont typeface="Arial" panose="020B0604020202020204" pitchFamily="34" charset="0"/>
+              <a:buChar char="•"/>
+            </a:pPr>
+            <a:r>
+              <a:rPr lang="it-IT" dirty="0"/>
+              <a:t>338 oggetti</a:t>
+            </a:r>
+          </a:p>
+          <a:p>
+            <a:pPr marL="285750" indent="-285750">
+              <a:buFont typeface="Arial" panose="020B0604020202020204" pitchFamily="34" charset="0"/>
+              <a:buChar char="•"/>
+            </a:pPr>
+            <a:r>
+              <a:rPr lang="it-IT" dirty="0"/>
+              <a:t>71 feature di contesto</a:t>
+            </a:r>
+          </a:p>
+          <a:p>
+            <a:pPr marL="285750" indent="-285750">
+              <a:buFont typeface="Arial" panose="020B0604020202020204" pitchFamily="34" charset="0"/>
+              <a:buChar char="•"/>
+            </a:pPr>
+            <a:endParaRPr lang="it-IT" dirty="0"/>
+          </a:p>
+          <a:p>
+            <a:r>
+              <a:rPr lang="it-IT" u="sng" dirty="0"/>
+              <a:t>Feature di contesto:</a:t>
+            </a:r>
+          </a:p>
+          <a:p>
+            <a:pPr marL="285750" indent="-285750">
+              <a:buFont typeface="Arial" panose="020B0604020202020204" pitchFamily="34" charset="0"/>
+              <a:buChar char="•"/>
+            </a:pPr>
+            <a:r>
+              <a:rPr lang="it-IT" dirty="0"/>
+              <a:t>Attività utente (a piedi, in bici, corsa…)</a:t>
+            </a:r>
+          </a:p>
+          <a:p>
+            <a:pPr marL="285750" indent="-285750">
+              <a:buFont typeface="Arial" panose="020B0604020202020204" pitchFamily="34" charset="0"/>
+              <a:buChar char="•"/>
+            </a:pPr>
+            <a:r>
+              <a:rPr lang="it-IT" dirty="0"/>
+              <a:t>Modalità audio (silenzioso, vibrazione…)</a:t>
+            </a:r>
+          </a:p>
+          <a:p>
+            <a:pPr marL="285750" indent="-285750">
+              <a:buFont typeface="Arial" panose="020B0604020202020204" pitchFamily="34" charset="0"/>
+              <a:buChar char="•"/>
+            </a:pPr>
+            <a:r>
+              <a:rPr lang="it-IT" dirty="0"/>
+              <a:t>Volume </a:t>
+            </a:r>
+          </a:p>
+          <a:p>
+            <a:pPr marL="285750" indent="-285750">
+              <a:buFont typeface="Arial" panose="020B0604020202020204" pitchFamily="34" charset="0"/>
+              <a:buChar char="•"/>
+            </a:pPr>
+            <a:r>
+              <a:rPr lang="it-IT" dirty="0"/>
+              <a:t>Musica </a:t>
+            </a:r>
+          </a:p>
+          <a:p>
+            <a:pPr marL="285750" indent="-285750">
+              <a:buFont typeface="Arial" panose="020B0604020202020204" pitchFamily="34" charset="0"/>
+              <a:buChar char="•"/>
+            </a:pPr>
+            <a:r>
+              <a:rPr lang="it-IT" dirty="0"/>
+              <a:t>Batteria (livello, in carica)</a:t>
+            </a:r>
+          </a:p>
+          <a:p>
+            <a:pPr marL="285750" indent="-285750">
+              <a:buFont typeface="Arial" panose="020B0604020202020204" pitchFamily="34" charset="0"/>
+              <a:buChar char="•"/>
+            </a:pPr>
+            <a:r>
+              <a:rPr lang="it-IT" dirty="0"/>
+              <a:t>Schermo (rotazione, stato)</a:t>
+            </a:r>
+          </a:p>
+          <a:p>
+            <a:pPr marL="285750" indent="-285750">
+              <a:buFont typeface="Arial" panose="020B0604020202020204" pitchFamily="34" charset="0"/>
+              <a:buChar char="•"/>
+            </a:pPr>
+            <a:r>
+              <a:rPr lang="it-IT" dirty="0"/>
+              <a:t>Meteo</a:t>
+            </a:r>
+          </a:p>
+          <a:p>
+            <a:pPr marL="285750" indent="-285750">
+              <a:buFont typeface="Arial" panose="020B0604020202020204" pitchFamily="34" charset="0"/>
+              <a:buChar char="•"/>
+            </a:pPr>
+            <a:r>
+              <a:rPr lang="it-IT" dirty="0"/>
+              <a:t>WiFi</a:t>
+            </a:r>
+          </a:p>
+          <a:p>
+            <a:pPr marL="285750" indent="-285750">
+              <a:buFont typeface="Arial" panose="020B0604020202020204" pitchFamily="34" charset="0"/>
+              <a:buChar char="•"/>
+            </a:pPr>
+            <a:r>
+              <a:rPr lang="it-IT" dirty="0"/>
+              <a:t>Data e ora</a:t>
+            </a:r>
+          </a:p>
+          <a:p>
+            <a:pPr marL="285750" indent="-285750">
+              <a:buFont typeface="Arial" panose="020B0604020202020204" pitchFamily="34" charset="0"/>
+              <a:buChar char="•"/>
+            </a:pPr>
+            <a:r>
+              <a:rPr lang="it-IT" dirty="0"/>
+              <a:t>Tipologia di persone in prossimità dell’utente</a:t>
+            </a:r>
+          </a:p>
+          <a:p>
+            <a:endParaRPr lang="it-IT" dirty="0"/>
+          </a:p>
+        </p:txBody>
+      </p:sp>
+      <p:sp>
+        <p:nvSpPr>
+          <p:cNvPr id="4" name="CasellaDiTesto 3">
+            <a:extLst>
+              <a:ext uri="{FF2B5EF4-FFF2-40B4-BE49-F238E27FC236}">
+                <a16:creationId xmlns:a16="http://schemas.microsoft.com/office/drawing/2014/main" id="{74541A4D-BABD-4315-853C-48B6205E8C1A}"/>
+              </a:ext>
+            </a:extLst>
+          </p:cNvPr>
+          <p:cNvSpPr txBox="1"/>
+          <p:nvPr/>
+        </p:nvSpPr>
+        <p:spPr>
+          <a:xfrm>
+            <a:off x="167151" y="1423442"/>
+            <a:ext cx="8640960" cy="1754326"/>
+          </a:xfrm>
+          <a:prstGeom prst="rect">
+            <a:avLst/>
+          </a:prstGeom>
+          <a:noFill/>
+        </p:spPr>
+        <p:txBody>
+          <a:bodyPr wrap="square" numCol="2" rtlCol="0">
+            <a:normAutofit/>
+          </a:bodyPr>
+          <a:lstStyle/>
+          <a:p>
+            <a:pPr marL="0" indent="0" algn="l">
+              <a:buNone/>
+            </a:pPr>
+            <a:r>
+              <a:rPr lang="it-IT" u="sng" dirty="0"/>
+              <a:t>Statistiche:</a:t>
+            </a:r>
+          </a:p>
+          <a:p>
+            <a:pPr marL="342900" indent="-342900" algn="l">
+              <a:buFont typeface="Arial" panose="020B0604020202020204" pitchFamily="34" charset="0"/>
+              <a:buChar char="•"/>
+            </a:pPr>
+            <a:r>
+              <a:rPr lang="it-IT" dirty="0"/>
+              <a:t>78335 rating (62% positivi)</a:t>
+            </a:r>
+          </a:p>
+          <a:p>
+            <a:pPr marL="342900" indent="-342900" algn="l">
+              <a:buFont typeface="Arial" panose="020B0604020202020204" pitchFamily="34" charset="0"/>
+              <a:buChar char="•"/>
+            </a:pPr>
+            <a:r>
+              <a:rPr lang="it-IT" dirty="0"/>
+              <a:t>857 utenti</a:t>
+            </a:r>
+          </a:p>
+          <a:p>
+            <a:pPr marL="342900" indent="-342900" algn="l">
+              <a:buFont typeface="Arial" panose="020B0604020202020204" pitchFamily="34" charset="0"/>
+              <a:buChar char="•"/>
+            </a:pPr>
+            <a:r>
+              <a:rPr lang="it-IT" dirty="0"/>
+              <a:t>3180 oggetti</a:t>
+            </a:r>
+          </a:p>
+          <a:p>
+            <a:pPr marL="285750" indent="-285750" algn="l">
+              <a:buFont typeface="Arial" panose="020B0604020202020204" pitchFamily="34" charset="0"/>
+              <a:buChar char="•"/>
+            </a:pPr>
+            <a:r>
+              <a:rPr lang="it-IT" dirty="0"/>
+              <a:t> 24 feature di contesto</a:t>
+            </a:r>
+          </a:p>
+          <a:p>
+            <a:pPr marL="0" indent="0" algn="l">
+              <a:buNone/>
+            </a:pPr>
+            <a:endParaRPr lang="it-IT" u="sng" dirty="0"/>
+          </a:p>
+          <a:p>
+            <a:pPr marL="0" indent="0" algn="l">
+              <a:buNone/>
+            </a:pPr>
+            <a:r>
+              <a:rPr lang="it-IT" u="sng" dirty="0"/>
+              <a:t>Feature di contesto:</a:t>
+            </a:r>
+          </a:p>
+          <a:p>
+            <a:pPr marL="285750" indent="-285750">
+              <a:buFont typeface="Arial" panose="020B0604020202020204" pitchFamily="34" charset="0"/>
+              <a:buChar char="•"/>
+            </a:pPr>
+            <a:r>
+              <a:rPr lang="it-IT" dirty="0"/>
+              <a:t>Momento giornata</a:t>
+            </a:r>
+          </a:p>
+          <a:p>
+            <a:pPr marL="285750" indent="-285750">
+              <a:buFont typeface="Arial" panose="020B0604020202020204" pitchFamily="34" charset="0"/>
+              <a:buChar char="•"/>
+            </a:pPr>
+            <a:r>
+              <a:rPr lang="it-IT" dirty="0"/>
+              <a:t>Giorno della settimana</a:t>
+            </a:r>
+          </a:p>
+          <a:p>
+            <a:pPr marL="285750" indent="-285750">
+              <a:buFont typeface="Arial" panose="020B0604020202020204" pitchFamily="34" charset="0"/>
+              <a:buChar char="•"/>
+            </a:pPr>
+            <a:r>
+              <a:rPr lang="it-IT" dirty="0"/>
+              <a:t>Se è il fine settimana</a:t>
+            </a:r>
+          </a:p>
+          <a:p>
+            <a:pPr marL="285750" indent="-285750">
+              <a:buFont typeface="Arial" panose="020B0604020202020204" pitchFamily="34" charset="0"/>
+              <a:buChar char="•"/>
+            </a:pPr>
+            <a:r>
+              <a:rPr lang="it-IT" dirty="0"/>
+              <a:t>Meteo</a:t>
+            </a:r>
+          </a:p>
+          <a:p>
+            <a:endParaRPr lang="it-IT" dirty="0"/>
+          </a:p>
+        </p:txBody>
+      </p:sp>
+      <p:cxnSp>
+        <p:nvCxnSpPr>
+          <p:cNvPr id="8" name="Connettore diritto 7">
+            <a:extLst>
+              <a:ext uri="{FF2B5EF4-FFF2-40B4-BE49-F238E27FC236}">
+                <a16:creationId xmlns:a16="http://schemas.microsoft.com/office/drawing/2014/main" id="{B6FD2249-A20F-4D2A-9C9E-5DAE3DAF6FEC}"/>
+              </a:ext>
+            </a:extLst>
+          </p:cNvPr>
+          <p:cNvCxnSpPr>
+            <a:cxnSpLocks/>
+          </p:cNvCxnSpPr>
+          <p:nvPr/>
+        </p:nvCxnSpPr>
+        <p:spPr>
+          <a:xfrm>
+            <a:off x="509728" y="2996952"/>
+            <a:ext cx="8124544" cy="0"/>
+          </a:xfrm>
+          <a:prstGeom prst="line">
+            <a:avLst/>
+          </a:prstGeom>
+        </p:spPr>
+        <p:style>
+          <a:lnRef idx="1">
+            <a:schemeClr val="dk1"/>
+          </a:lnRef>
+          <a:fillRef idx="0">
+            <a:schemeClr val="dk1"/>
+          </a:fillRef>
+          <a:effectRef idx="0">
+            <a:schemeClr val="dk1"/>
+          </a:effectRef>
+          <a:fontRef idx="minor">
+            <a:schemeClr val="tx1"/>
+          </a:fontRef>
+        </p:style>
+      </p:cxnSp>
+    </p:spTree>
+    <p:extLst>
+      <p:ext uri="{BB962C8B-B14F-4D97-AF65-F5344CB8AC3E}">
+        <p14:creationId xmlns:p14="http://schemas.microsoft.com/office/powerpoint/2010/main" val="1769353711"/>
       </p:ext>
     </p:extLst>
   </p:cSld>
@@ -8070,7 +8813,7 @@
           <p:cNvPr id="2" name="Titolo 1">
             <a:extLst>
               <a:ext uri="{FF2B5EF4-FFF2-40B4-BE49-F238E27FC236}">
-                <a16:creationId xmlns:a16="http://schemas.microsoft.com/office/drawing/2014/main" id="{6B5C8CE6-773B-4C99-A303-3A55CAA756D3}"/>
+                <a16:creationId xmlns:a16="http://schemas.microsoft.com/office/drawing/2014/main" id="{46E9E1F8-8C38-4444-9E91-AEA784B6981E}"/>
               </a:ext>
             </a:extLst>
           </p:cNvPr>
@@ -8081,22 +8824,15 @@
             <p:ph type="title"/>
           </p:nvPr>
         </p:nvSpPr>
-        <p:spPr>
-          <a:xfrm>
-            <a:off x="539552" y="117066"/>
-            <a:ext cx="7886700" cy="421929"/>
-          </a:xfrm>
-        </p:spPr>
-        <p:txBody>
-          <a:bodyPr>
-            <a:noAutofit/>
-          </a:bodyPr>
+        <p:spPr/>
+        <p:txBody>
+          <a:bodyPr/>
           <a:lstStyle/>
           <a:p>
             <a:pPr algn="ctr"/>
             <a:r>
               <a:rPr lang="it-IT" dirty="0"/>
-              <a:t>Dataset</a:t>
+              <a:t>Valutazione</a:t>
             </a:r>
           </a:p>
         </p:txBody>
@@ -8106,7 +8842,7 @@
           <p:cNvPr id="3" name="Segnaposto contenuto 2">
             <a:extLst>
               <a:ext uri="{FF2B5EF4-FFF2-40B4-BE49-F238E27FC236}">
-                <a16:creationId xmlns:a16="http://schemas.microsoft.com/office/drawing/2014/main" id="{BE723A70-E80B-4CA0-941A-CB18D109A863}"/>
+                <a16:creationId xmlns:a16="http://schemas.microsoft.com/office/drawing/2014/main" id="{751510C9-6594-4046-8B7F-321272A9BB79}"/>
               </a:ext>
             </a:extLst>
           </p:cNvPr>
@@ -8117,417 +8853,125 @@
             <p:ph idx="1"/>
           </p:nvPr>
         </p:nvSpPr>
-        <p:spPr>
-          <a:xfrm>
-            <a:off x="179512" y="538995"/>
-            <a:ext cx="8784976" cy="1017797"/>
-          </a:xfrm>
-        </p:spPr>
+        <p:spPr/>
         <p:txBody>
           <a:bodyPr>
-            <a:normAutofit lnSpcReduction="10000"/>
-          </a:bodyPr>
-          <a:lstStyle/>
-          <a:p>
-            <a:pPr marL="0" indent="0" algn="l">
-              <a:buNone/>
-            </a:pPr>
-            <a:r>
-              <a:rPr lang="it-IT" sz="2200" b="1" dirty="0"/>
-              <a:t>Frappe: </a:t>
-            </a:r>
-          </a:p>
-          <a:p>
-            <a:pPr marL="0" indent="0" algn="l">
-              <a:buNone/>
-            </a:pPr>
-            <a:r>
-              <a:rPr lang="it-IT" sz="1900" b="0" i="0" u="none" strike="noStrike" baseline="0" dirty="0"/>
-              <a:t>È un dataset di feedback impliciti collezionato da un sistema di raccomandazione </a:t>
-            </a:r>
-            <a:r>
-              <a:rPr lang="it-IT" sz="1900" b="0" i="0" u="none" strike="noStrike" baseline="0" dirty="0" err="1"/>
-              <a:t>context-aware</a:t>
-            </a:r>
-            <a:r>
-              <a:rPr lang="it-IT" sz="1900" b="0" i="0" u="none" strike="noStrike" baseline="0" dirty="0"/>
-              <a:t> di applicazioni Android.</a:t>
-            </a:r>
-          </a:p>
-          <a:p>
-            <a:pPr marL="0" indent="0">
-              <a:buNone/>
-            </a:pPr>
-            <a:endParaRPr lang="it-IT" b="1" dirty="0"/>
-          </a:p>
-        </p:txBody>
-      </p:sp>
-      <p:sp>
-        <p:nvSpPr>
-          <p:cNvPr id="9" name="CasellaDiTesto 8">
-            <a:extLst>
-              <a:ext uri="{FF2B5EF4-FFF2-40B4-BE49-F238E27FC236}">
-                <a16:creationId xmlns:a16="http://schemas.microsoft.com/office/drawing/2014/main" id="{A4BA0D4A-419D-4B7E-80B1-C402EFBEA01F}"/>
-              </a:ext>
-            </a:extLst>
-          </p:cNvPr>
-          <p:cNvSpPr txBox="1"/>
-          <p:nvPr/>
-        </p:nvSpPr>
-        <p:spPr>
-          <a:xfrm>
-            <a:off x="154792" y="3429000"/>
-            <a:ext cx="8809695" cy="936104"/>
-          </a:xfrm>
-          <a:prstGeom prst="rect">
-            <a:avLst/>
-          </a:prstGeom>
-          <a:noFill/>
-        </p:spPr>
-        <p:txBody>
-          <a:bodyPr wrap="square">
-            <a:normAutofit lnSpcReduction="10000"/>
-          </a:bodyPr>
-          <a:lstStyle/>
-          <a:p>
-            <a:r>
-              <a:rPr lang="it-IT" sz="2000" b="1" dirty="0"/>
-              <a:t>My Digital Footprint (MDF): </a:t>
-            </a:r>
-          </a:p>
-          <a:p>
-            <a:r>
-              <a:rPr lang="it-IT" dirty="0"/>
-              <a:t>È un dataset composto da dati di sensori di smartphone, informazioni di prossimità fisica, e interazioni sugli online social network.</a:t>
-            </a:r>
-          </a:p>
-          <a:p>
-            <a:endParaRPr lang="it-IT" dirty="0"/>
-          </a:p>
-          <a:p>
-            <a:endParaRPr lang="it-IT" dirty="0"/>
-          </a:p>
-          <a:p>
-            <a:endParaRPr lang="it-IT" dirty="0"/>
-          </a:p>
-          <a:p>
-            <a:endParaRPr lang="it-IT" dirty="0"/>
-          </a:p>
-          <a:p>
-            <a:endParaRPr lang="it-IT" dirty="0"/>
-          </a:p>
-        </p:txBody>
-      </p:sp>
-      <p:sp>
-        <p:nvSpPr>
-          <p:cNvPr id="10" name="CasellaDiTesto 9">
-            <a:extLst>
-              <a:ext uri="{FF2B5EF4-FFF2-40B4-BE49-F238E27FC236}">
-                <a16:creationId xmlns:a16="http://schemas.microsoft.com/office/drawing/2014/main" id="{3D9FFB73-567F-4A21-9A4E-FD1CA3A2DC3D}"/>
-              </a:ext>
-            </a:extLst>
-          </p:cNvPr>
-          <p:cNvSpPr txBox="1"/>
-          <p:nvPr/>
-        </p:nvSpPr>
-        <p:spPr>
-          <a:xfrm>
-            <a:off x="179512" y="4221087"/>
-            <a:ext cx="8784976" cy="2519847"/>
-          </a:xfrm>
-          <a:prstGeom prst="rect">
-            <a:avLst/>
-          </a:prstGeom>
-          <a:noFill/>
-        </p:spPr>
-        <p:txBody>
-          <a:bodyPr wrap="square" numCol="2" rtlCol="0">
-            <a:normAutofit lnSpcReduction="10000"/>
-          </a:bodyPr>
-          <a:lstStyle/>
-          <a:p>
-            <a:r>
-              <a:rPr lang="it-IT" u="sng" dirty="0"/>
-              <a:t>Statistiche:</a:t>
-            </a:r>
-          </a:p>
-          <a:p>
-            <a:pPr marL="285750" indent="-285750">
-              <a:buFont typeface="Arial" panose="020B0604020202020204" pitchFamily="34" charset="0"/>
-              <a:buChar char="•"/>
-            </a:pPr>
-            <a:r>
-              <a:rPr lang="it-IT" sz="1800" b="0" i="0" u="none" strike="noStrike" baseline="0" dirty="0">
-                <a:latin typeface="CMR12"/>
-              </a:rPr>
-              <a:t>73176 rating</a:t>
-            </a:r>
-          </a:p>
-          <a:p>
-            <a:pPr marL="285750" indent="-285750">
-              <a:buFont typeface="Arial" panose="020B0604020202020204" pitchFamily="34" charset="0"/>
-              <a:buChar char="•"/>
-            </a:pPr>
-            <a:r>
-              <a:rPr lang="it-IT" dirty="0">
-                <a:latin typeface="CMR12"/>
-              </a:rPr>
-              <a:t>31 utenti</a:t>
-            </a:r>
-          </a:p>
-          <a:p>
-            <a:pPr marL="285750" indent="-285750">
-              <a:buFont typeface="Arial" panose="020B0604020202020204" pitchFamily="34" charset="0"/>
-              <a:buChar char="•"/>
-            </a:pPr>
-            <a:r>
-              <a:rPr lang="it-IT" dirty="0"/>
-              <a:t>338 oggetti</a:t>
-            </a:r>
-          </a:p>
-          <a:p>
-            <a:pPr marL="285750" indent="-285750">
-              <a:buFont typeface="Arial" panose="020B0604020202020204" pitchFamily="34" charset="0"/>
-              <a:buChar char="•"/>
-            </a:pPr>
-            <a:endParaRPr lang="it-IT" dirty="0"/>
-          </a:p>
-          <a:p>
-            <a:r>
-              <a:rPr lang="it-IT" u="sng" dirty="0"/>
-              <a:t>Feature di contesto:</a:t>
-            </a:r>
-          </a:p>
-          <a:p>
-            <a:pPr marL="285750" indent="-285750">
-              <a:buFont typeface="Arial" panose="020B0604020202020204" pitchFamily="34" charset="0"/>
-              <a:buChar char="•"/>
-            </a:pPr>
-            <a:r>
-              <a:rPr lang="it-IT" dirty="0"/>
-              <a:t>Attività utente (a piedi, in bici, corsa…)</a:t>
-            </a:r>
-          </a:p>
-          <a:p>
-            <a:pPr marL="285750" indent="-285750">
-              <a:buFont typeface="Arial" panose="020B0604020202020204" pitchFamily="34" charset="0"/>
-              <a:buChar char="•"/>
-            </a:pPr>
-            <a:r>
-              <a:rPr lang="it-IT" dirty="0"/>
-              <a:t>Modalità audio (silenzioso, vibrazione…)</a:t>
-            </a:r>
-          </a:p>
-          <a:p>
-            <a:pPr marL="285750" indent="-285750">
-              <a:buFont typeface="Arial" panose="020B0604020202020204" pitchFamily="34" charset="0"/>
-              <a:buChar char="•"/>
-            </a:pPr>
-            <a:r>
-              <a:rPr lang="it-IT" dirty="0"/>
-              <a:t>Volume </a:t>
-            </a:r>
-          </a:p>
-          <a:p>
-            <a:pPr marL="285750" indent="-285750">
-              <a:buFont typeface="Arial" panose="020B0604020202020204" pitchFamily="34" charset="0"/>
-              <a:buChar char="•"/>
-            </a:pPr>
-            <a:r>
-              <a:rPr lang="it-IT" dirty="0"/>
-              <a:t>Musica </a:t>
-            </a:r>
-          </a:p>
-          <a:p>
-            <a:pPr marL="285750" indent="-285750">
-              <a:buFont typeface="Arial" panose="020B0604020202020204" pitchFamily="34" charset="0"/>
-              <a:buChar char="•"/>
-            </a:pPr>
-            <a:r>
-              <a:rPr lang="it-IT" dirty="0"/>
-              <a:t>Batteria (livello, in carica)</a:t>
-            </a:r>
-          </a:p>
-          <a:p>
-            <a:pPr marL="285750" indent="-285750">
-              <a:buFont typeface="Arial" panose="020B0604020202020204" pitchFamily="34" charset="0"/>
-              <a:buChar char="•"/>
-            </a:pPr>
-            <a:r>
-              <a:rPr lang="it-IT" dirty="0"/>
-              <a:t>Schermo (rotazione, stato)</a:t>
-            </a:r>
-          </a:p>
-          <a:p>
-            <a:pPr marL="285750" indent="-285750">
-              <a:buFont typeface="Arial" panose="020B0604020202020204" pitchFamily="34" charset="0"/>
-              <a:buChar char="•"/>
-            </a:pPr>
-            <a:r>
-              <a:rPr lang="it-IT" dirty="0"/>
-              <a:t>Meteo</a:t>
-            </a:r>
-          </a:p>
-          <a:p>
-            <a:pPr marL="285750" indent="-285750">
-              <a:buFont typeface="Arial" panose="020B0604020202020204" pitchFamily="34" charset="0"/>
-              <a:buChar char="•"/>
-            </a:pPr>
-            <a:r>
-              <a:rPr lang="it-IT" dirty="0"/>
-              <a:t>WiFi</a:t>
-            </a:r>
-          </a:p>
-          <a:p>
-            <a:pPr marL="285750" indent="-285750">
-              <a:buFont typeface="Arial" panose="020B0604020202020204" pitchFamily="34" charset="0"/>
-              <a:buChar char="•"/>
-            </a:pPr>
-            <a:r>
-              <a:rPr lang="it-IT" dirty="0"/>
-              <a:t>Data e ora</a:t>
-            </a:r>
-          </a:p>
-          <a:p>
-            <a:pPr marL="285750" indent="-285750">
-              <a:buFont typeface="Arial" panose="020B0604020202020204" pitchFamily="34" charset="0"/>
-              <a:buChar char="•"/>
-            </a:pPr>
-            <a:r>
-              <a:rPr lang="it-IT" dirty="0"/>
-              <a:t>Tipologia di persone in prossimità dell’utente</a:t>
-            </a:r>
-          </a:p>
-          <a:p>
-            <a:endParaRPr lang="it-IT" dirty="0"/>
-          </a:p>
-        </p:txBody>
-      </p:sp>
-      <p:sp>
-        <p:nvSpPr>
-          <p:cNvPr id="4" name="CasellaDiTesto 3">
-            <a:extLst>
-              <a:ext uri="{FF2B5EF4-FFF2-40B4-BE49-F238E27FC236}">
-                <a16:creationId xmlns:a16="http://schemas.microsoft.com/office/drawing/2014/main" id="{74541A4D-BABD-4315-853C-48B6205E8C1A}"/>
-              </a:ext>
-            </a:extLst>
-          </p:cNvPr>
-          <p:cNvSpPr txBox="1"/>
-          <p:nvPr/>
-        </p:nvSpPr>
-        <p:spPr>
-          <a:xfrm>
-            <a:off x="179512" y="1556792"/>
-            <a:ext cx="8640960" cy="1754326"/>
-          </a:xfrm>
-          <a:prstGeom prst="rect">
-            <a:avLst/>
-          </a:prstGeom>
-          <a:noFill/>
-        </p:spPr>
-        <p:txBody>
-          <a:bodyPr wrap="square" numCol="2" rtlCol="0">
             <a:normAutofit/>
           </a:bodyPr>
           <a:lstStyle/>
           <a:p>
-            <a:pPr marL="0" indent="0" algn="l">
-              <a:buNone/>
-            </a:pPr>
-            <a:r>
-              <a:rPr lang="it-IT" u="sng" dirty="0"/>
-              <a:t>Statistiche:</a:t>
-            </a:r>
-          </a:p>
-          <a:p>
-            <a:pPr marL="342900" indent="-342900" algn="l">
-              <a:buFont typeface="Arial" panose="020B0604020202020204" pitchFamily="34" charset="0"/>
-              <a:buChar char="•"/>
-            </a:pPr>
             <a:r>
               <a:rPr lang="it-IT" dirty="0"/>
-              <a:t>78335 rating</a:t>
-            </a:r>
-          </a:p>
-          <a:p>
-            <a:pPr marL="342900" indent="-342900" algn="l">
-              <a:buFont typeface="Arial" panose="020B0604020202020204" pitchFamily="34" charset="0"/>
-              <a:buChar char="•"/>
-            </a:pPr>
+              <a:t>Obiettivi: </a:t>
+            </a:r>
+          </a:p>
+          <a:p>
+            <a:pPr lvl="1"/>
             <a:r>
               <a:rPr lang="it-IT" dirty="0"/>
-              <a:t>857 utenti</a:t>
-            </a:r>
-          </a:p>
-          <a:p>
-            <a:pPr marL="342900" indent="-342900" algn="l">
-              <a:buFont typeface="Arial" panose="020B0604020202020204" pitchFamily="34" charset="0"/>
-              <a:buChar char="•"/>
-            </a:pPr>
+              <a:t>ottenere prestazioni comparabili agli algoritmi stato dell’arte</a:t>
+            </a:r>
+          </a:p>
+          <a:p>
+            <a:pPr lvl="1"/>
             <a:r>
               <a:rPr lang="it-IT" dirty="0"/>
-              <a:t>3180 oggetti</a:t>
-            </a:r>
-          </a:p>
-          <a:p>
-            <a:pPr marL="0" indent="0" algn="l">
-              <a:buNone/>
-            </a:pPr>
-            <a:endParaRPr lang="it-IT" u="sng" dirty="0"/>
-          </a:p>
-          <a:p>
-            <a:pPr marL="0" indent="0" algn="l">
-              <a:buNone/>
-            </a:pPr>
-            <a:endParaRPr lang="it-IT" u="sng" dirty="0"/>
-          </a:p>
-          <a:p>
-            <a:pPr marL="0" indent="0" algn="l">
-              <a:buNone/>
-            </a:pPr>
-            <a:r>
-              <a:rPr lang="it-IT" u="sng" dirty="0"/>
-              <a:t>Feature di contesto:</a:t>
-            </a:r>
-          </a:p>
-          <a:p>
-            <a:pPr marL="285750" indent="-285750">
-              <a:buFont typeface="Arial" panose="020B0604020202020204" pitchFamily="34" charset="0"/>
-              <a:buChar char="•"/>
-            </a:pPr>
+              <a:t>Mantenere tempi di esecuzione bassi</a:t>
+            </a:r>
+          </a:p>
+          <a:p>
             <a:r>
               <a:rPr lang="it-IT" dirty="0"/>
-              <a:t>Momento giornata</a:t>
-            </a:r>
-          </a:p>
-          <a:p>
-            <a:pPr marL="285750" indent="-285750">
-              <a:buFont typeface="Arial" panose="020B0604020202020204" pitchFamily="34" charset="0"/>
-              <a:buChar char="•"/>
-            </a:pPr>
+              <a:t>Metrica: Area Under the ROC Curve (AUC)</a:t>
+            </a:r>
+          </a:p>
+          <a:p>
             <a:r>
               <a:rPr lang="it-IT" dirty="0"/>
-              <a:t>Giorno della settimana</a:t>
-            </a:r>
-          </a:p>
-          <a:p>
-            <a:pPr marL="285750" indent="-285750">
-              <a:buFont typeface="Arial" panose="020B0604020202020204" pitchFamily="34" charset="0"/>
-              <a:buChar char="•"/>
-            </a:pPr>
+              <a:t>K-</a:t>
+            </a:r>
+            <a:r>
+              <a:rPr lang="it-IT" dirty="0" err="1"/>
+              <a:t>fold</a:t>
+            </a:r>
             <a:r>
               <a:rPr lang="it-IT" dirty="0"/>
-              <a:t>Se è il fine settimana</a:t>
-            </a:r>
-          </a:p>
-          <a:p>
-            <a:pPr marL="285750" indent="-285750">
-              <a:buFont typeface="Arial" panose="020B0604020202020204" pitchFamily="34" charset="0"/>
-              <a:buChar char="•"/>
-            </a:pPr>
+              <a:t> cross </a:t>
+            </a:r>
+            <a:r>
+              <a:rPr lang="it-IT" dirty="0" err="1"/>
+              <a:t>validation</a:t>
+            </a:r>
             <a:r>
               <a:rPr lang="it-IT" dirty="0"/>
-              <a:t>Meteo</a:t>
+              <a:t>, k = 10</a:t>
+            </a:r>
+          </a:p>
+          <a:p>
+            <a:r>
+              <a:rPr lang="it-IT" dirty="0"/>
+              <a:t>Modelli di confronto:</a:t>
+            </a:r>
+          </a:p>
+          <a:p>
+            <a:pPr lvl="1"/>
+            <a:r>
+              <a:rPr lang="it-IT" dirty="0"/>
+              <a:t>ALS </a:t>
+            </a:r>
+            <a:r>
+              <a:rPr lang="it-IT" dirty="0">
+                <a:sym typeface="Wingdings" panose="05000000000000000000" pitchFamily="2" charset="2"/>
+              </a:rPr>
+              <a:t> </a:t>
+            </a:r>
+            <a:r>
+              <a:rPr lang="it-IT" dirty="0" err="1">
+                <a:sym typeface="Wingdings" panose="05000000000000000000" pitchFamily="2" charset="2"/>
+              </a:rPr>
+              <a:t>matrix</a:t>
+            </a:r>
+            <a:r>
+              <a:rPr lang="it-IT" dirty="0">
+                <a:sym typeface="Wingdings" panose="05000000000000000000" pitchFamily="2" charset="2"/>
+              </a:rPr>
+              <a:t> </a:t>
+            </a:r>
+            <a:r>
+              <a:rPr lang="it-IT" dirty="0" err="1">
+                <a:sym typeface="Wingdings" panose="05000000000000000000" pitchFamily="2" charset="2"/>
+              </a:rPr>
+              <a:t>factorization</a:t>
+            </a:r>
+            <a:r>
+              <a:rPr lang="it-IT" dirty="0">
+                <a:sym typeface="Wingdings" panose="05000000000000000000" pitchFamily="2" charset="2"/>
+              </a:rPr>
+              <a:t> per feedback impliciti</a:t>
+            </a:r>
+            <a:endParaRPr lang="it-IT" dirty="0"/>
+          </a:p>
+          <a:p>
+            <a:pPr lvl="1"/>
+            <a:r>
+              <a:rPr lang="it-IT" dirty="0" err="1"/>
+              <a:t>NeuMF</a:t>
+            </a:r>
+            <a:endParaRPr lang="it-IT" dirty="0"/>
+          </a:p>
+          <a:p>
+            <a:pPr lvl="1"/>
+            <a:r>
+              <a:rPr lang="it-IT" dirty="0"/>
+              <a:t>ECAM </a:t>
+            </a:r>
+            <a:r>
+              <a:rPr lang="it-IT" dirty="0" err="1"/>
+              <a:t>NeuMF</a:t>
+            </a:r>
+            <a:r>
+              <a:rPr lang="it-IT" dirty="0"/>
+              <a:t> </a:t>
             </a:r>
           </a:p>
           <a:p>
@@ -8538,7 +8982,7 @@
     </p:spTree>
     <p:extLst>
       <p:ext uri="{BB962C8B-B14F-4D97-AF65-F5344CB8AC3E}">
-        <p14:creationId xmlns:p14="http://schemas.microsoft.com/office/powerpoint/2010/main" val="1769353711"/>
+        <p14:creationId xmlns:p14="http://schemas.microsoft.com/office/powerpoint/2010/main" val="541751724"/>
       </p:ext>
     </p:extLst>
   </p:cSld>

--- a/presentazione/presentazione.pptx
+++ b/presentazione/presentazione.pptx
@@ -1167,6 +1167,51 @@
           <a:bodyPr/>
           <a:lstStyle/>
           <a:p>
+            <a:r>
+              <a:rPr lang="it-IT" dirty="0"/>
+              <a:t>Analisi stato arte</a:t>
+            </a:r>
+          </a:p>
+          <a:p>
+            <a:endParaRPr lang="it-IT" dirty="0"/>
+          </a:p>
+          <a:p>
+            <a:r>
+              <a:rPr lang="it-IT" dirty="0"/>
+              <a:t>Nuova slide:</a:t>
+            </a:r>
+          </a:p>
+          <a:p>
+            <a:pPr marL="171450" indent="-171450">
+              <a:buFontTx/>
+              <a:buChar char="-"/>
+            </a:pPr>
+            <a:r>
+              <a:rPr lang="it-IT" dirty="0"/>
+              <a:t>Algoritmo</a:t>
+            </a:r>
+          </a:p>
+          <a:p>
+            <a:pPr marL="171450" indent="-171450">
+              <a:buFontTx/>
+              <a:buChar char="-"/>
+            </a:pPr>
+            <a:r>
+              <a:rPr lang="it-IT" dirty="0"/>
+              <a:t>Dataset </a:t>
+            </a:r>
+          </a:p>
+          <a:p>
+            <a:pPr marL="0" indent="0">
+              <a:buFontTx/>
+              <a:buNone/>
+            </a:pPr>
+            <a:r>
+              <a:rPr lang="it-IT" dirty="0"/>
+              <a:t>-   Analisi stato arte</a:t>
+            </a:r>
+          </a:p>
+          <a:p>
             <a:endParaRPr lang="it-IT" dirty="0"/>
           </a:p>
         </p:txBody>
@@ -1252,7 +1297,113 @@
           <a:bodyPr/>
           <a:lstStyle/>
           <a:p>
+            <a:r>
+              <a:rPr lang="it-IT" dirty="0"/>
+              <a:t>Scopo mf</a:t>
+            </a:r>
+          </a:p>
+          <a:p>
+            <a:r>
+              <a:rPr lang="it-IT" dirty="0"/>
+              <a:t>Fattori latenti</a:t>
+            </a:r>
+          </a:p>
+          <a:p>
             <a:endParaRPr lang="it-IT" dirty="0"/>
+          </a:p>
+        </p:txBody>
+      </p:sp>
+      <p:sp>
+        <p:nvSpPr>
+          <p:cNvPr id="4" name="Segnaposto numero diapositiva 3"/>
+          <p:cNvSpPr>
+            <a:spLocks noGrp="1"/>
+          </p:cNvSpPr>
+          <p:nvPr>
+            <p:ph type="sldNum" sz="quarter" idx="5"/>
+          </p:nvPr>
+        </p:nvSpPr>
+        <p:spPr/>
+        <p:txBody>
+          <a:bodyPr/>
+          <a:lstStyle/>
+          <a:p>
+            <a:fld id="{558B94EF-AFA9-40FF-986C-F27447FA4EE9}" type="slidenum">
+              <a:rPr lang="en-GB" altLang="it-IT" smtClean="0"/>
+              <a:pPr/>
+              <a:t>4</a:t>
+            </a:fld>
+            <a:endParaRPr lang="en-GB" altLang="it-IT"/>
+          </a:p>
+        </p:txBody>
+      </p:sp>
+    </p:spTree>
+    <p:extLst>
+      <p:ext uri="{BB962C8B-B14F-4D97-AF65-F5344CB8AC3E}">
+        <p14:creationId xmlns:p14="http://schemas.microsoft.com/office/powerpoint/2010/main" val="2989700536"/>
+      </p:ext>
+    </p:extLst>
+  </p:cSld>
+  <p:clrMapOvr>
+    <a:masterClrMapping/>
+  </p:clrMapOvr>
+</p:notes>
+</file>
+
+<file path=ppt/notesSlides/notesSlide4.xml><?xml version="1.0" encoding="utf-8"?>
+<p:notes xmlns:a="http://schemas.openxmlformats.org/drawingml/2006/main" xmlns:r="http://schemas.openxmlformats.org/officeDocument/2006/relationships" xmlns:p="http://schemas.openxmlformats.org/presentationml/2006/main">
+  <p:cSld>
+    <p:spTree>
+      <p:nvGrpSpPr>
+        <p:cNvPr id="1" name=""/>
+        <p:cNvGrpSpPr/>
+        <p:nvPr/>
+      </p:nvGrpSpPr>
+      <p:grpSpPr>
+        <a:xfrm>
+          <a:off x="0" y="0"/>
+          <a:ext cx="0" cy="0"/>
+          <a:chOff x="0" y="0"/>
+          <a:chExt cx="0" cy="0"/>
+        </a:xfrm>
+      </p:grpSpPr>
+      <p:sp>
+        <p:nvSpPr>
+          <p:cNvPr id="2" name="Segnaposto immagine diapositiva 1"/>
+          <p:cNvSpPr>
+            <a:spLocks noGrp="1" noRot="1" noChangeAspect="1"/>
+          </p:cNvSpPr>
+          <p:nvPr>
+            <p:ph type="sldImg"/>
+          </p:nvPr>
+        </p:nvSpPr>
+        <p:spPr/>
+      </p:sp>
+      <p:sp>
+        <p:nvSpPr>
+          <p:cNvPr id="3" name="Segnaposto note 2"/>
+          <p:cNvSpPr>
+            <a:spLocks noGrp="1"/>
+          </p:cNvSpPr>
+          <p:nvPr>
+            <p:ph type="body" idx="1"/>
+          </p:nvPr>
+        </p:nvSpPr>
+        <p:spPr/>
+        <p:txBody>
+          <a:bodyPr/>
+          <a:lstStyle/>
+          <a:p>
+            <a:r>
+              <a:rPr lang="it-IT" dirty="0"/>
+              <a:t>Riferimento articolo</a:t>
+            </a:r>
+          </a:p>
+          <a:p>
+            <a:r>
+              <a:rPr lang="it-IT" dirty="0"/>
+              <a:t>Rete neurale</a:t>
+            </a:r>
           </a:p>
         </p:txBody>
       </p:sp>
@@ -1284,6 +1435,306 @@
     <p:extLst>
       <p:ext uri="{BB962C8B-B14F-4D97-AF65-F5344CB8AC3E}">
         <p14:creationId xmlns:p14="http://schemas.microsoft.com/office/powerpoint/2010/main" val="3662015546"/>
+      </p:ext>
+    </p:extLst>
+  </p:cSld>
+  <p:clrMapOvr>
+    <a:masterClrMapping/>
+  </p:clrMapOvr>
+</p:notes>
+</file>
+
+<file path=ppt/notesSlides/notesSlide5.xml><?xml version="1.0" encoding="utf-8"?>
+<p:notes xmlns:a="http://schemas.openxmlformats.org/drawingml/2006/main" xmlns:r="http://schemas.openxmlformats.org/officeDocument/2006/relationships" xmlns:p="http://schemas.openxmlformats.org/presentationml/2006/main">
+  <p:cSld>
+    <p:spTree>
+      <p:nvGrpSpPr>
+        <p:cNvPr id="1" name=""/>
+        <p:cNvGrpSpPr/>
+        <p:nvPr/>
+      </p:nvGrpSpPr>
+      <p:grpSpPr>
+        <a:xfrm>
+          <a:off x="0" y="0"/>
+          <a:ext cx="0" cy="0"/>
+          <a:chOff x="0" y="0"/>
+          <a:chExt cx="0" cy="0"/>
+        </a:xfrm>
+      </p:grpSpPr>
+      <p:sp>
+        <p:nvSpPr>
+          <p:cNvPr id="2" name="Segnaposto immagine diapositiva 1"/>
+          <p:cNvSpPr>
+            <a:spLocks noGrp="1" noRot="1" noChangeAspect="1"/>
+          </p:cNvSpPr>
+          <p:nvPr>
+            <p:ph type="sldImg"/>
+          </p:nvPr>
+        </p:nvSpPr>
+        <p:spPr/>
+      </p:sp>
+      <p:sp>
+        <p:nvSpPr>
+          <p:cNvPr id="3" name="Segnaposto note 2"/>
+          <p:cNvSpPr>
+            <a:spLocks noGrp="1"/>
+          </p:cNvSpPr>
+          <p:nvPr>
+            <p:ph type="body" idx="1"/>
+          </p:nvPr>
+        </p:nvSpPr>
+        <p:spPr/>
+        <p:txBody>
+          <a:bodyPr/>
+          <a:lstStyle/>
+          <a:p>
+            <a:r>
+              <a:rPr lang="it-IT" dirty="0"/>
+              <a:t>Classificazione binaria</a:t>
+            </a:r>
+          </a:p>
+          <a:p>
+            <a:r>
+              <a:rPr lang="it-IT" dirty="0"/>
+              <a:t>Feature utente</a:t>
+            </a:r>
+          </a:p>
+          <a:p>
+            <a:r>
+              <a:rPr lang="it-IT" dirty="0"/>
+              <a:t>Contesto fisico e sociale</a:t>
+            </a:r>
+          </a:p>
+        </p:txBody>
+      </p:sp>
+      <p:sp>
+        <p:nvSpPr>
+          <p:cNvPr id="4" name="Segnaposto numero diapositiva 3"/>
+          <p:cNvSpPr>
+            <a:spLocks noGrp="1"/>
+          </p:cNvSpPr>
+          <p:nvPr>
+            <p:ph type="sldNum" sz="quarter" idx="5"/>
+          </p:nvPr>
+        </p:nvSpPr>
+        <p:spPr/>
+        <p:txBody>
+          <a:bodyPr/>
+          <a:lstStyle/>
+          <a:p>
+            <a:fld id="{558B94EF-AFA9-40FF-986C-F27447FA4EE9}" type="slidenum">
+              <a:rPr lang="en-GB" altLang="it-IT" smtClean="0"/>
+              <a:pPr/>
+              <a:t>6</a:t>
+            </a:fld>
+            <a:endParaRPr lang="en-GB" altLang="it-IT"/>
+          </a:p>
+        </p:txBody>
+      </p:sp>
+    </p:spTree>
+    <p:extLst>
+      <p:ext uri="{BB962C8B-B14F-4D97-AF65-F5344CB8AC3E}">
+        <p14:creationId xmlns:p14="http://schemas.microsoft.com/office/powerpoint/2010/main" val="1846010738"/>
+      </p:ext>
+    </p:extLst>
+  </p:cSld>
+  <p:clrMapOvr>
+    <a:masterClrMapping/>
+  </p:clrMapOvr>
+</p:notes>
+</file>
+
+<file path=ppt/notesSlides/notesSlide6.xml><?xml version="1.0" encoding="utf-8"?>
+<p:notes xmlns:a="http://schemas.openxmlformats.org/drawingml/2006/main" xmlns:r="http://schemas.openxmlformats.org/officeDocument/2006/relationships" xmlns:p="http://schemas.openxmlformats.org/presentationml/2006/main">
+  <p:cSld>
+    <p:spTree>
+      <p:nvGrpSpPr>
+        <p:cNvPr id="1" name=""/>
+        <p:cNvGrpSpPr/>
+        <p:nvPr/>
+      </p:nvGrpSpPr>
+      <p:grpSpPr>
+        <a:xfrm>
+          <a:off x="0" y="0"/>
+          <a:ext cx="0" cy="0"/>
+          <a:chOff x="0" y="0"/>
+          <a:chExt cx="0" cy="0"/>
+        </a:xfrm>
+      </p:grpSpPr>
+      <p:sp>
+        <p:nvSpPr>
+          <p:cNvPr id="2" name="Segnaposto immagine diapositiva 1"/>
+          <p:cNvSpPr>
+            <a:spLocks noGrp="1" noRot="1" noChangeAspect="1"/>
+          </p:cNvSpPr>
+          <p:nvPr>
+            <p:ph type="sldImg"/>
+          </p:nvPr>
+        </p:nvSpPr>
+        <p:spPr/>
+      </p:sp>
+      <p:sp>
+        <p:nvSpPr>
+          <p:cNvPr id="3" name="Segnaposto note 2"/>
+          <p:cNvSpPr>
+            <a:spLocks noGrp="1"/>
+          </p:cNvSpPr>
+          <p:nvPr>
+            <p:ph type="body" idx="1"/>
+          </p:nvPr>
+        </p:nvSpPr>
+        <p:spPr/>
+        <p:txBody>
+          <a:bodyPr/>
+          <a:lstStyle/>
+          <a:p>
+            <a:r>
+              <a:rPr lang="it-IT" dirty="0"/>
+              <a:t>Rilevanza contesto sociale</a:t>
+            </a:r>
+          </a:p>
+          <a:p>
+            <a:r>
+              <a:rPr lang="it-IT" dirty="0"/>
+              <a:t>Ego network</a:t>
+            </a:r>
+          </a:p>
+          <a:p>
+            <a:r>
+              <a:rPr lang="it-IT" dirty="0"/>
+              <a:t>Come sono raccolte le feature</a:t>
+            </a:r>
+          </a:p>
+          <a:p>
+            <a:endParaRPr lang="it-IT" dirty="0"/>
+          </a:p>
+          <a:p>
+            <a:r>
+              <a:rPr lang="it-IT" dirty="0"/>
+              <a:t>I legami sociali definiscono similarità tra gli utenti</a:t>
+            </a:r>
+          </a:p>
+          <a:p>
+            <a:endParaRPr lang="it-IT" dirty="0"/>
+          </a:p>
+        </p:txBody>
+      </p:sp>
+      <p:sp>
+        <p:nvSpPr>
+          <p:cNvPr id="4" name="Segnaposto numero diapositiva 3"/>
+          <p:cNvSpPr>
+            <a:spLocks noGrp="1"/>
+          </p:cNvSpPr>
+          <p:nvPr>
+            <p:ph type="sldNum" sz="quarter" idx="5"/>
+          </p:nvPr>
+        </p:nvSpPr>
+        <p:spPr/>
+        <p:txBody>
+          <a:bodyPr/>
+          <a:lstStyle/>
+          <a:p>
+            <a:fld id="{558B94EF-AFA9-40FF-986C-F27447FA4EE9}" type="slidenum">
+              <a:rPr lang="en-GB" altLang="it-IT" smtClean="0"/>
+              <a:pPr/>
+              <a:t>7</a:t>
+            </a:fld>
+            <a:endParaRPr lang="en-GB" altLang="it-IT"/>
+          </a:p>
+        </p:txBody>
+      </p:sp>
+    </p:spTree>
+    <p:extLst>
+      <p:ext uri="{BB962C8B-B14F-4D97-AF65-F5344CB8AC3E}">
+        <p14:creationId xmlns:p14="http://schemas.microsoft.com/office/powerpoint/2010/main" val="267808172"/>
+      </p:ext>
+    </p:extLst>
+  </p:cSld>
+  <p:clrMapOvr>
+    <a:masterClrMapping/>
+  </p:clrMapOvr>
+</p:notes>
+</file>
+
+<file path=ppt/notesSlides/notesSlide7.xml><?xml version="1.0" encoding="utf-8"?>
+<p:notes xmlns:a="http://schemas.openxmlformats.org/drawingml/2006/main" xmlns:r="http://schemas.openxmlformats.org/officeDocument/2006/relationships" xmlns:p="http://schemas.openxmlformats.org/presentationml/2006/main">
+  <p:cSld>
+    <p:spTree>
+      <p:nvGrpSpPr>
+        <p:cNvPr id="1" name=""/>
+        <p:cNvGrpSpPr/>
+        <p:nvPr/>
+      </p:nvGrpSpPr>
+      <p:grpSpPr>
+        <a:xfrm>
+          <a:off x="0" y="0"/>
+          <a:ext cx="0" cy="0"/>
+          <a:chOff x="0" y="0"/>
+          <a:chExt cx="0" cy="0"/>
+        </a:xfrm>
+      </p:grpSpPr>
+      <p:sp>
+        <p:nvSpPr>
+          <p:cNvPr id="2" name="Segnaposto immagine diapositiva 1"/>
+          <p:cNvSpPr>
+            <a:spLocks noGrp="1" noRot="1" noChangeAspect="1"/>
+          </p:cNvSpPr>
+          <p:nvPr>
+            <p:ph type="sldImg"/>
+          </p:nvPr>
+        </p:nvSpPr>
+        <p:spPr/>
+      </p:sp>
+      <p:sp>
+        <p:nvSpPr>
+          <p:cNvPr id="3" name="Segnaposto note 2"/>
+          <p:cNvSpPr>
+            <a:spLocks noGrp="1"/>
+          </p:cNvSpPr>
+          <p:nvPr>
+            <p:ph type="body" idx="1"/>
+          </p:nvPr>
+        </p:nvSpPr>
+        <p:spPr/>
+        <p:txBody>
+          <a:bodyPr/>
+          <a:lstStyle/>
+          <a:p>
+            <a:r>
+              <a:rPr lang="it-IT" dirty="0"/>
+              <a:t>Difficile trovare dataset</a:t>
+            </a:r>
+          </a:p>
+        </p:txBody>
+      </p:sp>
+      <p:sp>
+        <p:nvSpPr>
+          <p:cNvPr id="4" name="Segnaposto numero diapositiva 3"/>
+          <p:cNvSpPr>
+            <a:spLocks noGrp="1"/>
+          </p:cNvSpPr>
+          <p:nvPr>
+            <p:ph type="sldNum" sz="quarter" idx="5"/>
+          </p:nvPr>
+        </p:nvSpPr>
+        <p:spPr/>
+        <p:txBody>
+          <a:bodyPr/>
+          <a:lstStyle/>
+          <a:p>
+            <a:fld id="{558B94EF-AFA9-40FF-986C-F27447FA4EE9}" type="slidenum">
+              <a:rPr lang="en-GB" altLang="it-IT" smtClean="0"/>
+              <a:pPr/>
+              <a:t>8</a:t>
+            </a:fld>
+            <a:endParaRPr lang="en-GB" altLang="it-IT"/>
+          </a:p>
+        </p:txBody>
+      </p:sp>
+    </p:spTree>
+    <p:extLst>
+      <p:ext uri="{BB962C8B-B14F-4D97-AF65-F5344CB8AC3E}">
+        <p14:creationId xmlns:p14="http://schemas.microsoft.com/office/powerpoint/2010/main" val="2270941717"/>
       </p:ext>
     </p:extLst>
   </p:cSld>
@@ -4379,7 +4830,7 @@
         </p:nvSpPr>
         <p:spPr>
           <a:xfrm>
-            <a:off x="107504" y="3140968"/>
+            <a:off x="232097" y="4602409"/>
             <a:ext cx="2232248" cy="235223"/>
           </a:xfrm>
         </p:spPr>
@@ -5242,8 +5693,8 @@
         </p:nvSpPr>
         <p:spPr>
           <a:xfrm>
-            <a:off x="88218" y="1876706"/>
-            <a:ext cx="3914872" cy="3416320"/>
+            <a:off x="19655" y="2274838"/>
+            <a:ext cx="3914872" cy="2308324"/>
           </a:xfrm>
           <a:prstGeom prst="rect">
             <a:avLst/>
@@ -5255,42 +5706,6 @@
             <a:spAutoFit/>
           </a:bodyPr>
           <a:lstStyle/>
-          <a:p>
-            <a:pPr marL="285750" indent="-285750" algn="l">
-              <a:buFont typeface="Arial" panose="020B0604020202020204" pitchFamily="34" charset="0"/>
-              <a:buChar char="•"/>
-            </a:pPr>
-            <a:r>
-              <a:rPr lang="it-IT" sz="1800" b="0" i="0" u="none" strike="noStrike" baseline="0" dirty="0" err="1">
-                <a:latin typeface="CMR12"/>
-              </a:rPr>
-              <a:t>TensorFlow</a:t>
-            </a:r>
-            <a:r>
-              <a:rPr lang="it-IT" sz="1800" b="0" i="0" u="none" strike="noStrike" baseline="0" dirty="0">
-                <a:latin typeface="CMR12"/>
-              </a:rPr>
-              <a:t> Lite permette di convertire un modello </a:t>
-            </a:r>
-            <a:r>
-              <a:rPr lang="it-IT" sz="1800" b="0" i="0" u="none" strike="noStrike" baseline="0" dirty="0" err="1">
-                <a:latin typeface="CMR12"/>
-              </a:rPr>
-              <a:t>TensorFlow</a:t>
-            </a:r>
-            <a:r>
-              <a:rPr lang="it-IT" dirty="0">
-                <a:latin typeface="CMR12"/>
-              </a:rPr>
-              <a:t> </a:t>
-            </a:r>
-            <a:r>
-              <a:rPr lang="it-IT" sz="1800" b="0" i="0" u="none" strike="noStrike" baseline="0" dirty="0">
-                <a:latin typeface="CMR12"/>
-              </a:rPr>
-              <a:t>in un formato compatibile con dispositivi Android</a:t>
-            </a:r>
-          </a:p>
           <a:p>
             <a:pPr algn="l"/>
             <a:endParaRPr lang="it-IT" sz="1800" b="0" i="0" u="none" strike="noStrike" baseline="0" dirty="0">
@@ -6202,13 +6617,13 @@
           <p:nvPr/>
         </p:nvPicPr>
         <p:blipFill>
-          <a:blip r:embed="rId2">
+          <a:blip r:embed="rId3">
             <a:extLst>
               <a:ext uri="{28A0092B-C50C-407E-A947-70E740481C1C}">
                 <a14:useLocalDpi xmlns:a14="http://schemas.microsoft.com/office/drawing/2010/main" val="0"/>
               </a:ext>
               <a:ext uri="{96DAC541-7B7A-43D3-8B79-37D633B846F1}">
-                <asvg:svgBlip xmlns:asvg="http://schemas.microsoft.com/office/drawing/2016/SVG/main" r:embed="rId3"/>
+                <asvg:svgBlip xmlns:asvg="http://schemas.microsoft.com/office/drawing/2016/SVG/main" r:embed="rId4"/>
               </a:ext>
             </a:extLst>
           </a:blip>
@@ -6549,7 +6964,7 @@
                 <a:avLst/>
               </a:prstGeom>
               <a:blipFill>
-                <a:blip r:embed="rId4"/>
+                <a:blip r:embed="rId5"/>
                 <a:stretch>
                   <a:fillRect l="-575" t="-1339"/>
                 </a:stretch>
@@ -6693,25 +7108,15 @@
             <a:pPr lvl="1"/>
             <a:r>
               <a:rPr lang="it-IT" sz="1800" dirty="0"/>
-              <a:t>ID utente come vettore in one hot </a:t>
-            </a:r>
-            <a:r>
-              <a:rPr lang="it-IT" sz="1800" dirty="0" err="1"/>
-              <a:t>encoding</a:t>
-            </a:r>
-            <a:endParaRPr lang="it-IT" sz="1800" dirty="0"/>
+              <a:t>ID utente</a:t>
+            </a:r>
           </a:p>
           <a:p>
             <a:pPr lvl="1"/>
             <a:r>
               <a:rPr lang="it-IT" sz="1800" dirty="0"/>
-              <a:t>ID oggetto come vettore in one hot </a:t>
-            </a:r>
-            <a:r>
-              <a:rPr lang="it-IT" sz="1800" dirty="0" err="1"/>
-              <a:t>encoding</a:t>
-            </a:r>
-            <a:endParaRPr lang="it-IT" sz="1800" dirty="0"/>
+              <a:t>ID oggetto</a:t>
+            </a:r>
           </a:p>
           <a:p>
             <a:pPr lvl="1"/>
@@ -7634,13 +8039,13 @@
           <p:nvPr/>
         </p:nvPicPr>
         <p:blipFill>
-          <a:blip r:embed="rId2">
+          <a:blip r:embed="rId3">
             <a:extLst>
               <a:ext uri="{28A0092B-C50C-407E-A947-70E740481C1C}">
                 <a14:useLocalDpi xmlns:a14="http://schemas.microsoft.com/office/drawing/2010/main" val="0"/>
               </a:ext>
               <a:ext uri="{96DAC541-7B7A-43D3-8B79-37D633B846F1}">
-                <asvg:svgBlip xmlns:asvg="http://schemas.microsoft.com/office/drawing/2016/SVG/main" r:embed="rId3"/>
+                <asvg:svgBlip xmlns:asvg="http://schemas.microsoft.com/office/drawing/2016/SVG/main" r:embed="rId4"/>
               </a:ext>
             </a:extLst>
           </a:blip>
@@ -7963,7 +8368,7 @@
                 <a:avLst/>
               </a:prstGeom>
               <a:blipFill>
-                <a:blip r:embed="rId4"/>
+                <a:blip r:embed="rId5"/>
                 <a:stretch>
                   <a:fillRect l="-606" t="-1050" b="-1050"/>
                 </a:stretch>
@@ -8031,13 +8436,13 @@
           </p:nvPr>
         </p:nvPicPr>
         <p:blipFill>
-          <a:blip r:embed="rId2">
+          <a:blip r:embed="rId3">
             <a:extLst>
               <a:ext uri="{28A0092B-C50C-407E-A947-70E740481C1C}">
                 <a14:useLocalDpi xmlns:a14="http://schemas.microsoft.com/office/drawing/2010/main" val="0"/>
               </a:ext>
               <a:ext uri="{96DAC541-7B7A-43D3-8B79-37D633B846F1}">
-                <asvg:svgBlip xmlns:asvg="http://schemas.microsoft.com/office/drawing/2016/SVG/main" r:embed="rId3"/>
+                <asvg:svgBlip xmlns:asvg="http://schemas.microsoft.com/office/drawing/2016/SVG/main" r:embed="rId4"/>
               </a:ext>
             </a:extLst>
           </a:blip>
@@ -8160,13 +8565,13 @@
           <p:nvPr/>
         </p:nvPicPr>
         <p:blipFill>
-          <a:blip r:embed="rId4">
+          <a:blip r:embed="rId5">
             <a:extLst>
               <a:ext uri="{28A0092B-C50C-407E-A947-70E740481C1C}">
                 <a14:useLocalDpi xmlns:a14="http://schemas.microsoft.com/office/drawing/2010/main" val="0"/>
               </a:ext>
               <a:ext uri="{96DAC541-7B7A-43D3-8B79-37D633B846F1}">
-                <asvg:svgBlip xmlns:asvg="http://schemas.microsoft.com/office/drawing/2016/SVG/main" r:embed="rId5"/>
+                <asvg:svgBlip xmlns:asvg="http://schemas.microsoft.com/office/drawing/2016/SVG/main" r:embed="rId6"/>
               </a:ext>
             </a:extLst>
           </a:blip>

--- a/presentazione/presentazione.pptx
+++ b/presentazione/presentazione.pptx
@@ -5,26 +5,28 @@
     <p:sldMasterId id="2147483797" r:id="rId1"/>
   </p:sldMasterIdLst>
   <p:notesMasterIdLst>
-    <p:notesMasterId r:id="rId16"/>
+    <p:notesMasterId r:id="rId18"/>
   </p:notesMasterIdLst>
   <p:handoutMasterIdLst>
-    <p:handoutMasterId r:id="rId17"/>
+    <p:handoutMasterId r:id="rId19"/>
   </p:handoutMasterIdLst>
   <p:sldIdLst>
     <p:sldId id="256" r:id="rId2"/>
     <p:sldId id="273" r:id="rId3"/>
     <p:sldId id="257" r:id="rId4"/>
-    <p:sldId id="267" r:id="rId5"/>
-    <p:sldId id="272" r:id="rId6"/>
-    <p:sldId id="266" r:id="rId7"/>
-    <p:sldId id="270" r:id="rId8"/>
-    <p:sldId id="261" r:id="rId9"/>
-    <p:sldId id="274" r:id="rId10"/>
-    <p:sldId id="262" r:id="rId11"/>
-    <p:sldId id="263" r:id="rId12"/>
-    <p:sldId id="264" r:id="rId13"/>
-    <p:sldId id="265" r:id="rId14"/>
-    <p:sldId id="268" r:id="rId15"/>
+    <p:sldId id="278" r:id="rId5"/>
+    <p:sldId id="267" r:id="rId6"/>
+    <p:sldId id="272" r:id="rId7"/>
+    <p:sldId id="266" r:id="rId8"/>
+    <p:sldId id="270" r:id="rId9"/>
+    <p:sldId id="277" r:id="rId10"/>
+    <p:sldId id="274" r:id="rId11"/>
+    <p:sldId id="262" r:id="rId12"/>
+    <p:sldId id="263" r:id="rId13"/>
+    <p:sldId id="264" r:id="rId14"/>
+    <p:sldId id="265" r:id="rId15"/>
+    <p:sldId id="268" r:id="rId16"/>
+    <p:sldId id="279" r:id="rId17"/>
   </p:sldIdLst>
   <p:sldSz cx="9144000" cy="6858000" type="screen4x3"/>
   <p:notesSz cx="6858000" cy="9144000"/>
@@ -129,6 +131,2602 @@
     </p:ext>
   </p:extLst>
 </p:presentation>
+</file>
+
+<file path=ppt/diagrams/colors1.xml><?xml version="1.0" encoding="utf-8"?>
+<dgm:colorsDef xmlns:dgm="http://schemas.openxmlformats.org/drawingml/2006/diagram" xmlns:a="http://schemas.openxmlformats.org/drawingml/2006/main" uniqueId="urn:microsoft.com/office/officeart/2005/8/colors/colorful5">
+  <dgm:title val=""/>
+  <dgm:desc val=""/>
+  <dgm:catLst>
+    <dgm:cat type="colorful" pri="10500"/>
+  </dgm:catLst>
+  <dgm:styleLbl name="node0">
+    <dgm:fillClrLst meth="repeat">
+      <a:schemeClr val="accent4"/>
+    </dgm:fillClrLst>
+    <dgm:linClrLst meth="repeat">
+      <a:schemeClr val="lt1"/>
+    </dgm:linClrLst>
+    <dgm:effectClrLst/>
+    <dgm:txLinClrLst/>
+    <dgm:txFillClrLst/>
+    <dgm:txEffectClrLst/>
+  </dgm:styleLbl>
+  <dgm:styleLbl name="node1">
+    <dgm:fillClrLst>
+      <a:schemeClr val="accent5"/>
+      <a:schemeClr val="accent6"/>
+    </dgm:fillClrLst>
+    <dgm:linClrLst meth="repeat">
+      <a:schemeClr val="lt1"/>
+    </dgm:linClrLst>
+    <dgm:effectClrLst/>
+    <dgm:txLinClrLst/>
+    <dgm:txFillClrLst/>
+    <dgm:txEffectClrLst/>
+  </dgm:styleLbl>
+  <dgm:styleLbl name="alignNode1">
+    <dgm:fillClrLst>
+      <a:schemeClr val="accent5"/>
+      <a:schemeClr val="accent6"/>
+    </dgm:fillClrLst>
+    <dgm:linClrLst>
+      <a:schemeClr val="accent5"/>
+      <a:schemeClr val="accent6"/>
+    </dgm:linClrLst>
+    <dgm:effectClrLst/>
+    <dgm:txLinClrLst/>
+    <dgm:txFillClrLst/>
+    <dgm:txEffectClrLst/>
+  </dgm:styleLbl>
+  <dgm:styleLbl name="lnNode1">
+    <dgm:fillClrLst>
+      <a:schemeClr val="accent5"/>
+      <a:schemeClr val="accent6"/>
+    </dgm:fillClrLst>
+    <dgm:linClrLst meth="repeat">
+      <a:schemeClr val="lt1"/>
+    </dgm:linClrLst>
+    <dgm:effectClrLst/>
+    <dgm:txLinClrLst/>
+    <dgm:txFillClrLst/>
+    <dgm:txEffectClrLst/>
+  </dgm:styleLbl>
+  <dgm:styleLbl name="vennNode1">
+    <dgm:fillClrLst>
+      <a:schemeClr val="accent5">
+        <a:alpha val="50000"/>
+      </a:schemeClr>
+      <a:schemeClr val="accent6">
+        <a:alpha val="50000"/>
+      </a:schemeClr>
+    </dgm:fillClrLst>
+    <dgm:linClrLst meth="repeat">
+      <a:schemeClr val="lt1"/>
+    </dgm:linClrLst>
+    <dgm:effectClrLst/>
+    <dgm:txLinClrLst/>
+    <dgm:txFillClrLst/>
+    <dgm:txEffectClrLst/>
+  </dgm:styleLbl>
+  <dgm:styleLbl name="node2">
+    <dgm:fillClrLst>
+      <a:schemeClr val="accent6"/>
+    </dgm:fillClrLst>
+    <dgm:linClrLst meth="repeat">
+      <a:schemeClr val="lt1"/>
+    </dgm:linClrLst>
+    <dgm:effectClrLst/>
+    <dgm:txLinClrLst/>
+    <dgm:txFillClrLst/>
+    <dgm:txEffectClrLst/>
+  </dgm:styleLbl>
+  <dgm:styleLbl name="node3">
+    <dgm:fillClrLst>
+      <a:schemeClr val="accent1"/>
+    </dgm:fillClrLst>
+    <dgm:linClrLst meth="repeat">
+      <a:schemeClr val="lt1"/>
+    </dgm:linClrLst>
+    <dgm:effectClrLst/>
+    <dgm:txLinClrLst/>
+    <dgm:txFillClrLst/>
+    <dgm:txEffectClrLst/>
+  </dgm:styleLbl>
+  <dgm:styleLbl name="node4">
+    <dgm:fillClrLst>
+      <a:schemeClr val="accent2"/>
+    </dgm:fillClrLst>
+    <dgm:linClrLst meth="repeat">
+      <a:schemeClr val="lt1"/>
+    </dgm:linClrLst>
+    <dgm:effectClrLst/>
+    <dgm:txLinClrLst/>
+    <dgm:txFillClrLst/>
+    <dgm:txEffectClrLst/>
+  </dgm:styleLbl>
+  <dgm:styleLbl name="fgImgPlace1">
+    <dgm:fillClrLst>
+      <a:schemeClr val="accent5">
+        <a:tint val="50000"/>
+      </a:schemeClr>
+      <a:schemeClr val="accent6">
+        <a:tint val="50000"/>
+      </a:schemeClr>
+    </dgm:fillClrLst>
+    <dgm:linClrLst meth="repeat">
+      <a:schemeClr val="lt1"/>
+    </dgm:linClrLst>
+    <dgm:effectClrLst/>
+    <dgm:txLinClrLst/>
+    <dgm:txFillClrLst meth="repeat">
+      <a:schemeClr val="lt1"/>
+    </dgm:txFillClrLst>
+    <dgm:txEffectClrLst/>
+  </dgm:styleLbl>
+  <dgm:styleLbl name="alignImgPlace1">
+    <dgm:fillClrLst>
+      <a:schemeClr val="accent5">
+        <a:tint val="50000"/>
+      </a:schemeClr>
+      <a:schemeClr val="accent6">
+        <a:tint val="20000"/>
+      </a:schemeClr>
+    </dgm:fillClrLst>
+    <dgm:linClrLst meth="repeat">
+      <a:schemeClr val="lt1"/>
+    </dgm:linClrLst>
+    <dgm:effectClrLst/>
+    <dgm:txLinClrLst/>
+    <dgm:txFillClrLst meth="repeat">
+      <a:schemeClr val="lt1"/>
+    </dgm:txFillClrLst>
+    <dgm:txEffectClrLst/>
+  </dgm:styleLbl>
+  <dgm:styleLbl name="bgImgPlace1">
+    <dgm:fillClrLst>
+      <a:schemeClr val="accent5">
+        <a:tint val="50000"/>
+      </a:schemeClr>
+      <a:schemeClr val="accent6">
+        <a:tint val="20000"/>
+      </a:schemeClr>
+    </dgm:fillClrLst>
+    <dgm:linClrLst meth="repeat">
+      <a:schemeClr val="lt1"/>
+    </dgm:linClrLst>
+    <dgm:effectClrLst/>
+    <dgm:txLinClrLst/>
+    <dgm:txFillClrLst meth="repeat">
+      <a:schemeClr val="lt1"/>
+    </dgm:txFillClrLst>
+    <dgm:txEffectClrLst/>
+  </dgm:styleLbl>
+  <dgm:styleLbl name="sibTrans2D1">
+    <dgm:fillClrLst>
+      <a:schemeClr val="accent5"/>
+      <a:schemeClr val="accent6"/>
+    </dgm:fillClrLst>
+    <dgm:linClrLst meth="repeat">
+      <a:schemeClr val="lt1"/>
+    </dgm:linClrLst>
+    <dgm:effectClrLst/>
+    <dgm:txLinClrLst/>
+    <dgm:txFillClrLst/>
+    <dgm:txEffectClrLst/>
+  </dgm:styleLbl>
+  <dgm:styleLbl name="fgSibTrans2D1">
+    <dgm:fillClrLst>
+      <a:schemeClr val="accent5"/>
+      <a:schemeClr val="accent6"/>
+    </dgm:fillClrLst>
+    <dgm:linClrLst meth="repeat">
+      <a:schemeClr val="lt1"/>
+    </dgm:linClrLst>
+    <dgm:effectClrLst/>
+    <dgm:txLinClrLst/>
+    <dgm:txFillClrLst meth="repeat">
+      <a:schemeClr val="lt1"/>
+    </dgm:txFillClrLst>
+    <dgm:txEffectClrLst/>
+  </dgm:styleLbl>
+  <dgm:styleLbl name="bgSibTrans2D1">
+    <dgm:fillClrLst>
+      <a:schemeClr val="accent5"/>
+      <a:schemeClr val="accent6"/>
+    </dgm:fillClrLst>
+    <dgm:linClrLst meth="repeat">
+      <a:schemeClr val="lt1"/>
+    </dgm:linClrLst>
+    <dgm:effectClrLst/>
+    <dgm:txLinClrLst/>
+    <dgm:txFillClrLst meth="repeat">
+      <a:schemeClr val="lt1"/>
+    </dgm:txFillClrLst>
+    <dgm:txEffectClrLst/>
+  </dgm:styleLbl>
+  <dgm:styleLbl name="sibTrans1D1">
+    <dgm:fillClrLst/>
+    <dgm:linClrLst>
+      <a:schemeClr val="accent5"/>
+      <a:schemeClr val="accent6"/>
+    </dgm:linClrLst>
+    <dgm:effectClrLst/>
+    <dgm:txLinClrLst/>
+    <dgm:txFillClrLst meth="repeat">
+      <a:schemeClr val="tx1"/>
+    </dgm:txFillClrLst>
+    <dgm:txEffectClrLst/>
+  </dgm:styleLbl>
+  <dgm:styleLbl name="callout">
+    <dgm:fillClrLst meth="repeat">
+      <a:schemeClr val="accent5"/>
+    </dgm:fillClrLst>
+    <dgm:linClrLst meth="repeat">
+      <a:schemeClr val="accent5">
+        <a:tint val="50000"/>
+      </a:schemeClr>
+    </dgm:linClrLst>
+    <dgm:effectClrLst/>
+    <dgm:txLinClrLst/>
+    <dgm:txFillClrLst meth="repeat">
+      <a:schemeClr val="tx1"/>
+    </dgm:txFillClrLst>
+    <dgm:txEffectClrLst/>
+  </dgm:styleLbl>
+  <dgm:styleLbl name="asst0">
+    <dgm:fillClrLst meth="repeat">
+      <a:schemeClr val="accent5"/>
+    </dgm:fillClrLst>
+    <dgm:linClrLst meth="repeat">
+      <a:schemeClr val="lt1">
+        <a:shade val="80000"/>
+      </a:schemeClr>
+    </dgm:linClrLst>
+    <dgm:effectClrLst/>
+    <dgm:txLinClrLst/>
+    <dgm:txFillClrLst/>
+    <dgm:txEffectClrLst/>
+  </dgm:styleLbl>
+  <dgm:styleLbl name="asst1">
+    <dgm:fillClrLst meth="repeat">
+      <a:schemeClr val="accent6"/>
+    </dgm:fillClrLst>
+    <dgm:linClrLst meth="repeat">
+      <a:schemeClr val="lt1">
+        <a:shade val="80000"/>
+      </a:schemeClr>
+    </dgm:linClrLst>
+    <dgm:effectClrLst/>
+    <dgm:txLinClrLst/>
+    <dgm:txFillClrLst/>
+    <dgm:txEffectClrLst/>
+  </dgm:styleLbl>
+  <dgm:styleLbl name="asst2">
+    <dgm:fillClrLst>
+      <a:schemeClr val="accent1"/>
+    </dgm:fillClrLst>
+    <dgm:linClrLst meth="repeat">
+      <a:schemeClr val="lt1"/>
+    </dgm:linClrLst>
+    <dgm:effectClrLst/>
+    <dgm:txLinClrLst/>
+    <dgm:txFillClrLst/>
+    <dgm:txEffectClrLst/>
+  </dgm:styleLbl>
+  <dgm:styleLbl name="asst3">
+    <dgm:fillClrLst>
+      <a:schemeClr val="accent2"/>
+    </dgm:fillClrLst>
+    <dgm:linClrLst meth="repeat">
+      <a:schemeClr val="lt1"/>
+    </dgm:linClrLst>
+    <dgm:effectClrLst/>
+    <dgm:txLinClrLst/>
+    <dgm:txFillClrLst/>
+    <dgm:txEffectClrLst/>
+  </dgm:styleLbl>
+  <dgm:styleLbl name="asst4">
+    <dgm:fillClrLst>
+      <a:schemeClr val="accent3"/>
+    </dgm:fillClrLst>
+    <dgm:linClrLst meth="repeat">
+      <a:schemeClr val="lt1"/>
+    </dgm:linClrLst>
+    <dgm:effectClrLst/>
+    <dgm:txLinClrLst/>
+    <dgm:txFillClrLst/>
+    <dgm:txEffectClrLst/>
+  </dgm:styleLbl>
+  <dgm:styleLbl name="parChTrans2D1">
+    <dgm:fillClrLst meth="repeat">
+      <a:schemeClr val="accent5"/>
+    </dgm:fillClrLst>
+    <dgm:linClrLst meth="repeat">
+      <a:schemeClr val="lt1"/>
+    </dgm:linClrLst>
+    <dgm:effectClrLst/>
+    <dgm:txLinClrLst/>
+    <dgm:txFillClrLst meth="repeat">
+      <a:schemeClr val="lt1"/>
+    </dgm:txFillClrLst>
+    <dgm:txEffectClrLst/>
+  </dgm:styleLbl>
+  <dgm:styleLbl name="parChTrans2D2">
+    <dgm:fillClrLst meth="repeat">
+      <a:schemeClr val="accent6"/>
+    </dgm:fillClrLst>
+    <dgm:linClrLst meth="repeat">
+      <a:schemeClr val="lt1"/>
+    </dgm:linClrLst>
+    <dgm:effectClrLst/>
+    <dgm:txLinClrLst/>
+    <dgm:txFillClrLst/>
+    <dgm:txEffectClrLst/>
+  </dgm:styleLbl>
+  <dgm:styleLbl name="parChTrans2D3">
+    <dgm:fillClrLst meth="repeat">
+      <a:schemeClr val="accent6"/>
+    </dgm:fillClrLst>
+    <dgm:linClrLst meth="repeat">
+      <a:schemeClr val="lt1"/>
+    </dgm:linClrLst>
+    <dgm:effectClrLst/>
+    <dgm:txLinClrLst/>
+    <dgm:txFillClrLst/>
+    <dgm:txEffectClrLst/>
+  </dgm:styleLbl>
+  <dgm:styleLbl name="parChTrans2D4">
+    <dgm:fillClrLst meth="repeat">
+      <a:schemeClr val="accent1"/>
+    </dgm:fillClrLst>
+    <dgm:linClrLst meth="repeat">
+      <a:schemeClr val="lt1"/>
+    </dgm:linClrLst>
+    <dgm:effectClrLst/>
+    <dgm:txLinClrLst/>
+    <dgm:txFillClrLst meth="repeat">
+      <a:schemeClr val="lt1"/>
+    </dgm:txFillClrLst>
+    <dgm:txEffectClrLst/>
+  </dgm:styleLbl>
+  <dgm:styleLbl name="parChTrans1D1">
+    <dgm:fillClrLst meth="repeat">
+      <a:schemeClr val="accent5"/>
+    </dgm:fillClrLst>
+    <dgm:linClrLst meth="repeat">
+      <a:schemeClr val="accent5"/>
+    </dgm:linClrLst>
+    <dgm:effectClrLst/>
+    <dgm:txLinClrLst/>
+    <dgm:txFillClrLst meth="repeat">
+      <a:schemeClr val="tx1"/>
+    </dgm:txFillClrLst>
+    <dgm:txEffectClrLst/>
+  </dgm:styleLbl>
+  <dgm:styleLbl name="parChTrans1D2">
+    <dgm:fillClrLst meth="repeat">
+      <a:schemeClr val="accent6">
+        <a:tint val="90000"/>
+      </a:schemeClr>
+    </dgm:fillClrLst>
+    <dgm:linClrLst meth="repeat">
+      <a:schemeClr val="accent6"/>
+    </dgm:linClrLst>
+    <dgm:effectClrLst/>
+    <dgm:txLinClrLst/>
+    <dgm:txFillClrLst meth="repeat">
+      <a:schemeClr val="tx1"/>
+    </dgm:txFillClrLst>
+    <dgm:txEffectClrLst/>
+  </dgm:styleLbl>
+  <dgm:styleLbl name="parChTrans1D3">
+    <dgm:fillClrLst meth="repeat">
+      <a:schemeClr val="accent6">
+        <a:tint val="70000"/>
+      </a:schemeClr>
+    </dgm:fillClrLst>
+    <dgm:linClrLst meth="repeat">
+      <a:schemeClr val="accent1"/>
+    </dgm:linClrLst>
+    <dgm:effectClrLst/>
+    <dgm:txLinClrLst/>
+    <dgm:txFillClrLst meth="repeat">
+      <a:schemeClr val="tx1"/>
+    </dgm:txFillClrLst>
+    <dgm:txEffectClrLst/>
+  </dgm:styleLbl>
+  <dgm:styleLbl name="parChTrans1D4">
+    <dgm:fillClrLst meth="repeat">
+      <a:schemeClr val="accent6">
+        <a:tint val="50000"/>
+      </a:schemeClr>
+    </dgm:fillClrLst>
+    <dgm:linClrLst meth="repeat">
+      <a:schemeClr val="accent2"/>
+    </dgm:linClrLst>
+    <dgm:effectClrLst/>
+    <dgm:txLinClrLst/>
+    <dgm:txFillClrLst meth="repeat">
+      <a:schemeClr val="tx1"/>
+    </dgm:txFillClrLst>
+    <dgm:txEffectClrLst/>
+  </dgm:styleLbl>
+  <dgm:styleLbl name="fgAcc1">
+    <dgm:fillClrLst meth="repeat">
+      <a:schemeClr val="lt1">
+        <a:alpha val="90000"/>
+      </a:schemeClr>
+    </dgm:fillClrLst>
+    <dgm:linClrLst>
+      <a:schemeClr val="accent5"/>
+      <a:schemeClr val="accent6"/>
+    </dgm:linClrLst>
+    <dgm:effectClrLst/>
+    <dgm:txLinClrLst/>
+    <dgm:txFillClrLst meth="repeat">
+      <a:schemeClr val="dk1"/>
+    </dgm:txFillClrLst>
+    <dgm:txEffectClrLst/>
+  </dgm:styleLbl>
+  <dgm:styleLbl name="conFgAcc1">
+    <dgm:fillClrLst meth="repeat">
+      <a:schemeClr val="lt1">
+        <a:alpha val="90000"/>
+      </a:schemeClr>
+    </dgm:fillClrLst>
+    <dgm:linClrLst>
+      <a:schemeClr val="accent5"/>
+      <a:schemeClr val="accent6"/>
+    </dgm:linClrLst>
+    <dgm:effectClrLst/>
+    <dgm:txLinClrLst/>
+    <dgm:txFillClrLst meth="repeat">
+      <a:schemeClr val="dk1"/>
+    </dgm:txFillClrLst>
+    <dgm:txEffectClrLst/>
+  </dgm:styleLbl>
+  <dgm:styleLbl name="alignAcc1">
+    <dgm:fillClrLst meth="repeat">
+      <a:schemeClr val="lt1">
+        <a:alpha val="90000"/>
+      </a:schemeClr>
+    </dgm:fillClrLst>
+    <dgm:linClrLst>
+      <a:schemeClr val="accent5"/>
+      <a:schemeClr val="accent6"/>
+    </dgm:linClrLst>
+    <dgm:effectClrLst/>
+    <dgm:txLinClrLst/>
+    <dgm:txFillClrLst meth="repeat">
+      <a:schemeClr val="dk1"/>
+    </dgm:txFillClrLst>
+    <dgm:txEffectClrLst/>
+  </dgm:styleLbl>
+  <dgm:styleLbl name="trAlignAcc1">
+    <dgm:fillClrLst meth="repeat">
+      <a:schemeClr val="lt1">
+        <a:alpha val="40000"/>
+      </a:schemeClr>
+    </dgm:fillClrLst>
+    <dgm:linClrLst meth="repeat">
+      <a:schemeClr val="accent5"/>
+    </dgm:linClrLst>
+    <dgm:effectClrLst/>
+    <dgm:txLinClrLst/>
+    <dgm:txFillClrLst meth="repeat">
+      <a:schemeClr val="dk1"/>
+    </dgm:txFillClrLst>
+    <dgm:txEffectClrLst/>
+  </dgm:styleLbl>
+  <dgm:styleLbl name="bgAcc1">
+    <dgm:fillClrLst meth="repeat">
+      <a:schemeClr val="lt1">
+        <a:alpha val="90000"/>
+      </a:schemeClr>
+    </dgm:fillClrLst>
+    <dgm:linClrLst>
+      <a:schemeClr val="accent5"/>
+      <a:schemeClr val="accent6"/>
+    </dgm:linClrLst>
+    <dgm:effectClrLst/>
+    <dgm:txLinClrLst/>
+    <dgm:txFillClrLst meth="repeat">
+      <a:schemeClr val="dk1"/>
+    </dgm:txFillClrLst>
+    <dgm:txEffectClrLst/>
+  </dgm:styleLbl>
+  <dgm:styleLbl name="solidFgAcc1">
+    <dgm:fillClrLst meth="repeat">
+      <a:schemeClr val="lt1"/>
+    </dgm:fillClrLst>
+    <dgm:linClrLst>
+      <a:schemeClr val="accent5"/>
+      <a:schemeClr val="accent6"/>
+    </dgm:linClrLst>
+    <dgm:effectClrLst/>
+    <dgm:txLinClrLst/>
+    <dgm:txFillClrLst meth="repeat">
+      <a:schemeClr val="dk1"/>
+    </dgm:txFillClrLst>
+    <dgm:txEffectClrLst/>
+  </dgm:styleLbl>
+  <dgm:styleLbl name="solidAlignAcc1">
+    <dgm:fillClrLst meth="repeat">
+      <a:schemeClr val="lt1"/>
+    </dgm:fillClrLst>
+    <dgm:linClrLst>
+      <a:schemeClr val="accent5"/>
+      <a:schemeClr val="accent6"/>
+    </dgm:linClrLst>
+    <dgm:effectClrLst/>
+    <dgm:txLinClrLst/>
+    <dgm:txFillClrLst meth="repeat">
+      <a:schemeClr val="dk1"/>
+    </dgm:txFillClrLst>
+    <dgm:txEffectClrLst/>
+  </dgm:styleLbl>
+  <dgm:styleLbl name="solidBgAcc1">
+    <dgm:fillClrLst meth="repeat">
+      <a:schemeClr val="lt1"/>
+    </dgm:fillClrLst>
+    <dgm:linClrLst>
+      <a:schemeClr val="accent5"/>
+      <a:schemeClr val="accent6"/>
+    </dgm:linClrLst>
+    <dgm:effectClrLst/>
+    <dgm:txLinClrLst/>
+    <dgm:txFillClrLst meth="repeat">
+      <a:schemeClr val="dk1"/>
+    </dgm:txFillClrLst>
+    <dgm:txEffectClrLst/>
+  </dgm:styleLbl>
+  <dgm:styleLbl name="fgAccFollowNode1">
+    <dgm:fillClrLst>
+      <a:schemeClr val="accent5">
+        <a:tint val="40000"/>
+        <a:alpha val="90000"/>
+      </a:schemeClr>
+      <a:schemeClr val="accent6">
+        <a:tint val="40000"/>
+        <a:alpha val="90000"/>
+      </a:schemeClr>
+    </dgm:fillClrLst>
+    <dgm:linClrLst>
+      <a:schemeClr val="accent5">
+        <a:tint val="40000"/>
+        <a:alpha val="90000"/>
+      </a:schemeClr>
+      <a:schemeClr val="accent5">
+        <a:tint val="40000"/>
+        <a:alpha val="90000"/>
+      </a:schemeClr>
+    </dgm:linClrLst>
+    <dgm:effectClrLst/>
+    <dgm:txLinClrLst/>
+    <dgm:txFillClrLst meth="repeat">
+      <a:schemeClr val="dk1"/>
+    </dgm:txFillClrLst>
+    <dgm:txEffectClrLst/>
+  </dgm:styleLbl>
+  <dgm:styleLbl name="alignAccFollowNode1">
+    <dgm:fillClrLst>
+      <a:schemeClr val="accent5">
+        <a:tint val="40000"/>
+        <a:alpha val="90000"/>
+      </a:schemeClr>
+      <a:schemeClr val="accent6">
+        <a:tint val="40000"/>
+        <a:alpha val="90000"/>
+      </a:schemeClr>
+    </dgm:fillClrLst>
+    <dgm:linClrLst>
+      <a:schemeClr val="accent5">
+        <a:tint val="40000"/>
+        <a:alpha val="90000"/>
+      </a:schemeClr>
+      <a:schemeClr val="accent6">
+        <a:tint val="40000"/>
+        <a:alpha val="90000"/>
+      </a:schemeClr>
+    </dgm:linClrLst>
+    <dgm:effectClrLst/>
+    <dgm:txLinClrLst/>
+    <dgm:txFillClrLst meth="repeat">
+      <a:schemeClr val="dk1"/>
+    </dgm:txFillClrLst>
+    <dgm:txEffectClrLst/>
+  </dgm:styleLbl>
+  <dgm:styleLbl name="bgAccFollowNode1">
+    <dgm:fillClrLst>
+      <a:schemeClr val="accent5">
+        <a:tint val="40000"/>
+        <a:alpha val="90000"/>
+      </a:schemeClr>
+      <a:schemeClr val="accent6">
+        <a:tint val="40000"/>
+        <a:alpha val="90000"/>
+      </a:schemeClr>
+    </dgm:fillClrLst>
+    <dgm:linClrLst>
+      <a:schemeClr val="accent5">
+        <a:tint val="40000"/>
+        <a:alpha val="90000"/>
+      </a:schemeClr>
+      <a:schemeClr val="accent6">
+        <a:tint val="40000"/>
+        <a:alpha val="90000"/>
+      </a:schemeClr>
+    </dgm:linClrLst>
+    <dgm:effectClrLst/>
+    <dgm:txLinClrLst/>
+    <dgm:txFillClrLst meth="repeat">
+      <a:schemeClr val="dk1"/>
+    </dgm:txFillClrLst>
+    <dgm:txEffectClrLst/>
+  </dgm:styleLbl>
+  <dgm:styleLbl name="fgAcc0">
+    <dgm:fillClrLst meth="repeat">
+      <a:schemeClr val="lt1">
+        <a:alpha val="90000"/>
+      </a:schemeClr>
+    </dgm:fillClrLst>
+    <dgm:linClrLst>
+      <a:schemeClr val="accent4"/>
+    </dgm:linClrLst>
+    <dgm:effectClrLst/>
+    <dgm:txLinClrLst/>
+    <dgm:txFillClrLst meth="repeat">
+      <a:schemeClr val="dk1"/>
+    </dgm:txFillClrLst>
+    <dgm:txEffectClrLst/>
+  </dgm:styleLbl>
+  <dgm:styleLbl name="fgAcc2">
+    <dgm:fillClrLst meth="repeat">
+      <a:schemeClr val="lt1">
+        <a:alpha val="90000"/>
+      </a:schemeClr>
+    </dgm:fillClrLst>
+    <dgm:linClrLst>
+      <a:schemeClr val="accent6"/>
+    </dgm:linClrLst>
+    <dgm:effectClrLst/>
+    <dgm:txLinClrLst/>
+    <dgm:txFillClrLst meth="repeat">
+      <a:schemeClr val="dk1"/>
+    </dgm:txFillClrLst>
+    <dgm:txEffectClrLst/>
+  </dgm:styleLbl>
+  <dgm:styleLbl name="fgAcc3">
+    <dgm:fillClrLst meth="repeat">
+      <a:schemeClr val="lt1">
+        <a:alpha val="90000"/>
+      </a:schemeClr>
+    </dgm:fillClrLst>
+    <dgm:linClrLst>
+      <a:schemeClr val="accent1"/>
+    </dgm:linClrLst>
+    <dgm:effectClrLst/>
+    <dgm:txLinClrLst/>
+    <dgm:txFillClrLst meth="repeat">
+      <a:schemeClr val="dk1"/>
+    </dgm:txFillClrLst>
+    <dgm:txEffectClrLst/>
+  </dgm:styleLbl>
+  <dgm:styleLbl name="fgAcc4">
+    <dgm:fillClrLst meth="repeat">
+      <a:schemeClr val="lt1">
+        <a:alpha val="90000"/>
+      </a:schemeClr>
+    </dgm:fillClrLst>
+    <dgm:linClrLst>
+      <a:schemeClr val="accent2"/>
+    </dgm:linClrLst>
+    <dgm:effectClrLst/>
+    <dgm:txLinClrLst/>
+    <dgm:txFillClrLst meth="repeat">
+      <a:schemeClr val="dk1"/>
+    </dgm:txFillClrLst>
+    <dgm:txEffectClrLst/>
+  </dgm:styleLbl>
+  <dgm:styleLbl name="bgShp">
+    <dgm:fillClrLst meth="repeat">
+      <a:schemeClr val="accent5">
+        <a:tint val="40000"/>
+      </a:schemeClr>
+    </dgm:fillClrLst>
+    <dgm:linClrLst meth="repeat">
+      <a:schemeClr val="dk1"/>
+    </dgm:linClrLst>
+    <dgm:effectClrLst/>
+    <dgm:txLinClrLst/>
+    <dgm:txFillClrLst meth="repeat">
+      <a:schemeClr val="dk1"/>
+    </dgm:txFillClrLst>
+    <dgm:txEffectClrLst/>
+  </dgm:styleLbl>
+  <dgm:styleLbl name="dkBgShp">
+    <dgm:fillClrLst meth="repeat">
+      <a:schemeClr val="accent5">
+        <a:shade val="90000"/>
+      </a:schemeClr>
+    </dgm:fillClrLst>
+    <dgm:linClrLst meth="repeat">
+      <a:schemeClr val="dk1"/>
+    </dgm:linClrLst>
+    <dgm:effectClrLst/>
+    <dgm:txLinClrLst/>
+    <dgm:txFillClrLst meth="repeat">
+      <a:schemeClr val="lt1"/>
+    </dgm:txFillClrLst>
+    <dgm:txEffectClrLst/>
+  </dgm:styleLbl>
+  <dgm:styleLbl name="trBgShp">
+    <dgm:fillClrLst meth="repeat">
+      <a:schemeClr val="accent5">
+        <a:tint val="50000"/>
+        <a:alpha val="40000"/>
+      </a:schemeClr>
+    </dgm:fillClrLst>
+    <dgm:linClrLst meth="repeat">
+      <a:schemeClr val="accent5"/>
+    </dgm:linClrLst>
+    <dgm:effectClrLst/>
+    <dgm:txLinClrLst/>
+    <dgm:txFillClrLst meth="repeat">
+      <a:schemeClr val="lt1"/>
+    </dgm:txFillClrLst>
+    <dgm:txEffectClrLst/>
+  </dgm:styleLbl>
+  <dgm:styleLbl name="fgShp">
+    <dgm:fillClrLst meth="repeat">
+      <a:schemeClr val="accent5">
+        <a:tint val="40000"/>
+      </a:schemeClr>
+    </dgm:fillClrLst>
+    <dgm:linClrLst meth="repeat">
+      <a:schemeClr val="lt1"/>
+    </dgm:linClrLst>
+    <dgm:effectClrLst/>
+    <dgm:txLinClrLst/>
+    <dgm:txFillClrLst meth="repeat">
+      <a:schemeClr val="dk1"/>
+    </dgm:txFillClrLst>
+    <dgm:txEffectClrLst/>
+  </dgm:styleLbl>
+  <dgm:styleLbl name="revTx">
+    <dgm:fillClrLst meth="repeat">
+      <a:schemeClr val="lt1">
+        <a:alpha val="0"/>
+      </a:schemeClr>
+    </dgm:fillClrLst>
+    <dgm:linClrLst meth="repeat">
+      <a:schemeClr val="dk1">
+        <a:alpha val="0"/>
+      </a:schemeClr>
+    </dgm:linClrLst>
+    <dgm:effectClrLst/>
+    <dgm:txLinClrLst/>
+    <dgm:txFillClrLst meth="repeat">
+      <a:schemeClr val="tx1"/>
+    </dgm:txFillClrLst>
+    <dgm:txEffectClrLst/>
+  </dgm:styleLbl>
+</dgm:colorsDef>
+</file>
+
+<file path=ppt/diagrams/data1.xml><?xml version="1.0" encoding="utf-8"?>
+<dgm:dataModel xmlns:dgm="http://schemas.openxmlformats.org/drawingml/2006/diagram" xmlns:a="http://schemas.openxmlformats.org/drawingml/2006/main">
+  <dgm:ptLst>
+    <dgm:pt modelId="{EBC1A52E-BB2A-4B8D-9EBC-62A9A9B45BE8}" type="doc">
+      <dgm:prSet loTypeId="urn:microsoft.com/office/officeart/2005/8/layout/vList3" loCatId="list" qsTypeId="urn:microsoft.com/office/officeart/2005/8/quickstyle/simple1" qsCatId="simple" csTypeId="urn:microsoft.com/office/officeart/2005/8/colors/colorful5" csCatId="colorful" phldr="1"/>
+      <dgm:spPr/>
+      <dgm:t>
+        <a:bodyPr/>
+        <a:lstStyle/>
+        <a:p>
+          <a:endParaRPr lang="it-IT"/>
+        </a:p>
+      </dgm:t>
+    </dgm:pt>
+    <dgm:pt modelId="{C181389C-CCFB-4CC9-A20A-9A49BC5D6E42}">
+      <dgm:prSet/>
+      <dgm:spPr/>
+      <dgm:t>
+        <a:bodyPr/>
+        <a:lstStyle/>
+        <a:p>
+          <a:r>
+            <a:rPr lang="it-IT" dirty="0"/>
+            <a:t>Analisi dello stato dell’arte</a:t>
+          </a:r>
+        </a:p>
+      </dgm:t>
+    </dgm:pt>
+    <dgm:pt modelId="{1B36C4AF-4F60-4AAE-AAA4-8209D7A2B008}" type="parTrans" cxnId="{5B78EC0F-C0B6-46E4-9460-5D373E0023A4}">
+      <dgm:prSet/>
+      <dgm:spPr/>
+      <dgm:t>
+        <a:bodyPr/>
+        <a:lstStyle/>
+        <a:p>
+          <a:endParaRPr lang="it-IT"/>
+        </a:p>
+      </dgm:t>
+    </dgm:pt>
+    <dgm:pt modelId="{AAB721F9-EACA-43FE-A87A-0B61762E012F}" type="sibTrans" cxnId="{5B78EC0F-C0B6-46E4-9460-5D373E0023A4}">
+      <dgm:prSet/>
+      <dgm:spPr/>
+      <dgm:t>
+        <a:bodyPr/>
+        <a:lstStyle/>
+        <a:p>
+          <a:endParaRPr lang="it-IT"/>
+        </a:p>
+      </dgm:t>
+    </dgm:pt>
+    <dgm:pt modelId="{6B2E883F-2EF5-4A87-990E-46D9159D681A}">
+      <dgm:prSet/>
+      <dgm:spPr/>
+      <dgm:t>
+        <a:bodyPr/>
+        <a:lstStyle/>
+        <a:p>
+          <a:r>
+            <a:rPr lang="it-IT"/>
+            <a:t>Definizione di un algoritmo di raccomandazione context aware</a:t>
+          </a:r>
+        </a:p>
+      </dgm:t>
+    </dgm:pt>
+    <dgm:pt modelId="{CCB24BE7-A813-4137-96E9-79336F9639D5}" type="parTrans" cxnId="{7B1C856B-DB6E-483F-A582-FE867A87A856}">
+      <dgm:prSet/>
+      <dgm:spPr/>
+      <dgm:t>
+        <a:bodyPr/>
+        <a:lstStyle/>
+        <a:p>
+          <a:endParaRPr lang="it-IT"/>
+        </a:p>
+      </dgm:t>
+    </dgm:pt>
+    <dgm:pt modelId="{5C521D0C-A33E-4DD7-9919-1BCE61E01D1E}" type="sibTrans" cxnId="{7B1C856B-DB6E-483F-A582-FE867A87A856}">
+      <dgm:prSet/>
+      <dgm:spPr/>
+      <dgm:t>
+        <a:bodyPr/>
+        <a:lstStyle/>
+        <a:p>
+          <a:endParaRPr lang="it-IT"/>
+        </a:p>
+      </dgm:t>
+    </dgm:pt>
+    <dgm:pt modelId="{C765EDFA-D62B-4141-8F31-4267B19EE59E}">
+      <dgm:prSet/>
+      <dgm:spPr/>
+      <dgm:t>
+        <a:bodyPr/>
+        <a:lstStyle/>
+        <a:p>
+          <a:r>
+            <a:rPr lang="it-IT"/>
+            <a:t>Ricerca di dataset per la valutazione</a:t>
+          </a:r>
+        </a:p>
+      </dgm:t>
+    </dgm:pt>
+    <dgm:pt modelId="{74DBFC7A-C920-4743-82BF-C29A2AC98B86}" type="parTrans" cxnId="{FB61EB1E-05D4-4F4D-B193-91CF385D635C}">
+      <dgm:prSet/>
+      <dgm:spPr/>
+      <dgm:t>
+        <a:bodyPr/>
+        <a:lstStyle/>
+        <a:p>
+          <a:endParaRPr lang="it-IT"/>
+        </a:p>
+      </dgm:t>
+    </dgm:pt>
+    <dgm:pt modelId="{6DAE6AC3-0A1A-4E9E-8A78-2EC49096C9FB}" type="sibTrans" cxnId="{FB61EB1E-05D4-4F4D-B193-91CF385D635C}">
+      <dgm:prSet/>
+      <dgm:spPr/>
+      <dgm:t>
+        <a:bodyPr/>
+        <a:lstStyle/>
+        <a:p>
+          <a:endParaRPr lang="it-IT"/>
+        </a:p>
+      </dgm:t>
+    </dgm:pt>
+    <dgm:pt modelId="{4BB141F0-FB3D-411A-B50F-76A8AE79B2A4}" type="pres">
+      <dgm:prSet presAssocID="{EBC1A52E-BB2A-4B8D-9EBC-62A9A9B45BE8}" presName="linearFlow" presStyleCnt="0">
+        <dgm:presLayoutVars>
+          <dgm:dir/>
+          <dgm:resizeHandles val="exact"/>
+        </dgm:presLayoutVars>
+      </dgm:prSet>
+      <dgm:spPr/>
+    </dgm:pt>
+    <dgm:pt modelId="{A1C200D1-5E04-44C9-82D5-4F203C1ED9BD}" type="pres">
+      <dgm:prSet presAssocID="{C181389C-CCFB-4CC9-A20A-9A49BC5D6E42}" presName="composite" presStyleCnt="0"/>
+      <dgm:spPr/>
+    </dgm:pt>
+    <dgm:pt modelId="{194CCFDD-EE1C-40F2-90E6-776691F53095}" type="pres">
+      <dgm:prSet presAssocID="{C181389C-CCFB-4CC9-A20A-9A49BC5D6E42}" presName="imgShp" presStyleLbl="fgImgPlace1" presStyleIdx="0" presStyleCnt="3"/>
+      <dgm:spPr>
+        <a:solidFill>
+          <a:srgbClr val="C4D5EB"/>
+        </a:solidFill>
+      </dgm:spPr>
+    </dgm:pt>
+    <dgm:pt modelId="{3C18FFD9-1F77-417F-BC7E-11CB13EA4312}" type="pres">
+      <dgm:prSet presAssocID="{C181389C-CCFB-4CC9-A20A-9A49BC5D6E42}" presName="txShp" presStyleLbl="node1" presStyleIdx="0" presStyleCnt="3">
+        <dgm:presLayoutVars>
+          <dgm:bulletEnabled val="1"/>
+        </dgm:presLayoutVars>
+      </dgm:prSet>
+      <dgm:spPr>
+        <a:prstGeom prst="roundRect">
+          <a:avLst/>
+        </a:prstGeom>
+      </dgm:spPr>
+    </dgm:pt>
+    <dgm:pt modelId="{3E845867-D4A2-48A1-AA20-D9CD3D2131C0}" type="pres">
+      <dgm:prSet presAssocID="{AAB721F9-EACA-43FE-A87A-0B61762E012F}" presName="spacing" presStyleCnt="0"/>
+      <dgm:spPr/>
+    </dgm:pt>
+    <dgm:pt modelId="{6490C91C-A4FA-4238-B9F7-4526E5A49CB4}" type="pres">
+      <dgm:prSet presAssocID="{6B2E883F-2EF5-4A87-990E-46D9159D681A}" presName="composite" presStyleCnt="0"/>
+      <dgm:spPr/>
+    </dgm:pt>
+    <dgm:pt modelId="{5B9D4EDF-2D6F-4724-BECA-90FB01777BA4}" type="pres">
+      <dgm:prSet presAssocID="{6B2E883F-2EF5-4A87-990E-46D9159D681A}" presName="imgShp" presStyleLbl="fgImgPlace1" presStyleIdx="1" presStyleCnt="3"/>
+      <dgm:spPr>
+        <a:solidFill>
+          <a:srgbClr val="C2E4D7"/>
+        </a:solidFill>
+        <a:ln>
+          <a:solidFill>
+            <a:srgbClr val="C2E4D7"/>
+          </a:solidFill>
+        </a:ln>
+      </dgm:spPr>
+    </dgm:pt>
+    <dgm:pt modelId="{4B7E0A75-BFBB-4255-885D-5F99F53B2100}" type="pres">
+      <dgm:prSet presAssocID="{6B2E883F-2EF5-4A87-990E-46D9159D681A}" presName="txShp" presStyleLbl="node1" presStyleIdx="1" presStyleCnt="3">
+        <dgm:presLayoutVars>
+          <dgm:bulletEnabled val="1"/>
+        </dgm:presLayoutVars>
+      </dgm:prSet>
+      <dgm:spPr>
+        <a:prstGeom prst="roundRect">
+          <a:avLst/>
+        </a:prstGeom>
+      </dgm:spPr>
+    </dgm:pt>
+    <dgm:pt modelId="{3B6C96D1-E030-4575-BC8F-CFA5A779C714}" type="pres">
+      <dgm:prSet presAssocID="{5C521D0C-A33E-4DD7-9919-1BCE61E01D1E}" presName="spacing" presStyleCnt="0"/>
+      <dgm:spPr/>
+    </dgm:pt>
+    <dgm:pt modelId="{81A35590-9EE3-4899-8A80-4A0BDD47E77B}" type="pres">
+      <dgm:prSet presAssocID="{C765EDFA-D62B-4141-8F31-4267B19EE59E}" presName="composite" presStyleCnt="0"/>
+      <dgm:spPr/>
+    </dgm:pt>
+    <dgm:pt modelId="{00E91AA3-6ACB-42DF-9100-AEC9B5BE76E1}" type="pres">
+      <dgm:prSet presAssocID="{C765EDFA-D62B-4141-8F31-4267B19EE59E}" presName="imgShp" presStyleLbl="fgImgPlace1" presStyleIdx="2" presStyleCnt="3"/>
+      <dgm:spPr>
+        <a:solidFill>
+          <a:srgbClr val="C9DBC1"/>
+        </a:solidFill>
+        <a:ln>
+          <a:solidFill>
+            <a:srgbClr val="C9DBC1"/>
+          </a:solidFill>
+        </a:ln>
+      </dgm:spPr>
+    </dgm:pt>
+    <dgm:pt modelId="{A8FD6388-5E37-49E9-8CC2-A5BBF6C6F3E3}" type="pres">
+      <dgm:prSet presAssocID="{C765EDFA-D62B-4141-8F31-4267B19EE59E}" presName="txShp" presStyleLbl="node1" presStyleIdx="2" presStyleCnt="3">
+        <dgm:presLayoutVars>
+          <dgm:bulletEnabled val="1"/>
+        </dgm:presLayoutVars>
+      </dgm:prSet>
+      <dgm:spPr>
+        <a:prstGeom prst="roundRect">
+          <a:avLst/>
+        </a:prstGeom>
+      </dgm:spPr>
+    </dgm:pt>
+  </dgm:ptLst>
+  <dgm:cxnLst>
+    <dgm:cxn modelId="{5B78EC0F-C0B6-46E4-9460-5D373E0023A4}" srcId="{EBC1A52E-BB2A-4B8D-9EBC-62A9A9B45BE8}" destId="{C181389C-CCFB-4CC9-A20A-9A49BC5D6E42}" srcOrd="0" destOrd="0" parTransId="{1B36C4AF-4F60-4AAE-AAA4-8209D7A2B008}" sibTransId="{AAB721F9-EACA-43FE-A87A-0B61762E012F}"/>
+    <dgm:cxn modelId="{FB61EB1E-05D4-4F4D-B193-91CF385D635C}" srcId="{EBC1A52E-BB2A-4B8D-9EBC-62A9A9B45BE8}" destId="{C765EDFA-D62B-4141-8F31-4267B19EE59E}" srcOrd="2" destOrd="0" parTransId="{74DBFC7A-C920-4743-82BF-C29A2AC98B86}" sibTransId="{6DAE6AC3-0A1A-4E9E-8A78-2EC49096C9FB}"/>
+    <dgm:cxn modelId="{3CE3A62C-A1D1-4663-9264-410FE27AE7B8}" type="presOf" srcId="{6B2E883F-2EF5-4A87-990E-46D9159D681A}" destId="{4B7E0A75-BFBB-4255-885D-5F99F53B2100}" srcOrd="0" destOrd="0" presId="urn:microsoft.com/office/officeart/2005/8/layout/vList3"/>
+    <dgm:cxn modelId="{F65C7D3F-5F7B-4336-A913-CA314799A4D3}" type="presOf" srcId="{C765EDFA-D62B-4141-8F31-4267B19EE59E}" destId="{A8FD6388-5E37-49E9-8CC2-A5BBF6C6F3E3}" srcOrd="0" destOrd="0" presId="urn:microsoft.com/office/officeart/2005/8/layout/vList3"/>
+    <dgm:cxn modelId="{7B1C856B-DB6E-483F-A582-FE867A87A856}" srcId="{EBC1A52E-BB2A-4B8D-9EBC-62A9A9B45BE8}" destId="{6B2E883F-2EF5-4A87-990E-46D9159D681A}" srcOrd="1" destOrd="0" parTransId="{CCB24BE7-A813-4137-96E9-79336F9639D5}" sibTransId="{5C521D0C-A33E-4DD7-9919-1BCE61E01D1E}"/>
+    <dgm:cxn modelId="{6A71134C-B688-4188-A375-047896F082F5}" type="presOf" srcId="{EBC1A52E-BB2A-4B8D-9EBC-62A9A9B45BE8}" destId="{4BB141F0-FB3D-411A-B50F-76A8AE79B2A4}" srcOrd="0" destOrd="0" presId="urn:microsoft.com/office/officeart/2005/8/layout/vList3"/>
+    <dgm:cxn modelId="{1485DDAF-E806-409C-964B-A0C60FFDD748}" type="presOf" srcId="{C181389C-CCFB-4CC9-A20A-9A49BC5D6E42}" destId="{3C18FFD9-1F77-417F-BC7E-11CB13EA4312}" srcOrd="0" destOrd="0" presId="urn:microsoft.com/office/officeart/2005/8/layout/vList3"/>
+    <dgm:cxn modelId="{48767E2E-C021-4B7A-BDAF-9252BFD3C1CB}" type="presParOf" srcId="{4BB141F0-FB3D-411A-B50F-76A8AE79B2A4}" destId="{A1C200D1-5E04-44C9-82D5-4F203C1ED9BD}" srcOrd="0" destOrd="0" presId="urn:microsoft.com/office/officeart/2005/8/layout/vList3"/>
+    <dgm:cxn modelId="{A3F3229D-8B4B-4362-82F7-B45A5C6AEF40}" type="presParOf" srcId="{A1C200D1-5E04-44C9-82D5-4F203C1ED9BD}" destId="{194CCFDD-EE1C-40F2-90E6-776691F53095}" srcOrd="0" destOrd="0" presId="urn:microsoft.com/office/officeart/2005/8/layout/vList3"/>
+    <dgm:cxn modelId="{A2009D50-CFD8-4F5E-AA65-CFC5C88667FB}" type="presParOf" srcId="{A1C200D1-5E04-44C9-82D5-4F203C1ED9BD}" destId="{3C18FFD9-1F77-417F-BC7E-11CB13EA4312}" srcOrd="1" destOrd="0" presId="urn:microsoft.com/office/officeart/2005/8/layout/vList3"/>
+    <dgm:cxn modelId="{83B5A8FD-4FC2-48AA-933B-B97C31799950}" type="presParOf" srcId="{4BB141F0-FB3D-411A-B50F-76A8AE79B2A4}" destId="{3E845867-D4A2-48A1-AA20-D9CD3D2131C0}" srcOrd="1" destOrd="0" presId="urn:microsoft.com/office/officeart/2005/8/layout/vList3"/>
+    <dgm:cxn modelId="{B79E519F-F799-471D-A5A4-48EC1E858BED}" type="presParOf" srcId="{4BB141F0-FB3D-411A-B50F-76A8AE79B2A4}" destId="{6490C91C-A4FA-4238-B9F7-4526E5A49CB4}" srcOrd="2" destOrd="0" presId="urn:microsoft.com/office/officeart/2005/8/layout/vList3"/>
+    <dgm:cxn modelId="{049B7CB4-0C54-4A0C-8D56-A47FEA0252B2}" type="presParOf" srcId="{6490C91C-A4FA-4238-B9F7-4526E5A49CB4}" destId="{5B9D4EDF-2D6F-4724-BECA-90FB01777BA4}" srcOrd="0" destOrd="0" presId="urn:microsoft.com/office/officeart/2005/8/layout/vList3"/>
+    <dgm:cxn modelId="{7AAFB440-9991-445B-A383-55511AE9DE84}" type="presParOf" srcId="{6490C91C-A4FA-4238-B9F7-4526E5A49CB4}" destId="{4B7E0A75-BFBB-4255-885D-5F99F53B2100}" srcOrd="1" destOrd="0" presId="urn:microsoft.com/office/officeart/2005/8/layout/vList3"/>
+    <dgm:cxn modelId="{B1A01DDC-DF20-4C1A-8430-CE3631CEAD14}" type="presParOf" srcId="{4BB141F0-FB3D-411A-B50F-76A8AE79B2A4}" destId="{3B6C96D1-E030-4575-BC8F-CFA5A779C714}" srcOrd="3" destOrd="0" presId="urn:microsoft.com/office/officeart/2005/8/layout/vList3"/>
+    <dgm:cxn modelId="{4947CEDB-5D6E-4388-961E-A50B6915F75A}" type="presParOf" srcId="{4BB141F0-FB3D-411A-B50F-76A8AE79B2A4}" destId="{81A35590-9EE3-4899-8A80-4A0BDD47E77B}" srcOrd="4" destOrd="0" presId="urn:microsoft.com/office/officeart/2005/8/layout/vList3"/>
+    <dgm:cxn modelId="{94850F6C-3F99-4DDD-806B-4036CF9730B7}" type="presParOf" srcId="{81A35590-9EE3-4899-8A80-4A0BDD47E77B}" destId="{00E91AA3-6ACB-42DF-9100-AEC9B5BE76E1}" srcOrd="0" destOrd="0" presId="urn:microsoft.com/office/officeart/2005/8/layout/vList3"/>
+    <dgm:cxn modelId="{C75A7870-24DA-4D0D-9C07-9B05DA441DC6}" type="presParOf" srcId="{81A35590-9EE3-4899-8A80-4A0BDD47E77B}" destId="{A8FD6388-5E37-49E9-8CC2-A5BBF6C6F3E3}" srcOrd="1" destOrd="0" presId="urn:microsoft.com/office/officeart/2005/8/layout/vList3"/>
+  </dgm:cxnLst>
+  <dgm:bg/>
+  <dgm:whole/>
+  <dgm:extLst>
+    <a:ext uri="http://schemas.microsoft.com/office/drawing/2008/diagram">
+      <dsp:dataModelExt xmlns:dsp="http://schemas.microsoft.com/office/drawing/2008/diagram" relId="rId6" minVer="http://schemas.openxmlformats.org/drawingml/2006/diagram"/>
+    </a:ext>
+  </dgm:extLst>
+</dgm:dataModel>
+</file>
+
+<file path=ppt/diagrams/drawing1.xml><?xml version="1.0" encoding="utf-8"?>
+<dsp:drawing xmlns:dgm="http://schemas.openxmlformats.org/drawingml/2006/diagram" xmlns:dsp="http://schemas.microsoft.com/office/drawing/2008/diagram" xmlns:a="http://schemas.openxmlformats.org/drawingml/2006/main">
+  <dsp:spTree>
+    <dsp:nvGrpSpPr>
+      <dsp:cNvPr id="0" name=""/>
+      <dsp:cNvGrpSpPr/>
+    </dsp:nvGrpSpPr>
+    <dsp:grpSpPr/>
+    <dsp:sp modelId="{3C18FFD9-1F77-417F-BC7E-11CB13EA4312}">
+      <dsp:nvSpPr>
+        <dsp:cNvPr id="0" name=""/>
+        <dsp:cNvSpPr/>
+      </dsp:nvSpPr>
+      <dsp:spPr>
+        <a:xfrm rot="10800000">
+          <a:off x="1623218" y="1656"/>
+          <a:ext cx="5244655" cy="1208786"/>
+        </a:xfrm>
+        <a:prstGeom prst="roundRect">
+          <a:avLst/>
+        </a:prstGeom>
+        <a:solidFill>
+          <a:schemeClr val="accent5">
+            <a:hueOff val="0"/>
+            <a:satOff val="0"/>
+            <a:lumOff val="0"/>
+            <a:alphaOff val="0"/>
+          </a:schemeClr>
+        </a:solidFill>
+        <a:ln w="12700" cap="flat" cmpd="sng" algn="ctr">
+          <a:solidFill>
+            <a:schemeClr val="lt1">
+              <a:hueOff val="0"/>
+              <a:satOff val="0"/>
+              <a:lumOff val="0"/>
+              <a:alphaOff val="0"/>
+            </a:schemeClr>
+          </a:solidFill>
+          <a:prstDash val="solid"/>
+          <a:miter lim="800000"/>
+        </a:ln>
+        <a:effectLst/>
+      </dsp:spPr>
+      <dsp:style>
+        <a:lnRef idx="2">
+          <a:scrgbClr r="0" g="0" b="0"/>
+        </a:lnRef>
+        <a:fillRef idx="1">
+          <a:scrgbClr r="0" g="0" b="0"/>
+        </a:fillRef>
+        <a:effectRef idx="0">
+          <a:scrgbClr r="0" g="0" b="0"/>
+        </a:effectRef>
+        <a:fontRef idx="minor">
+          <a:schemeClr val="lt1"/>
+        </a:fontRef>
+      </dsp:style>
+      <dsp:txBody>
+        <a:bodyPr spcFirstLastPara="0" vert="horz" wrap="square" lIns="533041" tIns="99060" rIns="184912" bIns="99060" numCol="1" spcCol="1270" anchor="ctr" anchorCtr="0">
+          <a:noAutofit/>
+        </a:bodyPr>
+        <a:lstStyle/>
+        <a:p>
+          <a:pPr marL="0" lvl="0" indent="0" algn="ctr" defTabSz="1155700">
+            <a:lnSpc>
+              <a:spcPct val="90000"/>
+            </a:lnSpc>
+            <a:spcBef>
+              <a:spcPct val="0"/>
+            </a:spcBef>
+            <a:spcAft>
+              <a:spcPct val="35000"/>
+            </a:spcAft>
+            <a:buNone/>
+          </a:pPr>
+          <a:r>
+            <a:rPr lang="it-IT" sz="2600" kern="1200" dirty="0"/>
+            <a:t>Analisi dello stato dell’arte</a:t>
+          </a:r>
+        </a:p>
+      </dsp:txBody>
+      <dsp:txXfrm rot="10800000">
+        <a:off x="1682226" y="60664"/>
+        <a:ext cx="5126639" cy="1090770"/>
+      </dsp:txXfrm>
+    </dsp:sp>
+    <dsp:sp modelId="{194CCFDD-EE1C-40F2-90E6-776691F53095}">
+      <dsp:nvSpPr>
+        <dsp:cNvPr id="0" name=""/>
+        <dsp:cNvSpPr/>
+      </dsp:nvSpPr>
+      <dsp:spPr>
+        <a:xfrm>
+          <a:off x="1018825" y="1656"/>
+          <a:ext cx="1208786" cy="1208786"/>
+        </a:xfrm>
+        <a:prstGeom prst="ellipse">
+          <a:avLst/>
+        </a:prstGeom>
+        <a:solidFill>
+          <a:srgbClr val="C4D5EB"/>
+        </a:solidFill>
+        <a:ln w="12700" cap="flat" cmpd="sng" algn="ctr">
+          <a:solidFill>
+            <a:schemeClr val="lt1">
+              <a:hueOff val="0"/>
+              <a:satOff val="0"/>
+              <a:lumOff val="0"/>
+              <a:alphaOff val="0"/>
+            </a:schemeClr>
+          </a:solidFill>
+          <a:prstDash val="solid"/>
+          <a:miter lim="800000"/>
+        </a:ln>
+        <a:effectLst/>
+      </dsp:spPr>
+      <dsp:style>
+        <a:lnRef idx="2">
+          <a:scrgbClr r="0" g="0" b="0"/>
+        </a:lnRef>
+        <a:fillRef idx="1">
+          <a:scrgbClr r="0" g="0" b="0"/>
+        </a:fillRef>
+        <a:effectRef idx="0">
+          <a:scrgbClr r="0" g="0" b="0"/>
+        </a:effectRef>
+        <a:fontRef idx="minor"/>
+      </dsp:style>
+    </dsp:sp>
+    <dsp:sp modelId="{4B7E0A75-BFBB-4255-885D-5F99F53B2100}">
+      <dsp:nvSpPr>
+        <dsp:cNvPr id="0" name=""/>
+        <dsp:cNvSpPr/>
+      </dsp:nvSpPr>
+      <dsp:spPr>
+        <a:xfrm rot="10800000">
+          <a:off x="1623218" y="1571275"/>
+          <a:ext cx="5244655" cy="1208786"/>
+        </a:xfrm>
+        <a:prstGeom prst="roundRect">
+          <a:avLst/>
+        </a:prstGeom>
+        <a:solidFill>
+          <a:schemeClr val="accent5">
+            <a:hueOff val="-3379271"/>
+            <a:satOff val="-8710"/>
+            <a:lumOff val="-5883"/>
+            <a:alphaOff val="0"/>
+          </a:schemeClr>
+        </a:solidFill>
+        <a:ln w="12700" cap="flat" cmpd="sng" algn="ctr">
+          <a:solidFill>
+            <a:schemeClr val="lt1">
+              <a:hueOff val="0"/>
+              <a:satOff val="0"/>
+              <a:lumOff val="0"/>
+              <a:alphaOff val="0"/>
+            </a:schemeClr>
+          </a:solidFill>
+          <a:prstDash val="solid"/>
+          <a:miter lim="800000"/>
+        </a:ln>
+        <a:effectLst/>
+      </dsp:spPr>
+      <dsp:style>
+        <a:lnRef idx="2">
+          <a:scrgbClr r="0" g="0" b="0"/>
+        </a:lnRef>
+        <a:fillRef idx="1">
+          <a:scrgbClr r="0" g="0" b="0"/>
+        </a:fillRef>
+        <a:effectRef idx="0">
+          <a:scrgbClr r="0" g="0" b="0"/>
+        </a:effectRef>
+        <a:fontRef idx="minor">
+          <a:schemeClr val="lt1"/>
+        </a:fontRef>
+      </dsp:style>
+      <dsp:txBody>
+        <a:bodyPr spcFirstLastPara="0" vert="horz" wrap="square" lIns="533041" tIns="99060" rIns="184912" bIns="99060" numCol="1" spcCol="1270" anchor="ctr" anchorCtr="0">
+          <a:noAutofit/>
+        </a:bodyPr>
+        <a:lstStyle/>
+        <a:p>
+          <a:pPr marL="0" lvl="0" indent="0" algn="ctr" defTabSz="1155700">
+            <a:lnSpc>
+              <a:spcPct val="90000"/>
+            </a:lnSpc>
+            <a:spcBef>
+              <a:spcPct val="0"/>
+            </a:spcBef>
+            <a:spcAft>
+              <a:spcPct val="35000"/>
+            </a:spcAft>
+            <a:buNone/>
+          </a:pPr>
+          <a:r>
+            <a:rPr lang="it-IT" sz="2600" kern="1200"/>
+            <a:t>Definizione di un algoritmo di raccomandazione context aware</a:t>
+          </a:r>
+        </a:p>
+      </dsp:txBody>
+      <dsp:txXfrm rot="10800000">
+        <a:off x="1682226" y="1630283"/>
+        <a:ext cx="5126639" cy="1090770"/>
+      </dsp:txXfrm>
+    </dsp:sp>
+    <dsp:sp modelId="{5B9D4EDF-2D6F-4724-BECA-90FB01777BA4}">
+      <dsp:nvSpPr>
+        <dsp:cNvPr id="0" name=""/>
+        <dsp:cNvSpPr/>
+      </dsp:nvSpPr>
+      <dsp:spPr>
+        <a:xfrm>
+          <a:off x="1018825" y="1571275"/>
+          <a:ext cx="1208786" cy="1208786"/>
+        </a:xfrm>
+        <a:prstGeom prst="ellipse">
+          <a:avLst/>
+        </a:prstGeom>
+        <a:solidFill>
+          <a:srgbClr val="C2E4D7"/>
+        </a:solidFill>
+        <a:ln w="12700" cap="flat" cmpd="sng" algn="ctr">
+          <a:solidFill>
+            <a:srgbClr val="C2E4D7"/>
+          </a:solidFill>
+          <a:prstDash val="solid"/>
+          <a:miter lim="800000"/>
+        </a:ln>
+        <a:effectLst/>
+      </dsp:spPr>
+      <dsp:style>
+        <a:lnRef idx="2">
+          <a:scrgbClr r="0" g="0" b="0"/>
+        </a:lnRef>
+        <a:fillRef idx="1">
+          <a:scrgbClr r="0" g="0" b="0"/>
+        </a:fillRef>
+        <a:effectRef idx="0">
+          <a:scrgbClr r="0" g="0" b="0"/>
+        </a:effectRef>
+        <a:fontRef idx="minor"/>
+      </dsp:style>
+    </dsp:sp>
+    <dsp:sp modelId="{A8FD6388-5E37-49E9-8CC2-A5BBF6C6F3E3}">
+      <dsp:nvSpPr>
+        <dsp:cNvPr id="0" name=""/>
+        <dsp:cNvSpPr/>
+      </dsp:nvSpPr>
+      <dsp:spPr>
+        <a:xfrm rot="10800000">
+          <a:off x="1623218" y="3140894"/>
+          <a:ext cx="5244655" cy="1208786"/>
+        </a:xfrm>
+        <a:prstGeom prst="roundRect">
+          <a:avLst/>
+        </a:prstGeom>
+        <a:solidFill>
+          <a:schemeClr val="accent5">
+            <a:hueOff val="-6758543"/>
+            <a:satOff val="-17419"/>
+            <a:lumOff val="-11765"/>
+            <a:alphaOff val="0"/>
+          </a:schemeClr>
+        </a:solidFill>
+        <a:ln w="12700" cap="flat" cmpd="sng" algn="ctr">
+          <a:solidFill>
+            <a:schemeClr val="lt1">
+              <a:hueOff val="0"/>
+              <a:satOff val="0"/>
+              <a:lumOff val="0"/>
+              <a:alphaOff val="0"/>
+            </a:schemeClr>
+          </a:solidFill>
+          <a:prstDash val="solid"/>
+          <a:miter lim="800000"/>
+        </a:ln>
+        <a:effectLst/>
+      </dsp:spPr>
+      <dsp:style>
+        <a:lnRef idx="2">
+          <a:scrgbClr r="0" g="0" b="0"/>
+        </a:lnRef>
+        <a:fillRef idx="1">
+          <a:scrgbClr r="0" g="0" b="0"/>
+        </a:fillRef>
+        <a:effectRef idx="0">
+          <a:scrgbClr r="0" g="0" b="0"/>
+        </a:effectRef>
+        <a:fontRef idx="minor">
+          <a:schemeClr val="lt1"/>
+        </a:fontRef>
+      </dsp:style>
+      <dsp:txBody>
+        <a:bodyPr spcFirstLastPara="0" vert="horz" wrap="square" lIns="533041" tIns="99060" rIns="184912" bIns="99060" numCol="1" spcCol="1270" anchor="ctr" anchorCtr="0">
+          <a:noAutofit/>
+        </a:bodyPr>
+        <a:lstStyle/>
+        <a:p>
+          <a:pPr marL="0" lvl="0" indent="0" algn="ctr" defTabSz="1155700">
+            <a:lnSpc>
+              <a:spcPct val="90000"/>
+            </a:lnSpc>
+            <a:spcBef>
+              <a:spcPct val="0"/>
+            </a:spcBef>
+            <a:spcAft>
+              <a:spcPct val="35000"/>
+            </a:spcAft>
+            <a:buNone/>
+          </a:pPr>
+          <a:r>
+            <a:rPr lang="it-IT" sz="2600" kern="1200"/>
+            <a:t>Ricerca di dataset per la valutazione</a:t>
+          </a:r>
+        </a:p>
+      </dsp:txBody>
+      <dsp:txXfrm rot="10800000">
+        <a:off x="1682226" y="3199902"/>
+        <a:ext cx="5126639" cy="1090770"/>
+      </dsp:txXfrm>
+    </dsp:sp>
+    <dsp:sp modelId="{00E91AA3-6ACB-42DF-9100-AEC9B5BE76E1}">
+      <dsp:nvSpPr>
+        <dsp:cNvPr id="0" name=""/>
+        <dsp:cNvSpPr/>
+      </dsp:nvSpPr>
+      <dsp:spPr>
+        <a:xfrm>
+          <a:off x="1018825" y="3140894"/>
+          <a:ext cx="1208786" cy="1208786"/>
+        </a:xfrm>
+        <a:prstGeom prst="ellipse">
+          <a:avLst/>
+        </a:prstGeom>
+        <a:solidFill>
+          <a:srgbClr val="C9DBC1"/>
+        </a:solidFill>
+        <a:ln w="12700" cap="flat" cmpd="sng" algn="ctr">
+          <a:solidFill>
+            <a:srgbClr val="C9DBC1"/>
+          </a:solidFill>
+          <a:prstDash val="solid"/>
+          <a:miter lim="800000"/>
+        </a:ln>
+        <a:effectLst/>
+      </dsp:spPr>
+      <dsp:style>
+        <a:lnRef idx="2">
+          <a:scrgbClr r="0" g="0" b="0"/>
+        </a:lnRef>
+        <a:fillRef idx="1">
+          <a:scrgbClr r="0" g="0" b="0"/>
+        </a:fillRef>
+        <a:effectRef idx="0">
+          <a:scrgbClr r="0" g="0" b="0"/>
+        </a:effectRef>
+        <a:fontRef idx="minor"/>
+      </dsp:style>
+    </dsp:sp>
+  </dsp:spTree>
+</dsp:drawing>
+</file>
+
+<file path=ppt/diagrams/layout1.xml><?xml version="1.0" encoding="utf-8"?>
+<dgm:layoutDef xmlns:dgm="http://schemas.openxmlformats.org/drawingml/2006/diagram" xmlns:a="http://schemas.openxmlformats.org/drawingml/2006/main" uniqueId="urn:microsoft.com/office/officeart/2005/8/layout/vList3">
+  <dgm:title val=""/>
+  <dgm:desc val=""/>
+  <dgm:catLst>
+    <dgm:cat type="list" pri="14000"/>
+    <dgm:cat type="convert" pri="3000"/>
+    <dgm:cat type="picture" pri="27000"/>
+    <dgm:cat type="pictureconvert" pri="27000"/>
+  </dgm:catLst>
+  <dgm:sampData useDef="1">
+    <dgm:dataModel>
+      <dgm:ptLst/>
+      <dgm:bg/>
+      <dgm:whole/>
+    </dgm:dataModel>
+  </dgm:sampData>
+  <dgm:styleData>
+    <dgm:dataModel>
+      <dgm:ptLst>
+        <dgm:pt modelId="0" type="doc"/>
+        <dgm:pt modelId="1"/>
+        <dgm:pt modelId="2"/>
+      </dgm:ptLst>
+      <dgm:cxnLst>
+        <dgm:cxn modelId="3" srcId="0" destId="1" srcOrd="0" destOrd="0"/>
+        <dgm:cxn modelId="4" srcId="0" destId="2" srcOrd="1" destOrd="0"/>
+      </dgm:cxnLst>
+      <dgm:bg/>
+      <dgm:whole/>
+    </dgm:dataModel>
+  </dgm:styleData>
+  <dgm:clrData>
+    <dgm:dataModel>
+      <dgm:ptLst>
+        <dgm:pt modelId="0" type="doc"/>
+        <dgm:pt modelId="1"/>
+        <dgm:pt modelId="2"/>
+        <dgm:pt modelId="3"/>
+        <dgm:pt modelId="4"/>
+      </dgm:ptLst>
+      <dgm:cxnLst>
+        <dgm:cxn modelId="5" srcId="0" destId="1" srcOrd="0" destOrd="0"/>
+        <dgm:cxn modelId="6" srcId="0" destId="2" srcOrd="1" destOrd="0"/>
+        <dgm:cxn modelId="7" srcId="0" destId="3" srcOrd="2" destOrd="0"/>
+        <dgm:cxn modelId="8" srcId="0" destId="4" srcOrd="3" destOrd="0"/>
+      </dgm:cxnLst>
+      <dgm:bg/>
+      <dgm:whole/>
+    </dgm:dataModel>
+  </dgm:clrData>
+  <dgm:layoutNode name="linearFlow">
+    <dgm:varLst>
+      <dgm:dir/>
+      <dgm:resizeHandles val="exact"/>
+    </dgm:varLst>
+    <dgm:alg type="lin">
+      <dgm:param type="linDir" val="fromT"/>
+      <dgm:param type="vertAlign" val="mid"/>
+      <dgm:param type="horzAlign" val="ctr"/>
+    </dgm:alg>
+    <dgm:shape xmlns:r="http://schemas.openxmlformats.org/officeDocument/2006/relationships" r:blip="">
+      <dgm:adjLst/>
+    </dgm:shape>
+    <dgm:presOf/>
+    <dgm:constrLst>
+      <dgm:constr type="w" for="ch" forName="composite" refType="w"/>
+      <dgm:constr type="h" for="ch" forName="composite" refType="h"/>
+      <dgm:constr type="h" for="ch" forName="spacing" refType="h" refFor="ch" refForName="composite" fact="0.25"/>
+      <dgm:constr type="h" for="ch" forName="spacing" refType="w" op="lte" fact="0.1"/>
+      <dgm:constr type="primFontSz" for="des" ptType="node" op="equ" val="65"/>
+    </dgm:constrLst>
+    <dgm:ruleLst/>
+    <dgm:forEach name="Name0" axis="ch" ptType="node">
+      <dgm:layoutNode name="composite">
+        <dgm:alg type="composite"/>
+        <dgm:shape xmlns:r="http://schemas.openxmlformats.org/officeDocument/2006/relationships" r:blip="">
+          <dgm:adjLst/>
+        </dgm:shape>
+        <dgm:presOf/>
+        <dgm:choose name="Name1">
+          <dgm:if name="Name2" func="var" arg="dir" op="equ" val="norm">
+            <dgm:constrLst>
+              <dgm:constr type="w" for="ch" forName="imgShp" refType="w" fact="0.335"/>
+              <dgm:constr type="h" for="ch" forName="imgShp" refType="w" refFor="ch" refForName="imgShp" op="equ"/>
+              <dgm:constr type="h" for="ch" forName="imgShp" refType="h" op="lte"/>
+              <dgm:constr type="ctrY" for="ch" forName="imgShp" refType="h" fact="0.5"/>
+              <dgm:constr type="l" for="ch" forName="imgShp"/>
+              <dgm:constr type="w" for="ch" forName="txShp" refType="w" op="equ" fact="0.665"/>
+              <dgm:constr type="h" for="ch" forName="txShp" refType="h" refFor="ch" refForName="imgShp" op="equ"/>
+              <dgm:constr type="ctrY" for="ch" forName="txShp" refType="h" fact="0.5"/>
+              <dgm:constr type="l" for="ch" forName="txShp" refType="w" refFor="ch" refForName="imgShp" fact="0.5"/>
+              <dgm:constr type="lMarg" for="ch" forName="txShp" refType="w" refFor="ch" refForName="imgShp" fact="1.25"/>
+            </dgm:constrLst>
+          </dgm:if>
+          <dgm:else name="Name3">
+            <dgm:constrLst>
+              <dgm:constr type="w" for="ch" forName="imgShp" refType="w" fact="0.335"/>
+              <dgm:constr type="h" for="ch" forName="imgShp" refType="w" refFor="ch" refForName="imgShp" op="equ"/>
+              <dgm:constr type="h" for="ch" forName="imgShp" refType="h" op="lte"/>
+              <dgm:constr type="ctrY" for="ch" forName="imgShp" refType="h" fact="0.5"/>
+              <dgm:constr type="r" for="ch" forName="imgShp" refType="w"/>
+              <dgm:constr type="w" for="ch" forName="txShp" refType="w" op="equ" fact="0.665"/>
+              <dgm:constr type="h" for="ch" forName="txShp" refType="h" refFor="ch" refForName="imgShp" op="equ"/>
+              <dgm:constr type="ctrY" for="ch" forName="txShp" refType="h" fact="0.5"/>
+              <dgm:constr type="r" for="ch" forName="txShp" refType="ctrX" refFor="ch" refForName="imgShp"/>
+              <dgm:constr type="rMarg" for="ch" forName="txShp" refType="w" refFor="ch" refForName="imgShp" fact="1.25"/>
+            </dgm:constrLst>
+          </dgm:else>
+        </dgm:choose>
+        <dgm:ruleLst/>
+        <dgm:layoutNode name="imgShp" styleLbl="fgImgPlace1">
+          <dgm:alg type="sp"/>
+          <dgm:shape xmlns:r="http://schemas.openxmlformats.org/officeDocument/2006/relationships" type="ellipse" r:blip="" blipPhldr="1">
+            <dgm:adjLst/>
+          </dgm:shape>
+          <dgm:presOf/>
+          <dgm:constrLst/>
+          <dgm:ruleLst/>
+        </dgm:layoutNode>
+        <dgm:layoutNode name="txShp">
+          <dgm:varLst>
+            <dgm:bulletEnabled val="1"/>
+          </dgm:varLst>
+          <dgm:alg type="tx"/>
+          <dgm:choose name="Name4">
+            <dgm:if name="Name5" func="var" arg="dir" op="equ" val="norm">
+              <dgm:shape xmlns:r="http://schemas.openxmlformats.org/officeDocument/2006/relationships" rot="180" type="homePlate" r:blip="" zOrderOff="-1">
+                <dgm:adjLst/>
+              </dgm:shape>
+            </dgm:if>
+            <dgm:else name="Name6">
+              <dgm:shape xmlns:r="http://schemas.openxmlformats.org/officeDocument/2006/relationships" type="homePlate" r:blip="" zOrderOff="-1">
+                <dgm:adjLst/>
+              </dgm:shape>
+            </dgm:else>
+          </dgm:choose>
+          <dgm:presOf axis="desOrSelf" ptType="node"/>
+          <dgm:constrLst>
+            <dgm:constr type="tMarg" refType="primFontSz" fact="0.3"/>
+            <dgm:constr type="bMarg" refType="primFontSz" fact="0.3"/>
+          </dgm:constrLst>
+          <dgm:ruleLst>
+            <dgm:rule type="primFontSz" val="5" fact="NaN" max="NaN"/>
+          </dgm:ruleLst>
+        </dgm:layoutNode>
+      </dgm:layoutNode>
+      <dgm:forEach name="Name7" axis="followSib" ptType="sibTrans" cnt="1">
+        <dgm:layoutNode name="spacing">
+          <dgm:alg type="sp"/>
+          <dgm:shape xmlns:r="http://schemas.openxmlformats.org/officeDocument/2006/relationships" r:blip="">
+            <dgm:adjLst/>
+          </dgm:shape>
+          <dgm:presOf axis="self"/>
+          <dgm:constrLst/>
+          <dgm:ruleLst/>
+        </dgm:layoutNode>
+      </dgm:forEach>
+    </dgm:forEach>
+  </dgm:layoutNode>
+</dgm:layoutDef>
+</file>
+
+<file path=ppt/diagrams/quickStyle1.xml><?xml version="1.0" encoding="utf-8"?>
+<dgm:styleDef xmlns:dgm="http://schemas.openxmlformats.org/drawingml/2006/diagram" xmlns:a="http://schemas.openxmlformats.org/drawingml/2006/main" uniqueId="urn:microsoft.com/office/officeart/2005/8/quickstyle/simple1">
+  <dgm:title val=""/>
+  <dgm:desc val=""/>
+  <dgm:catLst>
+    <dgm:cat type="simple" pri="10100"/>
+  </dgm:catLst>
+  <dgm:scene3d>
+    <a:camera prst="orthographicFront"/>
+    <a:lightRig rig="threePt" dir="t"/>
+  </dgm:scene3d>
+  <dgm:styleLbl name="node0">
+    <dgm:scene3d>
+      <a:camera prst="orthographicFront"/>
+      <a:lightRig rig="threePt" dir="t"/>
+    </dgm:scene3d>
+    <dgm:sp3d/>
+    <dgm:txPr/>
+    <dgm:style>
+      <a:lnRef idx="2">
+        <a:scrgbClr r="0" g="0" b="0"/>
+      </a:lnRef>
+      <a:fillRef idx="1">
+        <a:scrgbClr r="0" g="0" b="0"/>
+      </a:fillRef>
+      <a:effectRef idx="0">
+        <a:scrgbClr r="0" g="0" b="0"/>
+      </a:effectRef>
+      <a:fontRef idx="minor">
+        <a:schemeClr val="lt1"/>
+      </a:fontRef>
+    </dgm:style>
+  </dgm:styleLbl>
+  <dgm:styleLbl name="lnNode1">
+    <dgm:scene3d>
+      <a:camera prst="orthographicFront"/>
+      <a:lightRig rig="threePt" dir="t"/>
+    </dgm:scene3d>
+    <dgm:sp3d/>
+    <dgm:txPr/>
+    <dgm:style>
+      <a:lnRef idx="2">
+        <a:scrgbClr r="0" g="0" b="0"/>
+      </a:lnRef>
+      <a:fillRef idx="1">
+        <a:scrgbClr r="0" g="0" b="0"/>
+      </a:fillRef>
+      <a:effectRef idx="0">
+        <a:scrgbClr r="0" g="0" b="0"/>
+      </a:effectRef>
+      <a:fontRef idx="minor">
+        <a:schemeClr val="lt1"/>
+      </a:fontRef>
+    </dgm:style>
+  </dgm:styleLbl>
+  <dgm:styleLbl name="vennNode1">
+    <dgm:scene3d>
+      <a:camera prst="orthographicFront"/>
+      <a:lightRig rig="threePt" dir="t"/>
+    </dgm:scene3d>
+    <dgm:sp3d/>
+    <dgm:txPr/>
+    <dgm:style>
+      <a:lnRef idx="2">
+        <a:scrgbClr r="0" g="0" b="0"/>
+      </a:lnRef>
+      <a:fillRef idx="1">
+        <a:scrgbClr r="0" g="0" b="0"/>
+      </a:fillRef>
+      <a:effectRef idx="0">
+        <a:scrgbClr r="0" g="0" b="0"/>
+      </a:effectRef>
+      <a:fontRef idx="minor">
+        <a:schemeClr val="tx1"/>
+      </a:fontRef>
+    </dgm:style>
+  </dgm:styleLbl>
+  <dgm:styleLbl name="alignNode1">
+    <dgm:scene3d>
+      <a:camera prst="orthographicFront"/>
+      <a:lightRig rig="threePt" dir="t"/>
+    </dgm:scene3d>
+    <dgm:sp3d/>
+    <dgm:txPr/>
+    <dgm:style>
+      <a:lnRef idx="2">
+        <a:scrgbClr r="0" g="0" b="0"/>
+      </a:lnRef>
+      <a:fillRef idx="1">
+        <a:scrgbClr r="0" g="0" b="0"/>
+      </a:fillRef>
+      <a:effectRef idx="0">
+        <a:scrgbClr r="0" g="0" b="0"/>
+      </a:effectRef>
+      <a:fontRef idx="minor">
+        <a:schemeClr val="lt1"/>
+      </a:fontRef>
+    </dgm:style>
+  </dgm:styleLbl>
+  <dgm:styleLbl name="node1">
+    <dgm:scene3d>
+      <a:camera prst="orthographicFront"/>
+      <a:lightRig rig="threePt" dir="t"/>
+    </dgm:scene3d>
+    <dgm:sp3d/>
+    <dgm:txPr/>
+    <dgm:style>
+      <a:lnRef idx="2">
+        <a:scrgbClr r="0" g="0" b="0"/>
+      </a:lnRef>
+      <a:fillRef idx="1">
+        <a:scrgbClr r="0" g="0" b="0"/>
+      </a:fillRef>
+      <a:effectRef idx="0">
+        <a:scrgbClr r="0" g="0" b="0"/>
+      </a:effectRef>
+      <a:fontRef idx="minor">
+        <a:schemeClr val="lt1"/>
+      </a:fontRef>
+    </dgm:style>
+  </dgm:styleLbl>
+  <dgm:styleLbl name="node2">
+    <dgm:scene3d>
+      <a:camera prst="orthographicFront"/>
+      <a:lightRig rig="threePt" dir="t"/>
+    </dgm:scene3d>
+    <dgm:sp3d/>
+    <dgm:txPr/>
+    <dgm:style>
+      <a:lnRef idx="2">
+        <a:scrgbClr r="0" g="0" b="0"/>
+      </a:lnRef>
+      <a:fillRef idx="1">
+        <a:scrgbClr r="0" g="0" b="0"/>
+      </a:fillRef>
+      <a:effectRef idx="0">
+        <a:scrgbClr r="0" g="0" b="0"/>
+      </a:effectRef>
+      <a:fontRef idx="minor">
+        <a:schemeClr val="lt1"/>
+      </a:fontRef>
+    </dgm:style>
+  </dgm:styleLbl>
+  <dgm:styleLbl name="node3">
+    <dgm:scene3d>
+      <a:camera prst="orthographicFront"/>
+      <a:lightRig rig="threePt" dir="t"/>
+    </dgm:scene3d>
+    <dgm:sp3d/>
+    <dgm:txPr/>
+    <dgm:style>
+      <a:lnRef idx="2">
+        <a:scrgbClr r="0" g="0" b="0"/>
+      </a:lnRef>
+      <a:fillRef idx="1">
+        <a:scrgbClr r="0" g="0" b="0"/>
+      </a:fillRef>
+      <a:effectRef idx="0">
+        <a:scrgbClr r="0" g="0" b="0"/>
+      </a:effectRef>
+      <a:fontRef idx="minor">
+        <a:schemeClr val="lt1"/>
+      </a:fontRef>
+    </dgm:style>
+  </dgm:styleLbl>
+  <dgm:styleLbl name="node4">
+    <dgm:scene3d>
+      <a:camera prst="orthographicFront"/>
+      <a:lightRig rig="threePt" dir="t"/>
+    </dgm:scene3d>
+    <dgm:sp3d/>
+    <dgm:txPr/>
+    <dgm:style>
+      <a:lnRef idx="2">
+        <a:scrgbClr r="0" g="0" b="0"/>
+      </a:lnRef>
+      <a:fillRef idx="1">
+        <a:scrgbClr r="0" g="0" b="0"/>
+      </a:fillRef>
+      <a:effectRef idx="0">
+        <a:scrgbClr r="0" g="0" b="0"/>
+      </a:effectRef>
+      <a:fontRef idx="minor">
+        <a:schemeClr val="lt1"/>
+      </a:fontRef>
+    </dgm:style>
+  </dgm:styleLbl>
+  <dgm:styleLbl name="fgImgPlace1">
+    <dgm:scene3d>
+      <a:camera prst="orthographicFront"/>
+      <a:lightRig rig="threePt" dir="t"/>
+    </dgm:scene3d>
+    <dgm:sp3d/>
+    <dgm:txPr/>
+    <dgm:style>
+      <a:lnRef idx="2">
+        <a:scrgbClr r="0" g="0" b="0"/>
+      </a:lnRef>
+      <a:fillRef idx="1">
+        <a:scrgbClr r="0" g="0" b="0"/>
+      </a:fillRef>
+      <a:effectRef idx="0">
+        <a:scrgbClr r="0" g="0" b="0"/>
+      </a:effectRef>
+      <a:fontRef idx="minor"/>
+    </dgm:style>
+  </dgm:styleLbl>
+  <dgm:styleLbl name="alignImgPlace1">
+    <dgm:scene3d>
+      <a:camera prst="orthographicFront"/>
+      <a:lightRig rig="threePt" dir="t"/>
+    </dgm:scene3d>
+    <dgm:sp3d/>
+    <dgm:txPr/>
+    <dgm:style>
+      <a:lnRef idx="2">
+        <a:scrgbClr r="0" g="0" b="0"/>
+      </a:lnRef>
+      <a:fillRef idx="1">
+        <a:scrgbClr r="0" g="0" b="0"/>
+      </a:fillRef>
+      <a:effectRef idx="0">
+        <a:scrgbClr r="0" g="0" b="0"/>
+      </a:effectRef>
+      <a:fontRef idx="minor"/>
+    </dgm:style>
+  </dgm:styleLbl>
+  <dgm:styleLbl name="bgImgPlace1">
+    <dgm:scene3d>
+      <a:camera prst="orthographicFront"/>
+      <a:lightRig rig="threePt" dir="t"/>
+    </dgm:scene3d>
+    <dgm:sp3d/>
+    <dgm:txPr/>
+    <dgm:style>
+      <a:lnRef idx="2">
+        <a:scrgbClr r="0" g="0" b="0"/>
+      </a:lnRef>
+      <a:fillRef idx="1">
+        <a:scrgbClr r="0" g="0" b="0"/>
+      </a:fillRef>
+      <a:effectRef idx="0">
+        <a:scrgbClr r="0" g="0" b="0"/>
+      </a:effectRef>
+      <a:fontRef idx="minor"/>
+    </dgm:style>
+  </dgm:styleLbl>
+  <dgm:styleLbl name="sibTrans2D1">
+    <dgm:scene3d>
+      <a:camera prst="orthographicFront"/>
+      <a:lightRig rig="threePt" dir="t"/>
+    </dgm:scene3d>
+    <dgm:sp3d/>
+    <dgm:txPr/>
+    <dgm:style>
+      <a:lnRef idx="0">
+        <a:scrgbClr r="0" g="0" b="0"/>
+      </a:lnRef>
+      <a:fillRef idx="1">
+        <a:scrgbClr r="0" g="0" b="0"/>
+      </a:fillRef>
+      <a:effectRef idx="0">
+        <a:scrgbClr r="0" g="0" b="0"/>
+      </a:effectRef>
+      <a:fontRef idx="minor">
+        <a:schemeClr val="lt1"/>
+      </a:fontRef>
+    </dgm:style>
+  </dgm:styleLbl>
+  <dgm:styleLbl name="fgSibTrans2D1">
+    <dgm:scene3d>
+      <a:camera prst="orthographicFront"/>
+      <a:lightRig rig="threePt" dir="t"/>
+    </dgm:scene3d>
+    <dgm:sp3d/>
+    <dgm:txPr/>
+    <dgm:style>
+      <a:lnRef idx="0">
+        <a:scrgbClr r="0" g="0" b="0"/>
+      </a:lnRef>
+      <a:fillRef idx="1">
+        <a:scrgbClr r="0" g="0" b="0"/>
+      </a:fillRef>
+      <a:effectRef idx="0">
+        <a:scrgbClr r="0" g="0" b="0"/>
+      </a:effectRef>
+      <a:fontRef idx="minor">
+        <a:schemeClr val="lt1"/>
+      </a:fontRef>
+    </dgm:style>
+  </dgm:styleLbl>
+  <dgm:styleLbl name="bgSibTrans2D1">
+    <dgm:scene3d>
+      <a:camera prst="orthographicFront"/>
+      <a:lightRig rig="threePt" dir="t"/>
+    </dgm:scene3d>
+    <dgm:sp3d/>
+    <dgm:txPr/>
+    <dgm:style>
+      <a:lnRef idx="0">
+        <a:scrgbClr r="0" g="0" b="0"/>
+      </a:lnRef>
+      <a:fillRef idx="1">
+        <a:scrgbClr r="0" g="0" b="0"/>
+      </a:fillRef>
+      <a:effectRef idx="0">
+        <a:scrgbClr r="0" g="0" b="0"/>
+      </a:effectRef>
+      <a:fontRef idx="minor">
+        <a:schemeClr val="lt1"/>
+      </a:fontRef>
+    </dgm:style>
+  </dgm:styleLbl>
+  <dgm:styleLbl name="sibTrans1D1">
+    <dgm:scene3d>
+      <a:camera prst="orthographicFront"/>
+      <a:lightRig rig="threePt" dir="t"/>
+    </dgm:scene3d>
+    <dgm:sp3d/>
+    <dgm:txPr/>
+    <dgm:style>
+      <a:lnRef idx="1">
+        <a:scrgbClr r="0" g="0" b="0"/>
+      </a:lnRef>
+      <a:fillRef idx="0">
+        <a:scrgbClr r="0" g="0" b="0"/>
+      </a:fillRef>
+      <a:effectRef idx="0">
+        <a:scrgbClr r="0" g="0" b="0"/>
+      </a:effectRef>
+      <a:fontRef idx="minor"/>
+    </dgm:style>
+  </dgm:styleLbl>
+  <dgm:styleLbl name="callout">
+    <dgm:scene3d>
+      <a:camera prst="orthographicFront"/>
+      <a:lightRig rig="threePt" dir="t"/>
+    </dgm:scene3d>
+    <dgm:sp3d/>
+    <dgm:txPr/>
+    <dgm:style>
+      <a:lnRef idx="2">
+        <a:scrgbClr r="0" g="0" b="0"/>
+      </a:lnRef>
+      <a:fillRef idx="1">
+        <a:scrgbClr r="0" g="0" b="0"/>
+      </a:fillRef>
+      <a:effectRef idx="0">
+        <a:scrgbClr r="0" g="0" b="0"/>
+      </a:effectRef>
+      <a:fontRef idx="minor"/>
+    </dgm:style>
+  </dgm:styleLbl>
+  <dgm:styleLbl name="asst0">
+    <dgm:scene3d>
+      <a:camera prst="orthographicFront"/>
+      <a:lightRig rig="threePt" dir="t"/>
+    </dgm:scene3d>
+    <dgm:sp3d/>
+    <dgm:txPr/>
+    <dgm:style>
+      <a:lnRef idx="2">
+        <a:scrgbClr r="0" g="0" b="0"/>
+      </a:lnRef>
+      <a:fillRef idx="1">
+        <a:scrgbClr r="0" g="0" b="0"/>
+      </a:fillRef>
+      <a:effectRef idx="0">
+        <a:scrgbClr r="0" g="0" b="0"/>
+      </a:effectRef>
+      <a:fontRef idx="minor">
+        <a:schemeClr val="lt1"/>
+      </a:fontRef>
+    </dgm:style>
+  </dgm:styleLbl>
+  <dgm:styleLbl name="asst1">
+    <dgm:scene3d>
+      <a:camera prst="orthographicFront"/>
+      <a:lightRig rig="threePt" dir="t"/>
+    </dgm:scene3d>
+    <dgm:sp3d/>
+    <dgm:txPr/>
+    <dgm:style>
+      <a:lnRef idx="2">
+        <a:scrgbClr r="0" g="0" b="0"/>
+      </a:lnRef>
+      <a:fillRef idx="1">
+        <a:scrgbClr r="0" g="0" b="0"/>
+      </a:fillRef>
+      <a:effectRef idx="0">
+        <a:scrgbClr r="0" g="0" b="0"/>
+      </a:effectRef>
+      <a:fontRef idx="minor">
+        <a:schemeClr val="lt1"/>
+      </a:fontRef>
+    </dgm:style>
+  </dgm:styleLbl>
+  <dgm:styleLbl name="asst2">
+    <dgm:scene3d>
+      <a:camera prst="orthographicFront"/>
+      <a:lightRig rig="threePt" dir="t"/>
+    </dgm:scene3d>
+    <dgm:sp3d/>
+    <dgm:txPr/>
+    <dgm:style>
+      <a:lnRef idx="2">
+        <a:scrgbClr r="0" g="0" b="0"/>
+      </a:lnRef>
+      <a:fillRef idx="1">
+        <a:scrgbClr r="0" g="0" b="0"/>
+      </a:fillRef>
+      <a:effectRef idx="0">
+        <a:scrgbClr r="0" g="0" b="0"/>
+      </a:effectRef>
+      <a:fontRef idx="minor">
+        <a:schemeClr val="lt1"/>
+      </a:fontRef>
+    </dgm:style>
+  </dgm:styleLbl>
+  <dgm:styleLbl name="asst3">
+    <dgm:scene3d>
+      <a:camera prst="orthographicFront"/>
+      <a:lightRig rig="threePt" dir="t"/>
+    </dgm:scene3d>
+    <dgm:sp3d/>
+    <dgm:txPr/>
+    <dgm:style>
+      <a:lnRef idx="2">
+        <a:scrgbClr r="0" g="0" b="0"/>
+      </a:lnRef>
+      <a:fillRef idx="1">
+        <a:scrgbClr r="0" g="0" b="0"/>
+      </a:fillRef>
+      <a:effectRef idx="0">
+        <a:scrgbClr r="0" g="0" b="0"/>
+      </a:effectRef>
+      <a:fontRef idx="minor">
+        <a:schemeClr val="lt1"/>
+      </a:fontRef>
+    </dgm:style>
+  </dgm:styleLbl>
+  <dgm:styleLbl name="asst4">
+    <dgm:scene3d>
+      <a:camera prst="orthographicFront"/>
+      <a:lightRig rig="threePt" dir="t"/>
+    </dgm:scene3d>
+    <dgm:sp3d/>
+    <dgm:txPr/>
+    <dgm:style>
+      <a:lnRef idx="2">
+        <a:scrgbClr r="0" g="0" b="0"/>
+      </a:lnRef>
+      <a:fillRef idx="1">
+        <a:scrgbClr r="0" g="0" b="0"/>
+      </a:fillRef>
+      <a:effectRef idx="0">
+        <a:scrgbClr r="0" g="0" b="0"/>
+      </a:effectRef>
+      <a:fontRef idx="minor">
+        <a:schemeClr val="lt1"/>
+      </a:fontRef>
+    </dgm:style>
+  </dgm:styleLbl>
+  <dgm:styleLbl name="parChTrans2D1">
+    <dgm:scene3d>
+      <a:camera prst="orthographicFront"/>
+      <a:lightRig rig="threePt" dir="t"/>
+    </dgm:scene3d>
+    <dgm:sp3d/>
+    <dgm:txPr/>
+    <dgm:style>
+      <a:lnRef idx="2">
+        <a:scrgbClr r="0" g="0" b="0"/>
+      </a:lnRef>
+      <a:fillRef idx="1">
+        <a:scrgbClr r="0" g="0" b="0"/>
+      </a:fillRef>
+      <a:effectRef idx="0">
+        <a:scrgbClr r="0" g="0" b="0"/>
+      </a:effectRef>
+      <a:fontRef idx="minor">
+        <a:schemeClr val="lt1"/>
+      </a:fontRef>
+    </dgm:style>
+  </dgm:styleLbl>
+  <dgm:styleLbl name="parChTrans2D2">
+    <dgm:scene3d>
+      <a:camera prst="orthographicFront"/>
+      <a:lightRig rig="threePt" dir="t"/>
+    </dgm:scene3d>
+    <dgm:sp3d/>
+    <dgm:txPr/>
+    <dgm:style>
+      <a:lnRef idx="2">
+        <a:scrgbClr r="0" g="0" b="0"/>
+      </a:lnRef>
+      <a:fillRef idx="1">
+        <a:scrgbClr r="0" g="0" b="0"/>
+      </a:fillRef>
+      <a:effectRef idx="0">
+        <a:scrgbClr r="0" g="0" b="0"/>
+      </a:effectRef>
+      <a:fontRef idx="minor">
+        <a:schemeClr val="lt1"/>
+      </a:fontRef>
+    </dgm:style>
+  </dgm:styleLbl>
+  <dgm:styleLbl name="parChTrans2D3">
+    <dgm:scene3d>
+      <a:camera prst="orthographicFront"/>
+      <a:lightRig rig="threePt" dir="t"/>
+    </dgm:scene3d>
+    <dgm:sp3d/>
+    <dgm:txPr/>
+    <dgm:style>
+      <a:lnRef idx="2">
+        <a:scrgbClr r="0" g="0" b="0"/>
+      </a:lnRef>
+      <a:fillRef idx="1">
+        <a:scrgbClr r="0" g="0" b="0"/>
+      </a:fillRef>
+      <a:effectRef idx="0">
+        <a:scrgbClr r="0" g="0" b="0"/>
+      </a:effectRef>
+      <a:fontRef idx="minor">
+        <a:schemeClr val="lt1"/>
+      </a:fontRef>
+    </dgm:style>
+  </dgm:styleLbl>
+  <dgm:styleLbl name="parChTrans2D4">
+    <dgm:scene3d>
+      <a:camera prst="orthographicFront"/>
+      <a:lightRig rig="threePt" dir="t"/>
+    </dgm:scene3d>
+    <dgm:sp3d/>
+    <dgm:txPr/>
+    <dgm:style>
+      <a:lnRef idx="2">
+        <a:scrgbClr r="0" g="0" b="0"/>
+      </a:lnRef>
+      <a:fillRef idx="1">
+        <a:scrgbClr r="0" g="0" b="0"/>
+      </a:fillRef>
+      <a:effectRef idx="0">
+        <a:scrgbClr r="0" g="0" b="0"/>
+      </a:effectRef>
+      <a:fontRef idx="minor">
+        <a:schemeClr val="lt1"/>
+      </a:fontRef>
+    </dgm:style>
+  </dgm:styleLbl>
+  <dgm:styleLbl name="parChTrans1D1">
+    <dgm:scene3d>
+      <a:camera prst="orthographicFront"/>
+      <a:lightRig rig="threePt" dir="t"/>
+    </dgm:scene3d>
+    <dgm:sp3d/>
+    <dgm:txPr/>
+    <dgm:style>
+      <a:lnRef idx="2">
+        <a:scrgbClr r="0" g="0" b="0"/>
+      </a:lnRef>
+      <a:fillRef idx="0">
+        <a:scrgbClr r="0" g="0" b="0"/>
+      </a:fillRef>
+      <a:effectRef idx="0">
+        <a:scrgbClr r="0" g="0" b="0"/>
+      </a:effectRef>
+      <a:fontRef idx="minor"/>
+    </dgm:style>
+  </dgm:styleLbl>
+  <dgm:styleLbl name="parChTrans1D2">
+    <dgm:scene3d>
+      <a:camera prst="orthographicFront"/>
+      <a:lightRig rig="threePt" dir="t"/>
+    </dgm:scene3d>
+    <dgm:sp3d/>
+    <dgm:txPr/>
+    <dgm:style>
+      <a:lnRef idx="2">
+        <a:scrgbClr r="0" g="0" b="0"/>
+      </a:lnRef>
+      <a:fillRef idx="0">
+        <a:scrgbClr r="0" g="0" b="0"/>
+      </a:fillRef>
+      <a:effectRef idx="0">
+        <a:scrgbClr r="0" g="0" b="0"/>
+      </a:effectRef>
+      <a:fontRef idx="minor"/>
+    </dgm:style>
+  </dgm:styleLbl>
+  <dgm:styleLbl name="parChTrans1D3">
+    <dgm:scene3d>
+      <a:camera prst="orthographicFront"/>
+      <a:lightRig rig="threePt" dir="t"/>
+    </dgm:scene3d>
+    <dgm:sp3d/>
+    <dgm:txPr/>
+    <dgm:style>
+      <a:lnRef idx="2">
+        <a:scrgbClr r="0" g="0" b="0"/>
+      </a:lnRef>
+      <a:fillRef idx="0">
+        <a:scrgbClr r="0" g="0" b="0"/>
+      </a:fillRef>
+      <a:effectRef idx="0">
+        <a:scrgbClr r="0" g="0" b="0"/>
+      </a:effectRef>
+      <a:fontRef idx="minor"/>
+    </dgm:style>
+  </dgm:styleLbl>
+  <dgm:styleLbl name="parChTrans1D4">
+    <dgm:scene3d>
+      <a:camera prst="orthographicFront"/>
+      <a:lightRig rig="threePt" dir="t"/>
+    </dgm:scene3d>
+    <dgm:sp3d/>
+    <dgm:txPr/>
+    <dgm:style>
+      <a:lnRef idx="2">
+        <a:scrgbClr r="0" g="0" b="0"/>
+      </a:lnRef>
+      <a:fillRef idx="0">
+        <a:scrgbClr r="0" g="0" b="0"/>
+      </a:fillRef>
+      <a:effectRef idx="0">
+        <a:scrgbClr r="0" g="0" b="0"/>
+      </a:effectRef>
+      <a:fontRef idx="minor"/>
+    </dgm:style>
+  </dgm:styleLbl>
+  <dgm:styleLbl name="fgAcc1">
+    <dgm:scene3d>
+      <a:camera prst="orthographicFront"/>
+      <a:lightRig rig="threePt" dir="t"/>
+    </dgm:scene3d>
+    <dgm:sp3d/>
+    <dgm:txPr/>
+    <dgm:style>
+      <a:lnRef idx="2">
+        <a:scrgbClr r="0" g="0" b="0"/>
+      </a:lnRef>
+      <a:fillRef idx="1">
+        <a:scrgbClr r="0" g="0" b="0"/>
+      </a:fillRef>
+      <a:effectRef idx="0">
+        <a:scrgbClr r="0" g="0" b="0"/>
+      </a:effectRef>
+      <a:fontRef idx="minor"/>
+    </dgm:style>
+  </dgm:styleLbl>
+  <dgm:styleLbl name="conFgAcc1">
+    <dgm:scene3d>
+      <a:camera prst="orthographicFront"/>
+      <a:lightRig rig="threePt" dir="t"/>
+    </dgm:scene3d>
+    <dgm:sp3d/>
+    <dgm:txPr/>
+    <dgm:style>
+      <a:lnRef idx="2">
+        <a:scrgbClr r="0" g="0" b="0"/>
+      </a:lnRef>
+      <a:fillRef idx="1">
+        <a:scrgbClr r="0" g="0" b="0"/>
+      </a:fillRef>
+      <a:effectRef idx="0">
+        <a:scrgbClr r="0" g="0" b="0"/>
+      </a:effectRef>
+      <a:fontRef idx="minor"/>
+    </dgm:style>
+  </dgm:styleLbl>
+  <dgm:styleLbl name="alignAcc1">
+    <dgm:scene3d>
+      <a:camera prst="orthographicFront"/>
+      <a:lightRig rig="threePt" dir="t"/>
+    </dgm:scene3d>
+    <dgm:sp3d/>
+    <dgm:txPr/>
+    <dgm:style>
+      <a:lnRef idx="2">
+        <a:scrgbClr r="0" g="0" b="0"/>
+      </a:lnRef>
+      <a:fillRef idx="1">
+        <a:scrgbClr r="0" g="0" b="0"/>
+      </a:fillRef>
+      <a:effectRef idx="0">
+        <a:scrgbClr r="0" g="0" b="0"/>
+      </a:effectRef>
+      <a:fontRef idx="minor"/>
+    </dgm:style>
+  </dgm:styleLbl>
+  <dgm:styleLbl name="trAlignAcc1">
+    <dgm:scene3d>
+      <a:camera prst="orthographicFront"/>
+      <a:lightRig rig="threePt" dir="t"/>
+    </dgm:scene3d>
+    <dgm:sp3d/>
+    <dgm:txPr/>
+    <dgm:style>
+      <a:lnRef idx="1">
+        <a:scrgbClr r="0" g="0" b="0"/>
+      </a:lnRef>
+      <a:fillRef idx="1">
+        <a:scrgbClr r="0" g="0" b="0"/>
+      </a:fillRef>
+      <a:effectRef idx="0">
+        <a:scrgbClr r="0" g="0" b="0"/>
+      </a:effectRef>
+      <a:fontRef idx="minor"/>
+    </dgm:style>
+  </dgm:styleLbl>
+  <dgm:styleLbl name="bgAcc1">
+    <dgm:scene3d>
+      <a:camera prst="orthographicFront"/>
+      <a:lightRig rig="threePt" dir="t"/>
+    </dgm:scene3d>
+    <dgm:sp3d/>
+    <dgm:txPr/>
+    <dgm:style>
+      <a:lnRef idx="2">
+        <a:scrgbClr r="0" g="0" b="0"/>
+      </a:lnRef>
+      <a:fillRef idx="1">
+        <a:scrgbClr r="0" g="0" b="0"/>
+      </a:fillRef>
+      <a:effectRef idx="0">
+        <a:scrgbClr r="0" g="0" b="0"/>
+      </a:effectRef>
+      <a:fontRef idx="minor"/>
+    </dgm:style>
+  </dgm:styleLbl>
+  <dgm:styleLbl name="solidFgAcc1">
+    <dgm:scene3d>
+      <a:camera prst="orthographicFront"/>
+      <a:lightRig rig="threePt" dir="t"/>
+    </dgm:scene3d>
+    <dgm:sp3d/>
+    <dgm:txPr/>
+    <dgm:style>
+      <a:lnRef idx="2">
+        <a:scrgbClr r="0" g="0" b="0"/>
+      </a:lnRef>
+      <a:fillRef idx="1">
+        <a:scrgbClr r="0" g="0" b="0"/>
+      </a:fillRef>
+      <a:effectRef idx="0">
+        <a:scrgbClr r="0" g="0" b="0"/>
+      </a:effectRef>
+      <a:fontRef idx="minor"/>
+    </dgm:style>
+  </dgm:styleLbl>
+  <dgm:styleLbl name="solidAlignAcc1">
+    <dgm:scene3d>
+      <a:camera prst="orthographicFront"/>
+      <a:lightRig rig="threePt" dir="t"/>
+    </dgm:scene3d>
+    <dgm:sp3d/>
+    <dgm:txPr/>
+    <dgm:style>
+      <a:lnRef idx="2">
+        <a:scrgbClr r="0" g="0" b="0"/>
+      </a:lnRef>
+      <a:fillRef idx="1">
+        <a:scrgbClr r="0" g="0" b="0"/>
+      </a:fillRef>
+      <a:effectRef idx="0">
+        <a:scrgbClr r="0" g="0" b="0"/>
+      </a:effectRef>
+      <a:fontRef idx="minor"/>
+    </dgm:style>
+  </dgm:styleLbl>
+  <dgm:styleLbl name="solidBgAcc1">
+    <dgm:scene3d>
+      <a:camera prst="orthographicFront"/>
+      <a:lightRig rig="threePt" dir="t"/>
+    </dgm:scene3d>
+    <dgm:sp3d/>
+    <dgm:txPr/>
+    <dgm:style>
+      <a:lnRef idx="2">
+        <a:scrgbClr r="0" g="0" b="0"/>
+      </a:lnRef>
+      <a:fillRef idx="1">
+        <a:scrgbClr r="0" g="0" b="0"/>
+      </a:fillRef>
+      <a:effectRef idx="0">
+        <a:scrgbClr r="0" g="0" b="0"/>
+      </a:effectRef>
+      <a:fontRef idx="minor"/>
+    </dgm:style>
+  </dgm:styleLbl>
+  <dgm:styleLbl name="fgAccFollowNode1">
+    <dgm:scene3d>
+      <a:camera prst="orthographicFront"/>
+      <a:lightRig rig="threePt" dir="t"/>
+    </dgm:scene3d>
+    <dgm:sp3d/>
+    <dgm:txPr/>
+    <dgm:style>
+      <a:lnRef idx="2">
+        <a:scrgbClr r="0" g="0" b="0"/>
+      </a:lnRef>
+      <a:fillRef idx="1">
+        <a:scrgbClr r="0" g="0" b="0"/>
+      </a:fillRef>
+      <a:effectRef idx="0">
+        <a:scrgbClr r="0" g="0" b="0"/>
+      </a:effectRef>
+      <a:fontRef idx="minor"/>
+    </dgm:style>
+  </dgm:styleLbl>
+  <dgm:styleLbl name="alignAccFollowNode1">
+    <dgm:scene3d>
+      <a:camera prst="orthographicFront"/>
+      <a:lightRig rig="threePt" dir="t"/>
+    </dgm:scene3d>
+    <dgm:sp3d/>
+    <dgm:txPr/>
+    <dgm:style>
+      <a:lnRef idx="2">
+        <a:scrgbClr r="0" g="0" b="0"/>
+      </a:lnRef>
+      <a:fillRef idx="1">
+        <a:scrgbClr r="0" g="0" b="0"/>
+      </a:fillRef>
+      <a:effectRef idx="0">
+        <a:scrgbClr r="0" g="0" b="0"/>
+      </a:effectRef>
+      <a:fontRef idx="minor"/>
+    </dgm:style>
+  </dgm:styleLbl>
+  <dgm:styleLbl name="bgAccFollowNode1">
+    <dgm:scene3d>
+      <a:camera prst="orthographicFront"/>
+      <a:lightRig rig="threePt" dir="t"/>
+    </dgm:scene3d>
+    <dgm:sp3d/>
+    <dgm:txPr/>
+    <dgm:style>
+      <a:lnRef idx="2">
+        <a:scrgbClr r="0" g="0" b="0"/>
+      </a:lnRef>
+      <a:fillRef idx="1">
+        <a:scrgbClr r="0" g="0" b="0"/>
+      </a:fillRef>
+      <a:effectRef idx="0">
+        <a:scrgbClr r="0" g="0" b="0"/>
+      </a:effectRef>
+      <a:fontRef idx="minor"/>
+    </dgm:style>
+  </dgm:styleLbl>
+  <dgm:styleLbl name="fgAcc0">
+    <dgm:scene3d>
+      <a:camera prst="orthographicFront"/>
+      <a:lightRig rig="threePt" dir="t"/>
+    </dgm:scene3d>
+    <dgm:sp3d/>
+    <dgm:txPr/>
+    <dgm:style>
+      <a:lnRef idx="2">
+        <a:scrgbClr r="0" g="0" b="0"/>
+      </a:lnRef>
+      <a:fillRef idx="1">
+        <a:scrgbClr r="0" g="0" b="0"/>
+      </a:fillRef>
+      <a:effectRef idx="0">
+        <a:scrgbClr r="0" g="0" b="0"/>
+      </a:effectRef>
+      <a:fontRef idx="minor"/>
+    </dgm:style>
+  </dgm:styleLbl>
+  <dgm:styleLbl name="fgAcc2">
+    <dgm:scene3d>
+      <a:camera prst="orthographicFront"/>
+      <a:lightRig rig="threePt" dir="t"/>
+    </dgm:scene3d>
+    <dgm:sp3d/>
+    <dgm:txPr/>
+    <dgm:style>
+      <a:lnRef idx="2">
+        <a:scrgbClr r="0" g="0" b="0"/>
+      </a:lnRef>
+      <a:fillRef idx="1">
+        <a:scrgbClr r="0" g="0" b="0"/>
+      </a:fillRef>
+      <a:effectRef idx="0">
+        <a:scrgbClr r="0" g="0" b="0"/>
+      </a:effectRef>
+      <a:fontRef idx="minor"/>
+    </dgm:style>
+  </dgm:styleLbl>
+  <dgm:styleLbl name="fgAcc3">
+    <dgm:scene3d>
+      <a:camera prst="orthographicFront"/>
+      <a:lightRig rig="threePt" dir="t"/>
+    </dgm:scene3d>
+    <dgm:sp3d/>
+    <dgm:txPr/>
+    <dgm:style>
+      <a:lnRef idx="2">
+        <a:scrgbClr r="0" g="0" b="0"/>
+      </a:lnRef>
+      <a:fillRef idx="1">
+        <a:scrgbClr r="0" g="0" b="0"/>
+      </a:fillRef>
+      <a:effectRef idx="0">
+        <a:scrgbClr r="0" g="0" b="0"/>
+      </a:effectRef>
+      <a:fontRef idx="minor"/>
+    </dgm:style>
+  </dgm:styleLbl>
+  <dgm:styleLbl name="fgAcc4">
+    <dgm:scene3d>
+      <a:camera prst="orthographicFront"/>
+      <a:lightRig rig="threePt" dir="t"/>
+    </dgm:scene3d>
+    <dgm:sp3d/>
+    <dgm:txPr/>
+    <dgm:style>
+      <a:lnRef idx="2">
+        <a:scrgbClr r="0" g="0" b="0"/>
+      </a:lnRef>
+      <a:fillRef idx="1">
+        <a:scrgbClr r="0" g="0" b="0"/>
+      </a:fillRef>
+      <a:effectRef idx="0">
+        <a:scrgbClr r="0" g="0" b="0"/>
+      </a:effectRef>
+      <a:fontRef idx="minor"/>
+    </dgm:style>
+  </dgm:styleLbl>
+  <dgm:styleLbl name="bgShp">
+    <dgm:scene3d>
+      <a:camera prst="orthographicFront"/>
+      <a:lightRig rig="threePt" dir="t"/>
+    </dgm:scene3d>
+    <dgm:sp3d/>
+    <dgm:txPr/>
+    <dgm:style>
+      <a:lnRef idx="0">
+        <a:scrgbClr r="0" g="0" b="0"/>
+      </a:lnRef>
+      <a:fillRef idx="1">
+        <a:scrgbClr r="0" g="0" b="0"/>
+      </a:fillRef>
+      <a:effectRef idx="0">
+        <a:scrgbClr r="0" g="0" b="0"/>
+      </a:effectRef>
+      <a:fontRef idx="minor"/>
+    </dgm:style>
+  </dgm:styleLbl>
+  <dgm:styleLbl name="dkBgShp">
+    <dgm:scene3d>
+      <a:camera prst="orthographicFront"/>
+      <a:lightRig rig="threePt" dir="t"/>
+    </dgm:scene3d>
+    <dgm:sp3d/>
+    <dgm:txPr/>
+    <dgm:style>
+      <a:lnRef idx="0">
+        <a:scrgbClr r="0" g="0" b="0"/>
+      </a:lnRef>
+      <a:fillRef idx="1">
+        <a:scrgbClr r="0" g="0" b="0"/>
+      </a:fillRef>
+      <a:effectRef idx="0">
+        <a:scrgbClr r="0" g="0" b="0"/>
+      </a:effectRef>
+      <a:fontRef idx="minor"/>
+    </dgm:style>
+  </dgm:styleLbl>
+  <dgm:styleLbl name="trBgShp">
+    <dgm:scene3d>
+      <a:camera prst="orthographicFront"/>
+      <a:lightRig rig="threePt" dir="t"/>
+    </dgm:scene3d>
+    <dgm:sp3d/>
+    <dgm:txPr/>
+    <dgm:style>
+      <a:lnRef idx="0">
+        <a:scrgbClr r="0" g="0" b="0"/>
+      </a:lnRef>
+      <a:fillRef idx="1">
+        <a:scrgbClr r="0" g="0" b="0"/>
+      </a:fillRef>
+      <a:effectRef idx="0">
+        <a:scrgbClr r="0" g="0" b="0"/>
+      </a:effectRef>
+      <a:fontRef idx="minor"/>
+    </dgm:style>
+  </dgm:styleLbl>
+  <dgm:styleLbl name="fgShp">
+    <dgm:scene3d>
+      <a:camera prst="orthographicFront"/>
+      <a:lightRig rig="threePt" dir="t"/>
+    </dgm:scene3d>
+    <dgm:sp3d/>
+    <dgm:txPr/>
+    <dgm:style>
+      <a:lnRef idx="2">
+        <a:scrgbClr r="0" g="0" b="0"/>
+      </a:lnRef>
+      <a:fillRef idx="1">
+        <a:scrgbClr r="0" g="0" b="0"/>
+      </a:fillRef>
+      <a:effectRef idx="0">
+        <a:scrgbClr r="0" g="0" b="0"/>
+      </a:effectRef>
+      <a:fontRef idx="minor"/>
+    </dgm:style>
+  </dgm:styleLbl>
+  <dgm:styleLbl name="revTx">
+    <dgm:scene3d>
+      <a:camera prst="orthographicFront"/>
+      <a:lightRig rig="threePt" dir="t"/>
+    </dgm:scene3d>
+    <dgm:sp3d/>
+    <dgm:txPr/>
+    <dgm:style>
+      <a:lnRef idx="0">
+        <a:scrgbClr r="0" g="0" b="0"/>
+      </a:lnRef>
+      <a:fillRef idx="0">
+        <a:scrgbClr r="0" g="0" b="0"/>
+      </a:fillRef>
+      <a:effectRef idx="0">
+        <a:scrgbClr r="0" g="0" b="0"/>
+      </a:effectRef>
+      <a:fontRef idx="minor"/>
+    </dgm:style>
+  </dgm:styleLbl>
+</dgm:styleDef>
 </file>
 
 <file path=ppt/handoutMasters/handoutMaster1.xml><?xml version="1.0" encoding="utf-8"?>
@@ -1331,7 +3929,7 @@
             <a:fld id="{558B94EF-AFA9-40FF-986C-F27447FA4EE9}" type="slidenum">
               <a:rPr lang="en-GB" altLang="it-IT" smtClean="0"/>
               <a:pPr/>
-              <a:t>4</a:t>
+              <a:t>5</a:t>
             </a:fld>
             <a:endParaRPr lang="en-GB" altLang="it-IT"/>
           </a:p>
@@ -1425,7 +4023,7 @@
             <a:fld id="{558B94EF-AFA9-40FF-986C-F27447FA4EE9}" type="slidenum">
               <a:rPr lang="en-GB" altLang="it-IT" smtClean="0"/>
               <a:pPr/>
-              <a:t>5</a:t>
+              <a:t>6</a:t>
             </a:fld>
             <a:endParaRPr lang="en-GB" altLang="it-IT"/>
           </a:p>
@@ -1525,7 +4123,7 @@
             <a:fld id="{558B94EF-AFA9-40FF-986C-F27447FA4EE9}" type="slidenum">
               <a:rPr lang="en-GB" altLang="it-IT" smtClean="0"/>
               <a:pPr/>
-              <a:t>6</a:t>
+              <a:t>7</a:t>
             </a:fld>
             <a:endParaRPr lang="en-GB" altLang="it-IT"/>
           </a:p>
@@ -1637,7 +4235,7 @@
             <a:fld id="{558B94EF-AFA9-40FF-986C-F27447FA4EE9}" type="slidenum">
               <a:rPr lang="en-GB" altLang="it-IT" smtClean="0"/>
               <a:pPr/>
-              <a:t>7</a:t>
+              <a:t>8</a:t>
             </a:fld>
             <a:endParaRPr lang="en-GB" altLang="it-IT"/>
           </a:p>
@@ -1647,94 +4245,6 @@
     <p:extLst>
       <p:ext uri="{BB962C8B-B14F-4D97-AF65-F5344CB8AC3E}">
         <p14:creationId xmlns:p14="http://schemas.microsoft.com/office/powerpoint/2010/main" val="267808172"/>
-      </p:ext>
-    </p:extLst>
-  </p:cSld>
-  <p:clrMapOvr>
-    <a:masterClrMapping/>
-  </p:clrMapOvr>
-</p:notes>
-</file>
-
-<file path=ppt/notesSlides/notesSlide7.xml><?xml version="1.0" encoding="utf-8"?>
-<p:notes xmlns:a="http://schemas.openxmlformats.org/drawingml/2006/main" xmlns:r="http://schemas.openxmlformats.org/officeDocument/2006/relationships" xmlns:p="http://schemas.openxmlformats.org/presentationml/2006/main">
-  <p:cSld>
-    <p:spTree>
-      <p:nvGrpSpPr>
-        <p:cNvPr id="1" name=""/>
-        <p:cNvGrpSpPr/>
-        <p:nvPr/>
-      </p:nvGrpSpPr>
-      <p:grpSpPr>
-        <a:xfrm>
-          <a:off x="0" y="0"/>
-          <a:ext cx="0" cy="0"/>
-          <a:chOff x="0" y="0"/>
-          <a:chExt cx="0" cy="0"/>
-        </a:xfrm>
-      </p:grpSpPr>
-      <p:sp>
-        <p:nvSpPr>
-          <p:cNvPr id="2" name="Segnaposto immagine diapositiva 1"/>
-          <p:cNvSpPr>
-            <a:spLocks noGrp="1" noRot="1" noChangeAspect="1"/>
-          </p:cNvSpPr>
-          <p:nvPr>
-            <p:ph type="sldImg"/>
-          </p:nvPr>
-        </p:nvSpPr>
-        <p:spPr/>
-      </p:sp>
-      <p:sp>
-        <p:nvSpPr>
-          <p:cNvPr id="3" name="Segnaposto note 2"/>
-          <p:cNvSpPr>
-            <a:spLocks noGrp="1"/>
-          </p:cNvSpPr>
-          <p:nvPr>
-            <p:ph type="body" idx="1"/>
-          </p:nvPr>
-        </p:nvSpPr>
-        <p:spPr/>
-        <p:txBody>
-          <a:bodyPr/>
-          <a:lstStyle/>
-          <a:p>
-            <a:r>
-              <a:rPr lang="it-IT" dirty="0"/>
-              <a:t>Difficile trovare dataset</a:t>
-            </a:r>
-          </a:p>
-        </p:txBody>
-      </p:sp>
-      <p:sp>
-        <p:nvSpPr>
-          <p:cNvPr id="4" name="Segnaposto numero diapositiva 3"/>
-          <p:cNvSpPr>
-            <a:spLocks noGrp="1"/>
-          </p:cNvSpPr>
-          <p:nvPr>
-            <p:ph type="sldNum" sz="quarter" idx="5"/>
-          </p:nvPr>
-        </p:nvSpPr>
-        <p:spPr/>
-        <p:txBody>
-          <a:bodyPr/>
-          <a:lstStyle/>
-          <a:p>
-            <a:fld id="{558B94EF-AFA9-40FF-986C-F27447FA4EE9}" type="slidenum">
-              <a:rPr lang="en-GB" altLang="it-IT" smtClean="0"/>
-              <a:pPr/>
-              <a:t>8</a:t>
-            </a:fld>
-            <a:endParaRPr lang="en-GB" altLang="it-IT"/>
-          </a:p>
-        </p:txBody>
-      </p:sp>
-    </p:spTree>
-    <p:extLst>
-      <p:ext uri="{BB962C8B-B14F-4D97-AF65-F5344CB8AC3E}">
-        <p14:creationId xmlns:p14="http://schemas.microsoft.com/office/powerpoint/2010/main" val="2270941717"/>
       </p:ext>
     </p:extLst>
   </p:cSld>
@@ -4750,7 +7260,7 @@
         </p:nvSpPr>
         <p:spPr>
           <a:xfrm>
-            <a:off x="232097" y="3429000"/>
+            <a:off x="222305" y="2884463"/>
             <a:ext cx="8699388" cy="1089074"/>
           </a:xfrm>
         </p:spPr>
@@ -4830,8 +7340,8 @@
         </p:nvSpPr>
         <p:spPr>
           <a:xfrm>
-            <a:off x="232097" y="4602409"/>
-            <a:ext cx="2232248" cy="235223"/>
+            <a:off x="107504" y="3973537"/>
+            <a:ext cx="3456384" cy="247552"/>
           </a:xfrm>
         </p:spPr>
         <p:txBody>
@@ -4841,8 +7351,8 @@
           <a:lstStyle/>
           <a:p>
             <a:r>
-              <a:rPr lang="en-GB" altLang="it-IT" sz="1600" dirty="0"/>
-              <a:t>Lorenzo D’Alessandro</a:t>
+              <a:rPr lang="it-IT" altLang="it-IT" sz="1800" dirty="0"/>
+              <a:t>Candidato: Lorenzo D’Alessandro</a:t>
             </a:r>
           </a:p>
         </p:txBody>
@@ -4863,7 +7373,7 @@
         </p:nvSpPr>
         <p:spPr bwMode="auto">
           <a:xfrm>
-            <a:off x="5486669" y="5157192"/>
+            <a:off x="5486669" y="5085184"/>
             <a:ext cx="1256113" cy="646331"/>
           </a:xfrm>
           <a:prstGeom prst="rect">
@@ -5037,7 +7547,7 @@
         </p:nvSpPr>
         <p:spPr bwMode="auto">
           <a:xfrm>
-            <a:off x="6660232" y="5157192"/>
+            <a:off x="6660232" y="5085184"/>
             <a:ext cx="2136226" cy="923330"/>
           </a:xfrm>
           <a:prstGeom prst="rect">
@@ -5270,6 +7780,185 @@
           <p:cNvPr id="2" name="Titolo 1">
             <a:extLst>
               <a:ext uri="{FF2B5EF4-FFF2-40B4-BE49-F238E27FC236}">
+                <a16:creationId xmlns:a16="http://schemas.microsoft.com/office/drawing/2014/main" id="{46E9E1F8-8C38-4444-9E91-AEA784B6981E}"/>
+              </a:ext>
+            </a:extLst>
+          </p:cNvPr>
+          <p:cNvSpPr>
+            <a:spLocks noGrp="1"/>
+          </p:cNvSpPr>
+          <p:nvPr>
+            <p:ph type="title"/>
+          </p:nvPr>
+        </p:nvSpPr>
+        <p:spPr/>
+        <p:txBody>
+          <a:bodyPr/>
+          <a:lstStyle/>
+          <a:p>
+            <a:pPr algn="ctr"/>
+            <a:r>
+              <a:rPr lang="it-IT" dirty="0"/>
+              <a:t>Valutazione</a:t>
+            </a:r>
+          </a:p>
+        </p:txBody>
+      </p:sp>
+      <p:sp>
+        <p:nvSpPr>
+          <p:cNvPr id="3" name="Segnaposto contenuto 2">
+            <a:extLst>
+              <a:ext uri="{FF2B5EF4-FFF2-40B4-BE49-F238E27FC236}">
+                <a16:creationId xmlns:a16="http://schemas.microsoft.com/office/drawing/2014/main" id="{751510C9-6594-4046-8B7F-321272A9BB79}"/>
+              </a:ext>
+            </a:extLst>
+          </p:cNvPr>
+          <p:cNvSpPr>
+            <a:spLocks noGrp="1"/>
+          </p:cNvSpPr>
+          <p:nvPr>
+            <p:ph idx="1"/>
+          </p:nvPr>
+        </p:nvSpPr>
+        <p:spPr/>
+        <p:txBody>
+          <a:bodyPr>
+            <a:normAutofit/>
+          </a:bodyPr>
+          <a:lstStyle/>
+          <a:p>
+            <a:r>
+              <a:rPr lang="it-IT" dirty="0"/>
+              <a:t>Obiettivi: </a:t>
+            </a:r>
+          </a:p>
+          <a:p>
+            <a:pPr lvl="1"/>
+            <a:r>
+              <a:rPr lang="it-IT" dirty="0"/>
+              <a:t>ottenere prestazioni comparabili agli algoritmi stato dell’arte</a:t>
+            </a:r>
+          </a:p>
+          <a:p>
+            <a:pPr lvl="1"/>
+            <a:r>
+              <a:rPr lang="it-IT" dirty="0"/>
+              <a:t>Mantenere tempi di esecuzione bassi</a:t>
+            </a:r>
+          </a:p>
+          <a:p>
+            <a:r>
+              <a:rPr lang="it-IT" dirty="0"/>
+              <a:t>Metrica: Area Under the ROC Curve (AUC)</a:t>
+            </a:r>
+          </a:p>
+          <a:p>
+            <a:r>
+              <a:rPr lang="it-IT" dirty="0"/>
+              <a:t>Modelli di confronto:</a:t>
+            </a:r>
+          </a:p>
+          <a:p>
+            <a:pPr lvl="1"/>
+            <a:r>
+              <a:rPr lang="it-IT" dirty="0"/>
+              <a:t>ALS </a:t>
+            </a:r>
+            <a:r>
+              <a:rPr lang="it-IT" dirty="0">
+                <a:sym typeface="Wingdings" panose="05000000000000000000" pitchFamily="2" charset="2"/>
+              </a:rPr>
+              <a:t> </a:t>
+            </a:r>
+            <a:r>
+              <a:rPr lang="it-IT" dirty="0" err="1">
+                <a:sym typeface="Wingdings" panose="05000000000000000000" pitchFamily="2" charset="2"/>
+              </a:rPr>
+              <a:t>matrix</a:t>
+            </a:r>
+            <a:r>
+              <a:rPr lang="it-IT" dirty="0">
+                <a:sym typeface="Wingdings" panose="05000000000000000000" pitchFamily="2" charset="2"/>
+              </a:rPr>
+              <a:t> </a:t>
+            </a:r>
+            <a:r>
+              <a:rPr lang="it-IT" dirty="0" err="1">
+                <a:sym typeface="Wingdings" panose="05000000000000000000" pitchFamily="2" charset="2"/>
+              </a:rPr>
+              <a:t>factorization</a:t>
+            </a:r>
+            <a:r>
+              <a:rPr lang="it-IT" dirty="0">
+                <a:sym typeface="Wingdings" panose="05000000000000000000" pitchFamily="2" charset="2"/>
+              </a:rPr>
+              <a:t> per feedback impliciti</a:t>
+            </a:r>
+            <a:endParaRPr lang="it-IT" dirty="0"/>
+          </a:p>
+          <a:p>
+            <a:pPr lvl="1"/>
+            <a:r>
+              <a:rPr lang="it-IT" dirty="0" err="1"/>
+              <a:t>NeuMF</a:t>
+            </a:r>
+            <a:endParaRPr lang="it-IT" dirty="0"/>
+          </a:p>
+          <a:p>
+            <a:pPr lvl="1"/>
+            <a:r>
+              <a:rPr lang="it-IT" dirty="0"/>
+              <a:t>ECAM </a:t>
+            </a:r>
+            <a:r>
+              <a:rPr lang="it-IT" dirty="0" err="1"/>
+              <a:t>NeuMF</a:t>
+            </a:r>
+            <a:r>
+              <a:rPr lang="it-IT" dirty="0"/>
+              <a:t> </a:t>
+            </a:r>
+          </a:p>
+          <a:p>
+            <a:endParaRPr lang="it-IT" dirty="0"/>
+          </a:p>
+        </p:txBody>
+      </p:sp>
+    </p:spTree>
+    <p:extLst>
+      <p:ext uri="{BB962C8B-B14F-4D97-AF65-F5344CB8AC3E}">
+        <p14:creationId xmlns:p14="http://schemas.microsoft.com/office/powerpoint/2010/main" val="541751724"/>
+      </p:ext>
+    </p:extLst>
+  </p:cSld>
+  <p:clrMapOvr>
+    <a:masterClrMapping/>
+  </p:clrMapOvr>
+</p:sld>
+</file>
+
+<file path=ppt/slides/slide11.xml><?xml version="1.0" encoding="utf-8"?>
+<p:sld xmlns:a="http://schemas.openxmlformats.org/drawingml/2006/main" xmlns:r="http://schemas.openxmlformats.org/officeDocument/2006/relationships" xmlns:p="http://schemas.openxmlformats.org/presentationml/2006/main">
+  <p:cSld>
+    <p:spTree>
+      <p:nvGrpSpPr>
+        <p:cNvPr id="1" name=""/>
+        <p:cNvGrpSpPr/>
+        <p:nvPr/>
+      </p:nvGrpSpPr>
+      <p:grpSpPr>
+        <a:xfrm>
+          <a:off x="0" y="0"/>
+          <a:ext cx="0" cy="0"/>
+          <a:chOff x="0" y="0"/>
+          <a:chExt cx="0" cy="0"/>
+        </a:xfrm>
+      </p:grpSpPr>
+      <p:sp>
+        <p:nvSpPr>
+          <p:cNvPr id="2" name="Titolo 1">
+            <a:extLst>
+              <a:ext uri="{FF2B5EF4-FFF2-40B4-BE49-F238E27FC236}">
                 <a16:creationId xmlns:a16="http://schemas.microsoft.com/office/drawing/2014/main" id="{43EAF889-71E4-403D-B7D3-14CE26366C96}"/>
               </a:ext>
             </a:extLst>
@@ -5532,7 +8221,7 @@
 </p:sld>
 </file>
 
-<file path=ppt/slides/slide11.xml><?xml version="1.0" encoding="utf-8"?>
+<file path=ppt/slides/slide12.xml><?xml version="1.0" encoding="utf-8"?>
 <p:sld xmlns:a="http://schemas.openxmlformats.org/drawingml/2006/main" xmlns:r="http://schemas.openxmlformats.org/officeDocument/2006/relationships" xmlns:p="http://schemas.openxmlformats.org/presentationml/2006/main">
   <p:cSld>
     <p:bg>
@@ -5779,7 +8468,7 @@
 </p:sld>
 </file>
 
-<file path=ppt/slides/slide12.xml><?xml version="1.0" encoding="utf-8"?>
+<file path=ppt/slides/slide13.xml><?xml version="1.0" encoding="utf-8"?>
 <p:sld xmlns:a="http://schemas.openxmlformats.org/drawingml/2006/main" xmlns:r="http://schemas.openxmlformats.org/officeDocument/2006/relationships" xmlns:p="http://schemas.openxmlformats.org/presentationml/2006/main">
   <p:cSld>
     <p:spTree>
@@ -5899,7 +8588,7 @@
 </p:sld>
 </file>
 
-<file path=ppt/slides/slide13.xml><?xml version="1.0" encoding="utf-8"?>
+<file path=ppt/slides/slide14.xml><?xml version="1.0" encoding="utf-8"?>
 <p:sld xmlns:a="http://schemas.openxmlformats.org/drawingml/2006/main" xmlns:r="http://schemas.openxmlformats.org/officeDocument/2006/relationships" xmlns:p="http://schemas.openxmlformats.org/presentationml/2006/main">
   <p:cSld>
     <p:spTree>
@@ -6028,7 +8717,7 @@
 </p:sld>
 </file>
 
-<file path=ppt/slides/slide14.xml><?xml version="1.0" encoding="utf-8"?>
+<file path=ppt/slides/slide15.xml><?xml version="1.0" encoding="utf-8"?>
 <p:sld xmlns:a="http://schemas.openxmlformats.org/drawingml/2006/main" xmlns:r="http://schemas.openxmlformats.org/officeDocument/2006/relationships" xmlns:p="http://schemas.openxmlformats.org/presentationml/2006/main">
   <p:cSld>
     <p:spTree>
@@ -6085,6 +8774,204 @@
     <p:extLst>
       <p:ext uri="{BB962C8B-B14F-4D97-AF65-F5344CB8AC3E}">
         <p14:creationId xmlns:p14="http://schemas.microsoft.com/office/powerpoint/2010/main" val="1073096933"/>
+      </p:ext>
+    </p:extLst>
+  </p:cSld>
+  <p:clrMapOvr>
+    <a:masterClrMapping/>
+  </p:clrMapOvr>
+</p:sld>
+</file>
+
+<file path=ppt/slides/slide16.xml><?xml version="1.0" encoding="utf-8"?>
+<p:sld xmlns:a="http://schemas.openxmlformats.org/drawingml/2006/main" xmlns:r="http://schemas.openxmlformats.org/officeDocument/2006/relationships" xmlns:p="http://schemas.openxmlformats.org/presentationml/2006/main">
+  <p:cSld>
+    <p:spTree>
+      <p:nvGrpSpPr>
+        <p:cNvPr id="1" name=""/>
+        <p:cNvGrpSpPr/>
+        <p:nvPr/>
+      </p:nvGrpSpPr>
+      <p:grpSpPr>
+        <a:xfrm>
+          <a:off x="0" y="0"/>
+          <a:ext cx="0" cy="0"/>
+          <a:chOff x="0" y="0"/>
+          <a:chExt cx="0" cy="0"/>
+        </a:xfrm>
+      </p:grpSpPr>
+      <p:sp>
+        <p:nvSpPr>
+          <p:cNvPr id="2" name="Titolo 1">
+            <a:extLst>
+              <a:ext uri="{FF2B5EF4-FFF2-40B4-BE49-F238E27FC236}">
+                <a16:creationId xmlns:a16="http://schemas.microsoft.com/office/drawing/2014/main" id="{C567E482-5912-45F4-B64C-087A1929510B}"/>
+              </a:ext>
+            </a:extLst>
+          </p:cNvPr>
+          <p:cNvSpPr>
+            <a:spLocks noGrp="1"/>
+          </p:cNvSpPr>
+          <p:nvPr>
+            <p:ph type="title"/>
+          </p:nvPr>
+        </p:nvSpPr>
+        <p:spPr>
+          <a:xfrm>
+            <a:off x="628650" y="8806"/>
+            <a:ext cx="7886700" cy="1325563"/>
+          </a:xfrm>
+        </p:spPr>
+        <p:txBody>
+          <a:bodyPr/>
+          <a:lstStyle/>
+          <a:p>
+            <a:pPr algn="ctr"/>
+            <a:r>
+              <a:rPr lang="it-IT" dirty="0"/>
+              <a:t>Ego network</a:t>
+            </a:r>
+          </a:p>
+        </p:txBody>
+      </p:sp>
+      <p:sp>
+        <p:nvSpPr>
+          <p:cNvPr id="6" name="CasellaDiTesto 5">
+            <a:extLst>
+              <a:ext uri="{FF2B5EF4-FFF2-40B4-BE49-F238E27FC236}">
+                <a16:creationId xmlns:a16="http://schemas.microsoft.com/office/drawing/2014/main" id="{427B69B7-A1BD-4A01-BCF9-8B48D0BF4078}"/>
+              </a:ext>
+            </a:extLst>
+          </p:cNvPr>
+          <p:cNvSpPr txBox="1"/>
+          <p:nvPr/>
+        </p:nvSpPr>
+        <p:spPr>
+          <a:xfrm>
+            <a:off x="631676" y="4437112"/>
+            <a:ext cx="7975798" cy="1938992"/>
+          </a:xfrm>
+          <a:prstGeom prst="rect">
+            <a:avLst/>
+          </a:prstGeom>
+          <a:noFill/>
+        </p:spPr>
+        <p:txBody>
+          <a:bodyPr wrap="square" rtlCol="0">
+            <a:spAutoFit/>
+          </a:bodyPr>
+          <a:lstStyle/>
+          <a:p>
+            <a:r>
+              <a:rPr lang="it-IT" sz="2000" dirty="0"/>
+              <a:t>Una ego network è una rete sociale formata da:</a:t>
+            </a:r>
+          </a:p>
+          <a:p>
+            <a:pPr marL="742950" lvl="1" indent="-285750">
+              <a:buFont typeface="Arial" panose="020B0604020202020204" pitchFamily="34" charset="0"/>
+              <a:buChar char="•"/>
+            </a:pPr>
+            <a:r>
+              <a:rPr lang="it-IT" sz="2000" dirty="0"/>
+              <a:t>Un </a:t>
+            </a:r>
+            <a:r>
+              <a:rPr lang="it-IT" sz="2000" b="1" dirty="0"/>
+              <a:t>ego</a:t>
+            </a:r>
+          </a:p>
+          <a:p>
+            <a:pPr marL="742950" lvl="1" indent="-285750">
+              <a:buFont typeface="Arial" panose="020B0604020202020204" pitchFamily="34" charset="0"/>
+              <a:buChar char="•"/>
+            </a:pPr>
+            <a:r>
+              <a:rPr lang="it-IT" sz="2000" dirty="0"/>
+              <a:t>Un insieme di </a:t>
+            </a:r>
+            <a:r>
+              <a:rPr lang="it-IT" sz="2000" b="1" dirty="0"/>
+              <a:t>alter</a:t>
+            </a:r>
+          </a:p>
+          <a:p>
+            <a:pPr marL="285750" indent="-285750">
+              <a:buFont typeface="Arial" panose="020B0604020202020204" pitchFamily="34" charset="0"/>
+              <a:buChar char="•"/>
+            </a:pPr>
+            <a:endParaRPr lang="it-IT" sz="2000" b="1" dirty="0"/>
+          </a:p>
+          <a:p>
+            <a:pPr marL="342900" indent="-342900">
+              <a:buFont typeface="Arial" panose="020B0604020202020204" pitchFamily="34" charset="0"/>
+              <a:buChar char="•"/>
+            </a:pPr>
+            <a:r>
+              <a:rPr lang="it-IT" sz="2000" dirty="0"/>
+              <a:t>I legami sociali non hanno tutti la stessa rilevanza</a:t>
+            </a:r>
+          </a:p>
+          <a:p>
+            <a:pPr marL="342900" indent="-342900">
+              <a:buFont typeface="Arial" panose="020B0604020202020204" pitchFamily="34" charset="0"/>
+              <a:buChar char="•"/>
+            </a:pPr>
+            <a:r>
+              <a:rPr lang="it-IT" sz="2000" dirty="0"/>
+              <a:t>Gli alter sono distribuiti in </a:t>
+            </a:r>
+            <a:r>
+              <a:rPr lang="it-IT" sz="2000" b="1" dirty="0" err="1"/>
+              <a:t>layer</a:t>
+            </a:r>
+            <a:endParaRPr lang="it-IT" sz="2000" b="1" dirty="0"/>
+          </a:p>
+        </p:txBody>
+      </p:sp>
+      <p:pic>
+        <p:nvPicPr>
+          <p:cNvPr id="15" name="Elemento grafico 14">
+            <a:extLst>
+              <a:ext uri="{FF2B5EF4-FFF2-40B4-BE49-F238E27FC236}">
+                <a16:creationId xmlns:a16="http://schemas.microsoft.com/office/drawing/2014/main" id="{35321CA8-504F-4178-9DF3-A4AC6AC3FA2E}"/>
+              </a:ext>
+            </a:extLst>
+          </p:cNvPr>
+          <p:cNvPicPr>
+            <a:picLocks noChangeAspect="1"/>
+          </p:cNvPicPr>
+          <p:nvPr/>
+        </p:nvPicPr>
+        <p:blipFill>
+          <a:blip r:embed="rId2">
+            <a:extLst>
+              <a:ext uri="{28A0092B-C50C-407E-A947-70E740481C1C}">
+                <a14:useLocalDpi xmlns:a14="http://schemas.microsoft.com/office/drawing/2010/main" val="0"/>
+              </a:ext>
+              <a:ext uri="{96DAC541-7B7A-43D3-8B79-37D633B846F1}">
+                <asvg:svgBlip xmlns:asvg="http://schemas.microsoft.com/office/drawing/2016/SVG/main" r:embed="rId3"/>
+              </a:ext>
+            </a:extLst>
+          </a:blip>
+          <a:stretch>
+            <a:fillRect/>
+          </a:stretch>
+        </p:blipFill>
+        <p:spPr>
+          <a:xfrm>
+            <a:off x="3037403" y="1196752"/>
+            <a:ext cx="2980096" cy="2980096"/>
+          </a:xfrm>
+          <a:prstGeom prst="rect">
+            <a:avLst/>
+          </a:prstGeom>
+        </p:spPr>
+      </p:pic>
+    </p:spTree>
+    <p:extLst>
+      <p:ext uri="{BB962C8B-B14F-4D97-AF65-F5344CB8AC3E}">
+        <p14:creationId xmlns:p14="http://schemas.microsoft.com/office/powerpoint/2010/main" val="1067377143"/>
       </p:ext>
     </p:extLst>
   </p:cSld>
@@ -6129,12 +9016,14 @@
         </p:nvSpPr>
         <p:spPr>
           <a:xfrm>
-            <a:off x="628650" y="-171400"/>
-            <a:ext cx="7886700" cy="1325563"/>
+            <a:off x="628650" y="162494"/>
+            <a:ext cx="7886700" cy="572034"/>
           </a:xfrm>
         </p:spPr>
         <p:txBody>
-          <a:bodyPr/>
+          <a:bodyPr>
+            <a:normAutofit fontScale="90000"/>
+          </a:bodyPr>
           <a:lstStyle/>
           <a:p>
             <a:pPr algn="ctr"/>
@@ -6169,7 +9058,7 @@
         </p:spPr>
         <p:txBody>
           <a:bodyPr>
-            <a:normAutofit lnSpcReduction="10000"/>
+            <a:normAutofit/>
           </a:bodyPr>
           <a:lstStyle/>
           <a:p>
@@ -6189,21 +9078,13 @@
           <a:p>
             <a:r>
               <a:rPr lang="it-IT" sz="2200" dirty="0"/>
-              <a:t>Scoperta di nuovi contenuti tramite comunicazione device-to-device</a:t>
+              <a:t>Scoprire nuovi contenuti tramite comunicazione device-to-device</a:t>
             </a:r>
           </a:p>
           <a:p>
             <a:r>
               <a:rPr lang="it-IT" sz="2200" dirty="0"/>
-              <a:t>Un </a:t>
-            </a:r>
-            <a:r>
-              <a:rPr lang="it-IT" sz="2200" dirty="0" err="1"/>
-              <a:t>recommender</a:t>
-            </a:r>
-            <a:r>
-              <a:rPr lang="it-IT" sz="2200" dirty="0"/>
-              <a:t> system (RS) può essere utile per filtrare i contenuti scoperti</a:t>
+              <a:t>Filtrare contenuti in base agli interessi e il contesto utente</a:t>
             </a:r>
           </a:p>
           <a:p>
@@ -6391,19 +9272,27 @@
         </p:nvSpPr>
         <p:spPr>
           <a:xfrm>
-            <a:off x="251520" y="3569678"/>
-            <a:ext cx="8640960" cy="2667634"/>
+            <a:off x="251520" y="3857710"/>
+            <a:ext cx="8640960" cy="2235586"/>
           </a:xfrm>
         </p:spPr>
         <p:txBody>
           <a:bodyPr>
-            <a:normAutofit/>
+            <a:normAutofit lnSpcReduction="10000"/>
           </a:bodyPr>
           <a:lstStyle/>
           <a:p>
             <a:r>
               <a:rPr lang="it-IT" sz="2400" dirty="0"/>
-              <a:t>I RS generano raccomandazioni personalizzate per gli utenti</a:t>
+              <a:t>I </a:t>
+            </a:r>
+            <a:r>
+              <a:rPr lang="it-IT" sz="2400" dirty="0" err="1"/>
+              <a:t>recommender</a:t>
+            </a:r>
+            <a:r>
+              <a:rPr lang="it-IT" sz="2400" dirty="0"/>
+              <a:t> system (RS) generano raccomandazioni personalizzate per gli utenti</a:t>
             </a:r>
           </a:p>
           <a:p>
@@ -6415,7 +9304,7 @@
           <a:p>
             <a:r>
               <a:rPr lang="it-IT" sz="2400" dirty="0"/>
-              <a:t>RS per dispositivi mobili: le informazioni sono limitate a quelle raccolte dall’utente locale</a:t>
+              <a:t>RS per l’ambiente di riferimento: le informazioni sono limitate a quelle raccolte dall’utente locale</a:t>
             </a:r>
           </a:p>
           <a:p>
@@ -6423,22 +9312,6 @@
               <a:rPr lang="it-IT" sz="2400" dirty="0"/>
               <a:t>Necessità di considerare un contesto descrittivo</a:t>
             </a:r>
-          </a:p>
-          <a:p>
-            <a:r>
-              <a:rPr lang="it-IT" sz="2400" i="0" u="none" strike="noStrike" baseline="0" dirty="0"/>
-              <a:t>Scopo tesi: RS </a:t>
-            </a:r>
-            <a:r>
-              <a:rPr lang="it-IT" sz="2400" i="0" u="none" strike="noStrike" baseline="0" dirty="0" err="1"/>
-              <a:t>context-aware</a:t>
-            </a:r>
-            <a:r>
-              <a:rPr lang="it-IT" sz="2400" i="0" u="none" strike="noStrike" baseline="0" dirty="0"/>
-              <a:t> per dispositivi mobili </a:t>
-            </a:r>
-          </a:p>
-          <a:p>
             <a:endParaRPr lang="it-IT" sz="1700" dirty="0"/>
           </a:p>
           <a:p>
@@ -6477,7 +9350,7 @@
         </p:blipFill>
         <p:spPr>
           <a:xfrm>
-            <a:off x="1403648" y="764704"/>
+            <a:off x="1363207" y="895802"/>
             <a:ext cx="6417586" cy="2804974"/>
           </a:xfrm>
           <a:prstGeom prst="rect">
@@ -6510,10 +9383,17 @@
               <a:defRPr/>
             </a:pPr>
             <a:r>
-              <a:rPr lang="en-GB"/>
-              <a:t>Fonte immagine: https://morioh.com/p/023edf0a8587</a:t>
-            </a:r>
-            <a:endParaRPr lang="en-GB" dirty="0"/>
+              <a:rPr lang="en-GB" dirty="0"/>
+              <a:t>Fonte </a:t>
+            </a:r>
+            <a:r>
+              <a:rPr lang="en-GB" dirty="0" err="1"/>
+              <a:t>immagine</a:t>
+            </a:r>
+            <a:r>
+              <a:rPr lang="en-GB" dirty="0"/>
+              <a:t>: https://morioh.com/p/023edf0a8587</a:t>
+            </a:r>
           </a:p>
         </p:txBody>
       </p:sp>
@@ -6531,6 +9411,236 @@
 </file>
 
 <file path=ppt/slides/slide4.xml><?xml version="1.0" encoding="utf-8"?>
+<p:sld xmlns:a="http://schemas.openxmlformats.org/drawingml/2006/main" xmlns:r="http://schemas.openxmlformats.org/officeDocument/2006/relationships" xmlns:p="http://schemas.openxmlformats.org/presentationml/2006/main">
+  <p:cSld>
+    <p:spTree>
+      <p:nvGrpSpPr>
+        <p:cNvPr id="1" name=""/>
+        <p:cNvGrpSpPr/>
+        <p:nvPr/>
+      </p:nvGrpSpPr>
+      <p:grpSpPr>
+        <a:xfrm>
+          <a:off x="0" y="0"/>
+          <a:ext cx="0" cy="0"/>
+          <a:chOff x="0" y="0"/>
+          <a:chExt cx="0" cy="0"/>
+        </a:xfrm>
+      </p:grpSpPr>
+      <p:sp>
+        <p:nvSpPr>
+          <p:cNvPr id="2" name="Titolo 1">
+            <a:extLst>
+              <a:ext uri="{FF2B5EF4-FFF2-40B4-BE49-F238E27FC236}">
+                <a16:creationId xmlns:a16="http://schemas.microsoft.com/office/drawing/2014/main" id="{F0EFA278-CE23-439A-88B2-E7D2C808BB36}"/>
+              </a:ext>
+            </a:extLst>
+          </p:cNvPr>
+          <p:cNvSpPr>
+            <a:spLocks noGrp="1"/>
+          </p:cNvSpPr>
+          <p:nvPr>
+            <p:ph type="title"/>
+          </p:nvPr>
+        </p:nvSpPr>
+        <p:spPr>
+          <a:xfrm>
+            <a:off x="628650" y="137958"/>
+            <a:ext cx="7886700" cy="1325563"/>
+          </a:xfrm>
+        </p:spPr>
+        <p:txBody>
+          <a:bodyPr/>
+          <a:lstStyle/>
+          <a:p>
+            <a:pPr algn="ctr"/>
+            <a:r>
+              <a:rPr lang="it-IT" dirty="0"/>
+              <a:t>Scopo tesi</a:t>
+            </a:r>
+          </a:p>
+        </p:txBody>
+      </p:sp>
+      <p:graphicFrame>
+        <p:nvGraphicFramePr>
+          <p:cNvPr id="6" name="Segnaposto contenuto 5">
+            <a:extLst>
+              <a:ext uri="{FF2B5EF4-FFF2-40B4-BE49-F238E27FC236}">
+                <a16:creationId xmlns:a16="http://schemas.microsoft.com/office/drawing/2014/main" id="{D887AAE3-B1D2-4E9E-9E28-A63EA1143087}"/>
+              </a:ext>
+            </a:extLst>
+          </p:cNvPr>
+          <p:cNvGraphicFramePr>
+            <a:graphicFrameLocks noGrp="1"/>
+          </p:cNvGraphicFramePr>
+          <p:nvPr>
+            <p:ph idx="1"/>
+            <p:extLst>
+              <p:ext uri="{D42A27DB-BD31-4B8C-83A1-F6EECF244321}">
+                <p14:modId xmlns:p14="http://schemas.microsoft.com/office/powerpoint/2010/main" val="3503655674"/>
+              </p:ext>
+            </p:extLst>
+          </p:nvPr>
+        </p:nvGraphicFramePr>
+        <p:xfrm>
+          <a:off x="628650" y="1484784"/>
+          <a:ext cx="7886700" cy="4351338"/>
+        </p:xfrm>
+        <a:graphic>
+          <a:graphicData uri="http://schemas.openxmlformats.org/drawingml/2006/diagram">
+            <dgm:relIds xmlns:dgm="http://schemas.openxmlformats.org/drawingml/2006/diagram" xmlns:r="http://schemas.openxmlformats.org/officeDocument/2006/relationships" r:dm="rId2" r:lo="rId3" r:qs="rId4" r:cs="rId5"/>
+          </a:graphicData>
+        </a:graphic>
+      </p:graphicFrame>
+      <p:sp>
+        <p:nvSpPr>
+          <p:cNvPr id="8" name="CasellaDiTesto 7">
+            <a:extLst>
+              <a:ext uri="{FF2B5EF4-FFF2-40B4-BE49-F238E27FC236}">
+                <a16:creationId xmlns:a16="http://schemas.microsoft.com/office/drawing/2014/main" id="{571F9E84-C97C-41C0-8E4B-5229816AF556}"/>
+              </a:ext>
+            </a:extLst>
+          </p:cNvPr>
+          <p:cNvSpPr txBox="1"/>
+          <p:nvPr/>
+        </p:nvSpPr>
+        <p:spPr>
+          <a:xfrm>
+            <a:off x="1835696" y="1792015"/>
+            <a:ext cx="864096" cy="584775"/>
+          </a:xfrm>
+          <a:prstGeom prst="rect">
+            <a:avLst/>
+          </a:prstGeom>
+          <a:noFill/>
+        </p:spPr>
+        <p:txBody>
+          <a:bodyPr wrap="square" rtlCol="0">
+            <a:spAutoFit/>
+          </a:bodyPr>
+          <a:lstStyle/>
+          <a:p>
+            <a:pPr algn="ctr"/>
+            <a:r>
+              <a:rPr lang="it-IT" sz="3200" dirty="0">
+                <a:solidFill>
+                  <a:schemeClr val="bg1"/>
+                </a:solidFill>
+              </a:rPr>
+              <a:t>1</a:t>
+            </a:r>
+            <a:endParaRPr lang="it-IT" sz="2600" dirty="0">
+              <a:solidFill>
+                <a:schemeClr val="bg1"/>
+              </a:solidFill>
+            </a:endParaRPr>
+          </a:p>
+        </p:txBody>
+      </p:sp>
+      <p:sp>
+        <p:nvSpPr>
+          <p:cNvPr id="9" name="CasellaDiTesto 8">
+            <a:extLst>
+              <a:ext uri="{FF2B5EF4-FFF2-40B4-BE49-F238E27FC236}">
+                <a16:creationId xmlns:a16="http://schemas.microsoft.com/office/drawing/2014/main" id="{0EF66A59-EA91-4DDD-A3A0-DDDDA9BEFBAB}"/>
+              </a:ext>
+            </a:extLst>
+          </p:cNvPr>
+          <p:cNvSpPr txBox="1"/>
+          <p:nvPr/>
+        </p:nvSpPr>
+        <p:spPr>
+          <a:xfrm>
+            <a:off x="1835696" y="3368065"/>
+            <a:ext cx="864096" cy="584775"/>
+          </a:xfrm>
+          <a:prstGeom prst="rect">
+            <a:avLst/>
+          </a:prstGeom>
+          <a:noFill/>
+        </p:spPr>
+        <p:txBody>
+          <a:bodyPr wrap="square" rtlCol="0">
+            <a:spAutoFit/>
+          </a:bodyPr>
+          <a:lstStyle/>
+          <a:p>
+            <a:pPr algn="ctr"/>
+            <a:r>
+              <a:rPr lang="it-IT" sz="3200" dirty="0">
+                <a:solidFill>
+                  <a:schemeClr val="bg1"/>
+                </a:solidFill>
+              </a:rPr>
+              <a:t>2</a:t>
+            </a:r>
+            <a:endParaRPr lang="it-IT" sz="2600" dirty="0">
+              <a:solidFill>
+                <a:schemeClr val="bg1"/>
+              </a:solidFill>
+            </a:endParaRPr>
+          </a:p>
+        </p:txBody>
+      </p:sp>
+      <p:sp>
+        <p:nvSpPr>
+          <p:cNvPr id="10" name="CasellaDiTesto 9">
+            <a:extLst>
+              <a:ext uri="{FF2B5EF4-FFF2-40B4-BE49-F238E27FC236}">
+                <a16:creationId xmlns:a16="http://schemas.microsoft.com/office/drawing/2014/main" id="{F29ACB5C-069B-43D1-9CB8-0BD75B8AF05B}"/>
+              </a:ext>
+            </a:extLst>
+          </p:cNvPr>
+          <p:cNvSpPr txBox="1"/>
+          <p:nvPr/>
+        </p:nvSpPr>
+        <p:spPr>
+          <a:xfrm>
+            <a:off x="1835696" y="4944115"/>
+            <a:ext cx="864096" cy="584775"/>
+          </a:xfrm>
+          <a:prstGeom prst="rect">
+            <a:avLst/>
+          </a:prstGeom>
+          <a:noFill/>
+        </p:spPr>
+        <p:txBody>
+          <a:bodyPr wrap="square" rtlCol="0">
+            <a:spAutoFit/>
+          </a:bodyPr>
+          <a:lstStyle/>
+          <a:p>
+            <a:pPr algn="ctr"/>
+            <a:r>
+              <a:rPr lang="it-IT" sz="3200" dirty="0">
+                <a:solidFill>
+                  <a:schemeClr val="bg1"/>
+                </a:solidFill>
+              </a:rPr>
+              <a:t>3</a:t>
+            </a:r>
+            <a:endParaRPr lang="it-IT" sz="2600" dirty="0">
+              <a:solidFill>
+                <a:schemeClr val="bg1"/>
+              </a:solidFill>
+            </a:endParaRPr>
+          </a:p>
+        </p:txBody>
+      </p:sp>
+    </p:spTree>
+    <p:extLst>
+      <p:ext uri="{BB962C8B-B14F-4D97-AF65-F5344CB8AC3E}">
+        <p14:creationId xmlns:p14="http://schemas.microsoft.com/office/powerpoint/2010/main" val="1544707311"/>
+      </p:ext>
+    </p:extLst>
+  </p:cSld>
+  <p:clrMapOvr>
+    <a:masterClrMapping/>
+  </p:clrMapOvr>
+</p:sld>
+</file>
+
+<file path=ppt/slides/slide5.xml><?xml version="1.0" encoding="utf-8"?>
 <p:sld xmlns:a="http://schemas.openxmlformats.org/drawingml/2006/main" xmlns:r="http://schemas.openxmlformats.org/officeDocument/2006/relationships" xmlns:p="http://schemas.openxmlformats.org/presentationml/2006/main">
   <p:cSld>
     <p:bg>
@@ -7035,7 +10145,7 @@
 </p:sld>
 </file>
 
-<file path=ppt/slides/slide5.xml><?xml version="1.0" encoding="utf-8"?>
+<file path=ppt/slides/slide6.xml><?xml version="1.0" encoding="utf-8"?>
 <p:sld xmlns:a="http://schemas.openxmlformats.org/drawingml/2006/main" xmlns:r="http://schemas.openxmlformats.org/officeDocument/2006/relationships" xmlns:p="http://schemas.openxmlformats.org/presentationml/2006/main">
   <p:cSld>
     <p:spTree>
@@ -7076,7 +10186,7 @@
         </p:spPr>
         <p:txBody>
           <a:bodyPr>
-            <a:normAutofit fontScale="92500" lnSpcReduction="10000"/>
+            <a:normAutofit/>
           </a:bodyPr>
           <a:lstStyle/>
           <a:p>
@@ -7101,21 +10211,14 @@
           <a:p>
             <a:r>
               <a:rPr lang="it-IT" sz="2000" dirty="0"/>
-              <a:t>Input: </a:t>
+              <a:t>Input:  </a:t>
             </a:r>
           </a:p>
           <a:p>
             <a:pPr lvl="1"/>
             <a:r>
               <a:rPr lang="it-IT" sz="1800" dirty="0"/>
-              <a:t>ID utente</a:t>
-            </a:r>
-          </a:p>
-          <a:p>
-            <a:pPr lvl="1"/>
-            <a:r>
-              <a:rPr lang="it-IT" sz="1800" dirty="0"/>
-              <a:t>ID oggetto</a:t>
+              <a:t>ID utente, ID oggetto</a:t>
             </a:r>
           </a:p>
           <a:p>
@@ -7147,15 +10250,7 @@
           <a:p>
             <a:r>
               <a:rPr lang="it-IT" sz="2000" dirty="0"/>
-              <a:t>Il numero di utenti e oggetti è fisso: i vettori in one hot </a:t>
-            </a:r>
-            <a:r>
-              <a:rPr lang="it-IT" sz="2000" dirty="0" err="1"/>
-              <a:t>encoding</a:t>
-            </a:r>
-            <a:r>
-              <a:rPr lang="it-IT" sz="2000" dirty="0"/>
-              <a:t> hanno dimensione pari al numero di utenti/oggetti</a:t>
+              <a:t>Il numero di utenti e oggetti è fisso</a:t>
             </a:r>
           </a:p>
         </p:txBody>
@@ -7361,10 +10456,45 @@
               <a:defRPr/>
             </a:pPr>
             <a:r>
-              <a:rPr lang="en-GB"/>
-              <a:t>Fonte immagine: Xiangnan He, Lizi Liao, Hanwang Zhang, Liqiang Nie, Xia Hu, and Tat-Seng Chua. Neural collaborative filtering.</a:t>
-            </a:r>
-            <a:endParaRPr lang="en-GB" dirty="0"/>
+              <a:rPr lang="en-GB" dirty="0" err="1"/>
+              <a:t>Xiangnan</a:t>
+            </a:r>
+            <a:r>
+              <a:rPr lang="en-GB" dirty="0"/>
+              <a:t> He, </a:t>
+            </a:r>
+            <a:r>
+              <a:rPr lang="en-GB" dirty="0" err="1"/>
+              <a:t>Lizi</a:t>
+            </a:r>
+            <a:r>
+              <a:rPr lang="en-GB" dirty="0"/>
+              <a:t> Liao, </a:t>
+            </a:r>
+            <a:r>
+              <a:rPr lang="en-GB" dirty="0" err="1"/>
+              <a:t>Hanwang</a:t>
+            </a:r>
+            <a:r>
+              <a:rPr lang="en-GB" dirty="0"/>
+              <a:t> Zhang, </a:t>
+            </a:r>
+            <a:r>
+              <a:rPr lang="en-GB" dirty="0" err="1"/>
+              <a:t>Liqiang</a:t>
+            </a:r>
+            <a:r>
+              <a:rPr lang="en-GB" dirty="0"/>
+              <a:t> </a:t>
+            </a:r>
+            <a:r>
+              <a:rPr lang="en-GB" dirty="0" err="1"/>
+              <a:t>Nie</a:t>
+            </a:r>
+            <a:r>
+              <a:rPr lang="en-GB" dirty="0"/>
+              <a:t>, Xia Hu, and Tat-Seng Chua. Neural collaborative filtering.</a:t>
+            </a:r>
           </a:p>
         </p:txBody>
       </p:sp>
@@ -7384,7 +10514,7 @@
         </p:nvSpPr>
         <p:spPr>
           <a:xfrm>
-            <a:off x="2306625" y="6395229"/>
+            <a:off x="2195736" y="6395410"/>
             <a:ext cx="4640585" cy="365125"/>
           </a:xfrm>
           <a:prstGeom prst="rect">
@@ -7494,18 +10624,6 @@
             <a:pPr>
               <a:defRPr/>
             </a:pPr>
-            <a:r>
-              <a:rPr lang="en-GB" dirty="0"/>
-              <a:t>Fonte </a:t>
-            </a:r>
-            <a:r>
-              <a:rPr lang="en-GB" dirty="0" err="1"/>
-              <a:t>immagine</a:t>
-            </a:r>
-            <a:r>
-              <a:rPr lang="en-GB" dirty="0"/>
-              <a:t>: </a:t>
-            </a:r>
             <a:r>
               <a:rPr lang="en-US" dirty="0"/>
               <a:t>Moshe Unger, Alexander </a:t>
@@ -7656,15 +10774,33 @@
                                   </p:childTnLst>
                                 </p:cTn>
                               </p:par>
+                            </p:childTnLst>
+                          </p:cTn>
+                        </p:par>
+                      </p:childTnLst>
+                    </p:cTn>
+                  </p:par>
+                  <p:par>
+                    <p:cTn id="11" fill="hold">
+                      <p:stCondLst>
+                        <p:cond delay="indefinite"/>
+                      </p:stCondLst>
+                      <p:childTnLst>
+                        <p:par>
+                          <p:cTn id="12" fill="hold">
+                            <p:stCondLst>
+                              <p:cond delay="0"/>
+                            </p:stCondLst>
+                            <p:childTnLst>
                               <p:par>
-                                <p:cTn id="11" presetID="1" presetClass="entr" presetSubtype="0" fill="hold" grpId="0" nodeType="withEffect">
+                                <p:cTn id="13" presetID="1" presetClass="entr" presetSubtype="0" fill="hold" grpId="0" nodeType="clickEffect">
                                   <p:stCondLst>
                                     <p:cond delay="0"/>
                                   </p:stCondLst>
                                   <p:childTnLst>
                                     <p:set>
                                       <p:cBhvr>
-                                        <p:cTn id="12" dur="1" fill="hold">
+                                        <p:cTn id="14" dur="1" fill="hold">
                                           <p:stCondLst>
                                             <p:cond delay="0"/>
                                           </p:stCondLst>
@@ -7687,26 +10823,8 @@
                                   </p:childTnLst>
                                 </p:cTn>
                               </p:par>
-                            </p:childTnLst>
-                          </p:cTn>
-                        </p:par>
-                      </p:childTnLst>
-                    </p:cTn>
-                  </p:par>
-                  <p:par>
-                    <p:cTn id="13" fill="hold">
-                      <p:stCondLst>
-                        <p:cond delay="indefinite"/>
-                      </p:stCondLst>
-                      <p:childTnLst>
-                        <p:par>
-                          <p:cTn id="14" fill="hold">
-                            <p:stCondLst>
-                              <p:cond delay="0"/>
-                            </p:stCondLst>
-                            <p:childTnLst>
                               <p:par>
-                                <p:cTn id="15" presetID="1" presetClass="entr" presetSubtype="0" fill="hold" grpId="0" nodeType="clickEffect">
+                                <p:cTn id="15" presetID="1" presetClass="entr" presetSubtype="0" fill="hold" grpId="0" nodeType="withEffect">
                                   <p:stCondLst>
                                     <p:cond delay="0"/>
                                   </p:stCondLst>
@@ -7768,7 +10886,7 @@
                                 </p:cTn>
                               </p:par>
                               <p:par>
-                                <p:cTn id="19" presetID="1" presetClass="entr" presetSubtype="0" fill="hold" grpId="0" nodeType="withEffect">
+                                <p:cTn id="19" presetID="1" presetClass="exit" presetSubtype="0" fill="hold" nodeType="withEffect">
                                   <p:stCondLst>
                                     <p:cond delay="0"/>
                                   </p:stCondLst>
@@ -7776,37 +10894,6 @@
                                     <p:set>
                                       <p:cBhvr>
                                         <p:cTn id="20" dur="1" fill="hold">
-                                          <p:stCondLst>
-                                            <p:cond delay="0"/>
-                                          </p:stCondLst>
-                                        </p:cTn>
-                                        <p:tgtEl>
-                                          <p:spTgt spid="3">
-                                            <p:txEl>
-                                              <p:pRg st="6" end="6"/>
-                                            </p:txEl>
-                                          </p:spTgt>
-                                        </p:tgtEl>
-                                        <p:attrNameLst>
-                                          <p:attrName>style.visibility</p:attrName>
-                                        </p:attrNameLst>
-                                      </p:cBhvr>
-                                      <p:to>
-                                        <p:strVal val="visible"/>
-                                      </p:to>
-                                    </p:set>
-                                  </p:childTnLst>
-                                </p:cTn>
-                              </p:par>
-                              <p:par>
-                                <p:cTn id="21" presetID="1" presetClass="exit" presetSubtype="0" fill="hold" nodeType="withEffect">
-                                  <p:stCondLst>
-                                    <p:cond delay="0"/>
-                                  </p:stCondLst>
-                                  <p:childTnLst>
-                                    <p:set>
-                                      <p:cBhvr>
-                                        <p:cTn id="22" dur="1" fill="hold">
                                           <p:stCondLst>
                                             <p:cond delay="0"/>
                                           </p:stCondLst>
@@ -7826,14 +10913,14 @@
                                 </p:cTn>
                               </p:par>
                               <p:par>
-                                <p:cTn id="23" presetID="1" presetClass="entr" presetSubtype="0" fill="hold" nodeType="withEffect">
+                                <p:cTn id="21" presetID="1" presetClass="entr" presetSubtype="0" fill="hold" nodeType="withEffect">
                                   <p:stCondLst>
                                     <p:cond delay="0"/>
                                   </p:stCondLst>
                                   <p:childTnLst>
                                     <p:set>
                                       <p:cBhvr>
-                                        <p:cTn id="24" dur="1" fill="hold">
+                                        <p:cTn id="22" dur="1" fill="hold">
                                           <p:stCondLst>
                                             <p:cond delay="0"/>
                                           </p:stCondLst>
@@ -7853,14 +10940,14 @@
                                 </p:cTn>
                               </p:par>
                               <p:par>
-                                <p:cTn id="25" presetID="1" presetClass="exit" presetSubtype="0" fill="hold" grpId="0" nodeType="withEffect">
+                                <p:cTn id="23" presetID="1" presetClass="exit" presetSubtype="0" fill="hold" grpId="0" nodeType="withEffect">
                                   <p:stCondLst>
                                     <p:cond delay="0"/>
                                   </p:stCondLst>
                                   <p:childTnLst>
                                     <p:set>
                                       <p:cBhvr>
-                                        <p:cTn id="26" dur="1" fill="hold">
+                                        <p:cTn id="24" dur="1" fill="hold">
                                           <p:stCondLst>
                                             <p:cond delay="0"/>
                                           </p:stCondLst>
@@ -7880,14 +10967,14 @@
                                 </p:cTn>
                               </p:par>
                               <p:par>
-                                <p:cTn id="27" presetID="1" presetClass="entr" presetSubtype="0" fill="hold" grpId="0" nodeType="withEffect">
+                                <p:cTn id="25" presetID="1" presetClass="entr" presetSubtype="0" fill="hold" grpId="0" nodeType="withEffect">
                                   <p:stCondLst>
                                     <p:cond delay="0"/>
                                   </p:stCondLst>
                                   <p:childTnLst>
                                     <p:set>
                                       <p:cBhvr>
-                                        <p:cTn id="28" dur="1" fill="hold">
+                                        <p:cTn id="26" dur="1" fill="hold">
                                           <p:stCondLst>
                                             <p:cond delay="0"/>
                                           </p:stCondLst>
@@ -7907,14 +10994,14 @@
                                 </p:cTn>
                               </p:par>
                               <p:par>
-                                <p:cTn id="29" presetID="1" presetClass="exit" presetSubtype="0" fill="hold" grpId="0" nodeType="withEffect">
+                                <p:cTn id="27" presetID="1" presetClass="exit" presetSubtype="0" fill="hold" grpId="0" nodeType="withEffect">
                                   <p:stCondLst>
                                     <p:cond delay="0"/>
                                   </p:stCondLst>
                                   <p:childTnLst>
                                     <p:set>
                                       <p:cBhvr>
-                                        <p:cTn id="30" dur="1" fill="hold">
+                                        <p:cTn id="28" dur="1" fill="hold">
                                           <p:stCondLst>
                                             <p:cond delay="0"/>
                                           </p:stCondLst>
@@ -7970,7 +11057,7 @@
 </p:sld>
 </file>
 
-<file path=ppt/slides/slide6.xml><?xml version="1.0" encoding="utf-8"?>
+<file path=ppt/slides/slide7.xml><?xml version="1.0" encoding="utf-8"?>
 <p:sld xmlns:a="http://schemas.openxmlformats.org/drawingml/2006/main" xmlns:r="http://schemas.openxmlformats.org/officeDocument/2006/relationships" xmlns:p="http://schemas.openxmlformats.org/presentationml/2006/main">
   <p:cSld>
     <p:spTree>
@@ -8402,7 +11489,7 @@
 </p:sld>
 </file>
 
-<file path=ppt/slides/slide7.xml><?xml version="1.0" encoding="utf-8"?>
+<file path=ppt/slides/slide8.xml><?xml version="1.0" encoding="utf-8"?>
 <p:sld xmlns:a="http://schemas.openxmlformats.org/drawingml/2006/main" xmlns:r="http://schemas.openxmlformats.org/officeDocument/2006/relationships" xmlns:p="http://schemas.openxmlformats.org/presentationml/2006/main">
   <p:cSld>
     <p:spTree>
@@ -8472,7 +11559,7 @@
         <p:spPr>
           <a:xfrm>
             <a:off x="5004048" y="1720840"/>
-            <a:ext cx="3744416" cy="2031325"/>
+            <a:ext cx="3744416" cy="1754326"/>
           </a:xfrm>
           <a:prstGeom prst="rect">
             <a:avLst/>
@@ -8491,7 +11578,23 @@
             </a:pPr>
             <a:r>
               <a:rPr lang="it-IT" dirty="0"/>
-              <a:t>Il contesto dell’utente è rilevato utilizzando i sensori dello smartphone e le interazioni sugli online social network</a:t>
+              <a:t>Il </a:t>
+            </a:r>
+            <a:r>
+              <a:rPr lang="it-IT" b="1" dirty="0"/>
+              <a:t>contesto</a:t>
+            </a:r>
+            <a:r>
+              <a:rPr lang="it-IT" dirty="0"/>
+              <a:t> </a:t>
+            </a:r>
+            <a:r>
+              <a:rPr lang="it-IT" b="1" dirty="0"/>
+              <a:t>fisico</a:t>
+            </a:r>
+            <a:r>
+              <a:rPr lang="it-IT" dirty="0"/>
+              <a:t> è rilevato utilizzando i sensori dello smartphone</a:t>
             </a:r>
           </a:p>
           <a:p>
@@ -8499,16 +11602,25 @@
               <a:buFont typeface="Arial" panose="020B0604020202020204" pitchFamily="34" charset="0"/>
               <a:buChar char="•"/>
             </a:pPr>
-            <a:endParaRPr lang="it-IT" dirty="0"/>
-          </a:p>
-          <a:p>
-            <a:pPr marL="285750" indent="-285750">
-              <a:buFont typeface="Arial" panose="020B0604020202020204" pitchFamily="34" charset="0"/>
-              <a:buChar char="•"/>
-            </a:pPr>
             <a:r>
               <a:rPr lang="it-IT" dirty="0"/>
-              <a:t>Il contesto sociale è modellato da una ego network</a:t>
+              <a:t>Il </a:t>
+            </a:r>
+            <a:r>
+              <a:rPr lang="it-IT" b="1" dirty="0"/>
+              <a:t>contesto</a:t>
+            </a:r>
+            <a:r>
+              <a:rPr lang="it-IT" dirty="0"/>
+              <a:t> </a:t>
+            </a:r>
+            <a:r>
+              <a:rPr lang="it-IT" b="1" dirty="0"/>
+              <a:t>sociale</a:t>
+            </a:r>
+            <a:r>
+              <a:rPr lang="it-IT" dirty="0"/>
+              <a:t> è rilevato dalle interazioni sugli online social network e dalla prossimità fisica</a:t>
             </a:r>
           </a:p>
         </p:txBody>
@@ -8644,558 +11756,6 @@
 </p:sld>
 </file>
 
-<file path=ppt/slides/slide8.xml><?xml version="1.0" encoding="utf-8"?>
-<p:sld xmlns:a="http://schemas.openxmlformats.org/drawingml/2006/main" xmlns:r="http://schemas.openxmlformats.org/officeDocument/2006/relationships" xmlns:p="http://schemas.openxmlformats.org/presentationml/2006/main">
-  <p:cSld>
-    <p:spTree>
-      <p:nvGrpSpPr>
-        <p:cNvPr id="1" name=""/>
-        <p:cNvGrpSpPr/>
-        <p:nvPr/>
-      </p:nvGrpSpPr>
-      <p:grpSpPr>
-        <a:xfrm>
-          <a:off x="0" y="0"/>
-          <a:ext cx="0" cy="0"/>
-          <a:chOff x="0" y="0"/>
-          <a:chExt cx="0" cy="0"/>
-        </a:xfrm>
-      </p:grpSpPr>
-      <p:sp>
-        <p:nvSpPr>
-          <p:cNvPr id="2" name="Titolo 1">
-            <a:extLst>
-              <a:ext uri="{FF2B5EF4-FFF2-40B4-BE49-F238E27FC236}">
-                <a16:creationId xmlns:a16="http://schemas.microsoft.com/office/drawing/2014/main" id="{6B5C8CE6-773B-4C99-A303-3A55CAA756D3}"/>
-              </a:ext>
-            </a:extLst>
-          </p:cNvPr>
-          <p:cNvSpPr>
-            <a:spLocks noGrp="1"/>
-          </p:cNvSpPr>
-          <p:nvPr>
-            <p:ph type="title"/>
-          </p:nvPr>
-        </p:nvSpPr>
-        <p:spPr>
-          <a:xfrm>
-            <a:off x="539552" y="117066"/>
-            <a:ext cx="7886700" cy="421929"/>
-          </a:xfrm>
-        </p:spPr>
-        <p:txBody>
-          <a:bodyPr>
-            <a:noAutofit/>
-          </a:bodyPr>
-          <a:lstStyle/>
-          <a:p>
-            <a:pPr algn="ctr"/>
-            <a:r>
-              <a:rPr lang="it-IT" dirty="0"/>
-              <a:t>Dataset</a:t>
-            </a:r>
-          </a:p>
-        </p:txBody>
-      </p:sp>
-      <p:sp>
-        <p:nvSpPr>
-          <p:cNvPr id="3" name="Segnaposto contenuto 2">
-            <a:extLst>
-              <a:ext uri="{FF2B5EF4-FFF2-40B4-BE49-F238E27FC236}">
-                <a16:creationId xmlns:a16="http://schemas.microsoft.com/office/drawing/2014/main" id="{BE723A70-E80B-4CA0-941A-CB18D109A863}"/>
-              </a:ext>
-            </a:extLst>
-          </p:cNvPr>
-          <p:cNvSpPr>
-            <a:spLocks noGrp="1"/>
-          </p:cNvSpPr>
-          <p:nvPr>
-            <p:ph idx="1"/>
-          </p:nvPr>
-        </p:nvSpPr>
-        <p:spPr>
-          <a:xfrm>
-            <a:off x="179512" y="538995"/>
-            <a:ext cx="8784976" cy="1017797"/>
-          </a:xfrm>
-        </p:spPr>
-        <p:txBody>
-          <a:bodyPr>
-            <a:normAutofit lnSpcReduction="10000"/>
-          </a:bodyPr>
-          <a:lstStyle/>
-          <a:p>
-            <a:pPr marL="0" indent="0" algn="l">
-              <a:buNone/>
-            </a:pPr>
-            <a:r>
-              <a:rPr lang="it-IT" sz="2200" b="1" dirty="0"/>
-              <a:t>Frappe: </a:t>
-            </a:r>
-          </a:p>
-          <a:p>
-            <a:pPr marL="0" indent="0" algn="l">
-              <a:buNone/>
-            </a:pPr>
-            <a:r>
-              <a:rPr lang="it-IT" sz="1900" b="0" i="0" u="none" strike="noStrike" baseline="0" dirty="0"/>
-              <a:t>È un dataset di feedback impliciti collezionato da un sistema di raccomandazione </a:t>
-            </a:r>
-            <a:r>
-              <a:rPr lang="it-IT" sz="1900" b="0" i="0" u="none" strike="noStrike" baseline="0" dirty="0" err="1"/>
-              <a:t>context-aware</a:t>
-            </a:r>
-            <a:r>
-              <a:rPr lang="it-IT" sz="1900" b="0" i="0" u="none" strike="noStrike" baseline="0" dirty="0"/>
-              <a:t> di applicazioni Android.</a:t>
-            </a:r>
-          </a:p>
-          <a:p>
-            <a:pPr marL="0" indent="0">
-              <a:buNone/>
-            </a:pPr>
-            <a:endParaRPr lang="it-IT" b="1" dirty="0"/>
-          </a:p>
-        </p:txBody>
-      </p:sp>
-      <p:sp>
-        <p:nvSpPr>
-          <p:cNvPr id="9" name="CasellaDiTesto 8">
-            <a:extLst>
-              <a:ext uri="{FF2B5EF4-FFF2-40B4-BE49-F238E27FC236}">
-                <a16:creationId xmlns:a16="http://schemas.microsoft.com/office/drawing/2014/main" id="{A4BA0D4A-419D-4B7E-80B1-C402EFBEA01F}"/>
-              </a:ext>
-            </a:extLst>
-          </p:cNvPr>
-          <p:cNvSpPr txBox="1"/>
-          <p:nvPr/>
-        </p:nvSpPr>
-        <p:spPr>
-          <a:xfrm>
-            <a:off x="167152" y="3177768"/>
-            <a:ext cx="8809695" cy="936104"/>
-          </a:xfrm>
-          <a:prstGeom prst="rect">
-            <a:avLst/>
-          </a:prstGeom>
-          <a:noFill/>
-        </p:spPr>
-        <p:txBody>
-          <a:bodyPr wrap="square">
-            <a:normAutofit lnSpcReduction="10000"/>
-          </a:bodyPr>
-          <a:lstStyle/>
-          <a:p>
-            <a:r>
-              <a:rPr lang="it-IT" sz="2000" b="1" dirty="0"/>
-              <a:t>My Digital Footprint (MDF): </a:t>
-            </a:r>
-          </a:p>
-          <a:p>
-            <a:r>
-              <a:rPr lang="it-IT" dirty="0"/>
-              <a:t>È un dataset composto da dati di sensori di smartphone, informazioni di prossimità fisica, e interazioni sugli online social network.</a:t>
-            </a:r>
-          </a:p>
-          <a:p>
-            <a:endParaRPr lang="it-IT" dirty="0"/>
-          </a:p>
-          <a:p>
-            <a:endParaRPr lang="it-IT" dirty="0"/>
-          </a:p>
-          <a:p>
-            <a:endParaRPr lang="it-IT" dirty="0"/>
-          </a:p>
-          <a:p>
-            <a:endParaRPr lang="it-IT" dirty="0"/>
-          </a:p>
-          <a:p>
-            <a:endParaRPr lang="it-IT" dirty="0"/>
-          </a:p>
-        </p:txBody>
-      </p:sp>
-      <p:sp>
-        <p:nvSpPr>
-          <p:cNvPr id="10" name="CasellaDiTesto 9">
-            <a:extLst>
-              <a:ext uri="{FF2B5EF4-FFF2-40B4-BE49-F238E27FC236}">
-                <a16:creationId xmlns:a16="http://schemas.microsoft.com/office/drawing/2014/main" id="{3D9FFB73-567F-4A21-9A4E-FD1CA3A2DC3D}"/>
-              </a:ext>
-            </a:extLst>
-          </p:cNvPr>
-          <p:cNvSpPr txBox="1"/>
-          <p:nvPr/>
-        </p:nvSpPr>
-        <p:spPr>
-          <a:xfrm>
-            <a:off x="191872" y="3969855"/>
-            <a:ext cx="8784976" cy="2751621"/>
-          </a:xfrm>
-          <a:prstGeom prst="rect">
-            <a:avLst/>
-          </a:prstGeom>
-          <a:noFill/>
-        </p:spPr>
-        <p:txBody>
-          <a:bodyPr wrap="square" numCol="2" rtlCol="0">
-            <a:normAutofit lnSpcReduction="10000"/>
-          </a:bodyPr>
-          <a:lstStyle/>
-          <a:p>
-            <a:r>
-              <a:rPr lang="it-IT" u="sng" dirty="0"/>
-              <a:t>Statistiche:</a:t>
-            </a:r>
-          </a:p>
-          <a:p>
-            <a:pPr marL="285750" indent="-285750">
-              <a:buFont typeface="Arial" panose="020B0604020202020204" pitchFamily="34" charset="0"/>
-              <a:buChar char="•"/>
-            </a:pPr>
-            <a:r>
-              <a:rPr lang="it-IT" sz="1800" b="0" i="0" u="none" strike="noStrike" baseline="0" dirty="0">
-                <a:latin typeface="CMR12"/>
-              </a:rPr>
-              <a:t>73176 rating (66% positivi)</a:t>
-            </a:r>
-          </a:p>
-          <a:p>
-            <a:pPr marL="285750" indent="-285750">
-              <a:buFont typeface="Arial" panose="020B0604020202020204" pitchFamily="34" charset="0"/>
-              <a:buChar char="•"/>
-            </a:pPr>
-            <a:r>
-              <a:rPr lang="it-IT" dirty="0">
-                <a:latin typeface="CMR12"/>
-              </a:rPr>
-              <a:t>31 utenti</a:t>
-            </a:r>
-          </a:p>
-          <a:p>
-            <a:pPr marL="285750" indent="-285750">
-              <a:buFont typeface="Arial" panose="020B0604020202020204" pitchFamily="34" charset="0"/>
-              <a:buChar char="•"/>
-            </a:pPr>
-            <a:r>
-              <a:rPr lang="it-IT" dirty="0"/>
-              <a:t>338 oggetti</a:t>
-            </a:r>
-          </a:p>
-          <a:p>
-            <a:pPr marL="285750" indent="-285750">
-              <a:buFont typeface="Arial" panose="020B0604020202020204" pitchFamily="34" charset="0"/>
-              <a:buChar char="•"/>
-            </a:pPr>
-            <a:r>
-              <a:rPr lang="it-IT" dirty="0"/>
-              <a:t>71 feature di contesto</a:t>
-            </a:r>
-          </a:p>
-          <a:p>
-            <a:pPr marL="285750" indent="-285750">
-              <a:buFont typeface="Arial" panose="020B0604020202020204" pitchFamily="34" charset="0"/>
-              <a:buChar char="•"/>
-            </a:pPr>
-            <a:endParaRPr lang="it-IT" dirty="0"/>
-          </a:p>
-          <a:p>
-            <a:r>
-              <a:rPr lang="it-IT" u="sng" dirty="0"/>
-              <a:t>Feature di contesto:</a:t>
-            </a:r>
-          </a:p>
-          <a:p>
-            <a:pPr marL="285750" indent="-285750">
-              <a:buFont typeface="Arial" panose="020B0604020202020204" pitchFamily="34" charset="0"/>
-              <a:buChar char="•"/>
-            </a:pPr>
-            <a:r>
-              <a:rPr lang="it-IT" dirty="0"/>
-              <a:t>Attività utente (a piedi, in bici, corsa…)</a:t>
-            </a:r>
-          </a:p>
-          <a:p>
-            <a:pPr marL="285750" indent="-285750">
-              <a:buFont typeface="Arial" panose="020B0604020202020204" pitchFamily="34" charset="0"/>
-              <a:buChar char="•"/>
-            </a:pPr>
-            <a:r>
-              <a:rPr lang="it-IT" dirty="0"/>
-              <a:t>Modalità audio (silenzioso, vibrazione…)</a:t>
-            </a:r>
-          </a:p>
-          <a:p>
-            <a:pPr marL="285750" indent="-285750">
-              <a:buFont typeface="Arial" panose="020B0604020202020204" pitchFamily="34" charset="0"/>
-              <a:buChar char="•"/>
-            </a:pPr>
-            <a:r>
-              <a:rPr lang="it-IT" dirty="0"/>
-              <a:t>Volume </a:t>
-            </a:r>
-          </a:p>
-          <a:p>
-            <a:pPr marL="285750" indent="-285750">
-              <a:buFont typeface="Arial" panose="020B0604020202020204" pitchFamily="34" charset="0"/>
-              <a:buChar char="•"/>
-            </a:pPr>
-            <a:r>
-              <a:rPr lang="it-IT" dirty="0"/>
-              <a:t>Musica </a:t>
-            </a:r>
-          </a:p>
-          <a:p>
-            <a:pPr marL="285750" indent="-285750">
-              <a:buFont typeface="Arial" panose="020B0604020202020204" pitchFamily="34" charset="0"/>
-              <a:buChar char="•"/>
-            </a:pPr>
-            <a:r>
-              <a:rPr lang="it-IT" dirty="0"/>
-              <a:t>Batteria (livello, in carica)</a:t>
-            </a:r>
-          </a:p>
-          <a:p>
-            <a:pPr marL="285750" indent="-285750">
-              <a:buFont typeface="Arial" panose="020B0604020202020204" pitchFamily="34" charset="0"/>
-              <a:buChar char="•"/>
-            </a:pPr>
-            <a:r>
-              <a:rPr lang="it-IT" dirty="0"/>
-              <a:t>Schermo (rotazione, stato)</a:t>
-            </a:r>
-          </a:p>
-          <a:p>
-            <a:pPr marL="285750" indent="-285750">
-              <a:buFont typeface="Arial" panose="020B0604020202020204" pitchFamily="34" charset="0"/>
-              <a:buChar char="•"/>
-            </a:pPr>
-            <a:r>
-              <a:rPr lang="it-IT" dirty="0"/>
-              <a:t>Meteo</a:t>
-            </a:r>
-          </a:p>
-          <a:p>
-            <a:pPr marL="285750" indent="-285750">
-              <a:buFont typeface="Arial" panose="020B0604020202020204" pitchFamily="34" charset="0"/>
-              <a:buChar char="•"/>
-            </a:pPr>
-            <a:r>
-              <a:rPr lang="it-IT" dirty="0"/>
-              <a:t>WiFi</a:t>
-            </a:r>
-          </a:p>
-          <a:p>
-            <a:pPr marL="285750" indent="-285750">
-              <a:buFont typeface="Arial" panose="020B0604020202020204" pitchFamily="34" charset="0"/>
-              <a:buChar char="•"/>
-            </a:pPr>
-            <a:r>
-              <a:rPr lang="it-IT" dirty="0"/>
-              <a:t>Data e ora</a:t>
-            </a:r>
-          </a:p>
-          <a:p>
-            <a:pPr marL="285750" indent="-285750">
-              <a:buFont typeface="Arial" panose="020B0604020202020204" pitchFamily="34" charset="0"/>
-              <a:buChar char="•"/>
-            </a:pPr>
-            <a:r>
-              <a:rPr lang="it-IT" dirty="0"/>
-              <a:t>Tipologia di persone in prossimità dell’utente</a:t>
-            </a:r>
-          </a:p>
-          <a:p>
-            <a:endParaRPr lang="it-IT" dirty="0"/>
-          </a:p>
-        </p:txBody>
-      </p:sp>
-      <p:sp>
-        <p:nvSpPr>
-          <p:cNvPr id="4" name="CasellaDiTesto 3">
-            <a:extLst>
-              <a:ext uri="{FF2B5EF4-FFF2-40B4-BE49-F238E27FC236}">
-                <a16:creationId xmlns:a16="http://schemas.microsoft.com/office/drawing/2014/main" id="{74541A4D-BABD-4315-853C-48B6205E8C1A}"/>
-              </a:ext>
-            </a:extLst>
-          </p:cNvPr>
-          <p:cNvSpPr txBox="1"/>
-          <p:nvPr/>
-        </p:nvSpPr>
-        <p:spPr>
-          <a:xfrm>
-            <a:off x="167151" y="1423442"/>
-            <a:ext cx="8640960" cy="1754326"/>
-          </a:xfrm>
-          <a:prstGeom prst="rect">
-            <a:avLst/>
-          </a:prstGeom>
-          <a:noFill/>
-        </p:spPr>
-        <p:txBody>
-          <a:bodyPr wrap="square" numCol="2" rtlCol="0">
-            <a:normAutofit/>
-          </a:bodyPr>
-          <a:lstStyle/>
-          <a:p>
-            <a:pPr marL="0" indent="0" algn="l">
-              <a:buNone/>
-            </a:pPr>
-            <a:r>
-              <a:rPr lang="it-IT" u="sng" dirty="0"/>
-              <a:t>Statistiche:</a:t>
-            </a:r>
-          </a:p>
-          <a:p>
-            <a:pPr marL="342900" indent="-342900" algn="l">
-              <a:buFont typeface="Arial" panose="020B0604020202020204" pitchFamily="34" charset="0"/>
-              <a:buChar char="•"/>
-            </a:pPr>
-            <a:r>
-              <a:rPr lang="it-IT" dirty="0"/>
-              <a:t>78335 rating (62% positivi)</a:t>
-            </a:r>
-          </a:p>
-          <a:p>
-            <a:pPr marL="342900" indent="-342900" algn="l">
-              <a:buFont typeface="Arial" panose="020B0604020202020204" pitchFamily="34" charset="0"/>
-              <a:buChar char="•"/>
-            </a:pPr>
-            <a:r>
-              <a:rPr lang="it-IT" dirty="0"/>
-              <a:t>857 utenti</a:t>
-            </a:r>
-          </a:p>
-          <a:p>
-            <a:pPr marL="342900" indent="-342900" algn="l">
-              <a:buFont typeface="Arial" panose="020B0604020202020204" pitchFamily="34" charset="0"/>
-              <a:buChar char="•"/>
-            </a:pPr>
-            <a:r>
-              <a:rPr lang="it-IT" dirty="0"/>
-              <a:t>3180 oggetti</a:t>
-            </a:r>
-          </a:p>
-          <a:p>
-            <a:pPr marL="285750" indent="-285750" algn="l">
-              <a:buFont typeface="Arial" panose="020B0604020202020204" pitchFamily="34" charset="0"/>
-              <a:buChar char="•"/>
-            </a:pPr>
-            <a:r>
-              <a:rPr lang="it-IT" dirty="0"/>
-              <a:t> 24 feature di contesto</a:t>
-            </a:r>
-          </a:p>
-          <a:p>
-            <a:pPr marL="0" indent="0" algn="l">
-              <a:buNone/>
-            </a:pPr>
-            <a:endParaRPr lang="it-IT" u="sng" dirty="0"/>
-          </a:p>
-          <a:p>
-            <a:pPr marL="0" indent="0" algn="l">
-              <a:buNone/>
-            </a:pPr>
-            <a:r>
-              <a:rPr lang="it-IT" u="sng" dirty="0"/>
-              <a:t>Feature di contesto:</a:t>
-            </a:r>
-          </a:p>
-          <a:p>
-            <a:pPr marL="285750" indent="-285750">
-              <a:buFont typeface="Arial" panose="020B0604020202020204" pitchFamily="34" charset="0"/>
-              <a:buChar char="•"/>
-            </a:pPr>
-            <a:r>
-              <a:rPr lang="it-IT" dirty="0"/>
-              <a:t>Momento giornata</a:t>
-            </a:r>
-          </a:p>
-          <a:p>
-            <a:pPr marL="285750" indent="-285750">
-              <a:buFont typeface="Arial" panose="020B0604020202020204" pitchFamily="34" charset="0"/>
-              <a:buChar char="•"/>
-            </a:pPr>
-            <a:r>
-              <a:rPr lang="it-IT" dirty="0"/>
-              <a:t>Giorno della settimana</a:t>
-            </a:r>
-          </a:p>
-          <a:p>
-            <a:pPr marL="285750" indent="-285750">
-              <a:buFont typeface="Arial" panose="020B0604020202020204" pitchFamily="34" charset="0"/>
-              <a:buChar char="•"/>
-            </a:pPr>
-            <a:r>
-              <a:rPr lang="it-IT" dirty="0"/>
-              <a:t>Se è il fine settimana</a:t>
-            </a:r>
-          </a:p>
-          <a:p>
-            <a:pPr marL="285750" indent="-285750">
-              <a:buFont typeface="Arial" panose="020B0604020202020204" pitchFamily="34" charset="0"/>
-              <a:buChar char="•"/>
-            </a:pPr>
-            <a:r>
-              <a:rPr lang="it-IT" dirty="0"/>
-              <a:t>Meteo</a:t>
-            </a:r>
-          </a:p>
-          <a:p>
-            <a:endParaRPr lang="it-IT" dirty="0"/>
-          </a:p>
-        </p:txBody>
-      </p:sp>
-      <p:cxnSp>
-        <p:nvCxnSpPr>
-          <p:cNvPr id="8" name="Connettore diritto 7">
-            <a:extLst>
-              <a:ext uri="{FF2B5EF4-FFF2-40B4-BE49-F238E27FC236}">
-                <a16:creationId xmlns:a16="http://schemas.microsoft.com/office/drawing/2014/main" id="{B6FD2249-A20F-4D2A-9C9E-5DAE3DAF6FEC}"/>
-              </a:ext>
-            </a:extLst>
-          </p:cNvPr>
-          <p:cNvCxnSpPr>
-            <a:cxnSpLocks/>
-          </p:cNvCxnSpPr>
-          <p:nvPr/>
-        </p:nvCxnSpPr>
-        <p:spPr>
-          <a:xfrm>
-            <a:off x="509728" y="2996952"/>
-            <a:ext cx="8124544" cy="0"/>
-          </a:xfrm>
-          <a:prstGeom prst="line">
-            <a:avLst/>
-          </a:prstGeom>
-        </p:spPr>
-        <p:style>
-          <a:lnRef idx="1">
-            <a:schemeClr val="dk1"/>
-          </a:lnRef>
-          <a:fillRef idx="0">
-            <a:schemeClr val="dk1"/>
-          </a:fillRef>
-          <a:effectRef idx="0">
-            <a:schemeClr val="dk1"/>
-          </a:effectRef>
-          <a:fontRef idx="minor">
-            <a:schemeClr val="tx1"/>
-          </a:fontRef>
-        </p:style>
-      </p:cxnSp>
-    </p:spTree>
-    <p:extLst>
-      <p:ext uri="{BB962C8B-B14F-4D97-AF65-F5344CB8AC3E}">
-        <p14:creationId xmlns:p14="http://schemas.microsoft.com/office/powerpoint/2010/main" val="1769353711"/>
-      </p:ext>
-    </p:extLst>
-  </p:cSld>
-  <p:clrMapOvr>
-    <a:masterClrMapping/>
-  </p:clrMapOvr>
-</p:sld>
-</file>
-
 <file path=ppt/slides/slide9.xml><?xml version="1.0" encoding="utf-8"?>
 <p:sld xmlns:a="http://schemas.openxmlformats.org/drawingml/2006/main" xmlns:r="http://schemas.openxmlformats.org/officeDocument/2006/relationships" xmlns:p="http://schemas.openxmlformats.org/presentationml/2006/main">
   <p:cSld>
@@ -9218,7 +11778,7 @@
           <p:cNvPr id="2" name="Titolo 1">
             <a:extLst>
               <a:ext uri="{FF2B5EF4-FFF2-40B4-BE49-F238E27FC236}">
-                <a16:creationId xmlns:a16="http://schemas.microsoft.com/office/drawing/2014/main" id="{46E9E1F8-8C38-4444-9E91-AEA784B6981E}"/>
+                <a16:creationId xmlns:a16="http://schemas.microsoft.com/office/drawing/2014/main" id="{95CFBBDB-6049-4CFE-8427-59EAD20C4A28}"/>
               </a:ext>
             </a:extLst>
           </p:cNvPr>
@@ -9229,165 +11789,1445 @@
             <p:ph type="title"/>
           </p:nvPr>
         </p:nvSpPr>
-        <p:spPr/>
+        <p:spPr>
+          <a:xfrm>
+            <a:off x="628649" y="116632"/>
+            <a:ext cx="7886700" cy="543594"/>
+          </a:xfrm>
+        </p:spPr>
         <p:txBody>
-          <a:bodyPr/>
+          <a:bodyPr>
+            <a:normAutofit fontScale="90000"/>
+          </a:bodyPr>
           <a:lstStyle/>
           <a:p>
             <a:pPr algn="ctr"/>
             <a:r>
               <a:rPr lang="it-IT" dirty="0"/>
-              <a:t>Valutazione</a:t>
+              <a:t>Dataset</a:t>
             </a:r>
           </a:p>
         </p:txBody>
       </p:sp>
-      <p:sp>
-        <p:nvSpPr>
-          <p:cNvPr id="3" name="Segnaposto contenuto 2">
+      <p:graphicFrame>
+        <p:nvGraphicFramePr>
+          <p:cNvPr id="6" name="Table 13">
             <a:extLst>
               <a:ext uri="{FF2B5EF4-FFF2-40B4-BE49-F238E27FC236}">
-                <a16:creationId xmlns:a16="http://schemas.microsoft.com/office/drawing/2014/main" id="{751510C9-6594-4046-8B7F-321272A9BB79}"/>
+                <a16:creationId xmlns:a16="http://schemas.microsoft.com/office/drawing/2014/main" id="{0AE26E38-ED87-4EC6-8857-864579BA25ED}"/>
               </a:ext>
             </a:extLst>
           </p:cNvPr>
-          <p:cNvSpPr>
-            <a:spLocks noGrp="1"/>
-          </p:cNvSpPr>
+          <p:cNvGraphicFramePr>
+            <a:graphicFrameLocks noGrp="1"/>
+          </p:cNvGraphicFramePr>
           <p:nvPr>
-            <p:ph idx="1"/>
+            <p:extLst>
+              <p:ext uri="{D42A27DB-BD31-4B8C-83A1-F6EECF244321}">
+                <p14:modId xmlns:p14="http://schemas.microsoft.com/office/powerpoint/2010/main" val="1786010350"/>
+              </p:ext>
+            </p:extLst>
           </p:nvPr>
-        </p:nvSpPr>
-        <p:spPr/>
-        <p:txBody>
-          <a:bodyPr>
-            <a:normAutofit/>
-          </a:bodyPr>
-          <a:lstStyle/>
-          <a:p>
-            <a:r>
-              <a:rPr lang="it-IT" dirty="0"/>
-              <a:t>Obiettivi: </a:t>
-            </a:r>
-          </a:p>
-          <a:p>
-            <a:pPr lvl="1"/>
-            <a:r>
-              <a:rPr lang="it-IT" dirty="0"/>
-              <a:t>ottenere prestazioni comparabili agli algoritmi stato dell’arte</a:t>
-            </a:r>
-          </a:p>
-          <a:p>
-            <a:pPr lvl="1"/>
-            <a:r>
-              <a:rPr lang="it-IT" dirty="0"/>
-              <a:t>Mantenere tempi di esecuzione bassi</a:t>
-            </a:r>
-          </a:p>
-          <a:p>
-            <a:r>
-              <a:rPr lang="it-IT" dirty="0"/>
-              <a:t>Metrica: Area Under the ROC Curve (AUC)</a:t>
-            </a:r>
-          </a:p>
-          <a:p>
-            <a:r>
-              <a:rPr lang="it-IT" dirty="0"/>
-              <a:t>K-</a:t>
-            </a:r>
-            <a:r>
-              <a:rPr lang="it-IT" dirty="0" err="1"/>
-              <a:t>fold</a:t>
-            </a:r>
-            <a:r>
-              <a:rPr lang="it-IT" dirty="0"/>
-              <a:t> cross </a:t>
-            </a:r>
-            <a:r>
-              <a:rPr lang="it-IT" dirty="0" err="1"/>
-              <a:t>validation</a:t>
-            </a:r>
-            <a:r>
-              <a:rPr lang="it-IT" dirty="0"/>
-              <a:t>, k = 10</a:t>
-            </a:r>
-          </a:p>
-          <a:p>
-            <a:r>
-              <a:rPr lang="it-IT" dirty="0"/>
-              <a:t>Modelli di confronto:</a:t>
-            </a:r>
-          </a:p>
-          <a:p>
-            <a:pPr lvl="1"/>
-            <a:r>
-              <a:rPr lang="it-IT" dirty="0"/>
-              <a:t>ALS </a:t>
-            </a:r>
-            <a:r>
-              <a:rPr lang="it-IT" dirty="0">
-                <a:sym typeface="Wingdings" panose="05000000000000000000" pitchFamily="2" charset="2"/>
-              </a:rPr>
-              <a:t> </a:t>
-            </a:r>
-            <a:r>
-              <a:rPr lang="it-IT" dirty="0" err="1">
-                <a:sym typeface="Wingdings" panose="05000000000000000000" pitchFamily="2" charset="2"/>
-              </a:rPr>
-              <a:t>matrix</a:t>
-            </a:r>
-            <a:r>
-              <a:rPr lang="it-IT" dirty="0">
-                <a:sym typeface="Wingdings" panose="05000000000000000000" pitchFamily="2" charset="2"/>
-              </a:rPr>
-              <a:t> </a:t>
-            </a:r>
-            <a:r>
-              <a:rPr lang="it-IT" dirty="0" err="1">
-                <a:sym typeface="Wingdings" panose="05000000000000000000" pitchFamily="2" charset="2"/>
-              </a:rPr>
-              <a:t>factorization</a:t>
-            </a:r>
-            <a:r>
-              <a:rPr lang="it-IT" dirty="0">
-                <a:sym typeface="Wingdings" panose="05000000000000000000" pitchFamily="2" charset="2"/>
-              </a:rPr>
-              <a:t> per feedback impliciti</a:t>
-            </a:r>
-            <a:endParaRPr lang="it-IT" dirty="0"/>
-          </a:p>
-          <a:p>
-            <a:pPr lvl="1"/>
-            <a:r>
-              <a:rPr lang="it-IT" dirty="0" err="1"/>
-              <a:t>NeuMF</a:t>
-            </a:r>
-            <a:endParaRPr lang="it-IT" dirty="0"/>
-          </a:p>
-          <a:p>
-            <a:pPr lvl="1"/>
-            <a:r>
-              <a:rPr lang="it-IT" dirty="0"/>
-              <a:t>ECAM </a:t>
-            </a:r>
-            <a:r>
-              <a:rPr lang="it-IT" dirty="0" err="1"/>
-              <a:t>NeuMF</a:t>
-            </a:r>
-            <a:r>
-              <a:rPr lang="it-IT" dirty="0"/>
-              <a:t> </a:t>
-            </a:r>
-          </a:p>
-          <a:p>
-            <a:endParaRPr lang="it-IT" dirty="0"/>
-          </a:p>
-        </p:txBody>
-      </p:sp>
+        </p:nvGraphicFramePr>
+        <p:xfrm>
+          <a:off x="310381" y="757340"/>
+          <a:ext cx="8523237" cy="5912020"/>
+        </p:xfrm>
+        <a:graphic>
+          <a:graphicData uri="http://schemas.openxmlformats.org/drawingml/2006/table">
+            <a:tbl>
+              <a:tblPr firstRow="1" bandRow="1">
+                <a:tableStyleId>{5C22544A-7EE6-4342-B048-85BDC9FD1C3A}</a:tableStyleId>
+              </a:tblPr>
+              <a:tblGrid>
+                <a:gridCol w="2677443">
+                  <a:extLst>
+                    <a:ext uri="{9D8B030D-6E8A-4147-A177-3AD203B41FA5}">
+                      <a16:colId xmlns:a16="http://schemas.microsoft.com/office/drawing/2014/main" val="2564411398"/>
+                    </a:ext>
+                  </a:extLst>
+                </a:gridCol>
+                <a:gridCol w="3004715">
+                  <a:extLst>
+                    <a:ext uri="{9D8B030D-6E8A-4147-A177-3AD203B41FA5}">
+                      <a16:colId xmlns:a16="http://schemas.microsoft.com/office/drawing/2014/main" val="2851696159"/>
+                    </a:ext>
+                  </a:extLst>
+                </a:gridCol>
+                <a:gridCol w="2841079">
+                  <a:extLst>
+                    <a:ext uri="{9D8B030D-6E8A-4147-A177-3AD203B41FA5}">
+                      <a16:colId xmlns:a16="http://schemas.microsoft.com/office/drawing/2014/main" val="1005280288"/>
+                    </a:ext>
+                  </a:extLst>
+                </a:gridCol>
+              </a:tblGrid>
+              <a:tr h="450884">
+                <a:tc>
+                  <a:txBody>
+                    <a:bodyPr/>
+                    <a:lstStyle/>
+                    <a:p>
+                      <a:pPr algn="ctr"/>
+                      <a:endParaRPr lang="en-US" dirty="0"/>
+                    </a:p>
+                  </a:txBody>
+                  <a:tcPr anchor="ctr">
+                    <a:lnL w="12700" cmpd="sng">
+                      <a:noFill/>
+                    </a:lnL>
+                    <a:lnR w="6350" cap="flat" cmpd="sng" algn="ctr">
+                      <a:solidFill>
+                        <a:schemeClr val="bg1"/>
+                      </a:solidFill>
+                      <a:prstDash val="solid"/>
+                      <a:round/>
+                      <a:headEnd type="none" w="med" len="med"/>
+                      <a:tailEnd type="none" w="med" len="med"/>
+                    </a:lnR>
+                    <a:lnT w="12700" cmpd="sng">
+                      <a:noFill/>
+                    </a:lnT>
+                    <a:lnB w="6350" cap="flat" cmpd="sng" algn="ctr">
+                      <a:solidFill>
+                        <a:schemeClr val="bg1"/>
+                      </a:solidFill>
+                      <a:prstDash val="solid"/>
+                      <a:round/>
+                      <a:headEnd type="none" w="med" len="med"/>
+                      <a:tailEnd type="none" w="med" len="med"/>
+                    </a:lnB>
+                    <a:lnTlToBr w="12700" cmpd="sng">
+                      <a:noFill/>
+                      <a:prstDash val="solid"/>
+                    </a:lnTlToBr>
+                    <a:lnBlToTr w="12700" cmpd="sng">
+                      <a:noFill/>
+                      <a:prstDash val="solid"/>
+                    </a:lnBlToTr>
+                    <a:solidFill>
+                      <a:schemeClr val="bg1"/>
+                    </a:solidFill>
+                  </a:tcPr>
+                </a:tc>
+                <a:tc>
+                  <a:txBody>
+                    <a:bodyPr/>
+                    <a:lstStyle/>
+                    <a:p>
+                      <a:pPr algn="ctr"/>
+                      <a:r>
+                        <a:rPr lang="en-US" sz="2000" dirty="0"/>
+                        <a:t>Frappe</a:t>
+                      </a:r>
+                    </a:p>
+                  </a:txBody>
+                  <a:tcPr anchor="ctr">
+                    <a:lnL w="6350" cap="flat" cmpd="sng" algn="ctr">
+                      <a:solidFill>
+                        <a:schemeClr val="bg1"/>
+                      </a:solidFill>
+                      <a:prstDash val="solid"/>
+                      <a:round/>
+                      <a:headEnd type="none" w="med" len="med"/>
+                      <a:tailEnd type="none" w="med" len="med"/>
+                    </a:lnL>
+                    <a:lnR w="6350" cap="flat" cmpd="sng" algn="ctr">
+                      <a:solidFill>
+                        <a:schemeClr val="bg1"/>
+                      </a:solidFill>
+                      <a:prstDash val="solid"/>
+                      <a:round/>
+                      <a:headEnd type="none" w="med" len="med"/>
+                      <a:tailEnd type="none" w="med" len="med"/>
+                    </a:lnR>
+                    <a:lnT w="12700" cmpd="sng">
+                      <a:noFill/>
+                    </a:lnT>
+                    <a:lnB w="6350" cap="flat" cmpd="sng" algn="ctr">
+                      <a:solidFill>
+                        <a:schemeClr val="bg1"/>
+                      </a:solidFill>
+                      <a:prstDash val="solid"/>
+                      <a:round/>
+                      <a:headEnd type="none" w="med" len="med"/>
+                      <a:tailEnd type="none" w="med" len="med"/>
+                    </a:lnB>
+                    <a:lnTlToBr w="12700" cmpd="sng">
+                      <a:noFill/>
+                      <a:prstDash val="solid"/>
+                    </a:lnTlToBr>
+                    <a:lnBlToTr w="12700" cmpd="sng">
+                      <a:noFill/>
+                      <a:prstDash val="solid"/>
+                    </a:lnBlToTr>
+                    <a:solidFill>
+                      <a:srgbClr val="1F879D"/>
+                    </a:solidFill>
+                  </a:tcPr>
+                </a:tc>
+                <a:tc>
+                  <a:txBody>
+                    <a:bodyPr/>
+                    <a:lstStyle/>
+                    <a:p>
+                      <a:pPr algn="ctr"/>
+                      <a:r>
+                        <a:rPr lang="en-US" sz="2000" dirty="0" err="1"/>
+                        <a:t>MyDigitalFootprint</a:t>
+                      </a:r>
+                      <a:endParaRPr lang="en-US" sz="2000" dirty="0"/>
+                    </a:p>
+                  </a:txBody>
+                  <a:tcPr anchor="ctr">
+                    <a:lnL w="6350" cap="flat" cmpd="sng" algn="ctr">
+                      <a:solidFill>
+                        <a:schemeClr val="bg1"/>
+                      </a:solidFill>
+                      <a:prstDash val="solid"/>
+                      <a:round/>
+                      <a:headEnd type="none" w="med" len="med"/>
+                      <a:tailEnd type="none" w="med" len="med"/>
+                    </a:lnL>
+                    <a:lnR w="6350" cap="flat" cmpd="sng" algn="ctr">
+                      <a:solidFill>
+                        <a:schemeClr val="bg1"/>
+                      </a:solidFill>
+                      <a:prstDash val="solid"/>
+                      <a:round/>
+                      <a:headEnd type="none" w="med" len="med"/>
+                      <a:tailEnd type="none" w="med" len="med"/>
+                    </a:lnR>
+                    <a:lnT w="12700" cmpd="sng">
+                      <a:noFill/>
+                    </a:lnT>
+                    <a:lnB w="6350" cap="flat" cmpd="sng" algn="ctr">
+                      <a:solidFill>
+                        <a:schemeClr val="bg1"/>
+                      </a:solidFill>
+                      <a:prstDash val="solid"/>
+                      <a:round/>
+                      <a:headEnd type="none" w="med" len="med"/>
+                      <a:tailEnd type="none" w="med" len="med"/>
+                    </a:lnB>
+                    <a:lnTlToBr w="12700" cmpd="sng">
+                      <a:noFill/>
+                      <a:prstDash val="solid"/>
+                    </a:lnTlToBr>
+                    <a:lnBlToTr w="12700" cmpd="sng">
+                      <a:noFill/>
+                      <a:prstDash val="solid"/>
+                    </a:lnBlToTr>
+                    <a:solidFill>
+                      <a:srgbClr val="1F879D"/>
+                    </a:solidFill>
+                  </a:tcPr>
+                </a:tc>
+                <a:extLst>
+                  <a:ext uri="{0D108BD9-81ED-4DB2-BD59-A6C34878D82A}">
+                    <a16:rowId xmlns:a16="http://schemas.microsoft.com/office/drawing/2014/main" val="108385598"/>
+                  </a:ext>
+                </a:extLst>
+              </a:tr>
+              <a:tr h="450884">
+                <a:tc>
+                  <a:txBody>
+                    <a:bodyPr/>
+                    <a:lstStyle/>
+                    <a:p>
+                      <a:pPr algn="ctr"/>
+                      <a:r>
+                        <a:rPr lang="it-IT" b="1" dirty="0">
+                          <a:solidFill>
+                            <a:schemeClr val="bg1"/>
+                          </a:solidFill>
+                        </a:rPr>
+                        <a:t>#rating</a:t>
+                      </a:r>
+                    </a:p>
+                  </a:txBody>
+                  <a:tcPr anchor="ctr">
+                    <a:lnL w="12700" cmpd="sng">
+                      <a:noFill/>
+                    </a:lnL>
+                    <a:lnR w="6350" cap="flat" cmpd="sng" algn="ctr">
+                      <a:solidFill>
+                        <a:schemeClr val="bg1"/>
+                      </a:solidFill>
+                      <a:prstDash val="solid"/>
+                      <a:round/>
+                      <a:headEnd type="none" w="med" len="med"/>
+                      <a:tailEnd type="none" w="med" len="med"/>
+                    </a:lnR>
+                    <a:lnT w="6350" cap="flat" cmpd="sng" algn="ctr">
+                      <a:solidFill>
+                        <a:schemeClr val="bg1"/>
+                      </a:solidFill>
+                      <a:prstDash val="solid"/>
+                      <a:round/>
+                      <a:headEnd type="none" w="med" len="med"/>
+                      <a:tailEnd type="none" w="med" len="med"/>
+                    </a:lnT>
+                    <a:lnB w="6350" cap="flat" cmpd="sng" algn="ctr">
+                      <a:solidFill>
+                        <a:schemeClr val="bg1"/>
+                      </a:solidFill>
+                      <a:prstDash val="solid"/>
+                      <a:round/>
+                      <a:headEnd type="none" w="med" len="med"/>
+                      <a:tailEnd type="none" w="med" len="med"/>
+                    </a:lnB>
+                    <a:lnTlToBr w="12700" cmpd="sng">
+                      <a:noFill/>
+                      <a:prstDash val="solid"/>
+                    </a:lnTlToBr>
+                    <a:lnBlToTr w="12700" cmpd="sng">
+                      <a:noFill/>
+                      <a:prstDash val="solid"/>
+                    </a:lnBlToTr>
+                    <a:solidFill>
+                      <a:srgbClr val="17375E"/>
+                    </a:solidFill>
+                  </a:tcPr>
+                </a:tc>
+                <a:tc>
+                  <a:txBody>
+                    <a:bodyPr/>
+                    <a:lstStyle/>
+                    <a:p>
+                      <a:pPr algn="ctr"/>
+                      <a:r>
+                        <a:rPr lang="it-IT" dirty="0">
+                          <a:solidFill>
+                            <a:sysClr val="windowText" lastClr="000000"/>
+                          </a:solidFill>
+                        </a:rPr>
+                        <a:t>78335 (62% positivi)</a:t>
+                      </a:r>
+                    </a:p>
+                  </a:txBody>
+                  <a:tcPr anchor="ctr">
+                    <a:lnL w="6350" cap="flat" cmpd="sng" algn="ctr">
+                      <a:solidFill>
+                        <a:schemeClr val="bg1"/>
+                      </a:solidFill>
+                      <a:prstDash val="solid"/>
+                      <a:round/>
+                      <a:headEnd type="none" w="med" len="med"/>
+                      <a:tailEnd type="none" w="med" len="med"/>
+                    </a:lnL>
+                    <a:lnR w="6350" cap="flat" cmpd="sng" algn="ctr">
+                      <a:solidFill>
+                        <a:schemeClr val="bg1"/>
+                      </a:solidFill>
+                      <a:prstDash val="solid"/>
+                      <a:round/>
+                      <a:headEnd type="none" w="med" len="med"/>
+                      <a:tailEnd type="none" w="med" len="med"/>
+                    </a:lnR>
+                    <a:lnT w="6350" cap="flat" cmpd="sng" algn="ctr">
+                      <a:solidFill>
+                        <a:schemeClr val="bg1"/>
+                      </a:solidFill>
+                      <a:prstDash val="solid"/>
+                      <a:round/>
+                      <a:headEnd type="none" w="med" len="med"/>
+                      <a:tailEnd type="none" w="med" len="med"/>
+                    </a:lnT>
+                    <a:lnB w="6350" cap="flat" cmpd="sng" algn="ctr">
+                      <a:solidFill>
+                        <a:schemeClr val="bg1"/>
+                      </a:solidFill>
+                      <a:prstDash val="solid"/>
+                      <a:round/>
+                      <a:headEnd type="none" w="med" len="med"/>
+                      <a:tailEnd type="none" w="med" len="med"/>
+                    </a:lnB>
+                    <a:lnTlToBr w="12700" cmpd="sng">
+                      <a:noFill/>
+                      <a:prstDash val="solid"/>
+                    </a:lnTlToBr>
+                    <a:lnBlToTr w="12700" cmpd="sng">
+                      <a:noFill/>
+                      <a:prstDash val="solid"/>
+                    </a:lnBlToTr>
+                    <a:solidFill>
+                      <a:srgbClr val="F2F2F2"/>
+                    </a:solidFill>
+                  </a:tcPr>
+                </a:tc>
+                <a:tc>
+                  <a:txBody>
+                    <a:bodyPr/>
+                    <a:lstStyle/>
+                    <a:p>
+                      <a:pPr algn="ctr"/>
+                      <a:r>
+                        <a:rPr lang="it-IT" dirty="0">
+                          <a:solidFill>
+                            <a:sysClr val="windowText" lastClr="000000"/>
+                          </a:solidFill>
+                        </a:rPr>
+                        <a:t>73176 (66% positivi)</a:t>
+                      </a:r>
+                    </a:p>
+                  </a:txBody>
+                  <a:tcPr anchor="ctr">
+                    <a:lnL w="6350" cap="flat" cmpd="sng" algn="ctr">
+                      <a:solidFill>
+                        <a:schemeClr val="bg1"/>
+                      </a:solidFill>
+                      <a:prstDash val="solid"/>
+                      <a:round/>
+                      <a:headEnd type="none" w="med" len="med"/>
+                      <a:tailEnd type="none" w="med" len="med"/>
+                    </a:lnL>
+                    <a:lnR w="6350" cap="flat" cmpd="sng" algn="ctr">
+                      <a:solidFill>
+                        <a:schemeClr val="bg1"/>
+                      </a:solidFill>
+                      <a:prstDash val="solid"/>
+                      <a:round/>
+                      <a:headEnd type="none" w="med" len="med"/>
+                      <a:tailEnd type="none" w="med" len="med"/>
+                    </a:lnR>
+                    <a:lnT w="6350" cap="flat" cmpd="sng" algn="ctr">
+                      <a:solidFill>
+                        <a:schemeClr val="bg1"/>
+                      </a:solidFill>
+                      <a:prstDash val="solid"/>
+                      <a:round/>
+                      <a:headEnd type="none" w="med" len="med"/>
+                      <a:tailEnd type="none" w="med" len="med"/>
+                    </a:lnT>
+                    <a:lnB w="6350" cap="flat" cmpd="sng" algn="ctr">
+                      <a:solidFill>
+                        <a:schemeClr val="bg1"/>
+                      </a:solidFill>
+                      <a:prstDash val="solid"/>
+                      <a:round/>
+                      <a:headEnd type="none" w="med" len="med"/>
+                      <a:tailEnd type="none" w="med" len="med"/>
+                    </a:lnB>
+                    <a:lnTlToBr w="12700" cmpd="sng">
+                      <a:noFill/>
+                      <a:prstDash val="solid"/>
+                    </a:lnTlToBr>
+                    <a:lnBlToTr w="12700" cmpd="sng">
+                      <a:noFill/>
+                      <a:prstDash val="solid"/>
+                    </a:lnBlToTr>
+                    <a:solidFill>
+                      <a:srgbClr val="F2F2F2"/>
+                    </a:solidFill>
+                  </a:tcPr>
+                </a:tc>
+                <a:extLst>
+                  <a:ext uri="{0D108BD9-81ED-4DB2-BD59-A6C34878D82A}">
+                    <a16:rowId xmlns:a16="http://schemas.microsoft.com/office/drawing/2014/main" val="3728516819"/>
+                  </a:ext>
+                </a:extLst>
+              </a:tr>
+              <a:tr h="450884">
+                <a:tc>
+                  <a:txBody>
+                    <a:bodyPr/>
+                    <a:lstStyle/>
+                    <a:p>
+                      <a:pPr algn="ctr"/>
+                      <a:r>
+                        <a:rPr lang="it-IT" b="1" dirty="0">
+                          <a:solidFill>
+                            <a:schemeClr val="bg1"/>
+                          </a:solidFill>
+                        </a:rPr>
+                        <a:t>#utenti</a:t>
+                      </a:r>
+                    </a:p>
+                  </a:txBody>
+                  <a:tcPr anchor="ctr">
+                    <a:lnL w="12700" cmpd="sng">
+                      <a:noFill/>
+                    </a:lnL>
+                    <a:lnR w="6350" cap="flat" cmpd="sng" algn="ctr">
+                      <a:solidFill>
+                        <a:schemeClr val="bg1"/>
+                      </a:solidFill>
+                      <a:prstDash val="solid"/>
+                      <a:round/>
+                      <a:headEnd type="none" w="med" len="med"/>
+                      <a:tailEnd type="none" w="med" len="med"/>
+                    </a:lnR>
+                    <a:lnT w="6350" cap="flat" cmpd="sng" algn="ctr">
+                      <a:solidFill>
+                        <a:schemeClr val="bg1"/>
+                      </a:solidFill>
+                      <a:prstDash val="solid"/>
+                      <a:round/>
+                      <a:headEnd type="none" w="med" len="med"/>
+                      <a:tailEnd type="none" w="med" len="med"/>
+                    </a:lnT>
+                    <a:lnB w="6350" cap="flat" cmpd="sng" algn="ctr">
+                      <a:solidFill>
+                        <a:schemeClr val="bg1"/>
+                      </a:solidFill>
+                      <a:prstDash val="solid"/>
+                      <a:round/>
+                      <a:headEnd type="none" w="med" len="med"/>
+                      <a:tailEnd type="none" w="med" len="med"/>
+                    </a:lnB>
+                    <a:lnTlToBr w="12700" cmpd="sng">
+                      <a:noFill/>
+                      <a:prstDash val="solid"/>
+                    </a:lnTlToBr>
+                    <a:lnBlToTr w="12700" cmpd="sng">
+                      <a:noFill/>
+                      <a:prstDash val="solid"/>
+                    </a:lnBlToTr>
+                    <a:solidFill>
+                      <a:srgbClr val="17375E"/>
+                    </a:solidFill>
+                  </a:tcPr>
+                </a:tc>
+                <a:tc>
+                  <a:txBody>
+                    <a:bodyPr/>
+                    <a:lstStyle/>
+                    <a:p>
+                      <a:pPr algn="ctr"/>
+                      <a:r>
+                        <a:rPr lang="it-IT" dirty="0">
+                          <a:solidFill>
+                            <a:sysClr val="windowText" lastClr="000000"/>
+                          </a:solidFill>
+                        </a:rPr>
+                        <a:t>857</a:t>
+                      </a:r>
+                    </a:p>
+                  </a:txBody>
+                  <a:tcPr anchor="ctr">
+                    <a:lnL w="6350" cap="flat" cmpd="sng" algn="ctr">
+                      <a:solidFill>
+                        <a:schemeClr val="bg1"/>
+                      </a:solidFill>
+                      <a:prstDash val="solid"/>
+                      <a:round/>
+                      <a:headEnd type="none" w="med" len="med"/>
+                      <a:tailEnd type="none" w="med" len="med"/>
+                    </a:lnL>
+                    <a:lnR w="6350" cap="flat" cmpd="sng" algn="ctr">
+                      <a:solidFill>
+                        <a:schemeClr val="bg1"/>
+                      </a:solidFill>
+                      <a:prstDash val="solid"/>
+                      <a:round/>
+                      <a:headEnd type="none" w="med" len="med"/>
+                      <a:tailEnd type="none" w="med" len="med"/>
+                    </a:lnR>
+                    <a:lnT w="6350" cap="flat" cmpd="sng" algn="ctr">
+                      <a:solidFill>
+                        <a:schemeClr val="bg1"/>
+                      </a:solidFill>
+                      <a:prstDash val="solid"/>
+                      <a:round/>
+                      <a:headEnd type="none" w="med" len="med"/>
+                      <a:tailEnd type="none" w="med" len="med"/>
+                    </a:lnT>
+                    <a:lnB w="6350" cap="flat" cmpd="sng" algn="ctr">
+                      <a:solidFill>
+                        <a:schemeClr val="bg1"/>
+                      </a:solidFill>
+                      <a:prstDash val="solid"/>
+                      <a:round/>
+                      <a:headEnd type="none" w="med" len="med"/>
+                      <a:tailEnd type="none" w="med" len="med"/>
+                    </a:lnB>
+                    <a:lnTlToBr w="12700" cmpd="sng">
+                      <a:noFill/>
+                      <a:prstDash val="solid"/>
+                    </a:lnTlToBr>
+                    <a:lnBlToTr w="12700" cmpd="sng">
+                      <a:noFill/>
+                      <a:prstDash val="solid"/>
+                    </a:lnBlToTr>
+                    <a:solidFill>
+                      <a:schemeClr val="bg1">
+                        <a:lumMod val="85000"/>
+                      </a:schemeClr>
+                    </a:solidFill>
+                  </a:tcPr>
+                </a:tc>
+                <a:tc>
+                  <a:txBody>
+                    <a:bodyPr/>
+                    <a:lstStyle/>
+                    <a:p>
+                      <a:pPr algn="ctr"/>
+                      <a:r>
+                        <a:rPr lang="it-IT" dirty="0">
+                          <a:solidFill>
+                            <a:sysClr val="windowText" lastClr="000000"/>
+                          </a:solidFill>
+                        </a:rPr>
+                        <a:t>31</a:t>
+                      </a:r>
+                    </a:p>
+                  </a:txBody>
+                  <a:tcPr anchor="ctr">
+                    <a:lnL w="6350" cap="flat" cmpd="sng" algn="ctr">
+                      <a:solidFill>
+                        <a:schemeClr val="bg1"/>
+                      </a:solidFill>
+                      <a:prstDash val="solid"/>
+                      <a:round/>
+                      <a:headEnd type="none" w="med" len="med"/>
+                      <a:tailEnd type="none" w="med" len="med"/>
+                    </a:lnL>
+                    <a:lnR w="6350" cap="flat" cmpd="sng" algn="ctr">
+                      <a:solidFill>
+                        <a:schemeClr val="bg1"/>
+                      </a:solidFill>
+                      <a:prstDash val="solid"/>
+                      <a:round/>
+                      <a:headEnd type="none" w="med" len="med"/>
+                      <a:tailEnd type="none" w="med" len="med"/>
+                    </a:lnR>
+                    <a:lnT w="6350" cap="flat" cmpd="sng" algn="ctr">
+                      <a:solidFill>
+                        <a:schemeClr val="bg1"/>
+                      </a:solidFill>
+                      <a:prstDash val="solid"/>
+                      <a:round/>
+                      <a:headEnd type="none" w="med" len="med"/>
+                      <a:tailEnd type="none" w="med" len="med"/>
+                    </a:lnT>
+                    <a:lnB w="6350" cap="flat" cmpd="sng" algn="ctr">
+                      <a:solidFill>
+                        <a:schemeClr val="bg1"/>
+                      </a:solidFill>
+                      <a:prstDash val="solid"/>
+                      <a:round/>
+                      <a:headEnd type="none" w="med" len="med"/>
+                      <a:tailEnd type="none" w="med" len="med"/>
+                    </a:lnB>
+                    <a:lnTlToBr w="12700" cmpd="sng">
+                      <a:noFill/>
+                      <a:prstDash val="solid"/>
+                    </a:lnTlToBr>
+                    <a:lnBlToTr w="12700" cmpd="sng">
+                      <a:noFill/>
+                      <a:prstDash val="solid"/>
+                    </a:lnBlToTr>
+                    <a:solidFill>
+                      <a:schemeClr val="bg1">
+                        <a:lumMod val="85000"/>
+                      </a:schemeClr>
+                    </a:solidFill>
+                  </a:tcPr>
+                </a:tc>
+                <a:extLst>
+                  <a:ext uri="{0D108BD9-81ED-4DB2-BD59-A6C34878D82A}">
+                    <a16:rowId xmlns:a16="http://schemas.microsoft.com/office/drawing/2014/main" val="926273471"/>
+                  </a:ext>
+                </a:extLst>
+              </a:tr>
+              <a:tr h="450884">
+                <a:tc>
+                  <a:txBody>
+                    <a:bodyPr/>
+                    <a:lstStyle/>
+                    <a:p>
+                      <a:pPr algn="ctr"/>
+                      <a:r>
+                        <a:rPr lang="it-IT" b="1" dirty="0">
+                          <a:solidFill>
+                            <a:schemeClr val="bg1"/>
+                          </a:solidFill>
+                        </a:rPr>
+                        <a:t>#oggetti</a:t>
+                      </a:r>
+                    </a:p>
+                  </a:txBody>
+                  <a:tcPr anchor="ctr">
+                    <a:lnL w="12700" cmpd="sng">
+                      <a:noFill/>
+                    </a:lnL>
+                    <a:lnR w="6350" cap="flat" cmpd="sng" algn="ctr">
+                      <a:solidFill>
+                        <a:schemeClr val="bg1"/>
+                      </a:solidFill>
+                      <a:prstDash val="solid"/>
+                      <a:round/>
+                      <a:headEnd type="none" w="med" len="med"/>
+                      <a:tailEnd type="none" w="med" len="med"/>
+                    </a:lnR>
+                    <a:lnT w="6350" cap="flat" cmpd="sng" algn="ctr">
+                      <a:solidFill>
+                        <a:schemeClr val="bg1"/>
+                      </a:solidFill>
+                      <a:prstDash val="solid"/>
+                      <a:round/>
+                      <a:headEnd type="none" w="med" len="med"/>
+                      <a:tailEnd type="none" w="med" len="med"/>
+                    </a:lnT>
+                    <a:lnB w="6350" cap="flat" cmpd="sng" algn="ctr">
+                      <a:solidFill>
+                        <a:schemeClr val="bg1"/>
+                      </a:solidFill>
+                      <a:prstDash val="solid"/>
+                      <a:round/>
+                      <a:headEnd type="none" w="med" len="med"/>
+                      <a:tailEnd type="none" w="med" len="med"/>
+                    </a:lnB>
+                    <a:lnTlToBr w="12700" cmpd="sng">
+                      <a:noFill/>
+                      <a:prstDash val="solid"/>
+                    </a:lnTlToBr>
+                    <a:lnBlToTr w="12700" cmpd="sng">
+                      <a:noFill/>
+                      <a:prstDash val="solid"/>
+                    </a:lnBlToTr>
+                    <a:solidFill>
+                      <a:srgbClr val="17375E"/>
+                    </a:solidFill>
+                  </a:tcPr>
+                </a:tc>
+                <a:tc>
+                  <a:txBody>
+                    <a:bodyPr/>
+                    <a:lstStyle/>
+                    <a:p>
+                      <a:pPr algn="ctr"/>
+                      <a:r>
+                        <a:rPr lang="it-IT" dirty="0">
+                          <a:solidFill>
+                            <a:sysClr val="windowText" lastClr="000000"/>
+                          </a:solidFill>
+                        </a:rPr>
+                        <a:t>3180</a:t>
+                      </a:r>
+                    </a:p>
+                  </a:txBody>
+                  <a:tcPr anchor="ctr">
+                    <a:lnL w="6350" cap="flat" cmpd="sng" algn="ctr">
+                      <a:solidFill>
+                        <a:schemeClr val="bg1"/>
+                      </a:solidFill>
+                      <a:prstDash val="solid"/>
+                      <a:round/>
+                      <a:headEnd type="none" w="med" len="med"/>
+                      <a:tailEnd type="none" w="med" len="med"/>
+                    </a:lnL>
+                    <a:lnR w="6350" cap="flat" cmpd="sng" algn="ctr">
+                      <a:solidFill>
+                        <a:schemeClr val="bg1"/>
+                      </a:solidFill>
+                      <a:prstDash val="solid"/>
+                      <a:round/>
+                      <a:headEnd type="none" w="med" len="med"/>
+                      <a:tailEnd type="none" w="med" len="med"/>
+                    </a:lnR>
+                    <a:lnT w="6350" cap="flat" cmpd="sng" algn="ctr">
+                      <a:solidFill>
+                        <a:schemeClr val="bg1"/>
+                      </a:solidFill>
+                      <a:prstDash val="solid"/>
+                      <a:round/>
+                      <a:headEnd type="none" w="med" len="med"/>
+                      <a:tailEnd type="none" w="med" len="med"/>
+                    </a:lnT>
+                    <a:lnB w="6350" cap="flat" cmpd="sng" algn="ctr">
+                      <a:solidFill>
+                        <a:schemeClr val="bg1"/>
+                      </a:solidFill>
+                      <a:prstDash val="solid"/>
+                      <a:round/>
+                      <a:headEnd type="none" w="med" len="med"/>
+                      <a:tailEnd type="none" w="med" len="med"/>
+                    </a:lnB>
+                    <a:lnTlToBr w="12700" cmpd="sng">
+                      <a:noFill/>
+                      <a:prstDash val="solid"/>
+                    </a:lnTlToBr>
+                    <a:lnBlToTr w="12700" cmpd="sng">
+                      <a:noFill/>
+                      <a:prstDash val="solid"/>
+                    </a:lnBlToTr>
+                    <a:solidFill>
+                      <a:srgbClr val="F2F2F2"/>
+                    </a:solidFill>
+                  </a:tcPr>
+                </a:tc>
+                <a:tc>
+                  <a:txBody>
+                    <a:bodyPr/>
+                    <a:lstStyle/>
+                    <a:p>
+                      <a:pPr algn="ctr"/>
+                      <a:r>
+                        <a:rPr lang="it-IT" dirty="0">
+                          <a:solidFill>
+                            <a:sysClr val="windowText" lastClr="000000"/>
+                          </a:solidFill>
+                        </a:rPr>
+                        <a:t>338</a:t>
+                      </a:r>
+                    </a:p>
+                  </a:txBody>
+                  <a:tcPr anchor="ctr">
+                    <a:lnL w="6350" cap="flat" cmpd="sng" algn="ctr">
+                      <a:solidFill>
+                        <a:schemeClr val="bg1"/>
+                      </a:solidFill>
+                      <a:prstDash val="solid"/>
+                      <a:round/>
+                      <a:headEnd type="none" w="med" len="med"/>
+                      <a:tailEnd type="none" w="med" len="med"/>
+                    </a:lnL>
+                    <a:lnR w="6350" cap="flat" cmpd="sng" algn="ctr">
+                      <a:solidFill>
+                        <a:schemeClr val="bg1"/>
+                      </a:solidFill>
+                      <a:prstDash val="solid"/>
+                      <a:round/>
+                      <a:headEnd type="none" w="med" len="med"/>
+                      <a:tailEnd type="none" w="med" len="med"/>
+                    </a:lnR>
+                    <a:lnT w="6350" cap="flat" cmpd="sng" algn="ctr">
+                      <a:solidFill>
+                        <a:schemeClr val="bg1"/>
+                      </a:solidFill>
+                      <a:prstDash val="solid"/>
+                      <a:round/>
+                      <a:headEnd type="none" w="med" len="med"/>
+                      <a:tailEnd type="none" w="med" len="med"/>
+                    </a:lnT>
+                    <a:lnB w="6350" cap="flat" cmpd="sng" algn="ctr">
+                      <a:solidFill>
+                        <a:schemeClr val="bg1"/>
+                      </a:solidFill>
+                      <a:prstDash val="solid"/>
+                      <a:round/>
+                      <a:headEnd type="none" w="med" len="med"/>
+                      <a:tailEnd type="none" w="med" len="med"/>
+                    </a:lnB>
+                    <a:lnTlToBr w="12700" cmpd="sng">
+                      <a:noFill/>
+                      <a:prstDash val="solid"/>
+                    </a:lnTlToBr>
+                    <a:lnBlToTr w="12700" cmpd="sng">
+                      <a:noFill/>
+                      <a:prstDash val="solid"/>
+                    </a:lnBlToTr>
+                    <a:solidFill>
+                      <a:srgbClr val="F2F2F2"/>
+                    </a:solidFill>
+                  </a:tcPr>
+                </a:tc>
+                <a:extLst>
+                  <a:ext uri="{0D108BD9-81ED-4DB2-BD59-A6C34878D82A}">
+                    <a16:rowId xmlns:a16="http://schemas.microsoft.com/office/drawing/2014/main" val="674212300"/>
+                  </a:ext>
+                </a:extLst>
+              </a:tr>
+              <a:tr h="450884">
+                <a:tc>
+                  <a:txBody>
+                    <a:bodyPr/>
+                    <a:lstStyle/>
+                    <a:p>
+                      <a:pPr algn="ctr"/>
+                      <a:r>
+                        <a:rPr lang="it-IT" b="1" dirty="0">
+                          <a:solidFill>
+                            <a:schemeClr val="bg1"/>
+                          </a:solidFill>
+                        </a:rPr>
+                        <a:t>#feature di contesto</a:t>
+                      </a:r>
+                    </a:p>
+                  </a:txBody>
+                  <a:tcPr anchor="ctr">
+                    <a:lnL w="12700" cmpd="sng">
+                      <a:noFill/>
+                    </a:lnL>
+                    <a:lnR w="6350" cap="flat" cmpd="sng" algn="ctr">
+                      <a:solidFill>
+                        <a:schemeClr val="bg1"/>
+                      </a:solidFill>
+                      <a:prstDash val="solid"/>
+                      <a:round/>
+                      <a:headEnd type="none" w="med" len="med"/>
+                      <a:tailEnd type="none" w="med" len="med"/>
+                    </a:lnR>
+                    <a:lnT w="6350" cap="flat" cmpd="sng" algn="ctr">
+                      <a:solidFill>
+                        <a:schemeClr val="bg1"/>
+                      </a:solidFill>
+                      <a:prstDash val="solid"/>
+                      <a:round/>
+                      <a:headEnd type="none" w="med" len="med"/>
+                      <a:tailEnd type="none" w="med" len="med"/>
+                    </a:lnT>
+                    <a:lnB w="6350" cap="flat" cmpd="sng" algn="ctr">
+                      <a:solidFill>
+                        <a:schemeClr val="bg1"/>
+                      </a:solidFill>
+                      <a:prstDash val="solid"/>
+                      <a:round/>
+                      <a:headEnd type="none" w="med" len="med"/>
+                      <a:tailEnd type="none" w="med" len="med"/>
+                    </a:lnB>
+                    <a:lnTlToBr w="12700" cmpd="sng">
+                      <a:noFill/>
+                      <a:prstDash val="solid"/>
+                    </a:lnTlToBr>
+                    <a:lnBlToTr w="12700" cmpd="sng">
+                      <a:noFill/>
+                      <a:prstDash val="solid"/>
+                    </a:lnBlToTr>
+                    <a:solidFill>
+                      <a:srgbClr val="17375E"/>
+                    </a:solidFill>
+                  </a:tcPr>
+                </a:tc>
+                <a:tc>
+                  <a:txBody>
+                    <a:bodyPr/>
+                    <a:lstStyle/>
+                    <a:p>
+                      <a:pPr algn="ctr"/>
+                      <a:r>
+                        <a:rPr lang="it-IT" dirty="0">
+                          <a:solidFill>
+                            <a:sysClr val="windowText" lastClr="000000"/>
+                          </a:solidFill>
+                        </a:rPr>
+                        <a:t>24</a:t>
+                      </a:r>
+                    </a:p>
+                  </a:txBody>
+                  <a:tcPr anchor="ctr">
+                    <a:lnL w="6350" cap="flat" cmpd="sng" algn="ctr">
+                      <a:solidFill>
+                        <a:schemeClr val="bg1"/>
+                      </a:solidFill>
+                      <a:prstDash val="solid"/>
+                      <a:round/>
+                      <a:headEnd type="none" w="med" len="med"/>
+                      <a:tailEnd type="none" w="med" len="med"/>
+                    </a:lnL>
+                    <a:lnR w="6350" cap="flat" cmpd="sng" algn="ctr">
+                      <a:solidFill>
+                        <a:schemeClr val="bg1"/>
+                      </a:solidFill>
+                      <a:prstDash val="solid"/>
+                      <a:round/>
+                      <a:headEnd type="none" w="med" len="med"/>
+                      <a:tailEnd type="none" w="med" len="med"/>
+                    </a:lnR>
+                    <a:lnT w="6350" cap="flat" cmpd="sng" algn="ctr">
+                      <a:solidFill>
+                        <a:schemeClr val="bg1"/>
+                      </a:solidFill>
+                      <a:prstDash val="solid"/>
+                      <a:round/>
+                      <a:headEnd type="none" w="med" len="med"/>
+                      <a:tailEnd type="none" w="med" len="med"/>
+                    </a:lnT>
+                    <a:lnB w="6350" cap="flat" cmpd="sng" algn="ctr">
+                      <a:solidFill>
+                        <a:schemeClr val="bg1"/>
+                      </a:solidFill>
+                      <a:prstDash val="solid"/>
+                      <a:round/>
+                      <a:headEnd type="none" w="med" len="med"/>
+                      <a:tailEnd type="none" w="med" len="med"/>
+                    </a:lnB>
+                    <a:lnTlToBr w="12700" cmpd="sng">
+                      <a:noFill/>
+                      <a:prstDash val="solid"/>
+                    </a:lnTlToBr>
+                    <a:lnBlToTr w="12700" cmpd="sng">
+                      <a:noFill/>
+                      <a:prstDash val="solid"/>
+                    </a:lnBlToTr>
+                    <a:solidFill>
+                      <a:schemeClr val="bg1">
+                        <a:lumMod val="85000"/>
+                      </a:schemeClr>
+                    </a:solidFill>
+                  </a:tcPr>
+                </a:tc>
+                <a:tc>
+                  <a:txBody>
+                    <a:bodyPr/>
+                    <a:lstStyle/>
+                    <a:p>
+                      <a:pPr algn="ctr"/>
+                      <a:r>
+                        <a:rPr lang="it-IT" dirty="0">
+                          <a:solidFill>
+                            <a:sysClr val="windowText" lastClr="000000"/>
+                          </a:solidFill>
+                        </a:rPr>
+                        <a:t>71</a:t>
+                      </a:r>
+                    </a:p>
+                  </a:txBody>
+                  <a:tcPr anchor="ctr">
+                    <a:lnL w="6350" cap="flat" cmpd="sng" algn="ctr">
+                      <a:solidFill>
+                        <a:schemeClr val="bg1"/>
+                      </a:solidFill>
+                      <a:prstDash val="solid"/>
+                      <a:round/>
+                      <a:headEnd type="none" w="med" len="med"/>
+                      <a:tailEnd type="none" w="med" len="med"/>
+                    </a:lnL>
+                    <a:lnR w="6350" cap="flat" cmpd="sng" algn="ctr">
+                      <a:solidFill>
+                        <a:schemeClr val="bg1"/>
+                      </a:solidFill>
+                      <a:prstDash val="solid"/>
+                      <a:round/>
+                      <a:headEnd type="none" w="med" len="med"/>
+                      <a:tailEnd type="none" w="med" len="med"/>
+                    </a:lnR>
+                    <a:lnT w="6350" cap="flat" cmpd="sng" algn="ctr">
+                      <a:solidFill>
+                        <a:schemeClr val="bg1"/>
+                      </a:solidFill>
+                      <a:prstDash val="solid"/>
+                      <a:round/>
+                      <a:headEnd type="none" w="med" len="med"/>
+                      <a:tailEnd type="none" w="med" len="med"/>
+                    </a:lnT>
+                    <a:lnB w="6350" cap="flat" cmpd="sng" algn="ctr">
+                      <a:solidFill>
+                        <a:schemeClr val="bg1"/>
+                      </a:solidFill>
+                      <a:prstDash val="solid"/>
+                      <a:round/>
+                      <a:headEnd type="none" w="med" len="med"/>
+                      <a:tailEnd type="none" w="med" len="med"/>
+                    </a:lnB>
+                    <a:lnTlToBr w="12700" cmpd="sng">
+                      <a:noFill/>
+                      <a:prstDash val="solid"/>
+                    </a:lnTlToBr>
+                    <a:lnBlToTr w="12700" cmpd="sng">
+                      <a:noFill/>
+                      <a:prstDash val="solid"/>
+                    </a:lnBlToTr>
+                    <a:solidFill>
+                      <a:schemeClr val="bg1">
+                        <a:lumMod val="85000"/>
+                      </a:schemeClr>
+                    </a:solidFill>
+                  </a:tcPr>
+                </a:tc>
+                <a:extLst>
+                  <a:ext uri="{0D108BD9-81ED-4DB2-BD59-A6C34878D82A}">
+                    <a16:rowId xmlns:a16="http://schemas.microsoft.com/office/drawing/2014/main" val="3061374459"/>
+                  </a:ext>
+                </a:extLst>
+              </a:tr>
+              <a:tr h="3290197">
+                <a:tc>
+                  <a:txBody>
+                    <a:bodyPr/>
+                    <a:lstStyle/>
+                    <a:p>
+                      <a:pPr algn="ctr"/>
+                      <a:r>
+                        <a:rPr lang="it-IT" b="1" dirty="0">
+                          <a:solidFill>
+                            <a:schemeClr val="bg1"/>
+                          </a:solidFill>
+                        </a:rPr>
+                        <a:t>Feature di contesto</a:t>
+                      </a:r>
+                    </a:p>
+                  </a:txBody>
+                  <a:tcPr anchor="ctr">
+                    <a:lnL w="12700" cmpd="sng">
+                      <a:noFill/>
+                    </a:lnL>
+                    <a:lnR w="6350" cap="flat" cmpd="sng" algn="ctr">
+                      <a:solidFill>
+                        <a:schemeClr val="bg1"/>
+                      </a:solidFill>
+                      <a:prstDash val="solid"/>
+                      <a:round/>
+                      <a:headEnd type="none" w="med" len="med"/>
+                      <a:tailEnd type="none" w="med" len="med"/>
+                    </a:lnR>
+                    <a:lnT w="6350" cap="flat" cmpd="sng" algn="ctr">
+                      <a:solidFill>
+                        <a:schemeClr val="bg1"/>
+                      </a:solidFill>
+                      <a:prstDash val="solid"/>
+                      <a:round/>
+                      <a:headEnd type="none" w="med" len="med"/>
+                      <a:tailEnd type="none" w="med" len="med"/>
+                    </a:lnT>
+                    <a:lnB w="12700" cmpd="sng">
+                      <a:noFill/>
+                    </a:lnB>
+                    <a:lnTlToBr w="12700" cmpd="sng">
+                      <a:noFill/>
+                      <a:prstDash val="solid"/>
+                    </a:lnTlToBr>
+                    <a:lnBlToTr w="12700" cmpd="sng">
+                      <a:noFill/>
+                      <a:prstDash val="solid"/>
+                    </a:lnBlToTr>
+                    <a:solidFill>
+                      <a:srgbClr val="17375E"/>
+                    </a:solidFill>
+                  </a:tcPr>
+                </a:tc>
+                <a:tc>
+                  <a:txBody>
+                    <a:bodyPr/>
+                    <a:lstStyle/>
+                    <a:p>
+                      <a:pPr marL="285750" indent="-285750">
+                        <a:buFont typeface="Arial" panose="020B0604020202020204" pitchFamily="34" charset="0"/>
+                        <a:buChar char="•"/>
+                      </a:pPr>
+                      <a:r>
+                        <a:rPr lang="it-IT" dirty="0">
+                          <a:solidFill>
+                            <a:sysClr val="windowText" lastClr="000000"/>
+                          </a:solidFill>
+                        </a:rPr>
+                        <a:t>Momento giornata</a:t>
+                      </a:r>
+                    </a:p>
+                    <a:p>
+                      <a:pPr marL="285750" indent="-285750">
+                        <a:buFont typeface="Arial" panose="020B0604020202020204" pitchFamily="34" charset="0"/>
+                        <a:buChar char="•"/>
+                      </a:pPr>
+                      <a:r>
+                        <a:rPr lang="it-IT" dirty="0">
+                          <a:solidFill>
+                            <a:sysClr val="windowText" lastClr="000000"/>
+                          </a:solidFill>
+                        </a:rPr>
+                        <a:t>Giorno della settimana</a:t>
+                      </a:r>
+                    </a:p>
+                    <a:p>
+                      <a:pPr marL="285750" indent="-285750">
+                        <a:buFont typeface="Arial" panose="020B0604020202020204" pitchFamily="34" charset="0"/>
+                        <a:buChar char="•"/>
+                      </a:pPr>
+                      <a:r>
+                        <a:rPr lang="it-IT" dirty="0">
+                          <a:solidFill>
+                            <a:sysClr val="windowText" lastClr="000000"/>
+                          </a:solidFill>
+                        </a:rPr>
+                        <a:t>Se è il fine settimana</a:t>
+                      </a:r>
+                    </a:p>
+                    <a:p>
+                      <a:pPr marL="285750" indent="-285750">
+                        <a:buFont typeface="Arial" panose="020B0604020202020204" pitchFamily="34" charset="0"/>
+                        <a:buChar char="•"/>
+                      </a:pPr>
+                      <a:r>
+                        <a:rPr lang="it-IT" dirty="0">
+                          <a:solidFill>
+                            <a:sysClr val="windowText" lastClr="000000"/>
+                          </a:solidFill>
+                        </a:rPr>
+                        <a:t>Meteo</a:t>
+                      </a:r>
+                    </a:p>
+                  </a:txBody>
+                  <a:tcPr anchor="ctr">
+                    <a:lnL w="6350" cap="flat" cmpd="sng" algn="ctr">
+                      <a:solidFill>
+                        <a:schemeClr val="bg1"/>
+                      </a:solidFill>
+                      <a:prstDash val="solid"/>
+                      <a:round/>
+                      <a:headEnd type="none" w="med" len="med"/>
+                      <a:tailEnd type="none" w="med" len="med"/>
+                    </a:lnL>
+                    <a:lnR w="6350" cap="flat" cmpd="sng" algn="ctr">
+                      <a:solidFill>
+                        <a:schemeClr val="bg1"/>
+                      </a:solidFill>
+                      <a:prstDash val="solid"/>
+                      <a:round/>
+                      <a:headEnd type="none" w="med" len="med"/>
+                      <a:tailEnd type="none" w="med" len="med"/>
+                    </a:lnR>
+                    <a:lnT w="6350" cap="flat" cmpd="sng" algn="ctr">
+                      <a:solidFill>
+                        <a:schemeClr val="bg1"/>
+                      </a:solidFill>
+                      <a:prstDash val="solid"/>
+                      <a:round/>
+                      <a:headEnd type="none" w="med" len="med"/>
+                      <a:tailEnd type="none" w="med" len="med"/>
+                    </a:lnT>
+                    <a:lnB w="12700" cmpd="sng">
+                      <a:noFill/>
+                    </a:lnB>
+                    <a:lnTlToBr w="12700" cmpd="sng">
+                      <a:noFill/>
+                      <a:prstDash val="solid"/>
+                    </a:lnTlToBr>
+                    <a:lnBlToTr w="12700" cmpd="sng">
+                      <a:noFill/>
+                      <a:prstDash val="solid"/>
+                    </a:lnBlToTr>
+                    <a:solidFill>
+                      <a:schemeClr val="bg1">
+                        <a:lumMod val="95000"/>
+                      </a:schemeClr>
+                    </a:solidFill>
+                  </a:tcPr>
+                </a:tc>
+                <a:tc>
+                  <a:txBody>
+                    <a:bodyPr/>
+                    <a:lstStyle/>
+                    <a:p>
+                      <a:pPr marL="285750" indent="-285750">
+                        <a:buFont typeface="Arial" panose="020B0604020202020204" pitchFamily="34" charset="0"/>
+                        <a:buChar char="•"/>
+                      </a:pPr>
+                      <a:r>
+                        <a:rPr lang="it-IT" dirty="0">
+                          <a:solidFill>
+                            <a:sysClr val="windowText" lastClr="000000"/>
+                          </a:solidFill>
+                        </a:rPr>
+                        <a:t>Attività utente </a:t>
+                      </a:r>
+                    </a:p>
+                    <a:p>
+                      <a:pPr marL="285750" indent="-285750">
+                        <a:buFont typeface="Arial" panose="020B0604020202020204" pitchFamily="34" charset="0"/>
+                        <a:buChar char="•"/>
+                      </a:pPr>
+                      <a:r>
+                        <a:rPr lang="it-IT" dirty="0">
+                          <a:solidFill>
+                            <a:sysClr val="windowText" lastClr="000000"/>
+                          </a:solidFill>
+                        </a:rPr>
+                        <a:t>Modalità audio </a:t>
+                      </a:r>
+                    </a:p>
+                    <a:p>
+                      <a:pPr marL="285750" indent="-285750">
+                        <a:buFont typeface="Arial" panose="020B0604020202020204" pitchFamily="34" charset="0"/>
+                        <a:buChar char="•"/>
+                      </a:pPr>
+                      <a:r>
+                        <a:rPr lang="it-IT" dirty="0">
+                          <a:solidFill>
+                            <a:sysClr val="windowText" lastClr="000000"/>
+                          </a:solidFill>
+                        </a:rPr>
+                        <a:t>Volume </a:t>
+                      </a:r>
+                    </a:p>
+                    <a:p>
+                      <a:pPr marL="285750" indent="-285750">
+                        <a:buFont typeface="Arial" panose="020B0604020202020204" pitchFamily="34" charset="0"/>
+                        <a:buChar char="•"/>
+                      </a:pPr>
+                      <a:r>
+                        <a:rPr lang="it-IT" dirty="0">
+                          <a:solidFill>
+                            <a:sysClr val="windowText" lastClr="000000"/>
+                          </a:solidFill>
+                        </a:rPr>
+                        <a:t>Musica </a:t>
+                      </a:r>
+                    </a:p>
+                    <a:p>
+                      <a:pPr marL="285750" indent="-285750">
+                        <a:buFont typeface="Arial" panose="020B0604020202020204" pitchFamily="34" charset="0"/>
+                        <a:buChar char="•"/>
+                      </a:pPr>
+                      <a:r>
+                        <a:rPr lang="it-IT" dirty="0">
+                          <a:solidFill>
+                            <a:sysClr val="windowText" lastClr="000000"/>
+                          </a:solidFill>
+                        </a:rPr>
+                        <a:t>Batteria </a:t>
+                      </a:r>
+                    </a:p>
+                    <a:p>
+                      <a:pPr marL="285750" indent="-285750">
+                        <a:buFont typeface="Arial" panose="020B0604020202020204" pitchFamily="34" charset="0"/>
+                        <a:buChar char="•"/>
+                      </a:pPr>
+                      <a:r>
+                        <a:rPr lang="it-IT" dirty="0">
+                          <a:solidFill>
+                            <a:sysClr val="windowText" lastClr="000000"/>
+                          </a:solidFill>
+                        </a:rPr>
+                        <a:t>Schermo </a:t>
+                      </a:r>
+                    </a:p>
+                    <a:p>
+                      <a:pPr marL="285750" indent="-285750">
+                        <a:buFont typeface="Arial" panose="020B0604020202020204" pitchFamily="34" charset="0"/>
+                        <a:buChar char="•"/>
+                      </a:pPr>
+                      <a:r>
+                        <a:rPr lang="it-IT" dirty="0">
+                          <a:solidFill>
+                            <a:sysClr val="windowText" lastClr="000000"/>
+                          </a:solidFill>
+                        </a:rPr>
+                        <a:t>Meteo</a:t>
+                      </a:r>
+                    </a:p>
+                    <a:p>
+                      <a:pPr marL="285750" indent="-285750">
+                        <a:buFont typeface="Arial" panose="020B0604020202020204" pitchFamily="34" charset="0"/>
+                        <a:buChar char="•"/>
+                      </a:pPr>
+                      <a:r>
+                        <a:rPr lang="it-IT" dirty="0">
+                          <a:solidFill>
+                            <a:sysClr val="windowText" lastClr="000000"/>
+                          </a:solidFill>
+                        </a:rPr>
+                        <a:t>WiFi</a:t>
+                      </a:r>
+                    </a:p>
+                    <a:p>
+                      <a:pPr marL="285750" indent="-285750">
+                        <a:buFont typeface="Arial" panose="020B0604020202020204" pitchFamily="34" charset="0"/>
+                        <a:buChar char="•"/>
+                      </a:pPr>
+                      <a:r>
+                        <a:rPr lang="it-IT" dirty="0">
+                          <a:solidFill>
+                            <a:sysClr val="windowText" lastClr="000000"/>
+                          </a:solidFill>
+                        </a:rPr>
+                        <a:t>Momento giornata</a:t>
+                      </a:r>
+                    </a:p>
+                    <a:p>
+                      <a:pPr marL="285750" indent="-285750">
+                        <a:buFont typeface="Arial" panose="020B0604020202020204" pitchFamily="34" charset="0"/>
+                        <a:buChar char="•"/>
+                      </a:pPr>
+                      <a:r>
+                        <a:rPr lang="it-IT" dirty="0">
+                          <a:solidFill>
+                            <a:sysClr val="windowText" lastClr="000000"/>
+                          </a:solidFill>
+                        </a:rPr>
+                        <a:t>Giorno della settimana</a:t>
+                      </a:r>
+                    </a:p>
+                    <a:p>
+                      <a:pPr marL="285750" indent="-285750">
+                        <a:buFont typeface="Arial" panose="020B0604020202020204" pitchFamily="34" charset="0"/>
+                        <a:buChar char="•"/>
+                      </a:pPr>
+                      <a:r>
+                        <a:rPr lang="it-IT" dirty="0">
+                          <a:solidFill>
+                            <a:sysClr val="windowText" lastClr="000000"/>
+                          </a:solidFill>
+                        </a:rPr>
+                        <a:t>Se è il fine settimana</a:t>
+                      </a:r>
+                    </a:p>
+                    <a:p>
+                      <a:pPr marL="285750" indent="-285750">
+                        <a:buFont typeface="Arial" panose="020B0604020202020204" pitchFamily="34" charset="0"/>
+                        <a:buChar char="•"/>
+                      </a:pPr>
+                      <a:r>
+                        <a:rPr lang="it-IT" dirty="0">
+                          <a:solidFill>
+                            <a:sysClr val="windowText" lastClr="000000"/>
+                          </a:solidFill>
+                        </a:rPr>
+                        <a:t>Tipologia di persone in prossimità dell’utente</a:t>
+                      </a:r>
+                    </a:p>
+                  </a:txBody>
+                  <a:tcPr anchor="ctr">
+                    <a:lnL w="6350" cap="flat" cmpd="sng" algn="ctr">
+                      <a:solidFill>
+                        <a:schemeClr val="bg1"/>
+                      </a:solidFill>
+                      <a:prstDash val="solid"/>
+                      <a:round/>
+                      <a:headEnd type="none" w="med" len="med"/>
+                      <a:tailEnd type="none" w="med" len="med"/>
+                    </a:lnL>
+                    <a:lnR w="6350" cap="flat" cmpd="sng" algn="ctr">
+                      <a:solidFill>
+                        <a:schemeClr val="bg1"/>
+                      </a:solidFill>
+                      <a:prstDash val="solid"/>
+                      <a:round/>
+                      <a:headEnd type="none" w="med" len="med"/>
+                      <a:tailEnd type="none" w="med" len="med"/>
+                    </a:lnR>
+                    <a:lnT w="6350" cap="flat" cmpd="sng" algn="ctr">
+                      <a:solidFill>
+                        <a:schemeClr val="bg1"/>
+                      </a:solidFill>
+                      <a:prstDash val="solid"/>
+                      <a:round/>
+                      <a:headEnd type="none" w="med" len="med"/>
+                      <a:tailEnd type="none" w="med" len="med"/>
+                    </a:lnT>
+                    <a:lnB w="12700" cmpd="sng">
+                      <a:noFill/>
+                    </a:lnB>
+                    <a:lnTlToBr w="12700" cmpd="sng">
+                      <a:noFill/>
+                      <a:prstDash val="solid"/>
+                    </a:lnTlToBr>
+                    <a:lnBlToTr w="12700" cmpd="sng">
+                      <a:noFill/>
+                      <a:prstDash val="solid"/>
+                    </a:lnBlToTr>
+                    <a:solidFill>
+                      <a:schemeClr val="bg1">
+                        <a:lumMod val="95000"/>
+                      </a:schemeClr>
+                    </a:solidFill>
+                  </a:tcPr>
+                </a:tc>
+                <a:extLst>
+                  <a:ext uri="{0D108BD9-81ED-4DB2-BD59-A6C34878D82A}">
+                    <a16:rowId xmlns:a16="http://schemas.microsoft.com/office/drawing/2014/main" val="801948398"/>
+                  </a:ext>
+                </a:extLst>
+              </a:tr>
+            </a:tbl>
+          </a:graphicData>
+        </a:graphic>
+      </p:graphicFrame>
     </p:spTree>
     <p:extLst>
       <p:ext uri="{BB962C8B-B14F-4D97-AF65-F5344CB8AC3E}">
-        <p14:creationId xmlns:p14="http://schemas.microsoft.com/office/powerpoint/2010/main" val="541751724"/>
+        <p14:creationId xmlns:p14="http://schemas.microsoft.com/office/powerpoint/2010/main" val="780777039"/>
       </p:ext>
     </p:extLst>
   </p:cSld>
